--- a/Documents/TabHero.pptx
+++ b/Documents/TabHero.pptx
@@ -774,7 +774,7 @@
           <a:p>
             <a:fld id="{02C1E7B6-AAC5-4D87-B0BB-B467B133FA42}" type="datetimeFigureOut">
               <a:rPr lang="ko-KR" altLang="en-US" smtClean="0"/>
-              <a:t>2022-06-26</a:t>
+              <a:t>2022-06-28</a:t>
             </a:fld>
             <a:endParaRPr lang="ko-KR" altLang="en-US"/>
           </a:p>
@@ -972,7 +972,7 @@
           <a:p>
             <a:fld id="{02C1E7B6-AAC5-4D87-B0BB-B467B133FA42}" type="datetimeFigureOut">
               <a:rPr lang="ko-KR" altLang="en-US" smtClean="0"/>
-              <a:t>2022-06-26</a:t>
+              <a:t>2022-06-28</a:t>
             </a:fld>
             <a:endParaRPr lang="ko-KR" altLang="en-US"/>
           </a:p>
@@ -1180,7 +1180,7 @@
           <a:p>
             <a:fld id="{02C1E7B6-AAC5-4D87-B0BB-B467B133FA42}" type="datetimeFigureOut">
               <a:rPr lang="ko-KR" altLang="en-US" smtClean="0"/>
-              <a:t>2022-06-26</a:t>
+              <a:t>2022-06-28</a:t>
             </a:fld>
             <a:endParaRPr lang="ko-KR" altLang="en-US"/>
           </a:p>
@@ -1378,7 +1378,7 @@
           <a:p>
             <a:fld id="{02C1E7B6-AAC5-4D87-B0BB-B467B133FA42}" type="datetimeFigureOut">
               <a:rPr lang="ko-KR" altLang="en-US" smtClean="0"/>
-              <a:t>2022-06-26</a:t>
+              <a:t>2022-06-28</a:t>
             </a:fld>
             <a:endParaRPr lang="ko-KR" altLang="en-US"/>
           </a:p>
@@ -1653,7 +1653,7 @@
           <a:p>
             <a:fld id="{02C1E7B6-AAC5-4D87-B0BB-B467B133FA42}" type="datetimeFigureOut">
               <a:rPr lang="ko-KR" altLang="en-US" smtClean="0"/>
-              <a:t>2022-06-26</a:t>
+              <a:t>2022-06-28</a:t>
             </a:fld>
             <a:endParaRPr lang="ko-KR" altLang="en-US"/>
           </a:p>
@@ -1918,7 +1918,7 @@
           <a:p>
             <a:fld id="{02C1E7B6-AAC5-4D87-B0BB-B467B133FA42}" type="datetimeFigureOut">
               <a:rPr lang="ko-KR" altLang="en-US" smtClean="0"/>
-              <a:t>2022-06-26</a:t>
+              <a:t>2022-06-28</a:t>
             </a:fld>
             <a:endParaRPr lang="ko-KR" altLang="en-US"/>
           </a:p>
@@ -2330,7 +2330,7 @@
           <a:p>
             <a:fld id="{02C1E7B6-AAC5-4D87-B0BB-B467B133FA42}" type="datetimeFigureOut">
               <a:rPr lang="ko-KR" altLang="en-US" smtClean="0"/>
-              <a:t>2022-06-26</a:t>
+              <a:t>2022-06-28</a:t>
             </a:fld>
             <a:endParaRPr lang="ko-KR" altLang="en-US"/>
           </a:p>
@@ -2471,7 +2471,7 @@
           <a:p>
             <a:fld id="{02C1E7B6-AAC5-4D87-B0BB-B467B133FA42}" type="datetimeFigureOut">
               <a:rPr lang="ko-KR" altLang="en-US" smtClean="0"/>
-              <a:t>2022-06-26</a:t>
+              <a:t>2022-06-28</a:t>
             </a:fld>
             <a:endParaRPr lang="ko-KR" altLang="en-US"/>
           </a:p>
@@ -2584,7 +2584,7 @@
           <a:p>
             <a:fld id="{02C1E7B6-AAC5-4D87-B0BB-B467B133FA42}" type="datetimeFigureOut">
               <a:rPr lang="ko-KR" altLang="en-US" smtClean="0"/>
-              <a:t>2022-06-26</a:t>
+              <a:t>2022-06-28</a:t>
             </a:fld>
             <a:endParaRPr lang="ko-KR" altLang="en-US"/>
           </a:p>
@@ -2895,7 +2895,7 @@
           <a:p>
             <a:fld id="{02C1E7B6-AAC5-4D87-B0BB-B467B133FA42}" type="datetimeFigureOut">
               <a:rPr lang="ko-KR" altLang="en-US" smtClean="0"/>
-              <a:t>2022-06-26</a:t>
+              <a:t>2022-06-28</a:t>
             </a:fld>
             <a:endParaRPr lang="ko-KR" altLang="en-US"/>
           </a:p>
@@ -3183,7 +3183,7 @@
           <a:p>
             <a:fld id="{02C1E7B6-AAC5-4D87-B0BB-B467B133FA42}" type="datetimeFigureOut">
               <a:rPr lang="ko-KR" altLang="en-US" smtClean="0"/>
-              <a:t>2022-06-26</a:t>
+              <a:t>2022-06-28</a:t>
             </a:fld>
             <a:endParaRPr lang="ko-KR" altLang="en-US"/>
           </a:p>
@@ -3424,7 +3424,7 @@
           <a:p>
             <a:fld id="{02C1E7B6-AAC5-4D87-B0BB-B467B133FA42}" type="datetimeFigureOut">
               <a:rPr lang="ko-KR" altLang="en-US" smtClean="0"/>
-              <a:t>2022-06-26</a:t>
+              <a:t>2022-06-28</a:t>
             </a:fld>
             <a:endParaRPr lang="ko-KR" altLang="en-US"/>
           </a:p>
@@ -4524,7 +4524,7 @@
                 <a:latin typeface="넥슨Lv2고딕 Light" panose="00000300000000000000" pitchFamily="2" charset="-127"/>
                 <a:ea typeface="넥슨Lv2고딕 Light" panose="00000300000000000000" pitchFamily="2" charset="-127"/>
               </a:rPr>
-              <a:t>사용 이유는 이후 </a:t>
+              <a:t>사용 이유는 </a:t>
             </a:r>
             <a:r>
               <a:rPr lang="ko-KR" altLang="en-US" sz="1600" dirty="0" err="1">

--- a/Documents/TabHero.pptx
+++ b/Documents/TabHero.pptx
@@ -19,17 +19,19 @@
     <p:sldId id="267" r:id="rId13"/>
     <p:sldId id="268" r:id="rId14"/>
     <p:sldId id="269" r:id="rId15"/>
-    <p:sldId id="270" r:id="rId16"/>
-    <p:sldId id="271" r:id="rId17"/>
-    <p:sldId id="272" r:id="rId18"/>
-    <p:sldId id="273" r:id="rId19"/>
-    <p:sldId id="274" r:id="rId20"/>
-    <p:sldId id="278" r:id="rId21"/>
-    <p:sldId id="276" r:id="rId22"/>
-    <p:sldId id="277" r:id="rId23"/>
-    <p:sldId id="275" r:id="rId24"/>
-    <p:sldId id="279" r:id="rId25"/>
-    <p:sldId id="280" r:id="rId26"/>
+    <p:sldId id="282" r:id="rId16"/>
+    <p:sldId id="270" r:id="rId17"/>
+    <p:sldId id="271" r:id="rId18"/>
+    <p:sldId id="272" r:id="rId19"/>
+    <p:sldId id="273" r:id="rId20"/>
+    <p:sldId id="281" r:id="rId21"/>
+    <p:sldId id="274" r:id="rId22"/>
+    <p:sldId id="278" r:id="rId23"/>
+    <p:sldId id="276" r:id="rId24"/>
+    <p:sldId id="277" r:id="rId25"/>
+    <p:sldId id="275" r:id="rId26"/>
+    <p:sldId id="279" r:id="rId27"/>
+    <p:sldId id="280" r:id="rId28"/>
   </p:sldIdLst>
   <p:sldSz cx="12192000" cy="6858000"/>
   <p:notesSz cx="6858000" cy="9144000"/>
@@ -774,7 +776,7 @@
           <a:p>
             <a:fld id="{02C1E7B6-AAC5-4D87-B0BB-B467B133FA42}" type="datetimeFigureOut">
               <a:rPr lang="ko-KR" altLang="en-US" smtClean="0"/>
-              <a:t>2022-06-28</a:t>
+              <a:t>2022-06-29</a:t>
             </a:fld>
             <a:endParaRPr lang="ko-KR" altLang="en-US"/>
           </a:p>
@@ -972,7 +974,7 @@
           <a:p>
             <a:fld id="{02C1E7B6-AAC5-4D87-B0BB-B467B133FA42}" type="datetimeFigureOut">
               <a:rPr lang="ko-KR" altLang="en-US" smtClean="0"/>
-              <a:t>2022-06-28</a:t>
+              <a:t>2022-06-29</a:t>
             </a:fld>
             <a:endParaRPr lang="ko-KR" altLang="en-US"/>
           </a:p>
@@ -1180,7 +1182,7 @@
           <a:p>
             <a:fld id="{02C1E7B6-AAC5-4D87-B0BB-B467B133FA42}" type="datetimeFigureOut">
               <a:rPr lang="ko-KR" altLang="en-US" smtClean="0"/>
-              <a:t>2022-06-28</a:t>
+              <a:t>2022-06-29</a:t>
             </a:fld>
             <a:endParaRPr lang="ko-KR" altLang="en-US"/>
           </a:p>
@@ -1378,7 +1380,7 @@
           <a:p>
             <a:fld id="{02C1E7B6-AAC5-4D87-B0BB-B467B133FA42}" type="datetimeFigureOut">
               <a:rPr lang="ko-KR" altLang="en-US" smtClean="0"/>
-              <a:t>2022-06-28</a:t>
+              <a:t>2022-06-29</a:t>
             </a:fld>
             <a:endParaRPr lang="ko-KR" altLang="en-US"/>
           </a:p>
@@ -1653,7 +1655,7 @@
           <a:p>
             <a:fld id="{02C1E7B6-AAC5-4D87-B0BB-B467B133FA42}" type="datetimeFigureOut">
               <a:rPr lang="ko-KR" altLang="en-US" smtClean="0"/>
-              <a:t>2022-06-28</a:t>
+              <a:t>2022-06-29</a:t>
             </a:fld>
             <a:endParaRPr lang="ko-KR" altLang="en-US"/>
           </a:p>
@@ -1918,7 +1920,7 @@
           <a:p>
             <a:fld id="{02C1E7B6-AAC5-4D87-B0BB-B467B133FA42}" type="datetimeFigureOut">
               <a:rPr lang="ko-KR" altLang="en-US" smtClean="0"/>
-              <a:t>2022-06-28</a:t>
+              <a:t>2022-06-29</a:t>
             </a:fld>
             <a:endParaRPr lang="ko-KR" altLang="en-US"/>
           </a:p>
@@ -2330,7 +2332,7 @@
           <a:p>
             <a:fld id="{02C1E7B6-AAC5-4D87-B0BB-B467B133FA42}" type="datetimeFigureOut">
               <a:rPr lang="ko-KR" altLang="en-US" smtClean="0"/>
-              <a:t>2022-06-28</a:t>
+              <a:t>2022-06-29</a:t>
             </a:fld>
             <a:endParaRPr lang="ko-KR" altLang="en-US"/>
           </a:p>
@@ -2471,7 +2473,7 @@
           <a:p>
             <a:fld id="{02C1E7B6-AAC5-4D87-B0BB-B467B133FA42}" type="datetimeFigureOut">
               <a:rPr lang="ko-KR" altLang="en-US" smtClean="0"/>
-              <a:t>2022-06-28</a:t>
+              <a:t>2022-06-29</a:t>
             </a:fld>
             <a:endParaRPr lang="ko-KR" altLang="en-US"/>
           </a:p>
@@ -2584,7 +2586,7 @@
           <a:p>
             <a:fld id="{02C1E7B6-AAC5-4D87-B0BB-B467B133FA42}" type="datetimeFigureOut">
               <a:rPr lang="ko-KR" altLang="en-US" smtClean="0"/>
-              <a:t>2022-06-28</a:t>
+              <a:t>2022-06-29</a:t>
             </a:fld>
             <a:endParaRPr lang="ko-KR" altLang="en-US"/>
           </a:p>
@@ -2895,7 +2897,7 @@
           <a:p>
             <a:fld id="{02C1E7B6-AAC5-4D87-B0BB-B467B133FA42}" type="datetimeFigureOut">
               <a:rPr lang="ko-KR" altLang="en-US" smtClean="0"/>
-              <a:t>2022-06-28</a:t>
+              <a:t>2022-06-29</a:t>
             </a:fld>
             <a:endParaRPr lang="ko-KR" altLang="en-US"/>
           </a:p>
@@ -3183,7 +3185,7 @@
           <a:p>
             <a:fld id="{02C1E7B6-AAC5-4D87-B0BB-B467B133FA42}" type="datetimeFigureOut">
               <a:rPr lang="ko-KR" altLang="en-US" smtClean="0"/>
-              <a:t>2022-06-28</a:t>
+              <a:t>2022-06-29</a:t>
             </a:fld>
             <a:endParaRPr lang="ko-KR" altLang="en-US"/>
           </a:p>
@@ -3424,7 +3426,7 @@
           <a:p>
             <a:fld id="{02C1E7B6-AAC5-4D87-B0BB-B467B133FA42}" type="datetimeFigureOut">
               <a:rPr lang="ko-KR" altLang="en-US" smtClean="0"/>
-              <a:t>2022-06-28</a:t>
+              <a:t>2022-06-29</a:t>
             </a:fld>
             <a:endParaRPr lang="ko-KR" altLang="en-US"/>
           </a:p>
@@ -5522,6 +5524,13 @@
               </a:rPr>
               <a:t>Microsoft.Office.Interop.Excel.dll</a:t>
             </a:r>
+          </a:p>
+          <a:p>
+            <a:pPr>
+              <a:lnSpc>
+                <a:spcPct val="150000"/>
+              </a:lnSpc>
+            </a:pPr>
             <a:r>
               <a:rPr lang="ko-KR" altLang="en-US" sz="1600" dirty="0">
                 <a:solidFill>
@@ -5530,7 +5539,7 @@
                 <a:latin typeface="넥슨Lv2고딕 Light" panose="00000300000000000000" pitchFamily="2" charset="-127"/>
                 <a:ea typeface="넥슨Lv2고딕 Light" panose="00000300000000000000" pitchFamily="2" charset="-127"/>
               </a:rPr>
-              <a:t> 이 적용되지 않는 문제를 겪었습니다</a:t>
+              <a:t>호환되지 않는 문제를 겪었습니다</a:t>
             </a:r>
             <a:endParaRPr lang="en-US" altLang="ko-KR" sz="1600" dirty="0">
               <a:solidFill>
@@ -5554,7 +5563,7 @@
                 <a:latin typeface="넥슨Lv2고딕 Light" panose="00000300000000000000" pitchFamily="2" charset="-127"/>
                 <a:ea typeface="넥슨Lv2고딕 Light" panose="00000300000000000000" pitchFamily="2" charset="-127"/>
               </a:rPr>
-              <a:t>이것을 해결하기 위해 유니티에서 실행하는 방법을 찾아보다</a:t>
+              <a:t>이것을 해결하기 위해 유니티에서는</a:t>
             </a:r>
             <a:endParaRPr lang="en-US" altLang="ko-KR" sz="1600" dirty="0">
               <a:solidFill>
@@ -5578,7 +5587,7 @@
                 <a:latin typeface="넥슨Lv2고딕 Light" panose="00000300000000000000" pitchFamily="2" charset="-127"/>
                 <a:ea typeface="넥슨Lv2고딕 Light" panose="00000300000000000000" pitchFamily="2" charset="-127"/>
               </a:rPr>
-              <a:t>여러 방법들이 작동이 안되어서</a:t>
+              <a:t>프로그램만 실행하는 방법을 택하였고</a:t>
             </a:r>
             <a:endParaRPr lang="en-US" altLang="ko-KR" sz="1600" dirty="0">
               <a:solidFill>
@@ -5612,7 +5621,7 @@
                 <a:latin typeface="넥슨Lv2고딕 Light" panose="00000300000000000000" pitchFamily="2" charset="-127"/>
                 <a:ea typeface="넥슨Lv2고딕 Light" panose="00000300000000000000" pitchFamily="2" charset="-127"/>
               </a:rPr>
-              <a:t>을 이용해 </a:t>
+              <a:t>을 프로그램을 제작하여 </a:t>
             </a:r>
             <a:r>
               <a:rPr lang="en-US" altLang="ko-KR" sz="1600" dirty="0">
@@ -5656,7 +5665,7 @@
                 <a:latin typeface="넥슨Lv2고딕 Light" panose="00000300000000000000" pitchFamily="2" charset="-127"/>
                 <a:ea typeface="넥슨Lv2고딕 Light" panose="00000300000000000000" pitchFamily="2" charset="-127"/>
               </a:rPr>
-              <a:t>유니티 </a:t>
+              <a:t>유니티 에서 실행하였습니다</a:t>
             </a:r>
             <a:r>
               <a:rPr lang="en-US" altLang="ko-KR" sz="1600" dirty="0">
@@ -5666,49 +5675,8 @@
                 <a:latin typeface="넥슨Lv2고딕 Light" panose="00000300000000000000" pitchFamily="2" charset="-127"/>
                 <a:ea typeface="넥슨Lv2고딕 Light" panose="00000300000000000000" pitchFamily="2" charset="-127"/>
               </a:rPr>
-              <a:t>C#</a:t>
-            </a:r>
-            <a:r>
-              <a:rPr lang="ko-KR" altLang="en-US" sz="1600" dirty="0">
-                <a:solidFill>
-                  <a:schemeClr val="bg1"/>
-                </a:solidFill>
-                <a:latin typeface="넥슨Lv2고딕 Light" panose="00000300000000000000" pitchFamily="2" charset="-127"/>
-                <a:ea typeface="넥슨Lv2고딕 Light" panose="00000300000000000000" pitchFamily="2" charset="-127"/>
-              </a:rPr>
-              <a:t>에서 실행하는 방법으로</a:t>
-            </a:r>
-            <a:endParaRPr lang="en-US" altLang="ko-KR" sz="1600" dirty="0">
-              <a:solidFill>
-                <a:schemeClr val="bg1"/>
-              </a:solidFill>
-              <a:latin typeface="넥슨Lv2고딕 Light" panose="00000300000000000000" pitchFamily="2" charset="-127"/>
-              <a:ea typeface="넥슨Lv2고딕 Light" panose="00000300000000000000" pitchFamily="2" charset="-127"/>
-            </a:endParaRPr>
-          </a:p>
-          <a:p>
-            <a:pPr>
-              <a:lnSpc>
-                <a:spcPct val="150000"/>
-              </a:lnSpc>
-            </a:pPr>
-            <a:r>
-              <a:rPr lang="ko-KR" altLang="en-US" sz="1600" dirty="0">
-                <a:solidFill>
-                  <a:schemeClr val="bg1"/>
-                </a:solidFill>
-                <a:latin typeface="넥슨Lv2고딕 Light" panose="00000300000000000000" pitchFamily="2" charset="-127"/>
-                <a:ea typeface="넥슨Lv2고딕 Light" panose="00000300000000000000" pitchFamily="2" charset="-127"/>
-              </a:rPr>
-              <a:t>해결하게 되었습니다</a:t>
-            </a:r>
-            <a:endParaRPr lang="en-US" altLang="ko-KR" sz="1600" dirty="0">
-              <a:solidFill>
-                <a:schemeClr val="bg1"/>
-              </a:solidFill>
-              <a:latin typeface="넥슨Lv2고딕 Light" panose="00000300000000000000" pitchFamily="2" charset="-127"/>
-              <a:ea typeface="넥슨Lv2고딕 Light" panose="00000300000000000000" pitchFamily="2" charset="-127"/>
-            </a:endParaRPr>
+              <a:t>.</a:t>
+            </a:r>
           </a:p>
         </p:txBody>
       </p:sp>
@@ -5764,8 +5732,8 @@
         </p:nvSpPr>
         <p:spPr>
           <a:xfrm>
-            <a:off x="1680310" y="1469196"/>
-            <a:ext cx="6650890" cy="1200329"/>
+            <a:off x="1680310" y="1155929"/>
+            <a:ext cx="3733800" cy="584775"/>
           </a:xfrm>
           <a:prstGeom prst="rect">
             <a:avLst/>
@@ -5779,16 +5747,16 @@
           <a:lstStyle/>
           <a:p>
             <a:r>
-              <a:rPr lang="ko-KR" altLang="en-US" sz="7200" dirty="0">
+              <a:rPr lang="ko-KR" altLang="en-US" sz="3200" dirty="0" err="1">
                 <a:solidFill>
                   <a:schemeClr val="bg1"/>
                 </a:solidFill>
                 <a:latin typeface="넥슨Lv2고딕 Bold" panose="00000800000000000000" pitchFamily="2" charset="-127"/>
                 <a:ea typeface="넥슨Lv2고딕 Bold" panose="00000800000000000000" pitchFamily="2" charset="-127"/>
               </a:rPr>
-              <a:t>스크립트</a:t>
-            </a:r>
-            <a:endParaRPr lang="en-US" altLang="ko-KR" sz="7200" dirty="0">
+              <a:t>로컬라이징</a:t>
+            </a:r>
+            <a:endParaRPr lang="en-US" altLang="ko-KR" sz="3200" dirty="0">
               <a:solidFill>
                 <a:schemeClr val="bg1"/>
               </a:solidFill>
@@ -5800,10 +5768,62 @@
       </p:sp>
       <p:sp>
         <p:nvSpPr>
-          <p:cNvPr id="11" name="TextBox 10">
-            <a:extLst>
-              <a:ext uri="{FF2B5EF4-FFF2-40B4-BE49-F238E27FC236}">
-                <a16:creationId xmlns:a16="http://schemas.microsoft.com/office/drawing/2014/main" id="{E10A1302-F34C-6112-2BB3-EF054A096FF3}"/>
+          <p:cNvPr id="16" name="직사각형 15">
+            <a:extLst>
+              <a:ext uri="{FF2B5EF4-FFF2-40B4-BE49-F238E27FC236}">
+                <a16:creationId xmlns:a16="http://schemas.microsoft.com/office/drawing/2014/main" id="{06D4D73C-002A-B871-4E9F-3C2F2EFA95F6}"/>
+              </a:ext>
+            </a:extLst>
+          </p:cNvPr>
+          <p:cNvSpPr/>
+          <p:nvPr/>
+        </p:nvSpPr>
+        <p:spPr>
+          <a:xfrm>
+            <a:off x="1660524" y="1262063"/>
+            <a:ext cx="45719" cy="366711"/>
+          </a:xfrm>
+          <a:prstGeom prst="rect">
+            <a:avLst/>
+          </a:prstGeom>
+          <a:solidFill>
+            <a:schemeClr val="bg1"/>
+          </a:solidFill>
+          <a:ln>
+            <a:noFill/>
+          </a:ln>
+        </p:spPr>
+        <p:style>
+          <a:lnRef idx="2">
+            <a:schemeClr val="accent1">
+              <a:shade val="50000"/>
+            </a:schemeClr>
+          </a:lnRef>
+          <a:fillRef idx="1">
+            <a:schemeClr val="accent1"/>
+          </a:fillRef>
+          <a:effectRef idx="0">
+            <a:schemeClr val="accent1"/>
+          </a:effectRef>
+          <a:fontRef idx="minor">
+            <a:schemeClr val="lt1"/>
+          </a:fontRef>
+        </p:style>
+        <p:txBody>
+          <a:bodyPr rtlCol="0" anchor="ctr"/>
+          <a:lstStyle/>
+          <a:p>
+            <a:pPr algn="ctr"/>
+            <a:endParaRPr lang="ko-KR" altLang="en-US"/>
+          </a:p>
+        </p:txBody>
+      </p:sp>
+      <p:sp>
+        <p:nvSpPr>
+          <p:cNvPr id="19" name="TextBox 18">
+            <a:extLst>
+              <a:ext uri="{FF2B5EF4-FFF2-40B4-BE49-F238E27FC236}">
+                <a16:creationId xmlns:a16="http://schemas.microsoft.com/office/drawing/2014/main" id="{5316A27D-F818-472F-350E-CD328A0375DC}"/>
               </a:ext>
             </a:extLst>
           </p:cNvPr>
@@ -5812,8 +5832,8 @@
         </p:nvSpPr>
         <p:spPr>
           <a:xfrm>
-            <a:off x="1657349" y="3143250"/>
-            <a:ext cx="4321175" cy="2984343"/>
+            <a:off x="1680309" y="2074745"/>
+            <a:ext cx="8736865" cy="1538370"/>
           </a:xfrm>
           <a:prstGeom prst="rect">
             <a:avLst/>
@@ -5832,33 +5852,16 @@
               </a:lnSpc>
             </a:pPr>
             <a:r>
-              <a:rPr lang="ko-KR" altLang="en-US" sz="3200" dirty="0">
-                <a:solidFill>
-                  <a:schemeClr val="bg1"/>
-                </a:solidFill>
-                <a:latin typeface="넥슨Lv2고딕 Light" panose="00000300000000000000" pitchFamily="2" charset="-127"/>
-                <a:ea typeface="넥슨Lv2고딕 Light" panose="00000300000000000000" pitchFamily="2" charset="-127"/>
-              </a:rPr>
-              <a:t>플레이어</a:t>
-            </a:r>
-          </a:p>
-          <a:p>
-            <a:pPr>
-              <a:lnSpc>
-                <a:spcPct val="150000"/>
-              </a:lnSpc>
-            </a:pPr>
-            <a:r>
-              <a:rPr lang="ko-KR" altLang="en-US" sz="3200" dirty="0">
-                <a:solidFill>
-                  <a:schemeClr val="bg1"/>
-                </a:solidFill>
-                <a:latin typeface="넥슨Lv2고딕 Light" panose="00000300000000000000" pitchFamily="2" charset="-127"/>
-                <a:ea typeface="넥슨Lv2고딕 Light" panose="00000300000000000000" pitchFamily="2" charset="-127"/>
-              </a:rPr>
-              <a:t>전투</a:t>
-            </a:r>
-            <a:endParaRPr lang="en-US" altLang="ko-KR" sz="3200" dirty="0">
+              <a:rPr lang="ko-KR" altLang="en-US" sz="1600" dirty="0">
+                <a:solidFill>
+                  <a:schemeClr val="bg1"/>
+                </a:solidFill>
+                <a:latin typeface="넥슨Lv2고딕 Light" panose="00000300000000000000" pitchFamily="2" charset="-127"/>
+                <a:ea typeface="넥슨Lv2고딕 Light" panose="00000300000000000000" pitchFamily="2" charset="-127"/>
+              </a:rPr>
+              <a:t>다양한 사람이 즐길 수 있도록</a:t>
+            </a:r>
+            <a:endParaRPr lang="en-US" altLang="ko-KR" sz="1600" dirty="0">
               <a:solidFill>
                 <a:schemeClr val="bg1"/>
               </a:solidFill>
@@ -5873,36 +5876,16 @@
               </a:lnSpc>
             </a:pPr>
             <a:r>
-              <a:rPr lang="ko-KR" altLang="en-US" sz="3200" dirty="0">
-                <a:solidFill>
-                  <a:schemeClr val="bg1"/>
-                </a:solidFill>
-                <a:latin typeface="넥슨Lv2고딕 Light" panose="00000300000000000000" pitchFamily="2" charset="-127"/>
-                <a:ea typeface="넥슨Lv2고딕 Light" panose="00000300000000000000" pitchFamily="2" charset="-127"/>
-              </a:rPr>
-              <a:t>세이브</a:t>
-            </a:r>
-            <a:r>
-              <a:rPr lang="en-US" altLang="ko-KR" sz="3200" dirty="0">
-                <a:solidFill>
-                  <a:schemeClr val="bg1"/>
-                </a:solidFill>
-                <a:latin typeface="넥슨Lv2고딕 Light" panose="00000300000000000000" pitchFamily="2" charset="-127"/>
-                <a:ea typeface="넥슨Lv2고딕 Light" panose="00000300000000000000" pitchFamily="2" charset="-127"/>
-              </a:rPr>
-              <a:t>/</a:t>
-            </a:r>
-            <a:r>
-              <a:rPr lang="ko-KR" altLang="en-US" sz="3200" dirty="0">
-                <a:solidFill>
-                  <a:schemeClr val="bg1"/>
-                </a:solidFill>
-                <a:latin typeface="넥슨Lv2고딕 Light" panose="00000300000000000000" pitchFamily="2" charset="-127"/>
-                <a:ea typeface="넥슨Lv2고딕 Light" panose="00000300000000000000" pitchFamily="2" charset="-127"/>
-              </a:rPr>
-              <a:t>로드</a:t>
-            </a:r>
-            <a:endParaRPr lang="en-US" altLang="ko-KR" sz="3200" dirty="0">
+              <a:rPr lang="ko-KR" altLang="en-US" sz="1600" dirty="0">
+                <a:solidFill>
+                  <a:schemeClr val="bg1"/>
+                </a:solidFill>
+                <a:latin typeface="넥슨Lv2고딕 Light" panose="00000300000000000000" pitchFamily="2" charset="-127"/>
+                <a:ea typeface="넥슨Lv2고딕 Light" panose="00000300000000000000" pitchFamily="2" charset="-127"/>
+              </a:rPr>
+              <a:t>언어별 데이터를 관리하여</a:t>
+            </a:r>
+            <a:endParaRPr lang="en-US" altLang="ko-KR" sz="1600" dirty="0">
               <a:solidFill>
                 <a:schemeClr val="bg1"/>
               </a:solidFill>
@@ -5917,22 +5900,146 @@
               </a:lnSpc>
             </a:pPr>
             <a:r>
-              <a:rPr lang="ko-KR" altLang="en-US" sz="3200" dirty="0">
-                <a:solidFill>
-                  <a:schemeClr val="bg1"/>
-                </a:solidFill>
-                <a:latin typeface="넥슨Lv2고딕 Light" panose="00000300000000000000" pitchFamily="2" charset="-127"/>
-                <a:ea typeface="넥슨Lv2고딕 Light" panose="00000300000000000000" pitchFamily="2" charset="-127"/>
-              </a:rPr>
-              <a:t>싱글 톤 사용 이유</a:t>
-            </a:r>
+              <a:rPr lang="ko-KR" altLang="en-US" sz="1600" dirty="0">
+                <a:solidFill>
+                  <a:schemeClr val="bg1"/>
+                </a:solidFill>
+                <a:latin typeface="넥슨Lv2고딕 Light" panose="00000300000000000000" pitchFamily="2" charset="-127"/>
+                <a:ea typeface="넥슨Lv2고딕 Light" panose="00000300000000000000" pitchFamily="2" charset="-127"/>
+              </a:rPr>
+              <a:t>인 게임 설정에 따라</a:t>
+            </a:r>
+            <a:endParaRPr lang="en-US" altLang="ko-KR" sz="1600" dirty="0">
+              <a:solidFill>
+                <a:schemeClr val="bg1"/>
+              </a:solidFill>
+              <a:latin typeface="넥슨Lv2고딕 Light" panose="00000300000000000000" pitchFamily="2" charset="-127"/>
+              <a:ea typeface="넥슨Lv2고딕 Light" panose="00000300000000000000" pitchFamily="2" charset="-127"/>
+            </a:endParaRPr>
+          </a:p>
+          <a:p>
+            <a:pPr>
+              <a:lnSpc>
+                <a:spcPct val="150000"/>
+              </a:lnSpc>
+            </a:pPr>
+            <a:r>
+              <a:rPr lang="ko-KR" altLang="en-US" sz="1600" dirty="0">
+                <a:solidFill>
+                  <a:schemeClr val="bg1"/>
+                </a:solidFill>
+                <a:latin typeface="넥슨Lv2고딕 Light" panose="00000300000000000000" pitchFamily="2" charset="-127"/>
+                <a:ea typeface="넥슨Lv2고딕 Light" panose="00000300000000000000" pitchFamily="2" charset="-127"/>
+              </a:rPr>
+              <a:t>언어 변경이 가능하게 제작 하였습니다</a:t>
+            </a:r>
+            <a:endParaRPr lang="en-US" altLang="ko-KR" sz="1600" dirty="0">
+              <a:solidFill>
+                <a:schemeClr val="bg1"/>
+              </a:solidFill>
+              <a:latin typeface="넥슨Lv2고딕 Light" panose="00000300000000000000" pitchFamily="2" charset="-127"/>
+              <a:ea typeface="넥슨Lv2고딕 Light" panose="00000300000000000000" pitchFamily="2" charset="-127"/>
+            </a:endParaRPr>
+          </a:p>
+        </p:txBody>
+      </p:sp>
+      <p:pic>
+        <p:nvPicPr>
+          <p:cNvPr id="3" name="그림 2">
+            <a:extLst>
+              <a:ext uri="{FF2B5EF4-FFF2-40B4-BE49-F238E27FC236}">
+                <a16:creationId xmlns:a16="http://schemas.microsoft.com/office/drawing/2014/main" id="{D750A901-D24C-D2CD-731C-30B966CF1E88}"/>
+              </a:ext>
+            </a:extLst>
+          </p:cNvPr>
+          <p:cNvPicPr>
+            <a:picLocks noChangeAspect="1"/>
+          </p:cNvPicPr>
+          <p:nvPr/>
+        </p:nvPicPr>
+        <p:blipFill rotWithShape="1">
+          <a:blip r:embed="rId2"/>
+          <a:srcRect t="-1" b="21088"/>
+          <a:stretch/>
+        </p:blipFill>
+        <p:spPr>
+          <a:xfrm>
+            <a:off x="1774826" y="3733439"/>
+            <a:ext cx="4321174" cy="2210161"/>
+          </a:xfrm>
+          <a:prstGeom prst="rect">
+            <a:avLst/>
+          </a:prstGeom>
+        </p:spPr>
+      </p:pic>
+      <p:sp>
+        <p:nvSpPr>
+          <p:cNvPr id="6" name="사각형: 둥근 모서리 5">
+            <a:extLst>
+              <a:ext uri="{FF2B5EF4-FFF2-40B4-BE49-F238E27FC236}">
+                <a16:creationId xmlns:a16="http://schemas.microsoft.com/office/drawing/2014/main" id="{2DCF00B3-3C8F-94D6-5376-62FC61FF794F}"/>
+              </a:ext>
+            </a:extLst>
+          </p:cNvPr>
+          <p:cNvSpPr/>
+          <p:nvPr/>
+        </p:nvSpPr>
+        <p:spPr>
+          <a:xfrm>
+            <a:off x="7177881" y="1628775"/>
+            <a:ext cx="2157413" cy="4314825"/>
+          </a:xfrm>
+          <a:prstGeom prst="roundRect">
+            <a:avLst>
+              <a:gd name="adj" fmla="val 7635"/>
+            </a:avLst>
+          </a:prstGeom>
+          <a:blipFill dpi="0" rotWithShape="1">
+            <a:blip r:embed="rId3">
+              <a:extLst>
+                <a:ext uri="{28A0092B-C50C-407E-A947-70E740481C1C}">
+                  <a14:useLocalDpi xmlns:a14="http://schemas.microsoft.com/office/drawing/2010/main" val="0"/>
+                </a:ext>
+              </a:extLst>
+            </a:blip>
+            <a:srcRect/>
+            <a:stretch>
+              <a:fillRect/>
+            </a:stretch>
+          </a:blipFill>
+          <a:ln>
+            <a:noFill/>
+          </a:ln>
+        </p:spPr>
+        <p:style>
+          <a:lnRef idx="2">
+            <a:schemeClr val="accent1">
+              <a:shade val="50000"/>
+            </a:schemeClr>
+          </a:lnRef>
+          <a:fillRef idx="1">
+            <a:schemeClr val="accent1"/>
+          </a:fillRef>
+          <a:effectRef idx="0">
+            <a:schemeClr val="accent1"/>
+          </a:effectRef>
+          <a:fontRef idx="minor">
+            <a:schemeClr val="lt1"/>
+          </a:fontRef>
+        </p:style>
+        <p:txBody>
+          <a:bodyPr rtlCol="0" anchor="ctr"/>
+          <a:lstStyle/>
+          <a:p>
+            <a:pPr algn="ctr"/>
+            <a:endParaRPr lang="ko-KR" altLang="en-US"/>
           </a:p>
         </p:txBody>
       </p:sp>
     </p:spTree>
     <p:extLst>
       <p:ext uri="{BB962C8B-B14F-4D97-AF65-F5344CB8AC3E}">
-        <p14:creationId xmlns:p14="http://schemas.microsoft.com/office/powerpoint/2010/main" val="2839138623"/>
+        <p14:creationId xmlns:p14="http://schemas.microsoft.com/office/powerpoint/2010/main" val="2882831399"/>
       </p:ext>
     </p:extLst>
   </p:cSld>
@@ -5981,8 +6088,8 @@
         </p:nvSpPr>
         <p:spPr>
           <a:xfrm>
-            <a:off x="1680310" y="1155929"/>
-            <a:ext cx="3733800" cy="584775"/>
+            <a:off x="1680310" y="1469196"/>
+            <a:ext cx="6650890" cy="1200329"/>
           </a:xfrm>
           <a:prstGeom prst="rect">
             <a:avLst/>
@@ -5996,16 +6103,16 @@
           <a:lstStyle/>
           <a:p>
             <a:r>
-              <a:rPr lang="ko-KR" altLang="en-US" sz="3200" dirty="0">
+              <a:rPr lang="ko-KR" altLang="en-US" sz="7200" dirty="0">
                 <a:solidFill>
                   <a:schemeClr val="bg1"/>
                 </a:solidFill>
                 <a:latin typeface="넥슨Lv2고딕 Bold" panose="00000800000000000000" pitchFamily="2" charset="-127"/>
                 <a:ea typeface="넥슨Lv2고딕 Bold" panose="00000800000000000000" pitchFamily="2" charset="-127"/>
               </a:rPr>
-              <a:t>플레이어</a:t>
-            </a:r>
-            <a:endParaRPr lang="en-US" altLang="ko-KR" sz="3200" dirty="0">
+              <a:t>스크립트</a:t>
+            </a:r>
+            <a:endParaRPr lang="en-US" altLang="ko-KR" sz="7200" dirty="0">
               <a:solidFill>
                 <a:schemeClr val="bg1"/>
               </a:solidFill>
@@ -6017,72 +6124,20 @@
       </p:sp>
       <p:sp>
         <p:nvSpPr>
-          <p:cNvPr id="16" name="직사각형 15">
-            <a:extLst>
-              <a:ext uri="{FF2B5EF4-FFF2-40B4-BE49-F238E27FC236}">
-                <a16:creationId xmlns:a16="http://schemas.microsoft.com/office/drawing/2014/main" id="{06D4D73C-002A-B871-4E9F-3C2F2EFA95F6}"/>
-              </a:ext>
-            </a:extLst>
-          </p:cNvPr>
-          <p:cNvSpPr/>
+          <p:cNvPr id="11" name="TextBox 10">
+            <a:extLst>
+              <a:ext uri="{FF2B5EF4-FFF2-40B4-BE49-F238E27FC236}">
+                <a16:creationId xmlns:a16="http://schemas.microsoft.com/office/drawing/2014/main" id="{E10A1302-F34C-6112-2BB3-EF054A096FF3}"/>
+              </a:ext>
+            </a:extLst>
+          </p:cNvPr>
+          <p:cNvSpPr txBox="1"/>
           <p:nvPr/>
         </p:nvSpPr>
         <p:spPr>
           <a:xfrm>
-            <a:off x="1660524" y="1262063"/>
-            <a:ext cx="45719" cy="366711"/>
-          </a:xfrm>
-          <a:prstGeom prst="rect">
-            <a:avLst/>
-          </a:prstGeom>
-          <a:solidFill>
-            <a:schemeClr val="bg1"/>
-          </a:solidFill>
-          <a:ln>
-            <a:noFill/>
-          </a:ln>
-        </p:spPr>
-        <p:style>
-          <a:lnRef idx="2">
-            <a:schemeClr val="accent1">
-              <a:shade val="50000"/>
-            </a:schemeClr>
-          </a:lnRef>
-          <a:fillRef idx="1">
-            <a:schemeClr val="accent1"/>
-          </a:fillRef>
-          <a:effectRef idx="0">
-            <a:schemeClr val="accent1"/>
-          </a:effectRef>
-          <a:fontRef idx="minor">
-            <a:schemeClr val="lt1"/>
-          </a:fontRef>
-        </p:style>
-        <p:txBody>
-          <a:bodyPr rtlCol="0" anchor="ctr"/>
-          <a:lstStyle/>
-          <a:p>
-            <a:pPr algn="ctr"/>
-            <a:endParaRPr lang="ko-KR" altLang="en-US"/>
-          </a:p>
-        </p:txBody>
-      </p:sp>
-      <p:sp>
-        <p:nvSpPr>
-          <p:cNvPr id="19" name="TextBox 18">
-            <a:extLst>
-              <a:ext uri="{FF2B5EF4-FFF2-40B4-BE49-F238E27FC236}">
-                <a16:creationId xmlns:a16="http://schemas.microsoft.com/office/drawing/2014/main" id="{5316A27D-F818-472F-350E-CD328A0375DC}"/>
-              </a:ext>
-            </a:extLst>
-          </p:cNvPr>
-          <p:cNvSpPr txBox="1"/>
-          <p:nvPr/>
-        </p:nvSpPr>
-        <p:spPr>
-          <a:xfrm>
-            <a:off x="1680309" y="2074745"/>
-            <a:ext cx="8736865" cy="2277034"/>
+            <a:off x="1657349" y="3143250"/>
+            <a:ext cx="4321175" cy="2984343"/>
           </a:xfrm>
           <a:prstGeom prst="rect">
             <a:avLst/>
@@ -6101,16 +6156,33 @@
               </a:lnSpc>
             </a:pPr>
             <a:r>
-              <a:rPr lang="ko-KR" altLang="en-US" sz="1600" dirty="0">
-                <a:solidFill>
-                  <a:schemeClr val="bg1"/>
-                </a:solidFill>
-                <a:latin typeface="넥슨Lv2고딕 Light" panose="00000300000000000000" pitchFamily="2" charset="-127"/>
-                <a:ea typeface="넥슨Lv2고딕 Light" panose="00000300000000000000" pitchFamily="2" charset="-127"/>
-              </a:rPr>
-              <a:t>플레이어의 정보를 가지고 있으며</a:t>
-            </a:r>
-            <a:endParaRPr lang="en-US" altLang="ko-KR" sz="1600" dirty="0">
+              <a:rPr lang="ko-KR" altLang="en-US" sz="3200" dirty="0">
+                <a:solidFill>
+                  <a:schemeClr val="bg1"/>
+                </a:solidFill>
+                <a:latin typeface="넥슨Lv2고딕 Light" panose="00000300000000000000" pitchFamily="2" charset="-127"/>
+                <a:ea typeface="넥슨Lv2고딕 Light" panose="00000300000000000000" pitchFamily="2" charset="-127"/>
+              </a:rPr>
+              <a:t>플레이어</a:t>
+            </a:r>
+          </a:p>
+          <a:p>
+            <a:pPr>
+              <a:lnSpc>
+                <a:spcPct val="150000"/>
+              </a:lnSpc>
+            </a:pPr>
+            <a:r>
+              <a:rPr lang="ko-KR" altLang="en-US" sz="3200" dirty="0">
+                <a:solidFill>
+                  <a:schemeClr val="bg1"/>
+                </a:solidFill>
+                <a:latin typeface="넥슨Lv2고딕 Light" panose="00000300000000000000" pitchFamily="2" charset="-127"/>
+                <a:ea typeface="넥슨Lv2고딕 Light" panose="00000300000000000000" pitchFamily="2" charset="-127"/>
+              </a:rPr>
+              <a:t>전투</a:t>
+            </a:r>
+            <a:endParaRPr lang="en-US" altLang="ko-KR" sz="3200" dirty="0">
               <a:solidFill>
                 <a:schemeClr val="bg1"/>
               </a:solidFill>
@@ -6125,56 +6197,36 @@
               </a:lnSpc>
             </a:pPr>
             <a:r>
-              <a:rPr lang="ko-KR" altLang="en-US" sz="1600" dirty="0">
-                <a:solidFill>
-                  <a:schemeClr val="bg1"/>
-                </a:solidFill>
-                <a:latin typeface="넥슨Lv2고딕 Light" panose="00000300000000000000" pitchFamily="2" charset="-127"/>
-                <a:ea typeface="넥슨Lv2고딕 Light" panose="00000300000000000000" pitchFamily="2" charset="-127"/>
-              </a:rPr>
-              <a:t>변경에 따른</a:t>
-            </a:r>
-            <a:r>
-              <a:rPr lang="en-US" altLang="ko-KR" sz="1600" dirty="0">
-                <a:solidFill>
-                  <a:schemeClr val="bg1"/>
-                </a:solidFill>
-                <a:latin typeface="넥슨Lv2고딕 Light" panose="00000300000000000000" pitchFamily="2" charset="-127"/>
-                <a:ea typeface="넥슨Lv2고딕 Light" panose="00000300000000000000" pitchFamily="2" charset="-127"/>
-              </a:rPr>
-              <a:t> </a:t>
-            </a:r>
-            <a:r>
-              <a:rPr lang="ko-KR" altLang="en-US" sz="1600" dirty="0">
-                <a:solidFill>
-                  <a:schemeClr val="bg1"/>
-                </a:solidFill>
-                <a:latin typeface="넥슨Lv2고딕 Light" panose="00000300000000000000" pitchFamily="2" charset="-127"/>
-                <a:ea typeface="넥슨Lv2고딕 Light" panose="00000300000000000000" pitchFamily="2" charset="-127"/>
-              </a:rPr>
-              <a:t>이벤트를 발생시키는</a:t>
-            </a:r>
-            <a:r>
-              <a:rPr lang="en-US" altLang="ko-KR" sz="1600" dirty="0">
-                <a:solidFill>
-                  <a:schemeClr val="bg1"/>
-                </a:solidFill>
-                <a:latin typeface="넥슨Lv2고딕 Light" panose="00000300000000000000" pitchFamily="2" charset="-127"/>
-                <a:ea typeface="넥슨Lv2고딕 Light" panose="00000300000000000000" pitchFamily="2" charset="-127"/>
-              </a:rPr>
-              <a:t> </a:t>
-            </a:r>
-            <a:r>
-              <a:rPr lang="ko-KR" altLang="en-US" sz="1600" dirty="0">
-                <a:solidFill>
-                  <a:schemeClr val="bg1"/>
-                </a:solidFill>
-                <a:latin typeface="넥슨Lv2고딕 Light" panose="00000300000000000000" pitchFamily="2" charset="-127"/>
-                <a:ea typeface="넥슨Lv2고딕 Light" panose="00000300000000000000" pitchFamily="2" charset="-127"/>
-              </a:rPr>
-              <a:t>클래스</a:t>
-            </a:r>
-            <a:endParaRPr lang="en-US" altLang="ko-KR" sz="1600" dirty="0">
+              <a:rPr lang="ko-KR" altLang="en-US" sz="3200" dirty="0">
+                <a:solidFill>
+                  <a:schemeClr val="bg1"/>
+                </a:solidFill>
+                <a:latin typeface="넥슨Lv2고딕 Light" panose="00000300000000000000" pitchFamily="2" charset="-127"/>
+                <a:ea typeface="넥슨Lv2고딕 Light" panose="00000300000000000000" pitchFamily="2" charset="-127"/>
+              </a:rPr>
+              <a:t>세이브</a:t>
+            </a:r>
+            <a:r>
+              <a:rPr lang="en-US" altLang="ko-KR" sz="3200" dirty="0">
+                <a:solidFill>
+                  <a:schemeClr val="bg1"/>
+                </a:solidFill>
+                <a:latin typeface="넥슨Lv2고딕 Light" panose="00000300000000000000" pitchFamily="2" charset="-127"/>
+                <a:ea typeface="넥슨Lv2고딕 Light" panose="00000300000000000000" pitchFamily="2" charset="-127"/>
+              </a:rPr>
+              <a:t>/</a:t>
+            </a:r>
+            <a:r>
+              <a:rPr lang="ko-KR" altLang="en-US" sz="3200" dirty="0">
+                <a:solidFill>
+                  <a:schemeClr val="bg1"/>
+                </a:solidFill>
+                <a:latin typeface="넥슨Lv2고딕 Light" panose="00000300000000000000" pitchFamily="2" charset="-127"/>
+                <a:ea typeface="넥슨Lv2고딕 Light" panose="00000300000000000000" pitchFamily="2" charset="-127"/>
+              </a:rPr>
+              <a:t>로드</a:t>
+            </a:r>
+            <a:endParaRPr lang="en-US" altLang="ko-KR" sz="3200" dirty="0">
               <a:solidFill>
                 <a:schemeClr val="bg1"/>
               </a:solidFill>
@@ -6188,204 +6240,23 @@
                 <a:spcPct val="150000"/>
               </a:lnSpc>
             </a:pPr>
-            <a:endParaRPr lang="en-US" altLang="ko-KR" sz="1600" dirty="0">
-              <a:solidFill>
-                <a:schemeClr val="bg1"/>
-              </a:solidFill>
-              <a:latin typeface="넥슨Lv2고딕 Light" panose="00000300000000000000" pitchFamily="2" charset="-127"/>
-              <a:ea typeface="넥슨Lv2고딕 Light" panose="00000300000000000000" pitchFamily="2" charset="-127"/>
-            </a:endParaRPr>
-          </a:p>
-          <a:p>
-            <a:pPr>
-              <a:lnSpc>
-                <a:spcPct val="150000"/>
-              </a:lnSpc>
-            </a:pPr>
-            <a:r>
-              <a:rPr lang="ko-KR" altLang="en-US" sz="1600" dirty="0">
-                <a:solidFill>
-                  <a:schemeClr val="bg1"/>
-                </a:solidFill>
-                <a:latin typeface="넥슨Lv2고딕 Light" panose="00000300000000000000" pitchFamily="2" charset="-127"/>
-                <a:ea typeface="넥슨Lv2고딕 Light" panose="00000300000000000000" pitchFamily="2" charset="-127"/>
-              </a:rPr>
-              <a:t>코인의 값이 </a:t>
-            </a:r>
-            <a:r>
-              <a:rPr lang="en-US" altLang="ko-KR" sz="1600" dirty="0">
-                <a:solidFill>
-                  <a:schemeClr val="bg1"/>
-                </a:solidFill>
-                <a:latin typeface="넥슨Lv2고딕 Light" panose="00000300000000000000" pitchFamily="2" charset="-127"/>
-                <a:ea typeface="넥슨Lv2고딕 Light" panose="00000300000000000000" pitchFamily="2" charset="-127"/>
-              </a:rPr>
-              <a:t>0 </a:t>
-            </a:r>
-            <a:r>
-              <a:rPr lang="ko-KR" altLang="en-US" sz="1600" dirty="0">
-                <a:solidFill>
-                  <a:schemeClr val="bg1"/>
-                </a:solidFill>
-                <a:latin typeface="넥슨Lv2고딕 Light" panose="00000300000000000000" pitchFamily="2" charset="-127"/>
-                <a:ea typeface="넥슨Lv2고딕 Light" panose="00000300000000000000" pitchFamily="2" charset="-127"/>
-              </a:rPr>
-              <a:t>밑으로 내려가지 않도록</a:t>
-            </a:r>
-            <a:endParaRPr lang="en-US" altLang="ko-KR" sz="1600" dirty="0">
-              <a:solidFill>
-                <a:schemeClr val="bg1"/>
-              </a:solidFill>
-              <a:latin typeface="넥슨Lv2고딕 Light" panose="00000300000000000000" pitchFamily="2" charset="-127"/>
-              <a:ea typeface="넥슨Lv2고딕 Light" panose="00000300000000000000" pitchFamily="2" charset="-127"/>
-            </a:endParaRPr>
-          </a:p>
-          <a:p>
-            <a:pPr>
-              <a:lnSpc>
-                <a:spcPct val="150000"/>
-              </a:lnSpc>
-            </a:pPr>
-            <a:r>
-              <a:rPr lang="en-US" altLang="ko-KR" sz="1600" dirty="0">
-                <a:solidFill>
-                  <a:schemeClr val="bg1"/>
-                </a:solidFill>
-                <a:latin typeface="넥슨Lv2고딕 Light" panose="00000300000000000000" pitchFamily="2" charset="-127"/>
-                <a:ea typeface="넥슨Lv2고딕 Light" panose="00000300000000000000" pitchFamily="2" charset="-127"/>
-              </a:rPr>
-              <a:t>Max </a:t>
-            </a:r>
-            <a:r>
-              <a:rPr lang="ko-KR" altLang="en-US" sz="1600" dirty="0">
-                <a:solidFill>
-                  <a:schemeClr val="bg1"/>
-                </a:solidFill>
-                <a:latin typeface="넥슨Lv2고딕 Light" panose="00000300000000000000" pitchFamily="2" charset="-127"/>
-                <a:ea typeface="넥슨Lv2고딕 Light" panose="00000300000000000000" pitchFamily="2" charset="-127"/>
-              </a:rPr>
-              <a:t>함수를 이용해 처리하며</a:t>
-            </a:r>
-            <a:endParaRPr lang="en-US" altLang="ko-KR" sz="1600" dirty="0">
-              <a:solidFill>
-                <a:schemeClr val="bg1"/>
-              </a:solidFill>
-              <a:latin typeface="넥슨Lv2고딕 Light" panose="00000300000000000000" pitchFamily="2" charset="-127"/>
-              <a:ea typeface="넥슨Lv2고딕 Light" panose="00000300000000000000" pitchFamily="2" charset="-127"/>
-            </a:endParaRPr>
-          </a:p>
-          <a:p>
-            <a:pPr>
-              <a:lnSpc>
-                <a:spcPct val="150000"/>
-              </a:lnSpc>
-            </a:pPr>
-            <a:r>
-              <a:rPr lang="ko-KR" altLang="en-US" sz="1600" dirty="0">
-                <a:solidFill>
-                  <a:schemeClr val="bg1"/>
-                </a:solidFill>
-                <a:latin typeface="넥슨Lv2고딕 Light" panose="00000300000000000000" pitchFamily="2" charset="-127"/>
-                <a:ea typeface="넥슨Lv2고딕 Light" panose="00000300000000000000" pitchFamily="2" charset="-127"/>
-              </a:rPr>
-              <a:t>이후 이벤트를 발생시킨다</a:t>
-            </a:r>
-            <a:endParaRPr lang="en-US" altLang="ko-KR" sz="1600" dirty="0">
-              <a:solidFill>
-                <a:schemeClr val="bg1"/>
-              </a:solidFill>
-              <a:latin typeface="넥슨Lv2고딕 Light" panose="00000300000000000000" pitchFamily="2" charset="-127"/>
-              <a:ea typeface="넥슨Lv2고딕 Light" panose="00000300000000000000" pitchFamily="2" charset="-127"/>
-            </a:endParaRPr>
-          </a:p>
-        </p:txBody>
-      </p:sp>
-      <p:pic>
-        <p:nvPicPr>
-          <p:cNvPr id="7" name="그림 6">
-            <a:extLst>
-              <a:ext uri="{FF2B5EF4-FFF2-40B4-BE49-F238E27FC236}">
-                <a16:creationId xmlns:a16="http://schemas.microsoft.com/office/drawing/2014/main" id="{DC5CEB0A-B6C1-C993-2921-E0F6BDB78D49}"/>
-              </a:ext>
-            </a:extLst>
-          </p:cNvPr>
-          <p:cNvPicPr>
-            <a:picLocks noChangeAspect="1"/>
-          </p:cNvPicPr>
-          <p:nvPr/>
-        </p:nvPicPr>
-        <p:blipFill>
-          <a:blip r:embed="rId2"/>
-          <a:stretch>
-            <a:fillRect/>
-          </a:stretch>
-        </p:blipFill>
-        <p:spPr>
-          <a:xfrm>
-            <a:off x="6678201" y="1628774"/>
-            <a:ext cx="3738973" cy="4508089"/>
-          </a:xfrm>
-          <a:prstGeom prst="rect">
-            <a:avLst/>
-          </a:prstGeom>
-        </p:spPr>
-      </p:pic>
-      <p:sp>
-        <p:nvSpPr>
-          <p:cNvPr id="8" name="직사각형 7">
-            <a:extLst>
-              <a:ext uri="{FF2B5EF4-FFF2-40B4-BE49-F238E27FC236}">
-                <a16:creationId xmlns:a16="http://schemas.microsoft.com/office/drawing/2014/main" id="{E6A5C31E-73AD-B758-FB1B-EEA83E88CFF8}"/>
-              </a:ext>
-            </a:extLst>
-          </p:cNvPr>
-          <p:cNvSpPr/>
-          <p:nvPr/>
-        </p:nvSpPr>
-        <p:spPr>
-          <a:xfrm>
-            <a:off x="7378700" y="4133850"/>
-            <a:ext cx="2927350" cy="523875"/>
-          </a:xfrm>
-          <a:prstGeom prst="rect">
-            <a:avLst/>
-          </a:prstGeom>
-          <a:noFill/>
-          <a:ln>
-            <a:solidFill>
-              <a:srgbClr val="EA473B"/>
-            </a:solidFill>
-          </a:ln>
-        </p:spPr>
-        <p:style>
-          <a:lnRef idx="2">
-            <a:schemeClr val="accent1">
-              <a:shade val="50000"/>
-            </a:schemeClr>
-          </a:lnRef>
-          <a:fillRef idx="1">
-            <a:schemeClr val="accent1"/>
-          </a:fillRef>
-          <a:effectRef idx="0">
-            <a:schemeClr val="accent1"/>
-          </a:effectRef>
-          <a:fontRef idx="minor">
-            <a:schemeClr val="lt1"/>
-          </a:fontRef>
-        </p:style>
-        <p:txBody>
-          <a:bodyPr rtlCol="0" anchor="ctr"/>
-          <a:lstStyle/>
-          <a:p>
-            <a:pPr algn="ctr"/>
-            <a:endParaRPr lang="ko-KR" altLang="en-US"/>
+            <a:r>
+              <a:rPr lang="ko-KR" altLang="en-US" sz="3200" dirty="0">
+                <a:solidFill>
+                  <a:schemeClr val="bg1"/>
+                </a:solidFill>
+                <a:latin typeface="넥슨Lv2고딕 Light" panose="00000300000000000000" pitchFamily="2" charset="-127"/>
+                <a:ea typeface="넥슨Lv2고딕 Light" panose="00000300000000000000" pitchFamily="2" charset="-127"/>
+              </a:rPr>
+              <a:t>싱글 톤 사용 이유</a:t>
+            </a:r>
           </a:p>
         </p:txBody>
       </p:sp>
     </p:spTree>
     <p:extLst>
       <p:ext uri="{BB962C8B-B14F-4D97-AF65-F5344CB8AC3E}">
-        <p14:creationId xmlns:p14="http://schemas.microsoft.com/office/powerpoint/2010/main" val="1560351109"/>
+        <p14:creationId xmlns:p14="http://schemas.microsoft.com/office/powerpoint/2010/main" val="2839138623"/>
       </p:ext>
     </p:extLst>
   </p:cSld>
@@ -6420,36 +6291,6 @@
           <a:chExt cx="0" cy="0"/>
         </a:xfrm>
       </p:grpSpPr>
-      <p:pic>
-        <p:nvPicPr>
-          <p:cNvPr id="3" name="그림 2">
-            <a:extLst>
-              <a:ext uri="{FF2B5EF4-FFF2-40B4-BE49-F238E27FC236}">
-                <a16:creationId xmlns:a16="http://schemas.microsoft.com/office/drawing/2014/main" id="{52FBCEAC-FCFE-5140-5A8E-0EB02D1023C1}"/>
-              </a:ext>
-            </a:extLst>
-          </p:cNvPr>
-          <p:cNvPicPr>
-            <a:picLocks noChangeAspect="1"/>
-          </p:cNvPicPr>
-          <p:nvPr/>
-        </p:nvPicPr>
-        <p:blipFill>
-          <a:blip r:embed="rId2"/>
-          <a:stretch>
-            <a:fillRect/>
-          </a:stretch>
-        </p:blipFill>
-        <p:spPr>
-          <a:xfrm>
-            <a:off x="7473692" y="1628775"/>
-            <a:ext cx="2934109" cy="3200847"/>
-          </a:xfrm>
-          <a:prstGeom prst="rect">
-            <a:avLst/>
-          </a:prstGeom>
-        </p:spPr>
-      </p:pic>
       <p:sp>
         <p:nvSpPr>
           <p:cNvPr id="15" name="TextBox 14">
@@ -6486,7 +6327,7 @@
                 <a:latin typeface="넥슨Lv2고딕 Bold" panose="00000800000000000000" pitchFamily="2" charset="-127"/>
                 <a:ea typeface="넥슨Lv2고딕 Bold" panose="00000800000000000000" pitchFamily="2" charset="-127"/>
               </a:rPr>
-              <a:t>전투</a:t>
+              <a:t>플레이어</a:t>
             </a:r>
             <a:endParaRPr lang="en-US" altLang="ko-KR" sz="3200" dirty="0">
               <a:solidFill>
@@ -6565,7 +6406,7 @@
         <p:spPr>
           <a:xfrm>
             <a:off x="1680309" y="2074745"/>
-            <a:ext cx="8736865" cy="1538370"/>
+            <a:ext cx="8736865" cy="2277034"/>
           </a:xfrm>
           <a:prstGeom prst="rect">
             <a:avLst/>
@@ -6591,7 +6432,7 @@
                 <a:latin typeface="넥슨Lv2고딕 Light" panose="00000300000000000000" pitchFamily="2" charset="-127"/>
                 <a:ea typeface="넥슨Lv2고딕 Light" panose="00000300000000000000" pitchFamily="2" charset="-127"/>
               </a:rPr>
-              <a:t>공격이 끝난 이후 턴종료를 알리기 위해</a:t>
+              <a:t>플레이어의 정보를 가지고 있으며</a:t>
             </a:r>
             <a:endParaRPr lang="en-US" altLang="ko-KR" sz="1600" dirty="0">
               <a:solidFill>
@@ -6608,6 +6449,16 @@
               </a:lnSpc>
             </a:pPr>
             <a:r>
+              <a:rPr lang="ko-KR" altLang="en-US" sz="1600" dirty="0">
+                <a:solidFill>
+                  <a:schemeClr val="bg1"/>
+                </a:solidFill>
+                <a:latin typeface="넥슨Lv2고딕 Light" panose="00000300000000000000" pitchFamily="2" charset="-127"/>
+                <a:ea typeface="넥슨Lv2고딕 Light" panose="00000300000000000000" pitchFamily="2" charset="-127"/>
+              </a:rPr>
+              <a:t>변경에 따른</a:t>
+            </a:r>
+            <a:r>
               <a:rPr lang="en-US" altLang="ko-KR" sz="1600" dirty="0">
                 <a:solidFill>
                   <a:schemeClr val="bg1"/>
@@ -6618,14 +6469,14 @@
               <a:t> </a:t>
             </a:r>
             <a:r>
-              <a:rPr lang="en-US" altLang="ko-KR" sz="1600" dirty="0" err="1">
-                <a:solidFill>
-                  <a:schemeClr val="bg1"/>
-                </a:solidFill>
-                <a:latin typeface="넥슨Lv2고딕 Light" panose="00000300000000000000" pitchFamily="2" charset="-127"/>
-                <a:ea typeface="넥슨Lv2고딕 Light" panose="00000300000000000000" pitchFamily="2" charset="-127"/>
-              </a:rPr>
-              <a:t>TurnEnd</a:t>
+              <a:rPr lang="ko-KR" altLang="en-US" sz="1600" dirty="0">
+                <a:solidFill>
+                  <a:schemeClr val="bg1"/>
+                </a:solidFill>
+                <a:latin typeface="넥슨Lv2고딕 Light" panose="00000300000000000000" pitchFamily="2" charset="-127"/>
+                <a:ea typeface="넥슨Lv2고딕 Light" panose="00000300000000000000" pitchFamily="2" charset="-127"/>
+              </a:rPr>
+              <a:t>이벤트를 발생시키는</a:t>
             </a:r>
             <a:r>
               <a:rPr lang="en-US" altLang="ko-KR" sz="1600" dirty="0">
@@ -6645,24 +6496,7 @@
                 <a:latin typeface="넥슨Lv2고딕 Light" panose="00000300000000000000" pitchFamily="2" charset="-127"/>
                 <a:ea typeface="넥슨Lv2고딕 Light" panose="00000300000000000000" pitchFamily="2" charset="-127"/>
               </a:rPr>
-              <a:t>함수를 콜 백 하도록 만들었으며</a:t>
-            </a:r>
-          </a:p>
-          <a:p>
-            <a:pPr>
-              <a:lnSpc>
-                <a:spcPct val="150000"/>
-              </a:lnSpc>
-            </a:pPr>
-            <a:r>
-              <a:rPr lang="ko-KR" altLang="en-US" sz="1600" dirty="0">
-                <a:solidFill>
-                  <a:schemeClr val="bg1"/>
-                </a:solidFill>
-                <a:latin typeface="넥슨Lv2고딕 Light" panose="00000300000000000000" pitchFamily="2" charset="-127"/>
-                <a:ea typeface="넥슨Lv2고딕 Light" panose="00000300000000000000" pitchFamily="2" charset="-127"/>
-              </a:rPr>
-              <a:t>플레이어 또는 적이 죽을 때까지</a:t>
+              <a:t>클래스</a:t>
             </a:r>
             <a:endParaRPr lang="en-US" altLang="ko-KR" sz="1600" dirty="0">
               <a:solidFill>
@@ -6678,16 +6512,6 @@
                 <a:spcPct val="150000"/>
               </a:lnSpc>
             </a:pPr>
-            <a:r>
-              <a:rPr lang="ko-KR" altLang="en-US" sz="1600" dirty="0">
-                <a:solidFill>
-                  <a:schemeClr val="bg1"/>
-                </a:solidFill>
-                <a:latin typeface="넥슨Lv2고딕 Light" panose="00000300000000000000" pitchFamily="2" charset="-127"/>
-                <a:ea typeface="넥슨Lv2고딕 Light" panose="00000300000000000000" pitchFamily="2" charset="-127"/>
-              </a:rPr>
-              <a:t>재귀적으로 번갈아 가며 호출하며 작동한다</a:t>
-            </a:r>
             <a:endParaRPr lang="en-US" altLang="ko-KR" sz="1600" dirty="0">
               <a:solidFill>
                 <a:schemeClr val="bg1"/>
@@ -6696,8 +6520,140 @@
               <a:ea typeface="넥슨Lv2고딕 Light" panose="00000300000000000000" pitchFamily="2" charset="-127"/>
             </a:endParaRPr>
           </a:p>
-        </p:txBody>
-      </p:sp>
+          <a:p>
+            <a:pPr>
+              <a:lnSpc>
+                <a:spcPct val="150000"/>
+              </a:lnSpc>
+            </a:pPr>
+            <a:r>
+              <a:rPr lang="ko-KR" altLang="en-US" sz="1600" dirty="0">
+                <a:solidFill>
+                  <a:schemeClr val="bg1"/>
+                </a:solidFill>
+                <a:latin typeface="넥슨Lv2고딕 Light" panose="00000300000000000000" pitchFamily="2" charset="-127"/>
+                <a:ea typeface="넥슨Lv2고딕 Light" panose="00000300000000000000" pitchFamily="2" charset="-127"/>
+              </a:rPr>
+              <a:t>코인의 값이 </a:t>
+            </a:r>
+            <a:r>
+              <a:rPr lang="en-US" altLang="ko-KR" sz="1600" dirty="0">
+                <a:solidFill>
+                  <a:schemeClr val="bg1"/>
+                </a:solidFill>
+                <a:latin typeface="넥슨Lv2고딕 Light" panose="00000300000000000000" pitchFamily="2" charset="-127"/>
+                <a:ea typeface="넥슨Lv2고딕 Light" panose="00000300000000000000" pitchFamily="2" charset="-127"/>
+              </a:rPr>
+              <a:t>0 </a:t>
+            </a:r>
+            <a:r>
+              <a:rPr lang="ko-KR" altLang="en-US" sz="1600" dirty="0">
+                <a:solidFill>
+                  <a:schemeClr val="bg1"/>
+                </a:solidFill>
+                <a:latin typeface="넥슨Lv2고딕 Light" panose="00000300000000000000" pitchFamily="2" charset="-127"/>
+                <a:ea typeface="넥슨Lv2고딕 Light" panose="00000300000000000000" pitchFamily="2" charset="-127"/>
+              </a:rPr>
+              <a:t>밑으로 내려가지 않도록</a:t>
+            </a:r>
+            <a:endParaRPr lang="en-US" altLang="ko-KR" sz="1600" dirty="0">
+              <a:solidFill>
+                <a:schemeClr val="bg1"/>
+              </a:solidFill>
+              <a:latin typeface="넥슨Lv2고딕 Light" panose="00000300000000000000" pitchFamily="2" charset="-127"/>
+              <a:ea typeface="넥슨Lv2고딕 Light" panose="00000300000000000000" pitchFamily="2" charset="-127"/>
+            </a:endParaRPr>
+          </a:p>
+          <a:p>
+            <a:pPr>
+              <a:lnSpc>
+                <a:spcPct val="150000"/>
+              </a:lnSpc>
+            </a:pPr>
+            <a:r>
+              <a:rPr lang="en-US" altLang="ko-KR" sz="1600" dirty="0">
+                <a:solidFill>
+                  <a:schemeClr val="bg1"/>
+                </a:solidFill>
+                <a:latin typeface="넥슨Lv2고딕 Light" panose="00000300000000000000" pitchFamily="2" charset="-127"/>
+                <a:ea typeface="넥슨Lv2고딕 Light" panose="00000300000000000000" pitchFamily="2" charset="-127"/>
+              </a:rPr>
+              <a:t>Max </a:t>
+            </a:r>
+            <a:r>
+              <a:rPr lang="ko-KR" altLang="en-US" sz="1600" dirty="0">
+                <a:solidFill>
+                  <a:schemeClr val="bg1"/>
+                </a:solidFill>
+                <a:latin typeface="넥슨Lv2고딕 Light" panose="00000300000000000000" pitchFamily="2" charset="-127"/>
+                <a:ea typeface="넥슨Lv2고딕 Light" panose="00000300000000000000" pitchFamily="2" charset="-127"/>
+              </a:rPr>
+              <a:t>함수를 이용해 처리하며</a:t>
+            </a:r>
+            <a:endParaRPr lang="en-US" altLang="ko-KR" sz="1600" dirty="0">
+              <a:solidFill>
+                <a:schemeClr val="bg1"/>
+              </a:solidFill>
+              <a:latin typeface="넥슨Lv2고딕 Light" panose="00000300000000000000" pitchFamily="2" charset="-127"/>
+              <a:ea typeface="넥슨Lv2고딕 Light" panose="00000300000000000000" pitchFamily="2" charset="-127"/>
+            </a:endParaRPr>
+          </a:p>
+          <a:p>
+            <a:pPr>
+              <a:lnSpc>
+                <a:spcPct val="150000"/>
+              </a:lnSpc>
+            </a:pPr>
+            <a:r>
+              <a:rPr lang="ko-KR" altLang="en-US" sz="1600" dirty="0">
+                <a:solidFill>
+                  <a:schemeClr val="bg1"/>
+                </a:solidFill>
+                <a:latin typeface="넥슨Lv2고딕 Light" panose="00000300000000000000" pitchFamily="2" charset="-127"/>
+                <a:ea typeface="넥슨Lv2고딕 Light" panose="00000300000000000000" pitchFamily="2" charset="-127"/>
+              </a:rPr>
+              <a:t>이후 이벤트를 발생시킨다</a:t>
+            </a:r>
+            <a:endParaRPr lang="en-US" altLang="ko-KR" sz="1600" dirty="0">
+              <a:solidFill>
+                <a:schemeClr val="bg1"/>
+              </a:solidFill>
+              <a:latin typeface="넥슨Lv2고딕 Light" panose="00000300000000000000" pitchFamily="2" charset="-127"/>
+              <a:ea typeface="넥슨Lv2고딕 Light" panose="00000300000000000000" pitchFamily="2" charset="-127"/>
+            </a:endParaRPr>
+          </a:p>
+        </p:txBody>
+      </p:sp>
+      <p:pic>
+        <p:nvPicPr>
+          <p:cNvPr id="7" name="그림 6">
+            <a:extLst>
+              <a:ext uri="{FF2B5EF4-FFF2-40B4-BE49-F238E27FC236}">
+                <a16:creationId xmlns:a16="http://schemas.microsoft.com/office/drawing/2014/main" id="{DC5CEB0A-B6C1-C993-2921-E0F6BDB78D49}"/>
+              </a:ext>
+            </a:extLst>
+          </p:cNvPr>
+          <p:cNvPicPr>
+            <a:picLocks noChangeAspect="1"/>
+          </p:cNvPicPr>
+          <p:nvPr/>
+        </p:nvPicPr>
+        <p:blipFill>
+          <a:blip r:embed="rId2"/>
+          <a:stretch>
+            <a:fillRect/>
+          </a:stretch>
+        </p:blipFill>
+        <p:spPr>
+          <a:xfrm>
+            <a:off x="6678201" y="1628774"/>
+            <a:ext cx="3738973" cy="4508089"/>
+          </a:xfrm>
+          <a:prstGeom prst="rect">
+            <a:avLst/>
+          </a:prstGeom>
+        </p:spPr>
+      </p:pic>
       <p:sp>
         <p:nvSpPr>
           <p:cNvPr id="8" name="직사각형 7">
@@ -6712,8 +6668,8 @@
         </p:nvSpPr>
         <p:spPr>
           <a:xfrm>
-            <a:off x="8083550" y="2457450"/>
-            <a:ext cx="1929130" cy="523875"/>
+            <a:off x="7378700" y="4133850"/>
+            <a:ext cx="2927350" cy="523875"/>
           </a:xfrm>
           <a:prstGeom prst="rect">
             <a:avLst/>
@@ -6753,7 +6709,7 @@
     </p:spTree>
     <p:extLst>
       <p:ext uri="{BB962C8B-B14F-4D97-AF65-F5344CB8AC3E}">
-        <p14:creationId xmlns:p14="http://schemas.microsoft.com/office/powerpoint/2010/main" val="3082058199"/>
+        <p14:creationId xmlns:p14="http://schemas.microsoft.com/office/powerpoint/2010/main" val="1560351109"/>
       </p:ext>
     </p:extLst>
   </p:cSld>
@@ -6788,6 +6744,36 @@
           <a:chExt cx="0" cy="0"/>
         </a:xfrm>
       </p:grpSpPr>
+      <p:pic>
+        <p:nvPicPr>
+          <p:cNvPr id="3" name="그림 2">
+            <a:extLst>
+              <a:ext uri="{FF2B5EF4-FFF2-40B4-BE49-F238E27FC236}">
+                <a16:creationId xmlns:a16="http://schemas.microsoft.com/office/drawing/2014/main" id="{52FBCEAC-FCFE-5140-5A8E-0EB02D1023C1}"/>
+              </a:ext>
+            </a:extLst>
+          </p:cNvPr>
+          <p:cNvPicPr>
+            <a:picLocks noChangeAspect="1"/>
+          </p:cNvPicPr>
+          <p:nvPr/>
+        </p:nvPicPr>
+        <p:blipFill>
+          <a:blip r:embed="rId2"/>
+          <a:stretch>
+            <a:fillRect/>
+          </a:stretch>
+        </p:blipFill>
+        <p:spPr>
+          <a:xfrm>
+            <a:off x="7473692" y="1628775"/>
+            <a:ext cx="2934109" cy="3200847"/>
+          </a:xfrm>
+          <a:prstGeom prst="rect">
+            <a:avLst/>
+          </a:prstGeom>
+        </p:spPr>
+      </p:pic>
       <p:sp>
         <p:nvSpPr>
           <p:cNvPr id="15" name="TextBox 14">
@@ -6824,27 +6810,7 @@
                 <a:latin typeface="넥슨Lv2고딕 Bold" panose="00000800000000000000" pitchFamily="2" charset="-127"/>
                 <a:ea typeface="넥슨Lv2고딕 Bold" panose="00000800000000000000" pitchFamily="2" charset="-127"/>
               </a:rPr>
-              <a:t>세이브</a:t>
-            </a:r>
-            <a:r>
-              <a:rPr lang="en-US" altLang="ko-KR" sz="3200" dirty="0">
-                <a:solidFill>
-                  <a:schemeClr val="bg1"/>
-                </a:solidFill>
-                <a:latin typeface="넥슨Lv2고딕 Bold" panose="00000800000000000000" pitchFamily="2" charset="-127"/>
-                <a:ea typeface="넥슨Lv2고딕 Bold" panose="00000800000000000000" pitchFamily="2" charset="-127"/>
-              </a:rPr>
-              <a:t>/</a:t>
-            </a:r>
-            <a:r>
-              <a:rPr lang="ko-KR" altLang="en-US" sz="3200" dirty="0">
-                <a:solidFill>
-                  <a:schemeClr val="bg1"/>
-                </a:solidFill>
-                <a:latin typeface="넥슨Lv2고딕 Bold" panose="00000800000000000000" pitchFamily="2" charset="-127"/>
-                <a:ea typeface="넥슨Lv2고딕 Bold" panose="00000800000000000000" pitchFamily="2" charset="-127"/>
-              </a:rPr>
-              <a:t>로드</a:t>
+              <a:t>전투</a:t>
             </a:r>
             <a:endParaRPr lang="en-US" altLang="ko-KR" sz="3200" dirty="0">
               <a:solidFill>
@@ -6922,8 +6888,8 @@
         </p:nvSpPr>
         <p:spPr>
           <a:xfrm>
-            <a:off x="1680310" y="2074745"/>
-            <a:ext cx="4414322" cy="2646365"/>
+            <a:off x="1680309" y="2074745"/>
+            <a:ext cx="8736865" cy="1538370"/>
           </a:xfrm>
           <a:prstGeom prst="rect">
             <a:avLst/>
@@ -6942,16 +6908,6 @@
               </a:lnSpc>
             </a:pPr>
             <a:r>
-              <a:rPr lang="en-US" altLang="ko-KR" sz="1600" dirty="0" err="1">
-                <a:solidFill>
-                  <a:schemeClr val="bg1"/>
-                </a:solidFill>
-                <a:latin typeface="넥슨Lv2고딕 Light" panose="00000300000000000000" pitchFamily="2" charset="-127"/>
-                <a:ea typeface="넥슨Lv2고딕 Light" panose="00000300000000000000" pitchFamily="2" charset="-127"/>
-              </a:rPr>
-              <a:t>json</a:t>
-            </a:r>
-            <a:r>
               <a:rPr lang="ko-KR" altLang="en-US" sz="1600" dirty="0">
                 <a:solidFill>
                   <a:schemeClr val="bg1"/>
@@ -6959,7 +6915,7 @@
                 <a:latin typeface="넥슨Lv2고딕 Light" panose="00000300000000000000" pitchFamily="2" charset="-127"/>
                 <a:ea typeface="넥슨Lv2고딕 Light" panose="00000300000000000000" pitchFamily="2" charset="-127"/>
               </a:rPr>
-              <a:t>으로 저장하기 위해 필요한 데이터들을</a:t>
+              <a:t>공격이 끝난 이후 턴종료를 알리기 위해</a:t>
             </a:r>
             <a:endParaRPr lang="en-US" altLang="ko-KR" sz="1600" dirty="0">
               <a:solidFill>
@@ -6976,6 +6932,26 @@
               </a:lnSpc>
             </a:pPr>
             <a:r>
+              <a:rPr lang="en-US" altLang="ko-KR" sz="1600" dirty="0" err="1">
+                <a:solidFill>
+                  <a:schemeClr val="bg1"/>
+                </a:solidFill>
+                <a:latin typeface="넥슨Lv2고딕 Light" panose="00000300000000000000" pitchFamily="2" charset="-127"/>
+                <a:ea typeface="넥슨Lv2고딕 Light" panose="00000300000000000000" pitchFamily="2" charset="-127"/>
+              </a:rPr>
+              <a:t>TurnEnd</a:t>
+            </a:r>
+            <a:r>
+              <a:rPr lang="en-US" altLang="ko-KR" sz="1600" dirty="0">
+                <a:solidFill>
+                  <a:schemeClr val="bg1"/>
+                </a:solidFill>
+                <a:latin typeface="넥슨Lv2고딕 Light" panose="00000300000000000000" pitchFamily="2" charset="-127"/>
+                <a:ea typeface="넥슨Lv2고딕 Light" panose="00000300000000000000" pitchFamily="2" charset="-127"/>
+              </a:rPr>
+              <a:t> </a:t>
+            </a:r>
+            <a:r>
               <a:rPr lang="ko-KR" altLang="en-US" sz="1600" dirty="0">
                 <a:solidFill>
                   <a:schemeClr val="bg1"/>
@@ -6983,7 +6959,24 @@
                 <a:latin typeface="넥슨Lv2고딕 Light" panose="00000300000000000000" pitchFamily="2" charset="-127"/>
                 <a:ea typeface="넥슨Lv2고딕 Light" panose="00000300000000000000" pitchFamily="2" charset="-127"/>
               </a:rPr>
-              <a:t>직렬화 하고 인벤토리 내 아이템들을</a:t>
+              <a:t>함수를 콜 백 하도록 만들었으며</a:t>
+            </a:r>
+          </a:p>
+          <a:p>
+            <a:pPr>
+              <a:lnSpc>
+                <a:spcPct val="150000"/>
+              </a:lnSpc>
+            </a:pPr>
+            <a:r>
+              <a:rPr lang="ko-KR" altLang="en-US" sz="1600" dirty="0">
+                <a:solidFill>
+                  <a:schemeClr val="bg1"/>
+                </a:solidFill>
+                <a:latin typeface="넥슨Lv2고딕 Light" panose="00000300000000000000" pitchFamily="2" charset="-127"/>
+                <a:ea typeface="넥슨Lv2고딕 Light" panose="00000300000000000000" pitchFamily="2" charset="-127"/>
+              </a:rPr>
+              <a:t>플레이어 또는 적이 죽을 때까지</a:t>
             </a:r>
             <a:endParaRPr lang="en-US" altLang="ko-KR" sz="1600" dirty="0">
               <a:solidFill>
@@ -7007,47 +7000,7 @@
                 <a:latin typeface="넥슨Lv2고딕 Light" panose="00000300000000000000" pitchFamily="2" charset="-127"/>
                 <a:ea typeface="넥슨Lv2고딕 Light" panose="00000300000000000000" pitchFamily="2" charset="-127"/>
               </a:rPr>
-              <a:t>아이템 </a:t>
-            </a:r>
-            <a:r>
-              <a:rPr lang="en-US" altLang="ko-KR" sz="1600" dirty="0">
-                <a:solidFill>
-                  <a:schemeClr val="bg1"/>
-                </a:solidFill>
-                <a:latin typeface="넥슨Lv2고딕 Light" panose="00000300000000000000" pitchFamily="2" charset="-127"/>
-                <a:ea typeface="넥슨Lv2고딕 Light" panose="00000300000000000000" pitchFamily="2" charset="-127"/>
-              </a:rPr>
-              <a:t>ID</a:t>
-            </a:r>
-            <a:r>
-              <a:rPr lang="ko-KR" altLang="en-US" sz="1600" dirty="0">
-                <a:solidFill>
-                  <a:schemeClr val="bg1"/>
-                </a:solidFill>
-                <a:latin typeface="넥슨Lv2고딕 Light" panose="00000300000000000000" pitchFamily="2" charset="-127"/>
-                <a:ea typeface="넥슨Lv2고딕 Light" panose="00000300000000000000" pitchFamily="2" charset="-127"/>
-              </a:rPr>
-              <a:t>가 담긴 </a:t>
-            </a:r>
-            <a:r>
-              <a:rPr lang="en-US" altLang="ko-KR" sz="1600" dirty="0">
-                <a:solidFill>
-                  <a:schemeClr val="bg1"/>
-                </a:solidFill>
-                <a:latin typeface="넥슨Lv2고딕 Light" panose="00000300000000000000" pitchFamily="2" charset="-127"/>
-                <a:ea typeface="넥슨Lv2고딕 Light" panose="00000300000000000000" pitchFamily="2" charset="-127"/>
-              </a:rPr>
-              <a:t>List&lt;int&gt; </a:t>
-            </a:r>
-            <a:r>
-              <a:rPr lang="ko-KR" altLang="en-US" sz="1600" dirty="0">
-                <a:solidFill>
-                  <a:schemeClr val="bg1"/>
-                </a:solidFill>
-                <a:latin typeface="넥슨Lv2고딕 Light" panose="00000300000000000000" pitchFamily="2" charset="-127"/>
-                <a:ea typeface="넥슨Lv2고딕 Light" panose="00000300000000000000" pitchFamily="2" charset="-127"/>
-              </a:rPr>
-              <a:t>를 직렬화 하여</a:t>
+              <a:t>재귀적으로 번갈아 가며 호출하며 작동한다</a:t>
             </a:r>
             <a:endParaRPr lang="en-US" altLang="ko-KR" sz="1600" dirty="0">
               <a:solidFill>
@@ -7057,161 +7010,64 @@
               <a:ea typeface="넥슨Lv2고딕 Light" panose="00000300000000000000" pitchFamily="2" charset="-127"/>
             </a:endParaRPr>
           </a:p>
-          <a:p>
-            <a:pPr>
-              <a:lnSpc>
-                <a:spcPct val="150000"/>
-              </a:lnSpc>
-            </a:pPr>
-            <a:r>
-              <a:rPr lang="ko-KR" altLang="en-US" sz="1600" dirty="0">
-                <a:solidFill>
-                  <a:schemeClr val="bg1"/>
-                </a:solidFill>
-                <a:latin typeface="넥슨Lv2고딕 Light" panose="00000300000000000000" pitchFamily="2" charset="-127"/>
-                <a:ea typeface="넥슨Lv2고딕 Light" panose="00000300000000000000" pitchFamily="2" charset="-127"/>
-              </a:rPr>
-              <a:t>로드가 되도록 하였으며</a:t>
-            </a:r>
-            <a:endParaRPr lang="en-US" altLang="ko-KR" sz="1600" dirty="0">
-              <a:solidFill>
-                <a:schemeClr val="bg1"/>
-              </a:solidFill>
-              <a:latin typeface="넥슨Lv2고딕 Light" panose="00000300000000000000" pitchFamily="2" charset="-127"/>
-              <a:ea typeface="넥슨Lv2고딕 Light" panose="00000300000000000000" pitchFamily="2" charset="-127"/>
-            </a:endParaRPr>
-          </a:p>
-          <a:p>
-            <a:pPr>
-              <a:lnSpc>
-                <a:spcPct val="150000"/>
-              </a:lnSpc>
-            </a:pPr>
-            <a:r>
-              <a:rPr lang="ko-KR" altLang="en-US" sz="1600" dirty="0">
-                <a:solidFill>
-                  <a:schemeClr val="bg1"/>
-                </a:solidFill>
-                <a:latin typeface="넥슨Lv2고딕 Light" panose="00000300000000000000" pitchFamily="2" charset="-127"/>
-                <a:ea typeface="넥슨Lv2고딕 Light" panose="00000300000000000000" pitchFamily="2" charset="-127"/>
-              </a:rPr>
-              <a:t>반환 값을 </a:t>
-            </a:r>
-            <a:r>
-              <a:rPr lang="en-US" altLang="ko-KR" sz="1600" dirty="0">
-                <a:solidFill>
-                  <a:schemeClr val="bg1"/>
-                </a:solidFill>
-                <a:latin typeface="넥슨Lv2고딕 Light" panose="00000300000000000000" pitchFamily="2" charset="-127"/>
-                <a:ea typeface="넥슨Lv2고딕 Light" panose="00000300000000000000" pitchFamily="2" charset="-127"/>
-              </a:rPr>
-              <a:t>bool</a:t>
-            </a:r>
-            <a:r>
-              <a:rPr lang="ko-KR" altLang="en-US" sz="1600" dirty="0">
-                <a:solidFill>
-                  <a:schemeClr val="bg1"/>
-                </a:solidFill>
-                <a:latin typeface="넥슨Lv2고딕 Light" panose="00000300000000000000" pitchFamily="2" charset="-127"/>
-                <a:ea typeface="넥슨Lv2고딕 Light" panose="00000300000000000000" pitchFamily="2" charset="-127"/>
-              </a:rPr>
-              <a:t>로 하여</a:t>
-            </a:r>
-            <a:endParaRPr lang="en-US" altLang="ko-KR" sz="1600" dirty="0">
-              <a:solidFill>
-                <a:schemeClr val="bg1"/>
-              </a:solidFill>
-              <a:latin typeface="넥슨Lv2고딕 Light" panose="00000300000000000000" pitchFamily="2" charset="-127"/>
-              <a:ea typeface="넥슨Lv2고딕 Light" panose="00000300000000000000" pitchFamily="2" charset="-127"/>
-            </a:endParaRPr>
-          </a:p>
-          <a:p>
-            <a:pPr>
-              <a:lnSpc>
-                <a:spcPct val="150000"/>
-              </a:lnSpc>
-            </a:pPr>
-            <a:r>
-              <a:rPr lang="ko-KR" altLang="en-US" sz="1600" dirty="0">
-                <a:solidFill>
-                  <a:schemeClr val="bg1"/>
-                </a:solidFill>
-                <a:latin typeface="넥슨Lv2고딕 Light" panose="00000300000000000000" pitchFamily="2" charset="-127"/>
-                <a:ea typeface="넥슨Lv2고딕 Light" panose="00000300000000000000" pitchFamily="2" charset="-127"/>
-              </a:rPr>
-              <a:t>로드 성공 실패 여부를</a:t>
-            </a:r>
-            <a:endParaRPr lang="en-US" altLang="ko-KR" sz="1600" dirty="0">
-              <a:solidFill>
-                <a:schemeClr val="bg1"/>
-              </a:solidFill>
-              <a:latin typeface="넥슨Lv2고딕 Light" panose="00000300000000000000" pitchFamily="2" charset="-127"/>
-              <a:ea typeface="넥슨Lv2고딕 Light" panose="00000300000000000000" pitchFamily="2" charset="-127"/>
-            </a:endParaRPr>
-          </a:p>
-          <a:p>
-            <a:pPr>
-              <a:lnSpc>
-                <a:spcPct val="150000"/>
-              </a:lnSpc>
-            </a:pPr>
-            <a:r>
-              <a:rPr lang="ko-KR" altLang="en-US" sz="1600" dirty="0">
-                <a:solidFill>
-                  <a:schemeClr val="bg1"/>
-                </a:solidFill>
-                <a:latin typeface="넥슨Lv2고딕 Light" panose="00000300000000000000" pitchFamily="2" charset="-127"/>
-                <a:ea typeface="넥슨Lv2고딕 Light" panose="00000300000000000000" pitchFamily="2" charset="-127"/>
-              </a:rPr>
-              <a:t>판단하고 새로운 파일을 만들도록 작성하였습니다</a:t>
-            </a:r>
-            <a:r>
-              <a:rPr lang="en-US" altLang="ko-KR" sz="1600" dirty="0">
-                <a:solidFill>
-                  <a:schemeClr val="bg1"/>
-                </a:solidFill>
-                <a:latin typeface="넥슨Lv2고딕 Light" panose="00000300000000000000" pitchFamily="2" charset="-127"/>
-                <a:ea typeface="넥슨Lv2고딕 Light" panose="00000300000000000000" pitchFamily="2" charset="-127"/>
-              </a:rPr>
-              <a:t>.</a:t>
-            </a:r>
-          </a:p>
-        </p:txBody>
-      </p:sp>
-      <p:pic>
-        <p:nvPicPr>
-          <p:cNvPr id="13" name="그림 12">
-            <a:extLst>
-              <a:ext uri="{FF2B5EF4-FFF2-40B4-BE49-F238E27FC236}">
-                <a16:creationId xmlns:a16="http://schemas.microsoft.com/office/drawing/2014/main" id="{85B530E4-3CBE-B7C7-4C74-7B77C5A34D37}"/>
-              </a:ext>
-            </a:extLst>
-          </p:cNvPr>
-          <p:cNvPicPr>
-            <a:picLocks noChangeAspect="1"/>
-          </p:cNvPicPr>
+        </p:txBody>
+      </p:sp>
+      <p:sp>
+        <p:nvSpPr>
+          <p:cNvPr id="8" name="직사각형 7">
+            <a:extLst>
+              <a:ext uri="{FF2B5EF4-FFF2-40B4-BE49-F238E27FC236}">
+                <a16:creationId xmlns:a16="http://schemas.microsoft.com/office/drawing/2014/main" id="{E6A5C31E-73AD-B758-FB1B-EEA83E88CFF8}"/>
+              </a:ext>
+            </a:extLst>
+          </p:cNvPr>
+          <p:cNvSpPr/>
           <p:nvPr/>
-        </p:nvPicPr>
-        <p:blipFill>
-          <a:blip r:embed="rId2"/>
-          <a:stretch>
-            <a:fillRect/>
-          </a:stretch>
-        </p:blipFill>
+        </p:nvSpPr>
         <p:spPr>
           <a:xfrm>
-            <a:off x="6097370" y="1631757"/>
-            <a:ext cx="4339589" cy="3352994"/>
+            <a:off x="8083550" y="2457450"/>
+            <a:ext cx="1929130" cy="523875"/>
           </a:xfrm>
           <a:prstGeom prst="rect">
             <a:avLst/>
           </a:prstGeom>
+          <a:noFill/>
+          <a:ln>
+            <a:solidFill>
+              <a:srgbClr val="EA473B"/>
+            </a:solidFill>
+          </a:ln>
         </p:spPr>
-      </p:pic>
+        <p:style>
+          <a:lnRef idx="2">
+            <a:schemeClr val="accent1">
+              <a:shade val="50000"/>
+            </a:schemeClr>
+          </a:lnRef>
+          <a:fillRef idx="1">
+            <a:schemeClr val="accent1"/>
+          </a:fillRef>
+          <a:effectRef idx="0">
+            <a:schemeClr val="accent1"/>
+          </a:effectRef>
+          <a:fontRef idx="minor">
+            <a:schemeClr val="lt1"/>
+          </a:fontRef>
+        </p:style>
+        <p:txBody>
+          <a:bodyPr rtlCol="0" anchor="ctr"/>
+          <a:lstStyle/>
+          <a:p>
+            <a:pPr algn="ctr"/>
+            <a:endParaRPr lang="ko-KR" altLang="en-US"/>
+          </a:p>
+        </p:txBody>
+      </p:sp>
     </p:spTree>
     <p:extLst>
       <p:ext uri="{BB962C8B-B14F-4D97-AF65-F5344CB8AC3E}">
-        <p14:creationId xmlns:p14="http://schemas.microsoft.com/office/powerpoint/2010/main" val="2090174743"/>
+        <p14:creationId xmlns:p14="http://schemas.microsoft.com/office/powerpoint/2010/main" val="3082058199"/>
       </p:ext>
     </p:extLst>
   </p:cSld>
@@ -7282,7 +7138,27 @@
                 <a:latin typeface="넥슨Lv2고딕 Bold" panose="00000800000000000000" pitchFamily="2" charset="-127"/>
                 <a:ea typeface="넥슨Lv2고딕 Bold" panose="00000800000000000000" pitchFamily="2" charset="-127"/>
               </a:rPr>
-              <a:t>싱글 톤 사용 이유</a:t>
+              <a:t>세이브</a:t>
+            </a:r>
+            <a:r>
+              <a:rPr lang="en-US" altLang="ko-KR" sz="3200" dirty="0">
+                <a:solidFill>
+                  <a:schemeClr val="bg1"/>
+                </a:solidFill>
+                <a:latin typeface="넥슨Lv2고딕 Bold" panose="00000800000000000000" pitchFamily="2" charset="-127"/>
+                <a:ea typeface="넥슨Lv2고딕 Bold" panose="00000800000000000000" pitchFamily="2" charset="-127"/>
+              </a:rPr>
+              <a:t>/</a:t>
+            </a:r>
+            <a:r>
+              <a:rPr lang="ko-KR" altLang="en-US" sz="3200" dirty="0">
+                <a:solidFill>
+                  <a:schemeClr val="bg1"/>
+                </a:solidFill>
+                <a:latin typeface="넥슨Lv2고딕 Bold" panose="00000800000000000000" pitchFamily="2" charset="-127"/>
+                <a:ea typeface="넥슨Lv2고딕 Bold" panose="00000800000000000000" pitchFamily="2" charset="-127"/>
+              </a:rPr>
+              <a:t>로드</a:t>
             </a:r>
             <a:endParaRPr lang="en-US" altLang="ko-KR" sz="3200" dirty="0">
               <a:solidFill>
@@ -7360,8 +7236,8 @@
         </p:nvSpPr>
         <p:spPr>
           <a:xfrm>
-            <a:off x="1680309" y="2074745"/>
-            <a:ext cx="8736865" cy="2277034"/>
+            <a:off x="1680310" y="2074745"/>
+            <a:ext cx="4414322" cy="3015697"/>
           </a:xfrm>
           <a:prstGeom prst="rect">
             <a:avLst/>
@@ -7380,24 +7256,48 @@
               </a:lnSpc>
             </a:pPr>
             <a:r>
-              <a:rPr lang="en-US" altLang="ko-KR" sz="1600" dirty="0">
-                <a:solidFill>
-                  <a:schemeClr val="bg1"/>
-                </a:solidFill>
-                <a:latin typeface="넥슨Lv2고딕 Light" panose="00000300000000000000" pitchFamily="2" charset="-127"/>
-                <a:ea typeface="넥슨Lv2고딕 Light" panose="00000300000000000000" pitchFamily="2" charset="-127"/>
-              </a:rPr>
-              <a:t>UI</a:t>
-            </a:r>
-            <a:r>
               <a:rPr lang="ko-KR" altLang="en-US" sz="1600" dirty="0">
                 <a:solidFill>
                   <a:schemeClr val="bg1"/>
                 </a:solidFill>
-                <a:latin typeface="넥슨Lv2고딕 Light" panose="00000300000000000000" pitchFamily="2" charset="-127"/>
-                <a:ea typeface="넥슨Lv2고딕 Light" panose="00000300000000000000" pitchFamily="2" charset="-127"/>
-              </a:rPr>
-              <a:t>와 데이터를 분리하기 위해</a:t>
+                <a:latin typeface="넥슨Lv2고딕 Medium" panose="00000600000000000000" pitchFamily="2" charset="-127"/>
+                <a:ea typeface="넥슨Lv2고딕 Medium" panose="00000600000000000000" pitchFamily="2" charset="-127"/>
+              </a:rPr>
+              <a:t>플레이어 데이터</a:t>
+            </a:r>
+            <a:endParaRPr lang="en-US" altLang="ko-KR" sz="1600" dirty="0">
+              <a:solidFill>
+                <a:schemeClr val="bg1"/>
+              </a:solidFill>
+              <a:latin typeface="넥슨Lv2고딕 Medium" panose="00000600000000000000" pitchFamily="2" charset="-127"/>
+              <a:ea typeface="넥슨Lv2고딕 Medium" panose="00000600000000000000" pitchFamily="2" charset="-127"/>
+            </a:endParaRPr>
+          </a:p>
+          <a:p>
+            <a:pPr>
+              <a:lnSpc>
+                <a:spcPct val="150000"/>
+              </a:lnSpc>
+            </a:pPr>
+            <a:r>
+              <a:rPr lang="en-US" altLang="ko-KR" sz="1600" dirty="0" err="1">
+                <a:solidFill>
+                  <a:schemeClr val="bg1"/>
+                </a:solidFill>
+                <a:latin typeface="넥슨Lv2고딕 Light" panose="00000300000000000000" pitchFamily="2" charset="-127"/>
+                <a:ea typeface="넥슨Lv2고딕 Light" panose="00000300000000000000" pitchFamily="2" charset="-127"/>
+              </a:rPr>
+              <a:t>json</a:t>
+            </a:r>
+            <a:r>
+              <a:rPr lang="ko-KR" altLang="en-US" sz="1600" dirty="0">
+                <a:solidFill>
+                  <a:schemeClr val="bg1"/>
+                </a:solidFill>
+                <a:latin typeface="넥슨Lv2고딕 Light" panose="00000300000000000000" pitchFamily="2" charset="-127"/>
+                <a:ea typeface="넥슨Lv2고딕 Light" panose="00000300000000000000" pitchFamily="2" charset="-127"/>
+              </a:rPr>
+              <a:t>으로 저장하기 위해 필요한 데이터들을</a:t>
             </a:r>
             <a:endParaRPr lang="en-US" altLang="ko-KR" sz="1600" dirty="0">
               <a:solidFill>
@@ -7421,7 +7321,7 @@
                 <a:latin typeface="넥슨Lv2고딕 Light" panose="00000300000000000000" pitchFamily="2" charset="-127"/>
                 <a:ea typeface="넥슨Lv2고딕 Light" panose="00000300000000000000" pitchFamily="2" charset="-127"/>
               </a:rPr>
-              <a:t>싱글 톤 방식을 사용했습니다</a:t>
+              <a:t>직렬화 하고 인벤토리 내 아이템들을</a:t>
             </a:r>
             <a:endParaRPr lang="en-US" altLang="ko-KR" sz="1600" dirty="0">
               <a:solidFill>
@@ -7437,6 +7337,56 @@
                 <a:spcPct val="150000"/>
               </a:lnSpc>
             </a:pPr>
+            <a:r>
+              <a:rPr lang="ko-KR" altLang="en-US" sz="1600" dirty="0">
+                <a:solidFill>
+                  <a:schemeClr val="bg1"/>
+                </a:solidFill>
+                <a:latin typeface="넥슨Lv2고딕 Light" panose="00000300000000000000" pitchFamily="2" charset="-127"/>
+                <a:ea typeface="넥슨Lv2고딕 Light" panose="00000300000000000000" pitchFamily="2" charset="-127"/>
+              </a:rPr>
+              <a:t>아이템 </a:t>
+            </a:r>
+            <a:r>
+              <a:rPr lang="en-US" altLang="ko-KR" sz="1600" dirty="0">
+                <a:solidFill>
+                  <a:schemeClr val="bg1"/>
+                </a:solidFill>
+                <a:latin typeface="넥슨Lv2고딕 Light" panose="00000300000000000000" pitchFamily="2" charset="-127"/>
+                <a:ea typeface="넥슨Lv2고딕 Light" panose="00000300000000000000" pitchFamily="2" charset="-127"/>
+              </a:rPr>
+              <a:t>ID</a:t>
+            </a:r>
+            <a:r>
+              <a:rPr lang="ko-KR" altLang="en-US" sz="1600" dirty="0">
+                <a:solidFill>
+                  <a:schemeClr val="bg1"/>
+                </a:solidFill>
+                <a:latin typeface="넥슨Lv2고딕 Light" panose="00000300000000000000" pitchFamily="2" charset="-127"/>
+                <a:ea typeface="넥슨Lv2고딕 Light" panose="00000300000000000000" pitchFamily="2" charset="-127"/>
+              </a:rPr>
+              <a:t>가 담긴 </a:t>
+            </a:r>
+            <a:r>
+              <a:rPr lang="en-US" altLang="ko-KR" sz="1600" dirty="0">
+                <a:solidFill>
+                  <a:schemeClr val="bg1"/>
+                </a:solidFill>
+                <a:latin typeface="넥슨Lv2고딕 Light" panose="00000300000000000000" pitchFamily="2" charset="-127"/>
+                <a:ea typeface="넥슨Lv2고딕 Light" panose="00000300000000000000" pitchFamily="2" charset="-127"/>
+              </a:rPr>
+              <a:t>List&lt;int&gt; </a:t>
+            </a:r>
+            <a:r>
+              <a:rPr lang="ko-KR" altLang="en-US" sz="1600" dirty="0">
+                <a:solidFill>
+                  <a:schemeClr val="bg1"/>
+                </a:solidFill>
+                <a:latin typeface="넥슨Lv2고딕 Light" panose="00000300000000000000" pitchFamily="2" charset="-127"/>
+                <a:ea typeface="넥슨Lv2고딕 Light" panose="00000300000000000000" pitchFamily="2" charset="-127"/>
+              </a:rPr>
+              <a:t>를 직렬화 하여</a:t>
+            </a:r>
             <a:endParaRPr lang="en-US" altLang="ko-KR" sz="1600" dirty="0">
               <a:solidFill>
                 <a:schemeClr val="bg1"/>
@@ -7459,7 +7409,7 @@
                 <a:latin typeface="넥슨Lv2고딕 Light" panose="00000300000000000000" pitchFamily="2" charset="-127"/>
                 <a:ea typeface="넥슨Lv2고딕 Light" panose="00000300000000000000" pitchFamily="2" charset="-127"/>
               </a:rPr>
-              <a:t>값이 변함에 따라 이벤트를 발생시키고</a:t>
+              <a:t>로드가 되도록 하였으며</a:t>
             </a:r>
             <a:endParaRPr lang="en-US" altLang="ko-KR" sz="1600" dirty="0">
               <a:solidFill>
@@ -7476,6 +7426,16 @@
               </a:lnSpc>
             </a:pPr>
             <a:r>
+              <a:rPr lang="ko-KR" altLang="en-US" sz="1600" dirty="0">
+                <a:solidFill>
+                  <a:schemeClr val="bg1"/>
+                </a:solidFill>
+                <a:latin typeface="넥슨Lv2고딕 Light" panose="00000300000000000000" pitchFamily="2" charset="-127"/>
+                <a:ea typeface="넥슨Lv2고딕 Light" panose="00000300000000000000" pitchFamily="2" charset="-127"/>
+              </a:rPr>
+              <a:t>반환 값을 </a:t>
+            </a:r>
+            <a:r>
               <a:rPr lang="en-US" altLang="ko-KR" sz="1600" dirty="0">
                 <a:solidFill>
                   <a:schemeClr val="bg1"/>
@@ -7483,7 +7443,7 @@
                 <a:latin typeface="넥슨Lv2고딕 Light" panose="00000300000000000000" pitchFamily="2" charset="-127"/>
                 <a:ea typeface="넥슨Lv2고딕 Light" panose="00000300000000000000" pitchFamily="2" charset="-127"/>
               </a:rPr>
-              <a:t>UI</a:t>
+              <a:t>bool</a:t>
             </a:r>
             <a:r>
               <a:rPr lang="ko-KR" altLang="en-US" sz="1600" dirty="0">
@@ -7493,27 +7453,7 @@
                 <a:latin typeface="넥슨Lv2고딕 Light" panose="00000300000000000000" pitchFamily="2" charset="-127"/>
                 <a:ea typeface="넥슨Lv2고딕 Light" panose="00000300000000000000" pitchFamily="2" charset="-127"/>
               </a:rPr>
-              <a:t>가 구독하여</a:t>
-            </a:r>
-            <a:r>
-              <a:rPr lang="en-US" altLang="ko-KR" sz="1600" dirty="0">
-                <a:solidFill>
-                  <a:schemeClr val="bg1"/>
-                </a:solidFill>
-                <a:latin typeface="넥슨Lv2고딕 Light" panose="00000300000000000000" pitchFamily="2" charset="-127"/>
-                <a:ea typeface="넥슨Lv2고딕 Light" panose="00000300000000000000" pitchFamily="2" charset="-127"/>
-              </a:rPr>
-              <a:t> </a:t>
-            </a:r>
-            <a:r>
-              <a:rPr lang="ko-KR" altLang="en-US" sz="1600" dirty="0">
-                <a:solidFill>
-                  <a:schemeClr val="bg1"/>
-                </a:solidFill>
-                <a:latin typeface="넥슨Lv2고딕 Light" panose="00000300000000000000" pitchFamily="2" charset="-127"/>
-                <a:ea typeface="넥슨Lv2고딕 Light" panose="00000300000000000000" pitchFamily="2" charset="-127"/>
-              </a:rPr>
-              <a:t>보이는 값을</a:t>
+              <a:t>로 하여</a:t>
             </a:r>
             <a:endParaRPr lang="en-US" altLang="ko-KR" sz="1600" dirty="0">
               <a:solidFill>
@@ -7537,7 +7477,31 @@
                 <a:latin typeface="넥슨Lv2고딕 Light" panose="00000300000000000000" pitchFamily="2" charset="-127"/>
                 <a:ea typeface="넥슨Lv2고딕 Light" panose="00000300000000000000" pitchFamily="2" charset="-127"/>
               </a:rPr>
-              <a:t>변경할 수 있도록 작성하였습니다</a:t>
+              <a:t>로드 성공 실패 여부를</a:t>
+            </a:r>
+            <a:endParaRPr lang="en-US" altLang="ko-KR" sz="1600" dirty="0">
+              <a:solidFill>
+                <a:schemeClr val="bg1"/>
+              </a:solidFill>
+              <a:latin typeface="넥슨Lv2고딕 Light" panose="00000300000000000000" pitchFamily="2" charset="-127"/>
+              <a:ea typeface="넥슨Lv2고딕 Light" panose="00000300000000000000" pitchFamily="2" charset="-127"/>
+            </a:endParaRPr>
+          </a:p>
+          <a:p>
+            <a:pPr>
+              <a:lnSpc>
+                <a:spcPct val="150000"/>
+              </a:lnSpc>
+            </a:pPr>
+            <a:r>
+              <a:rPr lang="ko-KR" altLang="en-US" sz="1600" dirty="0">
+                <a:solidFill>
+                  <a:schemeClr val="bg1"/>
+                </a:solidFill>
+                <a:latin typeface="넥슨Lv2고딕 Light" panose="00000300000000000000" pitchFamily="2" charset="-127"/>
+                <a:ea typeface="넥슨Lv2고딕 Light" panose="00000300000000000000" pitchFamily="2" charset="-127"/>
+              </a:rPr>
+              <a:t>판단하고 새로운 파일을 만들도록 작성하였습니다</a:t>
             </a:r>
             <a:r>
               <a:rPr lang="en-US" altLang="ko-KR" sz="1600" dirty="0">
@@ -7554,10 +7518,10 @@
       </p:sp>
       <p:pic>
         <p:nvPicPr>
-          <p:cNvPr id="5" name="그림 4">
-            <a:extLst>
-              <a:ext uri="{FF2B5EF4-FFF2-40B4-BE49-F238E27FC236}">
-                <a16:creationId xmlns:a16="http://schemas.microsoft.com/office/drawing/2014/main" id="{67676198-673D-6105-2CB8-C2E9A6893129}"/>
+          <p:cNvPr id="13" name="그림 12">
+            <a:extLst>
+              <a:ext uri="{FF2B5EF4-FFF2-40B4-BE49-F238E27FC236}">
+                <a16:creationId xmlns:a16="http://schemas.microsoft.com/office/drawing/2014/main" id="{85B530E4-3CBE-B7C7-4C74-7B77C5A34D37}"/>
               </a:ext>
             </a:extLst>
           </p:cNvPr>
@@ -7574,8 +7538,8 @@
         </p:blipFill>
         <p:spPr>
           <a:xfrm>
-            <a:off x="6096000" y="2074745"/>
-            <a:ext cx="4321174" cy="1121363"/>
+            <a:off x="6097370" y="1631757"/>
+            <a:ext cx="4339589" cy="3352994"/>
           </a:xfrm>
           <a:prstGeom prst="rect">
             <a:avLst/>
@@ -7585,7 +7549,7 @@
     </p:spTree>
     <p:extLst>
       <p:ext uri="{BB962C8B-B14F-4D97-AF65-F5344CB8AC3E}">
-        <p14:creationId xmlns:p14="http://schemas.microsoft.com/office/powerpoint/2010/main" val="3020680528"/>
+        <p14:creationId xmlns:p14="http://schemas.microsoft.com/office/powerpoint/2010/main" val="2090174743"/>
       </p:ext>
     </p:extLst>
   </p:cSld>
@@ -8041,8 +8005,8 @@
         </p:nvSpPr>
         <p:spPr>
           <a:xfrm>
-            <a:off x="1680310" y="1469196"/>
-            <a:ext cx="6650890" cy="1200329"/>
+            <a:off x="1680310" y="1155929"/>
+            <a:ext cx="3733800" cy="584775"/>
           </a:xfrm>
           <a:prstGeom prst="rect">
             <a:avLst/>
@@ -8056,16 +8020,36 @@
           <a:lstStyle/>
           <a:p>
             <a:r>
-              <a:rPr lang="ko-KR" altLang="en-US" sz="7200" dirty="0">
+              <a:rPr lang="ko-KR" altLang="en-US" sz="3200" dirty="0">
                 <a:solidFill>
                   <a:schemeClr val="bg1"/>
                 </a:solidFill>
                 <a:latin typeface="넥슨Lv2고딕 Bold" panose="00000800000000000000" pitchFamily="2" charset="-127"/>
                 <a:ea typeface="넥슨Lv2고딕 Bold" panose="00000800000000000000" pitchFamily="2" charset="-127"/>
               </a:rPr>
-              <a:t>최적화</a:t>
-            </a:r>
-            <a:endParaRPr lang="en-US" altLang="ko-KR" sz="7200" dirty="0">
+              <a:t>세이브</a:t>
+            </a:r>
+            <a:r>
+              <a:rPr lang="en-US" altLang="ko-KR" sz="3200" dirty="0">
+                <a:solidFill>
+                  <a:schemeClr val="bg1"/>
+                </a:solidFill>
+                <a:latin typeface="넥슨Lv2고딕 Bold" panose="00000800000000000000" pitchFamily="2" charset="-127"/>
+                <a:ea typeface="넥슨Lv2고딕 Bold" panose="00000800000000000000" pitchFamily="2" charset="-127"/>
+              </a:rPr>
+              <a:t>/</a:t>
+            </a:r>
+            <a:r>
+              <a:rPr lang="ko-KR" altLang="en-US" sz="3200" dirty="0">
+                <a:solidFill>
+                  <a:schemeClr val="bg1"/>
+                </a:solidFill>
+                <a:latin typeface="넥슨Lv2고딕 Bold" panose="00000800000000000000" pitchFamily="2" charset="-127"/>
+                <a:ea typeface="넥슨Lv2고딕 Bold" panose="00000800000000000000" pitchFamily="2" charset="-127"/>
+              </a:rPr>
+              <a:t>로드</a:t>
+            </a:r>
+            <a:endParaRPr lang="en-US" altLang="ko-KR" sz="3200" dirty="0">
               <a:solidFill>
                 <a:schemeClr val="bg1"/>
               </a:solidFill>
@@ -8077,10 +8061,62 @@
       </p:sp>
       <p:sp>
         <p:nvSpPr>
-          <p:cNvPr id="11" name="TextBox 10">
-            <a:extLst>
-              <a:ext uri="{FF2B5EF4-FFF2-40B4-BE49-F238E27FC236}">
-                <a16:creationId xmlns:a16="http://schemas.microsoft.com/office/drawing/2014/main" id="{E10A1302-F34C-6112-2BB3-EF054A096FF3}"/>
+          <p:cNvPr id="16" name="직사각형 15">
+            <a:extLst>
+              <a:ext uri="{FF2B5EF4-FFF2-40B4-BE49-F238E27FC236}">
+                <a16:creationId xmlns:a16="http://schemas.microsoft.com/office/drawing/2014/main" id="{06D4D73C-002A-B871-4E9F-3C2F2EFA95F6}"/>
+              </a:ext>
+            </a:extLst>
+          </p:cNvPr>
+          <p:cNvSpPr/>
+          <p:nvPr/>
+        </p:nvSpPr>
+        <p:spPr>
+          <a:xfrm>
+            <a:off x="1660524" y="1262063"/>
+            <a:ext cx="45719" cy="366711"/>
+          </a:xfrm>
+          <a:prstGeom prst="rect">
+            <a:avLst/>
+          </a:prstGeom>
+          <a:solidFill>
+            <a:schemeClr val="bg1"/>
+          </a:solidFill>
+          <a:ln>
+            <a:noFill/>
+          </a:ln>
+        </p:spPr>
+        <p:style>
+          <a:lnRef idx="2">
+            <a:schemeClr val="accent1">
+              <a:shade val="50000"/>
+            </a:schemeClr>
+          </a:lnRef>
+          <a:fillRef idx="1">
+            <a:schemeClr val="accent1"/>
+          </a:fillRef>
+          <a:effectRef idx="0">
+            <a:schemeClr val="accent1"/>
+          </a:effectRef>
+          <a:fontRef idx="minor">
+            <a:schemeClr val="lt1"/>
+          </a:fontRef>
+        </p:style>
+        <p:txBody>
+          <a:bodyPr rtlCol="0" anchor="ctr"/>
+          <a:lstStyle/>
+          <a:p>
+            <a:pPr algn="ctr"/>
+            <a:endParaRPr lang="ko-KR" altLang="en-US"/>
+          </a:p>
+        </p:txBody>
+      </p:sp>
+      <p:sp>
+        <p:nvSpPr>
+          <p:cNvPr id="19" name="TextBox 18">
+            <a:extLst>
+              <a:ext uri="{FF2B5EF4-FFF2-40B4-BE49-F238E27FC236}">
+                <a16:creationId xmlns:a16="http://schemas.microsoft.com/office/drawing/2014/main" id="{5316A27D-F818-472F-350E-CD328A0375DC}"/>
               </a:ext>
             </a:extLst>
           </p:cNvPr>
@@ -8089,8 +8125,8 @@
         </p:nvSpPr>
         <p:spPr>
           <a:xfrm>
-            <a:off x="1657349" y="3143250"/>
-            <a:ext cx="4321175" cy="1507016"/>
+            <a:off x="1680310" y="2074745"/>
+            <a:ext cx="4414322" cy="1538370"/>
           </a:xfrm>
           <a:prstGeom prst="rect">
             <a:avLst/>
@@ -8109,16 +8145,80 @@
               </a:lnSpc>
             </a:pPr>
             <a:r>
-              <a:rPr lang="ko-KR" altLang="en-US" sz="3200" dirty="0">
-                <a:solidFill>
-                  <a:schemeClr val="bg1"/>
-                </a:solidFill>
-                <a:latin typeface="넥슨Lv2고딕 Light" panose="00000300000000000000" pitchFamily="2" charset="-127"/>
-                <a:ea typeface="넥슨Lv2고딕 Light" panose="00000300000000000000" pitchFamily="2" charset="-127"/>
-              </a:rPr>
-              <a:t>캔버스</a:t>
-            </a:r>
-            <a:endParaRPr lang="en-US" altLang="ko-KR" sz="3200" dirty="0">
+              <a:rPr lang="ko-KR" altLang="en-US" sz="1600" dirty="0">
+                <a:solidFill>
+                  <a:schemeClr val="bg1"/>
+                </a:solidFill>
+                <a:latin typeface="넥슨Lv2고딕 Medium" panose="00000600000000000000" pitchFamily="2" charset="-127"/>
+                <a:ea typeface="넥슨Lv2고딕 Medium" panose="00000600000000000000" pitchFamily="2" charset="-127"/>
+              </a:rPr>
+              <a:t>인 게임 데이터</a:t>
+            </a:r>
+            <a:endParaRPr lang="en-US" altLang="ko-KR" sz="1600" dirty="0">
+              <a:solidFill>
+                <a:schemeClr val="bg1"/>
+              </a:solidFill>
+              <a:latin typeface="넥슨Lv2고딕 Medium" panose="00000600000000000000" pitchFamily="2" charset="-127"/>
+              <a:ea typeface="넥슨Lv2고딕 Medium" panose="00000600000000000000" pitchFamily="2" charset="-127"/>
+            </a:endParaRPr>
+          </a:p>
+          <a:p>
+            <a:pPr>
+              <a:lnSpc>
+                <a:spcPct val="150000"/>
+              </a:lnSpc>
+            </a:pPr>
+            <a:r>
+              <a:rPr lang="ko-KR" altLang="en-US" sz="1600" dirty="0">
+                <a:solidFill>
+                  <a:schemeClr val="bg1"/>
+                </a:solidFill>
+                <a:latin typeface="넥슨Lv2고딕 Light" panose="00000300000000000000" pitchFamily="2" charset="-127"/>
+                <a:ea typeface="넥슨Lv2고딕 Light" panose="00000300000000000000" pitchFamily="2" charset="-127"/>
+              </a:rPr>
+              <a:t>데이터를</a:t>
+            </a:r>
+            <a:r>
+              <a:rPr lang="en-US" altLang="ko-KR" sz="1600" dirty="0">
+                <a:solidFill>
+                  <a:schemeClr val="bg1"/>
+                </a:solidFill>
+                <a:latin typeface="넥슨Lv2고딕 Light" panose="00000300000000000000" pitchFamily="2" charset="-127"/>
+                <a:ea typeface="넥슨Lv2고딕 Light" panose="00000300000000000000" pitchFamily="2" charset="-127"/>
+              </a:rPr>
+              <a:t> </a:t>
+            </a:r>
+            <a:r>
+              <a:rPr lang="ko-KR" altLang="en-US" sz="1600" dirty="0">
+                <a:solidFill>
+                  <a:schemeClr val="bg1"/>
+                </a:solidFill>
+                <a:latin typeface="넥슨Lv2고딕 Light" panose="00000300000000000000" pitchFamily="2" charset="-127"/>
+                <a:ea typeface="넥슨Lv2고딕 Light" panose="00000300000000000000" pitchFamily="2" charset="-127"/>
+              </a:rPr>
+              <a:t>아마존 </a:t>
+            </a:r>
+            <a:r>
+              <a:rPr lang="en-US" altLang="ko-KR" sz="1600" dirty="0">
+                <a:solidFill>
+                  <a:schemeClr val="bg1"/>
+                </a:solidFill>
+                <a:latin typeface="넥슨Lv2고딕 Light" panose="00000300000000000000" pitchFamily="2" charset="-127"/>
+                <a:ea typeface="넥슨Lv2고딕 Light" panose="00000300000000000000" pitchFamily="2" charset="-127"/>
+              </a:rPr>
+              <a:t>S3 </a:t>
+            </a:r>
+            <a:r>
+              <a:rPr lang="ko-KR" altLang="en-US" sz="1600" dirty="0">
+                <a:solidFill>
+                  <a:schemeClr val="bg1"/>
+                </a:solidFill>
+                <a:latin typeface="넥슨Lv2고딕 Light" panose="00000300000000000000" pitchFamily="2" charset="-127"/>
+                <a:ea typeface="넥슨Lv2고딕 Light" panose="00000300000000000000" pitchFamily="2" charset="-127"/>
+              </a:rPr>
+              <a:t>저장소에 업로드하여</a:t>
+            </a:r>
+            <a:endParaRPr lang="en-US" altLang="ko-KR" sz="1600" dirty="0">
               <a:solidFill>
                 <a:schemeClr val="bg1"/>
               </a:solidFill>
@@ -8133,26 +8233,36 @@
               </a:lnSpc>
             </a:pPr>
             <a:r>
-              <a:rPr lang="en-US" altLang="ko-KR" sz="3200" dirty="0">
-                <a:solidFill>
-                  <a:schemeClr val="bg1"/>
-                </a:solidFill>
-                <a:latin typeface="넥슨Lv2고딕 Light" panose="00000300000000000000" pitchFamily="2" charset="-127"/>
-                <a:ea typeface="넥슨Lv2고딕 Light" panose="00000300000000000000" pitchFamily="2" charset="-127"/>
-              </a:rPr>
-              <a:t>UI </a:t>
-            </a:r>
-            <a:r>
-              <a:rPr lang="ko-KR" altLang="en-US" sz="3200" dirty="0">
-                <a:solidFill>
-                  <a:schemeClr val="bg1"/>
-                </a:solidFill>
-                <a:latin typeface="넥슨Lv2고딕 Light" panose="00000300000000000000" pitchFamily="2" charset="-127"/>
-                <a:ea typeface="넥슨Lv2고딕 Light" panose="00000300000000000000" pitchFamily="2" charset="-127"/>
-              </a:rPr>
-              <a:t>요소</a:t>
-            </a:r>
-            <a:endParaRPr lang="en-US" altLang="ko-KR" sz="3200" dirty="0">
+              <a:rPr lang="ko-KR" altLang="en-US" sz="1600" dirty="0">
+                <a:solidFill>
+                  <a:schemeClr val="bg1"/>
+                </a:solidFill>
+                <a:latin typeface="넥슨Lv2고딕 Light" panose="00000300000000000000" pitchFamily="2" charset="-127"/>
+                <a:ea typeface="넥슨Lv2고딕 Light" panose="00000300000000000000" pitchFamily="2" charset="-127"/>
+              </a:rPr>
+              <a:t>관리하였고</a:t>
+            </a:r>
+            <a:r>
+              <a:rPr lang="en-US" altLang="ko-KR" sz="1600" dirty="0">
+                <a:solidFill>
+                  <a:schemeClr val="bg1"/>
+                </a:solidFill>
+                <a:latin typeface="넥슨Lv2고딕 Light" panose="00000300000000000000" pitchFamily="2" charset="-127"/>
+                <a:ea typeface="넥슨Lv2고딕 Light" panose="00000300000000000000" pitchFamily="2" charset="-127"/>
+              </a:rPr>
+              <a:t> </a:t>
+            </a:r>
+            <a:r>
+              <a:rPr lang="ko-KR" altLang="en-US" sz="1600" dirty="0">
+                <a:solidFill>
+                  <a:schemeClr val="bg1"/>
+                </a:solidFill>
+                <a:latin typeface="넥슨Lv2고딕 Light" panose="00000300000000000000" pitchFamily="2" charset="-127"/>
+                <a:ea typeface="넥슨Lv2고딕 Light" panose="00000300000000000000" pitchFamily="2" charset="-127"/>
+              </a:rPr>
+              <a:t>데이터를 불러오고</a:t>
+            </a:r>
+            <a:endParaRPr lang="en-US" altLang="ko-KR" sz="1600" dirty="0">
               <a:solidFill>
                 <a:schemeClr val="bg1"/>
               </a:solidFill>
@@ -8160,12 +8270,130 @@
               <a:ea typeface="넥슨Lv2고딕 Light" panose="00000300000000000000" pitchFamily="2" charset="-127"/>
             </a:endParaRPr>
           </a:p>
+          <a:p>
+            <a:pPr>
+              <a:lnSpc>
+                <a:spcPct val="150000"/>
+              </a:lnSpc>
+            </a:pPr>
+            <a:r>
+              <a:rPr lang="ko-KR" altLang="en-US" sz="1600" dirty="0">
+                <a:solidFill>
+                  <a:schemeClr val="bg1"/>
+                </a:solidFill>
+                <a:latin typeface="넥슨Lv2고딕 Light" panose="00000300000000000000" pitchFamily="2" charset="-127"/>
+                <a:ea typeface="넥슨Lv2고딕 Light" panose="00000300000000000000" pitchFamily="2" charset="-127"/>
+              </a:rPr>
+              <a:t>완료한 이후 게임을 시작합니다</a:t>
+            </a:r>
+            <a:endParaRPr lang="en-US" altLang="ko-KR" sz="1600" dirty="0">
+              <a:solidFill>
+                <a:schemeClr val="bg1"/>
+              </a:solidFill>
+              <a:latin typeface="넥슨Lv2고딕 Light" panose="00000300000000000000" pitchFamily="2" charset="-127"/>
+              <a:ea typeface="넥슨Lv2고딕 Light" panose="00000300000000000000" pitchFamily="2" charset="-127"/>
+            </a:endParaRPr>
+          </a:p>
+        </p:txBody>
+      </p:sp>
+      <p:pic>
+        <p:nvPicPr>
+          <p:cNvPr id="27" name="그림 26">
+            <a:extLst>
+              <a:ext uri="{FF2B5EF4-FFF2-40B4-BE49-F238E27FC236}">
+                <a16:creationId xmlns:a16="http://schemas.microsoft.com/office/drawing/2014/main" id="{850194C1-D7D2-5628-D6AD-1E37E81223F8}"/>
+              </a:ext>
+            </a:extLst>
+          </p:cNvPr>
+          <p:cNvPicPr>
+            <a:picLocks noChangeAspect="1"/>
+          </p:cNvPicPr>
+          <p:nvPr/>
+        </p:nvPicPr>
+        <p:blipFill>
+          <a:blip r:embed="rId2"/>
+          <a:stretch>
+            <a:fillRect/>
+          </a:stretch>
+        </p:blipFill>
+        <p:spPr>
+          <a:xfrm>
+            <a:off x="1774825" y="4043322"/>
+            <a:ext cx="4086795" cy="2467319"/>
+          </a:xfrm>
+          <a:prstGeom prst="rect">
+            <a:avLst/>
+          </a:prstGeom>
+        </p:spPr>
+      </p:pic>
+      <p:sp>
+        <p:nvSpPr>
+          <p:cNvPr id="28" name="사각형: 둥근 모서리 27">
+            <a:extLst>
+              <a:ext uri="{FF2B5EF4-FFF2-40B4-BE49-F238E27FC236}">
+                <a16:creationId xmlns:a16="http://schemas.microsoft.com/office/drawing/2014/main" id="{1FC81A3B-6E98-E2F8-0A06-EE85094708B1}"/>
+              </a:ext>
+            </a:extLst>
+          </p:cNvPr>
+          <p:cNvSpPr/>
+          <p:nvPr/>
+        </p:nvSpPr>
+        <p:spPr>
+          <a:xfrm>
+            <a:off x="7013575" y="1534781"/>
+            <a:ext cx="2486025" cy="4975860"/>
+          </a:xfrm>
+          <a:prstGeom prst="roundRect">
+            <a:avLst>
+              <a:gd name="adj" fmla="val 5473"/>
+            </a:avLst>
+          </a:prstGeom>
+          <a:blipFill dpi="0" rotWithShape="1">
+            <a:blip r:embed="rId3">
+              <a:extLst>
+                <a:ext uri="{28A0092B-C50C-407E-A947-70E740481C1C}">
+                  <a14:useLocalDpi xmlns:a14="http://schemas.microsoft.com/office/drawing/2010/main" val="0"/>
+                </a:ext>
+              </a:extLst>
+            </a:blip>
+            <a:srcRect/>
+            <a:stretch>
+              <a:fillRect t="19" b="-125"/>
+            </a:stretch>
+          </a:blipFill>
+          <a:ln>
+            <a:noFill/>
+          </a:ln>
+        </p:spPr>
+        <p:style>
+          <a:lnRef idx="2">
+            <a:schemeClr val="accent1">
+              <a:shade val="50000"/>
+            </a:schemeClr>
+          </a:lnRef>
+          <a:fillRef idx="1">
+            <a:schemeClr val="accent1"/>
+          </a:fillRef>
+          <a:effectRef idx="0">
+            <a:schemeClr val="accent1"/>
+          </a:effectRef>
+          <a:fontRef idx="minor">
+            <a:schemeClr val="lt1"/>
+          </a:fontRef>
+        </p:style>
+        <p:txBody>
+          <a:bodyPr rtlCol="0" anchor="ctr"/>
+          <a:lstStyle/>
+          <a:p>
+            <a:pPr algn="ctr"/>
+            <a:endParaRPr lang="ko-KR" altLang="en-US"/>
+          </a:p>
         </p:txBody>
       </p:sp>
     </p:spTree>
     <p:extLst>
       <p:ext uri="{BB962C8B-B14F-4D97-AF65-F5344CB8AC3E}">
-        <p14:creationId xmlns:p14="http://schemas.microsoft.com/office/powerpoint/2010/main" val="1808681697"/>
+        <p14:creationId xmlns:p14="http://schemas.microsoft.com/office/powerpoint/2010/main" val="1660975252"/>
       </p:ext>
     </p:extLst>
   </p:cSld>
@@ -8236,8 +8464,15 @@
                 <a:latin typeface="넥슨Lv2고딕 Bold" panose="00000800000000000000" pitchFamily="2" charset="-127"/>
                 <a:ea typeface="넥슨Lv2고딕 Bold" panose="00000800000000000000" pitchFamily="2" charset="-127"/>
               </a:rPr>
-              <a:t>캔버스</a:t>
-            </a:r>
+              <a:t>싱글 톤 사용 이유</a:t>
+            </a:r>
+            <a:endParaRPr lang="en-US" altLang="ko-KR" sz="3200" dirty="0">
+              <a:solidFill>
+                <a:schemeClr val="bg1"/>
+              </a:solidFill>
+              <a:latin typeface="넥슨Lv2고딕 Bold" panose="00000800000000000000" pitchFamily="2" charset="-127"/>
+              <a:ea typeface="넥슨Lv2고딕 Bold" panose="00000800000000000000" pitchFamily="2" charset="-127"/>
+            </a:endParaRPr>
           </a:p>
         </p:txBody>
       </p:sp>
@@ -8295,10 +8530,10 @@
       </p:sp>
       <p:sp>
         <p:nvSpPr>
-          <p:cNvPr id="6" name="TextBox 5">
-            <a:extLst>
-              <a:ext uri="{FF2B5EF4-FFF2-40B4-BE49-F238E27FC236}">
-                <a16:creationId xmlns:a16="http://schemas.microsoft.com/office/drawing/2014/main" id="{63BC716B-EEC4-0292-2A32-8BA3449ACD32}"/>
+          <p:cNvPr id="19" name="TextBox 18">
+            <a:extLst>
+              <a:ext uri="{FF2B5EF4-FFF2-40B4-BE49-F238E27FC236}">
+                <a16:creationId xmlns:a16="http://schemas.microsoft.com/office/drawing/2014/main" id="{5316A27D-F818-472F-350E-CD328A0375DC}"/>
               </a:ext>
             </a:extLst>
           </p:cNvPr>
@@ -8308,7 +8543,7 @@
         <p:spPr>
           <a:xfrm>
             <a:off x="1680309" y="2074745"/>
-            <a:ext cx="8736865" cy="3477362"/>
+            <a:ext cx="8736865" cy="2277034"/>
           </a:xfrm>
           <a:prstGeom prst="rect">
             <a:avLst/>
@@ -8327,29 +8562,15 @@
               </a:lnSpc>
             </a:pPr>
             <a:r>
-              <a:rPr lang="ko-KR" altLang="en-US" dirty="0">
-                <a:solidFill>
-                  <a:schemeClr val="bg1"/>
-                </a:solidFill>
-                <a:latin typeface="넥슨Lv2고딕 Medium" panose="00000600000000000000" pitchFamily="2" charset="-127"/>
-                <a:ea typeface="넥슨Lv2고딕 Medium" panose="00000600000000000000" pitchFamily="2" charset="-127"/>
-              </a:rPr>
-              <a:t>캔버스 나누기</a:t>
-            </a:r>
-            <a:endParaRPr lang="en-US" altLang="ko-KR" dirty="0">
-              <a:solidFill>
-                <a:schemeClr val="bg1"/>
-              </a:solidFill>
-              <a:latin typeface="넥슨Lv2고딕 Medium" panose="00000600000000000000" pitchFamily="2" charset="-127"/>
-              <a:ea typeface="넥슨Lv2고딕 Medium" panose="00000600000000000000" pitchFamily="2" charset="-127"/>
-            </a:endParaRPr>
-          </a:p>
-          <a:p>
-            <a:pPr>
-              <a:lnSpc>
-                <a:spcPct val="150000"/>
-              </a:lnSpc>
-            </a:pPr>
+              <a:rPr lang="en-US" altLang="ko-KR" sz="1600" dirty="0">
+                <a:solidFill>
+                  <a:schemeClr val="bg1"/>
+                </a:solidFill>
+                <a:latin typeface="넥슨Lv2고딕 Light" panose="00000300000000000000" pitchFamily="2" charset="-127"/>
+                <a:ea typeface="넥슨Lv2고딕 Light" panose="00000300000000000000" pitchFamily="2" charset="-127"/>
+              </a:rPr>
+              <a:t>UI</a:t>
+            </a:r>
             <a:r>
               <a:rPr lang="ko-KR" altLang="en-US" sz="1600" dirty="0">
                 <a:solidFill>
@@ -8358,7 +8579,7 @@
                 <a:latin typeface="넥슨Lv2고딕 Light" panose="00000300000000000000" pitchFamily="2" charset="-127"/>
                 <a:ea typeface="넥슨Lv2고딕 Light" panose="00000300000000000000" pitchFamily="2" charset="-127"/>
               </a:rPr>
-              <a:t>처음 개발을 할 때 하나의 캔버스로 작업을 하였는데</a:t>
+              <a:t>와 데이터를 분리하기 위해</a:t>
             </a:r>
             <a:endParaRPr lang="en-US" altLang="ko-KR" sz="1600" dirty="0">
               <a:solidFill>
@@ -8382,51 +8603,7 @@
                 <a:latin typeface="넥슨Lv2고딕 Light" panose="00000300000000000000" pitchFamily="2" charset="-127"/>
                 <a:ea typeface="넥슨Lv2고딕 Light" panose="00000300000000000000" pitchFamily="2" charset="-127"/>
               </a:rPr>
-              <a:t>오브젝트가 하나 움직일 때 마다 스파이크가 생기는 것을 확인하였고</a:t>
-            </a:r>
-            <a:endParaRPr lang="en-US" altLang="ko-KR" sz="1600" dirty="0">
-              <a:solidFill>
-                <a:schemeClr val="bg1"/>
-              </a:solidFill>
-              <a:latin typeface="넥슨Lv2고딕 Light" panose="00000300000000000000" pitchFamily="2" charset="-127"/>
-              <a:ea typeface="넥슨Lv2고딕 Light" panose="00000300000000000000" pitchFamily="2" charset="-127"/>
-            </a:endParaRPr>
-          </a:p>
-          <a:p>
-            <a:pPr>
-              <a:lnSpc>
-                <a:spcPct val="150000"/>
-              </a:lnSpc>
-            </a:pPr>
-            <a:r>
-              <a:rPr lang="ko-KR" altLang="en-US" sz="1600" dirty="0">
-                <a:solidFill>
-                  <a:schemeClr val="bg1"/>
-                </a:solidFill>
-                <a:latin typeface="넥슨Lv2고딕 Light" panose="00000300000000000000" pitchFamily="2" charset="-127"/>
-                <a:ea typeface="넥슨Lv2고딕 Light" panose="00000300000000000000" pitchFamily="2" charset="-127"/>
-              </a:rPr>
-              <a:t>이후 동적 </a:t>
-            </a:r>
-            <a:r>
-              <a:rPr lang="en-US" altLang="ko-KR" sz="1600" dirty="0">
-                <a:solidFill>
-                  <a:schemeClr val="bg1"/>
-                </a:solidFill>
-                <a:latin typeface="넥슨Lv2고딕 Light" panose="00000300000000000000" pitchFamily="2" charset="-127"/>
-                <a:ea typeface="넥슨Lv2고딕 Light" panose="00000300000000000000" pitchFamily="2" charset="-127"/>
-              </a:rPr>
-              <a:t>UI</a:t>
-            </a:r>
-            <a:r>
-              <a:rPr lang="ko-KR" altLang="en-US" sz="1600" dirty="0">
-                <a:solidFill>
-                  <a:schemeClr val="bg1"/>
-                </a:solidFill>
-                <a:latin typeface="넥슨Lv2고딕 Light" panose="00000300000000000000" pitchFamily="2" charset="-127"/>
-                <a:ea typeface="넥슨Lv2고딕 Light" panose="00000300000000000000" pitchFamily="2" charset="-127"/>
-              </a:rPr>
-              <a:t>는 캔버스를 나누는 형태를 사용하며 최적화를 했습니다</a:t>
+              <a:t>싱글 톤 방식을 사용했습니다</a:t>
             </a:r>
             <a:endParaRPr lang="en-US" altLang="ko-KR" sz="1600" dirty="0">
               <a:solidFill>
@@ -8457,40 +8634,6 @@
               </a:lnSpc>
             </a:pPr>
             <a:r>
-              <a:rPr lang="en-US" altLang="ko-KR" dirty="0">
-                <a:solidFill>
-                  <a:schemeClr val="bg1"/>
-                </a:solidFill>
-                <a:latin typeface="넥슨Lv2고딕 Medium" panose="00000600000000000000" pitchFamily="2" charset="-127"/>
-                <a:ea typeface="넥슨Lv2고딕 Medium" panose="00000600000000000000" pitchFamily="2" charset="-127"/>
-              </a:rPr>
-              <a:t>UI</a:t>
-            </a:r>
-            <a:r>
-              <a:rPr lang="ko-KR" altLang="en-US" dirty="0">
-                <a:solidFill>
-                  <a:schemeClr val="bg1"/>
-                </a:solidFill>
-                <a:latin typeface="넥슨Lv2고딕 Medium" panose="00000600000000000000" pitchFamily="2" charset="-127"/>
-                <a:ea typeface="넥슨Lv2고딕 Medium" panose="00000600000000000000" pitchFamily="2" charset="-127"/>
-              </a:rPr>
-              <a:t> 숨기기</a:t>
-            </a:r>
-            <a:endParaRPr lang="en-US" altLang="ko-KR" dirty="0">
-              <a:solidFill>
-                <a:schemeClr val="bg1"/>
-              </a:solidFill>
-              <a:latin typeface="넥슨Lv2고딕 Medium" panose="00000600000000000000" pitchFamily="2" charset="-127"/>
-              <a:ea typeface="넥슨Lv2고딕 Medium" panose="00000600000000000000" pitchFamily="2" charset="-127"/>
-            </a:endParaRPr>
-          </a:p>
-          <a:p>
-            <a:pPr>
-              <a:lnSpc>
-                <a:spcPct val="150000"/>
-              </a:lnSpc>
-            </a:pPr>
-            <a:r>
               <a:rPr lang="ko-KR" altLang="en-US" sz="1600" dirty="0">
                 <a:solidFill>
                   <a:schemeClr val="bg1"/>
@@ -8498,7 +8641,7 @@
                 <a:latin typeface="넥슨Lv2고딕 Light" panose="00000300000000000000" pitchFamily="2" charset="-127"/>
                 <a:ea typeface="넥슨Lv2고딕 Light" panose="00000300000000000000" pitchFamily="2" charset="-127"/>
               </a:rPr>
-              <a:t>게임 오브젝트를 비활성화 하는 대신</a:t>
+              <a:t>값이 변함에 따라 이벤트를 발생시키고</a:t>
             </a:r>
             <a:endParaRPr lang="en-US" altLang="ko-KR" sz="1600" dirty="0">
               <a:solidFill>
@@ -8515,6 +8658,16 @@
               </a:lnSpc>
             </a:pPr>
             <a:r>
+              <a:rPr lang="en-US" altLang="ko-KR" sz="1600" dirty="0">
+                <a:solidFill>
+                  <a:schemeClr val="bg1"/>
+                </a:solidFill>
+                <a:latin typeface="넥슨Lv2고딕 Light" panose="00000300000000000000" pitchFamily="2" charset="-127"/>
+                <a:ea typeface="넥슨Lv2고딕 Light" panose="00000300000000000000" pitchFamily="2" charset="-127"/>
+              </a:rPr>
+              <a:t>UI</a:t>
+            </a:r>
+            <a:r>
               <a:rPr lang="ko-KR" altLang="en-US" sz="1600" dirty="0">
                 <a:solidFill>
                   <a:schemeClr val="bg1"/>
@@ -8522,7 +8675,7 @@
                 <a:latin typeface="넥슨Lv2고딕 Light" panose="00000300000000000000" pitchFamily="2" charset="-127"/>
                 <a:ea typeface="넥슨Lv2고딕 Light" panose="00000300000000000000" pitchFamily="2" charset="-127"/>
               </a:rPr>
-              <a:t>캔버스 컴포넌트만</a:t>
+              <a:t>가 구독하여</a:t>
             </a:r>
             <a:r>
               <a:rPr lang="en-US" altLang="ko-KR" sz="1600" dirty="0">
@@ -8542,7 +8695,7 @@
                 <a:latin typeface="넥슨Lv2고딕 Light" panose="00000300000000000000" pitchFamily="2" charset="-127"/>
                 <a:ea typeface="넥슨Lv2고딕 Light" panose="00000300000000000000" pitchFamily="2" charset="-127"/>
               </a:rPr>
-              <a:t>비활성화 하여 숨겼습니다</a:t>
+              <a:t>보이는 값을</a:t>
             </a:r>
             <a:endParaRPr lang="en-US" altLang="ko-KR" sz="1600" dirty="0">
               <a:solidFill>
@@ -8566,42 +8719,55 @@
                 <a:latin typeface="넥슨Lv2고딕 Light" panose="00000300000000000000" pitchFamily="2" charset="-127"/>
                 <a:ea typeface="넥슨Lv2고딕 Light" panose="00000300000000000000" pitchFamily="2" charset="-127"/>
               </a:rPr>
-              <a:t>이로 인해 활성화 시 메시와 </a:t>
-            </a:r>
-            <a:r>
-              <a:rPr lang="ko-KR" altLang="en-US" sz="1600" dirty="0" err="1">
-                <a:solidFill>
-                  <a:schemeClr val="bg1"/>
-                </a:solidFill>
-                <a:latin typeface="넥슨Lv2고딕 Light" panose="00000300000000000000" pitchFamily="2" charset="-127"/>
-                <a:ea typeface="넥슨Lv2고딕 Light" panose="00000300000000000000" pitchFamily="2" charset="-127"/>
-              </a:rPr>
-              <a:t>버텍스를</a:t>
-            </a:r>
-            <a:r>
-              <a:rPr lang="ko-KR" altLang="en-US" sz="1600" dirty="0">
-                <a:solidFill>
-                  <a:schemeClr val="bg1"/>
-                </a:solidFill>
-                <a:latin typeface="넥슨Lv2고딕 Light" panose="00000300000000000000" pitchFamily="2" charset="-127"/>
-                <a:ea typeface="넥슨Lv2고딕 Light" panose="00000300000000000000" pitchFamily="2" charset="-127"/>
-              </a:rPr>
-              <a:t> 재구성하지 않게 되었습니다</a:t>
-            </a:r>
-            <a:endParaRPr lang="en-US" altLang="ko-KR" sz="1600" dirty="0">
-              <a:solidFill>
-                <a:schemeClr val="bg1"/>
-              </a:solidFill>
-              <a:latin typeface="넥슨Lv2고딕 Light" panose="00000300000000000000" pitchFamily="2" charset="-127"/>
-              <a:ea typeface="넥슨Lv2고딕 Light" panose="00000300000000000000" pitchFamily="2" charset="-127"/>
-            </a:endParaRPr>
-          </a:p>
-        </p:txBody>
-      </p:sp>
+              <a:t>변경할 수 있도록 작성하였습니다</a:t>
+            </a:r>
+            <a:r>
+              <a:rPr lang="en-US" altLang="ko-KR" sz="1600" dirty="0">
+                <a:solidFill>
+                  <a:schemeClr val="bg1"/>
+                </a:solidFill>
+                <a:latin typeface="넥슨Lv2고딕 Light" panose="00000300000000000000" pitchFamily="2" charset="-127"/>
+                <a:ea typeface="넥슨Lv2고딕 Light" panose="00000300000000000000" pitchFamily="2" charset="-127"/>
+              </a:rPr>
+              <a:t>.</a:t>
+            </a:r>
+          </a:p>
+        </p:txBody>
+      </p:sp>
+      <p:pic>
+        <p:nvPicPr>
+          <p:cNvPr id="5" name="그림 4">
+            <a:extLst>
+              <a:ext uri="{FF2B5EF4-FFF2-40B4-BE49-F238E27FC236}">
+                <a16:creationId xmlns:a16="http://schemas.microsoft.com/office/drawing/2014/main" id="{67676198-673D-6105-2CB8-C2E9A6893129}"/>
+              </a:ext>
+            </a:extLst>
+          </p:cNvPr>
+          <p:cNvPicPr>
+            <a:picLocks noChangeAspect="1"/>
+          </p:cNvPicPr>
+          <p:nvPr/>
+        </p:nvPicPr>
+        <p:blipFill>
+          <a:blip r:embed="rId2"/>
+          <a:stretch>
+            <a:fillRect/>
+          </a:stretch>
+        </p:blipFill>
+        <p:spPr>
+          <a:xfrm>
+            <a:off x="6096000" y="2074745"/>
+            <a:ext cx="4321174" cy="1121363"/>
+          </a:xfrm>
+          <a:prstGeom prst="rect">
+            <a:avLst/>
+          </a:prstGeom>
+        </p:spPr>
+      </p:pic>
     </p:spTree>
     <p:extLst>
       <p:ext uri="{BB962C8B-B14F-4D97-AF65-F5344CB8AC3E}">
-        <p14:creationId xmlns:p14="http://schemas.microsoft.com/office/powerpoint/2010/main" val="3122391892"/>
+        <p14:creationId xmlns:p14="http://schemas.microsoft.com/office/powerpoint/2010/main" val="3020680528"/>
       </p:ext>
     </p:extLst>
   </p:cSld>
@@ -8650,8 +8816,8 @@
         </p:nvSpPr>
         <p:spPr>
           <a:xfrm>
-            <a:off x="1680310" y="1155929"/>
-            <a:ext cx="3733800" cy="584775"/>
+            <a:off x="1680310" y="1469196"/>
+            <a:ext cx="6650890" cy="1200329"/>
           </a:xfrm>
           <a:prstGeom prst="rect">
             <a:avLst/>
@@ -8665,96 +8831,41 @@
           <a:lstStyle/>
           <a:p>
             <a:r>
-              <a:rPr lang="en-US" altLang="ko-KR" sz="3200" dirty="0">
+              <a:rPr lang="ko-KR" altLang="en-US" sz="7200" dirty="0">
                 <a:solidFill>
                   <a:schemeClr val="bg1"/>
                 </a:solidFill>
                 <a:latin typeface="넥슨Lv2고딕 Bold" panose="00000800000000000000" pitchFamily="2" charset="-127"/>
                 <a:ea typeface="넥슨Lv2고딕 Bold" panose="00000800000000000000" pitchFamily="2" charset="-127"/>
               </a:rPr>
-              <a:t>UI </a:t>
-            </a:r>
-            <a:r>
-              <a:rPr lang="ko-KR" altLang="en-US" sz="3200" dirty="0">
-                <a:solidFill>
-                  <a:schemeClr val="bg1"/>
-                </a:solidFill>
-                <a:latin typeface="넥슨Lv2고딕 Bold" panose="00000800000000000000" pitchFamily="2" charset="-127"/>
-                <a:ea typeface="넥슨Lv2고딕 Bold" panose="00000800000000000000" pitchFamily="2" charset="-127"/>
-              </a:rPr>
-              <a:t>요소</a:t>
-            </a:r>
-          </a:p>
-        </p:txBody>
-      </p:sp>
-      <p:sp>
-        <p:nvSpPr>
-          <p:cNvPr id="16" name="직사각형 15">
-            <a:extLst>
-              <a:ext uri="{FF2B5EF4-FFF2-40B4-BE49-F238E27FC236}">
-                <a16:creationId xmlns:a16="http://schemas.microsoft.com/office/drawing/2014/main" id="{06D4D73C-002A-B871-4E9F-3C2F2EFA95F6}"/>
-              </a:ext>
-            </a:extLst>
-          </p:cNvPr>
-          <p:cNvSpPr/>
+              <a:t>최적화</a:t>
+            </a:r>
+            <a:endParaRPr lang="en-US" altLang="ko-KR" sz="7200" dirty="0">
+              <a:solidFill>
+                <a:schemeClr val="bg1"/>
+              </a:solidFill>
+              <a:latin typeface="넥슨Lv2고딕 Bold" panose="00000800000000000000" pitchFamily="2" charset="-127"/>
+              <a:ea typeface="넥슨Lv2고딕 Bold" panose="00000800000000000000" pitchFamily="2" charset="-127"/>
+            </a:endParaRPr>
+          </a:p>
+        </p:txBody>
+      </p:sp>
+      <p:sp>
+        <p:nvSpPr>
+          <p:cNvPr id="11" name="TextBox 10">
+            <a:extLst>
+              <a:ext uri="{FF2B5EF4-FFF2-40B4-BE49-F238E27FC236}">
+                <a16:creationId xmlns:a16="http://schemas.microsoft.com/office/drawing/2014/main" id="{E10A1302-F34C-6112-2BB3-EF054A096FF3}"/>
+              </a:ext>
+            </a:extLst>
+          </p:cNvPr>
+          <p:cNvSpPr txBox="1"/>
           <p:nvPr/>
         </p:nvSpPr>
         <p:spPr>
           <a:xfrm>
-            <a:off x="1660524" y="1262063"/>
-            <a:ext cx="45719" cy="366711"/>
-          </a:xfrm>
-          <a:prstGeom prst="rect">
-            <a:avLst/>
-          </a:prstGeom>
-          <a:solidFill>
-            <a:schemeClr val="bg1"/>
-          </a:solidFill>
-          <a:ln>
-            <a:noFill/>
-          </a:ln>
-        </p:spPr>
-        <p:style>
-          <a:lnRef idx="2">
-            <a:schemeClr val="accent1">
-              <a:shade val="50000"/>
-            </a:schemeClr>
-          </a:lnRef>
-          <a:fillRef idx="1">
-            <a:schemeClr val="accent1"/>
-          </a:fillRef>
-          <a:effectRef idx="0">
-            <a:schemeClr val="accent1"/>
-          </a:effectRef>
-          <a:fontRef idx="minor">
-            <a:schemeClr val="lt1"/>
-          </a:fontRef>
-        </p:style>
-        <p:txBody>
-          <a:bodyPr rtlCol="0" anchor="ctr"/>
-          <a:lstStyle/>
-          <a:p>
-            <a:pPr algn="ctr"/>
-            <a:endParaRPr lang="ko-KR" altLang="en-US"/>
-          </a:p>
-        </p:txBody>
-      </p:sp>
-      <p:sp>
-        <p:nvSpPr>
-          <p:cNvPr id="6" name="TextBox 5">
-            <a:extLst>
-              <a:ext uri="{FF2B5EF4-FFF2-40B4-BE49-F238E27FC236}">
-                <a16:creationId xmlns:a16="http://schemas.microsoft.com/office/drawing/2014/main" id="{63BC716B-EEC4-0292-2A32-8BA3449ACD32}"/>
-              </a:ext>
-            </a:extLst>
-          </p:cNvPr>
-          <p:cNvSpPr txBox="1"/>
-          <p:nvPr/>
-        </p:nvSpPr>
-        <p:spPr>
-          <a:xfrm>
-            <a:off x="1680309" y="2074745"/>
-            <a:ext cx="8736865" cy="3477362"/>
+            <a:off x="1657349" y="3143250"/>
+            <a:ext cx="4321175" cy="1507016"/>
           </a:xfrm>
           <a:prstGeom prst="rect">
             <a:avLst/>
@@ -8773,53 +8884,16 @@
               </a:lnSpc>
             </a:pPr>
             <a:r>
-              <a:rPr lang="en-US" altLang="ko-KR" dirty="0">
-                <a:solidFill>
-                  <a:schemeClr val="bg1"/>
-                </a:solidFill>
-                <a:latin typeface="넥슨Lv2고딕 Medium" panose="00000600000000000000" pitchFamily="2" charset="-127"/>
-                <a:ea typeface="넥슨Lv2고딕 Medium" panose="00000600000000000000" pitchFamily="2" charset="-127"/>
-              </a:rPr>
-              <a:t>Layout</a:t>
-            </a:r>
-            <a:r>
-              <a:rPr lang="ko-KR" altLang="en-US" dirty="0">
-                <a:solidFill>
-                  <a:schemeClr val="bg1"/>
-                </a:solidFill>
-                <a:latin typeface="넥슨Lv2고딕 Medium" panose="00000600000000000000" pitchFamily="2" charset="-127"/>
-                <a:ea typeface="넥슨Lv2고딕 Medium" panose="00000600000000000000" pitchFamily="2" charset="-127"/>
-              </a:rPr>
-              <a:t> </a:t>
-            </a:r>
-            <a:r>
-              <a:rPr lang="en-US" altLang="ko-KR" dirty="0">
-                <a:solidFill>
-                  <a:schemeClr val="bg1"/>
-                </a:solidFill>
-                <a:latin typeface="넥슨Lv2고딕 Medium" panose="00000600000000000000" pitchFamily="2" charset="-127"/>
-                <a:ea typeface="넥슨Lv2고딕 Medium" panose="00000600000000000000" pitchFamily="2" charset="-127"/>
-              </a:rPr>
-              <a:t>Group</a:t>
-            </a:r>
-          </a:p>
-          <a:p>
-            <a:pPr>
-              <a:lnSpc>
-                <a:spcPct val="150000"/>
-              </a:lnSpc>
-            </a:pPr>
-            <a:r>
-              <a:rPr lang="ko-KR" altLang="en-US" sz="1600" dirty="0">
-                <a:solidFill>
-                  <a:schemeClr val="bg1"/>
-                </a:solidFill>
-                <a:latin typeface="넥슨Lv2고딕 Light" panose="00000300000000000000" pitchFamily="2" charset="-127"/>
-                <a:ea typeface="넥슨Lv2고딕 Light" panose="00000300000000000000" pitchFamily="2" charset="-127"/>
-              </a:rPr>
-              <a:t>레이아웃 그룹 사용 이후 컴포넌트를</a:t>
-            </a:r>
-            <a:endParaRPr lang="en-US" altLang="ko-KR" sz="1600" dirty="0">
+              <a:rPr lang="ko-KR" altLang="en-US" sz="3200" dirty="0">
+                <a:solidFill>
+                  <a:schemeClr val="bg1"/>
+                </a:solidFill>
+                <a:latin typeface="넥슨Lv2고딕 Light" panose="00000300000000000000" pitchFamily="2" charset="-127"/>
+                <a:ea typeface="넥슨Lv2고딕 Light" panose="00000300000000000000" pitchFamily="2" charset="-127"/>
+              </a:rPr>
+              <a:t>캔버스</a:t>
+            </a:r>
+            <a:endParaRPr lang="en-US" altLang="ko-KR" sz="3200" dirty="0">
               <a:solidFill>
                 <a:schemeClr val="bg1"/>
               </a:solidFill>
@@ -8834,16 +8908,26 @@
               </a:lnSpc>
             </a:pPr>
             <a:r>
-              <a:rPr lang="ko-KR" altLang="en-US" sz="1600" dirty="0">
-                <a:solidFill>
-                  <a:schemeClr val="bg1"/>
-                </a:solidFill>
-                <a:latin typeface="넥슨Lv2고딕 Light" panose="00000300000000000000" pitchFamily="2" charset="-127"/>
-                <a:ea typeface="넥슨Lv2고딕 Light" panose="00000300000000000000" pitchFamily="2" charset="-127"/>
-              </a:rPr>
-              <a:t>비활성화하여 추가적인</a:t>
-            </a:r>
-            <a:endParaRPr lang="en-US" altLang="ko-KR" sz="1600" dirty="0">
+              <a:rPr lang="en-US" altLang="ko-KR" sz="3200" dirty="0">
+                <a:solidFill>
+                  <a:schemeClr val="bg1"/>
+                </a:solidFill>
+                <a:latin typeface="넥슨Lv2고딕 Light" panose="00000300000000000000" pitchFamily="2" charset="-127"/>
+                <a:ea typeface="넥슨Lv2고딕 Light" panose="00000300000000000000" pitchFamily="2" charset="-127"/>
+              </a:rPr>
+              <a:t>UI </a:t>
+            </a:r>
+            <a:r>
+              <a:rPr lang="ko-KR" altLang="en-US" sz="3200" dirty="0">
+                <a:solidFill>
+                  <a:schemeClr val="bg1"/>
+                </a:solidFill>
+                <a:latin typeface="넥슨Lv2고딕 Light" panose="00000300000000000000" pitchFamily="2" charset="-127"/>
+                <a:ea typeface="넥슨Lv2고딕 Light" panose="00000300000000000000" pitchFamily="2" charset="-127"/>
+              </a:rPr>
+              <a:t>요소</a:t>
+            </a:r>
+            <a:endParaRPr lang="en-US" altLang="ko-KR" sz="3200" dirty="0">
               <a:solidFill>
                 <a:schemeClr val="bg1"/>
               </a:solidFill>
@@ -8851,189 +8935,12 @@
               <a:ea typeface="넥슨Lv2고딕 Light" panose="00000300000000000000" pitchFamily="2" charset="-127"/>
             </a:endParaRPr>
           </a:p>
-          <a:p>
-            <a:pPr>
-              <a:lnSpc>
-                <a:spcPct val="150000"/>
-              </a:lnSpc>
-            </a:pPr>
-            <a:r>
-              <a:rPr lang="ko-KR" altLang="en-US" sz="1600" dirty="0">
-                <a:solidFill>
-                  <a:schemeClr val="bg1"/>
-                </a:solidFill>
-                <a:latin typeface="넥슨Lv2고딕 Light" panose="00000300000000000000" pitchFamily="2" charset="-127"/>
-                <a:ea typeface="넥슨Lv2고딕 Light" panose="00000300000000000000" pitchFamily="2" charset="-127"/>
-              </a:rPr>
-              <a:t>성능 저하를 막았습니다</a:t>
-            </a:r>
-            <a:endParaRPr lang="en-US" altLang="ko-KR" sz="1600" dirty="0">
-              <a:solidFill>
-                <a:schemeClr val="bg1"/>
-              </a:solidFill>
-              <a:latin typeface="넥슨Lv2고딕 Light" panose="00000300000000000000" pitchFamily="2" charset="-127"/>
-              <a:ea typeface="넥슨Lv2고딕 Light" panose="00000300000000000000" pitchFamily="2" charset="-127"/>
-            </a:endParaRPr>
-          </a:p>
-          <a:p>
-            <a:pPr>
-              <a:lnSpc>
-                <a:spcPct val="150000"/>
-              </a:lnSpc>
-            </a:pPr>
-            <a:endParaRPr lang="en-US" altLang="ko-KR" sz="1600" dirty="0">
-              <a:solidFill>
-                <a:schemeClr val="bg1"/>
-              </a:solidFill>
-              <a:latin typeface="넥슨Lv2고딕 Light" panose="00000300000000000000" pitchFamily="2" charset="-127"/>
-              <a:ea typeface="넥슨Lv2고딕 Light" panose="00000300000000000000" pitchFamily="2" charset="-127"/>
-            </a:endParaRPr>
-          </a:p>
-          <a:p>
-            <a:pPr>
-              <a:lnSpc>
-                <a:spcPct val="150000"/>
-              </a:lnSpc>
-            </a:pPr>
-            <a:r>
-              <a:rPr lang="en-US" altLang="ko-KR" dirty="0">
-                <a:solidFill>
-                  <a:schemeClr val="bg1"/>
-                </a:solidFill>
-                <a:latin typeface="넥슨Lv2고딕 Medium" panose="00000600000000000000" pitchFamily="2" charset="-127"/>
-                <a:ea typeface="넥슨Lv2고딕 Medium" panose="00000600000000000000" pitchFamily="2" charset="-127"/>
-              </a:rPr>
-              <a:t>Tween</a:t>
-            </a:r>
-          </a:p>
-          <a:p>
-            <a:pPr>
-              <a:lnSpc>
-                <a:spcPct val="150000"/>
-              </a:lnSpc>
-            </a:pPr>
-            <a:r>
-              <a:rPr lang="ko-KR" altLang="en-US" sz="1600" dirty="0" err="1">
-                <a:solidFill>
-                  <a:schemeClr val="bg1"/>
-                </a:solidFill>
-                <a:latin typeface="넥슨Lv2고딕 Light" panose="00000300000000000000" pitchFamily="2" charset="-127"/>
-                <a:ea typeface="넥슨Lv2고딕 Light" panose="00000300000000000000" pitchFamily="2" charset="-127"/>
-              </a:rPr>
-              <a:t>애니메이터를</a:t>
-            </a:r>
-            <a:r>
-              <a:rPr lang="ko-KR" altLang="en-US" sz="1600" dirty="0">
-                <a:solidFill>
-                  <a:schemeClr val="bg1"/>
-                </a:solidFill>
-                <a:latin typeface="넥슨Lv2고딕 Light" panose="00000300000000000000" pitchFamily="2" charset="-127"/>
-                <a:ea typeface="넥슨Lv2고딕 Light" panose="00000300000000000000" pitchFamily="2" charset="-127"/>
-              </a:rPr>
-              <a:t> 사용할 경우</a:t>
-            </a:r>
-            <a:r>
-              <a:rPr lang="en-US" altLang="ko-KR" sz="1600" dirty="0">
-                <a:solidFill>
-                  <a:schemeClr val="bg1"/>
-                </a:solidFill>
-                <a:latin typeface="넥슨Lv2고딕 Light" panose="00000300000000000000" pitchFamily="2" charset="-127"/>
-                <a:ea typeface="넥슨Lv2고딕 Light" panose="00000300000000000000" pitchFamily="2" charset="-127"/>
-              </a:rPr>
-              <a:t> </a:t>
-            </a:r>
-            <a:r>
-              <a:rPr lang="ko-KR" altLang="en-US" sz="1600" dirty="0">
-                <a:solidFill>
-                  <a:schemeClr val="bg1"/>
-                </a:solidFill>
-                <a:latin typeface="넥슨Lv2고딕 Light" panose="00000300000000000000" pitchFamily="2" charset="-127"/>
-                <a:ea typeface="넥슨Lv2고딕 Light" panose="00000300000000000000" pitchFamily="2" charset="-127"/>
-              </a:rPr>
-              <a:t>애니메이션이 사용 중이 아니더라도</a:t>
-            </a:r>
-            <a:endParaRPr lang="en-US" altLang="ko-KR" sz="1600" dirty="0">
-              <a:solidFill>
-                <a:schemeClr val="bg1"/>
-              </a:solidFill>
-              <a:latin typeface="넥슨Lv2고딕 Light" panose="00000300000000000000" pitchFamily="2" charset="-127"/>
-              <a:ea typeface="넥슨Lv2고딕 Light" panose="00000300000000000000" pitchFamily="2" charset="-127"/>
-            </a:endParaRPr>
-          </a:p>
-          <a:p>
-            <a:pPr>
-              <a:lnSpc>
-                <a:spcPct val="150000"/>
-              </a:lnSpc>
-            </a:pPr>
-            <a:r>
-              <a:rPr lang="ko-KR" altLang="en-US" sz="1600" dirty="0">
-                <a:solidFill>
-                  <a:schemeClr val="bg1"/>
-                </a:solidFill>
-                <a:latin typeface="넥슨Lv2고딕 Light" panose="00000300000000000000" pitchFamily="2" charset="-127"/>
-                <a:ea typeface="넥슨Lv2고딕 Light" panose="00000300000000000000" pitchFamily="2" charset="-127"/>
-              </a:rPr>
-              <a:t>다시 그리게 되는 문제를 해결하기위해 </a:t>
-            </a:r>
-            <a:r>
-              <a:rPr lang="en-US" altLang="ko-KR" sz="1600" dirty="0">
-                <a:solidFill>
-                  <a:schemeClr val="bg1"/>
-                </a:solidFill>
-                <a:latin typeface="넥슨Lv2고딕 Light" panose="00000300000000000000" pitchFamily="2" charset="-127"/>
-                <a:ea typeface="넥슨Lv2고딕 Light" panose="00000300000000000000" pitchFamily="2" charset="-127"/>
-              </a:rPr>
-              <a:t>Tween </a:t>
-            </a:r>
-            <a:r>
-              <a:rPr lang="ko-KR" altLang="en-US" sz="1600" dirty="0">
-                <a:solidFill>
-                  <a:schemeClr val="bg1"/>
-                </a:solidFill>
-                <a:latin typeface="넥슨Lv2고딕 Light" panose="00000300000000000000" pitchFamily="2" charset="-127"/>
-                <a:ea typeface="넥슨Lv2고딕 Light" panose="00000300000000000000" pitchFamily="2" charset="-127"/>
-              </a:rPr>
-              <a:t>을 사용하여</a:t>
-            </a:r>
-            <a:endParaRPr lang="en-US" altLang="ko-KR" sz="1600" dirty="0">
-              <a:solidFill>
-                <a:schemeClr val="bg1"/>
-              </a:solidFill>
-              <a:latin typeface="넥슨Lv2고딕 Light" panose="00000300000000000000" pitchFamily="2" charset="-127"/>
-              <a:ea typeface="넥슨Lv2고딕 Light" panose="00000300000000000000" pitchFamily="2" charset="-127"/>
-            </a:endParaRPr>
-          </a:p>
-          <a:p>
-            <a:pPr>
-              <a:lnSpc>
-                <a:spcPct val="150000"/>
-              </a:lnSpc>
-            </a:pPr>
-            <a:r>
-              <a:rPr lang="ko-KR" altLang="en-US" sz="1600" dirty="0">
-                <a:solidFill>
-                  <a:schemeClr val="bg1"/>
-                </a:solidFill>
-                <a:latin typeface="넥슨Lv2고딕 Light" panose="00000300000000000000" pitchFamily="2" charset="-127"/>
-                <a:ea typeface="넥슨Lv2고딕 Light" panose="00000300000000000000" pitchFamily="2" charset="-127"/>
-              </a:rPr>
-              <a:t>간단한 애니메이션을 적용하였습니다</a:t>
-            </a:r>
-            <a:endParaRPr lang="en-US" altLang="ko-KR" sz="1600" dirty="0">
-              <a:solidFill>
-                <a:schemeClr val="bg1"/>
-              </a:solidFill>
-              <a:latin typeface="넥슨Lv2고딕 Light" panose="00000300000000000000" pitchFamily="2" charset="-127"/>
-              <a:ea typeface="넥슨Lv2고딕 Light" panose="00000300000000000000" pitchFamily="2" charset="-127"/>
-            </a:endParaRPr>
-          </a:p>
         </p:txBody>
       </p:sp>
     </p:spTree>
     <p:extLst>
       <p:ext uri="{BB962C8B-B14F-4D97-AF65-F5344CB8AC3E}">
-        <p14:creationId xmlns:p14="http://schemas.microsoft.com/office/powerpoint/2010/main" val="3532308141"/>
+        <p14:creationId xmlns:p14="http://schemas.microsoft.com/office/powerpoint/2010/main" val="1808681697"/>
       </p:ext>
     </p:extLst>
   </p:cSld>
@@ -9082,8 +8989,8 @@
         </p:nvSpPr>
         <p:spPr>
           <a:xfrm>
-            <a:off x="1688777" y="1469196"/>
-            <a:ext cx="6650890" cy="1200329"/>
+            <a:off x="1680310" y="1155929"/>
+            <a:ext cx="3733800" cy="584775"/>
           </a:xfrm>
           <a:prstGeom prst="rect">
             <a:avLst/>
@@ -9097,65 +9004,379 @@
           <a:lstStyle/>
           <a:p>
             <a:r>
-              <a:rPr lang="ko-KR" altLang="en-US" sz="7200" dirty="0">
+              <a:rPr lang="ko-KR" altLang="en-US" sz="3200" dirty="0">
                 <a:solidFill>
                   <a:schemeClr val="bg1"/>
                 </a:solidFill>
                 <a:latin typeface="넥슨Lv2고딕 Bold" panose="00000800000000000000" pitchFamily="2" charset="-127"/>
                 <a:ea typeface="넥슨Lv2고딕 Bold" panose="00000800000000000000" pitchFamily="2" charset="-127"/>
               </a:rPr>
-              <a:t>마치며</a:t>
-            </a:r>
-            <a:endParaRPr lang="en-US" altLang="ko-KR" sz="7200" dirty="0">
-              <a:solidFill>
-                <a:schemeClr val="bg1"/>
-              </a:solidFill>
-              <a:latin typeface="넥슨Lv2고딕 Bold" panose="00000800000000000000" pitchFamily="2" charset="-127"/>
-              <a:ea typeface="넥슨Lv2고딕 Bold" panose="00000800000000000000" pitchFamily="2" charset="-127"/>
-            </a:endParaRPr>
-          </a:p>
-        </p:txBody>
-      </p:sp>
-      <p:pic>
-        <p:nvPicPr>
-          <p:cNvPr id="9" name="그림 8">
-            <a:extLst>
-              <a:ext uri="{FF2B5EF4-FFF2-40B4-BE49-F238E27FC236}">
-                <a16:creationId xmlns:a16="http://schemas.microsoft.com/office/drawing/2014/main" id="{B6FC7C27-A4D6-0A9C-F61B-6AA1144DE5B1}"/>
-              </a:ext>
-            </a:extLst>
-          </p:cNvPr>
-          <p:cNvPicPr>
-            <a:picLocks noChangeAspect="1"/>
-          </p:cNvPicPr>
+              <a:t>캔버스</a:t>
+            </a:r>
+          </a:p>
+        </p:txBody>
+      </p:sp>
+      <p:sp>
+        <p:nvSpPr>
+          <p:cNvPr id="16" name="직사각형 15">
+            <a:extLst>
+              <a:ext uri="{FF2B5EF4-FFF2-40B4-BE49-F238E27FC236}">
+                <a16:creationId xmlns:a16="http://schemas.microsoft.com/office/drawing/2014/main" id="{06D4D73C-002A-B871-4E9F-3C2F2EFA95F6}"/>
+              </a:ext>
+            </a:extLst>
+          </p:cNvPr>
+          <p:cNvSpPr/>
           <p:nvPr/>
-        </p:nvPicPr>
-        <p:blipFill>
-          <a:blip r:embed="rId2">
-            <a:extLst>
-              <a:ext uri="{28A0092B-C50C-407E-A947-70E740481C1C}">
-                <a14:useLocalDpi xmlns:a14="http://schemas.microsoft.com/office/drawing/2010/main" val="0"/>
-              </a:ext>
-            </a:extLst>
-          </a:blip>
-          <a:stretch>
-            <a:fillRect/>
-          </a:stretch>
-        </p:blipFill>
+        </p:nvSpPr>
         <p:spPr>
-          <a:xfrm flipH="1">
-            <a:off x="6682163" y="1628775"/>
-            <a:ext cx="3735012" cy="4514850"/>
+          <a:xfrm>
+            <a:off x="1660524" y="1262063"/>
+            <a:ext cx="45719" cy="366711"/>
           </a:xfrm>
           <a:prstGeom prst="rect">
             <a:avLst/>
           </a:prstGeom>
+          <a:solidFill>
+            <a:schemeClr val="bg1"/>
+          </a:solidFill>
+          <a:ln>
+            <a:noFill/>
+          </a:ln>
         </p:spPr>
-      </p:pic>
+        <p:style>
+          <a:lnRef idx="2">
+            <a:schemeClr val="accent1">
+              <a:shade val="50000"/>
+            </a:schemeClr>
+          </a:lnRef>
+          <a:fillRef idx="1">
+            <a:schemeClr val="accent1"/>
+          </a:fillRef>
+          <a:effectRef idx="0">
+            <a:schemeClr val="accent1"/>
+          </a:effectRef>
+          <a:fontRef idx="minor">
+            <a:schemeClr val="lt1"/>
+          </a:fontRef>
+        </p:style>
+        <p:txBody>
+          <a:bodyPr rtlCol="0" anchor="ctr"/>
+          <a:lstStyle/>
+          <a:p>
+            <a:pPr algn="ctr"/>
+            <a:endParaRPr lang="ko-KR" altLang="en-US"/>
+          </a:p>
+        </p:txBody>
+      </p:sp>
+      <p:sp>
+        <p:nvSpPr>
+          <p:cNvPr id="6" name="TextBox 5">
+            <a:extLst>
+              <a:ext uri="{FF2B5EF4-FFF2-40B4-BE49-F238E27FC236}">
+                <a16:creationId xmlns:a16="http://schemas.microsoft.com/office/drawing/2014/main" id="{63BC716B-EEC4-0292-2A32-8BA3449ACD32}"/>
+              </a:ext>
+            </a:extLst>
+          </p:cNvPr>
+          <p:cNvSpPr txBox="1"/>
+          <p:nvPr/>
+        </p:nvSpPr>
+        <p:spPr>
+          <a:xfrm>
+            <a:off x="1680309" y="2074745"/>
+            <a:ext cx="8736865" cy="3477362"/>
+          </a:xfrm>
+          <a:prstGeom prst="rect">
+            <a:avLst/>
+          </a:prstGeom>
+          <a:noFill/>
+        </p:spPr>
+        <p:txBody>
+          <a:bodyPr wrap="square" rtlCol="0">
+            <a:spAutoFit/>
+          </a:bodyPr>
+          <a:lstStyle/>
+          <a:p>
+            <a:pPr>
+              <a:lnSpc>
+                <a:spcPct val="150000"/>
+              </a:lnSpc>
+            </a:pPr>
+            <a:r>
+              <a:rPr lang="ko-KR" altLang="en-US" dirty="0">
+                <a:solidFill>
+                  <a:schemeClr val="bg1"/>
+                </a:solidFill>
+                <a:latin typeface="넥슨Lv2고딕 Medium" panose="00000600000000000000" pitchFamily="2" charset="-127"/>
+                <a:ea typeface="넥슨Lv2고딕 Medium" panose="00000600000000000000" pitchFamily="2" charset="-127"/>
+              </a:rPr>
+              <a:t>캔버스 나누기</a:t>
+            </a:r>
+            <a:endParaRPr lang="en-US" altLang="ko-KR" dirty="0">
+              <a:solidFill>
+                <a:schemeClr val="bg1"/>
+              </a:solidFill>
+              <a:latin typeface="넥슨Lv2고딕 Medium" panose="00000600000000000000" pitchFamily="2" charset="-127"/>
+              <a:ea typeface="넥슨Lv2고딕 Medium" panose="00000600000000000000" pitchFamily="2" charset="-127"/>
+            </a:endParaRPr>
+          </a:p>
+          <a:p>
+            <a:pPr>
+              <a:lnSpc>
+                <a:spcPct val="150000"/>
+              </a:lnSpc>
+            </a:pPr>
+            <a:r>
+              <a:rPr lang="ko-KR" altLang="en-US" sz="1600" dirty="0">
+                <a:solidFill>
+                  <a:schemeClr val="bg1"/>
+                </a:solidFill>
+                <a:latin typeface="넥슨Lv2고딕 Light" panose="00000300000000000000" pitchFamily="2" charset="-127"/>
+                <a:ea typeface="넥슨Lv2고딕 Light" panose="00000300000000000000" pitchFamily="2" charset="-127"/>
+              </a:rPr>
+              <a:t>처음 개발을 할 때 하나의 캔버스로 작업을 하였는데</a:t>
+            </a:r>
+            <a:endParaRPr lang="en-US" altLang="ko-KR" sz="1600" dirty="0">
+              <a:solidFill>
+                <a:schemeClr val="bg1"/>
+              </a:solidFill>
+              <a:latin typeface="넥슨Lv2고딕 Light" panose="00000300000000000000" pitchFamily="2" charset="-127"/>
+              <a:ea typeface="넥슨Lv2고딕 Light" panose="00000300000000000000" pitchFamily="2" charset="-127"/>
+            </a:endParaRPr>
+          </a:p>
+          <a:p>
+            <a:pPr>
+              <a:lnSpc>
+                <a:spcPct val="150000"/>
+              </a:lnSpc>
+            </a:pPr>
+            <a:r>
+              <a:rPr lang="ko-KR" altLang="en-US" sz="1600" dirty="0">
+                <a:solidFill>
+                  <a:schemeClr val="bg1"/>
+                </a:solidFill>
+                <a:latin typeface="넥슨Lv2고딕 Light" panose="00000300000000000000" pitchFamily="2" charset="-127"/>
+                <a:ea typeface="넥슨Lv2고딕 Light" panose="00000300000000000000" pitchFamily="2" charset="-127"/>
+              </a:rPr>
+              <a:t>오브젝트가 하나 움직일 때 마다 스파이크가 생기는 것을 확인하였고</a:t>
+            </a:r>
+            <a:endParaRPr lang="en-US" altLang="ko-KR" sz="1600" dirty="0">
+              <a:solidFill>
+                <a:schemeClr val="bg1"/>
+              </a:solidFill>
+              <a:latin typeface="넥슨Lv2고딕 Light" panose="00000300000000000000" pitchFamily="2" charset="-127"/>
+              <a:ea typeface="넥슨Lv2고딕 Light" panose="00000300000000000000" pitchFamily="2" charset="-127"/>
+            </a:endParaRPr>
+          </a:p>
+          <a:p>
+            <a:pPr>
+              <a:lnSpc>
+                <a:spcPct val="150000"/>
+              </a:lnSpc>
+            </a:pPr>
+            <a:r>
+              <a:rPr lang="ko-KR" altLang="en-US" sz="1600" dirty="0">
+                <a:solidFill>
+                  <a:schemeClr val="bg1"/>
+                </a:solidFill>
+                <a:latin typeface="넥슨Lv2고딕 Light" panose="00000300000000000000" pitchFamily="2" charset="-127"/>
+                <a:ea typeface="넥슨Lv2고딕 Light" panose="00000300000000000000" pitchFamily="2" charset="-127"/>
+              </a:rPr>
+              <a:t>이후 동적 </a:t>
+            </a:r>
+            <a:r>
+              <a:rPr lang="en-US" altLang="ko-KR" sz="1600" dirty="0">
+                <a:solidFill>
+                  <a:schemeClr val="bg1"/>
+                </a:solidFill>
+                <a:latin typeface="넥슨Lv2고딕 Light" panose="00000300000000000000" pitchFamily="2" charset="-127"/>
+                <a:ea typeface="넥슨Lv2고딕 Light" panose="00000300000000000000" pitchFamily="2" charset="-127"/>
+              </a:rPr>
+              <a:t>UI</a:t>
+            </a:r>
+            <a:r>
+              <a:rPr lang="ko-KR" altLang="en-US" sz="1600" dirty="0">
+                <a:solidFill>
+                  <a:schemeClr val="bg1"/>
+                </a:solidFill>
+                <a:latin typeface="넥슨Lv2고딕 Light" panose="00000300000000000000" pitchFamily="2" charset="-127"/>
+                <a:ea typeface="넥슨Lv2고딕 Light" panose="00000300000000000000" pitchFamily="2" charset="-127"/>
+              </a:rPr>
+              <a:t>는 캔버스를 나누는 형태를 사용하며 최적화를 했습니다</a:t>
+            </a:r>
+            <a:endParaRPr lang="en-US" altLang="ko-KR" sz="1600" dirty="0">
+              <a:solidFill>
+                <a:schemeClr val="bg1"/>
+              </a:solidFill>
+              <a:latin typeface="넥슨Lv2고딕 Light" panose="00000300000000000000" pitchFamily="2" charset="-127"/>
+              <a:ea typeface="넥슨Lv2고딕 Light" panose="00000300000000000000" pitchFamily="2" charset="-127"/>
+            </a:endParaRPr>
+          </a:p>
+          <a:p>
+            <a:pPr>
+              <a:lnSpc>
+                <a:spcPct val="150000"/>
+              </a:lnSpc>
+            </a:pPr>
+            <a:endParaRPr lang="en-US" altLang="ko-KR" sz="1600" dirty="0">
+              <a:solidFill>
+                <a:schemeClr val="bg1"/>
+              </a:solidFill>
+              <a:latin typeface="넥슨Lv2고딕 Light" panose="00000300000000000000" pitchFamily="2" charset="-127"/>
+              <a:ea typeface="넥슨Lv2고딕 Light" panose="00000300000000000000" pitchFamily="2" charset="-127"/>
+            </a:endParaRPr>
+          </a:p>
+          <a:p>
+            <a:pPr>
+              <a:lnSpc>
+                <a:spcPct val="150000"/>
+              </a:lnSpc>
+            </a:pPr>
+            <a:r>
+              <a:rPr lang="en-US" altLang="ko-KR" dirty="0">
+                <a:solidFill>
+                  <a:schemeClr val="bg1"/>
+                </a:solidFill>
+                <a:latin typeface="넥슨Lv2고딕 Medium" panose="00000600000000000000" pitchFamily="2" charset="-127"/>
+                <a:ea typeface="넥슨Lv2고딕 Medium" panose="00000600000000000000" pitchFamily="2" charset="-127"/>
+              </a:rPr>
+              <a:t>UI</a:t>
+            </a:r>
+            <a:r>
+              <a:rPr lang="ko-KR" altLang="en-US" dirty="0">
+                <a:solidFill>
+                  <a:schemeClr val="bg1"/>
+                </a:solidFill>
+                <a:latin typeface="넥슨Lv2고딕 Medium" panose="00000600000000000000" pitchFamily="2" charset="-127"/>
+                <a:ea typeface="넥슨Lv2고딕 Medium" panose="00000600000000000000" pitchFamily="2" charset="-127"/>
+              </a:rPr>
+              <a:t> 숨기기</a:t>
+            </a:r>
+            <a:endParaRPr lang="en-US" altLang="ko-KR" dirty="0">
+              <a:solidFill>
+                <a:schemeClr val="bg1"/>
+              </a:solidFill>
+              <a:latin typeface="넥슨Lv2고딕 Medium" panose="00000600000000000000" pitchFamily="2" charset="-127"/>
+              <a:ea typeface="넥슨Lv2고딕 Medium" panose="00000600000000000000" pitchFamily="2" charset="-127"/>
+            </a:endParaRPr>
+          </a:p>
+          <a:p>
+            <a:pPr>
+              <a:lnSpc>
+                <a:spcPct val="150000"/>
+              </a:lnSpc>
+            </a:pPr>
+            <a:r>
+              <a:rPr lang="ko-KR" altLang="en-US" sz="1600" dirty="0">
+                <a:solidFill>
+                  <a:schemeClr val="bg1"/>
+                </a:solidFill>
+                <a:latin typeface="넥슨Lv2고딕 Light" panose="00000300000000000000" pitchFamily="2" charset="-127"/>
+                <a:ea typeface="넥슨Lv2고딕 Light" panose="00000300000000000000" pitchFamily="2" charset="-127"/>
+              </a:rPr>
+              <a:t>게임 오브젝트를 비활성화 하는 대신</a:t>
+            </a:r>
+            <a:endParaRPr lang="en-US" altLang="ko-KR" sz="1600" dirty="0">
+              <a:solidFill>
+                <a:schemeClr val="bg1"/>
+              </a:solidFill>
+              <a:latin typeface="넥슨Lv2고딕 Light" panose="00000300000000000000" pitchFamily="2" charset="-127"/>
+              <a:ea typeface="넥슨Lv2고딕 Light" panose="00000300000000000000" pitchFamily="2" charset="-127"/>
+            </a:endParaRPr>
+          </a:p>
+          <a:p>
+            <a:pPr>
+              <a:lnSpc>
+                <a:spcPct val="150000"/>
+              </a:lnSpc>
+            </a:pPr>
+            <a:r>
+              <a:rPr lang="ko-KR" altLang="en-US" sz="1600" dirty="0">
+                <a:solidFill>
+                  <a:schemeClr val="bg1"/>
+                </a:solidFill>
+                <a:latin typeface="넥슨Lv2고딕 Light" panose="00000300000000000000" pitchFamily="2" charset="-127"/>
+                <a:ea typeface="넥슨Lv2고딕 Light" panose="00000300000000000000" pitchFamily="2" charset="-127"/>
+              </a:rPr>
+              <a:t>캔버스 컴포넌트만</a:t>
+            </a:r>
+            <a:r>
+              <a:rPr lang="en-US" altLang="ko-KR" sz="1600" dirty="0">
+                <a:solidFill>
+                  <a:schemeClr val="bg1"/>
+                </a:solidFill>
+                <a:latin typeface="넥슨Lv2고딕 Light" panose="00000300000000000000" pitchFamily="2" charset="-127"/>
+                <a:ea typeface="넥슨Lv2고딕 Light" panose="00000300000000000000" pitchFamily="2" charset="-127"/>
+              </a:rPr>
+              <a:t> </a:t>
+            </a:r>
+            <a:r>
+              <a:rPr lang="ko-KR" altLang="en-US" sz="1600" dirty="0">
+                <a:solidFill>
+                  <a:schemeClr val="bg1"/>
+                </a:solidFill>
+                <a:latin typeface="넥슨Lv2고딕 Light" panose="00000300000000000000" pitchFamily="2" charset="-127"/>
+                <a:ea typeface="넥슨Lv2고딕 Light" panose="00000300000000000000" pitchFamily="2" charset="-127"/>
+              </a:rPr>
+              <a:t>비활성화 하여 숨겼습니다</a:t>
+            </a:r>
+            <a:endParaRPr lang="en-US" altLang="ko-KR" sz="1600" dirty="0">
+              <a:solidFill>
+                <a:schemeClr val="bg1"/>
+              </a:solidFill>
+              <a:latin typeface="넥슨Lv2고딕 Light" panose="00000300000000000000" pitchFamily="2" charset="-127"/>
+              <a:ea typeface="넥슨Lv2고딕 Light" panose="00000300000000000000" pitchFamily="2" charset="-127"/>
+            </a:endParaRPr>
+          </a:p>
+          <a:p>
+            <a:pPr>
+              <a:lnSpc>
+                <a:spcPct val="150000"/>
+              </a:lnSpc>
+            </a:pPr>
+            <a:r>
+              <a:rPr lang="ko-KR" altLang="en-US" sz="1600" dirty="0">
+                <a:solidFill>
+                  <a:schemeClr val="bg1"/>
+                </a:solidFill>
+                <a:latin typeface="넥슨Lv2고딕 Light" panose="00000300000000000000" pitchFamily="2" charset="-127"/>
+                <a:ea typeface="넥슨Lv2고딕 Light" panose="00000300000000000000" pitchFamily="2" charset="-127"/>
+              </a:rPr>
+              <a:t>이로 인해 활성화 시 메시와 </a:t>
+            </a:r>
+            <a:r>
+              <a:rPr lang="ko-KR" altLang="en-US" sz="1600" dirty="0" err="1">
+                <a:solidFill>
+                  <a:schemeClr val="bg1"/>
+                </a:solidFill>
+                <a:latin typeface="넥슨Lv2고딕 Light" panose="00000300000000000000" pitchFamily="2" charset="-127"/>
+                <a:ea typeface="넥슨Lv2고딕 Light" panose="00000300000000000000" pitchFamily="2" charset="-127"/>
+              </a:rPr>
+              <a:t>버텍스를</a:t>
+            </a:r>
+            <a:r>
+              <a:rPr lang="ko-KR" altLang="en-US" sz="1600" dirty="0">
+                <a:solidFill>
+                  <a:schemeClr val="bg1"/>
+                </a:solidFill>
+                <a:latin typeface="넥슨Lv2고딕 Light" panose="00000300000000000000" pitchFamily="2" charset="-127"/>
+                <a:ea typeface="넥슨Lv2고딕 Light" panose="00000300000000000000" pitchFamily="2" charset="-127"/>
+              </a:rPr>
+              <a:t> 재구성하지 않게 되었습니다</a:t>
+            </a:r>
+            <a:endParaRPr lang="en-US" altLang="ko-KR" sz="1600" dirty="0">
+              <a:solidFill>
+                <a:schemeClr val="bg1"/>
+              </a:solidFill>
+              <a:latin typeface="넥슨Lv2고딕 Light" panose="00000300000000000000" pitchFamily="2" charset="-127"/>
+              <a:ea typeface="넥슨Lv2고딕 Light" panose="00000300000000000000" pitchFamily="2" charset="-127"/>
+            </a:endParaRPr>
+          </a:p>
+        </p:txBody>
+      </p:sp>
     </p:spTree>
     <p:extLst>
       <p:ext uri="{BB962C8B-B14F-4D97-AF65-F5344CB8AC3E}">
-        <p14:creationId xmlns:p14="http://schemas.microsoft.com/office/powerpoint/2010/main" val="1804371286"/>
+        <p14:creationId xmlns:p14="http://schemas.microsoft.com/office/powerpoint/2010/main" val="3122391892"/>
       </p:ext>
     </p:extLst>
   </p:cSld>
@@ -9192,6 +9413,570 @@
       </p:grpSpPr>
       <p:sp>
         <p:nvSpPr>
+          <p:cNvPr id="15" name="TextBox 14">
+            <a:extLst>
+              <a:ext uri="{FF2B5EF4-FFF2-40B4-BE49-F238E27FC236}">
+                <a16:creationId xmlns:a16="http://schemas.microsoft.com/office/drawing/2014/main" id="{BA04418A-3697-DF14-5B90-D9AC7CE43E2B}"/>
+              </a:ext>
+            </a:extLst>
+          </p:cNvPr>
+          <p:cNvSpPr txBox="1"/>
+          <p:nvPr/>
+        </p:nvSpPr>
+        <p:spPr>
+          <a:xfrm>
+            <a:off x="1680310" y="1155929"/>
+            <a:ext cx="3733800" cy="584775"/>
+          </a:xfrm>
+          <a:prstGeom prst="rect">
+            <a:avLst/>
+          </a:prstGeom>
+          <a:noFill/>
+        </p:spPr>
+        <p:txBody>
+          <a:bodyPr wrap="square" rtlCol="0">
+            <a:spAutoFit/>
+          </a:bodyPr>
+          <a:lstStyle/>
+          <a:p>
+            <a:r>
+              <a:rPr lang="en-US" altLang="ko-KR" sz="3200" dirty="0">
+                <a:solidFill>
+                  <a:schemeClr val="bg1"/>
+                </a:solidFill>
+                <a:latin typeface="넥슨Lv2고딕 Bold" panose="00000800000000000000" pitchFamily="2" charset="-127"/>
+                <a:ea typeface="넥슨Lv2고딕 Bold" panose="00000800000000000000" pitchFamily="2" charset="-127"/>
+              </a:rPr>
+              <a:t>UI </a:t>
+            </a:r>
+            <a:r>
+              <a:rPr lang="ko-KR" altLang="en-US" sz="3200" dirty="0">
+                <a:solidFill>
+                  <a:schemeClr val="bg1"/>
+                </a:solidFill>
+                <a:latin typeface="넥슨Lv2고딕 Bold" panose="00000800000000000000" pitchFamily="2" charset="-127"/>
+                <a:ea typeface="넥슨Lv2고딕 Bold" panose="00000800000000000000" pitchFamily="2" charset="-127"/>
+              </a:rPr>
+              <a:t>요소</a:t>
+            </a:r>
+          </a:p>
+        </p:txBody>
+      </p:sp>
+      <p:sp>
+        <p:nvSpPr>
+          <p:cNvPr id="16" name="직사각형 15">
+            <a:extLst>
+              <a:ext uri="{FF2B5EF4-FFF2-40B4-BE49-F238E27FC236}">
+                <a16:creationId xmlns:a16="http://schemas.microsoft.com/office/drawing/2014/main" id="{06D4D73C-002A-B871-4E9F-3C2F2EFA95F6}"/>
+              </a:ext>
+            </a:extLst>
+          </p:cNvPr>
+          <p:cNvSpPr/>
+          <p:nvPr/>
+        </p:nvSpPr>
+        <p:spPr>
+          <a:xfrm>
+            <a:off x="1660524" y="1262063"/>
+            <a:ext cx="45719" cy="366711"/>
+          </a:xfrm>
+          <a:prstGeom prst="rect">
+            <a:avLst/>
+          </a:prstGeom>
+          <a:solidFill>
+            <a:schemeClr val="bg1"/>
+          </a:solidFill>
+          <a:ln>
+            <a:noFill/>
+          </a:ln>
+        </p:spPr>
+        <p:style>
+          <a:lnRef idx="2">
+            <a:schemeClr val="accent1">
+              <a:shade val="50000"/>
+            </a:schemeClr>
+          </a:lnRef>
+          <a:fillRef idx="1">
+            <a:schemeClr val="accent1"/>
+          </a:fillRef>
+          <a:effectRef idx="0">
+            <a:schemeClr val="accent1"/>
+          </a:effectRef>
+          <a:fontRef idx="minor">
+            <a:schemeClr val="lt1"/>
+          </a:fontRef>
+        </p:style>
+        <p:txBody>
+          <a:bodyPr rtlCol="0" anchor="ctr"/>
+          <a:lstStyle/>
+          <a:p>
+            <a:pPr algn="ctr"/>
+            <a:endParaRPr lang="ko-KR" altLang="en-US"/>
+          </a:p>
+        </p:txBody>
+      </p:sp>
+      <p:sp>
+        <p:nvSpPr>
+          <p:cNvPr id="6" name="TextBox 5">
+            <a:extLst>
+              <a:ext uri="{FF2B5EF4-FFF2-40B4-BE49-F238E27FC236}">
+                <a16:creationId xmlns:a16="http://schemas.microsoft.com/office/drawing/2014/main" id="{63BC716B-EEC4-0292-2A32-8BA3449ACD32}"/>
+              </a:ext>
+            </a:extLst>
+          </p:cNvPr>
+          <p:cNvSpPr txBox="1"/>
+          <p:nvPr/>
+        </p:nvSpPr>
+        <p:spPr>
+          <a:xfrm>
+            <a:off x="1680309" y="2074745"/>
+            <a:ext cx="8736865" cy="3477362"/>
+          </a:xfrm>
+          <a:prstGeom prst="rect">
+            <a:avLst/>
+          </a:prstGeom>
+          <a:noFill/>
+        </p:spPr>
+        <p:txBody>
+          <a:bodyPr wrap="square" rtlCol="0">
+            <a:spAutoFit/>
+          </a:bodyPr>
+          <a:lstStyle/>
+          <a:p>
+            <a:pPr>
+              <a:lnSpc>
+                <a:spcPct val="150000"/>
+              </a:lnSpc>
+            </a:pPr>
+            <a:r>
+              <a:rPr lang="en-US" altLang="ko-KR" dirty="0">
+                <a:solidFill>
+                  <a:schemeClr val="bg1"/>
+                </a:solidFill>
+                <a:latin typeface="넥슨Lv2고딕 Medium" panose="00000600000000000000" pitchFamily="2" charset="-127"/>
+                <a:ea typeface="넥슨Lv2고딕 Medium" panose="00000600000000000000" pitchFamily="2" charset="-127"/>
+              </a:rPr>
+              <a:t>Layout</a:t>
+            </a:r>
+            <a:r>
+              <a:rPr lang="ko-KR" altLang="en-US" dirty="0">
+                <a:solidFill>
+                  <a:schemeClr val="bg1"/>
+                </a:solidFill>
+                <a:latin typeface="넥슨Lv2고딕 Medium" panose="00000600000000000000" pitchFamily="2" charset="-127"/>
+                <a:ea typeface="넥슨Lv2고딕 Medium" panose="00000600000000000000" pitchFamily="2" charset="-127"/>
+              </a:rPr>
+              <a:t> </a:t>
+            </a:r>
+            <a:r>
+              <a:rPr lang="en-US" altLang="ko-KR" dirty="0">
+                <a:solidFill>
+                  <a:schemeClr val="bg1"/>
+                </a:solidFill>
+                <a:latin typeface="넥슨Lv2고딕 Medium" panose="00000600000000000000" pitchFamily="2" charset="-127"/>
+                <a:ea typeface="넥슨Lv2고딕 Medium" panose="00000600000000000000" pitchFamily="2" charset="-127"/>
+              </a:rPr>
+              <a:t>Group</a:t>
+            </a:r>
+          </a:p>
+          <a:p>
+            <a:pPr>
+              <a:lnSpc>
+                <a:spcPct val="150000"/>
+              </a:lnSpc>
+            </a:pPr>
+            <a:r>
+              <a:rPr lang="ko-KR" altLang="en-US" sz="1600" dirty="0">
+                <a:solidFill>
+                  <a:schemeClr val="bg1"/>
+                </a:solidFill>
+                <a:latin typeface="넥슨Lv2고딕 Light" panose="00000300000000000000" pitchFamily="2" charset="-127"/>
+                <a:ea typeface="넥슨Lv2고딕 Light" panose="00000300000000000000" pitchFamily="2" charset="-127"/>
+              </a:rPr>
+              <a:t>레이아웃 그룹 사용 이후 컴포넌트를</a:t>
+            </a:r>
+            <a:endParaRPr lang="en-US" altLang="ko-KR" sz="1600" dirty="0">
+              <a:solidFill>
+                <a:schemeClr val="bg1"/>
+              </a:solidFill>
+              <a:latin typeface="넥슨Lv2고딕 Light" panose="00000300000000000000" pitchFamily="2" charset="-127"/>
+              <a:ea typeface="넥슨Lv2고딕 Light" panose="00000300000000000000" pitchFamily="2" charset="-127"/>
+            </a:endParaRPr>
+          </a:p>
+          <a:p>
+            <a:pPr>
+              <a:lnSpc>
+                <a:spcPct val="150000"/>
+              </a:lnSpc>
+            </a:pPr>
+            <a:r>
+              <a:rPr lang="ko-KR" altLang="en-US" sz="1600" dirty="0">
+                <a:solidFill>
+                  <a:schemeClr val="bg1"/>
+                </a:solidFill>
+                <a:latin typeface="넥슨Lv2고딕 Light" panose="00000300000000000000" pitchFamily="2" charset="-127"/>
+                <a:ea typeface="넥슨Lv2고딕 Light" panose="00000300000000000000" pitchFamily="2" charset="-127"/>
+              </a:rPr>
+              <a:t>비활성화하여 추가적인</a:t>
+            </a:r>
+            <a:endParaRPr lang="en-US" altLang="ko-KR" sz="1600" dirty="0">
+              <a:solidFill>
+                <a:schemeClr val="bg1"/>
+              </a:solidFill>
+              <a:latin typeface="넥슨Lv2고딕 Light" panose="00000300000000000000" pitchFamily="2" charset="-127"/>
+              <a:ea typeface="넥슨Lv2고딕 Light" panose="00000300000000000000" pitchFamily="2" charset="-127"/>
+            </a:endParaRPr>
+          </a:p>
+          <a:p>
+            <a:pPr>
+              <a:lnSpc>
+                <a:spcPct val="150000"/>
+              </a:lnSpc>
+            </a:pPr>
+            <a:r>
+              <a:rPr lang="ko-KR" altLang="en-US" sz="1600" dirty="0">
+                <a:solidFill>
+                  <a:schemeClr val="bg1"/>
+                </a:solidFill>
+                <a:latin typeface="넥슨Lv2고딕 Light" panose="00000300000000000000" pitchFamily="2" charset="-127"/>
+                <a:ea typeface="넥슨Lv2고딕 Light" panose="00000300000000000000" pitchFamily="2" charset="-127"/>
+              </a:rPr>
+              <a:t>성능 저하를 막았습니다</a:t>
+            </a:r>
+            <a:endParaRPr lang="en-US" altLang="ko-KR" sz="1600" dirty="0">
+              <a:solidFill>
+                <a:schemeClr val="bg1"/>
+              </a:solidFill>
+              <a:latin typeface="넥슨Lv2고딕 Light" panose="00000300000000000000" pitchFamily="2" charset="-127"/>
+              <a:ea typeface="넥슨Lv2고딕 Light" panose="00000300000000000000" pitchFamily="2" charset="-127"/>
+            </a:endParaRPr>
+          </a:p>
+          <a:p>
+            <a:pPr>
+              <a:lnSpc>
+                <a:spcPct val="150000"/>
+              </a:lnSpc>
+            </a:pPr>
+            <a:endParaRPr lang="en-US" altLang="ko-KR" sz="1600" dirty="0">
+              <a:solidFill>
+                <a:schemeClr val="bg1"/>
+              </a:solidFill>
+              <a:latin typeface="넥슨Lv2고딕 Light" panose="00000300000000000000" pitchFamily="2" charset="-127"/>
+              <a:ea typeface="넥슨Lv2고딕 Light" panose="00000300000000000000" pitchFamily="2" charset="-127"/>
+            </a:endParaRPr>
+          </a:p>
+          <a:p>
+            <a:pPr>
+              <a:lnSpc>
+                <a:spcPct val="150000"/>
+              </a:lnSpc>
+            </a:pPr>
+            <a:r>
+              <a:rPr lang="en-US" altLang="ko-KR" dirty="0">
+                <a:solidFill>
+                  <a:schemeClr val="bg1"/>
+                </a:solidFill>
+                <a:latin typeface="넥슨Lv2고딕 Medium" panose="00000600000000000000" pitchFamily="2" charset="-127"/>
+                <a:ea typeface="넥슨Lv2고딕 Medium" panose="00000600000000000000" pitchFamily="2" charset="-127"/>
+              </a:rPr>
+              <a:t>Tween</a:t>
+            </a:r>
+          </a:p>
+          <a:p>
+            <a:pPr>
+              <a:lnSpc>
+                <a:spcPct val="150000"/>
+              </a:lnSpc>
+            </a:pPr>
+            <a:r>
+              <a:rPr lang="ko-KR" altLang="en-US" sz="1600" dirty="0" err="1">
+                <a:solidFill>
+                  <a:schemeClr val="bg1"/>
+                </a:solidFill>
+                <a:latin typeface="넥슨Lv2고딕 Light" panose="00000300000000000000" pitchFamily="2" charset="-127"/>
+                <a:ea typeface="넥슨Lv2고딕 Light" panose="00000300000000000000" pitchFamily="2" charset="-127"/>
+              </a:rPr>
+              <a:t>애니메이터를</a:t>
+            </a:r>
+            <a:r>
+              <a:rPr lang="ko-KR" altLang="en-US" sz="1600" dirty="0">
+                <a:solidFill>
+                  <a:schemeClr val="bg1"/>
+                </a:solidFill>
+                <a:latin typeface="넥슨Lv2고딕 Light" panose="00000300000000000000" pitchFamily="2" charset="-127"/>
+                <a:ea typeface="넥슨Lv2고딕 Light" panose="00000300000000000000" pitchFamily="2" charset="-127"/>
+              </a:rPr>
+              <a:t> 사용할 경우</a:t>
+            </a:r>
+            <a:r>
+              <a:rPr lang="en-US" altLang="ko-KR" sz="1600" dirty="0">
+                <a:solidFill>
+                  <a:schemeClr val="bg1"/>
+                </a:solidFill>
+                <a:latin typeface="넥슨Lv2고딕 Light" panose="00000300000000000000" pitchFamily="2" charset="-127"/>
+                <a:ea typeface="넥슨Lv2고딕 Light" panose="00000300000000000000" pitchFamily="2" charset="-127"/>
+              </a:rPr>
+              <a:t> </a:t>
+            </a:r>
+            <a:r>
+              <a:rPr lang="ko-KR" altLang="en-US" sz="1600" dirty="0">
+                <a:solidFill>
+                  <a:schemeClr val="bg1"/>
+                </a:solidFill>
+                <a:latin typeface="넥슨Lv2고딕 Light" panose="00000300000000000000" pitchFamily="2" charset="-127"/>
+                <a:ea typeface="넥슨Lv2고딕 Light" panose="00000300000000000000" pitchFamily="2" charset="-127"/>
+              </a:rPr>
+              <a:t>애니메이션이 사용 중이 아니더라도</a:t>
+            </a:r>
+            <a:endParaRPr lang="en-US" altLang="ko-KR" sz="1600" dirty="0">
+              <a:solidFill>
+                <a:schemeClr val="bg1"/>
+              </a:solidFill>
+              <a:latin typeface="넥슨Lv2고딕 Light" panose="00000300000000000000" pitchFamily="2" charset="-127"/>
+              <a:ea typeface="넥슨Lv2고딕 Light" panose="00000300000000000000" pitchFamily="2" charset="-127"/>
+            </a:endParaRPr>
+          </a:p>
+          <a:p>
+            <a:pPr>
+              <a:lnSpc>
+                <a:spcPct val="150000"/>
+              </a:lnSpc>
+            </a:pPr>
+            <a:r>
+              <a:rPr lang="ko-KR" altLang="en-US" sz="1600" dirty="0">
+                <a:solidFill>
+                  <a:schemeClr val="bg1"/>
+                </a:solidFill>
+                <a:latin typeface="넥슨Lv2고딕 Light" panose="00000300000000000000" pitchFamily="2" charset="-127"/>
+                <a:ea typeface="넥슨Lv2고딕 Light" panose="00000300000000000000" pitchFamily="2" charset="-127"/>
+              </a:rPr>
+              <a:t>다시 그리게 되는 문제를 해결하기위해</a:t>
+            </a:r>
+            <a:endParaRPr lang="en-US" altLang="ko-KR" sz="1600" dirty="0">
+              <a:solidFill>
+                <a:schemeClr val="bg1"/>
+              </a:solidFill>
+              <a:latin typeface="넥슨Lv2고딕 Light" panose="00000300000000000000" pitchFamily="2" charset="-127"/>
+              <a:ea typeface="넥슨Lv2고딕 Light" panose="00000300000000000000" pitchFamily="2" charset="-127"/>
+            </a:endParaRPr>
+          </a:p>
+          <a:p>
+            <a:pPr>
+              <a:lnSpc>
+                <a:spcPct val="150000"/>
+              </a:lnSpc>
+            </a:pPr>
+            <a:r>
+              <a:rPr lang="en-US" altLang="ko-KR" sz="1600" dirty="0">
+                <a:solidFill>
+                  <a:schemeClr val="bg1"/>
+                </a:solidFill>
+                <a:latin typeface="넥슨Lv2고딕 Light" panose="00000300000000000000" pitchFamily="2" charset="-127"/>
+                <a:ea typeface="넥슨Lv2고딕 Light" panose="00000300000000000000" pitchFamily="2" charset="-127"/>
+              </a:rPr>
+              <a:t>Tween </a:t>
+            </a:r>
+            <a:r>
+              <a:rPr lang="ko-KR" altLang="en-US" sz="1600" dirty="0">
+                <a:solidFill>
+                  <a:schemeClr val="bg1"/>
+                </a:solidFill>
+                <a:latin typeface="넥슨Lv2고딕 Light" panose="00000300000000000000" pitchFamily="2" charset="-127"/>
+                <a:ea typeface="넥슨Lv2고딕 Light" panose="00000300000000000000" pitchFamily="2" charset="-127"/>
+              </a:rPr>
+              <a:t>을 사용하여</a:t>
+            </a:r>
+            <a:r>
+              <a:rPr lang="en-US" altLang="ko-KR" sz="1600" dirty="0">
+                <a:solidFill>
+                  <a:schemeClr val="bg1"/>
+                </a:solidFill>
+                <a:latin typeface="넥슨Lv2고딕 Light" panose="00000300000000000000" pitchFamily="2" charset="-127"/>
+                <a:ea typeface="넥슨Lv2고딕 Light" panose="00000300000000000000" pitchFamily="2" charset="-127"/>
+              </a:rPr>
+              <a:t> </a:t>
+            </a:r>
+            <a:r>
+              <a:rPr lang="ko-KR" altLang="en-US" sz="1600" dirty="0">
+                <a:solidFill>
+                  <a:schemeClr val="bg1"/>
+                </a:solidFill>
+                <a:latin typeface="넥슨Lv2고딕 Light" panose="00000300000000000000" pitchFamily="2" charset="-127"/>
+                <a:ea typeface="넥슨Lv2고딕 Light" panose="00000300000000000000" pitchFamily="2" charset="-127"/>
+              </a:rPr>
+              <a:t>간단한 애니메이션을 적용하였습니다</a:t>
+            </a:r>
+            <a:endParaRPr lang="en-US" altLang="ko-KR" sz="1600" dirty="0">
+              <a:solidFill>
+                <a:schemeClr val="bg1"/>
+              </a:solidFill>
+              <a:latin typeface="넥슨Lv2고딕 Light" panose="00000300000000000000" pitchFamily="2" charset="-127"/>
+              <a:ea typeface="넥슨Lv2고딕 Light" panose="00000300000000000000" pitchFamily="2" charset="-127"/>
+            </a:endParaRPr>
+          </a:p>
+        </p:txBody>
+      </p:sp>
+    </p:spTree>
+    <p:extLst>
+      <p:ext uri="{BB962C8B-B14F-4D97-AF65-F5344CB8AC3E}">
+        <p14:creationId xmlns:p14="http://schemas.microsoft.com/office/powerpoint/2010/main" val="3532308141"/>
+      </p:ext>
+    </p:extLst>
+  </p:cSld>
+  <p:clrMapOvr>
+    <a:masterClrMapping/>
+  </p:clrMapOvr>
+</p:sld>
+</file>
+
+<file path=ppt/slides/slide25.xml><?xml version="1.0" encoding="utf-8"?>
+<p:sld xmlns:a="http://schemas.openxmlformats.org/drawingml/2006/main" xmlns:r="http://schemas.openxmlformats.org/officeDocument/2006/relationships" xmlns:p="http://schemas.openxmlformats.org/presentationml/2006/main">
+  <p:cSld>
+    <p:bg>
+      <p:bgPr>
+        <a:solidFill>
+          <a:srgbClr val="4286F5"/>
+        </a:solidFill>
+        <a:effectLst/>
+      </p:bgPr>
+    </p:bg>
+    <p:spTree>
+      <p:nvGrpSpPr>
+        <p:cNvPr id="1" name=""/>
+        <p:cNvGrpSpPr/>
+        <p:nvPr/>
+      </p:nvGrpSpPr>
+      <p:grpSpPr>
+        <a:xfrm>
+          <a:off x="0" y="0"/>
+          <a:ext cx="0" cy="0"/>
+          <a:chOff x="0" y="0"/>
+          <a:chExt cx="0" cy="0"/>
+        </a:xfrm>
+      </p:grpSpPr>
+      <p:sp>
+        <p:nvSpPr>
+          <p:cNvPr id="15" name="TextBox 14">
+            <a:extLst>
+              <a:ext uri="{FF2B5EF4-FFF2-40B4-BE49-F238E27FC236}">
+                <a16:creationId xmlns:a16="http://schemas.microsoft.com/office/drawing/2014/main" id="{BA04418A-3697-DF14-5B90-D9AC7CE43E2B}"/>
+              </a:ext>
+            </a:extLst>
+          </p:cNvPr>
+          <p:cNvSpPr txBox="1"/>
+          <p:nvPr/>
+        </p:nvSpPr>
+        <p:spPr>
+          <a:xfrm>
+            <a:off x="1688777" y="1469196"/>
+            <a:ext cx="6650890" cy="1200329"/>
+          </a:xfrm>
+          <a:prstGeom prst="rect">
+            <a:avLst/>
+          </a:prstGeom>
+          <a:noFill/>
+        </p:spPr>
+        <p:txBody>
+          <a:bodyPr wrap="square" rtlCol="0">
+            <a:spAutoFit/>
+          </a:bodyPr>
+          <a:lstStyle/>
+          <a:p>
+            <a:r>
+              <a:rPr lang="ko-KR" altLang="en-US" sz="7200" dirty="0">
+                <a:solidFill>
+                  <a:schemeClr val="bg1"/>
+                </a:solidFill>
+                <a:latin typeface="넥슨Lv2고딕 Bold" panose="00000800000000000000" pitchFamily="2" charset="-127"/>
+                <a:ea typeface="넥슨Lv2고딕 Bold" panose="00000800000000000000" pitchFamily="2" charset="-127"/>
+              </a:rPr>
+              <a:t>마치며</a:t>
+            </a:r>
+            <a:endParaRPr lang="en-US" altLang="ko-KR" sz="7200" dirty="0">
+              <a:solidFill>
+                <a:schemeClr val="bg1"/>
+              </a:solidFill>
+              <a:latin typeface="넥슨Lv2고딕 Bold" panose="00000800000000000000" pitchFamily="2" charset="-127"/>
+              <a:ea typeface="넥슨Lv2고딕 Bold" panose="00000800000000000000" pitchFamily="2" charset="-127"/>
+            </a:endParaRPr>
+          </a:p>
+        </p:txBody>
+      </p:sp>
+      <p:pic>
+        <p:nvPicPr>
+          <p:cNvPr id="9" name="그림 8">
+            <a:extLst>
+              <a:ext uri="{FF2B5EF4-FFF2-40B4-BE49-F238E27FC236}">
+                <a16:creationId xmlns:a16="http://schemas.microsoft.com/office/drawing/2014/main" id="{B6FC7C27-A4D6-0A9C-F61B-6AA1144DE5B1}"/>
+              </a:ext>
+            </a:extLst>
+          </p:cNvPr>
+          <p:cNvPicPr>
+            <a:picLocks noChangeAspect="1"/>
+          </p:cNvPicPr>
+          <p:nvPr/>
+        </p:nvPicPr>
+        <p:blipFill>
+          <a:blip r:embed="rId2">
+            <a:extLst>
+              <a:ext uri="{28A0092B-C50C-407E-A947-70E740481C1C}">
+                <a14:useLocalDpi xmlns:a14="http://schemas.microsoft.com/office/drawing/2010/main" val="0"/>
+              </a:ext>
+            </a:extLst>
+          </a:blip>
+          <a:stretch>
+            <a:fillRect/>
+          </a:stretch>
+        </p:blipFill>
+        <p:spPr>
+          <a:xfrm flipH="1">
+            <a:off x="6682163" y="1628775"/>
+            <a:ext cx="3735012" cy="4514850"/>
+          </a:xfrm>
+          <a:prstGeom prst="rect">
+            <a:avLst/>
+          </a:prstGeom>
+        </p:spPr>
+      </p:pic>
+    </p:spTree>
+    <p:extLst>
+      <p:ext uri="{BB962C8B-B14F-4D97-AF65-F5344CB8AC3E}">
+        <p14:creationId xmlns:p14="http://schemas.microsoft.com/office/powerpoint/2010/main" val="1804371286"/>
+      </p:ext>
+    </p:extLst>
+  </p:cSld>
+  <p:clrMapOvr>
+    <a:masterClrMapping/>
+  </p:clrMapOvr>
+</p:sld>
+</file>
+
+<file path=ppt/slides/slide26.xml><?xml version="1.0" encoding="utf-8"?>
+<p:sld xmlns:a="http://schemas.openxmlformats.org/drawingml/2006/main" xmlns:r="http://schemas.openxmlformats.org/officeDocument/2006/relationships" xmlns:p="http://schemas.openxmlformats.org/presentationml/2006/main">
+  <p:cSld>
+    <p:bg>
+      <p:bgPr>
+        <a:solidFill>
+          <a:srgbClr val="4286F5"/>
+        </a:solidFill>
+        <a:effectLst/>
+      </p:bgPr>
+    </p:bg>
+    <p:spTree>
+      <p:nvGrpSpPr>
+        <p:cNvPr id="1" name=""/>
+        <p:cNvGrpSpPr/>
+        <p:nvPr/>
+      </p:nvGrpSpPr>
+      <p:grpSpPr>
+        <a:xfrm>
+          <a:off x="0" y="0"/>
+          <a:ext cx="0" cy="0"/>
+          <a:chOff x="0" y="0"/>
+          <a:chExt cx="0" cy="0"/>
+        </a:xfrm>
+      </p:grpSpPr>
+      <p:sp>
+        <p:nvSpPr>
           <p:cNvPr id="11" name="사각형: 둥근 모서리 10">
             <a:extLst>
               <a:ext uri="{FF2B5EF4-FFF2-40B4-BE49-F238E27FC236}">
@@ -9495,7 +10280,7 @@
                 <a:latin typeface="넥슨Lv2고딕 Light" panose="00000300000000000000" pitchFamily="2" charset="-127"/>
                 <a:ea typeface="넥슨Lv2고딕 Light" panose="00000300000000000000" pitchFamily="2" charset="-127"/>
               </a:rPr>
-              <a:t>을 만들어 둔 구조에서 변형된 것이</a:t>
+              <a:t>로 만들어 둔 구조에서</a:t>
             </a:r>
             <a:endParaRPr lang="en-US" altLang="ko-KR" sz="1600" dirty="0">
               <a:solidFill>
@@ -9519,7 +10304,27 @@
                 <a:latin typeface="넥슨Lv2고딕 Light" panose="00000300000000000000" pitchFamily="2" charset="-127"/>
                 <a:ea typeface="넥슨Lv2고딕 Light" panose="00000300000000000000" pitchFamily="2" charset="-127"/>
               </a:rPr>
-              <a:t>보여서 앞으로 구조에 대해</a:t>
+              <a:t>변형된 것이</a:t>
+            </a:r>
+            <a:r>
+              <a:rPr lang="en-US" altLang="ko-KR" sz="1600" dirty="0">
+                <a:solidFill>
+                  <a:schemeClr val="bg1"/>
+                </a:solidFill>
+                <a:latin typeface="넥슨Lv2고딕 Light" panose="00000300000000000000" pitchFamily="2" charset="-127"/>
+                <a:ea typeface="넥슨Lv2고딕 Light" panose="00000300000000000000" pitchFamily="2" charset="-127"/>
+              </a:rPr>
+              <a:t> </a:t>
+            </a:r>
+            <a:r>
+              <a:rPr lang="ko-KR" altLang="en-US" sz="1600" dirty="0">
+                <a:solidFill>
+                  <a:schemeClr val="bg1"/>
+                </a:solidFill>
+                <a:latin typeface="넥슨Lv2고딕 Light" panose="00000300000000000000" pitchFamily="2" charset="-127"/>
+                <a:ea typeface="넥슨Lv2고딕 Light" panose="00000300000000000000" pitchFamily="2" charset="-127"/>
+              </a:rPr>
+              <a:t>있어서 앞으로 구조에 대해</a:t>
             </a:r>
             <a:endParaRPr lang="en-US" altLang="ko-KR" sz="1600" dirty="0">
               <a:solidFill>
@@ -9563,7 +10368,7 @@
                 <a:latin typeface="넥슨Lv2고딕 Light" panose="00000300000000000000" pitchFamily="2" charset="-127"/>
                 <a:ea typeface="넥슨Lv2고딕 Light" panose="00000300000000000000" pitchFamily="2" charset="-127"/>
               </a:rPr>
-              <a:t>좋을 것 같다</a:t>
+              <a:t>좋을 것 같습니다</a:t>
             </a:r>
             <a:endParaRPr lang="en-US" altLang="ko-KR" sz="1600" dirty="0">
               <a:solidFill>
@@ -9588,7 +10393,7 @@
 </p:sld>
 </file>
 
-<file path=ppt/slides/slide25.xml><?xml version="1.0" encoding="utf-8"?>
+<file path=ppt/slides/slide27.xml><?xml version="1.0" encoding="utf-8"?>
 <p:sld xmlns:a="http://schemas.openxmlformats.org/drawingml/2006/main" xmlns:r="http://schemas.openxmlformats.org/officeDocument/2006/relationships" xmlns:p="http://schemas.openxmlformats.org/presentationml/2006/main">
   <p:cSld>
     <p:bg>
@@ -10449,7 +11254,7 @@
         <p:spPr>
           <a:xfrm>
             <a:off x="3933031" y="2548890"/>
-            <a:ext cx="2162175" cy="1303562"/>
+            <a:ext cx="2162175" cy="1719060"/>
           </a:xfrm>
           <a:prstGeom prst="rect">
             <a:avLst/>
@@ -10524,6 +11329,30 @@
                 <a:ea typeface="넥슨Lv2고딕 Light" panose="00000300000000000000" pitchFamily="2" charset="-127"/>
               </a:rPr>
               <a:t>자동화</a:t>
+            </a:r>
+            <a:endParaRPr lang="en-US" altLang="ko-KR" dirty="0">
+              <a:solidFill>
+                <a:schemeClr val="bg1"/>
+              </a:solidFill>
+              <a:latin typeface="넥슨Lv2고딕 Light" panose="00000300000000000000" pitchFamily="2" charset="-127"/>
+              <a:ea typeface="넥슨Lv2고딕 Light" panose="00000300000000000000" pitchFamily="2" charset="-127"/>
+            </a:endParaRPr>
+          </a:p>
+          <a:p>
+            <a:pPr algn="ctr">
+              <a:lnSpc>
+                <a:spcPct val="150000"/>
+              </a:lnSpc>
+            </a:pPr>
+            <a:r>
+              <a:rPr lang="ko-KR" altLang="en-US" dirty="0" err="1">
+                <a:solidFill>
+                  <a:schemeClr val="bg1"/>
+                </a:solidFill>
+                <a:latin typeface="넥슨Lv2고딕 Light" panose="00000300000000000000" pitchFamily="2" charset="-127"/>
+                <a:ea typeface="넥슨Lv2고딕 Light" panose="00000300000000000000" pitchFamily="2" charset="-127"/>
+              </a:rPr>
+              <a:t>로컬라이징</a:t>
             </a:r>
             <a:endParaRPr lang="en-US" altLang="ko-KR" dirty="0">
               <a:solidFill>

--- a/Documents/TabHero.pptx
+++ b/Documents/TabHero.pptx
@@ -776,7 +776,7 @@
           <a:p>
             <a:fld id="{02C1E7B6-AAC5-4D87-B0BB-B467B133FA42}" type="datetimeFigureOut">
               <a:rPr lang="ko-KR" altLang="en-US" smtClean="0"/>
-              <a:t>2022-06-29</a:t>
+              <a:t>2022-07-01</a:t>
             </a:fld>
             <a:endParaRPr lang="ko-KR" altLang="en-US"/>
           </a:p>
@@ -974,7 +974,7 @@
           <a:p>
             <a:fld id="{02C1E7B6-AAC5-4D87-B0BB-B467B133FA42}" type="datetimeFigureOut">
               <a:rPr lang="ko-KR" altLang="en-US" smtClean="0"/>
-              <a:t>2022-06-29</a:t>
+              <a:t>2022-07-01</a:t>
             </a:fld>
             <a:endParaRPr lang="ko-KR" altLang="en-US"/>
           </a:p>
@@ -1182,7 +1182,7 @@
           <a:p>
             <a:fld id="{02C1E7B6-AAC5-4D87-B0BB-B467B133FA42}" type="datetimeFigureOut">
               <a:rPr lang="ko-KR" altLang="en-US" smtClean="0"/>
-              <a:t>2022-06-29</a:t>
+              <a:t>2022-07-01</a:t>
             </a:fld>
             <a:endParaRPr lang="ko-KR" altLang="en-US"/>
           </a:p>
@@ -1380,7 +1380,7 @@
           <a:p>
             <a:fld id="{02C1E7B6-AAC5-4D87-B0BB-B467B133FA42}" type="datetimeFigureOut">
               <a:rPr lang="ko-KR" altLang="en-US" smtClean="0"/>
-              <a:t>2022-06-29</a:t>
+              <a:t>2022-07-01</a:t>
             </a:fld>
             <a:endParaRPr lang="ko-KR" altLang="en-US"/>
           </a:p>
@@ -1655,7 +1655,7 @@
           <a:p>
             <a:fld id="{02C1E7B6-AAC5-4D87-B0BB-B467B133FA42}" type="datetimeFigureOut">
               <a:rPr lang="ko-KR" altLang="en-US" smtClean="0"/>
-              <a:t>2022-06-29</a:t>
+              <a:t>2022-07-01</a:t>
             </a:fld>
             <a:endParaRPr lang="ko-KR" altLang="en-US"/>
           </a:p>
@@ -1920,7 +1920,7 @@
           <a:p>
             <a:fld id="{02C1E7B6-AAC5-4D87-B0BB-B467B133FA42}" type="datetimeFigureOut">
               <a:rPr lang="ko-KR" altLang="en-US" smtClean="0"/>
-              <a:t>2022-06-29</a:t>
+              <a:t>2022-07-01</a:t>
             </a:fld>
             <a:endParaRPr lang="ko-KR" altLang="en-US"/>
           </a:p>
@@ -2332,7 +2332,7 @@
           <a:p>
             <a:fld id="{02C1E7B6-AAC5-4D87-B0BB-B467B133FA42}" type="datetimeFigureOut">
               <a:rPr lang="ko-KR" altLang="en-US" smtClean="0"/>
-              <a:t>2022-06-29</a:t>
+              <a:t>2022-07-01</a:t>
             </a:fld>
             <a:endParaRPr lang="ko-KR" altLang="en-US"/>
           </a:p>
@@ -2473,7 +2473,7 @@
           <a:p>
             <a:fld id="{02C1E7B6-AAC5-4D87-B0BB-B467B133FA42}" type="datetimeFigureOut">
               <a:rPr lang="ko-KR" altLang="en-US" smtClean="0"/>
-              <a:t>2022-06-29</a:t>
+              <a:t>2022-07-01</a:t>
             </a:fld>
             <a:endParaRPr lang="ko-KR" altLang="en-US"/>
           </a:p>
@@ -2586,7 +2586,7 @@
           <a:p>
             <a:fld id="{02C1E7B6-AAC5-4D87-B0BB-B467B133FA42}" type="datetimeFigureOut">
               <a:rPr lang="ko-KR" altLang="en-US" smtClean="0"/>
-              <a:t>2022-06-29</a:t>
+              <a:t>2022-07-01</a:t>
             </a:fld>
             <a:endParaRPr lang="ko-KR" altLang="en-US"/>
           </a:p>
@@ -2897,7 +2897,7 @@
           <a:p>
             <a:fld id="{02C1E7B6-AAC5-4D87-B0BB-B467B133FA42}" type="datetimeFigureOut">
               <a:rPr lang="ko-KR" altLang="en-US" smtClean="0"/>
-              <a:t>2022-06-29</a:t>
+              <a:t>2022-07-01</a:t>
             </a:fld>
             <a:endParaRPr lang="ko-KR" altLang="en-US"/>
           </a:p>
@@ -3185,7 +3185,7 @@
           <a:p>
             <a:fld id="{02C1E7B6-AAC5-4D87-B0BB-B467B133FA42}" type="datetimeFigureOut">
               <a:rPr lang="ko-KR" altLang="en-US" smtClean="0"/>
-              <a:t>2022-06-29</a:t>
+              <a:t>2022-07-01</a:t>
             </a:fld>
             <a:endParaRPr lang="ko-KR" altLang="en-US"/>
           </a:p>
@@ -3426,7 +3426,7 @@
           <a:p>
             <a:fld id="{02C1E7B6-AAC5-4D87-B0BB-B467B133FA42}" type="datetimeFigureOut">
               <a:rPr lang="ko-KR" altLang="en-US" smtClean="0"/>
-              <a:t>2022-06-29</a:t>
+              <a:t>2022-07-01</a:t>
             </a:fld>
             <a:endParaRPr lang="ko-KR" altLang="en-US"/>
           </a:p>
@@ -4502,7 +4502,7 @@
                 <a:latin typeface="넥슨Lv2고딕 Light" panose="00000300000000000000" pitchFamily="2" charset="-127"/>
                 <a:ea typeface="넥슨Lv2고딕 Light" panose="00000300000000000000" pitchFamily="2" charset="-127"/>
               </a:rPr>
-              <a:t>로 변환하여 사용하였다</a:t>
+              <a:t>로 변환하여 사용하였고</a:t>
             </a:r>
             <a:endParaRPr lang="en-US" altLang="ko-KR" sz="1600" dirty="0">
               <a:solidFill>
@@ -11945,27 +11945,7 @@
                 <a:latin typeface="넥슨Lv2고딕 Light" panose="00000300000000000000" pitchFamily="2" charset="-127"/>
                 <a:ea typeface="넥슨Lv2고딕 Light" panose="00000300000000000000" pitchFamily="2" charset="-127"/>
               </a:rPr>
-              <a:t>적의 </a:t>
-            </a:r>
-            <a:r>
-              <a:rPr lang="ko-KR" altLang="en-US" sz="1600" dirty="0" err="1">
-                <a:solidFill>
-                  <a:schemeClr val="bg1"/>
-                </a:solidFill>
-                <a:latin typeface="넥슨Lv2고딕 Light" panose="00000300000000000000" pitchFamily="2" charset="-127"/>
-                <a:ea typeface="넥슨Lv2고딕 Light" panose="00000300000000000000" pitchFamily="2" charset="-127"/>
-              </a:rPr>
-              <a:t>스탯을</a:t>
-            </a:r>
-            <a:r>
-              <a:rPr lang="ko-KR" altLang="en-US" sz="1600" dirty="0">
-                <a:solidFill>
-                  <a:schemeClr val="bg1"/>
-                </a:solidFill>
-                <a:latin typeface="넥슨Lv2고딕 Light" panose="00000300000000000000" pitchFamily="2" charset="-127"/>
-                <a:ea typeface="넥슨Lv2고딕 Light" panose="00000300000000000000" pitchFamily="2" charset="-127"/>
-              </a:rPr>
-              <a:t> 보고 골라서 전투를</a:t>
+              <a:t>적의 능력치를 보고 선택하여 전투를</a:t>
             </a:r>
             <a:endParaRPr lang="en-US" altLang="ko-KR" sz="1600" dirty="0">
               <a:solidFill>

--- a/Documents/TabHero.pptx
+++ b/Documents/TabHero.pptx
@@ -7,31 +7,33 @@
   <p:sldIdLst>
     <p:sldId id="256" r:id="rId2"/>
     <p:sldId id="258" r:id="rId3"/>
-    <p:sldId id="257" r:id="rId4"/>
-    <p:sldId id="259" r:id="rId5"/>
-    <p:sldId id="260" r:id="rId6"/>
-    <p:sldId id="261" r:id="rId7"/>
-    <p:sldId id="262" r:id="rId8"/>
-    <p:sldId id="263" r:id="rId9"/>
-    <p:sldId id="264" r:id="rId10"/>
-    <p:sldId id="265" r:id="rId11"/>
-    <p:sldId id="266" r:id="rId12"/>
-    <p:sldId id="267" r:id="rId13"/>
-    <p:sldId id="268" r:id="rId14"/>
-    <p:sldId id="269" r:id="rId15"/>
-    <p:sldId id="282" r:id="rId16"/>
-    <p:sldId id="270" r:id="rId17"/>
-    <p:sldId id="271" r:id="rId18"/>
-    <p:sldId id="272" r:id="rId19"/>
-    <p:sldId id="273" r:id="rId20"/>
-    <p:sldId id="281" r:id="rId21"/>
-    <p:sldId id="274" r:id="rId22"/>
-    <p:sldId id="278" r:id="rId23"/>
-    <p:sldId id="276" r:id="rId24"/>
-    <p:sldId id="277" r:id="rId25"/>
-    <p:sldId id="275" r:id="rId26"/>
-    <p:sldId id="279" r:id="rId27"/>
-    <p:sldId id="280" r:id="rId28"/>
+    <p:sldId id="283" r:id="rId4"/>
+    <p:sldId id="257" r:id="rId5"/>
+    <p:sldId id="259" r:id="rId6"/>
+    <p:sldId id="260" r:id="rId7"/>
+    <p:sldId id="284" r:id="rId8"/>
+    <p:sldId id="261" r:id="rId9"/>
+    <p:sldId id="262" r:id="rId10"/>
+    <p:sldId id="263" r:id="rId11"/>
+    <p:sldId id="264" r:id="rId12"/>
+    <p:sldId id="265" r:id="rId13"/>
+    <p:sldId id="266" r:id="rId14"/>
+    <p:sldId id="267" r:id="rId15"/>
+    <p:sldId id="268" r:id="rId16"/>
+    <p:sldId id="269" r:id="rId17"/>
+    <p:sldId id="282" r:id="rId18"/>
+    <p:sldId id="270" r:id="rId19"/>
+    <p:sldId id="271" r:id="rId20"/>
+    <p:sldId id="272" r:id="rId21"/>
+    <p:sldId id="273" r:id="rId22"/>
+    <p:sldId id="281" r:id="rId23"/>
+    <p:sldId id="274" r:id="rId24"/>
+    <p:sldId id="278" r:id="rId25"/>
+    <p:sldId id="276" r:id="rId26"/>
+    <p:sldId id="277" r:id="rId27"/>
+    <p:sldId id="275" r:id="rId28"/>
+    <p:sldId id="279" r:id="rId29"/>
+    <p:sldId id="280" r:id="rId30"/>
   </p:sldIdLst>
   <p:sldSz cx="12192000" cy="6858000"/>
   <p:notesSz cx="6858000" cy="9144000"/>
@@ -4054,6 +4056,1130 @@
                 <a:latin typeface="넥슨Lv2고딕 Bold" panose="00000800000000000000" pitchFamily="2" charset="-127"/>
                 <a:ea typeface="넥슨Lv2고딕 Bold" panose="00000800000000000000" pitchFamily="2" charset="-127"/>
               </a:rPr>
+              <a:t>상점</a:t>
+            </a:r>
+            <a:endParaRPr lang="en-US" altLang="ko-KR" sz="3200" dirty="0">
+              <a:solidFill>
+                <a:schemeClr val="bg1"/>
+              </a:solidFill>
+              <a:latin typeface="넥슨Lv2고딕 Bold" panose="00000800000000000000" pitchFamily="2" charset="-127"/>
+              <a:ea typeface="넥슨Lv2고딕 Bold" panose="00000800000000000000" pitchFamily="2" charset="-127"/>
+            </a:endParaRPr>
+          </a:p>
+        </p:txBody>
+      </p:sp>
+      <p:sp>
+        <p:nvSpPr>
+          <p:cNvPr id="16" name="직사각형 15">
+            <a:extLst>
+              <a:ext uri="{FF2B5EF4-FFF2-40B4-BE49-F238E27FC236}">
+                <a16:creationId xmlns:a16="http://schemas.microsoft.com/office/drawing/2014/main" id="{06D4D73C-002A-B871-4E9F-3C2F2EFA95F6}"/>
+              </a:ext>
+            </a:extLst>
+          </p:cNvPr>
+          <p:cNvSpPr/>
+          <p:nvPr/>
+        </p:nvSpPr>
+        <p:spPr>
+          <a:xfrm>
+            <a:off x="1660524" y="1262063"/>
+            <a:ext cx="45719" cy="366711"/>
+          </a:xfrm>
+          <a:prstGeom prst="rect">
+            <a:avLst/>
+          </a:prstGeom>
+          <a:solidFill>
+            <a:schemeClr val="bg1"/>
+          </a:solidFill>
+          <a:ln>
+            <a:noFill/>
+          </a:ln>
+        </p:spPr>
+        <p:style>
+          <a:lnRef idx="2">
+            <a:schemeClr val="accent1">
+              <a:shade val="50000"/>
+            </a:schemeClr>
+          </a:lnRef>
+          <a:fillRef idx="1">
+            <a:schemeClr val="accent1"/>
+          </a:fillRef>
+          <a:effectRef idx="0">
+            <a:schemeClr val="accent1"/>
+          </a:effectRef>
+          <a:fontRef idx="minor">
+            <a:schemeClr val="lt1"/>
+          </a:fontRef>
+        </p:style>
+        <p:txBody>
+          <a:bodyPr rtlCol="0" anchor="ctr"/>
+          <a:lstStyle/>
+          <a:p>
+            <a:pPr algn="ctr"/>
+            <a:endParaRPr lang="ko-KR" altLang="en-US"/>
+          </a:p>
+        </p:txBody>
+      </p:sp>
+      <p:sp>
+        <p:nvSpPr>
+          <p:cNvPr id="6" name="사각형: 둥근 모서리 5">
+            <a:extLst>
+              <a:ext uri="{FF2B5EF4-FFF2-40B4-BE49-F238E27FC236}">
+                <a16:creationId xmlns:a16="http://schemas.microsoft.com/office/drawing/2014/main" id="{7B010C73-03E3-3017-7D44-D2B03005B5D3}"/>
+              </a:ext>
+            </a:extLst>
+          </p:cNvPr>
+          <p:cNvSpPr/>
+          <p:nvPr/>
+        </p:nvSpPr>
+        <p:spPr>
+          <a:xfrm>
+            <a:off x="7835901" y="580606"/>
+            <a:ext cx="2581274" cy="5191125"/>
+          </a:xfrm>
+          <a:prstGeom prst="roundRect">
+            <a:avLst>
+              <a:gd name="adj" fmla="val 5142"/>
+            </a:avLst>
+          </a:prstGeom>
+          <a:blipFill dpi="0" rotWithShape="1">
+            <a:blip r:embed="rId2"/>
+            <a:srcRect/>
+            <a:stretch>
+              <a:fillRect l="-277" r="-277"/>
+            </a:stretch>
+          </a:blipFill>
+          <a:ln>
+            <a:noFill/>
+          </a:ln>
+        </p:spPr>
+        <p:style>
+          <a:lnRef idx="2">
+            <a:schemeClr val="accent1">
+              <a:shade val="50000"/>
+            </a:schemeClr>
+          </a:lnRef>
+          <a:fillRef idx="1">
+            <a:schemeClr val="accent1"/>
+          </a:fillRef>
+          <a:effectRef idx="0">
+            <a:schemeClr val="accent1"/>
+          </a:effectRef>
+          <a:fontRef idx="minor">
+            <a:schemeClr val="lt1"/>
+          </a:fontRef>
+        </p:style>
+        <p:txBody>
+          <a:bodyPr rtlCol="0" anchor="ctr"/>
+          <a:lstStyle/>
+          <a:p>
+            <a:pPr algn="ctr"/>
+            <a:endParaRPr lang="ko-KR" altLang="en-US"/>
+          </a:p>
+        </p:txBody>
+      </p:sp>
+      <p:sp>
+        <p:nvSpPr>
+          <p:cNvPr id="20" name="사각형: 둥근 모서리 19">
+            <a:extLst>
+              <a:ext uri="{FF2B5EF4-FFF2-40B4-BE49-F238E27FC236}">
+                <a16:creationId xmlns:a16="http://schemas.microsoft.com/office/drawing/2014/main" id="{3BAA03E1-06EA-66EC-8AC8-20C3BC7198EF}"/>
+              </a:ext>
+            </a:extLst>
+          </p:cNvPr>
+          <p:cNvSpPr/>
+          <p:nvPr/>
+        </p:nvSpPr>
+        <p:spPr>
+          <a:xfrm>
+            <a:off x="4800600" y="3429000"/>
+            <a:ext cx="1295400" cy="1592580"/>
+          </a:xfrm>
+          <a:prstGeom prst="roundRect">
+            <a:avLst>
+              <a:gd name="adj" fmla="val 13999"/>
+            </a:avLst>
+          </a:prstGeom>
+          <a:blipFill dpi="0" rotWithShape="1">
+            <a:blip r:embed="rId2"/>
+            <a:srcRect/>
+            <a:stretch>
+              <a:fillRect l="-135968" t="-204589" r="-31727" b="-130887"/>
+            </a:stretch>
+          </a:blipFill>
+          <a:ln>
+            <a:noFill/>
+          </a:ln>
+          <a:effectLst>
+            <a:outerShdw blurRad="50800" dist="38100" dir="5400000" algn="t" rotWithShape="0">
+              <a:prstClr val="black">
+                <a:alpha val="40000"/>
+              </a:prstClr>
+            </a:outerShdw>
+          </a:effectLst>
+        </p:spPr>
+        <p:style>
+          <a:lnRef idx="2">
+            <a:schemeClr val="accent1">
+              <a:shade val="50000"/>
+            </a:schemeClr>
+          </a:lnRef>
+          <a:fillRef idx="1">
+            <a:schemeClr val="accent1"/>
+          </a:fillRef>
+          <a:effectRef idx="0">
+            <a:schemeClr val="accent1"/>
+          </a:effectRef>
+          <a:fontRef idx="minor">
+            <a:schemeClr val="lt1"/>
+          </a:fontRef>
+        </p:style>
+        <p:txBody>
+          <a:bodyPr rtlCol="0" anchor="ctr"/>
+          <a:lstStyle/>
+          <a:p>
+            <a:pPr algn="ctr"/>
+            <a:endParaRPr lang="ko-KR" altLang="en-US"/>
+          </a:p>
+        </p:txBody>
+      </p:sp>
+      <p:grpSp>
+        <p:nvGrpSpPr>
+          <p:cNvPr id="21" name="그룹 20">
+            <a:extLst>
+              <a:ext uri="{FF2B5EF4-FFF2-40B4-BE49-F238E27FC236}">
+                <a16:creationId xmlns:a16="http://schemas.microsoft.com/office/drawing/2014/main" id="{F068CBFA-D385-373D-11DE-AF6FD0AE4425}"/>
+              </a:ext>
+            </a:extLst>
+          </p:cNvPr>
+          <p:cNvGrpSpPr/>
+          <p:nvPr/>
+        </p:nvGrpSpPr>
+        <p:grpSpPr>
+          <a:xfrm>
+            <a:off x="4922521" y="3503618"/>
+            <a:ext cx="1832196" cy="855022"/>
+            <a:chOff x="2200696" y="4375677"/>
+            <a:chExt cx="764757" cy="356885"/>
+          </a:xfrm>
+        </p:grpSpPr>
+        <p:sp>
+          <p:nvSpPr>
+            <p:cNvPr id="22" name="직사각형 21">
+              <a:extLst>
+                <a:ext uri="{FF2B5EF4-FFF2-40B4-BE49-F238E27FC236}">
+                  <a16:creationId xmlns:a16="http://schemas.microsoft.com/office/drawing/2014/main" id="{6B452411-D1DD-6AB2-6640-56A37F8D377A}"/>
+                </a:ext>
+              </a:extLst>
+            </p:cNvPr>
+            <p:cNvSpPr/>
+            <p:nvPr/>
+          </p:nvSpPr>
+          <p:spPr>
+            <a:xfrm>
+              <a:off x="2609050" y="4375677"/>
+              <a:ext cx="356400" cy="356885"/>
+            </a:xfrm>
+            <a:prstGeom prst="rect">
+              <a:avLst/>
+            </a:prstGeom>
+            <a:solidFill>
+              <a:srgbClr val="EA473B"/>
+            </a:solidFill>
+            <a:ln>
+              <a:noFill/>
+            </a:ln>
+          </p:spPr>
+          <p:style>
+            <a:lnRef idx="2">
+              <a:schemeClr val="accent1">
+                <a:shade val="50000"/>
+              </a:schemeClr>
+            </a:lnRef>
+            <a:fillRef idx="1">
+              <a:schemeClr val="accent1"/>
+            </a:fillRef>
+            <a:effectRef idx="0">
+              <a:schemeClr val="accent1"/>
+            </a:effectRef>
+            <a:fontRef idx="minor">
+              <a:schemeClr val="lt1"/>
+            </a:fontRef>
+          </p:style>
+          <p:txBody>
+            <a:bodyPr rtlCol="0" anchor="ctr"/>
+            <a:lstStyle/>
+            <a:p>
+              <a:pPr algn="ctr"/>
+              <a:r>
+                <a:rPr lang="en-US" altLang="ko-KR" sz="3200" dirty="0">
+                  <a:latin typeface="이사만루체 Bold" panose="00000800000000000000" pitchFamily="2" charset="-127"/>
+                  <a:ea typeface="이사만루체 Bold" panose="00000800000000000000" pitchFamily="2" charset="-127"/>
+                </a:rPr>
+                <a:t>1</a:t>
+              </a:r>
+              <a:endParaRPr lang="ko-KR" altLang="en-US" sz="3200" dirty="0">
+                <a:latin typeface="이사만루체 Bold" panose="00000800000000000000" pitchFamily="2" charset="-127"/>
+                <a:ea typeface="이사만루체 Bold" panose="00000800000000000000" pitchFamily="2" charset="-127"/>
+              </a:endParaRPr>
+            </a:p>
+          </p:txBody>
+        </p:sp>
+        <p:sp>
+          <p:nvSpPr>
+            <p:cNvPr id="26" name="직사각형 25">
+              <a:extLst>
+                <a:ext uri="{FF2B5EF4-FFF2-40B4-BE49-F238E27FC236}">
+                  <a16:creationId xmlns:a16="http://schemas.microsoft.com/office/drawing/2014/main" id="{1A2223AA-260B-91C5-F215-2C4DFF00276B}"/>
+                </a:ext>
+              </a:extLst>
+            </p:cNvPr>
+            <p:cNvSpPr/>
+            <p:nvPr/>
+          </p:nvSpPr>
+          <p:spPr>
+            <a:xfrm>
+              <a:off x="2200696" y="4375677"/>
+              <a:ext cx="764757" cy="356885"/>
+            </a:xfrm>
+            <a:prstGeom prst="rect">
+              <a:avLst/>
+            </a:prstGeom>
+            <a:noFill/>
+            <a:ln>
+              <a:solidFill>
+                <a:srgbClr val="EA473B"/>
+              </a:solidFill>
+            </a:ln>
+          </p:spPr>
+          <p:style>
+            <a:lnRef idx="2">
+              <a:schemeClr val="accent1">
+                <a:shade val="50000"/>
+              </a:schemeClr>
+            </a:lnRef>
+            <a:fillRef idx="1">
+              <a:schemeClr val="accent1"/>
+            </a:fillRef>
+            <a:effectRef idx="0">
+              <a:schemeClr val="accent1"/>
+            </a:effectRef>
+            <a:fontRef idx="minor">
+              <a:schemeClr val="lt1"/>
+            </a:fontRef>
+          </p:style>
+          <p:txBody>
+            <a:bodyPr rtlCol="0" anchor="ctr"/>
+            <a:lstStyle/>
+            <a:p>
+              <a:pPr algn="ctr"/>
+              <a:endParaRPr lang="ko-KR" altLang="en-US" dirty="0"/>
+            </a:p>
+          </p:txBody>
+        </p:sp>
+      </p:grpSp>
+      <p:sp>
+        <p:nvSpPr>
+          <p:cNvPr id="31" name="TextBox 30">
+            <a:extLst>
+              <a:ext uri="{FF2B5EF4-FFF2-40B4-BE49-F238E27FC236}">
+                <a16:creationId xmlns:a16="http://schemas.microsoft.com/office/drawing/2014/main" id="{161B6032-3040-5C51-4CA5-0020789C12C7}"/>
+              </a:ext>
+            </a:extLst>
+          </p:cNvPr>
+          <p:cNvSpPr txBox="1"/>
+          <p:nvPr/>
+        </p:nvSpPr>
+        <p:spPr>
+          <a:xfrm>
+            <a:off x="1680310" y="4636584"/>
+            <a:ext cx="4415690" cy="1542282"/>
+          </a:xfrm>
+          <a:prstGeom prst="rect">
+            <a:avLst/>
+          </a:prstGeom>
+          <a:noFill/>
+        </p:spPr>
+        <p:txBody>
+          <a:bodyPr wrap="square" rtlCol="0">
+            <a:spAutoFit/>
+          </a:bodyPr>
+          <a:lstStyle/>
+          <a:p>
+            <a:pPr>
+              <a:lnSpc>
+                <a:spcPct val="150000"/>
+              </a:lnSpc>
+            </a:pPr>
+            <a:r>
+              <a:rPr lang="en-US" altLang="ko-KR" dirty="0">
+                <a:solidFill>
+                  <a:schemeClr val="bg1"/>
+                </a:solidFill>
+                <a:latin typeface="넥슨Lv2고딕 Medium" panose="00000600000000000000" pitchFamily="2" charset="-127"/>
+                <a:ea typeface="넥슨Lv2고딕 Medium" panose="00000600000000000000" pitchFamily="2" charset="-127"/>
+              </a:rPr>
+              <a:t>2. </a:t>
+            </a:r>
+            <a:r>
+              <a:rPr lang="ko-KR" altLang="en-US" dirty="0">
+                <a:solidFill>
+                  <a:schemeClr val="bg1"/>
+                </a:solidFill>
+                <a:latin typeface="넥슨Lv2고딕 Medium" panose="00000600000000000000" pitchFamily="2" charset="-127"/>
+                <a:ea typeface="넥슨Lv2고딕 Medium" panose="00000600000000000000" pitchFamily="2" charset="-127"/>
+              </a:rPr>
+              <a:t>구매 버튼</a:t>
+            </a:r>
+            <a:endParaRPr lang="en-US" altLang="ko-KR" dirty="0">
+              <a:solidFill>
+                <a:schemeClr val="bg1"/>
+              </a:solidFill>
+              <a:latin typeface="넥슨Lv2고딕 Medium" panose="00000600000000000000" pitchFamily="2" charset="-127"/>
+              <a:ea typeface="넥슨Lv2고딕 Medium" panose="00000600000000000000" pitchFamily="2" charset="-127"/>
+            </a:endParaRPr>
+          </a:p>
+          <a:p>
+            <a:pPr>
+              <a:lnSpc>
+                <a:spcPct val="150000"/>
+              </a:lnSpc>
+            </a:pPr>
+            <a:r>
+              <a:rPr lang="ko-KR" altLang="en-US" sz="1600" dirty="0">
+                <a:solidFill>
+                  <a:schemeClr val="bg1"/>
+                </a:solidFill>
+                <a:latin typeface="넥슨Lv2고딕 Light" panose="00000300000000000000" pitchFamily="2" charset="-127"/>
+                <a:ea typeface="넥슨Lv2고딕 Light" panose="00000300000000000000" pitchFamily="2" charset="-127"/>
+              </a:rPr>
+              <a:t>터치 시 비용지불 하며 보상을 받는다</a:t>
+            </a:r>
+            <a:endParaRPr lang="en-US" altLang="ko-KR" sz="1600" dirty="0">
+              <a:solidFill>
+                <a:schemeClr val="bg1"/>
+              </a:solidFill>
+              <a:latin typeface="넥슨Lv2고딕 Light" panose="00000300000000000000" pitchFamily="2" charset="-127"/>
+              <a:ea typeface="넥슨Lv2고딕 Light" panose="00000300000000000000" pitchFamily="2" charset="-127"/>
+            </a:endParaRPr>
+          </a:p>
+          <a:p>
+            <a:pPr>
+              <a:lnSpc>
+                <a:spcPct val="150000"/>
+              </a:lnSpc>
+            </a:pPr>
+            <a:endParaRPr lang="en-US" altLang="ko-KR" sz="1600" dirty="0">
+              <a:solidFill>
+                <a:schemeClr val="bg1"/>
+              </a:solidFill>
+              <a:latin typeface="넥슨Lv2고딕 Light" panose="00000300000000000000" pitchFamily="2" charset="-127"/>
+              <a:ea typeface="넥슨Lv2고딕 Light" panose="00000300000000000000" pitchFamily="2" charset="-127"/>
+            </a:endParaRPr>
+          </a:p>
+          <a:p>
+            <a:pPr algn="r">
+              <a:lnSpc>
+                <a:spcPct val="150000"/>
+              </a:lnSpc>
+            </a:pPr>
+            <a:r>
+              <a:rPr lang="ko-KR" altLang="en-US" sz="1200" dirty="0">
+                <a:solidFill>
+                  <a:srgbClr val="E8E8E8"/>
+                </a:solidFill>
+                <a:latin typeface="넥슨Lv2고딕 Light" panose="00000300000000000000" pitchFamily="2" charset="-127"/>
+                <a:ea typeface="넥슨Lv2고딕 Light" panose="00000300000000000000" pitchFamily="2" charset="-127"/>
+              </a:rPr>
+              <a:t>비용지불</a:t>
+            </a:r>
+            <a:r>
+              <a:rPr lang="en-US" altLang="ko-KR" sz="1200" dirty="0">
+                <a:solidFill>
+                  <a:srgbClr val="E8E8E8"/>
+                </a:solidFill>
+                <a:latin typeface="넥슨Lv2고딕 Light" panose="00000300000000000000" pitchFamily="2" charset="-127"/>
+                <a:ea typeface="넥슨Lv2고딕 Light" panose="00000300000000000000" pitchFamily="2" charset="-127"/>
+              </a:rPr>
+              <a:t> (ex: </a:t>
+            </a:r>
+            <a:r>
+              <a:rPr lang="ko-KR" altLang="en-US" sz="1200" dirty="0">
+                <a:solidFill>
+                  <a:srgbClr val="E8E8E8"/>
+                </a:solidFill>
+                <a:latin typeface="넥슨Lv2고딕 Light" panose="00000300000000000000" pitchFamily="2" charset="-127"/>
+                <a:ea typeface="넥슨Lv2고딕 Light" panose="00000300000000000000" pitchFamily="2" charset="-127"/>
+              </a:rPr>
+              <a:t>광고</a:t>
+            </a:r>
+            <a:r>
+              <a:rPr lang="en-US" altLang="ko-KR" sz="1200" dirty="0">
+                <a:solidFill>
+                  <a:srgbClr val="E8E8E8"/>
+                </a:solidFill>
+                <a:latin typeface="넥슨Lv2고딕 Light" panose="00000300000000000000" pitchFamily="2" charset="-127"/>
+                <a:ea typeface="넥슨Lv2고딕 Light" panose="00000300000000000000" pitchFamily="2" charset="-127"/>
+              </a:rPr>
+              <a:t>, </a:t>
+            </a:r>
+            <a:r>
+              <a:rPr lang="ko-KR" altLang="en-US" sz="1200" dirty="0">
+                <a:solidFill>
+                  <a:srgbClr val="E8E8E8"/>
+                </a:solidFill>
+                <a:latin typeface="넥슨Lv2고딕 Light" panose="00000300000000000000" pitchFamily="2" charset="-127"/>
+                <a:ea typeface="넥슨Lv2고딕 Light" panose="00000300000000000000" pitchFamily="2" charset="-127"/>
+              </a:rPr>
+              <a:t>결제</a:t>
+            </a:r>
+            <a:r>
+              <a:rPr lang="en-US" altLang="ko-KR" sz="1200" dirty="0">
+                <a:solidFill>
+                  <a:srgbClr val="E8E8E8"/>
+                </a:solidFill>
+                <a:latin typeface="넥슨Lv2고딕 Light" panose="00000300000000000000" pitchFamily="2" charset="-127"/>
+                <a:ea typeface="넥슨Lv2고딕 Light" panose="00000300000000000000" pitchFamily="2" charset="-127"/>
+              </a:rPr>
+              <a:t>)</a:t>
+            </a:r>
+          </a:p>
+        </p:txBody>
+      </p:sp>
+      <p:sp>
+        <p:nvSpPr>
+          <p:cNvPr id="19" name="TextBox 18">
+            <a:extLst>
+              <a:ext uri="{FF2B5EF4-FFF2-40B4-BE49-F238E27FC236}">
+                <a16:creationId xmlns:a16="http://schemas.microsoft.com/office/drawing/2014/main" id="{5316A27D-F818-472F-350E-CD328A0375DC}"/>
+              </a:ext>
+            </a:extLst>
+          </p:cNvPr>
+          <p:cNvSpPr txBox="1"/>
+          <p:nvPr/>
+        </p:nvSpPr>
+        <p:spPr>
+          <a:xfrm>
+            <a:off x="1680310" y="2074745"/>
+            <a:ext cx="4415690" cy="799706"/>
+          </a:xfrm>
+          <a:prstGeom prst="rect">
+            <a:avLst/>
+          </a:prstGeom>
+          <a:noFill/>
+        </p:spPr>
+        <p:txBody>
+          <a:bodyPr wrap="square" rtlCol="0">
+            <a:spAutoFit/>
+          </a:bodyPr>
+          <a:lstStyle/>
+          <a:p>
+            <a:pPr>
+              <a:lnSpc>
+                <a:spcPct val="150000"/>
+              </a:lnSpc>
+            </a:pPr>
+            <a:r>
+              <a:rPr lang="ko-KR" altLang="en-US" sz="1600" dirty="0">
+                <a:solidFill>
+                  <a:schemeClr val="bg1"/>
+                </a:solidFill>
+                <a:latin typeface="넥슨Lv2고딕 Light" panose="00000300000000000000" pitchFamily="2" charset="-127"/>
+                <a:ea typeface="넥슨Lv2고딕 Light" panose="00000300000000000000" pitchFamily="2" charset="-127"/>
+              </a:rPr>
+              <a:t>보상형 광고를 통해 재화를</a:t>
+            </a:r>
+            <a:endParaRPr lang="en-US" altLang="ko-KR" sz="1600" dirty="0">
+              <a:solidFill>
+                <a:schemeClr val="bg1"/>
+              </a:solidFill>
+              <a:latin typeface="넥슨Lv2고딕 Light" panose="00000300000000000000" pitchFamily="2" charset="-127"/>
+              <a:ea typeface="넥슨Lv2고딕 Light" panose="00000300000000000000" pitchFamily="2" charset="-127"/>
+            </a:endParaRPr>
+          </a:p>
+          <a:p>
+            <a:pPr>
+              <a:lnSpc>
+                <a:spcPct val="150000"/>
+              </a:lnSpc>
+            </a:pPr>
+            <a:r>
+              <a:rPr lang="ko-KR" altLang="en-US" sz="1600" dirty="0">
+                <a:solidFill>
+                  <a:schemeClr val="bg1"/>
+                </a:solidFill>
+                <a:latin typeface="넥슨Lv2고딕 Light" panose="00000300000000000000" pitchFamily="2" charset="-127"/>
+                <a:ea typeface="넥슨Lv2고딕 Light" panose="00000300000000000000" pitchFamily="2" charset="-127"/>
+              </a:rPr>
+              <a:t>수급할 수 있는</a:t>
+            </a:r>
+            <a:r>
+              <a:rPr lang="en-US" altLang="ko-KR" sz="1600" dirty="0">
+                <a:solidFill>
+                  <a:schemeClr val="bg1"/>
+                </a:solidFill>
+                <a:latin typeface="넥슨Lv2고딕 Light" panose="00000300000000000000" pitchFamily="2" charset="-127"/>
+                <a:ea typeface="넥슨Lv2고딕 Light" panose="00000300000000000000" pitchFamily="2" charset="-127"/>
+              </a:rPr>
+              <a:t> </a:t>
+            </a:r>
+            <a:r>
+              <a:rPr lang="ko-KR" altLang="en-US" sz="1600" dirty="0">
+                <a:solidFill>
+                  <a:schemeClr val="bg1"/>
+                </a:solidFill>
+                <a:latin typeface="넥슨Lv2고딕 Light" panose="00000300000000000000" pitchFamily="2" charset="-127"/>
+                <a:ea typeface="넥슨Lv2고딕 Light" panose="00000300000000000000" pitchFamily="2" charset="-127"/>
+              </a:rPr>
+              <a:t>상점입니다</a:t>
+            </a:r>
+            <a:r>
+              <a:rPr lang="en-US" altLang="ko-KR" sz="1600" dirty="0">
+                <a:solidFill>
+                  <a:schemeClr val="bg1"/>
+                </a:solidFill>
+                <a:latin typeface="넥슨Lv2고딕 Light" panose="00000300000000000000" pitchFamily="2" charset="-127"/>
+                <a:ea typeface="넥슨Lv2고딕 Light" panose="00000300000000000000" pitchFamily="2" charset="-127"/>
+              </a:rPr>
+              <a:t>.</a:t>
+            </a:r>
+            <a:endParaRPr lang="ko-KR" altLang="en-US" sz="1600" dirty="0">
+              <a:solidFill>
+                <a:schemeClr val="bg1"/>
+              </a:solidFill>
+              <a:latin typeface="넥슨Lv2고딕 Light" panose="00000300000000000000" pitchFamily="2" charset="-127"/>
+              <a:ea typeface="넥슨Lv2고딕 Light" panose="00000300000000000000" pitchFamily="2" charset="-127"/>
+            </a:endParaRPr>
+          </a:p>
+        </p:txBody>
+      </p:sp>
+      <p:sp>
+        <p:nvSpPr>
+          <p:cNvPr id="18" name="TextBox 17">
+            <a:extLst>
+              <a:ext uri="{FF2B5EF4-FFF2-40B4-BE49-F238E27FC236}">
+                <a16:creationId xmlns:a16="http://schemas.microsoft.com/office/drawing/2014/main" id="{CAA65224-9A99-13A9-B5C7-C87E06652DA5}"/>
+              </a:ext>
+            </a:extLst>
+          </p:cNvPr>
+          <p:cNvSpPr txBox="1"/>
+          <p:nvPr/>
+        </p:nvSpPr>
+        <p:spPr>
+          <a:xfrm>
+            <a:off x="1680310" y="3429000"/>
+            <a:ext cx="4415690" cy="1215204"/>
+          </a:xfrm>
+          <a:prstGeom prst="rect">
+            <a:avLst/>
+          </a:prstGeom>
+          <a:noFill/>
+        </p:spPr>
+        <p:txBody>
+          <a:bodyPr wrap="square" rtlCol="0">
+            <a:spAutoFit/>
+          </a:bodyPr>
+          <a:lstStyle/>
+          <a:p>
+            <a:pPr>
+              <a:lnSpc>
+                <a:spcPct val="150000"/>
+              </a:lnSpc>
+            </a:pPr>
+            <a:r>
+              <a:rPr lang="en-US" altLang="ko-KR" dirty="0">
+                <a:solidFill>
+                  <a:schemeClr val="bg1"/>
+                </a:solidFill>
+                <a:latin typeface="넥슨Lv2고딕 Medium" panose="00000600000000000000" pitchFamily="2" charset="-127"/>
+                <a:ea typeface="넥슨Lv2고딕 Medium" panose="00000600000000000000" pitchFamily="2" charset="-127"/>
+              </a:rPr>
+              <a:t>1. </a:t>
+            </a:r>
+            <a:r>
+              <a:rPr lang="ko-KR" altLang="en-US" dirty="0">
+                <a:solidFill>
+                  <a:schemeClr val="bg1"/>
+                </a:solidFill>
+                <a:latin typeface="넥슨Lv2고딕 Medium" panose="00000600000000000000" pitchFamily="2" charset="-127"/>
+                <a:ea typeface="넥슨Lv2고딕 Medium" panose="00000600000000000000" pitchFamily="2" charset="-127"/>
+              </a:rPr>
+              <a:t>상품 정보</a:t>
+            </a:r>
+            <a:endParaRPr lang="en-US" altLang="ko-KR" dirty="0">
+              <a:solidFill>
+                <a:schemeClr val="bg1"/>
+              </a:solidFill>
+              <a:latin typeface="넥슨Lv2고딕 Medium" panose="00000600000000000000" pitchFamily="2" charset="-127"/>
+              <a:ea typeface="넥슨Lv2고딕 Medium" panose="00000600000000000000" pitchFamily="2" charset="-127"/>
+            </a:endParaRPr>
+          </a:p>
+          <a:p>
+            <a:pPr>
+              <a:lnSpc>
+                <a:spcPct val="150000"/>
+              </a:lnSpc>
+            </a:pPr>
+            <a:r>
+              <a:rPr lang="ko-KR" altLang="en-US" sz="1600" dirty="0">
+                <a:solidFill>
+                  <a:schemeClr val="bg1"/>
+                </a:solidFill>
+                <a:latin typeface="넥슨Lv2고딕 Light" panose="00000300000000000000" pitchFamily="2" charset="-127"/>
+                <a:ea typeface="넥슨Lv2고딕 Light" panose="00000300000000000000" pitchFamily="2" charset="-127"/>
+              </a:rPr>
+              <a:t>상품의 이름과 이미지를</a:t>
+            </a:r>
+            <a:endParaRPr lang="en-US" altLang="ko-KR" sz="1600" dirty="0">
+              <a:solidFill>
+                <a:schemeClr val="bg1"/>
+              </a:solidFill>
+              <a:latin typeface="넥슨Lv2고딕 Light" panose="00000300000000000000" pitchFamily="2" charset="-127"/>
+              <a:ea typeface="넥슨Lv2고딕 Light" panose="00000300000000000000" pitchFamily="2" charset="-127"/>
+            </a:endParaRPr>
+          </a:p>
+          <a:p>
+            <a:pPr>
+              <a:lnSpc>
+                <a:spcPct val="150000"/>
+              </a:lnSpc>
+            </a:pPr>
+            <a:r>
+              <a:rPr lang="ko-KR" altLang="en-US" sz="1600" dirty="0">
+                <a:solidFill>
+                  <a:schemeClr val="bg1"/>
+                </a:solidFill>
+                <a:latin typeface="넥슨Lv2고딕 Light" panose="00000300000000000000" pitchFamily="2" charset="-127"/>
+                <a:ea typeface="넥슨Lv2고딕 Light" panose="00000300000000000000" pitchFamily="2" charset="-127"/>
+              </a:rPr>
+              <a:t>출력한다</a:t>
+            </a:r>
+            <a:endParaRPr lang="en-US" altLang="ko-KR" sz="1600" dirty="0">
+              <a:solidFill>
+                <a:schemeClr val="bg1"/>
+              </a:solidFill>
+              <a:latin typeface="넥슨Lv2고딕 Light" panose="00000300000000000000" pitchFamily="2" charset="-127"/>
+              <a:ea typeface="넥슨Lv2고딕 Light" panose="00000300000000000000" pitchFamily="2" charset="-127"/>
+            </a:endParaRPr>
+          </a:p>
+        </p:txBody>
+      </p:sp>
+      <p:grpSp>
+        <p:nvGrpSpPr>
+          <p:cNvPr id="35" name="그룹 34">
+            <a:extLst>
+              <a:ext uri="{FF2B5EF4-FFF2-40B4-BE49-F238E27FC236}">
+                <a16:creationId xmlns:a16="http://schemas.microsoft.com/office/drawing/2014/main" id="{E61D5C79-CDDF-8376-6DCF-F1B7A42F93A9}"/>
+              </a:ext>
+            </a:extLst>
+          </p:cNvPr>
+          <p:cNvGrpSpPr/>
+          <p:nvPr/>
+        </p:nvGrpSpPr>
+        <p:grpSpPr>
+          <a:xfrm>
+            <a:off x="4922521" y="4399258"/>
+            <a:ext cx="1516379" cy="501394"/>
+            <a:chOff x="1886115" y="4375677"/>
+            <a:chExt cx="1079338" cy="356885"/>
+          </a:xfrm>
+        </p:grpSpPr>
+        <p:sp>
+          <p:nvSpPr>
+            <p:cNvPr id="36" name="직사각형 35">
+              <a:extLst>
+                <a:ext uri="{FF2B5EF4-FFF2-40B4-BE49-F238E27FC236}">
+                  <a16:creationId xmlns:a16="http://schemas.microsoft.com/office/drawing/2014/main" id="{9E2C2D94-89F1-DF7D-1F08-BE077CC992F5}"/>
+                </a:ext>
+              </a:extLst>
+            </p:cNvPr>
+            <p:cNvSpPr/>
+            <p:nvPr/>
+          </p:nvSpPr>
+          <p:spPr>
+            <a:xfrm>
+              <a:off x="2609050" y="4375677"/>
+              <a:ext cx="356400" cy="356885"/>
+            </a:xfrm>
+            <a:prstGeom prst="rect">
+              <a:avLst/>
+            </a:prstGeom>
+            <a:solidFill>
+              <a:srgbClr val="EA473B"/>
+            </a:solidFill>
+            <a:ln>
+              <a:noFill/>
+            </a:ln>
+          </p:spPr>
+          <p:style>
+            <a:lnRef idx="2">
+              <a:schemeClr val="accent1">
+                <a:shade val="50000"/>
+              </a:schemeClr>
+            </a:lnRef>
+            <a:fillRef idx="1">
+              <a:schemeClr val="accent1"/>
+            </a:fillRef>
+            <a:effectRef idx="0">
+              <a:schemeClr val="accent1"/>
+            </a:effectRef>
+            <a:fontRef idx="minor">
+              <a:schemeClr val="lt1"/>
+            </a:fontRef>
+          </p:style>
+          <p:txBody>
+            <a:bodyPr rtlCol="0" anchor="ctr"/>
+            <a:lstStyle/>
+            <a:p>
+              <a:pPr algn="ctr"/>
+              <a:r>
+                <a:rPr lang="en-US" altLang="ko-KR" sz="3200" dirty="0">
+                  <a:latin typeface="이사만루체 Bold" panose="00000800000000000000" pitchFamily="2" charset="-127"/>
+                  <a:ea typeface="이사만루체 Bold" panose="00000800000000000000" pitchFamily="2" charset="-127"/>
+                </a:rPr>
+                <a:t>2</a:t>
+              </a:r>
+              <a:endParaRPr lang="ko-KR" altLang="en-US" sz="3200" dirty="0">
+                <a:latin typeface="이사만루체 Bold" panose="00000800000000000000" pitchFamily="2" charset="-127"/>
+                <a:ea typeface="이사만루체 Bold" panose="00000800000000000000" pitchFamily="2" charset="-127"/>
+              </a:endParaRPr>
+            </a:p>
+          </p:txBody>
+        </p:sp>
+        <p:sp>
+          <p:nvSpPr>
+            <p:cNvPr id="37" name="직사각형 36">
+              <a:extLst>
+                <a:ext uri="{FF2B5EF4-FFF2-40B4-BE49-F238E27FC236}">
+                  <a16:creationId xmlns:a16="http://schemas.microsoft.com/office/drawing/2014/main" id="{DA7E28F4-02F9-4F93-0272-81918E4EC33D}"/>
+                </a:ext>
+              </a:extLst>
+            </p:cNvPr>
+            <p:cNvSpPr/>
+            <p:nvPr/>
+          </p:nvSpPr>
+          <p:spPr>
+            <a:xfrm>
+              <a:off x="1886115" y="4375677"/>
+              <a:ext cx="1079338" cy="356885"/>
+            </a:xfrm>
+            <a:prstGeom prst="rect">
+              <a:avLst/>
+            </a:prstGeom>
+            <a:noFill/>
+            <a:ln>
+              <a:solidFill>
+                <a:srgbClr val="EA473B"/>
+              </a:solidFill>
+            </a:ln>
+          </p:spPr>
+          <p:style>
+            <a:lnRef idx="2">
+              <a:schemeClr val="accent1">
+                <a:shade val="50000"/>
+              </a:schemeClr>
+            </a:lnRef>
+            <a:fillRef idx="1">
+              <a:schemeClr val="accent1"/>
+            </a:fillRef>
+            <a:effectRef idx="0">
+              <a:schemeClr val="accent1"/>
+            </a:effectRef>
+            <a:fontRef idx="minor">
+              <a:schemeClr val="lt1"/>
+            </a:fontRef>
+          </p:style>
+          <p:txBody>
+            <a:bodyPr rtlCol="0" anchor="ctr"/>
+            <a:lstStyle/>
+            <a:p>
+              <a:pPr algn="ctr"/>
+              <a:endParaRPr lang="ko-KR" altLang="en-US" dirty="0"/>
+            </a:p>
+          </p:txBody>
+        </p:sp>
+      </p:grpSp>
+    </p:spTree>
+    <p:extLst>
+      <p:ext uri="{BB962C8B-B14F-4D97-AF65-F5344CB8AC3E}">
+        <p14:creationId xmlns:p14="http://schemas.microsoft.com/office/powerpoint/2010/main" val="2635600111"/>
+      </p:ext>
+    </p:extLst>
+  </p:cSld>
+  <p:clrMapOvr>
+    <a:masterClrMapping/>
+  </p:clrMapOvr>
+</p:sld>
+</file>
+
+<file path=ppt/slides/slide11.xml><?xml version="1.0" encoding="utf-8"?>
+<p:sld xmlns:a="http://schemas.openxmlformats.org/drawingml/2006/main" xmlns:r="http://schemas.openxmlformats.org/officeDocument/2006/relationships" xmlns:p="http://schemas.openxmlformats.org/presentationml/2006/main">
+  <p:cSld>
+    <p:bg>
+      <p:bgPr>
+        <a:solidFill>
+          <a:srgbClr val="4286F5"/>
+        </a:solidFill>
+        <a:effectLst/>
+      </p:bgPr>
+    </p:bg>
+    <p:spTree>
+      <p:nvGrpSpPr>
+        <p:cNvPr id="1" name=""/>
+        <p:cNvGrpSpPr/>
+        <p:nvPr/>
+      </p:nvGrpSpPr>
+      <p:grpSpPr>
+        <a:xfrm>
+          <a:off x="0" y="0"/>
+          <a:ext cx="0" cy="0"/>
+          <a:chOff x="0" y="0"/>
+          <a:chExt cx="0" cy="0"/>
+        </a:xfrm>
+      </p:grpSpPr>
+      <p:sp>
+        <p:nvSpPr>
+          <p:cNvPr id="15" name="TextBox 14">
+            <a:extLst>
+              <a:ext uri="{FF2B5EF4-FFF2-40B4-BE49-F238E27FC236}">
+                <a16:creationId xmlns:a16="http://schemas.microsoft.com/office/drawing/2014/main" id="{BA04418A-3697-DF14-5B90-D9AC7CE43E2B}"/>
+              </a:ext>
+            </a:extLst>
+          </p:cNvPr>
+          <p:cNvSpPr txBox="1"/>
+          <p:nvPr/>
+        </p:nvSpPr>
+        <p:spPr>
+          <a:xfrm>
+            <a:off x="1680310" y="1469196"/>
+            <a:ext cx="6650890" cy="1200329"/>
+          </a:xfrm>
+          <a:prstGeom prst="rect">
+            <a:avLst/>
+          </a:prstGeom>
+          <a:noFill/>
+        </p:spPr>
+        <p:txBody>
+          <a:bodyPr wrap="square" rtlCol="0">
+            <a:spAutoFit/>
+          </a:bodyPr>
+          <a:lstStyle/>
+          <a:p>
+            <a:r>
+              <a:rPr lang="ko-KR" altLang="en-US" sz="7200" dirty="0">
+                <a:solidFill>
+                  <a:schemeClr val="bg1"/>
+                </a:solidFill>
+                <a:latin typeface="넥슨Lv2고딕 Bold" panose="00000800000000000000" pitchFamily="2" charset="-127"/>
+                <a:ea typeface="넥슨Lv2고딕 Bold" panose="00000800000000000000" pitchFamily="2" charset="-127"/>
+              </a:rPr>
+              <a:t>일정</a:t>
+            </a:r>
+            <a:r>
+              <a:rPr lang="en-US" altLang="ko-KR" sz="7200" dirty="0">
+                <a:solidFill>
+                  <a:schemeClr val="bg1"/>
+                </a:solidFill>
+                <a:latin typeface="넥슨Lv2고딕 Bold" panose="00000800000000000000" pitchFamily="2" charset="-127"/>
+                <a:ea typeface="넥슨Lv2고딕 Bold" panose="00000800000000000000" pitchFamily="2" charset="-127"/>
+              </a:rPr>
+              <a:t>/</a:t>
+            </a:r>
+            <a:r>
+              <a:rPr lang="ko-KR" altLang="en-US" sz="7200" dirty="0">
+                <a:solidFill>
+                  <a:schemeClr val="bg1"/>
+                </a:solidFill>
+                <a:latin typeface="넥슨Lv2고딕 Bold" panose="00000800000000000000" pitchFamily="2" charset="-127"/>
+                <a:ea typeface="넥슨Lv2고딕 Bold" panose="00000800000000000000" pitchFamily="2" charset="-127"/>
+              </a:rPr>
+              <a:t>데이터 관리</a:t>
+            </a:r>
+            <a:endParaRPr lang="en-US" altLang="ko-KR" sz="7200" dirty="0">
+              <a:solidFill>
+                <a:schemeClr val="bg1"/>
+              </a:solidFill>
+              <a:latin typeface="넥슨Lv2고딕 Bold" panose="00000800000000000000" pitchFamily="2" charset="-127"/>
+              <a:ea typeface="넥슨Lv2고딕 Bold" panose="00000800000000000000" pitchFamily="2" charset="-127"/>
+            </a:endParaRPr>
+          </a:p>
+        </p:txBody>
+      </p:sp>
+      <p:sp>
+        <p:nvSpPr>
+          <p:cNvPr id="11" name="TextBox 10">
+            <a:extLst>
+              <a:ext uri="{FF2B5EF4-FFF2-40B4-BE49-F238E27FC236}">
+                <a16:creationId xmlns:a16="http://schemas.microsoft.com/office/drawing/2014/main" id="{E10A1302-F34C-6112-2BB3-EF054A096FF3}"/>
+              </a:ext>
+            </a:extLst>
+          </p:cNvPr>
+          <p:cNvSpPr txBox="1"/>
+          <p:nvPr/>
+        </p:nvSpPr>
+        <p:spPr>
+          <a:xfrm>
+            <a:off x="1657349" y="3143250"/>
+            <a:ext cx="4321175" cy="2245679"/>
+          </a:xfrm>
+          <a:prstGeom prst="rect">
+            <a:avLst/>
+          </a:prstGeom>
+          <a:noFill/>
+        </p:spPr>
+        <p:txBody>
+          <a:bodyPr wrap="square" rtlCol="0">
+            <a:spAutoFit/>
+          </a:bodyPr>
+          <a:lstStyle/>
+          <a:p>
+            <a:pPr>
+              <a:lnSpc>
+                <a:spcPct val="150000"/>
+              </a:lnSpc>
+            </a:pPr>
+            <a:r>
+              <a:rPr lang="ko-KR" altLang="en-US" sz="3200" dirty="0">
+                <a:solidFill>
+                  <a:schemeClr val="bg1"/>
+                </a:solidFill>
+                <a:latin typeface="넥슨Lv2고딕 Light" panose="00000300000000000000" pitchFamily="2" charset="-127"/>
+                <a:ea typeface="넥슨Lv2고딕 Light" panose="00000300000000000000" pitchFamily="2" charset="-127"/>
+              </a:rPr>
+              <a:t>진행 일정</a:t>
+            </a:r>
+            <a:endParaRPr lang="en-US" altLang="ko-KR" sz="3200" dirty="0">
+              <a:solidFill>
+                <a:schemeClr val="bg1"/>
+              </a:solidFill>
+              <a:latin typeface="넥슨Lv2고딕 Light" panose="00000300000000000000" pitchFamily="2" charset="-127"/>
+              <a:ea typeface="넥슨Lv2고딕 Light" panose="00000300000000000000" pitchFamily="2" charset="-127"/>
+            </a:endParaRPr>
+          </a:p>
+          <a:p>
+            <a:pPr>
+              <a:lnSpc>
+                <a:spcPct val="150000"/>
+              </a:lnSpc>
+            </a:pPr>
+            <a:r>
+              <a:rPr lang="ko-KR" altLang="en-US" sz="3200" dirty="0">
+                <a:solidFill>
+                  <a:schemeClr val="bg1"/>
+                </a:solidFill>
+                <a:latin typeface="넥슨Lv2고딕 Light" panose="00000300000000000000" pitchFamily="2" charset="-127"/>
+                <a:ea typeface="넥슨Lv2고딕 Light" panose="00000300000000000000" pitchFamily="2" charset="-127"/>
+              </a:rPr>
+              <a:t>테이블</a:t>
+            </a:r>
+            <a:endParaRPr lang="en-US" altLang="ko-KR" sz="3200" dirty="0">
+              <a:solidFill>
+                <a:schemeClr val="bg1"/>
+              </a:solidFill>
+              <a:latin typeface="넥슨Lv2고딕 Light" panose="00000300000000000000" pitchFamily="2" charset="-127"/>
+              <a:ea typeface="넥슨Lv2고딕 Light" panose="00000300000000000000" pitchFamily="2" charset="-127"/>
+            </a:endParaRPr>
+          </a:p>
+          <a:p>
+            <a:pPr>
+              <a:lnSpc>
+                <a:spcPct val="150000"/>
+              </a:lnSpc>
+            </a:pPr>
+            <a:r>
+              <a:rPr lang="ko-KR" altLang="en-US" sz="3200" dirty="0">
+                <a:solidFill>
+                  <a:schemeClr val="bg1"/>
+                </a:solidFill>
+                <a:latin typeface="넥슨Lv2고딕 Light" panose="00000300000000000000" pitchFamily="2" charset="-127"/>
+                <a:ea typeface="넥슨Lv2고딕 Light" panose="00000300000000000000" pitchFamily="2" charset="-127"/>
+              </a:rPr>
+              <a:t>자동화</a:t>
+            </a:r>
+            <a:endParaRPr lang="en-US" altLang="ko-KR" sz="3200" dirty="0">
+              <a:solidFill>
+                <a:schemeClr val="bg1"/>
+              </a:solidFill>
+              <a:latin typeface="넥슨Lv2고딕 Light" panose="00000300000000000000" pitchFamily="2" charset="-127"/>
+              <a:ea typeface="넥슨Lv2고딕 Light" panose="00000300000000000000" pitchFamily="2" charset="-127"/>
+            </a:endParaRPr>
+          </a:p>
+        </p:txBody>
+      </p:sp>
+    </p:spTree>
+    <p:extLst>
+      <p:ext uri="{BB962C8B-B14F-4D97-AF65-F5344CB8AC3E}">
+        <p14:creationId xmlns:p14="http://schemas.microsoft.com/office/powerpoint/2010/main" val="629749907"/>
+      </p:ext>
+    </p:extLst>
+  </p:cSld>
+  <p:clrMapOvr>
+    <a:masterClrMapping/>
+  </p:clrMapOvr>
+</p:sld>
+</file>
+
+<file path=ppt/slides/slide12.xml><?xml version="1.0" encoding="utf-8"?>
+<p:sld xmlns:a="http://schemas.openxmlformats.org/drawingml/2006/main" xmlns:r="http://schemas.openxmlformats.org/officeDocument/2006/relationships" xmlns:p="http://schemas.openxmlformats.org/presentationml/2006/main">
+  <p:cSld>
+    <p:bg>
+      <p:bgPr>
+        <a:solidFill>
+          <a:srgbClr val="4286F5"/>
+        </a:solidFill>
+        <a:effectLst/>
+      </p:bgPr>
+    </p:bg>
+    <p:spTree>
+      <p:nvGrpSpPr>
+        <p:cNvPr id="1" name=""/>
+        <p:cNvGrpSpPr/>
+        <p:nvPr/>
+      </p:nvGrpSpPr>
+      <p:grpSpPr>
+        <a:xfrm>
+          <a:off x="0" y="0"/>
+          <a:ext cx="0" cy="0"/>
+          <a:chOff x="0" y="0"/>
+          <a:chExt cx="0" cy="0"/>
+        </a:xfrm>
+      </p:grpSpPr>
+      <p:sp>
+        <p:nvSpPr>
+          <p:cNvPr id="15" name="TextBox 14">
+            <a:extLst>
+              <a:ext uri="{FF2B5EF4-FFF2-40B4-BE49-F238E27FC236}">
+                <a16:creationId xmlns:a16="http://schemas.microsoft.com/office/drawing/2014/main" id="{BA04418A-3697-DF14-5B90-D9AC7CE43E2B}"/>
+              </a:ext>
+            </a:extLst>
+          </p:cNvPr>
+          <p:cNvSpPr txBox="1"/>
+          <p:nvPr/>
+        </p:nvSpPr>
+        <p:spPr>
+          <a:xfrm>
+            <a:off x="1680310" y="1155929"/>
+            <a:ext cx="3733800" cy="584775"/>
+          </a:xfrm>
+          <a:prstGeom prst="rect">
+            <a:avLst/>
+          </a:prstGeom>
+          <a:noFill/>
+        </p:spPr>
+        <p:txBody>
+          <a:bodyPr wrap="square" rtlCol="0">
+            <a:spAutoFit/>
+          </a:bodyPr>
+          <a:lstStyle/>
+          <a:p>
+            <a:r>
+              <a:rPr lang="ko-KR" altLang="en-US" sz="3200" dirty="0">
+                <a:solidFill>
+                  <a:schemeClr val="bg1"/>
+                </a:solidFill>
+                <a:latin typeface="넥슨Lv2고딕 Bold" panose="00000800000000000000" pitchFamily="2" charset="-127"/>
+                <a:ea typeface="넥슨Lv2고딕 Bold" panose="00000800000000000000" pitchFamily="2" charset="-127"/>
+              </a:rPr>
               <a:t>진행 일정</a:t>
             </a:r>
             <a:endParaRPr lang="en-US" altLang="ko-KR" sz="3200" dirty="0">
@@ -4282,7 +5408,7 @@
 </p:sld>
 </file>
 
-<file path=ppt/slides/slide11.xml><?xml version="1.0" encoding="utf-8"?>
+<file path=ppt/slides/slide13.xml><?xml version="1.0" encoding="utf-8"?>
 <p:sld xmlns:a="http://schemas.openxmlformats.org/drawingml/2006/main" xmlns:r="http://schemas.openxmlformats.org/officeDocument/2006/relationships" xmlns:p="http://schemas.openxmlformats.org/presentationml/2006/main">
   <p:cSld>
     <p:bg>
@@ -4620,7 +5746,7 @@
 </p:sld>
 </file>
 
-<file path=ppt/slides/slide12.xml><?xml version="1.0" encoding="utf-8"?>
+<file path=ppt/slides/slide14.xml><?xml version="1.0" encoding="utf-8"?>
 <p:sld xmlns:a="http://schemas.openxmlformats.org/drawingml/2006/main" xmlns:r="http://schemas.openxmlformats.org/officeDocument/2006/relationships" xmlns:p="http://schemas.openxmlformats.org/presentationml/2006/main">
   <p:cSld>
     <p:bg>
@@ -4947,7 +6073,7 @@
 </p:sld>
 </file>
 
-<file path=ppt/slides/slide13.xml><?xml version="1.0" encoding="utf-8"?>
+<file path=ppt/slides/slide15.xml><?xml version="1.0" encoding="utf-8"?>
 <p:sld xmlns:a="http://schemas.openxmlformats.org/drawingml/2006/main" xmlns:r="http://schemas.openxmlformats.org/officeDocument/2006/relationships" xmlns:p="http://schemas.openxmlformats.org/presentationml/2006/main">
   <p:cSld>
     <p:bg>
@@ -5329,7 +6455,7 @@
 </p:sld>
 </file>
 
-<file path=ppt/slides/slide14.xml><?xml version="1.0" encoding="utf-8"?>
+<file path=ppt/slides/slide16.xml><?xml version="1.0" encoding="utf-8"?>
 <p:sld xmlns:a="http://schemas.openxmlformats.org/drawingml/2006/main" xmlns:r="http://schemas.openxmlformats.org/officeDocument/2006/relationships" xmlns:p="http://schemas.openxmlformats.org/presentationml/2006/main">
   <p:cSld>
     <p:bg>
@@ -5693,7 +6819,7 @@
 </p:sld>
 </file>
 
-<file path=ppt/slides/slide15.xml><?xml version="1.0" encoding="utf-8"?>
+<file path=ppt/slides/slide17.xml><?xml version="1.0" encoding="utf-8"?>
 <p:sld xmlns:a="http://schemas.openxmlformats.org/drawingml/2006/main" xmlns:r="http://schemas.openxmlformats.org/officeDocument/2006/relationships" xmlns:p="http://schemas.openxmlformats.org/presentationml/2006/main">
   <p:cSld>
     <p:bg>
@@ -6049,676 +7175,6 @@
 </p:sld>
 </file>
 
-<file path=ppt/slides/slide16.xml><?xml version="1.0" encoding="utf-8"?>
-<p:sld xmlns:a="http://schemas.openxmlformats.org/drawingml/2006/main" xmlns:r="http://schemas.openxmlformats.org/officeDocument/2006/relationships" xmlns:p="http://schemas.openxmlformats.org/presentationml/2006/main">
-  <p:cSld>
-    <p:bg>
-      <p:bgPr>
-        <a:solidFill>
-          <a:srgbClr val="4286F5"/>
-        </a:solidFill>
-        <a:effectLst/>
-      </p:bgPr>
-    </p:bg>
-    <p:spTree>
-      <p:nvGrpSpPr>
-        <p:cNvPr id="1" name=""/>
-        <p:cNvGrpSpPr/>
-        <p:nvPr/>
-      </p:nvGrpSpPr>
-      <p:grpSpPr>
-        <a:xfrm>
-          <a:off x="0" y="0"/>
-          <a:ext cx="0" cy="0"/>
-          <a:chOff x="0" y="0"/>
-          <a:chExt cx="0" cy="0"/>
-        </a:xfrm>
-      </p:grpSpPr>
-      <p:sp>
-        <p:nvSpPr>
-          <p:cNvPr id="15" name="TextBox 14">
-            <a:extLst>
-              <a:ext uri="{FF2B5EF4-FFF2-40B4-BE49-F238E27FC236}">
-                <a16:creationId xmlns:a16="http://schemas.microsoft.com/office/drawing/2014/main" id="{BA04418A-3697-DF14-5B90-D9AC7CE43E2B}"/>
-              </a:ext>
-            </a:extLst>
-          </p:cNvPr>
-          <p:cNvSpPr txBox="1"/>
-          <p:nvPr/>
-        </p:nvSpPr>
-        <p:spPr>
-          <a:xfrm>
-            <a:off x="1680310" y="1469196"/>
-            <a:ext cx="6650890" cy="1200329"/>
-          </a:xfrm>
-          <a:prstGeom prst="rect">
-            <a:avLst/>
-          </a:prstGeom>
-          <a:noFill/>
-        </p:spPr>
-        <p:txBody>
-          <a:bodyPr wrap="square" rtlCol="0">
-            <a:spAutoFit/>
-          </a:bodyPr>
-          <a:lstStyle/>
-          <a:p>
-            <a:r>
-              <a:rPr lang="ko-KR" altLang="en-US" sz="7200" dirty="0">
-                <a:solidFill>
-                  <a:schemeClr val="bg1"/>
-                </a:solidFill>
-                <a:latin typeface="넥슨Lv2고딕 Bold" panose="00000800000000000000" pitchFamily="2" charset="-127"/>
-                <a:ea typeface="넥슨Lv2고딕 Bold" panose="00000800000000000000" pitchFamily="2" charset="-127"/>
-              </a:rPr>
-              <a:t>스크립트</a:t>
-            </a:r>
-            <a:endParaRPr lang="en-US" altLang="ko-KR" sz="7200" dirty="0">
-              <a:solidFill>
-                <a:schemeClr val="bg1"/>
-              </a:solidFill>
-              <a:latin typeface="넥슨Lv2고딕 Bold" panose="00000800000000000000" pitchFamily="2" charset="-127"/>
-              <a:ea typeface="넥슨Lv2고딕 Bold" panose="00000800000000000000" pitchFamily="2" charset="-127"/>
-            </a:endParaRPr>
-          </a:p>
-        </p:txBody>
-      </p:sp>
-      <p:sp>
-        <p:nvSpPr>
-          <p:cNvPr id="11" name="TextBox 10">
-            <a:extLst>
-              <a:ext uri="{FF2B5EF4-FFF2-40B4-BE49-F238E27FC236}">
-                <a16:creationId xmlns:a16="http://schemas.microsoft.com/office/drawing/2014/main" id="{E10A1302-F34C-6112-2BB3-EF054A096FF3}"/>
-              </a:ext>
-            </a:extLst>
-          </p:cNvPr>
-          <p:cNvSpPr txBox="1"/>
-          <p:nvPr/>
-        </p:nvSpPr>
-        <p:spPr>
-          <a:xfrm>
-            <a:off x="1657349" y="3143250"/>
-            <a:ext cx="4321175" cy="2984343"/>
-          </a:xfrm>
-          <a:prstGeom prst="rect">
-            <a:avLst/>
-          </a:prstGeom>
-          <a:noFill/>
-        </p:spPr>
-        <p:txBody>
-          <a:bodyPr wrap="square" rtlCol="0">
-            <a:spAutoFit/>
-          </a:bodyPr>
-          <a:lstStyle/>
-          <a:p>
-            <a:pPr>
-              <a:lnSpc>
-                <a:spcPct val="150000"/>
-              </a:lnSpc>
-            </a:pPr>
-            <a:r>
-              <a:rPr lang="ko-KR" altLang="en-US" sz="3200" dirty="0">
-                <a:solidFill>
-                  <a:schemeClr val="bg1"/>
-                </a:solidFill>
-                <a:latin typeface="넥슨Lv2고딕 Light" panose="00000300000000000000" pitchFamily="2" charset="-127"/>
-                <a:ea typeface="넥슨Lv2고딕 Light" panose="00000300000000000000" pitchFamily="2" charset="-127"/>
-              </a:rPr>
-              <a:t>플레이어</a:t>
-            </a:r>
-          </a:p>
-          <a:p>
-            <a:pPr>
-              <a:lnSpc>
-                <a:spcPct val="150000"/>
-              </a:lnSpc>
-            </a:pPr>
-            <a:r>
-              <a:rPr lang="ko-KR" altLang="en-US" sz="3200" dirty="0">
-                <a:solidFill>
-                  <a:schemeClr val="bg1"/>
-                </a:solidFill>
-                <a:latin typeface="넥슨Lv2고딕 Light" panose="00000300000000000000" pitchFamily="2" charset="-127"/>
-                <a:ea typeface="넥슨Lv2고딕 Light" panose="00000300000000000000" pitchFamily="2" charset="-127"/>
-              </a:rPr>
-              <a:t>전투</a:t>
-            </a:r>
-            <a:endParaRPr lang="en-US" altLang="ko-KR" sz="3200" dirty="0">
-              <a:solidFill>
-                <a:schemeClr val="bg1"/>
-              </a:solidFill>
-              <a:latin typeface="넥슨Lv2고딕 Light" panose="00000300000000000000" pitchFamily="2" charset="-127"/>
-              <a:ea typeface="넥슨Lv2고딕 Light" panose="00000300000000000000" pitchFamily="2" charset="-127"/>
-            </a:endParaRPr>
-          </a:p>
-          <a:p>
-            <a:pPr>
-              <a:lnSpc>
-                <a:spcPct val="150000"/>
-              </a:lnSpc>
-            </a:pPr>
-            <a:r>
-              <a:rPr lang="ko-KR" altLang="en-US" sz="3200" dirty="0">
-                <a:solidFill>
-                  <a:schemeClr val="bg1"/>
-                </a:solidFill>
-                <a:latin typeface="넥슨Lv2고딕 Light" panose="00000300000000000000" pitchFamily="2" charset="-127"/>
-                <a:ea typeface="넥슨Lv2고딕 Light" panose="00000300000000000000" pitchFamily="2" charset="-127"/>
-              </a:rPr>
-              <a:t>세이브</a:t>
-            </a:r>
-            <a:r>
-              <a:rPr lang="en-US" altLang="ko-KR" sz="3200" dirty="0">
-                <a:solidFill>
-                  <a:schemeClr val="bg1"/>
-                </a:solidFill>
-                <a:latin typeface="넥슨Lv2고딕 Light" panose="00000300000000000000" pitchFamily="2" charset="-127"/>
-                <a:ea typeface="넥슨Lv2고딕 Light" panose="00000300000000000000" pitchFamily="2" charset="-127"/>
-              </a:rPr>
-              <a:t>/</a:t>
-            </a:r>
-            <a:r>
-              <a:rPr lang="ko-KR" altLang="en-US" sz="3200" dirty="0">
-                <a:solidFill>
-                  <a:schemeClr val="bg1"/>
-                </a:solidFill>
-                <a:latin typeface="넥슨Lv2고딕 Light" panose="00000300000000000000" pitchFamily="2" charset="-127"/>
-                <a:ea typeface="넥슨Lv2고딕 Light" panose="00000300000000000000" pitchFamily="2" charset="-127"/>
-              </a:rPr>
-              <a:t>로드</a:t>
-            </a:r>
-            <a:endParaRPr lang="en-US" altLang="ko-KR" sz="3200" dirty="0">
-              <a:solidFill>
-                <a:schemeClr val="bg1"/>
-              </a:solidFill>
-              <a:latin typeface="넥슨Lv2고딕 Light" panose="00000300000000000000" pitchFamily="2" charset="-127"/>
-              <a:ea typeface="넥슨Lv2고딕 Light" panose="00000300000000000000" pitchFamily="2" charset="-127"/>
-            </a:endParaRPr>
-          </a:p>
-          <a:p>
-            <a:pPr>
-              <a:lnSpc>
-                <a:spcPct val="150000"/>
-              </a:lnSpc>
-            </a:pPr>
-            <a:r>
-              <a:rPr lang="ko-KR" altLang="en-US" sz="3200" dirty="0">
-                <a:solidFill>
-                  <a:schemeClr val="bg1"/>
-                </a:solidFill>
-                <a:latin typeface="넥슨Lv2고딕 Light" panose="00000300000000000000" pitchFamily="2" charset="-127"/>
-                <a:ea typeface="넥슨Lv2고딕 Light" panose="00000300000000000000" pitchFamily="2" charset="-127"/>
-              </a:rPr>
-              <a:t>싱글 톤 사용 이유</a:t>
-            </a:r>
-          </a:p>
-        </p:txBody>
-      </p:sp>
-    </p:spTree>
-    <p:extLst>
-      <p:ext uri="{BB962C8B-B14F-4D97-AF65-F5344CB8AC3E}">
-        <p14:creationId xmlns:p14="http://schemas.microsoft.com/office/powerpoint/2010/main" val="2839138623"/>
-      </p:ext>
-    </p:extLst>
-  </p:cSld>
-  <p:clrMapOvr>
-    <a:masterClrMapping/>
-  </p:clrMapOvr>
-</p:sld>
-</file>
-
-<file path=ppt/slides/slide17.xml><?xml version="1.0" encoding="utf-8"?>
-<p:sld xmlns:a="http://schemas.openxmlformats.org/drawingml/2006/main" xmlns:r="http://schemas.openxmlformats.org/officeDocument/2006/relationships" xmlns:p="http://schemas.openxmlformats.org/presentationml/2006/main">
-  <p:cSld>
-    <p:bg>
-      <p:bgPr>
-        <a:solidFill>
-          <a:srgbClr val="4286F5"/>
-        </a:solidFill>
-        <a:effectLst/>
-      </p:bgPr>
-    </p:bg>
-    <p:spTree>
-      <p:nvGrpSpPr>
-        <p:cNvPr id="1" name=""/>
-        <p:cNvGrpSpPr/>
-        <p:nvPr/>
-      </p:nvGrpSpPr>
-      <p:grpSpPr>
-        <a:xfrm>
-          <a:off x="0" y="0"/>
-          <a:ext cx="0" cy="0"/>
-          <a:chOff x="0" y="0"/>
-          <a:chExt cx="0" cy="0"/>
-        </a:xfrm>
-      </p:grpSpPr>
-      <p:sp>
-        <p:nvSpPr>
-          <p:cNvPr id="15" name="TextBox 14">
-            <a:extLst>
-              <a:ext uri="{FF2B5EF4-FFF2-40B4-BE49-F238E27FC236}">
-                <a16:creationId xmlns:a16="http://schemas.microsoft.com/office/drawing/2014/main" id="{BA04418A-3697-DF14-5B90-D9AC7CE43E2B}"/>
-              </a:ext>
-            </a:extLst>
-          </p:cNvPr>
-          <p:cNvSpPr txBox="1"/>
-          <p:nvPr/>
-        </p:nvSpPr>
-        <p:spPr>
-          <a:xfrm>
-            <a:off x="1680310" y="1155929"/>
-            <a:ext cx="3733800" cy="584775"/>
-          </a:xfrm>
-          <a:prstGeom prst="rect">
-            <a:avLst/>
-          </a:prstGeom>
-          <a:noFill/>
-        </p:spPr>
-        <p:txBody>
-          <a:bodyPr wrap="square" rtlCol="0">
-            <a:spAutoFit/>
-          </a:bodyPr>
-          <a:lstStyle/>
-          <a:p>
-            <a:r>
-              <a:rPr lang="ko-KR" altLang="en-US" sz="3200" dirty="0">
-                <a:solidFill>
-                  <a:schemeClr val="bg1"/>
-                </a:solidFill>
-                <a:latin typeface="넥슨Lv2고딕 Bold" panose="00000800000000000000" pitchFamily="2" charset="-127"/>
-                <a:ea typeface="넥슨Lv2고딕 Bold" panose="00000800000000000000" pitchFamily="2" charset="-127"/>
-              </a:rPr>
-              <a:t>플레이어</a:t>
-            </a:r>
-            <a:endParaRPr lang="en-US" altLang="ko-KR" sz="3200" dirty="0">
-              <a:solidFill>
-                <a:schemeClr val="bg1"/>
-              </a:solidFill>
-              <a:latin typeface="넥슨Lv2고딕 Bold" panose="00000800000000000000" pitchFamily="2" charset="-127"/>
-              <a:ea typeface="넥슨Lv2고딕 Bold" panose="00000800000000000000" pitchFamily="2" charset="-127"/>
-            </a:endParaRPr>
-          </a:p>
-        </p:txBody>
-      </p:sp>
-      <p:sp>
-        <p:nvSpPr>
-          <p:cNvPr id="16" name="직사각형 15">
-            <a:extLst>
-              <a:ext uri="{FF2B5EF4-FFF2-40B4-BE49-F238E27FC236}">
-                <a16:creationId xmlns:a16="http://schemas.microsoft.com/office/drawing/2014/main" id="{06D4D73C-002A-B871-4E9F-3C2F2EFA95F6}"/>
-              </a:ext>
-            </a:extLst>
-          </p:cNvPr>
-          <p:cNvSpPr/>
-          <p:nvPr/>
-        </p:nvSpPr>
-        <p:spPr>
-          <a:xfrm>
-            <a:off x="1660524" y="1262063"/>
-            <a:ext cx="45719" cy="366711"/>
-          </a:xfrm>
-          <a:prstGeom prst="rect">
-            <a:avLst/>
-          </a:prstGeom>
-          <a:solidFill>
-            <a:schemeClr val="bg1"/>
-          </a:solidFill>
-          <a:ln>
-            <a:noFill/>
-          </a:ln>
-        </p:spPr>
-        <p:style>
-          <a:lnRef idx="2">
-            <a:schemeClr val="accent1">
-              <a:shade val="50000"/>
-            </a:schemeClr>
-          </a:lnRef>
-          <a:fillRef idx="1">
-            <a:schemeClr val="accent1"/>
-          </a:fillRef>
-          <a:effectRef idx="0">
-            <a:schemeClr val="accent1"/>
-          </a:effectRef>
-          <a:fontRef idx="minor">
-            <a:schemeClr val="lt1"/>
-          </a:fontRef>
-        </p:style>
-        <p:txBody>
-          <a:bodyPr rtlCol="0" anchor="ctr"/>
-          <a:lstStyle/>
-          <a:p>
-            <a:pPr algn="ctr"/>
-            <a:endParaRPr lang="ko-KR" altLang="en-US"/>
-          </a:p>
-        </p:txBody>
-      </p:sp>
-      <p:sp>
-        <p:nvSpPr>
-          <p:cNvPr id="19" name="TextBox 18">
-            <a:extLst>
-              <a:ext uri="{FF2B5EF4-FFF2-40B4-BE49-F238E27FC236}">
-                <a16:creationId xmlns:a16="http://schemas.microsoft.com/office/drawing/2014/main" id="{5316A27D-F818-472F-350E-CD328A0375DC}"/>
-              </a:ext>
-            </a:extLst>
-          </p:cNvPr>
-          <p:cNvSpPr txBox="1"/>
-          <p:nvPr/>
-        </p:nvSpPr>
-        <p:spPr>
-          <a:xfrm>
-            <a:off x="1680309" y="2074745"/>
-            <a:ext cx="8736865" cy="2277034"/>
-          </a:xfrm>
-          <a:prstGeom prst="rect">
-            <a:avLst/>
-          </a:prstGeom>
-          <a:noFill/>
-        </p:spPr>
-        <p:txBody>
-          <a:bodyPr wrap="square" rtlCol="0">
-            <a:spAutoFit/>
-          </a:bodyPr>
-          <a:lstStyle/>
-          <a:p>
-            <a:pPr>
-              <a:lnSpc>
-                <a:spcPct val="150000"/>
-              </a:lnSpc>
-            </a:pPr>
-            <a:r>
-              <a:rPr lang="ko-KR" altLang="en-US" sz="1600" dirty="0">
-                <a:solidFill>
-                  <a:schemeClr val="bg1"/>
-                </a:solidFill>
-                <a:latin typeface="넥슨Lv2고딕 Light" panose="00000300000000000000" pitchFamily="2" charset="-127"/>
-                <a:ea typeface="넥슨Lv2고딕 Light" panose="00000300000000000000" pitchFamily="2" charset="-127"/>
-              </a:rPr>
-              <a:t>플레이어의 정보를 가지고 있으며</a:t>
-            </a:r>
-            <a:endParaRPr lang="en-US" altLang="ko-KR" sz="1600" dirty="0">
-              <a:solidFill>
-                <a:schemeClr val="bg1"/>
-              </a:solidFill>
-              <a:latin typeface="넥슨Lv2고딕 Light" panose="00000300000000000000" pitchFamily="2" charset="-127"/>
-              <a:ea typeface="넥슨Lv2고딕 Light" panose="00000300000000000000" pitchFamily="2" charset="-127"/>
-            </a:endParaRPr>
-          </a:p>
-          <a:p>
-            <a:pPr>
-              <a:lnSpc>
-                <a:spcPct val="150000"/>
-              </a:lnSpc>
-            </a:pPr>
-            <a:r>
-              <a:rPr lang="ko-KR" altLang="en-US" sz="1600" dirty="0">
-                <a:solidFill>
-                  <a:schemeClr val="bg1"/>
-                </a:solidFill>
-                <a:latin typeface="넥슨Lv2고딕 Light" panose="00000300000000000000" pitchFamily="2" charset="-127"/>
-                <a:ea typeface="넥슨Lv2고딕 Light" panose="00000300000000000000" pitchFamily="2" charset="-127"/>
-              </a:rPr>
-              <a:t>변경에 따른</a:t>
-            </a:r>
-            <a:r>
-              <a:rPr lang="en-US" altLang="ko-KR" sz="1600" dirty="0">
-                <a:solidFill>
-                  <a:schemeClr val="bg1"/>
-                </a:solidFill>
-                <a:latin typeface="넥슨Lv2고딕 Light" panose="00000300000000000000" pitchFamily="2" charset="-127"/>
-                <a:ea typeface="넥슨Lv2고딕 Light" panose="00000300000000000000" pitchFamily="2" charset="-127"/>
-              </a:rPr>
-              <a:t> </a:t>
-            </a:r>
-            <a:r>
-              <a:rPr lang="ko-KR" altLang="en-US" sz="1600" dirty="0">
-                <a:solidFill>
-                  <a:schemeClr val="bg1"/>
-                </a:solidFill>
-                <a:latin typeface="넥슨Lv2고딕 Light" panose="00000300000000000000" pitchFamily="2" charset="-127"/>
-                <a:ea typeface="넥슨Lv2고딕 Light" panose="00000300000000000000" pitchFamily="2" charset="-127"/>
-              </a:rPr>
-              <a:t>이벤트를 발생시키는</a:t>
-            </a:r>
-            <a:r>
-              <a:rPr lang="en-US" altLang="ko-KR" sz="1600" dirty="0">
-                <a:solidFill>
-                  <a:schemeClr val="bg1"/>
-                </a:solidFill>
-                <a:latin typeface="넥슨Lv2고딕 Light" panose="00000300000000000000" pitchFamily="2" charset="-127"/>
-                <a:ea typeface="넥슨Lv2고딕 Light" panose="00000300000000000000" pitchFamily="2" charset="-127"/>
-              </a:rPr>
-              <a:t> </a:t>
-            </a:r>
-            <a:r>
-              <a:rPr lang="ko-KR" altLang="en-US" sz="1600" dirty="0">
-                <a:solidFill>
-                  <a:schemeClr val="bg1"/>
-                </a:solidFill>
-                <a:latin typeface="넥슨Lv2고딕 Light" panose="00000300000000000000" pitchFamily="2" charset="-127"/>
-                <a:ea typeface="넥슨Lv2고딕 Light" panose="00000300000000000000" pitchFamily="2" charset="-127"/>
-              </a:rPr>
-              <a:t>클래스</a:t>
-            </a:r>
-            <a:endParaRPr lang="en-US" altLang="ko-KR" sz="1600" dirty="0">
-              <a:solidFill>
-                <a:schemeClr val="bg1"/>
-              </a:solidFill>
-              <a:latin typeface="넥슨Lv2고딕 Light" panose="00000300000000000000" pitchFamily="2" charset="-127"/>
-              <a:ea typeface="넥슨Lv2고딕 Light" panose="00000300000000000000" pitchFamily="2" charset="-127"/>
-            </a:endParaRPr>
-          </a:p>
-          <a:p>
-            <a:pPr>
-              <a:lnSpc>
-                <a:spcPct val="150000"/>
-              </a:lnSpc>
-            </a:pPr>
-            <a:endParaRPr lang="en-US" altLang="ko-KR" sz="1600" dirty="0">
-              <a:solidFill>
-                <a:schemeClr val="bg1"/>
-              </a:solidFill>
-              <a:latin typeface="넥슨Lv2고딕 Light" panose="00000300000000000000" pitchFamily="2" charset="-127"/>
-              <a:ea typeface="넥슨Lv2고딕 Light" panose="00000300000000000000" pitchFamily="2" charset="-127"/>
-            </a:endParaRPr>
-          </a:p>
-          <a:p>
-            <a:pPr>
-              <a:lnSpc>
-                <a:spcPct val="150000"/>
-              </a:lnSpc>
-            </a:pPr>
-            <a:r>
-              <a:rPr lang="ko-KR" altLang="en-US" sz="1600" dirty="0">
-                <a:solidFill>
-                  <a:schemeClr val="bg1"/>
-                </a:solidFill>
-                <a:latin typeface="넥슨Lv2고딕 Light" panose="00000300000000000000" pitchFamily="2" charset="-127"/>
-                <a:ea typeface="넥슨Lv2고딕 Light" panose="00000300000000000000" pitchFamily="2" charset="-127"/>
-              </a:rPr>
-              <a:t>코인의 값이 </a:t>
-            </a:r>
-            <a:r>
-              <a:rPr lang="en-US" altLang="ko-KR" sz="1600" dirty="0">
-                <a:solidFill>
-                  <a:schemeClr val="bg1"/>
-                </a:solidFill>
-                <a:latin typeface="넥슨Lv2고딕 Light" panose="00000300000000000000" pitchFamily="2" charset="-127"/>
-                <a:ea typeface="넥슨Lv2고딕 Light" panose="00000300000000000000" pitchFamily="2" charset="-127"/>
-              </a:rPr>
-              <a:t>0 </a:t>
-            </a:r>
-            <a:r>
-              <a:rPr lang="ko-KR" altLang="en-US" sz="1600" dirty="0">
-                <a:solidFill>
-                  <a:schemeClr val="bg1"/>
-                </a:solidFill>
-                <a:latin typeface="넥슨Lv2고딕 Light" panose="00000300000000000000" pitchFamily="2" charset="-127"/>
-                <a:ea typeface="넥슨Lv2고딕 Light" panose="00000300000000000000" pitchFamily="2" charset="-127"/>
-              </a:rPr>
-              <a:t>밑으로 내려가지 않도록</a:t>
-            </a:r>
-            <a:endParaRPr lang="en-US" altLang="ko-KR" sz="1600" dirty="0">
-              <a:solidFill>
-                <a:schemeClr val="bg1"/>
-              </a:solidFill>
-              <a:latin typeface="넥슨Lv2고딕 Light" panose="00000300000000000000" pitchFamily="2" charset="-127"/>
-              <a:ea typeface="넥슨Lv2고딕 Light" panose="00000300000000000000" pitchFamily="2" charset="-127"/>
-            </a:endParaRPr>
-          </a:p>
-          <a:p>
-            <a:pPr>
-              <a:lnSpc>
-                <a:spcPct val="150000"/>
-              </a:lnSpc>
-            </a:pPr>
-            <a:r>
-              <a:rPr lang="en-US" altLang="ko-KR" sz="1600" dirty="0">
-                <a:solidFill>
-                  <a:schemeClr val="bg1"/>
-                </a:solidFill>
-                <a:latin typeface="넥슨Lv2고딕 Light" panose="00000300000000000000" pitchFamily="2" charset="-127"/>
-                <a:ea typeface="넥슨Lv2고딕 Light" panose="00000300000000000000" pitchFamily="2" charset="-127"/>
-              </a:rPr>
-              <a:t>Max </a:t>
-            </a:r>
-            <a:r>
-              <a:rPr lang="ko-KR" altLang="en-US" sz="1600" dirty="0">
-                <a:solidFill>
-                  <a:schemeClr val="bg1"/>
-                </a:solidFill>
-                <a:latin typeface="넥슨Lv2고딕 Light" panose="00000300000000000000" pitchFamily="2" charset="-127"/>
-                <a:ea typeface="넥슨Lv2고딕 Light" panose="00000300000000000000" pitchFamily="2" charset="-127"/>
-              </a:rPr>
-              <a:t>함수를 이용해 처리하며</a:t>
-            </a:r>
-            <a:endParaRPr lang="en-US" altLang="ko-KR" sz="1600" dirty="0">
-              <a:solidFill>
-                <a:schemeClr val="bg1"/>
-              </a:solidFill>
-              <a:latin typeface="넥슨Lv2고딕 Light" panose="00000300000000000000" pitchFamily="2" charset="-127"/>
-              <a:ea typeface="넥슨Lv2고딕 Light" panose="00000300000000000000" pitchFamily="2" charset="-127"/>
-            </a:endParaRPr>
-          </a:p>
-          <a:p>
-            <a:pPr>
-              <a:lnSpc>
-                <a:spcPct val="150000"/>
-              </a:lnSpc>
-            </a:pPr>
-            <a:r>
-              <a:rPr lang="ko-KR" altLang="en-US" sz="1600" dirty="0">
-                <a:solidFill>
-                  <a:schemeClr val="bg1"/>
-                </a:solidFill>
-                <a:latin typeface="넥슨Lv2고딕 Light" panose="00000300000000000000" pitchFamily="2" charset="-127"/>
-                <a:ea typeface="넥슨Lv2고딕 Light" panose="00000300000000000000" pitchFamily="2" charset="-127"/>
-              </a:rPr>
-              <a:t>이후 이벤트를 발생시킨다</a:t>
-            </a:r>
-            <a:endParaRPr lang="en-US" altLang="ko-KR" sz="1600" dirty="0">
-              <a:solidFill>
-                <a:schemeClr val="bg1"/>
-              </a:solidFill>
-              <a:latin typeface="넥슨Lv2고딕 Light" panose="00000300000000000000" pitchFamily="2" charset="-127"/>
-              <a:ea typeface="넥슨Lv2고딕 Light" panose="00000300000000000000" pitchFamily="2" charset="-127"/>
-            </a:endParaRPr>
-          </a:p>
-        </p:txBody>
-      </p:sp>
-      <p:pic>
-        <p:nvPicPr>
-          <p:cNvPr id="7" name="그림 6">
-            <a:extLst>
-              <a:ext uri="{FF2B5EF4-FFF2-40B4-BE49-F238E27FC236}">
-                <a16:creationId xmlns:a16="http://schemas.microsoft.com/office/drawing/2014/main" id="{DC5CEB0A-B6C1-C993-2921-E0F6BDB78D49}"/>
-              </a:ext>
-            </a:extLst>
-          </p:cNvPr>
-          <p:cNvPicPr>
-            <a:picLocks noChangeAspect="1"/>
-          </p:cNvPicPr>
-          <p:nvPr/>
-        </p:nvPicPr>
-        <p:blipFill>
-          <a:blip r:embed="rId2"/>
-          <a:stretch>
-            <a:fillRect/>
-          </a:stretch>
-        </p:blipFill>
-        <p:spPr>
-          <a:xfrm>
-            <a:off x="6678201" y="1628774"/>
-            <a:ext cx="3738973" cy="4508089"/>
-          </a:xfrm>
-          <a:prstGeom prst="rect">
-            <a:avLst/>
-          </a:prstGeom>
-        </p:spPr>
-      </p:pic>
-      <p:sp>
-        <p:nvSpPr>
-          <p:cNvPr id="8" name="직사각형 7">
-            <a:extLst>
-              <a:ext uri="{FF2B5EF4-FFF2-40B4-BE49-F238E27FC236}">
-                <a16:creationId xmlns:a16="http://schemas.microsoft.com/office/drawing/2014/main" id="{E6A5C31E-73AD-B758-FB1B-EEA83E88CFF8}"/>
-              </a:ext>
-            </a:extLst>
-          </p:cNvPr>
-          <p:cNvSpPr/>
-          <p:nvPr/>
-        </p:nvSpPr>
-        <p:spPr>
-          <a:xfrm>
-            <a:off x="7378700" y="4133850"/>
-            <a:ext cx="2927350" cy="523875"/>
-          </a:xfrm>
-          <a:prstGeom prst="rect">
-            <a:avLst/>
-          </a:prstGeom>
-          <a:noFill/>
-          <a:ln>
-            <a:solidFill>
-              <a:srgbClr val="EA473B"/>
-            </a:solidFill>
-          </a:ln>
-        </p:spPr>
-        <p:style>
-          <a:lnRef idx="2">
-            <a:schemeClr val="accent1">
-              <a:shade val="50000"/>
-            </a:schemeClr>
-          </a:lnRef>
-          <a:fillRef idx="1">
-            <a:schemeClr val="accent1"/>
-          </a:fillRef>
-          <a:effectRef idx="0">
-            <a:schemeClr val="accent1"/>
-          </a:effectRef>
-          <a:fontRef idx="minor">
-            <a:schemeClr val="lt1"/>
-          </a:fontRef>
-        </p:style>
-        <p:txBody>
-          <a:bodyPr rtlCol="0" anchor="ctr"/>
-          <a:lstStyle/>
-          <a:p>
-            <a:pPr algn="ctr"/>
-            <a:endParaRPr lang="ko-KR" altLang="en-US"/>
-          </a:p>
-        </p:txBody>
-      </p:sp>
-    </p:spTree>
-    <p:extLst>
-      <p:ext uri="{BB962C8B-B14F-4D97-AF65-F5344CB8AC3E}">
-        <p14:creationId xmlns:p14="http://schemas.microsoft.com/office/powerpoint/2010/main" val="1560351109"/>
-      </p:ext>
-    </p:extLst>
-  </p:cSld>
-  <p:clrMapOvr>
-    <a:masterClrMapping/>
-  </p:clrMapOvr>
-</p:sld>
-</file>
-
 <file path=ppt/slides/slide18.xml><?xml version="1.0" encoding="utf-8"?>
 <p:sld xmlns:a="http://schemas.openxmlformats.org/drawingml/2006/main" xmlns:r="http://schemas.openxmlformats.org/officeDocument/2006/relationships" xmlns:p="http://schemas.openxmlformats.org/presentationml/2006/main">
   <p:cSld>
@@ -6744,52 +7200,22 @@
           <a:chExt cx="0" cy="0"/>
         </a:xfrm>
       </p:grpSpPr>
-      <p:pic>
-        <p:nvPicPr>
-          <p:cNvPr id="3" name="그림 2">
-            <a:extLst>
-              <a:ext uri="{FF2B5EF4-FFF2-40B4-BE49-F238E27FC236}">
-                <a16:creationId xmlns:a16="http://schemas.microsoft.com/office/drawing/2014/main" id="{52FBCEAC-FCFE-5140-5A8E-0EB02D1023C1}"/>
-              </a:ext>
-            </a:extLst>
-          </p:cNvPr>
-          <p:cNvPicPr>
-            <a:picLocks noChangeAspect="1"/>
-          </p:cNvPicPr>
+      <p:sp>
+        <p:nvSpPr>
+          <p:cNvPr id="15" name="TextBox 14">
+            <a:extLst>
+              <a:ext uri="{FF2B5EF4-FFF2-40B4-BE49-F238E27FC236}">
+                <a16:creationId xmlns:a16="http://schemas.microsoft.com/office/drawing/2014/main" id="{BA04418A-3697-DF14-5B90-D9AC7CE43E2B}"/>
+              </a:ext>
+            </a:extLst>
+          </p:cNvPr>
+          <p:cNvSpPr txBox="1"/>
           <p:nvPr/>
-        </p:nvPicPr>
-        <p:blipFill>
-          <a:blip r:embed="rId2"/>
-          <a:stretch>
-            <a:fillRect/>
-          </a:stretch>
-        </p:blipFill>
+        </p:nvSpPr>
         <p:spPr>
           <a:xfrm>
-            <a:off x="7473692" y="1628775"/>
-            <a:ext cx="2934109" cy="3200847"/>
-          </a:xfrm>
-          <a:prstGeom prst="rect">
-            <a:avLst/>
-          </a:prstGeom>
-        </p:spPr>
-      </p:pic>
-      <p:sp>
-        <p:nvSpPr>
-          <p:cNvPr id="15" name="TextBox 14">
-            <a:extLst>
-              <a:ext uri="{FF2B5EF4-FFF2-40B4-BE49-F238E27FC236}">
-                <a16:creationId xmlns:a16="http://schemas.microsoft.com/office/drawing/2014/main" id="{BA04418A-3697-DF14-5B90-D9AC7CE43E2B}"/>
-              </a:ext>
-            </a:extLst>
-          </p:cNvPr>
-          <p:cNvSpPr txBox="1"/>
-          <p:nvPr/>
-        </p:nvSpPr>
-        <p:spPr>
-          <a:xfrm>
-            <a:off x="1680310" y="1155929"/>
-            <a:ext cx="3733800" cy="584775"/>
+            <a:off x="1680310" y="1469196"/>
+            <a:ext cx="6650890" cy="1200329"/>
           </a:xfrm>
           <a:prstGeom prst="rect">
             <a:avLst/>
@@ -6803,16 +7229,16 @@
           <a:lstStyle/>
           <a:p>
             <a:r>
-              <a:rPr lang="ko-KR" altLang="en-US" sz="3200" dirty="0">
+              <a:rPr lang="ko-KR" altLang="en-US" sz="7200" dirty="0">
                 <a:solidFill>
                   <a:schemeClr val="bg1"/>
                 </a:solidFill>
                 <a:latin typeface="넥슨Lv2고딕 Bold" panose="00000800000000000000" pitchFamily="2" charset="-127"/>
                 <a:ea typeface="넥슨Lv2고딕 Bold" panose="00000800000000000000" pitchFamily="2" charset="-127"/>
               </a:rPr>
-              <a:t>전투</a:t>
-            </a:r>
-            <a:endParaRPr lang="en-US" altLang="ko-KR" sz="3200" dirty="0">
+              <a:t>스크립트</a:t>
+            </a:r>
+            <a:endParaRPr lang="en-US" altLang="ko-KR" sz="7200" dirty="0">
               <a:solidFill>
                 <a:schemeClr val="bg1"/>
               </a:solidFill>
@@ -6824,72 +7250,20 @@
       </p:sp>
       <p:sp>
         <p:nvSpPr>
-          <p:cNvPr id="16" name="직사각형 15">
-            <a:extLst>
-              <a:ext uri="{FF2B5EF4-FFF2-40B4-BE49-F238E27FC236}">
-                <a16:creationId xmlns:a16="http://schemas.microsoft.com/office/drawing/2014/main" id="{06D4D73C-002A-B871-4E9F-3C2F2EFA95F6}"/>
-              </a:ext>
-            </a:extLst>
-          </p:cNvPr>
-          <p:cNvSpPr/>
+          <p:cNvPr id="11" name="TextBox 10">
+            <a:extLst>
+              <a:ext uri="{FF2B5EF4-FFF2-40B4-BE49-F238E27FC236}">
+                <a16:creationId xmlns:a16="http://schemas.microsoft.com/office/drawing/2014/main" id="{E10A1302-F34C-6112-2BB3-EF054A096FF3}"/>
+              </a:ext>
+            </a:extLst>
+          </p:cNvPr>
+          <p:cNvSpPr txBox="1"/>
           <p:nvPr/>
         </p:nvSpPr>
         <p:spPr>
           <a:xfrm>
-            <a:off x="1660524" y="1262063"/>
-            <a:ext cx="45719" cy="366711"/>
-          </a:xfrm>
-          <a:prstGeom prst="rect">
-            <a:avLst/>
-          </a:prstGeom>
-          <a:solidFill>
-            <a:schemeClr val="bg1"/>
-          </a:solidFill>
-          <a:ln>
-            <a:noFill/>
-          </a:ln>
-        </p:spPr>
-        <p:style>
-          <a:lnRef idx="2">
-            <a:schemeClr val="accent1">
-              <a:shade val="50000"/>
-            </a:schemeClr>
-          </a:lnRef>
-          <a:fillRef idx="1">
-            <a:schemeClr val="accent1"/>
-          </a:fillRef>
-          <a:effectRef idx="0">
-            <a:schemeClr val="accent1"/>
-          </a:effectRef>
-          <a:fontRef idx="minor">
-            <a:schemeClr val="lt1"/>
-          </a:fontRef>
-        </p:style>
-        <p:txBody>
-          <a:bodyPr rtlCol="0" anchor="ctr"/>
-          <a:lstStyle/>
-          <a:p>
-            <a:pPr algn="ctr"/>
-            <a:endParaRPr lang="ko-KR" altLang="en-US"/>
-          </a:p>
-        </p:txBody>
-      </p:sp>
-      <p:sp>
-        <p:nvSpPr>
-          <p:cNvPr id="19" name="TextBox 18">
-            <a:extLst>
-              <a:ext uri="{FF2B5EF4-FFF2-40B4-BE49-F238E27FC236}">
-                <a16:creationId xmlns:a16="http://schemas.microsoft.com/office/drawing/2014/main" id="{5316A27D-F818-472F-350E-CD328A0375DC}"/>
-              </a:ext>
-            </a:extLst>
-          </p:cNvPr>
-          <p:cNvSpPr txBox="1"/>
-          <p:nvPr/>
-        </p:nvSpPr>
-        <p:spPr>
-          <a:xfrm>
-            <a:off x="1680309" y="2074745"/>
-            <a:ext cx="8736865" cy="1538370"/>
+            <a:off x="1657349" y="3143250"/>
+            <a:ext cx="4321175" cy="2984343"/>
           </a:xfrm>
           <a:prstGeom prst="rect">
             <a:avLst/>
@@ -6908,16 +7282,33 @@
               </a:lnSpc>
             </a:pPr>
             <a:r>
-              <a:rPr lang="ko-KR" altLang="en-US" sz="1600" dirty="0">
-                <a:solidFill>
-                  <a:schemeClr val="bg1"/>
-                </a:solidFill>
-                <a:latin typeface="넥슨Lv2고딕 Light" panose="00000300000000000000" pitchFamily="2" charset="-127"/>
-                <a:ea typeface="넥슨Lv2고딕 Light" panose="00000300000000000000" pitchFamily="2" charset="-127"/>
-              </a:rPr>
-              <a:t>공격이 끝난 이후 턴종료를 알리기 위해</a:t>
-            </a:r>
-            <a:endParaRPr lang="en-US" altLang="ko-KR" sz="1600" dirty="0">
+              <a:rPr lang="ko-KR" altLang="en-US" sz="3200" dirty="0">
+                <a:solidFill>
+                  <a:schemeClr val="bg1"/>
+                </a:solidFill>
+                <a:latin typeface="넥슨Lv2고딕 Light" panose="00000300000000000000" pitchFamily="2" charset="-127"/>
+                <a:ea typeface="넥슨Lv2고딕 Light" panose="00000300000000000000" pitchFamily="2" charset="-127"/>
+              </a:rPr>
+              <a:t>플레이어</a:t>
+            </a:r>
+          </a:p>
+          <a:p>
+            <a:pPr>
+              <a:lnSpc>
+                <a:spcPct val="150000"/>
+              </a:lnSpc>
+            </a:pPr>
+            <a:r>
+              <a:rPr lang="ko-KR" altLang="en-US" sz="3200" dirty="0">
+                <a:solidFill>
+                  <a:schemeClr val="bg1"/>
+                </a:solidFill>
+                <a:latin typeface="넥슨Lv2고딕 Light" panose="00000300000000000000" pitchFamily="2" charset="-127"/>
+                <a:ea typeface="넥슨Lv2고딕 Light" panose="00000300000000000000" pitchFamily="2" charset="-127"/>
+              </a:rPr>
+              <a:t>전투</a:t>
+            </a:r>
+            <a:endParaRPr lang="en-US" altLang="ko-KR" sz="3200" dirty="0">
               <a:solidFill>
                 <a:schemeClr val="bg1"/>
               </a:solidFill>
@@ -6932,53 +7323,36 @@
               </a:lnSpc>
             </a:pPr>
             <a:r>
-              <a:rPr lang="en-US" altLang="ko-KR" sz="1600" dirty="0" err="1">
-                <a:solidFill>
-                  <a:schemeClr val="bg1"/>
-                </a:solidFill>
-                <a:latin typeface="넥슨Lv2고딕 Light" panose="00000300000000000000" pitchFamily="2" charset="-127"/>
-                <a:ea typeface="넥슨Lv2고딕 Light" panose="00000300000000000000" pitchFamily="2" charset="-127"/>
-              </a:rPr>
-              <a:t>TurnEnd</a:t>
-            </a:r>
-            <a:r>
-              <a:rPr lang="en-US" altLang="ko-KR" sz="1600" dirty="0">
-                <a:solidFill>
-                  <a:schemeClr val="bg1"/>
-                </a:solidFill>
-                <a:latin typeface="넥슨Lv2고딕 Light" panose="00000300000000000000" pitchFamily="2" charset="-127"/>
-                <a:ea typeface="넥슨Lv2고딕 Light" panose="00000300000000000000" pitchFamily="2" charset="-127"/>
-              </a:rPr>
-              <a:t> </a:t>
-            </a:r>
-            <a:r>
-              <a:rPr lang="ko-KR" altLang="en-US" sz="1600" dirty="0">
-                <a:solidFill>
-                  <a:schemeClr val="bg1"/>
-                </a:solidFill>
-                <a:latin typeface="넥슨Lv2고딕 Light" panose="00000300000000000000" pitchFamily="2" charset="-127"/>
-                <a:ea typeface="넥슨Lv2고딕 Light" panose="00000300000000000000" pitchFamily="2" charset="-127"/>
-              </a:rPr>
-              <a:t>함수를 콜 백 하도록 만들었으며</a:t>
-            </a:r>
-          </a:p>
-          <a:p>
-            <a:pPr>
-              <a:lnSpc>
-                <a:spcPct val="150000"/>
-              </a:lnSpc>
-            </a:pPr>
-            <a:r>
-              <a:rPr lang="ko-KR" altLang="en-US" sz="1600" dirty="0">
-                <a:solidFill>
-                  <a:schemeClr val="bg1"/>
-                </a:solidFill>
-                <a:latin typeface="넥슨Lv2고딕 Light" panose="00000300000000000000" pitchFamily="2" charset="-127"/>
-                <a:ea typeface="넥슨Lv2고딕 Light" panose="00000300000000000000" pitchFamily="2" charset="-127"/>
-              </a:rPr>
-              <a:t>플레이어 또는 적이 죽을 때까지</a:t>
-            </a:r>
-            <a:endParaRPr lang="en-US" altLang="ko-KR" sz="1600" dirty="0">
+              <a:rPr lang="ko-KR" altLang="en-US" sz="3200" dirty="0">
+                <a:solidFill>
+                  <a:schemeClr val="bg1"/>
+                </a:solidFill>
+                <a:latin typeface="넥슨Lv2고딕 Light" panose="00000300000000000000" pitchFamily="2" charset="-127"/>
+                <a:ea typeface="넥슨Lv2고딕 Light" panose="00000300000000000000" pitchFamily="2" charset="-127"/>
+              </a:rPr>
+              <a:t>세이브</a:t>
+            </a:r>
+            <a:r>
+              <a:rPr lang="en-US" altLang="ko-KR" sz="3200" dirty="0">
+                <a:solidFill>
+                  <a:schemeClr val="bg1"/>
+                </a:solidFill>
+                <a:latin typeface="넥슨Lv2고딕 Light" panose="00000300000000000000" pitchFamily="2" charset="-127"/>
+                <a:ea typeface="넥슨Lv2고딕 Light" panose="00000300000000000000" pitchFamily="2" charset="-127"/>
+              </a:rPr>
+              <a:t>/</a:t>
+            </a:r>
+            <a:r>
+              <a:rPr lang="ko-KR" altLang="en-US" sz="3200" dirty="0">
+                <a:solidFill>
+                  <a:schemeClr val="bg1"/>
+                </a:solidFill>
+                <a:latin typeface="넥슨Lv2고딕 Light" panose="00000300000000000000" pitchFamily="2" charset="-127"/>
+                <a:ea typeface="넥슨Lv2고딕 Light" panose="00000300000000000000" pitchFamily="2" charset="-127"/>
+              </a:rPr>
+              <a:t>로드</a:t>
+            </a:r>
+            <a:endParaRPr lang="en-US" altLang="ko-KR" sz="3200" dirty="0">
               <a:solidFill>
                 <a:schemeClr val="bg1"/>
               </a:solidFill>
@@ -6993,81 +7367,22 @@
               </a:lnSpc>
             </a:pPr>
             <a:r>
-              <a:rPr lang="ko-KR" altLang="en-US" sz="1600" dirty="0">
-                <a:solidFill>
-                  <a:schemeClr val="bg1"/>
-                </a:solidFill>
-                <a:latin typeface="넥슨Lv2고딕 Light" panose="00000300000000000000" pitchFamily="2" charset="-127"/>
-                <a:ea typeface="넥슨Lv2고딕 Light" panose="00000300000000000000" pitchFamily="2" charset="-127"/>
-              </a:rPr>
-              <a:t>재귀적으로 번갈아 가며 호출하며 작동한다</a:t>
-            </a:r>
-            <a:endParaRPr lang="en-US" altLang="ko-KR" sz="1600" dirty="0">
-              <a:solidFill>
-                <a:schemeClr val="bg1"/>
-              </a:solidFill>
-              <a:latin typeface="넥슨Lv2고딕 Light" panose="00000300000000000000" pitchFamily="2" charset="-127"/>
-              <a:ea typeface="넥슨Lv2고딕 Light" panose="00000300000000000000" pitchFamily="2" charset="-127"/>
-            </a:endParaRPr>
-          </a:p>
-        </p:txBody>
-      </p:sp>
-      <p:sp>
-        <p:nvSpPr>
-          <p:cNvPr id="8" name="직사각형 7">
-            <a:extLst>
-              <a:ext uri="{FF2B5EF4-FFF2-40B4-BE49-F238E27FC236}">
-                <a16:creationId xmlns:a16="http://schemas.microsoft.com/office/drawing/2014/main" id="{E6A5C31E-73AD-B758-FB1B-EEA83E88CFF8}"/>
-              </a:ext>
-            </a:extLst>
-          </p:cNvPr>
-          <p:cNvSpPr/>
-          <p:nvPr/>
-        </p:nvSpPr>
-        <p:spPr>
-          <a:xfrm>
-            <a:off x="8083550" y="2457450"/>
-            <a:ext cx="1929130" cy="523875"/>
-          </a:xfrm>
-          <a:prstGeom prst="rect">
-            <a:avLst/>
-          </a:prstGeom>
-          <a:noFill/>
-          <a:ln>
-            <a:solidFill>
-              <a:srgbClr val="EA473B"/>
-            </a:solidFill>
-          </a:ln>
-        </p:spPr>
-        <p:style>
-          <a:lnRef idx="2">
-            <a:schemeClr val="accent1">
-              <a:shade val="50000"/>
-            </a:schemeClr>
-          </a:lnRef>
-          <a:fillRef idx="1">
-            <a:schemeClr val="accent1"/>
-          </a:fillRef>
-          <a:effectRef idx="0">
-            <a:schemeClr val="accent1"/>
-          </a:effectRef>
-          <a:fontRef idx="minor">
-            <a:schemeClr val="lt1"/>
-          </a:fontRef>
-        </p:style>
-        <p:txBody>
-          <a:bodyPr rtlCol="0" anchor="ctr"/>
-          <a:lstStyle/>
-          <a:p>
-            <a:pPr algn="ctr"/>
-            <a:endParaRPr lang="ko-KR" altLang="en-US"/>
+              <a:rPr lang="ko-KR" altLang="en-US" sz="3200" dirty="0">
+                <a:solidFill>
+                  <a:schemeClr val="bg1"/>
+                </a:solidFill>
+                <a:latin typeface="넥슨Lv2고딕 Light" panose="00000300000000000000" pitchFamily="2" charset="-127"/>
+                <a:ea typeface="넥슨Lv2고딕 Light" panose="00000300000000000000" pitchFamily="2" charset="-127"/>
+              </a:rPr>
+              <a:t>싱글 톤 사용 이유</a:t>
+            </a:r>
           </a:p>
         </p:txBody>
       </p:sp>
     </p:spTree>
     <p:extLst>
       <p:ext uri="{BB962C8B-B14F-4D97-AF65-F5344CB8AC3E}">
-        <p14:creationId xmlns:p14="http://schemas.microsoft.com/office/powerpoint/2010/main" val="3082058199"/>
+        <p14:creationId xmlns:p14="http://schemas.microsoft.com/office/powerpoint/2010/main" val="2839138623"/>
       </p:ext>
     </p:extLst>
   </p:cSld>
@@ -7138,27 +7453,7 @@
                 <a:latin typeface="넥슨Lv2고딕 Bold" panose="00000800000000000000" pitchFamily="2" charset="-127"/>
                 <a:ea typeface="넥슨Lv2고딕 Bold" panose="00000800000000000000" pitchFamily="2" charset="-127"/>
               </a:rPr>
-              <a:t>세이브</a:t>
-            </a:r>
-            <a:r>
-              <a:rPr lang="en-US" altLang="ko-KR" sz="3200" dirty="0">
-                <a:solidFill>
-                  <a:schemeClr val="bg1"/>
-                </a:solidFill>
-                <a:latin typeface="넥슨Lv2고딕 Bold" panose="00000800000000000000" pitchFamily="2" charset="-127"/>
-                <a:ea typeface="넥슨Lv2고딕 Bold" panose="00000800000000000000" pitchFamily="2" charset="-127"/>
-              </a:rPr>
-              <a:t>/</a:t>
-            </a:r>
-            <a:r>
-              <a:rPr lang="ko-KR" altLang="en-US" sz="3200" dirty="0">
-                <a:solidFill>
-                  <a:schemeClr val="bg1"/>
-                </a:solidFill>
-                <a:latin typeface="넥슨Lv2고딕 Bold" panose="00000800000000000000" pitchFamily="2" charset="-127"/>
-                <a:ea typeface="넥슨Lv2고딕 Bold" panose="00000800000000000000" pitchFamily="2" charset="-127"/>
-              </a:rPr>
-              <a:t>로드</a:t>
+              <a:t>플레이어</a:t>
             </a:r>
             <a:endParaRPr lang="en-US" altLang="ko-KR" sz="3200" dirty="0">
               <a:solidFill>
@@ -7236,8 +7531,8 @@
         </p:nvSpPr>
         <p:spPr>
           <a:xfrm>
-            <a:off x="1680310" y="2074745"/>
-            <a:ext cx="4414322" cy="3015697"/>
+            <a:off x="1680309" y="2074745"/>
+            <a:ext cx="8736865" cy="2277034"/>
           </a:xfrm>
           <a:prstGeom prst="rect">
             <a:avLst/>
@@ -7260,44 +7555,10 @@
                 <a:solidFill>
                   <a:schemeClr val="bg1"/>
                 </a:solidFill>
-                <a:latin typeface="넥슨Lv2고딕 Medium" panose="00000600000000000000" pitchFamily="2" charset="-127"/>
-                <a:ea typeface="넥슨Lv2고딕 Medium" panose="00000600000000000000" pitchFamily="2" charset="-127"/>
-              </a:rPr>
-              <a:t>플레이어 데이터</a:t>
-            </a:r>
-            <a:endParaRPr lang="en-US" altLang="ko-KR" sz="1600" dirty="0">
-              <a:solidFill>
-                <a:schemeClr val="bg1"/>
-              </a:solidFill>
-              <a:latin typeface="넥슨Lv2고딕 Medium" panose="00000600000000000000" pitchFamily="2" charset="-127"/>
-              <a:ea typeface="넥슨Lv2고딕 Medium" panose="00000600000000000000" pitchFamily="2" charset="-127"/>
-            </a:endParaRPr>
-          </a:p>
-          <a:p>
-            <a:pPr>
-              <a:lnSpc>
-                <a:spcPct val="150000"/>
-              </a:lnSpc>
-            </a:pPr>
-            <a:r>
-              <a:rPr lang="en-US" altLang="ko-KR" sz="1600" dirty="0" err="1">
-                <a:solidFill>
-                  <a:schemeClr val="bg1"/>
-                </a:solidFill>
-                <a:latin typeface="넥슨Lv2고딕 Light" panose="00000300000000000000" pitchFamily="2" charset="-127"/>
-                <a:ea typeface="넥슨Lv2고딕 Light" panose="00000300000000000000" pitchFamily="2" charset="-127"/>
-              </a:rPr>
-              <a:t>json</a:t>
-            </a:r>
-            <a:r>
-              <a:rPr lang="ko-KR" altLang="en-US" sz="1600" dirty="0">
-                <a:solidFill>
-                  <a:schemeClr val="bg1"/>
-                </a:solidFill>
-                <a:latin typeface="넥슨Lv2고딕 Light" panose="00000300000000000000" pitchFamily="2" charset="-127"/>
-                <a:ea typeface="넥슨Lv2고딕 Light" panose="00000300000000000000" pitchFamily="2" charset="-127"/>
-              </a:rPr>
-              <a:t>으로 저장하기 위해 필요한 데이터들을</a:t>
+                <a:latin typeface="넥슨Lv2고딕 Light" panose="00000300000000000000" pitchFamily="2" charset="-127"/>
+                <a:ea typeface="넥슨Lv2고딕 Light" panose="00000300000000000000" pitchFamily="2" charset="-127"/>
+              </a:rPr>
+              <a:t>플레이어의 정보를 가지고 있으며</a:t>
             </a:r>
             <a:endParaRPr lang="en-US" altLang="ko-KR" sz="1600" dirty="0">
               <a:solidFill>
@@ -7321,7 +7582,47 @@
                 <a:latin typeface="넥슨Lv2고딕 Light" panose="00000300000000000000" pitchFamily="2" charset="-127"/>
                 <a:ea typeface="넥슨Lv2고딕 Light" panose="00000300000000000000" pitchFamily="2" charset="-127"/>
               </a:rPr>
-              <a:t>직렬화 하고 인벤토리 내 아이템들을</a:t>
+              <a:t>변경에 따른</a:t>
+            </a:r>
+            <a:r>
+              <a:rPr lang="en-US" altLang="ko-KR" sz="1600" dirty="0">
+                <a:solidFill>
+                  <a:schemeClr val="bg1"/>
+                </a:solidFill>
+                <a:latin typeface="넥슨Lv2고딕 Light" panose="00000300000000000000" pitchFamily="2" charset="-127"/>
+                <a:ea typeface="넥슨Lv2고딕 Light" panose="00000300000000000000" pitchFamily="2" charset="-127"/>
+              </a:rPr>
+              <a:t> </a:t>
+            </a:r>
+            <a:r>
+              <a:rPr lang="ko-KR" altLang="en-US" sz="1600" dirty="0">
+                <a:solidFill>
+                  <a:schemeClr val="bg1"/>
+                </a:solidFill>
+                <a:latin typeface="넥슨Lv2고딕 Light" panose="00000300000000000000" pitchFamily="2" charset="-127"/>
+                <a:ea typeface="넥슨Lv2고딕 Light" panose="00000300000000000000" pitchFamily="2" charset="-127"/>
+              </a:rPr>
+              <a:t>이벤트를 발생시키는</a:t>
+            </a:r>
+            <a:r>
+              <a:rPr lang="en-US" altLang="ko-KR" sz="1600" dirty="0">
+                <a:solidFill>
+                  <a:schemeClr val="bg1"/>
+                </a:solidFill>
+                <a:latin typeface="넥슨Lv2고딕 Light" panose="00000300000000000000" pitchFamily="2" charset="-127"/>
+                <a:ea typeface="넥슨Lv2고딕 Light" panose="00000300000000000000" pitchFamily="2" charset="-127"/>
+              </a:rPr>
+              <a:t> </a:t>
+            </a:r>
+            <a:r>
+              <a:rPr lang="ko-KR" altLang="en-US" sz="1600" dirty="0">
+                <a:solidFill>
+                  <a:schemeClr val="bg1"/>
+                </a:solidFill>
+                <a:latin typeface="넥슨Lv2고딕 Light" panose="00000300000000000000" pitchFamily="2" charset="-127"/>
+                <a:ea typeface="넥슨Lv2고딕 Light" panose="00000300000000000000" pitchFamily="2" charset="-127"/>
+              </a:rPr>
+              <a:t>클래스</a:t>
             </a:r>
             <a:endParaRPr lang="en-US" altLang="ko-KR" sz="1600" dirty="0">
               <a:solidFill>
@@ -7337,56 +7638,6 @@
                 <a:spcPct val="150000"/>
               </a:lnSpc>
             </a:pPr>
-            <a:r>
-              <a:rPr lang="ko-KR" altLang="en-US" sz="1600" dirty="0">
-                <a:solidFill>
-                  <a:schemeClr val="bg1"/>
-                </a:solidFill>
-                <a:latin typeface="넥슨Lv2고딕 Light" panose="00000300000000000000" pitchFamily="2" charset="-127"/>
-                <a:ea typeface="넥슨Lv2고딕 Light" panose="00000300000000000000" pitchFamily="2" charset="-127"/>
-              </a:rPr>
-              <a:t>아이템 </a:t>
-            </a:r>
-            <a:r>
-              <a:rPr lang="en-US" altLang="ko-KR" sz="1600" dirty="0">
-                <a:solidFill>
-                  <a:schemeClr val="bg1"/>
-                </a:solidFill>
-                <a:latin typeface="넥슨Lv2고딕 Light" panose="00000300000000000000" pitchFamily="2" charset="-127"/>
-                <a:ea typeface="넥슨Lv2고딕 Light" panose="00000300000000000000" pitchFamily="2" charset="-127"/>
-              </a:rPr>
-              <a:t>ID</a:t>
-            </a:r>
-            <a:r>
-              <a:rPr lang="ko-KR" altLang="en-US" sz="1600" dirty="0">
-                <a:solidFill>
-                  <a:schemeClr val="bg1"/>
-                </a:solidFill>
-                <a:latin typeface="넥슨Lv2고딕 Light" panose="00000300000000000000" pitchFamily="2" charset="-127"/>
-                <a:ea typeface="넥슨Lv2고딕 Light" panose="00000300000000000000" pitchFamily="2" charset="-127"/>
-              </a:rPr>
-              <a:t>가 담긴 </a:t>
-            </a:r>
-            <a:r>
-              <a:rPr lang="en-US" altLang="ko-KR" sz="1600" dirty="0">
-                <a:solidFill>
-                  <a:schemeClr val="bg1"/>
-                </a:solidFill>
-                <a:latin typeface="넥슨Lv2고딕 Light" panose="00000300000000000000" pitchFamily="2" charset="-127"/>
-                <a:ea typeface="넥슨Lv2고딕 Light" panose="00000300000000000000" pitchFamily="2" charset="-127"/>
-              </a:rPr>
-              <a:t>List&lt;int&gt; </a:t>
-            </a:r>
-            <a:r>
-              <a:rPr lang="ko-KR" altLang="en-US" sz="1600" dirty="0">
-                <a:solidFill>
-                  <a:schemeClr val="bg1"/>
-                </a:solidFill>
-                <a:latin typeface="넥슨Lv2고딕 Light" panose="00000300000000000000" pitchFamily="2" charset="-127"/>
-                <a:ea typeface="넥슨Lv2고딕 Light" panose="00000300000000000000" pitchFamily="2" charset="-127"/>
-              </a:rPr>
-              <a:t>를 직렬화 하여</a:t>
-            </a:r>
             <a:endParaRPr lang="en-US" altLang="ko-KR" sz="1600" dirty="0">
               <a:solidFill>
                 <a:schemeClr val="bg1"/>
@@ -7409,7 +7660,27 @@
                 <a:latin typeface="넥슨Lv2고딕 Light" panose="00000300000000000000" pitchFamily="2" charset="-127"/>
                 <a:ea typeface="넥슨Lv2고딕 Light" panose="00000300000000000000" pitchFamily="2" charset="-127"/>
               </a:rPr>
-              <a:t>로드가 되도록 하였으며</a:t>
+              <a:t>코인의 값이 </a:t>
+            </a:r>
+            <a:r>
+              <a:rPr lang="en-US" altLang="ko-KR" sz="1600" dirty="0">
+                <a:solidFill>
+                  <a:schemeClr val="bg1"/>
+                </a:solidFill>
+                <a:latin typeface="넥슨Lv2고딕 Light" panose="00000300000000000000" pitchFamily="2" charset="-127"/>
+                <a:ea typeface="넥슨Lv2고딕 Light" panose="00000300000000000000" pitchFamily="2" charset="-127"/>
+              </a:rPr>
+              <a:t>0 </a:t>
+            </a:r>
+            <a:r>
+              <a:rPr lang="ko-KR" altLang="en-US" sz="1600" dirty="0">
+                <a:solidFill>
+                  <a:schemeClr val="bg1"/>
+                </a:solidFill>
+                <a:latin typeface="넥슨Lv2고딕 Light" panose="00000300000000000000" pitchFamily="2" charset="-127"/>
+                <a:ea typeface="넥슨Lv2고딕 Light" panose="00000300000000000000" pitchFamily="2" charset="-127"/>
+              </a:rPr>
+              <a:t>밑으로 내려가지 않도록</a:t>
             </a:r>
             <a:endParaRPr lang="en-US" altLang="ko-KR" sz="1600" dirty="0">
               <a:solidFill>
@@ -7426,6 +7697,16 @@
               </a:lnSpc>
             </a:pPr>
             <a:r>
+              <a:rPr lang="en-US" altLang="ko-KR" sz="1600" dirty="0">
+                <a:solidFill>
+                  <a:schemeClr val="bg1"/>
+                </a:solidFill>
+                <a:latin typeface="넥슨Lv2고딕 Light" panose="00000300000000000000" pitchFamily="2" charset="-127"/>
+                <a:ea typeface="넥슨Lv2고딕 Light" panose="00000300000000000000" pitchFamily="2" charset="-127"/>
+              </a:rPr>
+              <a:t>Max </a:t>
+            </a:r>
+            <a:r>
               <a:rPr lang="ko-KR" altLang="en-US" sz="1600" dirty="0">
                 <a:solidFill>
                   <a:schemeClr val="bg1"/>
@@ -7433,27 +7714,7 @@
                 <a:latin typeface="넥슨Lv2고딕 Light" panose="00000300000000000000" pitchFamily="2" charset="-127"/>
                 <a:ea typeface="넥슨Lv2고딕 Light" panose="00000300000000000000" pitchFamily="2" charset="-127"/>
               </a:rPr>
-              <a:t>반환 값을 </a:t>
-            </a:r>
-            <a:r>
-              <a:rPr lang="en-US" altLang="ko-KR" sz="1600" dirty="0">
-                <a:solidFill>
-                  <a:schemeClr val="bg1"/>
-                </a:solidFill>
-                <a:latin typeface="넥슨Lv2고딕 Light" panose="00000300000000000000" pitchFamily="2" charset="-127"/>
-                <a:ea typeface="넥슨Lv2고딕 Light" panose="00000300000000000000" pitchFamily="2" charset="-127"/>
-              </a:rPr>
-              <a:t>bool</a:t>
-            </a:r>
-            <a:r>
-              <a:rPr lang="ko-KR" altLang="en-US" sz="1600" dirty="0">
-                <a:solidFill>
-                  <a:schemeClr val="bg1"/>
-                </a:solidFill>
-                <a:latin typeface="넥슨Lv2고딕 Light" panose="00000300000000000000" pitchFamily="2" charset="-127"/>
-                <a:ea typeface="넥슨Lv2고딕 Light" panose="00000300000000000000" pitchFamily="2" charset="-127"/>
-              </a:rPr>
-              <a:t>로 하여</a:t>
+              <a:t>함수를 이용해 처리하며</a:t>
             </a:r>
             <a:endParaRPr lang="en-US" altLang="ko-KR" sz="1600" dirty="0">
               <a:solidFill>
@@ -7477,7 +7738,7 @@
                 <a:latin typeface="넥슨Lv2고딕 Light" panose="00000300000000000000" pitchFamily="2" charset="-127"/>
                 <a:ea typeface="넥슨Lv2고딕 Light" panose="00000300000000000000" pitchFamily="2" charset="-127"/>
               </a:rPr>
-              <a:t>로드 성공 실패 여부를</a:t>
+              <a:t>이후 이벤트를 발생시킨다</a:t>
             </a:r>
             <a:endParaRPr lang="en-US" altLang="ko-KR" sz="1600" dirty="0">
               <a:solidFill>
@@ -7487,41 +7748,14 @@
               <a:ea typeface="넥슨Lv2고딕 Light" panose="00000300000000000000" pitchFamily="2" charset="-127"/>
             </a:endParaRPr>
           </a:p>
-          <a:p>
-            <a:pPr>
-              <a:lnSpc>
-                <a:spcPct val="150000"/>
-              </a:lnSpc>
-            </a:pPr>
-            <a:r>
-              <a:rPr lang="ko-KR" altLang="en-US" sz="1600" dirty="0">
-                <a:solidFill>
-                  <a:schemeClr val="bg1"/>
-                </a:solidFill>
-                <a:latin typeface="넥슨Lv2고딕 Light" panose="00000300000000000000" pitchFamily="2" charset="-127"/>
-                <a:ea typeface="넥슨Lv2고딕 Light" panose="00000300000000000000" pitchFamily="2" charset="-127"/>
-              </a:rPr>
-              <a:t>판단하고 새로운 파일을 만들도록 작성하였습니다</a:t>
-            </a:r>
-            <a:r>
-              <a:rPr lang="en-US" altLang="ko-KR" sz="1600" dirty="0">
-                <a:solidFill>
-                  <a:schemeClr val="bg1"/>
-                </a:solidFill>
-                <a:latin typeface="넥슨Lv2고딕 Light" panose="00000300000000000000" pitchFamily="2" charset="-127"/>
-                <a:ea typeface="넥슨Lv2고딕 Light" panose="00000300000000000000" pitchFamily="2" charset="-127"/>
-              </a:rPr>
-              <a:t>.</a:t>
-            </a:r>
-          </a:p>
         </p:txBody>
       </p:sp>
       <p:pic>
         <p:nvPicPr>
-          <p:cNvPr id="13" name="그림 12">
-            <a:extLst>
-              <a:ext uri="{FF2B5EF4-FFF2-40B4-BE49-F238E27FC236}">
-                <a16:creationId xmlns:a16="http://schemas.microsoft.com/office/drawing/2014/main" id="{85B530E4-3CBE-B7C7-4C74-7B77C5A34D37}"/>
+          <p:cNvPr id="7" name="그림 6">
+            <a:extLst>
+              <a:ext uri="{FF2B5EF4-FFF2-40B4-BE49-F238E27FC236}">
+                <a16:creationId xmlns:a16="http://schemas.microsoft.com/office/drawing/2014/main" id="{DC5CEB0A-B6C1-C993-2921-E0F6BDB78D49}"/>
               </a:ext>
             </a:extLst>
           </p:cNvPr>
@@ -7538,18 +7772,70 @@
         </p:blipFill>
         <p:spPr>
           <a:xfrm>
-            <a:off x="6097370" y="1631757"/>
-            <a:ext cx="4339589" cy="3352994"/>
+            <a:off x="6678201" y="1628774"/>
+            <a:ext cx="3738973" cy="4508089"/>
           </a:xfrm>
           <a:prstGeom prst="rect">
             <a:avLst/>
           </a:prstGeom>
         </p:spPr>
       </p:pic>
+      <p:sp>
+        <p:nvSpPr>
+          <p:cNvPr id="8" name="직사각형 7">
+            <a:extLst>
+              <a:ext uri="{FF2B5EF4-FFF2-40B4-BE49-F238E27FC236}">
+                <a16:creationId xmlns:a16="http://schemas.microsoft.com/office/drawing/2014/main" id="{E6A5C31E-73AD-B758-FB1B-EEA83E88CFF8}"/>
+              </a:ext>
+            </a:extLst>
+          </p:cNvPr>
+          <p:cNvSpPr/>
+          <p:nvPr/>
+        </p:nvSpPr>
+        <p:spPr>
+          <a:xfrm>
+            <a:off x="7378700" y="4133850"/>
+            <a:ext cx="2927350" cy="523875"/>
+          </a:xfrm>
+          <a:prstGeom prst="rect">
+            <a:avLst/>
+          </a:prstGeom>
+          <a:noFill/>
+          <a:ln>
+            <a:solidFill>
+              <a:srgbClr val="EA473B"/>
+            </a:solidFill>
+          </a:ln>
+        </p:spPr>
+        <p:style>
+          <a:lnRef idx="2">
+            <a:schemeClr val="accent1">
+              <a:shade val="50000"/>
+            </a:schemeClr>
+          </a:lnRef>
+          <a:fillRef idx="1">
+            <a:schemeClr val="accent1"/>
+          </a:fillRef>
+          <a:effectRef idx="0">
+            <a:schemeClr val="accent1"/>
+          </a:effectRef>
+          <a:fontRef idx="minor">
+            <a:schemeClr val="lt1"/>
+          </a:fontRef>
+        </p:style>
+        <p:txBody>
+          <a:bodyPr rtlCol="0" anchor="ctr"/>
+          <a:lstStyle/>
+          <a:p>
+            <a:pPr algn="ctr"/>
+            <a:endParaRPr lang="ko-KR" altLang="en-US"/>
+          </a:p>
+        </p:txBody>
+      </p:sp>
     </p:spTree>
     <p:extLst>
       <p:ext uri="{BB962C8B-B14F-4D97-AF65-F5344CB8AC3E}">
-        <p14:creationId xmlns:p14="http://schemas.microsoft.com/office/powerpoint/2010/main" val="2090174743"/>
+        <p14:creationId xmlns:p14="http://schemas.microsoft.com/office/powerpoint/2010/main" val="1560351109"/>
       </p:ext>
     </p:extLst>
   </p:cSld>
@@ -7991,6 +8277,846 @@
           <a:chExt cx="0" cy="0"/>
         </a:xfrm>
       </p:grpSpPr>
+      <p:pic>
+        <p:nvPicPr>
+          <p:cNvPr id="3" name="그림 2">
+            <a:extLst>
+              <a:ext uri="{FF2B5EF4-FFF2-40B4-BE49-F238E27FC236}">
+                <a16:creationId xmlns:a16="http://schemas.microsoft.com/office/drawing/2014/main" id="{52FBCEAC-FCFE-5140-5A8E-0EB02D1023C1}"/>
+              </a:ext>
+            </a:extLst>
+          </p:cNvPr>
+          <p:cNvPicPr>
+            <a:picLocks noChangeAspect="1"/>
+          </p:cNvPicPr>
+          <p:nvPr/>
+        </p:nvPicPr>
+        <p:blipFill>
+          <a:blip r:embed="rId2"/>
+          <a:stretch>
+            <a:fillRect/>
+          </a:stretch>
+        </p:blipFill>
+        <p:spPr>
+          <a:xfrm>
+            <a:off x="7473692" y="1628775"/>
+            <a:ext cx="2934109" cy="3200847"/>
+          </a:xfrm>
+          <a:prstGeom prst="rect">
+            <a:avLst/>
+          </a:prstGeom>
+        </p:spPr>
+      </p:pic>
+      <p:sp>
+        <p:nvSpPr>
+          <p:cNvPr id="15" name="TextBox 14">
+            <a:extLst>
+              <a:ext uri="{FF2B5EF4-FFF2-40B4-BE49-F238E27FC236}">
+                <a16:creationId xmlns:a16="http://schemas.microsoft.com/office/drawing/2014/main" id="{BA04418A-3697-DF14-5B90-D9AC7CE43E2B}"/>
+              </a:ext>
+            </a:extLst>
+          </p:cNvPr>
+          <p:cNvSpPr txBox="1"/>
+          <p:nvPr/>
+        </p:nvSpPr>
+        <p:spPr>
+          <a:xfrm>
+            <a:off x="1680310" y="1155929"/>
+            <a:ext cx="3733800" cy="584775"/>
+          </a:xfrm>
+          <a:prstGeom prst="rect">
+            <a:avLst/>
+          </a:prstGeom>
+          <a:noFill/>
+        </p:spPr>
+        <p:txBody>
+          <a:bodyPr wrap="square" rtlCol="0">
+            <a:spAutoFit/>
+          </a:bodyPr>
+          <a:lstStyle/>
+          <a:p>
+            <a:r>
+              <a:rPr lang="ko-KR" altLang="en-US" sz="3200" dirty="0">
+                <a:solidFill>
+                  <a:schemeClr val="bg1"/>
+                </a:solidFill>
+                <a:latin typeface="넥슨Lv2고딕 Bold" panose="00000800000000000000" pitchFamily="2" charset="-127"/>
+                <a:ea typeface="넥슨Lv2고딕 Bold" panose="00000800000000000000" pitchFamily="2" charset="-127"/>
+              </a:rPr>
+              <a:t>전투</a:t>
+            </a:r>
+            <a:endParaRPr lang="en-US" altLang="ko-KR" sz="3200" dirty="0">
+              <a:solidFill>
+                <a:schemeClr val="bg1"/>
+              </a:solidFill>
+              <a:latin typeface="넥슨Lv2고딕 Bold" panose="00000800000000000000" pitchFamily="2" charset="-127"/>
+              <a:ea typeface="넥슨Lv2고딕 Bold" panose="00000800000000000000" pitchFamily="2" charset="-127"/>
+            </a:endParaRPr>
+          </a:p>
+        </p:txBody>
+      </p:sp>
+      <p:sp>
+        <p:nvSpPr>
+          <p:cNvPr id="16" name="직사각형 15">
+            <a:extLst>
+              <a:ext uri="{FF2B5EF4-FFF2-40B4-BE49-F238E27FC236}">
+                <a16:creationId xmlns:a16="http://schemas.microsoft.com/office/drawing/2014/main" id="{06D4D73C-002A-B871-4E9F-3C2F2EFA95F6}"/>
+              </a:ext>
+            </a:extLst>
+          </p:cNvPr>
+          <p:cNvSpPr/>
+          <p:nvPr/>
+        </p:nvSpPr>
+        <p:spPr>
+          <a:xfrm>
+            <a:off x="1660524" y="1262063"/>
+            <a:ext cx="45719" cy="366711"/>
+          </a:xfrm>
+          <a:prstGeom prst="rect">
+            <a:avLst/>
+          </a:prstGeom>
+          <a:solidFill>
+            <a:schemeClr val="bg1"/>
+          </a:solidFill>
+          <a:ln>
+            <a:noFill/>
+          </a:ln>
+        </p:spPr>
+        <p:style>
+          <a:lnRef idx="2">
+            <a:schemeClr val="accent1">
+              <a:shade val="50000"/>
+            </a:schemeClr>
+          </a:lnRef>
+          <a:fillRef idx="1">
+            <a:schemeClr val="accent1"/>
+          </a:fillRef>
+          <a:effectRef idx="0">
+            <a:schemeClr val="accent1"/>
+          </a:effectRef>
+          <a:fontRef idx="minor">
+            <a:schemeClr val="lt1"/>
+          </a:fontRef>
+        </p:style>
+        <p:txBody>
+          <a:bodyPr rtlCol="0" anchor="ctr"/>
+          <a:lstStyle/>
+          <a:p>
+            <a:pPr algn="ctr"/>
+            <a:endParaRPr lang="ko-KR" altLang="en-US"/>
+          </a:p>
+        </p:txBody>
+      </p:sp>
+      <p:sp>
+        <p:nvSpPr>
+          <p:cNvPr id="19" name="TextBox 18">
+            <a:extLst>
+              <a:ext uri="{FF2B5EF4-FFF2-40B4-BE49-F238E27FC236}">
+                <a16:creationId xmlns:a16="http://schemas.microsoft.com/office/drawing/2014/main" id="{5316A27D-F818-472F-350E-CD328A0375DC}"/>
+              </a:ext>
+            </a:extLst>
+          </p:cNvPr>
+          <p:cNvSpPr txBox="1"/>
+          <p:nvPr/>
+        </p:nvSpPr>
+        <p:spPr>
+          <a:xfrm>
+            <a:off x="1680309" y="2074745"/>
+            <a:ext cx="8736865" cy="1538370"/>
+          </a:xfrm>
+          <a:prstGeom prst="rect">
+            <a:avLst/>
+          </a:prstGeom>
+          <a:noFill/>
+        </p:spPr>
+        <p:txBody>
+          <a:bodyPr wrap="square" rtlCol="0">
+            <a:spAutoFit/>
+          </a:bodyPr>
+          <a:lstStyle/>
+          <a:p>
+            <a:pPr>
+              <a:lnSpc>
+                <a:spcPct val="150000"/>
+              </a:lnSpc>
+            </a:pPr>
+            <a:r>
+              <a:rPr lang="ko-KR" altLang="en-US" sz="1600" dirty="0">
+                <a:solidFill>
+                  <a:schemeClr val="bg1"/>
+                </a:solidFill>
+                <a:latin typeface="넥슨Lv2고딕 Light" panose="00000300000000000000" pitchFamily="2" charset="-127"/>
+                <a:ea typeface="넥슨Lv2고딕 Light" panose="00000300000000000000" pitchFamily="2" charset="-127"/>
+              </a:rPr>
+              <a:t>공격이 끝난 이후 턴종료를 알리기 위해</a:t>
+            </a:r>
+            <a:endParaRPr lang="en-US" altLang="ko-KR" sz="1600" dirty="0">
+              <a:solidFill>
+                <a:schemeClr val="bg1"/>
+              </a:solidFill>
+              <a:latin typeface="넥슨Lv2고딕 Light" panose="00000300000000000000" pitchFamily="2" charset="-127"/>
+              <a:ea typeface="넥슨Lv2고딕 Light" panose="00000300000000000000" pitchFamily="2" charset="-127"/>
+            </a:endParaRPr>
+          </a:p>
+          <a:p>
+            <a:pPr>
+              <a:lnSpc>
+                <a:spcPct val="150000"/>
+              </a:lnSpc>
+            </a:pPr>
+            <a:r>
+              <a:rPr lang="en-US" altLang="ko-KR" sz="1600" dirty="0" err="1">
+                <a:solidFill>
+                  <a:schemeClr val="bg1"/>
+                </a:solidFill>
+                <a:latin typeface="넥슨Lv2고딕 Light" panose="00000300000000000000" pitchFamily="2" charset="-127"/>
+                <a:ea typeface="넥슨Lv2고딕 Light" panose="00000300000000000000" pitchFamily="2" charset="-127"/>
+              </a:rPr>
+              <a:t>TurnEnd</a:t>
+            </a:r>
+            <a:r>
+              <a:rPr lang="en-US" altLang="ko-KR" sz="1600" dirty="0">
+                <a:solidFill>
+                  <a:schemeClr val="bg1"/>
+                </a:solidFill>
+                <a:latin typeface="넥슨Lv2고딕 Light" panose="00000300000000000000" pitchFamily="2" charset="-127"/>
+                <a:ea typeface="넥슨Lv2고딕 Light" panose="00000300000000000000" pitchFamily="2" charset="-127"/>
+              </a:rPr>
+              <a:t> </a:t>
+            </a:r>
+            <a:r>
+              <a:rPr lang="ko-KR" altLang="en-US" sz="1600" dirty="0">
+                <a:solidFill>
+                  <a:schemeClr val="bg1"/>
+                </a:solidFill>
+                <a:latin typeface="넥슨Lv2고딕 Light" panose="00000300000000000000" pitchFamily="2" charset="-127"/>
+                <a:ea typeface="넥슨Lv2고딕 Light" panose="00000300000000000000" pitchFamily="2" charset="-127"/>
+              </a:rPr>
+              <a:t>함수를 콜 백 하도록 만들었으며</a:t>
+            </a:r>
+          </a:p>
+          <a:p>
+            <a:pPr>
+              <a:lnSpc>
+                <a:spcPct val="150000"/>
+              </a:lnSpc>
+            </a:pPr>
+            <a:r>
+              <a:rPr lang="ko-KR" altLang="en-US" sz="1600" dirty="0">
+                <a:solidFill>
+                  <a:schemeClr val="bg1"/>
+                </a:solidFill>
+                <a:latin typeface="넥슨Lv2고딕 Light" panose="00000300000000000000" pitchFamily="2" charset="-127"/>
+                <a:ea typeface="넥슨Lv2고딕 Light" panose="00000300000000000000" pitchFamily="2" charset="-127"/>
+              </a:rPr>
+              <a:t>플레이어 또는 적이 죽을 때까지</a:t>
+            </a:r>
+            <a:endParaRPr lang="en-US" altLang="ko-KR" sz="1600" dirty="0">
+              <a:solidFill>
+                <a:schemeClr val="bg1"/>
+              </a:solidFill>
+              <a:latin typeface="넥슨Lv2고딕 Light" panose="00000300000000000000" pitchFamily="2" charset="-127"/>
+              <a:ea typeface="넥슨Lv2고딕 Light" panose="00000300000000000000" pitchFamily="2" charset="-127"/>
+            </a:endParaRPr>
+          </a:p>
+          <a:p>
+            <a:pPr>
+              <a:lnSpc>
+                <a:spcPct val="150000"/>
+              </a:lnSpc>
+            </a:pPr>
+            <a:r>
+              <a:rPr lang="ko-KR" altLang="en-US" sz="1600" dirty="0">
+                <a:solidFill>
+                  <a:schemeClr val="bg1"/>
+                </a:solidFill>
+                <a:latin typeface="넥슨Lv2고딕 Light" panose="00000300000000000000" pitchFamily="2" charset="-127"/>
+                <a:ea typeface="넥슨Lv2고딕 Light" panose="00000300000000000000" pitchFamily="2" charset="-127"/>
+              </a:rPr>
+              <a:t>재귀적으로 번갈아 가며 호출하며 작동한다</a:t>
+            </a:r>
+            <a:endParaRPr lang="en-US" altLang="ko-KR" sz="1600" dirty="0">
+              <a:solidFill>
+                <a:schemeClr val="bg1"/>
+              </a:solidFill>
+              <a:latin typeface="넥슨Lv2고딕 Light" panose="00000300000000000000" pitchFamily="2" charset="-127"/>
+              <a:ea typeface="넥슨Lv2고딕 Light" panose="00000300000000000000" pitchFamily="2" charset="-127"/>
+            </a:endParaRPr>
+          </a:p>
+        </p:txBody>
+      </p:sp>
+      <p:sp>
+        <p:nvSpPr>
+          <p:cNvPr id="8" name="직사각형 7">
+            <a:extLst>
+              <a:ext uri="{FF2B5EF4-FFF2-40B4-BE49-F238E27FC236}">
+                <a16:creationId xmlns:a16="http://schemas.microsoft.com/office/drawing/2014/main" id="{E6A5C31E-73AD-B758-FB1B-EEA83E88CFF8}"/>
+              </a:ext>
+            </a:extLst>
+          </p:cNvPr>
+          <p:cNvSpPr/>
+          <p:nvPr/>
+        </p:nvSpPr>
+        <p:spPr>
+          <a:xfrm>
+            <a:off x="8083550" y="2457450"/>
+            <a:ext cx="1929130" cy="523875"/>
+          </a:xfrm>
+          <a:prstGeom prst="rect">
+            <a:avLst/>
+          </a:prstGeom>
+          <a:noFill/>
+          <a:ln>
+            <a:solidFill>
+              <a:srgbClr val="EA473B"/>
+            </a:solidFill>
+          </a:ln>
+        </p:spPr>
+        <p:style>
+          <a:lnRef idx="2">
+            <a:schemeClr val="accent1">
+              <a:shade val="50000"/>
+            </a:schemeClr>
+          </a:lnRef>
+          <a:fillRef idx="1">
+            <a:schemeClr val="accent1"/>
+          </a:fillRef>
+          <a:effectRef idx="0">
+            <a:schemeClr val="accent1"/>
+          </a:effectRef>
+          <a:fontRef idx="minor">
+            <a:schemeClr val="lt1"/>
+          </a:fontRef>
+        </p:style>
+        <p:txBody>
+          <a:bodyPr rtlCol="0" anchor="ctr"/>
+          <a:lstStyle/>
+          <a:p>
+            <a:pPr algn="ctr"/>
+            <a:endParaRPr lang="ko-KR" altLang="en-US"/>
+          </a:p>
+        </p:txBody>
+      </p:sp>
+    </p:spTree>
+    <p:extLst>
+      <p:ext uri="{BB962C8B-B14F-4D97-AF65-F5344CB8AC3E}">
+        <p14:creationId xmlns:p14="http://schemas.microsoft.com/office/powerpoint/2010/main" val="3082058199"/>
+      </p:ext>
+    </p:extLst>
+  </p:cSld>
+  <p:clrMapOvr>
+    <a:masterClrMapping/>
+  </p:clrMapOvr>
+</p:sld>
+</file>
+
+<file path=ppt/slides/slide21.xml><?xml version="1.0" encoding="utf-8"?>
+<p:sld xmlns:a="http://schemas.openxmlformats.org/drawingml/2006/main" xmlns:r="http://schemas.openxmlformats.org/officeDocument/2006/relationships" xmlns:p="http://schemas.openxmlformats.org/presentationml/2006/main">
+  <p:cSld>
+    <p:bg>
+      <p:bgPr>
+        <a:solidFill>
+          <a:srgbClr val="4286F5"/>
+        </a:solidFill>
+        <a:effectLst/>
+      </p:bgPr>
+    </p:bg>
+    <p:spTree>
+      <p:nvGrpSpPr>
+        <p:cNvPr id="1" name=""/>
+        <p:cNvGrpSpPr/>
+        <p:nvPr/>
+      </p:nvGrpSpPr>
+      <p:grpSpPr>
+        <a:xfrm>
+          <a:off x="0" y="0"/>
+          <a:ext cx="0" cy="0"/>
+          <a:chOff x="0" y="0"/>
+          <a:chExt cx="0" cy="0"/>
+        </a:xfrm>
+      </p:grpSpPr>
+      <p:sp>
+        <p:nvSpPr>
+          <p:cNvPr id="15" name="TextBox 14">
+            <a:extLst>
+              <a:ext uri="{FF2B5EF4-FFF2-40B4-BE49-F238E27FC236}">
+                <a16:creationId xmlns:a16="http://schemas.microsoft.com/office/drawing/2014/main" id="{BA04418A-3697-DF14-5B90-D9AC7CE43E2B}"/>
+              </a:ext>
+            </a:extLst>
+          </p:cNvPr>
+          <p:cNvSpPr txBox="1"/>
+          <p:nvPr/>
+        </p:nvSpPr>
+        <p:spPr>
+          <a:xfrm>
+            <a:off x="1680310" y="1155929"/>
+            <a:ext cx="3733800" cy="584775"/>
+          </a:xfrm>
+          <a:prstGeom prst="rect">
+            <a:avLst/>
+          </a:prstGeom>
+          <a:noFill/>
+        </p:spPr>
+        <p:txBody>
+          <a:bodyPr wrap="square" rtlCol="0">
+            <a:spAutoFit/>
+          </a:bodyPr>
+          <a:lstStyle/>
+          <a:p>
+            <a:r>
+              <a:rPr lang="ko-KR" altLang="en-US" sz="3200" dirty="0">
+                <a:solidFill>
+                  <a:schemeClr val="bg1"/>
+                </a:solidFill>
+                <a:latin typeface="넥슨Lv2고딕 Bold" panose="00000800000000000000" pitchFamily="2" charset="-127"/>
+                <a:ea typeface="넥슨Lv2고딕 Bold" panose="00000800000000000000" pitchFamily="2" charset="-127"/>
+              </a:rPr>
+              <a:t>세이브</a:t>
+            </a:r>
+            <a:r>
+              <a:rPr lang="en-US" altLang="ko-KR" sz="3200" dirty="0">
+                <a:solidFill>
+                  <a:schemeClr val="bg1"/>
+                </a:solidFill>
+                <a:latin typeface="넥슨Lv2고딕 Bold" panose="00000800000000000000" pitchFamily="2" charset="-127"/>
+                <a:ea typeface="넥슨Lv2고딕 Bold" panose="00000800000000000000" pitchFamily="2" charset="-127"/>
+              </a:rPr>
+              <a:t>/</a:t>
+            </a:r>
+            <a:r>
+              <a:rPr lang="ko-KR" altLang="en-US" sz="3200" dirty="0">
+                <a:solidFill>
+                  <a:schemeClr val="bg1"/>
+                </a:solidFill>
+                <a:latin typeface="넥슨Lv2고딕 Bold" panose="00000800000000000000" pitchFamily="2" charset="-127"/>
+                <a:ea typeface="넥슨Lv2고딕 Bold" panose="00000800000000000000" pitchFamily="2" charset="-127"/>
+              </a:rPr>
+              <a:t>로드</a:t>
+            </a:r>
+            <a:endParaRPr lang="en-US" altLang="ko-KR" sz="3200" dirty="0">
+              <a:solidFill>
+                <a:schemeClr val="bg1"/>
+              </a:solidFill>
+              <a:latin typeface="넥슨Lv2고딕 Bold" panose="00000800000000000000" pitchFamily="2" charset="-127"/>
+              <a:ea typeface="넥슨Lv2고딕 Bold" panose="00000800000000000000" pitchFamily="2" charset="-127"/>
+            </a:endParaRPr>
+          </a:p>
+        </p:txBody>
+      </p:sp>
+      <p:sp>
+        <p:nvSpPr>
+          <p:cNvPr id="16" name="직사각형 15">
+            <a:extLst>
+              <a:ext uri="{FF2B5EF4-FFF2-40B4-BE49-F238E27FC236}">
+                <a16:creationId xmlns:a16="http://schemas.microsoft.com/office/drawing/2014/main" id="{06D4D73C-002A-B871-4E9F-3C2F2EFA95F6}"/>
+              </a:ext>
+            </a:extLst>
+          </p:cNvPr>
+          <p:cNvSpPr/>
+          <p:nvPr/>
+        </p:nvSpPr>
+        <p:spPr>
+          <a:xfrm>
+            <a:off x="1660524" y="1262063"/>
+            <a:ext cx="45719" cy="366711"/>
+          </a:xfrm>
+          <a:prstGeom prst="rect">
+            <a:avLst/>
+          </a:prstGeom>
+          <a:solidFill>
+            <a:schemeClr val="bg1"/>
+          </a:solidFill>
+          <a:ln>
+            <a:noFill/>
+          </a:ln>
+        </p:spPr>
+        <p:style>
+          <a:lnRef idx="2">
+            <a:schemeClr val="accent1">
+              <a:shade val="50000"/>
+            </a:schemeClr>
+          </a:lnRef>
+          <a:fillRef idx="1">
+            <a:schemeClr val="accent1"/>
+          </a:fillRef>
+          <a:effectRef idx="0">
+            <a:schemeClr val="accent1"/>
+          </a:effectRef>
+          <a:fontRef idx="minor">
+            <a:schemeClr val="lt1"/>
+          </a:fontRef>
+        </p:style>
+        <p:txBody>
+          <a:bodyPr rtlCol="0" anchor="ctr"/>
+          <a:lstStyle/>
+          <a:p>
+            <a:pPr algn="ctr"/>
+            <a:endParaRPr lang="ko-KR" altLang="en-US"/>
+          </a:p>
+        </p:txBody>
+      </p:sp>
+      <p:sp>
+        <p:nvSpPr>
+          <p:cNvPr id="19" name="TextBox 18">
+            <a:extLst>
+              <a:ext uri="{FF2B5EF4-FFF2-40B4-BE49-F238E27FC236}">
+                <a16:creationId xmlns:a16="http://schemas.microsoft.com/office/drawing/2014/main" id="{5316A27D-F818-472F-350E-CD328A0375DC}"/>
+              </a:ext>
+            </a:extLst>
+          </p:cNvPr>
+          <p:cNvSpPr txBox="1"/>
+          <p:nvPr/>
+        </p:nvSpPr>
+        <p:spPr>
+          <a:xfrm>
+            <a:off x="1680310" y="2074745"/>
+            <a:ext cx="4414322" cy="3015697"/>
+          </a:xfrm>
+          <a:prstGeom prst="rect">
+            <a:avLst/>
+          </a:prstGeom>
+          <a:noFill/>
+        </p:spPr>
+        <p:txBody>
+          <a:bodyPr wrap="square" rtlCol="0">
+            <a:spAutoFit/>
+          </a:bodyPr>
+          <a:lstStyle/>
+          <a:p>
+            <a:pPr>
+              <a:lnSpc>
+                <a:spcPct val="150000"/>
+              </a:lnSpc>
+            </a:pPr>
+            <a:r>
+              <a:rPr lang="ko-KR" altLang="en-US" sz="1600" dirty="0">
+                <a:solidFill>
+                  <a:schemeClr val="bg1"/>
+                </a:solidFill>
+                <a:latin typeface="넥슨Lv2고딕 Medium" panose="00000600000000000000" pitchFamily="2" charset="-127"/>
+                <a:ea typeface="넥슨Lv2고딕 Medium" panose="00000600000000000000" pitchFamily="2" charset="-127"/>
+              </a:rPr>
+              <a:t>플레이어 데이터</a:t>
+            </a:r>
+            <a:endParaRPr lang="en-US" altLang="ko-KR" sz="1600" dirty="0">
+              <a:solidFill>
+                <a:schemeClr val="bg1"/>
+              </a:solidFill>
+              <a:latin typeface="넥슨Lv2고딕 Medium" panose="00000600000000000000" pitchFamily="2" charset="-127"/>
+              <a:ea typeface="넥슨Lv2고딕 Medium" panose="00000600000000000000" pitchFamily="2" charset="-127"/>
+            </a:endParaRPr>
+          </a:p>
+          <a:p>
+            <a:pPr>
+              <a:lnSpc>
+                <a:spcPct val="150000"/>
+              </a:lnSpc>
+            </a:pPr>
+            <a:r>
+              <a:rPr lang="en-US" altLang="ko-KR" sz="1600" dirty="0" err="1">
+                <a:solidFill>
+                  <a:schemeClr val="bg1"/>
+                </a:solidFill>
+                <a:latin typeface="넥슨Lv2고딕 Light" panose="00000300000000000000" pitchFamily="2" charset="-127"/>
+                <a:ea typeface="넥슨Lv2고딕 Light" panose="00000300000000000000" pitchFamily="2" charset="-127"/>
+              </a:rPr>
+              <a:t>json</a:t>
+            </a:r>
+            <a:r>
+              <a:rPr lang="ko-KR" altLang="en-US" sz="1600" dirty="0">
+                <a:solidFill>
+                  <a:schemeClr val="bg1"/>
+                </a:solidFill>
+                <a:latin typeface="넥슨Lv2고딕 Light" panose="00000300000000000000" pitchFamily="2" charset="-127"/>
+                <a:ea typeface="넥슨Lv2고딕 Light" panose="00000300000000000000" pitchFamily="2" charset="-127"/>
+              </a:rPr>
+              <a:t>으로 저장하기 위해 필요한 데이터들을</a:t>
+            </a:r>
+            <a:endParaRPr lang="en-US" altLang="ko-KR" sz="1600" dirty="0">
+              <a:solidFill>
+                <a:schemeClr val="bg1"/>
+              </a:solidFill>
+              <a:latin typeface="넥슨Lv2고딕 Light" panose="00000300000000000000" pitchFamily="2" charset="-127"/>
+              <a:ea typeface="넥슨Lv2고딕 Light" panose="00000300000000000000" pitchFamily="2" charset="-127"/>
+            </a:endParaRPr>
+          </a:p>
+          <a:p>
+            <a:pPr>
+              <a:lnSpc>
+                <a:spcPct val="150000"/>
+              </a:lnSpc>
+            </a:pPr>
+            <a:r>
+              <a:rPr lang="ko-KR" altLang="en-US" sz="1600" dirty="0">
+                <a:solidFill>
+                  <a:schemeClr val="bg1"/>
+                </a:solidFill>
+                <a:latin typeface="넥슨Lv2고딕 Light" panose="00000300000000000000" pitchFamily="2" charset="-127"/>
+                <a:ea typeface="넥슨Lv2고딕 Light" panose="00000300000000000000" pitchFamily="2" charset="-127"/>
+              </a:rPr>
+              <a:t>직렬화 하고 인벤토리 내 아이템들을</a:t>
+            </a:r>
+            <a:endParaRPr lang="en-US" altLang="ko-KR" sz="1600" dirty="0">
+              <a:solidFill>
+                <a:schemeClr val="bg1"/>
+              </a:solidFill>
+              <a:latin typeface="넥슨Lv2고딕 Light" panose="00000300000000000000" pitchFamily="2" charset="-127"/>
+              <a:ea typeface="넥슨Lv2고딕 Light" panose="00000300000000000000" pitchFamily="2" charset="-127"/>
+            </a:endParaRPr>
+          </a:p>
+          <a:p>
+            <a:pPr>
+              <a:lnSpc>
+                <a:spcPct val="150000"/>
+              </a:lnSpc>
+            </a:pPr>
+            <a:r>
+              <a:rPr lang="ko-KR" altLang="en-US" sz="1600" dirty="0">
+                <a:solidFill>
+                  <a:schemeClr val="bg1"/>
+                </a:solidFill>
+                <a:latin typeface="넥슨Lv2고딕 Light" panose="00000300000000000000" pitchFamily="2" charset="-127"/>
+                <a:ea typeface="넥슨Lv2고딕 Light" panose="00000300000000000000" pitchFamily="2" charset="-127"/>
+              </a:rPr>
+              <a:t>아이템 </a:t>
+            </a:r>
+            <a:r>
+              <a:rPr lang="en-US" altLang="ko-KR" sz="1600" dirty="0">
+                <a:solidFill>
+                  <a:schemeClr val="bg1"/>
+                </a:solidFill>
+                <a:latin typeface="넥슨Lv2고딕 Light" panose="00000300000000000000" pitchFamily="2" charset="-127"/>
+                <a:ea typeface="넥슨Lv2고딕 Light" panose="00000300000000000000" pitchFamily="2" charset="-127"/>
+              </a:rPr>
+              <a:t>ID</a:t>
+            </a:r>
+            <a:r>
+              <a:rPr lang="ko-KR" altLang="en-US" sz="1600" dirty="0">
+                <a:solidFill>
+                  <a:schemeClr val="bg1"/>
+                </a:solidFill>
+                <a:latin typeface="넥슨Lv2고딕 Light" panose="00000300000000000000" pitchFamily="2" charset="-127"/>
+                <a:ea typeface="넥슨Lv2고딕 Light" panose="00000300000000000000" pitchFamily="2" charset="-127"/>
+              </a:rPr>
+              <a:t>가 담긴 </a:t>
+            </a:r>
+            <a:r>
+              <a:rPr lang="en-US" altLang="ko-KR" sz="1600" dirty="0">
+                <a:solidFill>
+                  <a:schemeClr val="bg1"/>
+                </a:solidFill>
+                <a:latin typeface="넥슨Lv2고딕 Light" panose="00000300000000000000" pitchFamily="2" charset="-127"/>
+                <a:ea typeface="넥슨Lv2고딕 Light" panose="00000300000000000000" pitchFamily="2" charset="-127"/>
+              </a:rPr>
+              <a:t>List&lt;int&gt; </a:t>
+            </a:r>
+            <a:r>
+              <a:rPr lang="ko-KR" altLang="en-US" sz="1600" dirty="0">
+                <a:solidFill>
+                  <a:schemeClr val="bg1"/>
+                </a:solidFill>
+                <a:latin typeface="넥슨Lv2고딕 Light" panose="00000300000000000000" pitchFamily="2" charset="-127"/>
+                <a:ea typeface="넥슨Lv2고딕 Light" panose="00000300000000000000" pitchFamily="2" charset="-127"/>
+              </a:rPr>
+              <a:t>를 직렬화 하여</a:t>
+            </a:r>
+            <a:endParaRPr lang="en-US" altLang="ko-KR" sz="1600" dirty="0">
+              <a:solidFill>
+                <a:schemeClr val="bg1"/>
+              </a:solidFill>
+              <a:latin typeface="넥슨Lv2고딕 Light" panose="00000300000000000000" pitchFamily="2" charset="-127"/>
+              <a:ea typeface="넥슨Lv2고딕 Light" panose="00000300000000000000" pitchFamily="2" charset="-127"/>
+            </a:endParaRPr>
+          </a:p>
+          <a:p>
+            <a:pPr>
+              <a:lnSpc>
+                <a:spcPct val="150000"/>
+              </a:lnSpc>
+            </a:pPr>
+            <a:r>
+              <a:rPr lang="ko-KR" altLang="en-US" sz="1600" dirty="0">
+                <a:solidFill>
+                  <a:schemeClr val="bg1"/>
+                </a:solidFill>
+                <a:latin typeface="넥슨Lv2고딕 Light" panose="00000300000000000000" pitchFamily="2" charset="-127"/>
+                <a:ea typeface="넥슨Lv2고딕 Light" panose="00000300000000000000" pitchFamily="2" charset="-127"/>
+              </a:rPr>
+              <a:t>로드가 되도록 하였으며</a:t>
+            </a:r>
+            <a:endParaRPr lang="en-US" altLang="ko-KR" sz="1600" dirty="0">
+              <a:solidFill>
+                <a:schemeClr val="bg1"/>
+              </a:solidFill>
+              <a:latin typeface="넥슨Lv2고딕 Light" panose="00000300000000000000" pitchFamily="2" charset="-127"/>
+              <a:ea typeface="넥슨Lv2고딕 Light" panose="00000300000000000000" pitchFamily="2" charset="-127"/>
+            </a:endParaRPr>
+          </a:p>
+          <a:p>
+            <a:pPr>
+              <a:lnSpc>
+                <a:spcPct val="150000"/>
+              </a:lnSpc>
+            </a:pPr>
+            <a:r>
+              <a:rPr lang="ko-KR" altLang="en-US" sz="1600" dirty="0">
+                <a:solidFill>
+                  <a:schemeClr val="bg1"/>
+                </a:solidFill>
+                <a:latin typeface="넥슨Lv2고딕 Light" panose="00000300000000000000" pitchFamily="2" charset="-127"/>
+                <a:ea typeface="넥슨Lv2고딕 Light" panose="00000300000000000000" pitchFamily="2" charset="-127"/>
+              </a:rPr>
+              <a:t>반환 값을 </a:t>
+            </a:r>
+            <a:r>
+              <a:rPr lang="en-US" altLang="ko-KR" sz="1600" dirty="0">
+                <a:solidFill>
+                  <a:schemeClr val="bg1"/>
+                </a:solidFill>
+                <a:latin typeface="넥슨Lv2고딕 Light" panose="00000300000000000000" pitchFamily="2" charset="-127"/>
+                <a:ea typeface="넥슨Lv2고딕 Light" panose="00000300000000000000" pitchFamily="2" charset="-127"/>
+              </a:rPr>
+              <a:t>bool</a:t>
+            </a:r>
+            <a:r>
+              <a:rPr lang="ko-KR" altLang="en-US" sz="1600" dirty="0">
+                <a:solidFill>
+                  <a:schemeClr val="bg1"/>
+                </a:solidFill>
+                <a:latin typeface="넥슨Lv2고딕 Light" panose="00000300000000000000" pitchFamily="2" charset="-127"/>
+                <a:ea typeface="넥슨Lv2고딕 Light" panose="00000300000000000000" pitchFamily="2" charset="-127"/>
+              </a:rPr>
+              <a:t>로 하여</a:t>
+            </a:r>
+            <a:endParaRPr lang="en-US" altLang="ko-KR" sz="1600" dirty="0">
+              <a:solidFill>
+                <a:schemeClr val="bg1"/>
+              </a:solidFill>
+              <a:latin typeface="넥슨Lv2고딕 Light" panose="00000300000000000000" pitchFamily="2" charset="-127"/>
+              <a:ea typeface="넥슨Lv2고딕 Light" panose="00000300000000000000" pitchFamily="2" charset="-127"/>
+            </a:endParaRPr>
+          </a:p>
+          <a:p>
+            <a:pPr>
+              <a:lnSpc>
+                <a:spcPct val="150000"/>
+              </a:lnSpc>
+            </a:pPr>
+            <a:r>
+              <a:rPr lang="ko-KR" altLang="en-US" sz="1600" dirty="0">
+                <a:solidFill>
+                  <a:schemeClr val="bg1"/>
+                </a:solidFill>
+                <a:latin typeface="넥슨Lv2고딕 Light" panose="00000300000000000000" pitchFamily="2" charset="-127"/>
+                <a:ea typeface="넥슨Lv2고딕 Light" panose="00000300000000000000" pitchFamily="2" charset="-127"/>
+              </a:rPr>
+              <a:t>로드 성공 실패 여부를</a:t>
+            </a:r>
+            <a:endParaRPr lang="en-US" altLang="ko-KR" sz="1600" dirty="0">
+              <a:solidFill>
+                <a:schemeClr val="bg1"/>
+              </a:solidFill>
+              <a:latin typeface="넥슨Lv2고딕 Light" panose="00000300000000000000" pitchFamily="2" charset="-127"/>
+              <a:ea typeface="넥슨Lv2고딕 Light" panose="00000300000000000000" pitchFamily="2" charset="-127"/>
+            </a:endParaRPr>
+          </a:p>
+          <a:p>
+            <a:pPr>
+              <a:lnSpc>
+                <a:spcPct val="150000"/>
+              </a:lnSpc>
+            </a:pPr>
+            <a:r>
+              <a:rPr lang="ko-KR" altLang="en-US" sz="1600" dirty="0">
+                <a:solidFill>
+                  <a:schemeClr val="bg1"/>
+                </a:solidFill>
+                <a:latin typeface="넥슨Lv2고딕 Light" panose="00000300000000000000" pitchFamily="2" charset="-127"/>
+                <a:ea typeface="넥슨Lv2고딕 Light" panose="00000300000000000000" pitchFamily="2" charset="-127"/>
+              </a:rPr>
+              <a:t>판단하고 새로운 파일을 만들도록 작성하였습니다</a:t>
+            </a:r>
+            <a:r>
+              <a:rPr lang="en-US" altLang="ko-KR" sz="1600" dirty="0">
+                <a:solidFill>
+                  <a:schemeClr val="bg1"/>
+                </a:solidFill>
+                <a:latin typeface="넥슨Lv2고딕 Light" panose="00000300000000000000" pitchFamily="2" charset="-127"/>
+                <a:ea typeface="넥슨Lv2고딕 Light" panose="00000300000000000000" pitchFamily="2" charset="-127"/>
+              </a:rPr>
+              <a:t>.</a:t>
+            </a:r>
+          </a:p>
+        </p:txBody>
+      </p:sp>
+      <p:pic>
+        <p:nvPicPr>
+          <p:cNvPr id="13" name="그림 12">
+            <a:extLst>
+              <a:ext uri="{FF2B5EF4-FFF2-40B4-BE49-F238E27FC236}">
+                <a16:creationId xmlns:a16="http://schemas.microsoft.com/office/drawing/2014/main" id="{85B530E4-3CBE-B7C7-4C74-7B77C5A34D37}"/>
+              </a:ext>
+            </a:extLst>
+          </p:cNvPr>
+          <p:cNvPicPr>
+            <a:picLocks noChangeAspect="1"/>
+          </p:cNvPicPr>
+          <p:nvPr/>
+        </p:nvPicPr>
+        <p:blipFill>
+          <a:blip r:embed="rId2"/>
+          <a:stretch>
+            <a:fillRect/>
+          </a:stretch>
+        </p:blipFill>
+        <p:spPr>
+          <a:xfrm>
+            <a:off x="6097370" y="1631757"/>
+            <a:ext cx="4339589" cy="3352994"/>
+          </a:xfrm>
+          <a:prstGeom prst="rect">
+            <a:avLst/>
+          </a:prstGeom>
+        </p:spPr>
+      </p:pic>
+    </p:spTree>
+    <p:extLst>
+      <p:ext uri="{BB962C8B-B14F-4D97-AF65-F5344CB8AC3E}">
+        <p14:creationId xmlns:p14="http://schemas.microsoft.com/office/powerpoint/2010/main" val="2090174743"/>
+      </p:ext>
+    </p:extLst>
+  </p:cSld>
+  <p:clrMapOvr>
+    <a:masterClrMapping/>
+  </p:clrMapOvr>
+</p:sld>
+</file>
+
+<file path=ppt/slides/slide22.xml><?xml version="1.0" encoding="utf-8"?>
+<p:sld xmlns:a="http://schemas.openxmlformats.org/drawingml/2006/main" xmlns:r="http://schemas.openxmlformats.org/officeDocument/2006/relationships" xmlns:p="http://schemas.openxmlformats.org/presentationml/2006/main">
+  <p:cSld>
+    <p:bg>
+      <p:bgPr>
+        <a:solidFill>
+          <a:srgbClr val="4286F5"/>
+        </a:solidFill>
+        <a:effectLst/>
+      </p:bgPr>
+    </p:bg>
+    <p:spTree>
+      <p:nvGrpSpPr>
+        <p:cNvPr id="1" name=""/>
+        <p:cNvGrpSpPr/>
+        <p:nvPr/>
+      </p:nvGrpSpPr>
+      <p:grpSpPr>
+        <a:xfrm>
+          <a:off x="0" y="0"/>
+          <a:ext cx="0" cy="0"/>
+          <a:chOff x="0" y="0"/>
+          <a:chExt cx="0" cy="0"/>
+        </a:xfrm>
+      </p:grpSpPr>
       <p:sp>
         <p:nvSpPr>
           <p:cNvPr id="15" name="TextBox 14">
@@ -8403,7 +9529,7 @@
 </p:sld>
 </file>
 
-<file path=ppt/slides/slide21.xml><?xml version="1.0" encoding="utf-8"?>
+<file path=ppt/slides/slide23.xml><?xml version="1.0" encoding="utf-8"?>
 <p:sld xmlns:a="http://schemas.openxmlformats.org/drawingml/2006/main" xmlns:r="http://schemas.openxmlformats.org/officeDocument/2006/relationships" xmlns:p="http://schemas.openxmlformats.org/presentationml/2006/main">
   <p:cSld>
     <p:bg>
@@ -8777,615 +9903,6 @@
 </p:sld>
 </file>
 
-<file path=ppt/slides/slide22.xml><?xml version="1.0" encoding="utf-8"?>
-<p:sld xmlns:a="http://schemas.openxmlformats.org/drawingml/2006/main" xmlns:r="http://schemas.openxmlformats.org/officeDocument/2006/relationships" xmlns:p="http://schemas.openxmlformats.org/presentationml/2006/main">
-  <p:cSld>
-    <p:bg>
-      <p:bgPr>
-        <a:solidFill>
-          <a:srgbClr val="4286F5"/>
-        </a:solidFill>
-        <a:effectLst/>
-      </p:bgPr>
-    </p:bg>
-    <p:spTree>
-      <p:nvGrpSpPr>
-        <p:cNvPr id="1" name=""/>
-        <p:cNvGrpSpPr/>
-        <p:nvPr/>
-      </p:nvGrpSpPr>
-      <p:grpSpPr>
-        <a:xfrm>
-          <a:off x="0" y="0"/>
-          <a:ext cx="0" cy="0"/>
-          <a:chOff x="0" y="0"/>
-          <a:chExt cx="0" cy="0"/>
-        </a:xfrm>
-      </p:grpSpPr>
-      <p:sp>
-        <p:nvSpPr>
-          <p:cNvPr id="15" name="TextBox 14">
-            <a:extLst>
-              <a:ext uri="{FF2B5EF4-FFF2-40B4-BE49-F238E27FC236}">
-                <a16:creationId xmlns:a16="http://schemas.microsoft.com/office/drawing/2014/main" id="{BA04418A-3697-DF14-5B90-D9AC7CE43E2B}"/>
-              </a:ext>
-            </a:extLst>
-          </p:cNvPr>
-          <p:cNvSpPr txBox="1"/>
-          <p:nvPr/>
-        </p:nvSpPr>
-        <p:spPr>
-          <a:xfrm>
-            <a:off x="1680310" y="1469196"/>
-            <a:ext cx="6650890" cy="1200329"/>
-          </a:xfrm>
-          <a:prstGeom prst="rect">
-            <a:avLst/>
-          </a:prstGeom>
-          <a:noFill/>
-        </p:spPr>
-        <p:txBody>
-          <a:bodyPr wrap="square" rtlCol="0">
-            <a:spAutoFit/>
-          </a:bodyPr>
-          <a:lstStyle/>
-          <a:p>
-            <a:r>
-              <a:rPr lang="ko-KR" altLang="en-US" sz="7200" dirty="0">
-                <a:solidFill>
-                  <a:schemeClr val="bg1"/>
-                </a:solidFill>
-                <a:latin typeface="넥슨Lv2고딕 Bold" panose="00000800000000000000" pitchFamily="2" charset="-127"/>
-                <a:ea typeface="넥슨Lv2고딕 Bold" panose="00000800000000000000" pitchFamily="2" charset="-127"/>
-              </a:rPr>
-              <a:t>최적화</a:t>
-            </a:r>
-            <a:endParaRPr lang="en-US" altLang="ko-KR" sz="7200" dirty="0">
-              <a:solidFill>
-                <a:schemeClr val="bg1"/>
-              </a:solidFill>
-              <a:latin typeface="넥슨Lv2고딕 Bold" panose="00000800000000000000" pitchFamily="2" charset="-127"/>
-              <a:ea typeface="넥슨Lv2고딕 Bold" panose="00000800000000000000" pitchFamily="2" charset="-127"/>
-            </a:endParaRPr>
-          </a:p>
-        </p:txBody>
-      </p:sp>
-      <p:sp>
-        <p:nvSpPr>
-          <p:cNvPr id="11" name="TextBox 10">
-            <a:extLst>
-              <a:ext uri="{FF2B5EF4-FFF2-40B4-BE49-F238E27FC236}">
-                <a16:creationId xmlns:a16="http://schemas.microsoft.com/office/drawing/2014/main" id="{E10A1302-F34C-6112-2BB3-EF054A096FF3}"/>
-              </a:ext>
-            </a:extLst>
-          </p:cNvPr>
-          <p:cNvSpPr txBox="1"/>
-          <p:nvPr/>
-        </p:nvSpPr>
-        <p:spPr>
-          <a:xfrm>
-            <a:off x="1657349" y="3143250"/>
-            <a:ext cx="4321175" cy="1507016"/>
-          </a:xfrm>
-          <a:prstGeom prst="rect">
-            <a:avLst/>
-          </a:prstGeom>
-          <a:noFill/>
-        </p:spPr>
-        <p:txBody>
-          <a:bodyPr wrap="square" rtlCol="0">
-            <a:spAutoFit/>
-          </a:bodyPr>
-          <a:lstStyle/>
-          <a:p>
-            <a:pPr>
-              <a:lnSpc>
-                <a:spcPct val="150000"/>
-              </a:lnSpc>
-            </a:pPr>
-            <a:r>
-              <a:rPr lang="ko-KR" altLang="en-US" sz="3200" dirty="0">
-                <a:solidFill>
-                  <a:schemeClr val="bg1"/>
-                </a:solidFill>
-                <a:latin typeface="넥슨Lv2고딕 Light" panose="00000300000000000000" pitchFamily="2" charset="-127"/>
-                <a:ea typeface="넥슨Lv2고딕 Light" panose="00000300000000000000" pitchFamily="2" charset="-127"/>
-              </a:rPr>
-              <a:t>캔버스</a:t>
-            </a:r>
-            <a:endParaRPr lang="en-US" altLang="ko-KR" sz="3200" dirty="0">
-              <a:solidFill>
-                <a:schemeClr val="bg1"/>
-              </a:solidFill>
-              <a:latin typeface="넥슨Lv2고딕 Light" panose="00000300000000000000" pitchFamily="2" charset="-127"/>
-              <a:ea typeface="넥슨Lv2고딕 Light" panose="00000300000000000000" pitchFamily="2" charset="-127"/>
-            </a:endParaRPr>
-          </a:p>
-          <a:p>
-            <a:pPr>
-              <a:lnSpc>
-                <a:spcPct val="150000"/>
-              </a:lnSpc>
-            </a:pPr>
-            <a:r>
-              <a:rPr lang="en-US" altLang="ko-KR" sz="3200" dirty="0">
-                <a:solidFill>
-                  <a:schemeClr val="bg1"/>
-                </a:solidFill>
-                <a:latin typeface="넥슨Lv2고딕 Light" panose="00000300000000000000" pitchFamily="2" charset="-127"/>
-                <a:ea typeface="넥슨Lv2고딕 Light" panose="00000300000000000000" pitchFamily="2" charset="-127"/>
-              </a:rPr>
-              <a:t>UI </a:t>
-            </a:r>
-            <a:r>
-              <a:rPr lang="ko-KR" altLang="en-US" sz="3200" dirty="0">
-                <a:solidFill>
-                  <a:schemeClr val="bg1"/>
-                </a:solidFill>
-                <a:latin typeface="넥슨Lv2고딕 Light" panose="00000300000000000000" pitchFamily="2" charset="-127"/>
-                <a:ea typeface="넥슨Lv2고딕 Light" panose="00000300000000000000" pitchFamily="2" charset="-127"/>
-              </a:rPr>
-              <a:t>요소</a:t>
-            </a:r>
-            <a:endParaRPr lang="en-US" altLang="ko-KR" sz="3200" dirty="0">
-              <a:solidFill>
-                <a:schemeClr val="bg1"/>
-              </a:solidFill>
-              <a:latin typeface="넥슨Lv2고딕 Light" panose="00000300000000000000" pitchFamily="2" charset="-127"/>
-              <a:ea typeface="넥슨Lv2고딕 Light" panose="00000300000000000000" pitchFamily="2" charset="-127"/>
-            </a:endParaRPr>
-          </a:p>
-        </p:txBody>
-      </p:sp>
-    </p:spTree>
-    <p:extLst>
-      <p:ext uri="{BB962C8B-B14F-4D97-AF65-F5344CB8AC3E}">
-        <p14:creationId xmlns:p14="http://schemas.microsoft.com/office/powerpoint/2010/main" val="1808681697"/>
-      </p:ext>
-    </p:extLst>
-  </p:cSld>
-  <p:clrMapOvr>
-    <a:masterClrMapping/>
-  </p:clrMapOvr>
-</p:sld>
-</file>
-
-<file path=ppt/slides/slide23.xml><?xml version="1.0" encoding="utf-8"?>
-<p:sld xmlns:a="http://schemas.openxmlformats.org/drawingml/2006/main" xmlns:r="http://schemas.openxmlformats.org/officeDocument/2006/relationships" xmlns:p="http://schemas.openxmlformats.org/presentationml/2006/main">
-  <p:cSld>
-    <p:bg>
-      <p:bgPr>
-        <a:solidFill>
-          <a:srgbClr val="4286F5"/>
-        </a:solidFill>
-        <a:effectLst/>
-      </p:bgPr>
-    </p:bg>
-    <p:spTree>
-      <p:nvGrpSpPr>
-        <p:cNvPr id="1" name=""/>
-        <p:cNvGrpSpPr/>
-        <p:nvPr/>
-      </p:nvGrpSpPr>
-      <p:grpSpPr>
-        <a:xfrm>
-          <a:off x="0" y="0"/>
-          <a:ext cx="0" cy="0"/>
-          <a:chOff x="0" y="0"/>
-          <a:chExt cx="0" cy="0"/>
-        </a:xfrm>
-      </p:grpSpPr>
-      <p:sp>
-        <p:nvSpPr>
-          <p:cNvPr id="15" name="TextBox 14">
-            <a:extLst>
-              <a:ext uri="{FF2B5EF4-FFF2-40B4-BE49-F238E27FC236}">
-                <a16:creationId xmlns:a16="http://schemas.microsoft.com/office/drawing/2014/main" id="{BA04418A-3697-DF14-5B90-D9AC7CE43E2B}"/>
-              </a:ext>
-            </a:extLst>
-          </p:cNvPr>
-          <p:cNvSpPr txBox="1"/>
-          <p:nvPr/>
-        </p:nvSpPr>
-        <p:spPr>
-          <a:xfrm>
-            <a:off x="1680310" y="1155929"/>
-            <a:ext cx="3733800" cy="584775"/>
-          </a:xfrm>
-          <a:prstGeom prst="rect">
-            <a:avLst/>
-          </a:prstGeom>
-          <a:noFill/>
-        </p:spPr>
-        <p:txBody>
-          <a:bodyPr wrap="square" rtlCol="0">
-            <a:spAutoFit/>
-          </a:bodyPr>
-          <a:lstStyle/>
-          <a:p>
-            <a:r>
-              <a:rPr lang="ko-KR" altLang="en-US" sz="3200" dirty="0">
-                <a:solidFill>
-                  <a:schemeClr val="bg1"/>
-                </a:solidFill>
-                <a:latin typeface="넥슨Lv2고딕 Bold" panose="00000800000000000000" pitchFamily="2" charset="-127"/>
-                <a:ea typeface="넥슨Lv2고딕 Bold" panose="00000800000000000000" pitchFamily="2" charset="-127"/>
-              </a:rPr>
-              <a:t>캔버스</a:t>
-            </a:r>
-          </a:p>
-        </p:txBody>
-      </p:sp>
-      <p:sp>
-        <p:nvSpPr>
-          <p:cNvPr id="16" name="직사각형 15">
-            <a:extLst>
-              <a:ext uri="{FF2B5EF4-FFF2-40B4-BE49-F238E27FC236}">
-                <a16:creationId xmlns:a16="http://schemas.microsoft.com/office/drawing/2014/main" id="{06D4D73C-002A-B871-4E9F-3C2F2EFA95F6}"/>
-              </a:ext>
-            </a:extLst>
-          </p:cNvPr>
-          <p:cNvSpPr/>
-          <p:nvPr/>
-        </p:nvSpPr>
-        <p:spPr>
-          <a:xfrm>
-            <a:off x="1660524" y="1262063"/>
-            <a:ext cx="45719" cy="366711"/>
-          </a:xfrm>
-          <a:prstGeom prst="rect">
-            <a:avLst/>
-          </a:prstGeom>
-          <a:solidFill>
-            <a:schemeClr val="bg1"/>
-          </a:solidFill>
-          <a:ln>
-            <a:noFill/>
-          </a:ln>
-        </p:spPr>
-        <p:style>
-          <a:lnRef idx="2">
-            <a:schemeClr val="accent1">
-              <a:shade val="50000"/>
-            </a:schemeClr>
-          </a:lnRef>
-          <a:fillRef idx="1">
-            <a:schemeClr val="accent1"/>
-          </a:fillRef>
-          <a:effectRef idx="0">
-            <a:schemeClr val="accent1"/>
-          </a:effectRef>
-          <a:fontRef idx="minor">
-            <a:schemeClr val="lt1"/>
-          </a:fontRef>
-        </p:style>
-        <p:txBody>
-          <a:bodyPr rtlCol="0" anchor="ctr"/>
-          <a:lstStyle/>
-          <a:p>
-            <a:pPr algn="ctr"/>
-            <a:endParaRPr lang="ko-KR" altLang="en-US"/>
-          </a:p>
-        </p:txBody>
-      </p:sp>
-      <p:sp>
-        <p:nvSpPr>
-          <p:cNvPr id="6" name="TextBox 5">
-            <a:extLst>
-              <a:ext uri="{FF2B5EF4-FFF2-40B4-BE49-F238E27FC236}">
-                <a16:creationId xmlns:a16="http://schemas.microsoft.com/office/drawing/2014/main" id="{63BC716B-EEC4-0292-2A32-8BA3449ACD32}"/>
-              </a:ext>
-            </a:extLst>
-          </p:cNvPr>
-          <p:cNvSpPr txBox="1"/>
-          <p:nvPr/>
-        </p:nvSpPr>
-        <p:spPr>
-          <a:xfrm>
-            <a:off x="1680309" y="2074745"/>
-            <a:ext cx="8736865" cy="3477362"/>
-          </a:xfrm>
-          <a:prstGeom prst="rect">
-            <a:avLst/>
-          </a:prstGeom>
-          <a:noFill/>
-        </p:spPr>
-        <p:txBody>
-          <a:bodyPr wrap="square" rtlCol="0">
-            <a:spAutoFit/>
-          </a:bodyPr>
-          <a:lstStyle/>
-          <a:p>
-            <a:pPr>
-              <a:lnSpc>
-                <a:spcPct val="150000"/>
-              </a:lnSpc>
-            </a:pPr>
-            <a:r>
-              <a:rPr lang="ko-KR" altLang="en-US" dirty="0">
-                <a:solidFill>
-                  <a:schemeClr val="bg1"/>
-                </a:solidFill>
-                <a:latin typeface="넥슨Lv2고딕 Medium" panose="00000600000000000000" pitchFamily="2" charset="-127"/>
-                <a:ea typeface="넥슨Lv2고딕 Medium" panose="00000600000000000000" pitchFamily="2" charset="-127"/>
-              </a:rPr>
-              <a:t>캔버스 나누기</a:t>
-            </a:r>
-            <a:endParaRPr lang="en-US" altLang="ko-KR" dirty="0">
-              <a:solidFill>
-                <a:schemeClr val="bg1"/>
-              </a:solidFill>
-              <a:latin typeface="넥슨Lv2고딕 Medium" panose="00000600000000000000" pitchFamily="2" charset="-127"/>
-              <a:ea typeface="넥슨Lv2고딕 Medium" panose="00000600000000000000" pitchFamily="2" charset="-127"/>
-            </a:endParaRPr>
-          </a:p>
-          <a:p>
-            <a:pPr>
-              <a:lnSpc>
-                <a:spcPct val="150000"/>
-              </a:lnSpc>
-            </a:pPr>
-            <a:r>
-              <a:rPr lang="ko-KR" altLang="en-US" sz="1600" dirty="0">
-                <a:solidFill>
-                  <a:schemeClr val="bg1"/>
-                </a:solidFill>
-                <a:latin typeface="넥슨Lv2고딕 Light" panose="00000300000000000000" pitchFamily="2" charset="-127"/>
-                <a:ea typeface="넥슨Lv2고딕 Light" panose="00000300000000000000" pitchFamily="2" charset="-127"/>
-              </a:rPr>
-              <a:t>처음 개발을 할 때 하나의 캔버스로 작업을 하였는데</a:t>
-            </a:r>
-            <a:endParaRPr lang="en-US" altLang="ko-KR" sz="1600" dirty="0">
-              <a:solidFill>
-                <a:schemeClr val="bg1"/>
-              </a:solidFill>
-              <a:latin typeface="넥슨Lv2고딕 Light" panose="00000300000000000000" pitchFamily="2" charset="-127"/>
-              <a:ea typeface="넥슨Lv2고딕 Light" panose="00000300000000000000" pitchFamily="2" charset="-127"/>
-            </a:endParaRPr>
-          </a:p>
-          <a:p>
-            <a:pPr>
-              <a:lnSpc>
-                <a:spcPct val="150000"/>
-              </a:lnSpc>
-            </a:pPr>
-            <a:r>
-              <a:rPr lang="ko-KR" altLang="en-US" sz="1600" dirty="0">
-                <a:solidFill>
-                  <a:schemeClr val="bg1"/>
-                </a:solidFill>
-                <a:latin typeface="넥슨Lv2고딕 Light" panose="00000300000000000000" pitchFamily="2" charset="-127"/>
-                <a:ea typeface="넥슨Lv2고딕 Light" panose="00000300000000000000" pitchFamily="2" charset="-127"/>
-              </a:rPr>
-              <a:t>오브젝트가 하나 움직일 때 마다 스파이크가 생기는 것을 확인하였고</a:t>
-            </a:r>
-            <a:endParaRPr lang="en-US" altLang="ko-KR" sz="1600" dirty="0">
-              <a:solidFill>
-                <a:schemeClr val="bg1"/>
-              </a:solidFill>
-              <a:latin typeface="넥슨Lv2고딕 Light" panose="00000300000000000000" pitchFamily="2" charset="-127"/>
-              <a:ea typeface="넥슨Lv2고딕 Light" panose="00000300000000000000" pitchFamily="2" charset="-127"/>
-            </a:endParaRPr>
-          </a:p>
-          <a:p>
-            <a:pPr>
-              <a:lnSpc>
-                <a:spcPct val="150000"/>
-              </a:lnSpc>
-            </a:pPr>
-            <a:r>
-              <a:rPr lang="ko-KR" altLang="en-US" sz="1600" dirty="0">
-                <a:solidFill>
-                  <a:schemeClr val="bg1"/>
-                </a:solidFill>
-                <a:latin typeface="넥슨Lv2고딕 Light" panose="00000300000000000000" pitchFamily="2" charset="-127"/>
-                <a:ea typeface="넥슨Lv2고딕 Light" panose="00000300000000000000" pitchFamily="2" charset="-127"/>
-              </a:rPr>
-              <a:t>이후 동적 </a:t>
-            </a:r>
-            <a:r>
-              <a:rPr lang="en-US" altLang="ko-KR" sz="1600" dirty="0">
-                <a:solidFill>
-                  <a:schemeClr val="bg1"/>
-                </a:solidFill>
-                <a:latin typeface="넥슨Lv2고딕 Light" panose="00000300000000000000" pitchFamily="2" charset="-127"/>
-                <a:ea typeface="넥슨Lv2고딕 Light" panose="00000300000000000000" pitchFamily="2" charset="-127"/>
-              </a:rPr>
-              <a:t>UI</a:t>
-            </a:r>
-            <a:r>
-              <a:rPr lang="ko-KR" altLang="en-US" sz="1600" dirty="0">
-                <a:solidFill>
-                  <a:schemeClr val="bg1"/>
-                </a:solidFill>
-                <a:latin typeface="넥슨Lv2고딕 Light" panose="00000300000000000000" pitchFamily="2" charset="-127"/>
-                <a:ea typeface="넥슨Lv2고딕 Light" panose="00000300000000000000" pitchFamily="2" charset="-127"/>
-              </a:rPr>
-              <a:t>는 캔버스를 나누는 형태를 사용하며 최적화를 했습니다</a:t>
-            </a:r>
-            <a:endParaRPr lang="en-US" altLang="ko-KR" sz="1600" dirty="0">
-              <a:solidFill>
-                <a:schemeClr val="bg1"/>
-              </a:solidFill>
-              <a:latin typeface="넥슨Lv2고딕 Light" panose="00000300000000000000" pitchFamily="2" charset="-127"/>
-              <a:ea typeface="넥슨Lv2고딕 Light" panose="00000300000000000000" pitchFamily="2" charset="-127"/>
-            </a:endParaRPr>
-          </a:p>
-          <a:p>
-            <a:pPr>
-              <a:lnSpc>
-                <a:spcPct val="150000"/>
-              </a:lnSpc>
-            </a:pPr>
-            <a:endParaRPr lang="en-US" altLang="ko-KR" sz="1600" dirty="0">
-              <a:solidFill>
-                <a:schemeClr val="bg1"/>
-              </a:solidFill>
-              <a:latin typeface="넥슨Lv2고딕 Light" panose="00000300000000000000" pitchFamily="2" charset="-127"/>
-              <a:ea typeface="넥슨Lv2고딕 Light" panose="00000300000000000000" pitchFamily="2" charset="-127"/>
-            </a:endParaRPr>
-          </a:p>
-          <a:p>
-            <a:pPr>
-              <a:lnSpc>
-                <a:spcPct val="150000"/>
-              </a:lnSpc>
-            </a:pPr>
-            <a:r>
-              <a:rPr lang="en-US" altLang="ko-KR" dirty="0">
-                <a:solidFill>
-                  <a:schemeClr val="bg1"/>
-                </a:solidFill>
-                <a:latin typeface="넥슨Lv2고딕 Medium" panose="00000600000000000000" pitchFamily="2" charset="-127"/>
-                <a:ea typeface="넥슨Lv2고딕 Medium" panose="00000600000000000000" pitchFamily="2" charset="-127"/>
-              </a:rPr>
-              <a:t>UI</a:t>
-            </a:r>
-            <a:r>
-              <a:rPr lang="ko-KR" altLang="en-US" dirty="0">
-                <a:solidFill>
-                  <a:schemeClr val="bg1"/>
-                </a:solidFill>
-                <a:latin typeface="넥슨Lv2고딕 Medium" panose="00000600000000000000" pitchFamily="2" charset="-127"/>
-                <a:ea typeface="넥슨Lv2고딕 Medium" panose="00000600000000000000" pitchFamily="2" charset="-127"/>
-              </a:rPr>
-              <a:t> 숨기기</a:t>
-            </a:r>
-            <a:endParaRPr lang="en-US" altLang="ko-KR" dirty="0">
-              <a:solidFill>
-                <a:schemeClr val="bg1"/>
-              </a:solidFill>
-              <a:latin typeface="넥슨Lv2고딕 Medium" panose="00000600000000000000" pitchFamily="2" charset="-127"/>
-              <a:ea typeface="넥슨Lv2고딕 Medium" panose="00000600000000000000" pitchFamily="2" charset="-127"/>
-            </a:endParaRPr>
-          </a:p>
-          <a:p>
-            <a:pPr>
-              <a:lnSpc>
-                <a:spcPct val="150000"/>
-              </a:lnSpc>
-            </a:pPr>
-            <a:r>
-              <a:rPr lang="ko-KR" altLang="en-US" sz="1600" dirty="0">
-                <a:solidFill>
-                  <a:schemeClr val="bg1"/>
-                </a:solidFill>
-                <a:latin typeface="넥슨Lv2고딕 Light" panose="00000300000000000000" pitchFamily="2" charset="-127"/>
-                <a:ea typeface="넥슨Lv2고딕 Light" panose="00000300000000000000" pitchFamily="2" charset="-127"/>
-              </a:rPr>
-              <a:t>게임 오브젝트를 비활성화 하는 대신</a:t>
-            </a:r>
-            <a:endParaRPr lang="en-US" altLang="ko-KR" sz="1600" dirty="0">
-              <a:solidFill>
-                <a:schemeClr val="bg1"/>
-              </a:solidFill>
-              <a:latin typeface="넥슨Lv2고딕 Light" panose="00000300000000000000" pitchFamily="2" charset="-127"/>
-              <a:ea typeface="넥슨Lv2고딕 Light" panose="00000300000000000000" pitchFamily="2" charset="-127"/>
-            </a:endParaRPr>
-          </a:p>
-          <a:p>
-            <a:pPr>
-              <a:lnSpc>
-                <a:spcPct val="150000"/>
-              </a:lnSpc>
-            </a:pPr>
-            <a:r>
-              <a:rPr lang="ko-KR" altLang="en-US" sz="1600" dirty="0">
-                <a:solidFill>
-                  <a:schemeClr val="bg1"/>
-                </a:solidFill>
-                <a:latin typeface="넥슨Lv2고딕 Light" panose="00000300000000000000" pitchFamily="2" charset="-127"/>
-                <a:ea typeface="넥슨Lv2고딕 Light" panose="00000300000000000000" pitchFamily="2" charset="-127"/>
-              </a:rPr>
-              <a:t>캔버스 컴포넌트만</a:t>
-            </a:r>
-            <a:r>
-              <a:rPr lang="en-US" altLang="ko-KR" sz="1600" dirty="0">
-                <a:solidFill>
-                  <a:schemeClr val="bg1"/>
-                </a:solidFill>
-                <a:latin typeface="넥슨Lv2고딕 Light" panose="00000300000000000000" pitchFamily="2" charset="-127"/>
-                <a:ea typeface="넥슨Lv2고딕 Light" panose="00000300000000000000" pitchFamily="2" charset="-127"/>
-              </a:rPr>
-              <a:t> </a:t>
-            </a:r>
-            <a:r>
-              <a:rPr lang="ko-KR" altLang="en-US" sz="1600" dirty="0">
-                <a:solidFill>
-                  <a:schemeClr val="bg1"/>
-                </a:solidFill>
-                <a:latin typeface="넥슨Lv2고딕 Light" panose="00000300000000000000" pitchFamily="2" charset="-127"/>
-                <a:ea typeface="넥슨Lv2고딕 Light" panose="00000300000000000000" pitchFamily="2" charset="-127"/>
-              </a:rPr>
-              <a:t>비활성화 하여 숨겼습니다</a:t>
-            </a:r>
-            <a:endParaRPr lang="en-US" altLang="ko-KR" sz="1600" dirty="0">
-              <a:solidFill>
-                <a:schemeClr val="bg1"/>
-              </a:solidFill>
-              <a:latin typeface="넥슨Lv2고딕 Light" panose="00000300000000000000" pitchFamily="2" charset="-127"/>
-              <a:ea typeface="넥슨Lv2고딕 Light" panose="00000300000000000000" pitchFamily="2" charset="-127"/>
-            </a:endParaRPr>
-          </a:p>
-          <a:p>
-            <a:pPr>
-              <a:lnSpc>
-                <a:spcPct val="150000"/>
-              </a:lnSpc>
-            </a:pPr>
-            <a:r>
-              <a:rPr lang="ko-KR" altLang="en-US" sz="1600" dirty="0">
-                <a:solidFill>
-                  <a:schemeClr val="bg1"/>
-                </a:solidFill>
-                <a:latin typeface="넥슨Lv2고딕 Light" panose="00000300000000000000" pitchFamily="2" charset="-127"/>
-                <a:ea typeface="넥슨Lv2고딕 Light" panose="00000300000000000000" pitchFamily="2" charset="-127"/>
-              </a:rPr>
-              <a:t>이로 인해 활성화 시 메시와 </a:t>
-            </a:r>
-            <a:r>
-              <a:rPr lang="ko-KR" altLang="en-US" sz="1600" dirty="0" err="1">
-                <a:solidFill>
-                  <a:schemeClr val="bg1"/>
-                </a:solidFill>
-                <a:latin typeface="넥슨Lv2고딕 Light" panose="00000300000000000000" pitchFamily="2" charset="-127"/>
-                <a:ea typeface="넥슨Lv2고딕 Light" panose="00000300000000000000" pitchFamily="2" charset="-127"/>
-              </a:rPr>
-              <a:t>버텍스를</a:t>
-            </a:r>
-            <a:r>
-              <a:rPr lang="ko-KR" altLang="en-US" sz="1600" dirty="0">
-                <a:solidFill>
-                  <a:schemeClr val="bg1"/>
-                </a:solidFill>
-                <a:latin typeface="넥슨Lv2고딕 Light" panose="00000300000000000000" pitchFamily="2" charset="-127"/>
-                <a:ea typeface="넥슨Lv2고딕 Light" panose="00000300000000000000" pitchFamily="2" charset="-127"/>
-              </a:rPr>
-              <a:t> 재구성하지 않게 되었습니다</a:t>
-            </a:r>
-            <a:endParaRPr lang="en-US" altLang="ko-KR" sz="1600" dirty="0">
-              <a:solidFill>
-                <a:schemeClr val="bg1"/>
-              </a:solidFill>
-              <a:latin typeface="넥슨Lv2고딕 Light" panose="00000300000000000000" pitchFamily="2" charset="-127"/>
-              <a:ea typeface="넥슨Lv2고딕 Light" panose="00000300000000000000" pitchFamily="2" charset="-127"/>
-            </a:endParaRPr>
-          </a:p>
-        </p:txBody>
-      </p:sp>
-    </p:spTree>
-    <p:extLst>
-      <p:ext uri="{BB962C8B-B14F-4D97-AF65-F5344CB8AC3E}">
-        <p14:creationId xmlns:p14="http://schemas.microsoft.com/office/powerpoint/2010/main" val="3122391892"/>
-      </p:ext>
-    </p:extLst>
-  </p:cSld>
-  <p:clrMapOvr>
-    <a:masterClrMapping/>
-  </p:clrMapOvr>
-</p:sld>
-</file>
-
 <file path=ppt/slides/slide24.xml><?xml version="1.0" encoding="utf-8"?>
 <p:sld xmlns:a="http://schemas.openxmlformats.org/drawingml/2006/main" xmlns:r="http://schemas.openxmlformats.org/officeDocument/2006/relationships" xmlns:p="http://schemas.openxmlformats.org/presentationml/2006/main">
   <p:cSld>
@@ -9425,8 +9942,8 @@
         </p:nvSpPr>
         <p:spPr>
           <a:xfrm>
-            <a:off x="1680310" y="1155929"/>
-            <a:ext cx="3733800" cy="584775"/>
+            <a:off x="1680310" y="1469196"/>
+            <a:ext cx="6650890" cy="1200329"/>
           </a:xfrm>
           <a:prstGeom prst="rect">
             <a:avLst/>
@@ -9440,96 +9957,41 @@
           <a:lstStyle/>
           <a:p>
             <a:r>
-              <a:rPr lang="en-US" altLang="ko-KR" sz="3200" dirty="0">
+              <a:rPr lang="ko-KR" altLang="en-US" sz="7200" dirty="0">
                 <a:solidFill>
                   <a:schemeClr val="bg1"/>
                 </a:solidFill>
                 <a:latin typeface="넥슨Lv2고딕 Bold" panose="00000800000000000000" pitchFamily="2" charset="-127"/>
                 <a:ea typeface="넥슨Lv2고딕 Bold" panose="00000800000000000000" pitchFamily="2" charset="-127"/>
               </a:rPr>
-              <a:t>UI </a:t>
-            </a:r>
-            <a:r>
-              <a:rPr lang="ko-KR" altLang="en-US" sz="3200" dirty="0">
-                <a:solidFill>
-                  <a:schemeClr val="bg1"/>
-                </a:solidFill>
-                <a:latin typeface="넥슨Lv2고딕 Bold" panose="00000800000000000000" pitchFamily="2" charset="-127"/>
-                <a:ea typeface="넥슨Lv2고딕 Bold" panose="00000800000000000000" pitchFamily="2" charset="-127"/>
-              </a:rPr>
-              <a:t>요소</a:t>
-            </a:r>
-          </a:p>
-        </p:txBody>
-      </p:sp>
-      <p:sp>
-        <p:nvSpPr>
-          <p:cNvPr id="16" name="직사각형 15">
-            <a:extLst>
-              <a:ext uri="{FF2B5EF4-FFF2-40B4-BE49-F238E27FC236}">
-                <a16:creationId xmlns:a16="http://schemas.microsoft.com/office/drawing/2014/main" id="{06D4D73C-002A-B871-4E9F-3C2F2EFA95F6}"/>
-              </a:ext>
-            </a:extLst>
-          </p:cNvPr>
-          <p:cNvSpPr/>
+              <a:t>최적화</a:t>
+            </a:r>
+            <a:endParaRPr lang="en-US" altLang="ko-KR" sz="7200" dirty="0">
+              <a:solidFill>
+                <a:schemeClr val="bg1"/>
+              </a:solidFill>
+              <a:latin typeface="넥슨Lv2고딕 Bold" panose="00000800000000000000" pitchFamily="2" charset="-127"/>
+              <a:ea typeface="넥슨Lv2고딕 Bold" panose="00000800000000000000" pitchFamily="2" charset="-127"/>
+            </a:endParaRPr>
+          </a:p>
+        </p:txBody>
+      </p:sp>
+      <p:sp>
+        <p:nvSpPr>
+          <p:cNvPr id="11" name="TextBox 10">
+            <a:extLst>
+              <a:ext uri="{FF2B5EF4-FFF2-40B4-BE49-F238E27FC236}">
+                <a16:creationId xmlns:a16="http://schemas.microsoft.com/office/drawing/2014/main" id="{E10A1302-F34C-6112-2BB3-EF054A096FF3}"/>
+              </a:ext>
+            </a:extLst>
+          </p:cNvPr>
+          <p:cNvSpPr txBox="1"/>
           <p:nvPr/>
         </p:nvSpPr>
         <p:spPr>
           <a:xfrm>
-            <a:off x="1660524" y="1262063"/>
-            <a:ext cx="45719" cy="366711"/>
-          </a:xfrm>
-          <a:prstGeom prst="rect">
-            <a:avLst/>
-          </a:prstGeom>
-          <a:solidFill>
-            <a:schemeClr val="bg1"/>
-          </a:solidFill>
-          <a:ln>
-            <a:noFill/>
-          </a:ln>
-        </p:spPr>
-        <p:style>
-          <a:lnRef idx="2">
-            <a:schemeClr val="accent1">
-              <a:shade val="50000"/>
-            </a:schemeClr>
-          </a:lnRef>
-          <a:fillRef idx="1">
-            <a:schemeClr val="accent1"/>
-          </a:fillRef>
-          <a:effectRef idx="0">
-            <a:schemeClr val="accent1"/>
-          </a:effectRef>
-          <a:fontRef idx="minor">
-            <a:schemeClr val="lt1"/>
-          </a:fontRef>
-        </p:style>
-        <p:txBody>
-          <a:bodyPr rtlCol="0" anchor="ctr"/>
-          <a:lstStyle/>
-          <a:p>
-            <a:pPr algn="ctr"/>
-            <a:endParaRPr lang="ko-KR" altLang="en-US"/>
-          </a:p>
-        </p:txBody>
-      </p:sp>
-      <p:sp>
-        <p:nvSpPr>
-          <p:cNvPr id="6" name="TextBox 5">
-            <a:extLst>
-              <a:ext uri="{FF2B5EF4-FFF2-40B4-BE49-F238E27FC236}">
-                <a16:creationId xmlns:a16="http://schemas.microsoft.com/office/drawing/2014/main" id="{63BC716B-EEC4-0292-2A32-8BA3449ACD32}"/>
-              </a:ext>
-            </a:extLst>
-          </p:cNvPr>
-          <p:cNvSpPr txBox="1"/>
-          <p:nvPr/>
-        </p:nvSpPr>
-        <p:spPr>
-          <a:xfrm>
-            <a:off x="1680309" y="2074745"/>
-            <a:ext cx="8736865" cy="3477362"/>
+            <a:off x="1657349" y="3143250"/>
+            <a:ext cx="4321175" cy="1507016"/>
           </a:xfrm>
           <a:prstGeom prst="rect">
             <a:avLst/>
@@ -9548,53 +10010,16 @@
               </a:lnSpc>
             </a:pPr>
             <a:r>
-              <a:rPr lang="en-US" altLang="ko-KR" dirty="0">
-                <a:solidFill>
-                  <a:schemeClr val="bg1"/>
-                </a:solidFill>
-                <a:latin typeface="넥슨Lv2고딕 Medium" panose="00000600000000000000" pitchFamily="2" charset="-127"/>
-                <a:ea typeface="넥슨Lv2고딕 Medium" panose="00000600000000000000" pitchFamily="2" charset="-127"/>
-              </a:rPr>
-              <a:t>Layout</a:t>
-            </a:r>
-            <a:r>
-              <a:rPr lang="ko-KR" altLang="en-US" dirty="0">
-                <a:solidFill>
-                  <a:schemeClr val="bg1"/>
-                </a:solidFill>
-                <a:latin typeface="넥슨Lv2고딕 Medium" panose="00000600000000000000" pitchFamily="2" charset="-127"/>
-                <a:ea typeface="넥슨Lv2고딕 Medium" panose="00000600000000000000" pitchFamily="2" charset="-127"/>
-              </a:rPr>
-              <a:t> </a:t>
-            </a:r>
-            <a:r>
-              <a:rPr lang="en-US" altLang="ko-KR" dirty="0">
-                <a:solidFill>
-                  <a:schemeClr val="bg1"/>
-                </a:solidFill>
-                <a:latin typeface="넥슨Lv2고딕 Medium" panose="00000600000000000000" pitchFamily="2" charset="-127"/>
-                <a:ea typeface="넥슨Lv2고딕 Medium" panose="00000600000000000000" pitchFamily="2" charset="-127"/>
-              </a:rPr>
-              <a:t>Group</a:t>
-            </a:r>
-          </a:p>
-          <a:p>
-            <a:pPr>
-              <a:lnSpc>
-                <a:spcPct val="150000"/>
-              </a:lnSpc>
-            </a:pPr>
-            <a:r>
-              <a:rPr lang="ko-KR" altLang="en-US" sz="1600" dirty="0">
-                <a:solidFill>
-                  <a:schemeClr val="bg1"/>
-                </a:solidFill>
-                <a:latin typeface="넥슨Lv2고딕 Light" panose="00000300000000000000" pitchFamily="2" charset="-127"/>
-                <a:ea typeface="넥슨Lv2고딕 Light" panose="00000300000000000000" pitchFamily="2" charset="-127"/>
-              </a:rPr>
-              <a:t>레이아웃 그룹 사용 이후 컴포넌트를</a:t>
-            </a:r>
-            <a:endParaRPr lang="en-US" altLang="ko-KR" sz="1600" dirty="0">
+              <a:rPr lang="ko-KR" altLang="en-US" sz="3200" dirty="0">
+                <a:solidFill>
+                  <a:schemeClr val="bg1"/>
+                </a:solidFill>
+                <a:latin typeface="넥슨Lv2고딕 Light" panose="00000300000000000000" pitchFamily="2" charset="-127"/>
+                <a:ea typeface="넥슨Lv2고딕 Light" panose="00000300000000000000" pitchFamily="2" charset="-127"/>
+              </a:rPr>
+              <a:t>캔버스</a:t>
+            </a:r>
+            <a:endParaRPr lang="en-US" altLang="ko-KR" sz="3200" dirty="0">
               <a:solidFill>
                 <a:schemeClr val="bg1"/>
               </a:solidFill>
@@ -9609,16 +10034,26 @@
               </a:lnSpc>
             </a:pPr>
             <a:r>
-              <a:rPr lang="ko-KR" altLang="en-US" sz="1600" dirty="0">
-                <a:solidFill>
-                  <a:schemeClr val="bg1"/>
-                </a:solidFill>
-                <a:latin typeface="넥슨Lv2고딕 Light" panose="00000300000000000000" pitchFamily="2" charset="-127"/>
-                <a:ea typeface="넥슨Lv2고딕 Light" panose="00000300000000000000" pitchFamily="2" charset="-127"/>
-              </a:rPr>
-              <a:t>비활성화하여 추가적인</a:t>
-            </a:r>
-            <a:endParaRPr lang="en-US" altLang="ko-KR" sz="1600" dirty="0">
+              <a:rPr lang="en-US" altLang="ko-KR" sz="3200" dirty="0">
+                <a:solidFill>
+                  <a:schemeClr val="bg1"/>
+                </a:solidFill>
+                <a:latin typeface="넥슨Lv2고딕 Light" panose="00000300000000000000" pitchFamily="2" charset="-127"/>
+                <a:ea typeface="넥슨Lv2고딕 Light" panose="00000300000000000000" pitchFamily="2" charset="-127"/>
+              </a:rPr>
+              <a:t>UI </a:t>
+            </a:r>
+            <a:r>
+              <a:rPr lang="ko-KR" altLang="en-US" sz="3200" dirty="0">
+                <a:solidFill>
+                  <a:schemeClr val="bg1"/>
+                </a:solidFill>
+                <a:latin typeface="넥슨Lv2고딕 Light" panose="00000300000000000000" pitchFamily="2" charset="-127"/>
+                <a:ea typeface="넥슨Lv2고딕 Light" panose="00000300000000000000" pitchFamily="2" charset="-127"/>
+              </a:rPr>
+              <a:t>요소</a:t>
+            </a:r>
+            <a:endParaRPr lang="en-US" altLang="ko-KR" sz="3200" dirty="0">
               <a:solidFill>
                 <a:schemeClr val="bg1"/>
               </a:solidFill>
@@ -9626,199 +10061,12 @@
               <a:ea typeface="넥슨Lv2고딕 Light" panose="00000300000000000000" pitchFamily="2" charset="-127"/>
             </a:endParaRPr>
           </a:p>
-          <a:p>
-            <a:pPr>
-              <a:lnSpc>
-                <a:spcPct val="150000"/>
-              </a:lnSpc>
-            </a:pPr>
-            <a:r>
-              <a:rPr lang="ko-KR" altLang="en-US" sz="1600" dirty="0">
-                <a:solidFill>
-                  <a:schemeClr val="bg1"/>
-                </a:solidFill>
-                <a:latin typeface="넥슨Lv2고딕 Light" panose="00000300000000000000" pitchFamily="2" charset="-127"/>
-                <a:ea typeface="넥슨Lv2고딕 Light" panose="00000300000000000000" pitchFamily="2" charset="-127"/>
-              </a:rPr>
-              <a:t>성능 저하를 막았습니다</a:t>
-            </a:r>
-            <a:endParaRPr lang="en-US" altLang="ko-KR" sz="1600" dirty="0">
-              <a:solidFill>
-                <a:schemeClr val="bg1"/>
-              </a:solidFill>
-              <a:latin typeface="넥슨Lv2고딕 Light" panose="00000300000000000000" pitchFamily="2" charset="-127"/>
-              <a:ea typeface="넥슨Lv2고딕 Light" panose="00000300000000000000" pitchFamily="2" charset="-127"/>
-            </a:endParaRPr>
-          </a:p>
-          <a:p>
-            <a:pPr>
-              <a:lnSpc>
-                <a:spcPct val="150000"/>
-              </a:lnSpc>
-            </a:pPr>
-            <a:endParaRPr lang="en-US" altLang="ko-KR" sz="1600" dirty="0">
-              <a:solidFill>
-                <a:schemeClr val="bg1"/>
-              </a:solidFill>
-              <a:latin typeface="넥슨Lv2고딕 Light" panose="00000300000000000000" pitchFamily="2" charset="-127"/>
-              <a:ea typeface="넥슨Lv2고딕 Light" panose="00000300000000000000" pitchFamily="2" charset="-127"/>
-            </a:endParaRPr>
-          </a:p>
-          <a:p>
-            <a:pPr>
-              <a:lnSpc>
-                <a:spcPct val="150000"/>
-              </a:lnSpc>
-            </a:pPr>
-            <a:r>
-              <a:rPr lang="en-US" altLang="ko-KR" dirty="0">
-                <a:solidFill>
-                  <a:schemeClr val="bg1"/>
-                </a:solidFill>
-                <a:latin typeface="넥슨Lv2고딕 Medium" panose="00000600000000000000" pitchFamily="2" charset="-127"/>
-                <a:ea typeface="넥슨Lv2고딕 Medium" panose="00000600000000000000" pitchFamily="2" charset="-127"/>
-              </a:rPr>
-              <a:t>Tween</a:t>
-            </a:r>
-          </a:p>
-          <a:p>
-            <a:pPr>
-              <a:lnSpc>
-                <a:spcPct val="150000"/>
-              </a:lnSpc>
-            </a:pPr>
-            <a:r>
-              <a:rPr lang="ko-KR" altLang="en-US" sz="1600" dirty="0" err="1">
-                <a:solidFill>
-                  <a:schemeClr val="bg1"/>
-                </a:solidFill>
-                <a:latin typeface="넥슨Lv2고딕 Light" panose="00000300000000000000" pitchFamily="2" charset="-127"/>
-                <a:ea typeface="넥슨Lv2고딕 Light" panose="00000300000000000000" pitchFamily="2" charset="-127"/>
-              </a:rPr>
-              <a:t>애니메이터를</a:t>
-            </a:r>
-            <a:r>
-              <a:rPr lang="ko-KR" altLang="en-US" sz="1600" dirty="0">
-                <a:solidFill>
-                  <a:schemeClr val="bg1"/>
-                </a:solidFill>
-                <a:latin typeface="넥슨Lv2고딕 Light" panose="00000300000000000000" pitchFamily="2" charset="-127"/>
-                <a:ea typeface="넥슨Lv2고딕 Light" panose="00000300000000000000" pitchFamily="2" charset="-127"/>
-              </a:rPr>
-              <a:t> 사용할 경우</a:t>
-            </a:r>
-            <a:r>
-              <a:rPr lang="en-US" altLang="ko-KR" sz="1600" dirty="0">
-                <a:solidFill>
-                  <a:schemeClr val="bg1"/>
-                </a:solidFill>
-                <a:latin typeface="넥슨Lv2고딕 Light" panose="00000300000000000000" pitchFamily="2" charset="-127"/>
-                <a:ea typeface="넥슨Lv2고딕 Light" panose="00000300000000000000" pitchFamily="2" charset="-127"/>
-              </a:rPr>
-              <a:t> </a:t>
-            </a:r>
-            <a:r>
-              <a:rPr lang="ko-KR" altLang="en-US" sz="1600" dirty="0">
-                <a:solidFill>
-                  <a:schemeClr val="bg1"/>
-                </a:solidFill>
-                <a:latin typeface="넥슨Lv2고딕 Light" panose="00000300000000000000" pitchFamily="2" charset="-127"/>
-                <a:ea typeface="넥슨Lv2고딕 Light" panose="00000300000000000000" pitchFamily="2" charset="-127"/>
-              </a:rPr>
-              <a:t>애니메이션이 사용 중이 아니더라도</a:t>
-            </a:r>
-            <a:endParaRPr lang="en-US" altLang="ko-KR" sz="1600" dirty="0">
-              <a:solidFill>
-                <a:schemeClr val="bg1"/>
-              </a:solidFill>
-              <a:latin typeface="넥슨Lv2고딕 Light" panose="00000300000000000000" pitchFamily="2" charset="-127"/>
-              <a:ea typeface="넥슨Lv2고딕 Light" panose="00000300000000000000" pitchFamily="2" charset="-127"/>
-            </a:endParaRPr>
-          </a:p>
-          <a:p>
-            <a:pPr>
-              <a:lnSpc>
-                <a:spcPct val="150000"/>
-              </a:lnSpc>
-            </a:pPr>
-            <a:r>
-              <a:rPr lang="ko-KR" altLang="en-US" sz="1600" dirty="0">
-                <a:solidFill>
-                  <a:schemeClr val="bg1"/>
-                </a:solidFill>
-                <a:latin typeface="넥슨Lv2고딕 Light" panose="00000300000000000000" pitchFamily="2" charset="-127"/>
-                <a:ea typeface="넥슨Lv2고딕 Light" panose="00000300000000000000" pitchFamily="2" charset="-127"/>
-              </a:rPr>
-              <a:t>다시 그리게 되는 문제를 해결하기위해</a:t>
-            </a:r>
-            <a:endParaRPr lang="en-US" altLang="ko-KR" sz="1600" dirty="0">
-              <a:solidFill>
-                <a:schemeClr val="bg1"/>
-              </a:solidFill>
-              <a:latin typeface="넥슨Lv2고딕 Light" panose="00000300000000000000" pitchFamily="2" charset="-127"/>
-              <a:ea typeface="넥슨Lv2고딕 Light" panose="00000300000000000000" pitchFamily="2" charset="-127"/>
-            </a:endParaRPr>
-          </a:p>
-          <a:p>
-            <a:pPr>
-              <a:lnSpc>
-                <a:spcPct val="150000"/>
-              </a:lnSpc>
-            </a:pPr>
-            <a:r>
-              <a:rPr lang="en-US" altLang="ko-KR" sz="1600" dirty="0">
-                <a:solidFill>
-                  <a:schemeClr val="bg1"/>
-                </a:solidFill>
-                <a:latin typeface="넥슨Lv2고딕 Light" panose="00000300000000000000" pitchFamily="2" charset="-127"/>
-                <a:ea typeface="넥슨Lv2고딕 Light" panose="00000300000000000000" pitchFamily="2" charset="-127"/>
-              </a:rPr>
-              <a:t>Tween </a:t>
-            </a:r>
-            <a:r>
-              <a:rPr lang="ko-KR" altLang="en-US" sz="1600" dirty="0">
-                <a:solidFill>
-                  <a:schemeClr val="bg1"/>
-                </a:solidFill>
-                <a:latin typeface="넥슨Lv2고딕 Light" panose="00000300000000000000" pitchFamily="2" charset="-127"/>
-                <a:ea typeface="넥슨Lv2고딕 Light" panose="00000300000000000000" pitchFamily="2" charset="-127"/>
-              </a:rPr>
-              <a:t>을 사용하여</a:t>
-            </a:r>
-            <a:r>
-              <a:rPr lang="en-US" altLang="ko-KR" sz="1600" dirty="0">
-                <a:solidFill>
-                  <a:schemeClr val="bg1"/>
-                </a:solidFill>
-                <a:latin typeface="넥슨Lv2고딕 Light" panose="00000300000000000000" pitchFamily="2" charset="-127"/>
-                <a:ea typeface="넥슨Lv2고딕 Light" panose="00000300000000000000" pitchFamily="2" charset="-127"/>
-              </a:rPr>
-              <a:t> </a:t>
-            </a:r>
-            <a:r>
-              <a:rPr lang="ko-KR" altLang="en-US" sz="1600" dirty="0">
-                <a:solidFill>
-                  <a:schemeClr val="bg1"/>
-                </a:solidFill>
-                <a:latin typeface="넥슨Lv2고딕 Light" panose="00000300000000000000" pitchFamily="2" charset="-127"/>
-                <a:ea typeface="넥슨Lv2고딕 Light" panose="00000300000000000000" pitchFamily="2" charset="-127"/>
-              </a:rPr>
-              <a:t>간단한 애니메이션을 적용하였습니다</a:t>
-            </a:r>
-            <a:endParaRPr lang="en-US" altLang="ko-KR" sz="1600" dirty="0">
-              <a:solidFill>
-                <a:schemeClr val="bg1"/>
-              </a:solidFill>
-              <a:latin typeface="넥슨Lv2고딕 Light" panose="00000300000000000000" pitchFamily="2" charset="-127"/>
-              <a:ea typeface="넥슨Lv2고딕 Light" panose="00000300000000000000" pitchFamily="2" charset="-127"/>
-            </a:endParaRPr>
-          </a:p>
         </p:txBody>
       </p:sp>
     </p:spTree>
     <p:extLst>
       <p:ext uri="{BB962C8B-B14F-4D97-AF65-F5344CB8AC3E}">
-        <p14:creationId xmlns:p14="http://schemas.microsoft.com/office/powerpoint/2010/main" val="3532308141"/>
+        <p14:creationId xmlns:p14="http://schemas.microsoft.com/office/powerpoint/2010/main" val="1808681697"/>
       </p:ext>
     </p:extLst>
   </p:cSld>
@@ -9867,8 +10115,8 @@
         </p:nvSpPr>
         <p:spPr>
           <a:xfrm>
-            <a:off x="1688777" y="1469196"/>
-            <a:ext cx="6650890" cy="1200329"/>
+            <a:off x="1680310" y="1155929"/>
+            <a:ext cx="3733800" cy="584775"/>
           </a:xfrm>
           <a:prstGeom prst="rect">
             <a:avLst/>
@@ -9882,65 +10130,379 @@
           <a:lstStyle/>
           <a:p>
             <a:r>
-              <a:rPr lang="ko-KR" altLang="en-US" sz="7200" dirty="0">
+              <a:rPr lang="ko-KR" altLang="en-US" sz="3200" dirty="0">
                 <a:solidFill>
                   <a:schemeClr val="bg1"/>
                 </a:solidFill>
                 <a:latin typeface="넥슨Lv2고딕 Bold" panose="00000800000000000000" pitchFamily="2" charset="-127"/>
                 <a:ea typeface="넥슨Lv2고딕 Bold" panose="00000800000000000000" pitchFamily="2" charset="-127"/>
               </a:rPr>
-              <a:t>마치며</a:t>
-            </a:r>
-            <a:endParaRPr lang="en-US" altLang="ko-KR" sz="7200" dirty="0">
-              <a:solidFill>
-                <a:schemeClr val="bg1"/>
-              </a:solidFill>
-              <a:latin typeface="넥슨Lv2고딕 Bold" panose="00000800000000000000" pitchFamily="2" charset="-127"/>
-              <a:ea typeface="넥슨Lv2고딕 Bold" panose="00000800000000000000" pitchFamily="2" charset="-127"/>
-            </a:endParaRPr>
-          </a:p>
-        </p:txBody>
-      </p:sp>
-      <p:pic>
-        <p:nvPicPr>
-          <p:cNvPr id="9" name="그림 8">
-            <a:extLst>
-              <a:ext uri="{FF2B5EF4-FFF2-40B4-BE49-F238E27FC236}">
-                <a16:creationId xmlns:a16="http://schemas.microsoft.com/office/drawing/2014/main" id="{B6FC7C27-A4D6-0A9C-F61B-6AA1144DE5B1}"/>
-              </a:ext>
-            </a:extLst>
-          </p:cNvPr>
-          <p:cNvPicPr>
-            <a:picLocks noChangeAspect="1"/>
-          </p:cNvPicPr>
+              <a:t>캔버스</a:t>
+            </a:r>
+          </a:p>
+        </p:txBody>
+      </p:sp>
+      <p:sp>
+        <p:nvSpPr>
+          <p:cNvPr id="16" name="직사각형 15">
+            <a:extLst>
+              <a:ext uri="{FF2B5EF4-FFF2-40B4-BE49-F238E27FC236}">
+                <a16:creationId xmlns:a16="http://schemas.microsoft.com/office/drawing/2014/main" id="{06D4D73C-002A-B871-4E9F-3C2F2EFA95F6}"/>
+              </a:ext>
+            </a:extLst>
+          </p:cNvPr>
+          <p:cNvSpPr/>
           <p:nvPr/>
-        </p:nvPicPr>
-        <p:blipFill>
-          <a:blip r:embed="rId2">
-            <a:extLst>
-              <a:ext uri="{28A0092B-C50C-407E-A947-70E740481C1C}">
-                <a14:useLocalDpi xmlns:a14="http://schemas.microsoft.com/office/drawing/2010/main" val="0"/>
-              </a:ext>
-            </a:extLst>
-          </a:blip>
-          <a:stretch>
-            <a:fillRect/>
-          </a:stretch>
-        </p:blipFill>
+        </p:nvSpPr>
         <p:spPr>
-          <a:xfrm flipH="1">
-            <a:off x="6682163" y="1628775"/>
-            <a:ext cx="3735012" cy="4514850"/>
+          <a:xfrm>
+            <a:off x="1660524" y="1262063"/>
+            <a:ext cx="45719" cy="366711"/>
           </a:xfrm>
           <a:prstGeom prst="rect">
             <a:avLst/>
           </a:prstGeom>
+          <a:solidFill>
+            <a:schemeClr val="bg1"/>
+          </a:solidFill>
+          <a:ln>
+            <a:noFill/>
+          </a:ln>
         </p:spPr>
-      </p:pic>
+        <p:style>
+          <a:lnRef idx="2">
+            <a:schemeClr val="accent1">
+              <a:shade val="50000"/>
+            </a:schemeClr>
+          </a:lnRef>
+          <a:fillRef idx="1">
+            <a:schemeClr val="accent1"/>
+          </a:fillRef>
+          <a:effectRef idx="0">
+            <a:schemeClr val="accent1"/>
+          </a:effectRef>
+          <a:fontRef idx="minor">
+            <a:schemeClr val="lt1"/>
+          </a:fontRef>
+        </p:style>
+        <p:txBody>
+          <a:bodyPr rtlCol="0" anchor="ctr"/>
+          <a:lstStyle/>
+          <a:p>
+            <a:pPr algn="ctr"/>
+            <a:endParaRPr lang="ko-KR" altLang="en-US"/>
+          </a:p>
+        </p:txBody>
+      </p:sp>
+      <p:sp>
+        <p:nvSpPr>
+          <p:cNvPr id="6" name="TextBox 5">
+            <a:extLst>
+              <a:ext uri="{FF2B5EF4-FFF2-40B4-BE49-F238E27FC236}">
+                <a16:creationId xmlns:a16="http://schemas.microsoft.com/office/drawing/2014/main" id="{63BC716B-EEC4-0292-2A32-8BA3449ACD32}"/>
+              </a:ext>
+            </a:extLst>
+          </p:cNvPr>
+          <p:cNvSpPr txBox="1"/>
+          <p:nvPr/>
+        </p:nvSpPr>
+        <p:spPr>
+          <a:xfrm>
+            <a:off x="1680309" y="2074745"/>
+            <a:ext cx="8736865" cy="3477362"/>
+          </a:xfrm>
+          <a:prstGeom prst="rect">
+            <a:avLst/>
+          </a:prstGeom>
+          <a:noFill/>
+        </p:spPr>
+        <p:txBody>
+          <a:bodyPr wrap="square" rtlCol="0">
+            <a:spAutoFit/>
+          </a:bodyPr>
+          <a:lstStyle/>
+          <a:p>
+            <a:pPr>
+              <a:lnSpc>
+                <a:spcPct val="150000"/>
+              </a:lnSpc>
+            </a:pPr>
+            <a:r>
+              <a:rPr lang="ko-KR" altLang="en-US" dirty="0">
+                <a:solidFill>
+                  <a:schemeClr val="bg1"/>
+                </a:solidFill>
+                <a:latin typeface="넥슨Lv2고딕 Medium" panose="00000600000000000000" pitchFamily="2" charset="-127"/>
+                <a:ea typeface="넥슨Lv2고딕 Medium" panose="00000600000000000000" pitchFamily="2" charset="-127"/>
+              </a:rPr>
+              <a:t>캔버스 나누기</a:t>
+            </a:r>
+            <a:endParaRPr lang="en-US" altLang="ko-KR" dirty="0">
+              <a:solidFill>
+                <a:schemeClr val="bg1"/>
+              </a:solidFill>
+              <a:latin typeface="넥슨Lv2고딕 Medium" panose="00000600000000000000" pitchFamily="2" charset="-127"/>
+              <a:ea typeface="넥슨Lv2고딕 Medium" panose="00000600000000000000" pitchFamily="2" charset="-127"/>
+            </a:endParaRPr>
+          </a:p>
+          <a:p>
+            <a:pPr>
+              <a:lnSpc>
+                <a:spcPct val="150000"/>
+              </a:lnSpc>
+            </a:pPr>
+            <a:r>
+              <a:rPr lang="ko-KR" altLang="en-US" sz="1600" dirty="0">
+                <a:solidFill>
+                  <a:schemeClr val="bg1"/>
+                </a:solidFill>
+                <a:latin typeface="넥슨Lv2고딕 Light" panose="00000300000000000000" pitchFamily="2" charset="-127"/>
+                <a:ea typeface="넥슨Lv2고딕 Light" panose="00000300000000000000" pitchFamily="2" charset="-127"/>
+              </a:rPr>
+              <a:t>처음 개발을 할 때 하나의 캔버스로 작업을 하였는데</a:t>
+            </a:r>
+            <a:endParaRPr lang="en-US" altLang="ko-KR" sz="1600" dirty="0">
+              <a:solidFill>
+                <a:schemeClr val="bg1"/>
+              </a:solidFill>
+              <a:latin typeface="넥슨Lv2고딕 Light" panose="00000300000000000000" pitchFamily="2" charset="-127"/>
+              <a:ea typeface="넥슨Lv2고딕 Light" panose="00000300000000000000" pitchFamily="2" charset="-127"/>
+            </a:endParaRPr>
+          </a:p>
+          <a:p>
+            <a:pPr>
+              <a:lnSpc>
+                <a:spcPct val="150000"/>
+              </a:lnSpc>
+            </a:pPr>
+            <a:r>
+              <a:rPr lang="ko-KR" altLang="en-US" sz="1600" dirty="0">
+                <a:solidFill>
+                  <a:schemeClr val="bg1"/>
+                </a:solidFill>
+                <a:latin typeface="넥슨Lv2고딕 Light" panose="00000300000000000000" pitchFamily="2" charset="-127"/>
+                <a:ea typeface="넥슨Lv2고딕 Light" panose="00000300000000000000" pitchFamily="2" charset="-127"/>
+              </a:rPr>
+              <a:t>오브젝트가 하나 움직일 때 마다 스파이크가 생기는 것을 확인하였고</a:t>
+            </a:r>
+            <a:endParaRPr lang="en-US" altLang="ko-KR" sz="1600" dirty="0">
+              <a:solidFill>
+                <a:schemeClr val="bg1"/>
+              </a:solidFill>
+              <a:latin typeface="넥슨Lv2고딕 Light" panose="00000300000000000000" pitchFamily="2" charset="-127"/>
+              <a:ea typeface="넥슨Lv2고딕 Light" panose="00000300000000000000" pitchFamily="2" charset="-127"/>
+            </a:endParaRPr>
+          </a:p>
+          <a:p>
+            <a:pPr>
+              <a:lnSpc>
+                <a:spcPct val="150000"/>
+              </a:lnSpc>
+            </a:pPr>
+            <a:r>
+              <a:rPr lang="ko-KR" altLang="en-US" sz="1600" dirty="0">
+                <a:solidFill>
+                  <a:schemeClr val="bg1"/>
+                </a:solidFill>
+                <a:latin typeface="넥슨Lv2고딕 Light" panose="00000300000000000000" pitchFamily="2" charset="-127"/>
+                <a:ea typeface="넥슨Lv2고딕 Light" panose="00000300000000000000" pitchFamily="2" charset="-127"/>
+              </a:rPr>
+              <a:t>이후 동적 </a:t>
+            </a:r>
+            <a:r>
+              <a:rPr lang="en-US" altLang="ko-KR" sz="1600" dirty="0">
+                <a:solidFill>
+                  <a:schemeClr val="bg1"/>
+                </a:solidFill>
+                <a:latin typeface="넥슨Lv2고딕 Light" panose="00000300000000000000" pitchFamily="2" charset="-127"/>
+                <a:ea typeface="넥슨Lv2고딕 Light" panose="00000300000000000000" pitchFamily="2" charset="-127"/>
+              </a:rPr>
+              <a:t>UI</a:t>
+            </a:r>
+            <a:r>
+              <a:rPr lang="ko-KR" altLang="en-US" sz="1600" dirty="0">
+                <a:solidFill>
+                  <a:schemeClr val="bg1"/>
+                </a:solidFill>
+                <a:latin typeface="넥슨Lv2고딕 Light" panose="00000300000000000000" pitchFamily="2" charset="-127"/>
+                <a:ea typeface="넥슨Lv2고딕 Light" panose="00000300000000000000" pitchFamily="2" charset="-127"/>
+              </a:rPr>
+              <a:t>는 캔버스를 나누는 형태를 사용하며 최적화를 했습니다</a:t>
+            </a:r>
+            <a:endParaRPr lang="en-US" altLang="ko-KR" sz="1600" dirty="0">
+              <a:solidFill>
+                <a:schemeClr val="bg1"/>
+              </a:solidFill>
+              <a:latin typeface="넥슨Lv2고딕 Light" panose="00000300000000000000" pitchFamily="2" charset="-127"/>
+              <a:ea typeface="넥슨Lv2고딕 Light" panose="00000300000000000000" pitchFamily="2" charset="-127"/>
+            </a:endParaRPr>
+          </a:p>
+          <a:p>
+            <a:pPr>
+              <a:lnSpc>
+                <a:spcPct val="150000"/>
+              </a:lnSpc>
+            </a:pPr>
+            <a:endParaRPr lang="en-US" altLang="ko-KR" sz="1600" dirty="0">
+              <a:solidFill>
+                <a:schemeClr val="bg1"/>
+              </a:solidFill>
+              <a:latin typeface="넥슨Lv2고딕 Light" panose="00000300000000000000" pitchFamily="2" charset="-127"/>
+              <a:ea typeface="넥슨Lv2고딕 Light" panose="00000300000000000000" pitchFamily="2" charset="-127"/>
+            </a:endParaRPr>
+          </a:p>
+          <a:p>
+            <a:pPr>
+              <a:lnSpc>
+                <a:spcPct val="150000"/>
+              </a:lnSpc>
+            </a:pPr>
+            <a:r>
+              <a:rPr lang="en-US" altLang="ko-KR" dirty="0">
+                <a:solidFill>
+                  <a:schemeClr val="bg1"/>
+                </a:solidFill>
+                <a:latin typeface="넥슨Lv2고딕 Medium" panose="00000600000000000000" pitchFamily="2" charset="-127"/>
+                <a:ea typeface="넥슨Lv2고딕 Medium" panose="00000600000000000000" pitchFamily="2" charset="-127"/>
+              </a:rPr>
+              <a:t>UI</a:t>
+            </a:r>
+            <a:r>
+              <a:rPr lang="ko-KR" altLang="en-US" dirty="0">
+                <a:solidFill>
+                  <a:schemeClr val="bg1"/>
+                </a:solidFill>
+                <a:latin typeface="넥슨Lv2고딕 Medium" panose="00000600000000000000" pitchFamily="2" charset="-127"/>
+                <a:ea typeface="넥슨Lv2고딕 Medium" panose="00000600000000000000" pitchFamily="2" charset="-127"/>
+              </a:rPr>
+              <a:t> 숨기기</a:t>
+            </a:r>
+            <a:endParaRPr lang="en-US" altLang="ko-KR" dirty="0">
+              <a:solidFill>
+                <a:schemeClr val="bg1"/>
+              </a:solidFill>
+              <a:latin typeface="넥슨Lv2고딕 Medium" panose="00000600000000000000" pitchFamily="2" charset="-127"/>
+              <a:ea typeface="넥슨Lv2고딕 Medium" panose="00000600000000000000" pitchFamily="2" charset="-127"/>
+            </a:endParaRPr>
+          </a:p>
+          <a:p>
+            <a:pPr>
+              <a:lnSpc>
+                <a:spcPct val="150000"/>
+              </a:lnSpc>
+            </a:pPr>
+            <a:r>
+              <a:rPr lang="ko-KR" altLang="en-US" sz="1600" dirty="0">
+                <a:solidFill>
+                  <a:schemeClr val="bg1"/>
+                </a:solidFill>
+                <a:latin typeface="넥슨Lv2고딕 Light" panose="00000300000000000000" pitchFamily="2" charset="-127"/>
+                <a:ea typeface="넥슨Lv2고딕 Light" panose="00000300000000000000" pitchFamily="2" charset="-127"/>
+              </a:rPr>
+              <a:t>게임 오브젝트를 비활성화 하는 대신</a:t>
+            </a:r>
+            <a:endParaRPr lang="en-US" altLang="ko-KR" sz="1600" dirty="0">
+              <a:solidFill>
+                <a:schemeClr val="bg1"/>
+              </a:solidFill>
+              <a:latin typeface="넥슨Lv2고딕 Light" panose="00000300000000000000" pitchFamily="2" charset="-127"/>
+              <a:ea typeface="넥슨Lv2고딕 Light" panose="00000300000000000000" pitchFamily="2" charset="-127"/>
+            </a:endParaRPr>
+          </a:p>
+          <a:p>
+            <a:pPr>
+              <a:lnSpc>
+                <a:spcPct val="150000"/>
+              </a:lnSpc>
+            </a:pPr>
+            <a:r>
+              <a:rPr lang="ko-KR" altLang="en-US" sz="1600" dirty="0">
+                <a:solidFill>
+                  <a:schemeClr val="bg1"/>
+                </a:solidFill>
+                <a:latin typeface="넥슨Lv2고딕 Light" panose="00000300000000000000" pitchFamily="2" charset="-127"/>
+                <a:ea typeface="넥슨Lv2고딕 Light" panose="00000300000000000000" pitchFamily="2" charset="-127"/>
+              </a:rPr>
+              <a:t>캔버스 컴포넌트만</a:t>
+            </a:r>
+            <a:r>
+              <a:rPr lang="en-US" altLang="ko-KR" sz="1600" dirty="0">
+                <a:solidFill>
+                  <a:schemeClr val="bg1"/>
+                </a:solidFill>
+                <a:latin typeface="넥슨Lv2고딕 Light" panose="00000300000000000000" pitchFamily="2" charset="-127"/>
+                <a:ea typeface="넥슨Lv2고딕 Light" panose="00000300000000000000" pitchFamily="2" charset="-127"/>
+              </a:rPr>
+              <a:t> </a:t>
+            </a:r>
+            <a:r>
+              <a:rPr lang="ko-KR" altLang="en-US" sz="1600" dirty="0">
+                <a:solidFill>
+                  <a:schemeClr val="bg1"/>
+                </a:solidFill>
+                <a:latin typeface="넥슨Lv2고딕 Light" panose="00000300000000000000" pitchFamily="2" charset="-127"/>
+                <a:ea typeface="넥슨Lv2고딕 Light" panose="00000300000000000000" pitchFamily="2" charset="-127"/>
+              </a:rPr>
+              <a:t>비활성화 하여 숨겼습니다</a:t>
+            </a:r>
+            <a:endParaRPr lang="en-US" altLang="ko-KR" sz="1600" dirty="0">
+              <a:solidFill>
+                <a:schemeClr val="bg1"/>
+              </a:solidFill>
+              <a:latin typeface="넥슨Lv2고딕 Light" panose="00000300000000000000" pitchFamily="2" charset="-127"/>
+              <a:ea typeface="넥슨Lv2고딕 Light" panose="00000300000000000000" pitchFamily="2" charset="-127"/>
+            </a:endParaRPr>
+          </a:p>
+          <a:p>
+            <a:pPr>
+              <a:lnSpc>
+                <a:spcPct val="150000"/>
+              </a:lnSpc>
+            </a:pPr>
+            <a:r>
+              <a:rPr lang="ko-KR" altLang="en-US" sz="1600" dirty="0">
+                <a:solidFill>
+                  <a:schemeClr val="bg1"/>
+                </a:solidFill>
+                <a:latin typeface="넥슨Lv2고딕 Light" panose="00000300000000000000" pitchFamily="2" charset="-127"/>
+                <a:ea typeface="넥슨Lv2고딕 Light" panose="00000300000000000000" pitchFamily="2" charset="-127"/>
+              </a:rPr>
+              <a:t>이로 인해 활성화 시 메시와 </a:t>
+            </a:r>
+            <a:r>
+              <a:rPr lang="ko-KR" altLang="en-US" sz="1600" dirty="0" err="1">
+                <a:solidFill>
+                  <a:schemeClr val="bg1"/>
+                </a:solidFill>
+                <a:latin typeface="넥슨Lv2고딕 Light" panose="00000300000000000000" pitchFamily="2" charset="-127"/>
+                <a:ea typeface="넥슨Lv2고딕 Light" panose="00000300000000000000" pitchFamily="2" charset="-127"/>
+              </a:rPr>
+              <a:t>버텍스를</a:t>
+            </a:r>
+            <a:r>
+              <a:rPr lang="ko-KR" altLang="en-US" sz="1600" dirty="0">
+                <a:solidFill>
+                  <a:schemeClr val="bg1"/>
+                </a:solidFill>
+                <a:latin typeface="넥슨Lv2고딕 Light" panose="00000300000000000000" pitchFamily="2" charset="-127"/>
+                <a:ea typeface="넥슨Lv2고딕 Light" panose="00000300000000000000" pitchFamily="2" charset="-127"/>
+              </a:rPr>
+              <a:t> 재구성하지 않게 되었습니다</a:t>
+            </a:r>
+            <a:endParaRPr lang="en-US" altLang="ko-KR" sz="1600" dirty="0">
+              <a:solidFill>
+                <a:schemeClr val="bg1"/>
+              </a:solidFill>
+              <a:latin typeface="넥슨Lv2고딕 Light" panose="00000300000000000000" pitchFamily="2" charset="-127"/>
+              <a:ea typeface="넥슨Lv2고딕 Light" panose="00000300000000000000" pitchFamily="2" charset="-127"/>
+            </a:endParaRPr>
+          </a:p>
+        </p:txBody>
+      </p:sp>
     </p:spTree>
     <p:extLst>
       <p:ext uri="{BB962C8B-B14F-4D97-AF65-F5344CB8AC3E}">
-        <p14:creationId xmlns:p14="http://schemas.microsoft.com/office/powerpoint/2010/main" val="1804371286"/>
+        <p14:creationId xmlns:p14="http://schemas.microsoft.com/office/powerpoint/2010/main" val="3122391892"/>
       </p:ext>
     </p:extLst>
   </p:cSld>
@@ -9977,64 +10539,10 @@
       </p:grpSpPr>
       <p:sp>
         <p:nvSpPr>
-          <p:cNvPr id="11" name="사각형: 둥근 모서리 10">
-            <a:extLst>
-              <a:ext uri="{FF2B5EF4-FFF2-40B4-BE49-F238E27FC236}">
-                <a16:creationId xmlns:a16="http://schemas.microsoft.com/office/drawing/2014/main" id="{B48A8572-A022-8604-EB47-900C9790D061}"/>
-              </a:ext>
-            </a:extLst>
-          </p:cNvPr>
-          <p:cNvSpPr/>
-          <p:nvPr/>
-        </p:nvSpPr>
-        <p:spPr>
-          <a:xfrm>
-            <a:off x="6095999" y="1628774"/>
-            <a:ext cx="4321175" cy="4581526"/>
-          </a:xfrm>
-          <a:prstGeom prst="roundRect">
-            <a:avLst>
-              <a:gd name="adj" fmla="val 4323"/>
-            </a:avLst>
-          </a:prstGeom>
-          <a:solidFill>
-            <a:srgbClr val="6397F1"/>
-          </a:solidFill>
-          <a:ln>
-            <a:noFill/>
-          </a:ln>
-        </p:spPr>
-        <p:style>
-          <a:lnRef idx="2">
-            <a:schemeClr val="accent1">
-              <a:shade val="50000"/>
-            </a:schemeClr>
-          </a:lnRef>
-          <a:fillRef idx="1">
-            <a:schemeClr val="accent1"/>
-          </a:fillRef>
-          <a:effectRef idx="0">
-            <a:schemeClr val="accent1"/>
-          </a:effectRef>
-          <a:fontRef idx="minor">
-            <a:schemeClr val="lt1"/>
-          </a:fontRef>
-        </p:style>
-        <p:txBody>
-          <a:bodyPr rtlCol="0" anchor="ctr"/>
-          <a:lstStyle/>
-          <a:p>
-            <a:pPr algn="ctr"/>
-            <a:endParaRPr lang="ko-KR" altLang="en-US"/>
-          </a:p>
-        </p:txBody>
-      </p:sp>
-      <p:sp>
-        <p:nvSpPr>
-          <p:cNvPr id="6" name="TextBox 5">
-            <a:extLst>
-              <a:ext uri="{FF2B5EF4-FFF2-40B4-BE49-F238E27FC236}">
-                <a16:creationId xmlns:a16="http://schemas.microsoft.com/office/drawing/2014/main" id="{A1A729CA-938F-1B19-4148-3D25572B502C}"/>
+          <p:cNvPr id="15" name="TextBox 14">
+            <a:extLst>
+              <a:ext uri="{FF2B5EF4-FFF2-40B4-BE49-F238E27FC236}">
+                <a16:creationId xmlns:a16="http://schemas.microsoft.com/office/drawing/2014/main" id="{BA04418A-3697-DF14-5B90-D9AC7CE43E2B}"/>
               </a:ext>
             </a:extLst>
           </p:cNvPr>
@@ -10058,24 +10566,34 @@
           <a:lstStyle/>
           <a:p>
             <a:r>
-              <a:rPr lang="ko-KR" altLang="en-US" sz="3200" dirty="0">
+              <a:rPr lang="en-US" altLang="ko-KR" sz="3200" dirty="0">
                 <a:solidFill>
                   <a:schemeClr val="bg1"/>
                 </a:solidFill>
                 <a:latin typeface="넥슨Lv2고딕 Bold" panose="00000800000000000000" pitchFamily="2" charset="-127"/>
                 <a:ea typeface="넥슨Lv2고딕 Bold" panose="00000800000000000000" pitchFamily="2" charset="-127"/>
               </a:rPr>
-              <a:t>아쉬운 점</a:t>
-            </a:r>
-          </a:p>
-        </p:txBody>
-      </p:sp>
-      <p:sp>
-        <p:nvSpPr>
-          <p:cNvPr id="7" name="직사각형 6">
-            <a:extLst>
-              <a:ext uri="{FF2B5EF4-FFF2-40B4-BE49-F238E27FC236}">
-                <a16:creationId xmlns:a16="http://schemas.microsoft.com/office/drawing/2014/main" id="{EE422A0C-AD0C-D44C-27C3-48DBF1982000}"/>
+              <a:t>UI </a:t>
+            </a:r>
+            <a:r>
+              <a:rPr lang="ko-KR" altLang="en-US" sz="3200" dirty="0">
+                <a:solidFill>
+                  <a:schemeClr val="bg1"/>
+                </a:solidFill>
+                <a:latin typeface="넥슨Lv2고딕 Bold" panose="00000800000000000000" pitchFamily="2" charset="-127"/>
+                <a:ea typeface="넥슨Lv2고딕 Bold" panose="00000800000000000000" pitchFamily="2" charset="-127"/>
+              </a:rPr>
+              <a:t>요소</a:t>
+            </a:r>
+          </a:p>
+        </p:txBody>
+      </p:sp>
+      <p:sp>
+        <p:nvSpPr>
+          <p:cNvPr id="16" name="직사각형 15">
+            <a:extLst>
+              <a:ext uri="{FF2B5EF4-FFF2-40B4-BE49-F238E27FC236}">
+                <a16:creationId xmlns:a16="http://schemas.microsoft.com/office/drawing/2014/main" id="{06D4D73C-002A-B871-4E9F-3C2F2EFA95F6}"/>
               </a:ext>
             </a:extLst>
           </p:cNvPr>
@@ -10122,51 +10640,12 @@
           </a:p>
         </p:txBody>
       </p:sp>
-      <p:pic>
-        <p:nvPicPr>
-          <p:cNvPr id="9" name="그래픽 8">
-            <a:extLst>
-              <a:ext uri="{FF2B5EF4-FFF2-40B4-BE49-F238E27FC236}">
-                <a16:creationId xmlns:a16="http://schemas.microsoft.com/office/drawing/2014/main" id="{B952CFDB-8BB3-2429-7671-6DE83F7AC321}"/>
-              </a:ext>
-            </a:extLst>
-          </p:cNvPr>
-          <p:cNvPicPr>
-            <a:picLocks noChangeAspect="1"/>
-          </p:cNvPicPr>
-          <p:nvPr/>
-        </p:nvPicPr>
-        <p:blipFill>
-          <a:blip r:embed="rId2">
-            <a:extLst>
-              <a:ext uri="{28A0092B-C50C-407E-A947-70E740481C1C}">
-                <a14:useLocalDpi xmlns:a14="http://schemas.microsoft.com/office/drawing/2010/main" val="0"/>
-              </a:ext>
-              <a:ext uri="{96DAC541-7B7A-43D3-8B79-37D633B846F1}">
-                <asvg:svgBlip xmlns:asvg="http://schemas.microsoft.com/office/drawing/2016/SVG/main" r:embed="rId3"/>
-              </a:ext>
-            </a:extLst>
-          </a:blip>
-          <a:stretch>
-            <a:fillRect/>
-          </a:stretch>
-        </p:blipFill>
-        <p:spPr>
-          <a:xfrm>
-            <a:off x="6200776" y="1841425"/>
-            <a:ext cx="4111624" cy="3952498"/>
-          </a:xfrm>
-          <a:prstGeom prst="rect">
-            <a:avLst/>
-          </a:prstGeom>
-        </p:spPr>
-      </p:pic>
-      <p:sp>
-        <p:nvSpPr>
-          <p:cNvPr id="10" name="TextBox 9">
-            <a:extLst>
-              <a:ext uri="{FF2B5EF4-FFF2-40B4-BE49-F238E27FC236}">
-                <a16:creationId xmlns:a16="http://schemas.microsoft.com/office/drawing/2014/main" id="{3DCDC810-10FA-861E-33DE-CA666F3543F7}"/>
+      <p:sp>
+        <p:nvSpPr>
+          <p:cNvPr id="6" name="TextBox 5">
+            <a:extLst>
+              <a:ext uri="{FF2B5EF4-FFF2-40B4-BE49-F238E27FC236}">
+                <a16:creationId xmlns:a16="http://schemas.microsoft.com/office/drawing/2014/main" id="{63BC716B-EEC4-0292-2A32-8BA3449ACD32}"/>
               </a:ext>
             </a:extLst>
           </p:cNvPr>
@@ -10176,7 +10655,7 @@
         <p:spPr>
           <a:xfrm>
             <a:off x="1680309" y="2074745"/>
-            <a:ext cx="8736865" cy="1953868"/>
+            <a:ext cx="8736865" cy="3477362"/>
           </a:xfrm>
           <a:prstGeom prst="rect">
             <a:avLst/>
@@ -10202,7 +10681,7 @@
                 <a:latin typeface="넥슨Lv2고딕 Medium" panose="00000600000000000000" pitchFamily="2" charset="-127"/>
                 <a:ea typeface="넥슨Lv2고딕 Medium" panose="00000600000000000000" pitchFamily="2" charset="-127"/>
               </a:rPr>
-              <a:t>UML </a:t>
+              <a:t>Layout</a:t>
             </a:r>
             <a:r>
               <a:rPr lang="ko-KR" altLang="en-US" dirty="0">
@@ -10212,15 +10691,18 @@
                 <a:latin typeface="넥슨Lv2고딕 Medium" panose="00000600000000000000" pitchFamily="2" charset="-127"/>
                 <a:ea typeface="넥슨Lv2고딕 Medium" panose="00000600000000000000" pitchFamily="2" charset="-127"/>
               </a:rPr>
-              <a:t>활용</a:t>
-            </a:r>
-            <a:endParaRPr lang="en-US" altLang="ko-KR" dirty="0">
-              <a:solidFill>
-                <a:schemeClr val="bg1"/>
-              </a:solidFill>
-              <a:latin typeface="넥슨Lv2고딕 Medium" panose="00000600000000000000" pitchFamily="2" charset="-127"/>
-              <a:ea typeface="넥슨Lv2고딕 Medium" panose="00000600000000000000" pitchFamily="2" charset="-127"/>
-            </a:endParaRPr>
+              <a:t> </a:t>
+            </a:r>
+            <a:r>
+              <a:rPr lang="en-US" altLang="ko-KR" dirty="0">
+                <a:solidFill>
+                  <a:schemeClr val="bg1"/>
+                </a:solidFill>
+                <a:latin typeface="넥슨Lv2고딕 Medium" panose="00000600000000000000" pitchFamily="2" charset="-127"/>
+                <a:ea typeface="넥슨Lv2고딕 Medium" panose="00000600000000000000" pitchFamily="2" charset="-127"/>
+              </a:rPr>
+              <a:t>Group</a:t>
+            </a:r>
           </a:p>
           <a:p>
             <a:pPr>
@@ -10236,7 +10718,7 @@
                 <a:latin typeface="넥슨Lv2고딕 Light" panose="00000300000000000000" pitchFamily="2" charset="-127"/>
                 <a:ea typeface="넥슨Lv2고딕 Light" panose="00000300000000000000" pitchFamily="2" charset="-127"/>
               </a:rPr>
-              <a:t>계속해서 좋은 구조를 찾아보며 작업하다 보니</a:t>
+              <a:t>레이아웃 그룹 사용 이후 컴포넌트를</a:t>
             </a:r>
             <a:endParaRPr lang="en-US" altLang="ko-KR" sz="1600" dirty="0">
               <a:solidFill>
@@ -10260,27 +10742,7 @@
                 <a:latin typeface="넥슨Lv2고딕 Light" panose="00000300000000000000" pitchFamily="2" charset="-127"/>
                 <a:ea typeface="넥슨Lv2고딕 Light" panose="00000300000000000000" pitchFamily="2" charset="-127"/>
               </a:rPr>
-              <a:t>처음 </a:t>
-            </a:r>
-            <a:r>
-              <a:rPr lang="en-US" altLang="ko-KR" sz="1600" dirty="0">
-                <a:solidFill>
-                  <a:schemeClr val="bg1"/>
-                </a:solidFill>
-                <a:latin typeface="넥슨Lv2고딕 Light" panose="00000300000000000000" pitchFamily="2" charset="-127"/>
-                <a:ea typeface="넥슨Lv2고딕 Light" panose="00000300000000000000" pitchFamily="2" charset="-127"/>
-              </a:rPr>
-              <a:t>UML</a:t>
-            </a:r>
-            <a:r>
-              <a:rPr lang="ko-KR" altLang="en-US" sz="1600" dirty="0">
-                <a:solidFill>
-                  <a:schemeClr val="bg1"/>
-                </a:solidFill>
-                <a:latin typeface="넥슨Lv2고딕 Light" panose="00000300000000000000" pitchFamily="2" charset="-127"/>
-                <a:ea typeface="넥슨Lv2고딕 Light" panose="00000300000000000000" pitchFamily="2" charset="-127"/>
-              </a:rPr>
-              <a:t>로 만들어 둔 구조에서</a:t>
+              <a:t>비활성화하여 추가적인</a:t>
             </a:r>
             <a:endParaRPr lang="en-US" altLang="ko-KR" sz="1600" dirty="0">
               <a:solidFill>
@@ -10304,27 +10766,7 @@
                 <a:latin typeface="넥슨Lv2고딕 Light" panose="00000300000000000000" pitchFamily="2" charset="-127"/>
                 <a:ea typeface="넥슨Lv2고딕 Light" panose="00000300000000000000" pitchFamily="2" charset="-127"/>
               </a:rPr>
-              <a:t>변형된 것이</a:t>
-            </a:r>
-            <a:r>
-              <a:rPr lang="en-US" altLang="ko-KR" sz="1600" dirty="0">
-                <a:solidFill>
-                  <a:schemeClr val="bg1"/>
-                </a:solidFill>
-                <a:latin typeface="넥슨Lv2고딕 Light" panose="00000300000000000000" pitchFamily="2" charset="-127"/>
-                <a:ea typeface="넥슨Lv2고딕 Light" panose="00000300000000000000" pitchFamily="2" charset="-127"/>
-              </a:rPr>
-              <a:t> </a:t>
-            </a:r>
-            <a:r>
-              <a:rPr lang="ko-KR" altLang="en-US" sz="1600" dirty="0">
-                <a:solidFill>
-                  <a:schemeClr val="bg1"/>
-                </a:solidFill>
-                <a:latin typeface="넥슨Lv2고딕 Light" panose="00000300000000000000" pitchFamily="2" charset="-127"/>
-                <a:ea typeface="넥슨Lv2고딕 Light" panose="00000300000000000000" pitchFamily="2" charset="-127"/>
-              </a:rPr>
-              <a:t>있어서 앞으로 구조에 대해</a:t>
+              <a:t>성능 저하를 막았습니다</a:t>
             </a:r>
             <a:endParaRPr lang="en-US" altLang="ko-KR" sz="1600" dirty="0">
               <a:solidFill>
@@ -10340,36 +10782,6 @@
                 <a:spcPct val="150000"/>
               </a:lnSpc>
             </a:pPr>
-            <a:r>
-              <a:rPr lang="ko-KR" altLang="en-US" sz="1600" dirty="0">
-                <a:solidFill>
-                  <a:schemeClr val="bg1"/>
-                </a:solidFill>
-                <a:latin typeface="넥슨Lv2고딕 Light" panose="00000300000000000000" pitchFamily="2" charset="-127"/>
-                <a:ea typeface="넥슨Lv2고딕 Light" panose="00000300000000000000" pitchFamily="2" charset="-127"/>
-              </a:rPr>
-              <a:t>더욱 신경 쓰면</a:t>
-            </a:r>
-            <a:r>
-              <a:rPr lang="en-US" altLang="ko-KR" sz="1600" dirty="0">
-                <a:solidFill>
-                  <a:schemeClr val="bg1"/>
-                </a:solidFill>
-                <a:latin typeface="넥슨Lv2고딕 Light" panose="00000300000000000000" pitchFamily="2" charset="-127"/>
-                <a:ea typeface="넥슨Lv2고딕 Light" panose="00000300000000000000" pitchFamily="2" charset="-127"/>
-              </a:rPr>
-              <a:t> </a:t>
-            </a:r>
-            <a:r>
-              <a:rPr lang="ko-KR" altLang="en-US" sz="1600" dirty="0">
-                <a:solidFill>
-                  <a:schemeClr val="bg1"/>
-                </a:solidFill>
-                <a:latin typeface="넥슨Lv2고딕 Light" panose="00000300000000000000" pitchFamily="2" charset="-127"/>
-                <a:ea typeface="넥슨Lv2고딕 Light" panose="00000300000000000000" pitchFamily="2" charset="-127"/>
-              </a:rPr>
-              <a:t>좋을 것 같습니다</a:t>
-            </a:r>
             <a:endParaRPr lang="en-US" altLang="ko-KR" sz="1600" dirty="0">
               <a:solidFill>
                 <a:schemeClr val="bg1"/>
@@ -10378,12 +10790,161 @@
               <a:ea typeface="넥슨Lv2고딕 Light" panose="00000300000000000000" pitchFamily="2" charset="-127"/>
             </a:endParaRPr>
           </a:p>
+          <a:p>
+            <a:pPr>
+              <a:lnSpc>
+                <a:spcPct val="150000"/>
+              </a:lnSpc>
+            </a:pPr>
+            <a:r>
+              <a:rPr lang="en-US" altLang="ko-KR" dirty="0">
+                <a:solidFill>
+                  <a:schemeClr val="bg1"/>
+                </a:solidFill>
+                <a:latin typeface="넥슨Lv2고딕 Medium" panose="00000600000000000000" pitchFamily="2" charset="-127"/>
+                <a:ea typeface="넥슨Lv2고딕 Medium" panose="00000600000000000000" pitchFamily="2" charset="-127"/>
+              </a:rPr>
+              <a:t>Tween</a:t>
+            </a:r>
+          </a:p>
+          <a:p>
+            <a:pPr>
+              <a:lnSpc>
+                <a:spcPct val="150000"/>
+              </a:lnSpc>
+            </a:pPr>
+            <a:r>
+              <a:rPr lang="ko-KR" altLang="en-US" sz="1600" dirty="0" err="1">
+                <a:solidFill>
+                  <a:schemeClr val="bg1"/>
+                </a:solidFill>
+                <a:latin typeface="넥슨Lv2고딕 Light" panose="00000300000000000000" pitchFamily="2" charset="-127"/>
+                <a:ea typeface="넥슨Lv2고딕 Light" panose="00000300000000000000" pitchFamily="2" charset="-127"/>
+              </a:rPr>
+              <a:t>애니메이터를</a:t>
+            </a:r>
+            <a:r>
+              <a:rPr lang="ko-KR" altLang="en-US" sz="1600" dirty="0">
+                <a:solidFill>
+                  <a:schemeClr val="bg1"/>
+                </a:solidFill>
+                <a:latin typeface="넥슨Lv2고딕 Light" panose="00000300000000000000" pitchFamily="2" charset="-127"/>
+                <a:ea typeface="넥슨Lv2고딕 Light" panose="00000300000000000000" pitchFamily="2" charset="-127"/>
+              </a:rPr>
+              <a:t> 사용할 경우</a:t>
+            </a:r>
+            <a:r>
+              <a:rPr lang="en-US" altLang="ko-KR" sz="1600" dirty="0">
+                <a:solidFill>
+                  <a:schemeClr val="bg1"/>
+                </a:solidFill>
+                <a:latin typeface="넥슨Lv2고딕 Light" panose="00000300000000000000" pitchFamily="2" charset="-127"/>
+                <a:ea typeface="넥슨Lv2고딕 Light" panose="00000300000000000000" pitchFamily="2" charset="-127"/>
+              </a:rPr>
+              <a:t> </a:t>
+            </a:r>
+            <a:r>
+              <a:rPr lang="ko-KR" altLang="en-US" sz="1600" dirty="0">
+                <a:solidFill>
+                  <a:schemeClr val="bg1"/>
+                </a:solidFill>
+                <a:latin typeface="넥슨Lv2고딕 Light" panose="00000300000000000000" pitchFamily="2" charset="-127"/>
+                <a:ea typeface="넥슨Lv2고딕 Light" panose="00000300000000000000" pitchFamily="2" charset="-127"/>
+              </a:rPr>
+              <a:t>애니메이션이 사용 중이 아니더라도</a:t>
+            </a:r>
+            <a:endParaRPr lang="en-US" altLang="ko-KR" sz="1600" dirty="0">
+              <a:solidFill>
+                <a:schemeClr val="bg1"/>
+              </a:solidFill>
+              <a:latin typeface="넥슨Lv2고딕 Light" panose="00000300000000000000" pitchFamily="2" charset="-127"/>
+              <a:ea typeface="넥슨Lv2고딕 Light" panose="00000300000000000000" pitchFamily="2" charset="-127"/>
+            </a:endParaRPr>
+          </a:p>
+          <a:p>
+            <a:pPr>
+              <a:lnSpc>
+                <a:spcPct val="150000"/>
+              </a:lnSpc>
+            </a:pPr>
+            <a:r>
+              <a:rPr lang="ko-KR" altLang="en-US" sz="1600" dirty="0">
+                <a:solidFill>
+                  <a:schemeClr val="bg1"/>
+                </a:solidFill>
+                <a:latin typeface="넥슨Lv2고딕 Light" panose="00000300000000000000" pitchFamily="2" charset="-127"/>
+                <a:ea typeface="넥슨Lv2고딕 Light" panose="00000300000000000000" pitchFamily="2" charset="-127"/>
+              </a:rPr>
+              <a:t>다시 그리게 되는 문제를 해결하기위해</a:t>
+            </a:r>
+            <a:endParaRPr lang="en-US" altLang="ko-KR" sz="1600" dirty="0">
+              <a:solidFill>
+                <a:schemeClr val="bg1"/>
+              </a:solidFill>
+              <a:latin typeface="넥슨Lv2고딕 Light" panose="00000300000000000000" pitchFamily="2" charset="-127"/>
+              <a:ea typeface="넥슨Lv2고딕 Light" panose="00000300000000000000" pitchFamily="2" charset="-127"/>
+            </a:endParaRPr>
+          </a:p>
+          <a:p>
+            <a:pPr>
+              <a:lnSpc>
+                <a:spcPct val="150000"/>
+              </a:lnSpc>
+            </a:pPr>
+            <a:r>
+              <a:rPr lang="en-US" altLang="ko-KR" sz="1600" dirty="0">
+                <a:solidFill>
+                  <a:schemeClr val="bg1"/>
+                </a:solidFill>
+                <a:latin typeface="넥슨Lv2고딕 Light" panose="00000300000000000000" pitchFamily="2" charset="-127"/>
+                <a:ea typeface="넥슨Lv2고딕 Light" panose="00000300000000000000" pitchFamily="2" charset="-127"/>
+              </a:rPr>
+              <a:t>Tween </a:t>
+            </a:r>
+            <a:r>
+              <a:rPr lang="ko-KR" altLang="en-US" sz="1600" dirty="0">
+                <a:solidFill>
+                  <a:schemeClr val="bg1"/>
+                </a:solidFill>
+                <a:latin typeface="넥슨Lv2고딕 Light" panose="00000300000000000000" pitchFamily="2" charset="-127"/>
+                <a:ea typeface="넥슨Lv2고딕 Light" panose="00000300000000000000" pitchFamily="2" charset="-127"/>
+              </a:rPr>
+              <a:t>을 사용하여</a:t>
+            </a:r>
+            <a:r>
+              <a:rPr lang="en-US" altLang="ko-KR" sz="1600" dirty="0">
+                <a:solidFill>
+                  <a:schemeClr val="bg1"/>
+                </a:solidFill>
+                <a:latin typeface="넥슨Lv2고딕 Light" panose="00000300000000000000" pitchFamily="2" charset="-127"/>
+                <a:ea typeface="넥슨Lv2고딕 Light" panose="00000300000000000000" pitchFamily="2" charset="-127"/>
+              </a:rPr>
+              <a:t> </a:t>
+            </a:r>
+            <a:r>
+              <a:rPr lang="ko-KR" altLang="en-US" sz="1600" dirty="0">
+                <a:solidFill>
+                  <a:schemeClr val="bg1"/>
+                </a:solidFill>
+                <a:latin typeface="넥슨Lv2고딕 Light" panose="00000300000000000000" pitchFamily="2" charset="-127"/>
+                <a:ea typeface="넥슨Lv2고딕 Light" panose="00000300000000000000" pitchFamily="2" charset="-127"/>
+              </a:rPr>
+              <a:t>간단한 애니메이션을 적용하였습니다</a:t>
+            </a:r>
+            <a:endParaRPr lang="en-US" altLang="ko-KR" sz="1600" dirty="0">
+              <a:solidFill>
+                <a:schemeClr val="bg1"/>
+              </a:solidFill>
+              <a:latin typeface="넥슨Lv2고딕 Light" panose="00000300000000000000" pitchFamily="2" charset="-127"/>
+              <a:ea typeface="넥슨Lv2고딕 Light" panose="00000300000000000000" pitchFamily="2" charset="-127"/>
+            </a:endParaRPr>
+          </a:p>
         </p:txBody>
       </p:sp>
     </p:spTree>
     <p:extLst>
       <p:ext uri="{BB962C8B-B14F-4D97-AF65-F5344CB8AC3E}">
-        <p14:creationId xmlns:p14="http://schemas.microsoft.com/office/powerpoint/2010/main" val="3462649052"/>
+        <p14:creationId xmlns:p14="http://schemas.microsoft.com/office/powerpoint/2010/main" val="3532308141"/>
       </p:ext>
     </p:extLst>
   </p:cSld>
@@ -10432,6 +10993,571 @@
         </p:nvSpPr>
         <p:spPr>
           <a:xfrm>
+            <a:off x="1688777" y="1469196"/>
+            <a:ext cx="6650890" cy="1200329"/>
+          </a:xfrm>
+          <a:prstGeom prst="rect">
+            <a:avLst/>
+          </a:prstGeom>
+          <a:noFill/>
+        </p:spPr>
+        <p:txBody>
+          <a:bodyPr wrap="square" rtlCol="0">
+            <a:spAutoFit/>
+          </a:bodyPr>
+          <a:lstStyle/>
+          <a:p>
+            <a:r>
+              <a:rPr lang="ko-KR" altLang="en-US" sz="7200" dirty="0">
+                <a:solidFill>
+                  <a:schemeClr val="bg1"/>
+                </a:solidFill>
+                <a:latin typeface="넥슨Lv2고딕 Bold" panose="00000800000000000000" pitchFamily="2" charset="-127"/>
+                <a:ea typeface="넥슨Lv2고딕 Bold" panose="00000800000000000000" pitchFamily="2" charset="-127"/>
+              </a:rPr>
+              <a:t>마치며</a:t>
+            </a:r>
+            <a:endParaRPr lang="en-US" altLang="ko-KR" sz="7200" dirty="0">
+              <a:solidFill>
+                <a:schemeClr val="bg1"/>
+              </a:solidFill>
+              <a:latin typeface="넥슨Lv2고딕 Bold" panose="00000800000000000000" pitchFamily="2" charset="-127"/>
+              <a:ea typeface="넥슨Lv2고딕 Bold" panose="00000800000000000000" pitchFamily="2" charset="-127"/>
+            </a:endParaRPr>
+          </a:p>
+        </p:txBody>
+      </p:sp>
+      <p:pic>
+        <p:nvPicPr>
+          <p:cNvPr id="9" name="그림 8">
+            <a:extLst>
+              <a:ext uri="{FF2B5EF4-FFF2-40B4-BE49-F238E27FC236}">
+                <a16:creationId xmlns:a16="http://schemas.microsoft.com/office/drawing/2014/main" id="{B6FC7C27-A4D6-0A9C-F61B-6AA1144DE5B1}"/>
+              </a:ext>
+            </a:extLst>
+          </p:cNvPr>
+          <p:cNvPicPr>
+            <a:picLocks noChangeAspect="1"/>
+          </p:cNvPicPr>
+          <p:nvPr/>
+        </p:nvPicPr>
+        <p:blipFill>
+          <a:blip r:embed="rId2">
+            <a:extLst>
+              <a:ext uri="{28A0092B-C50C-407E-A947-70E740481C1C}">
+                <a14:useLocalDpi xmlns:a14="http://schemas.microsoft.com/office/drawing/2010/main" val="0"/>
+              </a:ext>
+            </a:extLst>
+          </a:blip>
+          <a:stretch>
+            <a:fillRect/>
+          </a:stretch>
+        </p:blipFill>
+        <p:spPr>
+          <a:xfrm flipH="1">
+            <a:off x="6682163" y="1628775"/>
+            <a:ext cx="3735012" cy="4514850"/>
+          </a:xfrm>
+          <a:prstGeom prst="rect">
+            <a:avLst/>
+          </a:prstGeom>
+        </p:spPr>
+      </p:pic>
+    </p:spTree>
+    <p:extLst>
+      <p:ext uri="{BB962C8B-B14F-4D97-AF65-F5344CB8AC3E}">
+        <p14:creationId xmlns:p14="http://schemas.microsoft.com/office/powerpoint/2010/main" val="1804371286"/>
+      </p:ext>
+    </p:extLst>
+  </p:cSld>
+  <p:clrMapOvr>
+    <a:masterClrMapping/>
+  </p:clrMapOvr>
+</p:sld>
+</file>
+
+<file path=ppt/slides/slide28.xml><?xml version="1.0" encoding="utf-8"?>
+<p:sld xmlns:a="http://schemas.openxmlformats.org/drawingml/2006/main" xmlns:r="http://schemas.openxmlformats.org/officeDocument/2006/relationships" xmlns:p="http://schemas.openxmlformats.org/presentationml/2006/main">
+  <p:cSld>
+    <p:bg>
+      <p:bgPr>
+        <a:solidFill>
+          <a:srgbClr val="4286F5"/>
+        </a:solidFill>
+        <a:effectLst/>
+      </p:bgPr>
+    </p:bg>
+    <p:spTree>
+      <p:nvGrpSpPr>
+        <p:cNvPr id="1" name=""/>
+        <p:cNvGrpSpPr/>
+        <p:nvPr/>
+      </p:nvGrpSpPr>
+      <p:grpSpPr>
+        <a:xfrm>
+          <a:off x="0" y="0"/>
+          <a:ext cx="0" cy="0"/>
+          <a:chOff x="0" y="0"/>
+          <a:chExt cx="0" cy="0"/>
+        </a:xfrm>
+      </p:grpSpPr>
+      <p:sp>
+        <p:nvSpPr>
+          <p:cNvPr id="11" name="사각형: 둥근 모서리 10">
+            <a:extLst>
+              <a:ext uri="{FF2B5EF4-FFF2-40B4-BE49-F238E27FC236}">
+                <a16:creationId xmlns:a16="http://schemas.microsoft.com/office/drawing/2014/main" id="{B48A8572-A022-8604-EB47-900C9790D061}"/>
+              </a:ext>
+            </a:extLst>
+          </p:cNvPr>
+          <p:cNvSpPr/>
+          <p:nvPr/>
+        </p:nvSpPr>
+        <p:spPr>
+          <a:xfrm>
+            <a:off x="6095999" y="1628774"/>
+            <a:ext cx="4321175" cy="4581526"/>
+          </a:xfrm>
+          <a:prstGeom prst="roundRect">
+            <a:avLst>
+              <a:gd name="adj" fmla="val 4323"/>
+            </a:avLst>
+          </a:prstGeom>
+          <a:solidFill>
+            <a:srgbClr val="6397F1"/>
+          </a:solidFill>
+          <a:ln>
+            <a:noFill/>
+          </a:ln>
+        </p:spPr>
+        <p:style>
+          <a:lnRef idx="2">
+            <a:schemeClr val="accent1">
+              <a:shade val="50000"/>
+            </a:schemeClr>
+          </a:lnRef>
+          <a:fillRef idx="1">
+            <a:schemeClr val="accent1"/>
+          </a:fillRef>
+          <a:effectRef idx="0">
+            <a:schemeClr val="accent1"/>
+          </a:effectRef>
+          <a:fontRef idx="minor">
+            <a:schemeClr val="lt1"/>
+          </a:fontRef>
+        </p:style>
+        <p:txBody>
+          <a:bodyPr rtlCol="0" anchor="ctr"/>
+          <a:lstStyle/>
+          <a:p>
+            <a:pPr algn="ctr"/>
+            <a:endParaRPr lang="ko-KR" altLang="en-US"/>
+          </a:p>
+        </p:txBody>
+      </p:sp>
+      <p:sp>
+        <p:nvSpPr>
+          <p:cNvPr id="6" name="TextBox 5">
+            <a:extLst>
+              <a:ext uri="{FF2B5EF4-FFF2-40B4-BE49-F238E27FC236}">
+                <a16:creationId xmlns:a16="http://schemas.microsoft.com/office/drawing/2014/main" id="{A1A729CA-938F-1B19-4148-3D25572B502C}"/>
+              </a:ext>
+            </a:extLst>
+          </p:cNvPr>
+          <p:cNvSpPr txBox="1"/>
+          <p:nvPr/>
+        </p:nvSpPr>
+        <p:spPr>
+          <a:xfrm>
+            <a:off x="1680310" y="1155929"/>
+            <a:ext cx="3733800" cy="584775"/>
+          </a:xfrm>
+          <a:prstGeom prst="rect">
+            <a:avLst/>
+          </a:prstGeom>
+          <a:noFill/>
+        </p:spPr>
+        <p:txBody>
+          <a:bodyPr wrap="square" rtlCol="0">
+            <a:spAutoFit/>
+          </a:bodyPr>
+          <a:lstStyle/>
+          <a:p>
+            <a:r>
+              <a:rPr lang="ko-KR" altLang="en-US" sz="3200" dirty="0">
+                <a:solidFill>
+                  <a:schemeClr val="bg1"/>
+                </a:solidFill>
+                <a:latin typeface="넥슨Lv2고딕 Bold" panose="00000800000000000000" pitchFamily="2" charset="-127"/>
+                <a:ea typeface="넥슨Lv2고딕 Bold" panose="00000800000000000000" pitchFamily="2" charset="-127"/>
+              </a:rPr>
+              <a:t>아쉬운 점</a:t>
+            </a:r>
+          </a:p>
+        </p:txBody>
+      </p:sp>
+      <p:sp>
+        <p:nvSpPr>
+          <p:cNvPr id="7" name="직사각형 6">
+            <a:extLst>
+              <a:ext uri="{FF2B5EF4-FFF2-40B4-BE49-F238E27FC236}">
+                <a16:creationId xmlns:a16="http://schemas.microsoft.com/office/drawing/2014/main" id="{EE422A0C-AD0C-D44C-27C3-48DBF1982000}"/>
+              </a:ext>
+            </a:extLst>
+          </p:cNvPr>
+          <p:cNvSpPr/>
+          <p:nvPr/>
+        </p:nvSpPr>
+        <p:spPr>
+          <a:xfrm>
+            <a:off x="1660524" y="1262063"/>
+            <a:ext cx="45719" cy="366711"/>
+          </a:xfrm>
+          <a:prstGeom prst="rect">
+            <a:avLst/>
+          </a:prstGeom>
+          <a:solidFill>
+            <a:schemeClr val="bg1"/>
+          </a:solidFill>
+          <a:ln>
+            <a:noFill/>
+          </a:ln>
+        </p:spPr>
+        <p:style>
+          <a:lnRef idx="2">
+            <a:schemeClr val="accent1">
+              <a:shade val="50000"/>
+            </a:schemeClr>
+          </a:lnRef>
+          <a:fillRef idx="1">
+            <a:schemeClr val="accent1"/>
+          </a:fillRef>
+          <a:effectRef idx="0">
+            <a:schemeClr val="accent1"/>
+          </a:effectRef>
+          <a:fontRef idx="minor">
+            <a:schemeClr val="lt1"/>
+          </a:fontRef>
+        </p:style>
+        <p:txBody>
+          <a:bodyPr rtlCol="0" anchor="ctr"/>
+          <a:lstStyle/>
+          <a:p>
+            <a:pPr algn="ctr"/>
+            <a:endParaRPr lang="ko-KR" altLang="en-US"/>
+          </a:p>
+        </p:txBody>
+      </p:sp>
+      <p:pic>
+        <p:nvPicPr>
+          <p:cNvPr id="9" name="그래픽 8">
+            <a:extLst>
+              <a:ext uri="{FF2B5EF4-FFF2-40B4-BE49-F238E27FC236}">
+                <a16:creationId xmlns:a16="http://schemas.microsoft.com/office/drawing/2014/main" id="{B952CFDB-8BB3-2429-7671-6DE83F7AC321}"/>
+              </a:ext>
+            </a:extLst>
+          </p:cNvPr>
+          <p:cNvPicPr>
+            <a:picLocks noChangeAspect="1"/>
+          </p:cNvPicPr>
+          <p:nvPr/>
+        </p:nvPicPr>
+        <p:blipFill>
+          <a:blip r:embed="rId2">
+            <a:extLst>
+              <a:ext uri="{28A0092B-C50C-407E-A947-70E740481C1C}">
+                <a14:useLocalDpi xmlns:a14="http://schemas.microsoft.com/office/drawing/2010/main" val="0"/>
+              </a:ext>
+              <a:ext uri="{96DAC541-7B7A-43D3-8B79-37D633B846F1}">
+                <asvg:svgBlip xmlns:asvg="http://schemas.microsoft.com/office/drawing/2016/SVG/main" r:embed="rId3"/>
+              </a:ext>
+            </a:extLst>
+          </a:blip>
+          <a:stretch>
+            <a:fillRect/>
+          </a:stretch>
+        </p:blipFill>
+        <p:spPr>
+          <a:xfrm>
+            <a:off x="6200776" y="1841425"/>
+            <a:ext cx="4111624" cy="3952498"/>
+          </a:xfrm>
+          <a:prstGeom prst="rect">
+            <a:avLst/>
+          </a:prstGeom>
+        </p:spPr>
+      </p:pic>
+      <p:sp>
+        <p:nvSpPr>
+          <p:cNvPr id="10" name="TextBox 9">
+            <a:extLst>
+              <a:ext uri="{FF2B5EF4-FFF2-40B4-BE49-F238E27FC236}">
+                <a16:creationId xmlns:a16="http://schemas.microsoft.com/office/drawing/2014/main" id="{3DCDC810-10FA-861E-33DE-CA666F3543F7}"/>
+              </a:ext>
+            </a:extLst>
+          </p:cNvPr>
+          <p:cNvSpPr txBox="1"/>
+          <p:nvPr/>
+        </p:nvSpPr>
+        <p:spPr>
+          <a:xfrm>
+            <a:off x="1680309" y="2074745"/>
+            <a:ext cx="8736865" cy="1953868"/>
+          </a:xfrm>
+          <a:prstGeom prst="rect">
+            <a:avLst/>
+          </a:prstGeom>
+          <a:noFill/>
+        </p:spPr>
+        <p:txBody>
+          <a:bodyPr wrap="square" rtlCol="0">
+            <a:spAutoFit/>
+          </a:bodyPr>
+          <a:lstStyle/>
+          <a:p>
+            <a:pPr>
+              <a:lnSpc>
+                <a:spcPct val="150000"/>
+              </a:lnSpc>
+            </a:pPr>
+            <a:r>
+              <a:rPr lang="en-US" altLang="ko-KR" dirty="0">
+                <a:solidFill>
+                  <a:schemeClr val="bg1"/>
+                </a:solidFill>
+                <a:latin typeface="넥슨Lv2고딕 Medium" panose="00000600000000000000" pitchFamily="2" charset="-127"/>
+                <a:ea typeface="넥슨Lv2고딕 Medium" panose="00000600000000000000" pitchFamily="2" charset="-127"/>
+              </a:rPr>
+              <a:t>UML </a:t>
+            </a:r>
+            <a:r>
+              <a:rPr lang="ko-KR" altLang="en-US" dirty="0">
+                <a:solidFill>
+                  <a:schemeClr val="bg1"/>
+                </a:solidFill>
+                <a:latin typeface="넥슨Lv2고딕 Medium" panose="00000600000000000000" pitchFamily="2" charset="-127"/>
+                <a:ea typeface="넥슨Lv2고딕 Medium" panose="00000600000000000000" pitchFamily="2" charset="-127"/>
+              </a:rPr>
+              <a:t>활용</a:t>
+            </a:r>
+            <a:endParaRPr lang="en-US" altLang="ko-KR" dirty="0">
+              <a:solidFill>
+                <a:schemeClr val="bg1"/>
+              </a:solidFill>
+              <a:latin typeface="넥슨Lv2고딕 Medium" panose="00000600000000000000" pitchFamily="2" charset="-127"/>
+              <a:ea typeface="넥슨Lv2고딕 Medium" panose="00000600000000000000" pitchFamily="2" charset="-127"/>
+            </a:endParaRPr>
+          </a:p>
+          <a:p>
+            <a:pPr>
+              <a:lnSpc>
+                <a:spcPct val="150000"/>
+              </a:lnSpc>
+            </a:pPr>
+            <a:r>
+              <a:rPr lang="ko-KR" altLang="en-US" sz="1600" dirty="0">
+                <a:solidFill>
+                  <a:schemeClr val="bg1"/>
+                </a:solidFill>
+                <a:latin typeface="넥슨Lv2고딕 Light" panose="00000300000000000000" pitchFamily="2" charset="-127"/>
+                <a:ea typeface="넥슨Lv2고딕 Light" panose="00000300000000000000" pitchFamily="2" charset="-127"/>
+              </a:rPr>
+              <a:t>계속해서 좋은 구조를 찾아보며 작업하다 보니</a:t>
+            </a:r>
+            <a:endParaRPr lang="en-US" altLang="ko-KR" sz="1600" dirty="0">
+              <a:solidFill>
+                <a:schemeClr val="bg1"/>
+              </a:solidFill>
+              <a:latin typeface="넥슨Lv2고딕 Light" panose="00000300000000000000" pitchFamily="2" charset="-127"/>
+              <a:ea typeface="넥슨Lv2고딕 Light" panose="00000300000000000000" pitchFamily="2" charset="-127"/>
+            </a:endParaRPr>
+          </a:p>
+          <a:p>
+            <a:pPr>
+              <a:lnSpc>
+                <a:spcPct val="150000"/>
+              </a:lnSpc>
+            </a:pPr>
+            <a:r>
+              <a:rPr lang="ko-KR" altLang="en-US" sz="1600" dirty="0">
+                <a:solidFill>
+                  <a:schemeClr val="bg1"/>
+                </a:solidFill>
+                <a:latin typeface="넥슨Lv2고딕 Light" panose="00000300000000000000" pitchFamily="2" charset="-127"/>
+                <a:ea typeface="넥슨Lv2고딕 Light" panose="00000300000000000000" pitchFamily="2" charset="-127"/>
+              </a:rPr>
+              <a:t>처음 </a:t>
+            </a:r>
+            <a:r>
+              <a:rPr lang="en-US" altLang="ko-KR" sz="1600" dirty="0">
+                <a:solidFill>
+                  <a:schemeClr val="bg1"/>
+                </a:solidFill>
+                <a:latin typeface="넥슨Lv2고딕 Light" panose="00000300000000000000" pitchFamily="2" charset="-127"/>
+                <a:ea typeface="넥슨Lv2고딕 Light" panose="00000300000000000000" pitchFamily="2" charset="-127"/>
+              </a:rPr>
+              <a:t>UML</a:t>
+            </a:r>
+            <a:r>
+              <a:rPr lang="ko-KR" altLang="en-US" sz="1600" dirty="0">
+                <a:solidFill>
+                  <a:schemeClr val="bg1"/>
+                </a:solidFill>
+                <a:latin typeface="넥슨Lv2고딕 Light" panose="00000300000000000000" pitchFamily="2" charset="-127"/>
+                <a:ea typeface="넥슨Lv2고딕 Light" panose="00000300000000000000" pitchFamily="2" charset="-127"/>
+              </a:rPr>
+              <a:t>로 만들어 둔 구조에서</a:t>
+            </a:r>
+            <a:endParaRPr lang="en-US" altLang="ko-KR" sz="1600" dirty="0">
+              <a:solidFill>
+                <a:schemeClr val="bg1"/>
+              </a:solidFill>
+              <a:latin typeface="넥슨Lv2고딕 Light" panose="00000300000000000000" pitchFamily="2" charset="-127"/>
+              <a:ea typeface="넥슨Lv2고딕 Light" panose="00000300000000000000" pitchFamily="2" charset="-127"/>
+            </a:endParaRPr>
+          </a:p>
+          <a:p>
+            <a:pPr>
+              <a:lnSpc>
+                <a:spcPct val="150000"/>
+              </a:lnSpc>
+            </a:pPr>
+            <a:r>
+              <a:rPr lang="ko-KR" altLang="en-US" sz="1600" dirty="0">
+                <a:solidFill>
+                  <a:schemeClr val="bg1"/>
+                </a:solidFill>
+                <a:latin typeface="넥슨Lv2고딕 Light" panose="00000300000000000000" pitchFamily="2" charset="-127"/>
+                <a:ea typeface="넥슨Lv2고딕 Light" panose="00000300000000000000" pitchFamily="2" charset="-127"/>
+              </a:rPr>
+              <a:t>변형된 것이</a:t>
+            </a:r>
+            <a:r>
+              <a:rPr lang="en-US" altLang="ko-KR" sz="1600" dirty="0">
+                <a:solidFill>
+                  <a:schemeClr val="bg1"/>
+                </a:solidFill>
+                <a:latin typeface="넥슨Lv2고딕 Light" panose="00000300000000000000" pitchFamily="2" charset="-127"/>
+                <a:ea typeface="넥슨Lv2고딕 Light" panose="00000300000000000000" pitchFamily="2" charset="-127"/>
+              </a:rPr>
+              <a:t> </a:t>
+            </a:r>
+            <a:r>
+              <a:rPr lang="ko-KR" altLang="en-US" sz="1600" dirty="0">
+                <a:solidFill>
+                  <a:schemeClr val="bg1"/>
+                </a:solidFill>
+                <a:latin typeface="넥슨Lv2고딕 Light" panose="00000300000000000000" pitchFamily="2" charset="-127"/>
+                <a:ea typeface="넥슨Lv2고딕 Light" panose="00000300000000000000" pitchFamily="2" charset="-127"/>
+              </a:rPr>
+              <a:t>있어서 앞으로 구조에 대해</a:t>
+            </a:r>
+            <a:endParaRPr lang="en-US" altLang="ko-KR" sz="1600" dirty="0">
+              <a:solidFill>
+                <a:schemeClr val="bg1"/>
+              </a:solidFill>
+              <a:latin typeface="넥슨Lv2고딕 Light" panose="00000300000000000000" pitchFamily="2" charset="-127"/>
+              <a:ea typeface="넥슨Lv2고딕 Light" panose="00000300000000000000" pitchFamily="2" charset="-127"/>
+            </a:endParaRPr>
+          </a:p>
+          <a:p>
+            <a:pPr>
+              <a:lnSpc>
+                <a:spcPct val="150000"/>
+              </a:lnSpc>
+            </a:pPr>
+            <a:r>
+              <a:rPr lang="ko-KR" altLang="en-US" sz="1600" dirty="0">
+                <a:solidFill>
+                  <a:schemeClr val="bg1"/>
+                </a:solidFill>
+                <a:latin typeface="넥슨Lv2고딕 Light" panose="00000300000000000000" pitchFamily="2" charset="-127"/>
+                <a:ea typeface="넥슨Lv2고딕 Light" panose="00000300000000000000" pitchFamily="2" charset="-127"/>
+              </a:rPr>
+              <a:t>더욱 신경 쓰면</a:t>
+            </a:r>
+            <a:r>
+              <a:rPr lang="en-US" altLang="ko-KR" sz="1600" dirty="0">
+                <a:solidFill>
+                  <a:schemeClr val="bg1"/>
+                </a:solidFill>
+                <a:latin typeface="넥슨Lv2고딕 Light" panose="00000300000000000000" pitchFamily="2" charset="-127"/>
+                <a:ea typeface="넥슨Lv2고딕 Light" panose="00000300000000000000" pitchFamily="2" charset="-127"/>
+              </a:rPr>
+              <a:t> </a:t>
+            </a:r>
+            <a:r>
+              <a:rPr lang="ko-KR" altLang="en-US" sz="1600" dirty="0">
+                <a:solidFill>
+                  <a:schemeClr val="bg1"/>
+                </a:solidFill>
+                <a:latin typeface="넥슨Lv2고딕 Light" panose="00000300000000000000" pitchFamily="2" charset="-127"/>
+                <a:ea typeface="넥슨Lv2고딕 Light" panose="00000300000000000000" pitchFamily="2" charset="-127"/>
+              </a:rPr>
+              <a:t>좋을 것 같습니다</a:t>
+            </a:r>
+            <a:endParaRPr lang="en-US" altLang="ko-KR" sz="1600" dirty="0">
+              <a:solidFill>
+                <a:schemeClr val="bg1"/>
+              </a:solidFill>
+              <a:latin typeface="넥슨Lv2고딕 Light" panose="00000300000000000000" pitchFamily="2" charset="-127"/>
+              <a:ea typeface="넥슨Lv2고딕 Light" panose="00000300000000000000" pitchFamily="2" charset="-127"/>
+            </a:endParaRPr>
+          </a:p>
+        </p:txBody>
+      </p:sp>
+    </p:spTree>
+    <p:extLst>
+      <p:ext uri="{BB962C8B-B14F-4D97-AF65-F5344CB8AC3E}">
+        <p14:creationId xmlns:p14="http://schemas.microsoft.com/office/powerpoint/2010/main" val="3462649052"/>
+      </p:ext>
+    </p:extLst>
+  </p:cSld>
+  <p:clrMapOvr>
+    <a:masterClrMapping/>
+  </p:clrMapOvr>
+</p:sld>
+</file>
+
+<file path=ppt/slides/slide29.xml><?xml version="1.0" encoding="utf-8"?>
+<p:sld xmlns:a="http://schemas.openxmlformats.org/drawingml/2006/main" xmlns:r="http://schemas.openxmlformats.org/officeDocument/2006/relationships" xmlns:p="http://schemas.openxmlformats.org/presentationml/2006/main">
+  <p:cSld>
+    <p:bg>
+      <p:bgPr>
+        <a:solidFill>
+          <a:srgbClr val="4286F5"/>
+        </a:solidFill>
+        <a:effectLst/>
+      </p:bgPr>
+    </p:bg>
+    <p:spTree>
+      <p:nvGrpSpPr>
+        <p:cNvPr id="1" name=""/>
+        <p:cNvGrpSpPr/>
+        <p:nvPr/>
+      </p:nvGrpSpPr>
+      <p:grpSpPr>
+        <a:xfrm>
+          <a:off x="0" y="0"/>
+          <a:ext cx="0" cy="0"/>
+          <a:chOff x="0" y="0"/>
+          <a:chExt cx="0" cy="0"/>
+        </a:xfrm>
+      </p:grpSpPr>
+      <p:sp>
+        <p:nvSpPr>
+          <p:cNvPr id="15" name="TextBox 14">
+            <a:extLst>
+              <a:ext uri="{FF2B5EF4-FFF2-40B4-BE49-F238E27FC236}">
+                <a16:creationId xmlns:a16="http://schemas.microsoft.com/office/drawing/2014/main" id="{BA04418A-3697-DF14-5B90-D9AC7CE43E2B}"/>
+              </a:ext>
+            </a:extLst>
+          </p:cNvPr>
+          <p:cNvSpPr txBox="1"/>
+          <p:nvPr/>
+        </p:nvSpPr>
+        <p:spPr>
+          <a:xfrm>
             <a:off x="0" y="1484436"/>
             <a:ext cx="12191999" cy="1200329"/>
           </a:xfrm>
@@ -10609,6 +11735,462 @@
 </file>
 
 <file path=ppt/slides/slide3.xml><?xml version="1.0" encoding="utf-8"?>
+<p:sld xmlns:a="http://schemas.openxmlformats.org/drawingml/2006/main" xmlns:r="http://schemas.openxmlformats.org/officeDocument/2006/relationships" xmlns:p="http://schemas.openxmlformats.org/presentationml/2006/main">
+  <p:cSld>
+    <p:bg>
+      <p:bgPr>
+        <a:solidFill>
+          <a:srgbClr val="4286F5"/>
+        </a:solidFill>
+        <a:effectLst/>
+      </p:bgPr>
+    </p:bg>
+    <p:spTree>
+      <p:nvGrpSpPr>
+        <p:cNvPr id="1" name=""/>
+        <p:cNvGrpSpPr/>
+        <p:nvPr/>
+      </p:nvGrpSpPr>
+      <p:grpSpPr>
+        <a:xfrm>
+          <a:off x="0" y="0"/>
+          <a:ext cx="0" cy="0"/>
+          <a:chOff x="0" y="0"/>
+          <a:chExt cx="0" cy="0"/>
+        </a:xfrm>
+      </p:grpSpPr>
+      <p:sp>
+        <p:nvSpPr>
+          <p:cNvPr id="8" name="TextBox 7">
+            <a:extLst>
+              <a:ext uri="{FF2B5EF4-FFF2-40B4-BE49-F238E27FC236}">
+                <a16:creationId xmlns:a16="http://schemas.microsoft.com/office/drawing/2014/main" id="{768AC003-367C-1874-7232-632BD05CFB98}"/>
+              </a:ext>
+            </a:extLst>
+          </p:cNvPr>
+          <p:cNvSpPr txBox="1"/>
+          <p:nvPr/>
+        </p:nvSpPr>
+        <p:spPr>
+          <a:xfrm>
+            <a:off x="1680310" y="1155929"/>
+            <a:ext cx="3733800" cy="584775"/>
+          </a:xfrm>
+          <a:prstGeom prst="rect">
+            <a:avLst/>
+          </a:prstGeom>
+          <a:noFill/>
+        </p:spPr>
+        <p:txBody>
+          <a:bodyPr wrap="square" rtlCol="0">
+            <a:spAutoFit/>
+          </a:bodyPr>
+          <a:lstStyle/>
+          <a:p>
+            <a:r>
+              <a:rPr lang="ko-KR" altLang="en-US" sz="3200" dirty="0">
+                <a:solidFill>
+                  <a:schemeClr val="bg1"/>
+                </a:solidFill>
+                <a:latin typeface="넥슨Lv2고딕 Bold" panose="00000800000000000000" pitchFamily="2" charset="-127"/>
+                <a:ea typeface="넥슨Lv2고딕 Bold" panose="00000800000000000000" pitchFamily="2" charset="-127"/>
+              </a:rPr>
+              <a:t>개발 목적</a:t>
+            </a:r>
+            <a:endParaRPr lang="en-US" altLang="ko-KR" sz="3200" dirty="0">
+              <a:solidFill>
+                <a:schemeClr val="bg1"/>
+              </a:solidFill>
+              <a:latin typeface="넥슨Lv2고딕 Bold" panose="00000800000000000000" pitchFamily="2" charset="-127"/>
+              <a:ea typeface="넥슨Lv2고딕 Bold" panose="00000800000000000000" pitchFamily="2" charset="-127"/>
+            </a:endParaRPr>
+          </a:p>
+        </p:txBody>
+      </p:sp>
+      <p:sp>
+        <p:nvSpPr>
+          <p:cNvPr id="7" name="직사각형 6">
+            <a:extLst>
+              <a:ext uri="{FF2B5EF4-FFF2-40B4-BE49-F238E27FC236}">
+                <a16:creationId xmlns:a16="http://schemas.microsoft.com/office/drawing/2014/main" id="{DD0EE6A4-8504-3D0D-C261-12830FA36930}"/>
+              </a:ext>
+            </a:extLst>
+          </p:cNvPr>
+          <p:cNvSpPr/>
+          <p:nvPr/>
+        </p:nvSpPr>
+        <p:spPr>
+          <a:xfrm>
+            <a:off x="1660524" y="1262063"/>
+            <a:ext cx="45719" cy="366711"/>
+          </a:xfrm>
+          <a:prstGeom prst="rect">
+            <a:avLst/>
+          </a:prstGeom>
+          <a:solidFill>
+            <a:schemeClr val="bg1"/>
+          </a:solidFill>
+          <a:ln>
+            <a:noFill/>
+          </a:ln>
+        </p:spPr>
+        <p:style>
+          <a:lnRef idx="2">
+            <a:schemeClr val="accent1">
+              <a:shade val="50000"/>
+            </a:schemeClr>
+          </a:lnRef>
+          <a:fillRef idx="1">
+            <a:schemeClr val="accent1"/>
+          </a:fillRef>
+          <a:effectRef idx="0">
+            <a:schemeClr val="accent1"/>
+          </a:effectRef>
+          <a:fontRef idx="minor">
+            <a:schemeClr val="lt1"/>
+          </a:fontRef>
+        </p:style>
+        <p:txBody>
+          <a:bodyPr rtlCol="0" anchor="ctr"/>
+          <a:lstStyle/>
+          <a:p>
+            <a:pPr algn="ctr"/>
+            <a:endParaRPr lang="ko-KR" altLang="en-US"/>
+          </a:p>
+        </p:txBody>
+      </p:sp>
+      <p:sp>
+        <p:nvSpPr>
+          <p:cNvPr id="9" name="TextBox 8">
+            <a:extLst>
+              <a:ext uri="{FF2B5EF4-FFF2-40B4-BE49-F238E27FC236}">
+                <a16:creationId xmlns:a16="http://schemas.microsoft.com/office/drawing/2014/main" id="{FEFD757C-7C2F-58B8-748A-9E3955F13273}"/>
+              </a:ext>
+            </a:extLst>
+          </p:cNvPr>
+          <p:cNvSpPr txBox="1"/>
+          <p:nvPr/>
+        </p:nvSpPr>
+        <p:spPr>
+          <a:xfrm>
+            <a:off x="1680309" y="2074745"/>
+            <a:ext cx="8772787" cy="3385029"/>
+          </a:xfrm>
+          <a:prstGeom prst="rect">
+            <a:avLst/>
+          </a:prstGeom>
+          <a:noFill/>
+        </p:spPr>
+        <p:txBody>
+          <a:bodyPr wrap="square" rtlCol="0">
+            <a:spAutoFit/>
+          </a:bodyPr>
+          <a:lstStyle/>
+          <a:p>
+            <a:pPr>
+              <a:lnSpc>
+                <a:spcPct val="150000"/>
+              </a:lnSpc>
+            </a:pPr>
+            <a:r>
+              <a:rPr lang="ko-KR" altLang="en-US" sz="1600" dirty="0">
+                <a:solidFill>
+                  <a:schemeClr val="bg1"/>
+                </a:solidFill>
+                <a:latin typeface="넥슨Lv2고딕 Light" panose="00000300000000000000" pitchFamily="2" charset="-127"/>
+                <a:ea typeface="넥슨Lv2고딕 Light" panose="00000300000000000000" pitchFamily="2" charset="-127"/>
+              </a:rPr>
+              <a:t>많은 양의 데이터 관리와</a:t>
+            </a:r>
+            <a:endParaRPr lang="en-US" altLang="ko-KR" sz="1600" dirty="0">
+              <a:solidFill>
+                <a:schemeClr val="bg1"/>
+              </a:solidFill>
+              <a:latin typeface="넥슨Lv2고딕 Light" panose="00000300000000000000" pitchFamily="2" charset="-127"/>
+              <a:ea typeface="넥슨Lv2고딕 Light" panose="00000300000000000000" pitchFamily="2" charset="-127"/>
+            </a:endParaRPr>
+          </a:p>
+          <a:p>
+            <a:pPr>
+              <a:lnSpc>
+                <a:spcPct val="150000"/>
+              </a:lnSpc>
+            </a:pPr>
+            <a:r>
+              <a:rPr lang="ko-KR" altLang="en-US" sz="1600" dirty="0">
+                <a:solidFill>
+                  <a:schemeClr val="bg1"/>
+                </a:solidFill>
+                <a:latin typeface="넥슨Lv2고딕 Light" panose="00000300000000000000" pitchFamily="2" charset="-127"/>
+                <a:ea typeface="넥슨Lv2고딕 Light" panose="00000300000000000000" pitchFamily="2" charset="-127"/>
+              </a:rPr>
+              <a:t>방치형 게임 개발 방법에 대해</a:t>
+            </a:r>
+            <a:endParaRPr lang="en-US" altLang="ko-KR" sz="1600" dirty="0">
+              <a:solidFill>
+                <a:schemeClr val="bg1"/>
+              </a:solidFill>
+              <a:latin typeface="넥슨Lv2고딕 Light" panose="00000300000000000000" pitchFamily="2" charset="-127"/>
+              <a:ea typeface="넥슨Lv2고딕 Light" panose="00000300000000000000" pitchFamily="2" charset="-127"/>
+            </a:endParaRPr>
+          </a:p>
+          <a:p>
+            <a:pPr>
+              <a:lnSpc>
+                <a:spcPct val="150000"/>
+              </a:lnSpc>
+            </a:pPr>
+            <a:r>
+              <a:rPr lang="ko-KR" altLang="en-US" sz="1600" dirty="0">
+                <a:solidFill>
+                  <a:schemeClr val="bg1"/>
+                </a:solidFill>
+                <a:latin typeface="넥슨Lv2고딕 Light" panose="00000300000000000000" pitchFamily="2" charset="-127"/>
+                <a:ea typeface="넥슨Lv2고딕 Light" panose="00000300000000000000" pitchFamily="2" charset="-127"/>
+              </a:rPr>
+              <a:t>이해를</a:t>
+            </a:r>
+            <a:r>
+              <a:rPr lang="en-US" altLang="ko-KR" sz="1600" dirty="0">
+                <a:solidFill>
+                  <a:schemeClr val="bg1"/>
+                </a:solidFill>
+                <a:latin typeface="넥슨Lv2고딕 Light" panose="00000300000000000000" pitchFamily="2" charset="-127"/>
+                <a:ea typeface="넥슨Lv2고딕 Light" panose="00000300000000000000" pitchFamily="2" charset="-127"/>
+              </a:rPr>
+              <a:t> </a:t>
+            </a:r>
+            <a:r>
+              <a:rPr lang="ko-KR" altLang="en-US" sz="1600" dirty="0">
+                <a:solidFill>
+                  <a:schemeClr val="bg1"/>
+                </a:solidFill>
+                <a:latin typeface="넥슨Lv2고딕 Light" panose="00000300000000000000" pitchFamily="2" charset="-127"/>
+                <a:ea typeface="넥슨Lv2고딕 Light" panose="00000300000000000000" pitchFamily="2" charset="-127"/>
+              </a:rPr>
+              <a:t>하기 위해 개발을 시작하게 되었고</a:t>
+            </a:r>
+            <a:endParaRPr lang="en-US" altLang="ko-KR" sz="1600" dirty="0">
+              <a:solidFill>
+                <a:schemeClr val="bg1"/>
+              </a:solidFill>
+              <a:latin typeface="넥슨Lv2고딕 Light" panose="00000300000000000000" pitchFamily="2" charset="-127"/>
+              <a:ea typeface="넥슨Lv2고딕 Light" panose="00000300000000000000" pitchFamily="2" charset="-127"/>
+            </a:endParaRPr>
+          </a:p>
+          <a:p>
+            <a:pPr>
+              <a:lnSpc>
+                <a:spcPct val="150000"/>
+              </a:lnSpc>
+            </a:pPr>
+            <a:endParaRPr lang="en-US" altLang="ko-KR" sz="1600" dirty="0">
+              <a:solidFill>
+                <a:schemeClr val="bg1"/>
+              </a:solidFill>
+              <a:latin typeface="넥슨Lv2고딕 Light" panose="00000300000000000000" pitchFamily="2" charset="-127"/>
+              <a:ea typeface="넥슨Lv2고딕 Light" panose="00000300000000000000" pitchFamily="2" charset="-127"/>
+            </a:endParaRPr>
+          </a:p>
+          <a:p>
+            <a:pPr>
+              <a:lnSpc>
+                <a:spcPct val="150000"/>
+              </a:lnSpc>
+            </a:pPr>
+            <a:r>
+              <a:rPr lang="ko-KR" altLang="en-US" sz="1600" dirty="0">
+                <a:solidFill>
+                  <a:schemeClr val="bg1"/>
+                </a:solidFill>
+                <a:latin typeface="넥슨Lv2고딕 Light" panose="00000300000000000000" pitchFamily="2" charset="-127"/>
+                <a:ea typeface="넥슨Lv2고딕 Light" panose="00000300000000000000" pitchFamily="2" charset="-127"/>
+              </a:rPr>
+              <a:t>엑셀로 관리된 데이터를</a:t>
+            </a:r>
+            <a:r>
+              <a:rPr lang="en-US" altLang="ko-KR" sz="1600" dirty="0">
+                <a:solidFill>
+                  <a:schemeClr val="bg1"/>
+                </a:solidFill>
+                <a:latin typeface="넥슨Lv2고딕 Light" panose="00000300000000000000" pitchFamily="2" charset="-127"/>
+                <a:ea typeface="넥슨Lv2고딕 Light" panose="00000300000000000000" pitchFamily="2" charset="-127"/>
+              </a:rPr>
+              <a:t> </a:t>
+            </a:r>
+            <a:r>
+              <a:rPr lang="ko-KR" altLang="en-US" sz="1600" dirty="0">
+                <a:solidFill>
+                  <a:schemeClr val="bg1"/>
+                </a:solidFill>
+                <a:latin typeface="넥슨Lv2고딕 Light" panose="00000300000000000000" pitchFamily="2" charset="-127"/>
+                <a:ea typeface="넥슨Lv2고딕 Light" panose="00000300000000000000" pitchFamily="2" charset="-127"/>
+              </a:rPr>
+              <a:t>게임내 적용하는 것과</a:t>
+            </a:r>
+            <a:endParaRPr lang="en-US" altLang="ko-KR" sz="1600" dirty="0">
+              <a:solidFill>
+                <a:schemeClr val="bg1"/>
+              </a:solidFill>
+              <a:latin typeface="넥슨Lv2고딕 Light" panose="00000300000000000000" pitchFamily="2" charset="-127"/>
+              <a:ea typeface="넥슨Lv2고딕 Light" panose="00000300000000000000" pitchFamily="2" charset="-127"/>
+            </a:endParaRPr>
+          </a:p>
+          <a:p>
+            <a:pPr>
+              <a:lnSpc>
+                <a:spcPct val="150000"/>
+              </a:lnSpc>
+            </a:pPr>
+            <a:r>
+              <a:rPr lang="ko-KR" altLang="en-US" sz="1600" dirty="0">
+                <a:solidFill>
+                  <a:schemeClr val="bg1"/>
+                </a:solidFill>
+                <a:latin typeface="넥슨Lv2고딕 Light" panose="00000300000000000000" pitchFamily="2" charset="-127"/>
+                <a:ea typeface="넥슨Lv2고딕 Light" panose="00000300000000000000" pitchFamily="2" charset="-127"/>
+              </a:rPr>
+              <a:t>외부 저장소에서 리소스를 관리하기 위해</a:t>
+            </a:r>
+            <a:endParaRPr lang="en-US" altLang="ko-KR" sz="1600" dirty="0">
+              <a:solidFill>
+                <a:schemeClr val="bg1"/>
+              </a:solidFill>
+              <a:latin typeface="넥슨Lv2고딕 Light" panose="00000300000000000000" pitchFamily="2" charset="-127"/>
+              <a:ea typeface="넥슨Lv2고딕 Light" panose="00000300000000000000" pitchFamily="2" charset="-127"/>
+            </a:endParaRPr>
+          </a:p>
+          <a:p>
+            <a:pPr>
+              <a:lnSpc>
+                <a:spcPct val="150000"/>
+              </a:lnSpc>
+            </a:pPr>
+            <a:r>
+              <a:rPr lang="en-US" altLang="ko-KR" sz="1600" dirty="0">
+                <a:solidFill>
+                  <a:schemeClr val="bg1"/>
+                </a:solidFill>
+                <a:latin typeface="넥슨Lv2고딕 Light" panose="00000300000000000000" pitchFamily="2" charset="-127"/>
+                <a:ea typeface="넥슨Lv2고딕 Light" panose="00000300000000000000" pitchFamily="2" charset="-127"/>
+              </a:rPr>
+              <a:t>Addressable Assets</a:t>
+            </a:r>
+            <a:r>
+              <a:rPr lang="ko-KR" altLang="en-US" sz="1600" dirty="0">
+                <a:solidFill>
+                  <a:schemeClr val="bg1"/>
+                </a:solidFill>
+                <a:latin typeface="넥슨Lv2고딕 Light" panose="00000300000000000000" pitchFamily="2" charset="-127"/>
+                <a:ea typeface="넥슨Lv2고딕 Light" panose="00000300000000000000" pitchFamily="2" charset="-127"/>
+              </a:rPr>
+              <a:t> 사용법을</a:t>
+            </a:r>
+            <a:r>
+              <a:rPr lang="en-US" altLang="ko-KR" sz="1600" dirty="0">
+                <a:solidFill>
+                  <a:schemeClr val="bg1"/>
+                </a:solidFill>
+                <a:latin typeface="넥슨Lv2고딕 Light" panose="00000300000000000000" pitchFamily="2" charset="-127"/>
+                <a:ea typeface="넥슨Lv2고딕 Light" panose="00000300000000000000" pitchFamily="2" charset="-127"/>
+              </a:rPr>
+              <a:t> </a:t>
+            </a:r>
+            <a:r>
+              <a:rPr lang="ko-KR" altLang="en-US" sz="1600" dirty="0">
+                <a:solidFill>
+                  <a:schemeClr val="bg1"/>
+                </a:solidFill>
+                <a:latin typeface="넥슨Lv2고딕 Light" panose="00000300000000000000" pitchFamily="2" charset="-127"/>
+                <a:ea typeface="넥슨Lv2고딕 Light" panose="00000300000000000000" pitchFamily="2" charset="-127"/>
+              </a:rPr>
+              <a:t>익히고</a:t>
+            </a:r>
+            <a:endParaRPr lang="en-US" altLang="ko-KR" sz="1600" dirty="0">
+              <a:solidFill>
+                <a:schemeClr val="bg1"/>
+              </a:solidFill>
+              <a:latin typeface="넥슨Lv2고딕 Light" panose="00000300000000000000" pitchFamily="2" charset="-127"/>
+              <a:ea typeface="넥슨Lv2고딕 Light" panose="00000300000000000000" pitchFamily="2" charset="-127"/>
+            </a:endParaRPr>
+          </a:p>
+          <a:p>
+            <a:pPr>
+              <a:lnSpc>
+                <a:spcPct val="150000"/>
+              </a:lnSpc>
+            </a:pPr>
+            <a:r>
+              <a:rPr lang="en-US" altLang="ko-KR" sz="1600" dirty="0">
+                <a:solidFill>
+                  <a:schemeClr val="bg1"/>
+                </a:solidFill>
+                <a:latin typeface="넥슨Lv2고딕 Light" panose="00000300000000000000" pitchFamily="2" charset="-127"/>
+                <a:ea typeface="넥슨Lv2고딕 Light" panose="00000300000000000000" pitchFamily="2" charset="-127"/>
+              </a:rPr>
+              <a:t>UI</a:t>
+            </a:r>
+            <a:r>
+              <a:rPr lang="ko-KR" altLang="en-US" sz="1600" dirty="0">
+                <a:solidFill>
+                  <a:schemeClr val="bg1"/>
+                </a:solidFill>
+                <a:latin typeface="넥슨Lv2고딕 Light" panose="00000300000000000000" pitchFamily="2" charset="-127"/>
+                <a:ea typeface="넥슨Lv2고딕 Light" panose="00000300000000000000" pitchFamily="2" charset="-127"/>
+              </a:rPr>
+              <a:t>와 데이터의 의존성을 줄이는 방법에 대해</a:t>
+            </a:r>
+            <a:endParaRPr lang="en-US" altLang="ko-KR" sz="1600" dirty="0">
+              <a:solidFill>
+                <a:schemeClr val="bg1"/>
+              </a:solidFill>
+              <a:latin typeface="넥슨Lv2고딕 Light" panose="00000300000000000000" pitchFamily="2" charset="-127"/>
+              <a:ea typeface="넥슨Lv2고딕 Light" panose="00000300000000000000" pitchFamily="2" charset="-127"/>
+            </a:endParaRPr>
+          </a:p>
+          <a:p>
+            <a:pPr>
+              <a:lnSpc>
+                <a:spcPct val="150000"/>
+              </a:lnSpc>
+            </a:pPr>
+            <a:r>
+              <a:rPr lang="ko-KR" altLang="en-US" sz="1600" dirty="0">
+                <a:solidFill>
+                  <a:schemeClr val="bg1"/>
+                </a:solidFill>
+                <a:latin typeface="넥슨Lv2고딕 Light" panose="00000300000000000000" pitchFamily="2" charset="-127"/>
+                <a:ea typeface="넥슨Lv2고딕 Light" panose="00000300000000000000" pitchFamily="2" charset="-127"/>
+              </a:rPr>
+              <a:t>생각하며 개발하게 되었습니다</a:t>
+            </a:r>
+            <a:r>
+              <a:rPr lang="en-US" altLang="ko-KR" sz="1600" dirty="0">
+                <a:solidFill>
+                  <a:schemeClr val="bg1"/>
+                </a:solidFill>
+                <a:latin typeface="넥슨Lv2고딕 Light" panose="00000300000000000000" pitchFamily="2" charset="-127"/>
+                <a:ea typeface="넥슨Lv2고딕 Light" panose="00000300000000000000" pitchFamily="2" charset="-127"/>
+              </a:rPr>
+              <a:t>.</a:t>
+            </a:r>
+          </a:p>
+        </p:txBody>
+      </p:sp>
+    </p:spTree>
+    <p:extLst>
+      <p:ext uri="{BB962C8B-B14F-4D97-AF65-F5344CB8AC3E}">
+        <p14:creationId xmlns:p14="http://schemas.microsoft.com/office/powerpoint/2010/main" val="1087468237"/>
+      </p:ext>
+    </p:extLst>
+  </p:cSld>
+  <p:clrMapOvr>
+    <a:masterClrMapping/>
+  </p:clrMapOvr>
+</p:sld>
+</file>
+
+<file path=ppt/slides/slide4.xml><?xml version="1.0" encoding="utf-8"?>
 <p:sld xmlns:a="http://schemas.openxmlformats.org/drawingml/2006/main" xmlns:r="http://schemas.openxmlformats.org/officeDocument/2006/relationships" xmlns:p="http://schemas.openxmlformats.org/presentationml/2006/main">
   <p:cSld>
     <p:bg>
@@ -11568,7 +13150,7 @@
 </p:sld>
 </file>
 
-<file path=ppt/slides/slide4.xml><?xml version="1.0" encoding="utf-8"?>
+<file path=ppt/slides/slide5.xml><?xml version="1.0" encoding="utf-8"?>
 <p:sld xmlns:a="http://schemas.openxmlformats.org/drawingml/2006/main" xmlns:r="http://schemas.openxmlformats.org/officeDocument/2006/relationships" xmlns:p="http://schemas.openxmlformats.org/presentationml/2006/main">
   <p:cSld>
     <p:bg>
@@ -11779,7 +13361,7 @@
 </p:sld>
 </file>
 
-<file path=ppt/slides/slide5.xml><?xml version="1.0" encoding="utf-8"?>
+<file path=ppt/slides/slide6.xml><?xml version="1.0" encoding="utf-8"?>
 <p:sld xmlns:a="http://schemas.openxmlformats.org/drawingml/2006/main" xmlns:r="http://schemas.openxmlformats.org/officeDocument/2006/relationships" xmlns:p="http://schemas.openxmlformats.org/presentationml/2006/main">
   <p:cSld>
     <p:bg>
@@ -12580,7 +14162,1546 @@
 </p:sld>
 </file>
 
-<file path=ppt/slides/slide6.xml><?xml version="1.0" encoding="utf-8"?>
+<file path=ppt/slides/slide7.xml><?xml version="1.0" encoding="utf-8"?>
+<p:sld xmlns:a="http://schemas.openxmlformats.org/drawingml/2006/main" xmlns:r="http://schemas.openxmlformats.org/officeDocument/2006/relationships" xmlns:p="http://schemas.openxmlformats.org/presentationml/2006/main">
+  <p:cSld>
+    <p:bg>
+      <p:bgPr>
+        <a:solidFill>
+          <a:srgbClr val="4286F5"/>
+        </a:solidFill>
+        <a:effectLst/>
+      </p:bgPr>
+    </p:bg>
+    <p:spTree>
+      <p:nvGrpSpPr>
+        <p:cNvPr id="1" name=""/>
+        <p:cNvGrpSpPr/>
+        <p:nvPr/>
+      </p:nvGrpSpPr>
+      <p:grpSpPr>
+        <a:xfrm>
+          <a:off x="0" y="0"/>
+          <a:ext cx="0" cy="0"/>
+          <a:chOff x="0" y="0"/>
+          <a:chExt cx="0" cy="0"/>
+        </a:xfrm>
+      </p:grpSpPr>
+      <p:sp>
+        <p:nvSpPr>
+          <p:cNvPr id="15" name="TextBox 14">
+            <a:extLst>
+              <a:ext uri="{FF2B5EF4-FFF2-40B4-BE49-F238E27FC236}">
+                <a16:creationId xmlns:a16="http://schemas.microsoft.com/office/drawing/2014/main" id="{BA04418A-3697-DF14-5B90-D9AC7CE43E2B}"/>
+              </a:ext>
+            </a:extLst>
+          </p:cNvPr>
+          <p:cNvSpPr txBox="1"/>
+          <p:nvPr/>
+        </p:nvSpPr>
+        <p:spPr>
+          <a:xfrm>
+            <a:off x="1680310" y="1155929"/>
+            <a:ext cx="3733800" cy="584775"/>
+          </a:xfrm>
+          <a:prstGeom prst="rect">
+            <a:avLst/>
+          </a:prstGeom>
+          <a:noFill/>
+        </p:spPr>
+        <p:txBody>
+          <a:bodyPr wrap="square" rtlCol="0">
+            <a:spAutoFit/>
+          </a:bodyPr>
+          <a:lstStyle/>
+          <a:p>
+            <a:r>
+              <a:rPr lang="ko-KR" altLang="en-US" sz="3200" dirty="0">
+                <a:solidFill>
+                  <a:schemeClr val="bg1"/>
+                </a:solidFill>
+                <a:latin typeface="넥슨Lv2고딕 Bold" panose="00000800000000000000" pitchFamily="2" charset="-127"/>
+                <a:ea typeface="넥슨Lv2고딕 Bold" panose="00000800000000000000" pitchFamily="2" charset="-127"/>
+              </a:rPr>
+              <a:t>전투</a:t>
+            </a:r>
+            <a:endParaRPr lang="en-US" altLang="ko-KR" sz="3200" dirty="0">
+              <a:solidFill>
+                <a:schemeClr val="bg1"/>
+              </a:solidFill>
+              <a:latin typeface="넥슨Lv2고딕 Bold" panose="00000800000000000000" pitchFamily="2" charset="-127"/>
+              <a:ea typeface="넥슨Lv2고딕 Bold" panose="00000800000000000000" pitchFamily="2" charset="-127"/>
+            </a:endParaRPr>
+          </a:p>
+        </p:txBody>
+      </p:sp>
+      <p:sp>
+        <p:nvSpPr>
+          <p:cNvPr id="16" name="직사각형 15">
+            <a:extLst>
+              <a:ext uri="{FF2B5EF4-FFF2-40B4-BE49-F238E27FC236}">
+                <a16:creationId xmlns:a16="http://schemas.microsoft.com/office/drawing/2014/main" id="{06D4D73C-002A-B871-4E9F-3C2F2EFA95F6}"/>
+              </a:ext>
+            </a:extLst>
+          </p:cNvPr>
+          <p:cNvSpPr/>
+          <p:nvPr/>
+        </p:nvSpPr>
+        <p:spPr>
+          <a:xfrm>
+            <a:off x="1660524" y="1262063"/>
+            <a:ext cx="45719" cy="366711"/>
+          </a:xfrm>
+          <a:prstGeom prst="rect">
+            <a:avLst/>
+          </a:prstGeom>
+          <a:solidFill>
+            <a:schemeClr val="bg1"/>
+          </a:solidFill>
+          <a:ln>
+            <a:noFill/>
+          </a:ln>
+        </p:spPr>
+        <p:style>
+          <a:lnRef idx="2">
+            <a:schemeClr val="accent1">
+              <a:shade val="50000"/>
+            </a:schemeClr>
+          </a:lnRef>
+          <a:fillRef idx="1">
+            <a:schemeClr val="accent1"/>
+          </a:fillRef>
+          <a:effectRef idx="0">
+            <a:schemeClr val="accent1"/>
+          </a:effectRef>
+          <a:fontRef idx="minor">
+            <a:schemeClr val="lt1"/>
+          </a:fontRef>
+        </p:style>
+        <p:txBody>
+          <a:bodyPr rtlCol="0" anchor="ctr"/>
+          <a:lstStyle/>
+          <a:p>
+            <a:pPr algn="ctr"/>
+            <a:endParaRPr lang="ko-KR" altLang="en-US"/>
+          </a:p>
+        </p:txBody>
+      </p:sp>
+      <p:sp>
+        <p:nvSpPr>
+          <p:cNvPr id="3" name="순서도: 수행의 시작/종료 2">
+            <a:extLst>
+              <a:ext uri="{FF2B5EF4-FFF2-40B4-BE49-F238E27FC236}">
+                <a16:creationId xmlns:a16="http://schemas.microsoft.com/office/drawing/2014/main" id="{4790289A-7C40-A1E3-552A-64EDE4DDB356}"/>
+              </a:ext>
+            </a:extLst>
+          </p:cNvPr>
+          <p:cNvSpPr/>
+          <p:nvPr/>
+        </p:nvSpPr>
+        <p:spPr>
+          <a:xfrm>
+            <a:off x="6974416" y="1628775"/>
+            <a:ext cx="1787937" cy="445971"/>
+          </a:xfrm>
+          <a:prstGeom prst="flowChartTerminator">
+            <a:avLst/>
+          </a:prstGeom>
+          <a:solidFill>
+            <a:srgbClr val="E8E8E8"/>
+          </a:solidFill>
+          <a:ln>
+            <a:noFill/>
+          </a:ln>
+        </p:spPr>
+        <p:style>
+          <a:lnRef idx="2">
+            <a:schemeClr val="accent1">
+              <a:shade val="50000"/>
+            </a:schemeClr>
+          </a:lnRef>
+          <a:fillRef idx="1">
+            <a:schemeClr val="accent1"/>
+          </a:fillRef>
+          <a:effectRef idx="0">
+            <a:schemeClr val="accent1"/>
+          </a:effectRef>
+          <a:fontRef idx="minor">
+            <a:schemeClr val="lt1"/>
+          </a:fontRef>
+        </p:style>
+        <p:txBody>
+          <a:bodyPr rtlCol="0" anchor="ctr"/>
+          <a:lstStyle/>
+          <a:p>
+            <a:pPr algn="ctr"/>
+            <a:r>
+              <a:rPr lang="ko-KR" altLang="en-US" sz="1200" dirty="0">
+                <a:solidFill>
+                  <a:schemeClr val="tx1">
+                    <a:lumMod val="95000"/>
+                    <a:lumOff val="5000"/>
+                  </a:schemeClr>
+                </a:solidFill>
+                <a:latin typeface="넥슨Lv2고딕 Medium" panose="00000600000000000000" pitchFamily="2" charset="-127"/>
+                <a:ea typeface="넥슨Lv2고딕 Medium" panose="00000600000000000000" pitchFamily="2" charset="-127"/>
+              </a:rPr>
+              <a:t>전투 버튼 터치</a:t>
+            </a:r>
+          </a:p>
+        </p:txBody>
+      </p:sp>
+      <p:sp>
+        <p:nvSpPr>
+          <p:cNvPr id="5" name="순서도: 판단 4">
+            <a:extLst>
+              <a:ext uri="{FF2B5EF4-FFF2-40B4-BE49-F238E27FC236}">
+                <a16:creationId xmlns:a16="http://schemas.microsoft.com/office/drawing/2014/main" id="{2DC8A992-CEE5-7804-EE51-1511300055B8}"/>
+              </a:ext>
+            </a:extLst>
+          </p:cNvPr>
+          <p:cNvSpPr/>
+          <p:nvPr/>
+        </p:nvSpPr>
+        <p:spPr>
+          <a:xfrm>
+            <a:off x="6496785" y="2260274"/>
+            <a:ext cx="2743200" cy="709974"/>
+          </a:xfrm>
+          <a:prstGeom prst="flowChartDecision">
+            <a:avLst/>
+          </a:prstGeom>
+          <a:solidFill>
+            <a:srgbClr val="E8E8E8"/>
+          </a:solidFill>
+          <a:ln>
+            <a:noFill/>
+          </a:ln>
+        </p:spPr>
+        <p:style>
+          <a:lnRef idx="2">
+            <a:schemeClr val="accent1">
+              <a:shade val="50000"/>
+            </a:schemeClr>
+          </a:lnRef>
+          <a:fillRef idx="1">
+            <a:schemeClr val="accent1"/>
+          </a:fillRef>
+          <a:effectRef idx="0">
+            <a:schemeClr val="accent1"/>
+          </a:effectRef>
+          <a:fontRef idx="minor">
+            <a:schemeClr val="lt1"/>
+          </a:fontRef>
+        </p:style>
+        <p:txBody>
+          <a:bodyPr rtlCol="0" anchor="ctr"/>
+          <a:lstStyle/>
+          <a:p>
+            <a:pPr algn="ctr"/>
+            <a:r>
+              <a:rPr lang="ko-KR" altLang="en-US" sz="1200" dirty="0">
+                <a:solidFill>
+                  <a:schemeClr val="tx1">
+                    <a:lumMod val="95000"/>
+                    <a:lumOff val="5000"/>
+                  </a:schemeClr>
+                </a:solidFill>
+                <a:latin typeface="넥슨Lv2고딕 Medium" panose="00000600000000000000" pitchFamily="2" charset="-127"/>
+                <a:ea typeface="넥슨Lv2고딕 Medium" panose="00000600000000000000" pitchFamily="2" charset="-127"/>
+              </a:rPr>
+              <a:t>전투중인</a:t>
+            </a:r>
+            <a:r>
+              <a:rPr lang="en-US" altLang="ko-KR" sz="1200" dirty="0">
+                <a:solidFill>
+                  <a:schemeClr val="tx1">
+                    <a:lumMod val="95000"/>
+                    <a:lumOff val="5000"/>
+                  </a:schemeClr>
+                </a:solidFill>
+                <a:latin typeface="넥슨Lv2고딕 Medium" panose="00000600000000000000" pitchFamily="2" charset="-127"/>
+                <a:ea typeface="넥슨Lv2고딕 Medium" panose="00000600000000000000" pitchFamily="2" charset="-127"/>
+              </a:rPr>
+              <a:t> </a:t>
+            </a:r>
+            <a:r>
+              <a:rPr lang="ko-KR" altLang="en-US" sz="1200" dirty="0">
+                <a:solidFill>
+                  <a:schemeClr val="tx1">
+                    <a:lumMod val="95000"/>
+                    <a:lumOff val="5000"/>
+                  </a:schemeClr>
+                </a:solidFill>
+                <a:latin typeface="넥슨Lv2고딕 Medium" panose="00000600000000000000" pitchFamily="2" charset="-127"/>
+                <a:ea typeface="넥슨Lv2고딕 Medium" panose="00000600000000000000" pitchFamily="2" charset="-127"/>
+              </a:rPr>
+              <a:t>몬스터가</a:t>
+            </a:r>
+            <a:endParaRPr lang="en-US" altLang="ko-KR" sz="1200" dirty="0">
+              <a:solidFill>
+                <a:schemeClr val="tx1">
+                  <a:lumMod val="95000"/>
+                  <a:lumOff val="5000"/>
+                </a:schemeClr>
+              </a:solidFill>
+              <a:latin typeface="넥슨Lv2고딕 Medium" panose="00000600000000000000" pitchFamily="2" charset="-127"/>
+              <a:ea typeface="넥슨Lv2고딕 Medium" panose="00000600000000000000" pitchFamily="2" charset="-127"/>
+            </a:endParaRPr>
+          </a:p>
+          <a:p>
+            <a:pPr algn="ctr"/>
+            <a:r>
+              <a:rPr lang="ko-KR" altLang="en-US" sz="1200" dirty="0">
+                <a:solidFill>
+                  <a:schemeClr val="tx1">
+                    <a:lumMod val="95000"/>
+                    <a:lumOff val="5000"/>
+                  </a:schemeClr>
+                </a:solidFill>
+                <a:latin typeface="넥슨Lv2고딕 Medium" panose="00000600000000000000" pitchFamily="2" charset="-127"/>
+                <a:ea typeface="넥슨Lv2고딕 Medium" panose="00000600000000000000" pitchFamily="2" charset="-127"/>
+              </a:rPr>
+              <a:t>같은 몬스터인가</a:t>
+            </a:r>
+            <a:r>
+              <a:rPr lang="en-US" altLang="ko-KR" sz="1200" dirty="0">
+                <a:solidFill>
+                  <a:schemeClr val="tx1">
+                    <a:lumMod val="95000"/>
+                    <a:lumOff val="5000"/>
+                  </a:schemeClr>
+                </a:solidFill>
+                <a:latin typeface="넥슨Lv2고딕 Medium" panose="00000600000000000000" pitchFamily="2" charset="-127"/>
+                <a:ea typeface="넥슨Lv2고딕 Medium" panose="00000600000000000000" pitchFamily="2" charset="-127"/>
+              </a:rPr>
+              <a:t>?</a:t>
+            </a:r>
+          </a:p>
+        </p:txBody>
+      </p:sp>
+      <p:sp>
+        <p:nvSpPr>
+          <p:cNvPr id="31" name="순서도: 판단 30">
+            <a:extLst>
+              <a:ext uri="{FF2B5EF4-FFF2-40B4-BE49-F238E27FC236}">
+                <a16:creationId xmlns:a16="http://schemas.microsoft.com/office/drawing/2014/main" id="{92C454C4-8006-3DA8-6A1E-6A4D8660B413}"/>
+              </a:ext>
+            </a:extLst>
+          </p:cNvPr>
+          <p:cNvSpPr/>
+          <p:nvPr/>
+        </p:nvSpPr>
+        <p:spPr>
+          <a:xfrm>
+            <a:off x="6496785" y="3106146"/>
+            <a:ext cx="2743200" cy="709974"/>
+          </a:xfrm>
+          <a:prstGeom prst="flowChartDecision">
+            <a:avLst/>
+          </a:prstGeom>
+          <a:solidFill>
+            <a:srgbClr val="E8E8E8"/>
+          </a:solidFill>
+          <a:ln>
+            <a:noFill/>
+          </a:ln>
+        </p:spPr>
+        <p:style>
+          <a:lnRef idx="2">
+            <a:schemeClr val="accent1">
+              <a:shade val="50000"/>
+            </a:schemeClr>
+          </a:lnRef>
+          <a:fillRef idx="1">
+            <a:schemeClr val="accent1"/>
+          </a:fillRef>
+          <a:effectRef idx="0">
+            <a:schemeClr val="accent1"/>
+          </a:effectRef>
+          <a:fontRef idx="minor">
+            <a:schemeClr val="lt1"/>
+          </a:fontRef>
+        </p:style>
+        <p:txBody>
+          <a:bodyPr rtlCol="0" anchor="ctr"/>
+          <a:lstStyle/>
+          <a:p>
+            <a:pPr algn="ctr"/>
+            <a:r>
+              <a:rPr lang="en-US" altLang="ko-KR" sz="1200" dirty="0">
+                <a:solidFill>
+                  <a:schemeClr val="tx1">
+                    <a:lumMod val="95000"/>
+                    <a:lumOff val="5000"/>
+                  </a:schemeClr>
+                </a:solidFill>
+                <a:latin typeface="넥슨Lv2고딕 Medium" panose="00000600000000000000" pitchFamily="2" charset="-127"/>
+                <a:ea typeface="넥슨Lv2고딕 Medium" panose="00000600000000000000" pitchFamily="2" charset="-127"/>
+              </a:rPr>
+              <a:t>A</a:t>
+            </a:r>
+            <a:r>
+              <a:rPr lang="ko-KR" altLang="en-US" sz="1200" dirty="0">
+                <a:solidFill>
+                  <a:schemeClr val="tx1">
+                    <a:lumMod val="95000"/>
+                    <a:lumOff val="5000"/>
+                  </a:schemeClr>
+                </a:solidFill>
+                <a:latin typeface="넥슨Lv2고딕 Medium" panose="00000600000000000000" pitchFamily="2" charset="-127"/>
+                <a:ea typeface="넥슨Lv2고딕 Medium" panose="00000600000000000000" pitchFamily="2" charset="-127"/>
+              </a:rPr>
+              <a:t>의 체력이</a:t>
+            </a:r>
+            <a:endParaRPr lang="en-US" altLang="ko-KR" sz="1200" dirty="0">
+              <a:solidFill>
+                <a:schemeClr val="tx1">
+                  <a:lumMod val="95000"/>
+                  <a:lumOff val="5000"/>
+                </a:schemeClr>
+              </a:solidFill>
+              <a:latin typeface="넥슨Lv2고딕 Medium" panose="00000600000000000000" pitchFamily="2" charset="-127"/>
+              <a:ea typeface="넥슨Lv2고딕 Medium" panose="00000600000000000000" pitchFamily="2" charset="-127"/>
+            </a:endParaRPr>
+          </a:p>
+          <a:p>
+            <a:pPr algn="ctr"/>
+            <a:r>
+              <a:rPr lang="en-US" altLang="ko-KR" sz="1200" dirty="0">
+                <a:solidFill>
+                  <a:schemeClr val="tx1">
+                    <a:lumMod val="95000"/>
+                    <a:lumOff val="5000"/>
+                  </a:schemeClr>
+                </a:solidFill>
+                <a:latin typeface="넥슨Lv2고딕 Medium" panose="00000600000000000000" pitchFamily="2" charset="-127"/>
+                <a:ea typeface="넥슨Lv2고딕 Medium" panose="00000600000000000000" pitchFamily="2" charset="-127"/>
+              </a:rPr>
+              <a:t>0</a:t>
+            </a:r>
+            <a:r>
+              <a:rPr lang="ko-KR" altLang="en-US" sz="1200" dirty="0">
+                <a:solidFill>
+                  <a:schemeClr val="tx1">
+                    <a:lumMod val="95000"/>
+                    <a:lumOff val="5000"/>
+                  </a:schemeClr>
+                </a:solidFill>
+                <a:latin typeface="넥슨Lv2고딕 Medium" panose="00000600000000000000" pitchFamily="2" charset="-127"/>
+                <a:ea typeface="넥슨Lv2고딕 Medium" panose="00000600000000000000" pitchFamily="2" charset="-127"/>
+              </a:rPr>
+              <a:t>보다 큰가</a:t>
+            </a:r>
+            <a:r>
+              <a:rPr lang="en-US" altLang="ko-KR" sz="1200" dirty="0">
+                <a:solidFill>
+                  <a:schemeClr val="tx1">
+                    <a:lumMod val="95000"/>
+                    <a:lumOff val="5000"/>
+                  </a:schemeClr>
+                </a:solidFill>
+                <a:latin typeface="넥슨Lv2고딕 Medium" panose="00000600000000000000" pitchFamily="2" charset="-127"/>
+                <a:ea typeface="넥슨Lv2고딕 Medium" panose="00000600000000000000" pitchFamily="2" charset="-127"/>
+              </a:rPr>
+              <a:t>?</a:t>
+            </a:r>
+          </a:p>
+        </p:txBody>
+      </p:sp>
+      <p:sp>
+        <p:nvSpPr>
+          <p:cNvPr id="34" name="순서도: 처리 33">
+            <a:extLst>
+              <a:ext uri="{FF2B5EF4-FFF2-40B4-BE49-F238E27FC236}">
+                <a16:creationId xmlns:a16="http://schemas.microsoft.com/office/drawing/2014/main" id="{A5722748-3D39-1058-4D88-3BCA262D8F94}"/>
+              </a:ext>
+            </a:extLst>
+          </p:cNvPr>
+          <p:cNvSpPr/>
+          <p:nvPr/>
+        </p:nvSpPr>
+        <p:spPr>
+          <a:xfrm>
+            <a:off x="6496785" y="3952018"/>
+            <a:ext cx="2743200" cy="384641"/>
+          </a:xfrm>
+          <a:prstGeom prst="flowChartProcess">
+            <a:avLst/>
+          </a:prstGeom>
+          <a:solidFill>
+            <a:srgbClr val="E8E8E8"/>
+          </a:solidFill>
+          <a:ln>
+            <a:noFill/>
+          </a:ln>
+        </p:spPr>
+        <p:style>
+          <a:lnRef idx="2">
+            <a:schemeClr val="accent1">
+              <a:shade val="50000"/>
+            </a:schemeClr>
+          </a:lnRef>
+          <a:fillRef idx="1">
+            <a:schemeClr val="accent1"/>
+          </a:fillRef>
+          <a:effectRef idx="0">
+            <a:schemeClr val="accent1"/>
+          </a:effectRef>
+          <a:fontRef idx="minor">
+            <a:schemeClr val="lt1"/>
+          </a:fontRef>
+        </p:style>
+        <p:txBody>
+          <a:bodyPr rtlCol="0" anchor="ctr"/>
+          <a:lstStyle/>
+          <a:p>
+            <a:pPr algn="ctr"/>
+            <a:r>
+              <a:rPr lang="en-US" altLang="ko-KR" sz="1200" dirty="0">
+                <a:solidFill>
+                  <a:schemeClr val="tx1">
+                    <a:lumMod val="95000"/>
+                    <a:lumOff val="5000"/>
+                  </a:schemeClr>
+                </a:solidFill>
+                <a:latin typeface="넥슨Lv2고딕 Medium" panose="00000600000000000000" pitchFamily="2" charset="-127"/>
+                <a:ea typeface="넥슨Lv2고딕 Medium" panose="00000600000000000000" pitchFamily="2" charset="-127"/>
+              </a:rPr>
+              <a:t>A</a:t>
+            </a:r>
+            <a:r>
+              <a:rPr lang="ko-KR" altLang="en-US" sz="1200" dirty="0">
+                <a:solidFill>
+                  <a:schemeClr val="tx1">
+                    <a:lumMod val="95000"/>
+                    <a:lumOff val="5000"/>
+                  </a:schemeClr>
+                </a:solidFill>
+                <a:latin typeface="넥슨Lv2고딕 Medium" panose="00000600000000000000" pitchFamily="2" charset="-127"/>
+                <a:ea typeface="넥슨Lv2고딕 Medium" panose="00000600000000000000" pitchFamily="2" charset="-127"/>
+              </a:rPr>
+              <a:t>의 공격력에서 </a:t>
+            </a:r>
+            <a:r>
+              <a:rPr lang="en-US" altLang="ko-KR" sz="1200" dirty="0">
+                <a:solidFill>
+                  <a:schemeClr val="tx1">
+                    <a:lumMod val="95000"/>
+                    <a:lumOff val="5000"/>
+                  </a:schemeClr>
+                </a:solidFill>
+                <a:latin typeface="넥슨Lv2고딕 Medium" panose="00000600000000000000" pitchFamily="2" charset="-127"/>
+                <a:ea typeface="넥슨Lv2고딕 Medium" panose="00000600000000000000" pitchFamily="2" charset="-127"/>
+              </a:rPr>
+              <a:t>B</a:t>
+            </a:r>
+            <a:r>
+              <a:rPr lang="ko-KR" altLang="en-US" sz="1200" dirty="0">
+                <a:solidFill>
+                  <a:schemeClr val="tx1">
+                    <a:lumMod val="95000"/>
+                    <a:lumOff val="5000"/>
+                  </a:schemeClr>
+                </a:solidFill>
+                <a:latin typeface="넥슨Lv2고딕 Medium" panose="00000600000000000000" pitchFamily="2" charset="-127"/>
+                <a:ea typeface="넥슨Lv2고딕 Medium" panose="00000600000000000000" pitchFamily="2" charset="-127"/>
+              </a:rPr>
+              <a:t>의 방어력</a:t>
+            </a:r>
+            <a:endParaRPr lang="en-US" altLang="ko-KR" sz="1200" dirty="0">
+              <a:solidFill>
+                <a:schemeClr val="tx1">
+                  <a:lumMod val="95000"/>
+                  <a:lumOff val="5000"/>
+                </a:schemeClr>
+              </a:solidFill>
+              <a:latin typeface="넥슨Lv2고딕 Medium" panose="00000600000000000000" pitchFamily="2" charset="-127"/>
+              <a:ea typeface="넥슨Lv2고딕 Medium" panose="00000600000000000000" pitchFamily="2" charset="-127"/>
+            </a:endParaRPr>
+          </a:p>
+          <a:p>
+            <a:pPr algn="ctr"/>
+            <a:r>
+              <a:rPr lang="ko-KR" altLang="en-US" sz="1200" dirty="0">
+                <a:solidFill>
+                  <a:schemeClr val="tx1">
+                    <a:lumMod val="95000"/>
+                    <a:lumOff val="5000"/>
+                  </a:schemeClr>
+                </a:solidFill>
+                <a:latin typeface="넥슨Lv2고딕 Medium" panose="00000600000000000000" pitchFamily="2" charset="-127"/>
+                <a:ea typeface="넥슨Lv2고딕 Medium" panose="00000600000000000000" pitchFamily="2" charset="-127"/>
+              </a:rPr>
+              <a:t>값을 감소시킨 후 </a:t>
+            </a:r>
+            <a:r>
+              <a:rPr lang="en-US" altLang="ko-KR" sz="1200" dirty="0">
+                <a:solidFill>
+                  <a:schemeClr val="tx1">
+                    <a:lumMod val="95000"/>
+                    <a:lumOff val="5000"/>
+                  </a:schemeClr>
+                </a:solidFill>
+                <a:latin typeface="넥슨Lv2고딕 Medium" panose="00000600000000000000" pitchFamily="2" charset="-127"/>
+                <a:ea typeface="넥슨Lv2고딕 Medium" panose="00000600000000000000" pitchFamily="2" charset="-127"/>
+              </a:rPr>
+              <a:t>B</a:t>
+            </a:r>
+            <a:r>
+              <a:rPr lang="ko-KR" altLang="en-US" sz="1200" dirty="0">
+                <a:solidFill>
+                  <a:schemeClr val="tx1">
+                    <a:lumMod val="95000"/>
+                    <a:lumOff val="5000"/>
+                  </a:schemeClr>
+                </a:solidFill>
+                <a:latin typeface="넥슨Lv2고딕 Medium" panose="00000600000000000000" pitchFamily="2" charset="-127"/>
+                <a:ea typeface="넥슨Lv2고딕 Medium" panose="00000600000000000000" pitchFamily="2" charset="-127"/>
+              </a:rPr>
+              <a:t>의 체력 감소</a:t>
+            </a:r>
+          </a:p>
+        </p:txBody>
+      </p:sp>
+      <p:sp>
+        <p:nvSpPr>
+          <p:cNvPr id="35" name="순서도: 처리 34">
+            <a:extLst>
+              <a:ext uri="{FF2B5EF4-FFF2-40B4-BE49-F238E27FC236}">
+                <a16:creationId xmlns:a16="http://schemas.microsoft.com/office/drawing/2014/main" id="{66086CB9-72B0-F08E-4CEB-276780103ED1}"/>
+              </a:ext>
+            </a:extLst>
+          </p:cNvPr>
+          <p:cNvSpPr/>
+          <p:nvPr/>
+        </p:nvSpPr>
+        <p:spPr>
+          <a:xfrm>
+            <a:off x="6496785" y="4472557"/>
+            <a:ext cx="2743200" cy="238591"/>
+          </a:xfrm>
+          <a:prstGeom prst="flowChartProcess">
+            <a:avLst/>
+          </a:prstGeom>
+          <a:solidFill>
+            <a:srgbClr val="E8E8E8"/>
+          </a:solidFill>
+          <a:ln>
+            <a:noFill/>
+          </a:ln>
+        </p:spPr>
+        <p:style>
+          <a:lnRef idx="2">
+            <a:schemeClr val="accent1">
+              <a:shade val="50000"/>
+            </a:schemeClr>
+          </a:lnRef>
+          <a:fillRef idx="1">
+            <a:schemeClr val="accent1"/>
+          </a:fillRef>
+          <a:effectRef idx="0">
+            <a:schemeClr val="accent1"/>
+          </a:effectRef>
+          <a:fontRef idx="minor">
+            <a:schemeClr val="lt1"/>
+          </a:fontRef>
+        </p:style>
+        <p:txBody>
+          <a:bodyPr rtlCol="0" anchor="ctr"/>
+          <a:lstStyle/>
+          <a:p>
+            <a:pPr algn="ctr"/>
+            <a:r>
+              <a:rPr lang="en-US" altLang="ko-KR" sz="1200" dirty="0">
+                <a:solidFill>
+                  <a:schemeClr val="tx1">
+                    <a:lumMod val="95000"/>
+                    <a:lumOff val="5000"/>
+                  </a:schemeClr>
+                </a:solidFill>
+                <a:latin typeface="넥슨Lv2고딕 Medium" panose="00000600000000000000" pitchFamily="2" charset="-127"/>
+                <a:ea typeface="넥슨Lv2고딕 Medium" panose="00000600000000000000" pitchFamily="2" charset="-127"/>
+              </a:rPr>
+              <a:t>A</a:t>
+            </a:r>
+            <a:r>
+              <a:rPr lang="ko-KR" altLang="en-US" sz="1200" dirty="0">
+                <a:solidFill>
+                  <a:schemeClr val="tx1">
+                    <a:lumMod val="95000"/>
+                    <a:lumOff val="5000"/>
+                  </a:schemeClr>
+                </a:solidFill>
+                <a:latin typeface="넥슨Lv2고딕 Medium" panose="00000600000000000000" pitchFamily="2" charset="-127"/>
+                <a:ea typeface="넥슨Lv2고딕 Medium" panose="00000600000000000000" pitchFamily="2" charset="-127"/>
+              </a:rPr>
+              <a:t>와 </a:t>
+            </a:r>
+            <a:r>
+              <a:rPr lang="en-US" altLang="ko-KR" sz="1200" dirty="0">
+                <a:solidFill>
+                  <a:schemeClr val="tx1">
+                    <a:lumMod val="95000"/>
+                    <a:lumOff val="5000"/>
+                  </a:schemeClr>
+                </a:solidFill>
+                <a:latin typeface="넥슨Lv2고딕 Medium" panose="00000600000000000000" pitchFamily="2" charset="-127"/>
+                <a:ea typeface="넥슨Lv2고딕 Medium" panose="00000600000000000000" pitchFamily="2" charset="-127"/>
+              </a:rPr>
+              <a:t>B</a:t>
+            </a:r>
+            <a:r>
+              <a:rPr lang="ko-KR" altLang="en-US" sz="1200" dirty="0">
+                <a:solidFill>
+                  <a:schemeClr val="tx1">
+                    <a:lumMod val="95000"/>
+                    <a:lumOff val="5000"/>
+                  </a:schemeClr>
+                </a:solidFill>
+                <a:latin typeface="넥슨Lv2고딕 Medium" panose="00000600000000000000" pitchFamily="2" charset="-127"/>
+                <a:ea typeface="넥슨Lv2고딕 Medium" panose="00000600000000000000" pitchFamily="2" charset="-127"/>
+              </a:rPr>
+              <a:t>를 변경 </a:t>
+            </a:r>
+            <a:r>
+              <a:rPr lang="en-US" altLang="ko-KR" sz="1200" dirty="0">
+                <a:solidFill>
+                  <a:schemeClr val="tx1">
+                    <a:lumMod val="95000"/>
+                    <a:lumOff val="5000"/>
+                  </a:schemeClr>
+                </a:solidFill>
+                <a:latin typeface="넥슨Lv2고딕 Medium" panose="00000600000000000000" pitchFamily="2" charset="-127"/>
+                <a:ea typeface="넥슨Lv2고딕 Medium" panose="00000600000000000000" pitchFamily="2" charset="-127"/>
+              </a:rPr>
+              <a:t>(A,B) = (B,A)</a:t>
+            </a:r>
+            <a:endParaRPr lang="ko-KR" altLang="en-US" sz="1200" dirty="0">
+              <a:solidFill>
+                <a:schemeClr val="tx1">
+                  <a:lumMod val="95000"/>
+                  <a:lumOff val="5000"/>
+                </a:schemeClr>
+              </a:solidFill>
+              <a:latin typeface="넥슨Lv2고딕 Medium" panose="00000600000000000000" pitchFamily="2" charset="-127"/>
+              <a:ea typeface="넥슨Lv2고딕 Medium" panose="00000600000000000000" pitchFamily="2" charset="-127"/>
+            </a:endParaRPr>
+          </a:p>
+        </p:txBody>
+      </p:sp>
+      <p:cxnSp>
+        <p:nvCxnSpPr>
+          <p:cNvPr id="10" name="직선 화살표 연결선 9">
+            <a:extLst>
+              <a:ext uri="{FF2B5EF4-FFF2-40B4-BE49-F238E27FC236}">
+                <a16:creationId xmlns:a16="http://schemas.microsoft.com/office/drawing/2014/main" id="{64D8C249-70AE-231A-C94A-FC9B69446F7B}"/>
+              </a:ext>
+            </a:extLst>
+          </p:cNvPr>
+          <p:cNvCxnSpPr>
+            <a:stCxn id="5" idx="2"/>
+            <a:endCxn id="31" idx="0"/>
+          </p:cNvCxnSpPr>
+          <p:nvPr/>
+        </p:nvCxnSpPr>
+        <p:spPr>
+          <a:xfrm>
+            <a:off x="7868385" y="2970248"/>
+            <a:ext cx="0" cy="135898"/>
+          </a:xfrm>
+          <a:prstGeom prst="straightConnector1">
+            <a:avLst/>
+          </a:prstGeom>
+          <a:ln w="12700">
+            <a:solidFill>
+              <a:srgbClr val="E8E8E8"/>
+            </a:solidFill>
+            <a:tailEnd type="triangle"/>
+          </a:ln>
+        </p:spPr>
+        <p:style>
+          <a:lnRef idx="1">
+            <a:schemeClr val="accent1"/>
+          </a:lnRef>
+          <a:fillRef idx="0">
+            <a:schemeClr val="accent1"/>
+          </a:fillRef>
+          <a:effectRef idx="0">
+            <a:schemeClr val="accent1"/>
+          </a:effectRef>
+          <a:fontRef idx="minor">
+            <a:schemeClr val="tx1"/>
+          </a:fontRef>
+        </p:style>
+      </p:cxnSp>
+      <p:cxnSp>
+        <p:nvCxnSpPr>
+          <p:cNvPr id="43" name="직선 화살표 연결선 42">
+            <a:extLst>
+              <a:ext uri="{FF2B5EF4-FFF2-40B4-BE49-F238E27FC236}">
+                <a16:creationId xmlns:a16="http://schemas.microsoft.com/office/drawing/2014/main" id="{AEA681DD-D499-3047-58EB-D0A4E5D27475}"/>
+              </a:ext>
+            </a:extLst>
+          </p:cNvPr>
+          <p:cNvCxnSpPr>
+            <a:cxnSpLocks/>
+            <a:stCxn id="31" idx="2"/>
+            <a:endCxn id="34" idx="0"/>
+          </p:cNvCxnSpPr>
+          <p:nvPr/>
+        </p:nvCxnSpPr>
+        <p:spPr>
+          <a:xfrm>
+            <a:off x="7868385" y="3816120"/>
+            <a:ext cx="0" cy="135898"/>
+          </a:xfrm>
+          <a:prstGeom prst="straightConnector1">
+            <a:avLst/>
+          </a:prstGeom>
+          <a:ln w="12700">
+            <a:solidFill>
+              <a:srgbClr val="E8E8E8"/>
+            </a:solidFill>
+            <a:tailEnd type="triangle"/>
+          </a:ln>
+        </p:spPr>
+        <p:style>
+          <a:lnRef idx="1">
+            <a:schemeClr val="accent1"/>
+          </a:lnRef>
+          <a:fillRef idx="0">
+            <a:schemeClr val="accent1"/>
+          </a:fillRef>
+          <a:effectRef idx="0">
+            <a:schemeClr val="accent1"/>
+          </a:effectRef>
+          <a:fontRef idx="minor">
+            <a:schemeClr val="tx1"/>
+          </a:fontRef>
+        </p:style>
+      </p:cxnSp>
+      <p:cxnSp>
+        <p:nvCxnSpPr>
+          <p:cNvPr id="45" name="직선 화살표 연결선 44">
+            <a:extLst>
+              <a:ext uri="{FF2B5EF4-FFF2-40B4-BE49-F238E27FC236}">
+                <a16:creationId xmlns:a16="http://schemas.microsoft.com/office/drawing/2014/main" id="{49CF215D-9545-15DC-4A8A-A4F23D5FCDA8}"/>
+              </a:ext>
+            </a:extLst>
+          </p:cNvPr>
+          <p:cNvCxnSpPr>
+            <a:cxnSpLocks/>
+            <a:stCxn id="34" idx="2"/>
+            <a:endCxn id="35" idx="0"/>
+          </p:cNvCxnSpPr>
+          <p:nvPr/>
+        </p:nvCxnSpPr>
+        <p:spPr>
+          <a:xfrm>
+            <a:off x="7868385" y="4336659"/>
+            <a:ext cx="0" cy="135898"/>
+          </a:xfrm>
+          <a:prstGeom prst="straightConnector1">
+            <a:avLst/>
+          </a:prstGeom>
+          <a:ln w="12700">
+            <a:solidFill>
+              <a:srgbClr val="E8E8E8"/>
+            </a:solidFill>
+            <a:tailEnd type="triangle"/>
+          </a:ln>
+        </p:spPr>
+        <p:style>
+          <a:lnRef idx="1">
+            <a:schemeClr val="accent1"/>
+          </a:lnRef>
+          <a:fillRef idx="0">
+            <a:schemeClr val="accent1"/>
+          </a:fillRef>
+          <a:effectRef idx="0">
+            <a:schemeClr val="accent1"/>
+          </a:effectRef>
+          <a:fontRef idx="minor">
+            <a:schemeClr val="tx1"/>
+          </a:fontRef>
+        </p:style>
+      </p:cxnSp>
+      <p:cxnSp>
+        <p:nvCxnSpPr>
+          <p:cNvPr id="48" name="직선 화살표 연결선 47">
+            <a:extLst>
+              <a:ext uri="{FF2B5EF4-FFF2-40B4-BE49-F238E27FC236}">
+                <a16:creationId xmlns:a16="http://schemas.microsoft.com/office/drawing/2014/main" id="{FFCB7D01-BD78-E5D9-5C39-B0B79B7ACFB1}"/>
+              </a:ext>
+            </a:extLst>
+          </p:cNvPr>
+          <p:cNvCxnSpPr>
+            <a:cxnSpLocks/>
+            <a:stCxn id="3" idx="2"/>
+            <a:endCxn id="5" idx="0"/>
+          </p:cNvCxnSpPr>
+          <p:nvPr/>
+        </p:nvCxnSpPr>
+        <p:spPr>
+          <a:xfrm>
+            <a:off x="7868385" y="2074746"/>
+            <a:ext cx="0" cy="185528"/>
+          </a:xfrm>
+          <a:prstGeom prst="straightConnector1">
+            <a:avLst/>
+          </a:prstGeom>
+          <a:ln w="12700">
+            <a:solidFill>
+              <a:srgbClr val="E8E8E8"/>
+            </a:solidFill>
+            <a:tailEnd type="triangle"/>
+          </a:ln>
+        </p:spPr>
+        <p:style>
+          <a:lnRef idx="1">
+            <a:schemeClr val="accent1"/>
+          </a:lnRef>
+          <a:fillRef idx="0">
+            <a:schemeClr val="accent1"/>
+          </a:fillRef>
+          <a:effectRef idx="0">
+            <a:schemeClr val="accent1"/>
+          </a:effectRef>
+          <a:fontRef idx="minor">
+            <a:schemeClr val="tx1"/>
+          </a:fontRef>
+        </p:style>
+      </p:cxnSp>
+      <p:cxnSp>
+        <p:nvCxnSpPr>
+          <p:cNvPr id="59" name="연결선: 꺾임 58">
+            <a:extLst>
+              <a:ext uri="{FF2B5EF4-FFF2-40B4-BE49-F238E27FC236}">
+                <a16:creationId xmlns:a16="http://schemas.microsoft.com/office/drawing/2014/main" id="{54B6AA8A-2781-4E6A-44AE-F777BE1AE7F3}"/>
+              </a:ext>
+            </a:extLst>
+          </p:cNvPr>
+          <p:cNvCxnSpPr>
+            <a:cxnSpLocks/>
+            <a:stCxn id="35" idx="3"/>
+            <a:endCxn id="31" idx="3"/>
+          </p:cNvCxnSpPr>
+          <p:nvPr/>
+        </p:nvCxnSpPr>
+        <p:spPr>
+          <a:xfrm flipV="1">
+            <a:off x="9239985" y="3461133"/>
+            <a:ext cx="12700" cy="1130720"/>
+          </a:xfrm>
+          <a:prstGeom prst="bentConnector3">
+            <a:avLst>
+              <a:gd name="adj1" fmla="val 1800000"/>
+            </a:avLst>
+          </a:prstGeom>
+          <a:ln w="12700">
+            <a:solidFill>
+              <a:srgbClr val="E8E8E8"/>
+            </a:solidFill>
+            <a:tailEnd type="triangle"/>
+          </a:ln>
+        </p:spPr>
+        <p:style>
+          <a:lnRef idx="1">
+            <a:schemeClr val="accent1"/>
+          </a:lnRef>
+          <a:fillRef idx="0">
+            <a:schemeClr val="accent1"/>
+          </a:fillRef>
+          <a:effectRef idx="0">
+            <a:schemeClr val="accent1"/>
+          </a:effectRef>
+          <a:fontRef idx="minor">
+            <a:schemeClr val="tx1"/>
+          </a:fontRef>
+        </p:style>
+      </p:cxnSp>
+      <p:sp>
+        <p:nvSpPr>
+          <p:cNvPr id="66" name="순서도: 수행의 시작/종료 65">
+            <a:extLst>
+              <a:ext uri="{FF2B5EF4-FFF2-40B4-BE49-F238E27FC236}">
+                <a16:creationId xmlns:a16="http://schemas.microsoft.com/office/drawing/2014/main" id="{A02E9250-16AD-6545-FC06-A0C15BA7DFF9}"/>
+              </a:ext>
+            </a:extLst>
+          </p:cNvPr>
+          <p:cNvSpPr/>
+          <p:nvPr/>
+        </p:nvSpPr>
+        <p:spPr>
+          <a:xfrm>
+            <a:off x="6974416" y="5106237"/>
+            <a:ext cx="1787937" cy="445971"/>
+          </a:xfrm>
+          <a:prstGeom prst="flowChartTerminator">
+            <a:avLst/>
+          </a:prstGeom>
+          <a:solidFill>
+            <a:srgbClr val="E8E8E8"/>
+          </a:solidFill>
+          <a:ln>
+            <a:noFill/>
+          </a:ln>
+        </p:spPr>
+        <p:style>
+          <a:lnRef idx="2">
+            <a:schemeClr val="accent1">
+              <a:shade val="50000"/>
+            </a:schemeClr>
+          </a:lnRef>
+          <a:fillRef idx="1">
+            <a:schemeClr val="accent1"/>
+          </a:fillRef>
+          <a:effectRef idx="0">
+            <a:schemeClr val="accent1"/>
+          </a:effectRef>
+          <a:fontRef idx="minor">
+            <a:schemeClr val="lt1"/>
+          </a:fontRef>
+        </p:style>
+        <p:txBody>
+          <a:bodyPr rtlCol="0" anchor="ctr"/>
+          <a:lstStyle/>
+          <a:p>
+            <a:pPr algn="ctr"/>
+            <a:r>
+              <a:rPr lang="ko-KR" altLang="en-US" sz="1200" dirty="0">
+                <a:solidFill>
+                  <a:schemeClr val="tx1">
+                    <a:lumMod val="95000"/>
+                    <a:lumOff val="5000"/>
+                  </a:schemeClr>
+                </a:solidFill>
+                <a:latin typeface="넥슨Lv2고딕 Medium" panose="00000600000000000000" pitchFamily="2" charset="-127"/>
+                <a:ea typeface="넥슨Lv2고딕 Medium" panose="00000600000000000000" pitchFamily="2" charset="-127"/>
+              </a:rPr>
+              <a:t>종료</a:t>
+            </a:r>
+            <a:endParaRPr lang="en-US" altLang="ko-KR" sz="1200" dirty="0">
+              <a:solidFill>
+                <a:schemeClr val="tx1">
+                  <a:lumMod val="95000"/>
+                  <a:lumOff val="5000"/>
+                </a:schemeClr>
+              </a:solidFill>
+              <a:latin typeface="넥슨Lv2고딕 Medium" panose="00000600000000000000" pitchFamily="2" charset="-127"/>
+              <a:ea typeface="넥슨Lv2고딕 Medium" panose="00000600000000000000" pitchFamily="2" charset="-127"/>
+            </a:endParaRPr>
+          </a:p>
+        </p:txBody>
+      </p:sp>
+      <p:cxnSp>
+        <p:nvCxnSpPr>
+          <p:cNvPr id="67" name="연결선: 꺾임 66">
+            <a:extLst>
+              <a:ext uri="{FF2B5EF4-FFF2-40B4-BE49-F238E27FC236}">
+                <a16:creationId xmlns:a16="http://schemas.microsoft.com/office/drawing/2014/main" id="{D74D7BED-45EE-0C27-21CF-2CF660273351}"/>
+              </a:ext>
+            </a:extLst>
+          </p:cNvPr>
+          <p:cNvCxnSpPr>
+            <a:cxnSpLocks/>
+            <a:stCxn id="31" idx="1"/>
+            <a:endCxn id="74" idx="0"/>
+          </p:cNvCxnSpPr>
+          <p:nvPr/>
+        </p:nvCxnSpPr>
+        <p:spPr>
+          <a:xfrm rot="10800000" flipV="1">
+            <a:off x="4918811" y="3461133"/>
+            <a:ext cx="1577975" cy="135898"/>
+          </a:xfrm>
+          <a:prstGeom prst="bentConnector2">
+            <a:avLst/>
+          </a:prstGeom>
+          <a:ln w="12700">
+            <a:solidFill>
+              <a:srgbClr val="E8E8E8"/>
+            </a:solidFill>
+            <a:tailEnd type="triangle"/>
+          </a:ln>
+        </p:spPr>
+        <p:style>
+          <a:lnRef idx="1">
+            <a:schemeClr val="accent1"/>
+          </a:lnRef>
+          <a:fillRef idx="0">
+            <a:schemeClr val="accent1"/>
+          </a:fillRef>
+          <a:effectRef idx="0">
+            <a:schemeClr val="accent1"/>
+          </a:effectRef>
+          <a:fontRef idx="minor">
+            <a:schemeClr val="tx1"/>
+          </a:fontRef>
+        </p:style>
+      </p:cxnSp>
+      <p:sp>
+        <p:nvSpPr>
+          <p:cNvPr id="74" name="순서도: 판단 73">
+            <a:extLst>
+              <a:ext uri="{FF2B5EF4-FFF2-40B4-BE49-F238E27FC236}">
+                <a16:creationId xmlns:a16="http://schemas.microsoft.com/office/drawing/2014/main" id="{0D9DD107-43D1-FA1D-04A4-47AA8581D25D}"/>
+              </a:ext>
+            </a:extLst>
+          </p:cNvPr>
+          <p:cNvSpPr/>
+          <p:nvPr/>
+        </p:nvSpPr>
+        <p:spPr>
+          <a:xfrm>
+            <a:off x="3547210" y="3597031"/>
+            <a:ext cx="2743200" cy="709974"/>
+          </a:xfrm>
+          <a:prstGeom prst="flowChartDecision">
+            <a:avLst/>
+          </a:prstGeom>
+          <a:solidFill>
+            <a:srgbClr val="E8E8E8"/>
+          </a:solidFill>
+          <a:ln>
+            <a:noFill/>
+          </a:ln>
+        </p:spPr>
+        <p:style>
+          <a:lnRef idx="2">
+            <a:schemeClr val="accent1">
+              <a:shade val="50000"/>
+            </a:schemeClr>
+          </a:lnRef>
+          <a:fillRef idx="1">
+            <a:schemeClr val="accent1"/>
+          </a:fillRef>
+          <a:effectRef idx="0">
+            <a:schemeClr val="accent1"/>
+          </a:effectRef>
+          <a:fontRef idx="minor">
+            <a:schemeClr val="lt1"/>
+          </a:fontRef>
+        </p:style>
+        <p:txBody>
+          <a:bodyPr rtlCol="0" anchor="ctr"/>
+          <a:lstStyle/>
+          <a:p>
+            <a:pPr algn="ctr"/>
+            <a:r>
+              <a:rPr lang="en-US" altLang="ko-KR" sz="1200" dirty="0">
+                <a:solidFill>
+                  <a:schemeClr val="tx1">
+                    <a:lumMod val="95000"/>
+                    <a:lumOff val="5000"/>
+                  </a:schemeClr>
+                </a:solidFill>
+                <a:latin typeface="넥슨Lv2고딕 Medium" panose="00000600000000000000" pitchFamily="2" charset="-127"/>
+                <a:ea typeface="넥슨Lv2고딕 Medium" panose="00000600000000000000" pitchFamily="2" charset="-127"/>
+              </a:rPr>
+              <a:t>A</a:t>
+            </a:r>
+            <a:r>
+              <a:rPr lang="ko-KR" altLang="en-US" sz="1200" dirty="0">
+                <a:solidFill>
+                  <a:schemeClr val="tx1">
+                    <a:lumMod val="95000"/>
+                    <a:lumOff val="5000"/>
+                  </a:schemeClr>
+                </a:solidFill>
+                <a:latin typeface="넥슨Lv2고딕 Medium" panose="00000600000000000000" pitchFamily="2" charset="-127"/>
+                <a:ea typeface="넥슨Lv2고딕 Medium" panose="00000600000000000000" pitchFamily="2" charset="-127"/>
+              </a:rPr>
+              <a:t>가 몬스터인가</a:t>
+            </a:r>
+            <a:r>
+              <a:rPr lang="en-US" altLang="ko-KR" sz="1200" dirty="0">
+                <a:solidFill>
+                  <a:schemeClr val="tx1">
+                    <a:lumMod val="95000"/>
+                    <a:lumOff val="5000"/>
+                  </a:schemeClr>
+                </a:solidFill>
+                <a:latin typeface="넥슨Lv2고딕 Medium" panose="00000600000000000000" pitchFamily="2" charset="-127"/>
+                <a:ea typeface="넥슨Lv2고딕 Medium" panose="00000600000000000000" pitchFamily="2" charset="-127"/>
+              </a:rPr>
+              <a:t>?</a:t>
+            </a:r>
+          </a:p>
+        </p:txBody>
+      </p:sp>
+      <p:sp>
+        <p:nvSpPr>
+          <p:cNvPr id="84" name="순서도: 처리 83">
+            <a:extLst>
+              <a:ext uri="{FF2B5EF4-FFF2-40B4-BE49-F238E27FC236}">
+                <a16:creationId xmlns:a16="http://schemas.microsoft.com/office/drawing/2014/main" id="{184E3F72-8570-ED8A-1EB8-F21F891AF196}"/>
+              </a:ext>
+            </a:extLst>
+          </p:cNvPr>
+          <p:cNvSpPr/>
+          <p:nvPr/>
+        </p:nvSpPr>
+        <p:spPr>
+          <a:xfrm>
+            <a:off x="3547210" y="4903051"/>
+            <a:ext cx="2743200" cy="238591"/>
+          </a:xfrm>
+          <a:prstGeom prst="flowChartProcess">
+            <a:avLst/>
+          </a:prstGeom>
+          <a:solidFill>
+            <a:srgbClr val="E8E8E8"/>
+          </a:solidFill>
+          <a:ln>
+            <a:noFill/>
+          </a:ln>
+        </p:spPr>
+        <p:style>
+          <a:lnRef idx="2">
+            <a:schemeClr val="accent1">
+              <a:shade val="50000"/>
+            </a:schemeClr>
+          </a:lnRef>
+          <a:fillRef idx="1">
+            <a:schemeClr val="accent1"/>
+          </a:fillRef>
+          <a:effectRef idx="0">
+            <a:schemeClr val="accent1"/>
+          </a:effectRef>
+          <a:fontRef idx="minor">
+            <a:schemeClr val="lt1"/>
+          </a:fontRef>
+        </p:style>
+        <p:txBody>
+          <a:bodyPr rtlCol="0" anchor="ctr"/>
+          <a:lstStyle/>
+          <a:p>
+            <a:pPr algn="ctr"/>
+            <a:r>
+              <a:rPr lang="ko-KR" altLang="en-US" sz="1200" dirty="0">
+                <a:solidFill>
+                  <a:schemeClr val="tx1">
+                    <a:lumMod val="95000"/>
+                    <a:lumOff val="5000"/>
+                  </a:schemeClr>
+                </a:solidFill>
+                <a:latin typeface="넥슨Lv2고딕 Medium" panose="00000600000000000000" pitchFamily="2" charset="-127"/>
+                <a:ea typeface="넥슨Lv2고딕 Medium" panose="00000600000000000000" pitchFamily="2" charset="-127"/>
+              </a:rPr>
+              <a:t>몬스터의 </a:t>
+            </a:r>
+            <a:r>
+              <a:rPr lang="en-US" altLang="ko-KR" sz="1200" dirty="0" err="1">
+                <a:solidFill>
+                  <a:schemeClr val="tx1">
+                    <a:lumMod val="95000"/>
+                    <a:lumOff val="5000"/>
+                  </a:schemeClr>
+                </a:solidFill>
+                <a:latin typeface="넥슨Lv2고딕 Medium" panose="00000600000000000000" pitchFamily="2" charset="-127"/>
+                <a:ea typeface="넥슨Lv2고딕 Medium" panose="00000600000000000000" pitchFamily="2" charset="-127"/>
+              </a:rPr>
+              <a:t>DropGold</a:t>
+            </a:r>
+            <a:r>
+              <a:rPr lang="en-US" altLang="ko-KR" sz="1200" dirty="0">
+                <a:solidFill>
+                  <a:schemeClr val="tx1">
+                    <a:lumMod val="95000"/>
+                    <a:lumOff val="5000"/>
+                  </a:schemeClr>
+                </a:solidFill>
+                <a:latin typeface="넥슨Lv2고딕 Medium" panose="00000600000000000000" pitchFamily="2" charset="-127"/>
+                <a:ea typeface="넥슨Lv2고딕 Medium" panose="00000600000000000000" pitchFamily="2" charset="-127"/>
+              </a:rPr>
+              <a:t> </a:t>
+            </a:r>
+            <a:r>
+              <a:rPr lang="ko-KR" altLang="en-US" sz="1200" dirty="0">
+                <a:solidFill>
+                  <a:schemeClr val="tx1">
+                    <a:lumMod val="95000"/>
+                    <a:lumOff val="5000"/>
+                  </a:schemeClr>
+                </a:solidFill>
+                <a:latin typeface="넥슨Lv2고딕 Medium" panose="00000600000000000000" pitchFamily="2" charset="-127"/>
+                <a:ea typeface="넥슨Lv2고딕 Medium" panose="00000600000000000000" pitchFamily="2" charset="-127"/>
+              </a:rPr>
+              <a:t>만큼의 보상 지급</a:t>
+            </a:r>
+          </a:p>
+        </p:txBody>
+      </p:sp>
+      <p:cxnSp>
+        <p:nvCxnSpPr>
+          <p:cNvPr id="85" name="연결선: 꺾임 84">
+            <a:extLst>
+              <a:ext uri="{FF2B5EF4-FFF2-40B4-BE49-F238E27FC236}">
+                <a16:creationId xmlns:a16="http://schemas.microsoft.com/office/drawing/2014/main" id="{13F48890-53B9-3A91-D8AB-74029FF1BBD2}"/>
+              </a:ext>
+            </a:extLst>
+          </p:cNvPr>
+          <p:cNvCxnSpPr>
+            <a:cxnSpLocks/>
+            <a:stCxn id="74" idx="2"/>
+            <a:endCxn id="84" idx="0"/>
+          </p:cNvCxnSpPr>
+          <p:nvPr/>
+        </p:nvCxnSpPr>
+        <p:spPr>
+          <a:xfrm>
+            <a:off x="4918810" y="4307005"/>
+            <a:ext cx="0" cy="596046"/>
+          </a:xfrm>
+          <a:prstGeom prst="straightConnector1">
+            <a:avLst/>
+          </a:prstGeom>
+          <a:ln w="12700">
+            <a:solidFill>
+              <a:srgbClr val="E8E8E8"/>
+            </a:solidFill>
+            <a:tailEnd type="triangle"/>
+          </a:ln>
+        </p:spPr>
+        <p:style>
+          <a:lnRef idx="1">
+            <a:schemeClr val="accent1"/>
+          </a:lnRef>
+          <a:fillRef idx="0">
+            <a:schemeClr val="accent1"/>
+          </a:fillRef>
+          <a:effectRef idx="0">
+            <a:schemeClr val="accent1"/>
+          </a:effectRef>
+          <a:fontRef idx="minor">
+            <a:schemeClr val="tx1"/>
+          </a:fontRef>
+        </p:style>
+      </p:cxnSp>
+      <p:sp>
+        <p:nvSpPr>
+          <p:cNvPr id="91" name="순서도: 처리 90">
+            <a:extLst>
+              <a:ext uri="{FF2B5EF4-FFF2-40B4-BE49-F238E27FC236}">
+                <a16:creationId xmlns:a16="http://schemas.microsoft.com/office/drawing/2014/main" id="{FC4FA9CE-953F-82E9-E898-9FA19FD3D31B}"/>
+              </a:ext>
+            </a:extLst>
+          </p:cNvPr>
+          <p:cNvSpPr/>
+          <p:nvPr/>
+        </p:nvSpPr>
+        <p:spPr>
+          <a:xfrm>
+            <a:off x="3547210" y="5552208"/>
+            <a:ext cx="2743200" cy="238591"/>
+          </a:xfrm>
+          <a:prstGeom prst="flowChartProcess">
+            <a:avLst/>
+          </a:prstGeom>
+          <a:solidFill>
+            <a:srgbClr val="E8E8E8"/>
+          </a:solidFill>
+          <a:ln>
+            <a:noFill/>
+          </a:ln>
+        </p:spPr>
+        <p:style>
+          <a:lnRef idx="2">
+            <a:schemeClr val="accent1">
+              <a:shade val="50000"/>
+            </a:schemeClr>
+          </a:lnRef>
+          <a:fillRef idx="1">
+            <a:schemeClr val="accent1"/>
+          </a:fillRef>
+          <a:effectRef idx="0">
+            <a:schemeClr val="accent1"/>
+          </a:effectRef>
+          <a:fontRef idx="minor">
+            <a:schemeClr val="lt1"/>
+          </a:fontRef>
+        </p:style>
+        <p:txBody>
+          <a:bodyPr rtlCol="0" anchor="ctr"/>
+          <a:lstStyle/>
+          <a:p>
+            <a:pPr algn="ctr"/>
+            <a:r>
+              <a:rPr lang="ko-KR" altLang="en-US" sz="1200" dirty="0">
+                <a:solidFill>
+                  <a:schemeClr val="tx1">
+                    <a:lumMod val="95000"/>
+                    <a:lumOff val="5000"/>
+                  </a:schemeClr>
+                </a:solidFill>
+                <a:latin typeface="넥슨Lv2고딕 Medium" panose="00000600000000000000" pitchFamily="2" charset="-127"/>
+                <a:ea typeface="넥슨Lv2고딕 Medium" panose="00000600000000000000" pitchFamily="2" charset="-127"/>
+              </a:rPr>
+              <a:t>몬스터 제거 플레이어 골드 감소 후 부활</a:t>
+            </a:r>
+          </a:p>
+        </p:txBody>
+      </p:sp>
+      <p:cxnSp>
+        <p:nvCxnSpPr>
+          <p:cNvPr id="92" name="연결선: 꺾임 91">
+            <a:extLst>
+              <a:ext uri="{FF2B5EF4-FFF2-40B4-BE49-F238E27FC236}">
+                <a16:creationId xmlns:a16="http://schemas.microsoft.com/office/drawing/2014/main" id="{00055B03-6242-3E52-2842-9368DEF785C0}"/>
+              </a:ext>
+            </a:extLst>
+          </p:cNvPr>
+          <p:cNvCxnSpPr>
+            <a:cxnSpLocks/>
+            <a:stCxn id="74" idx="1"/>
+            <a:endCxn id="91" idx="1"/>
+          </p:cNvCxnSpPr>
+          <p:nvPr/>
+        </p:nvCxnSpPr>
+        <p:spPr>
+          <a:xfrm rot="10800000" flipV="1">
+            <a:off x="3547210" y="3952018"/>
+            <a:ext cx="12700" cy="1719486"/>
+          </a:xfrm>
+          <a:prstGeom prst="bentConnector3">
+            <a:avLst>
+              <a:gd name="adj1" fmla="val 1800000"/>
+            </a:avLst>
+          </a:prstGeom>
+          <a:ln w="12700">
+            <a:solidFill>
+              <a:srgbClr val="E8E8E8"/>
+            </a:solidFill>
+            <a:tailEnd type="triangle"/>
+          </a:ln>
+        </p:spPr>
+        <p:style>
+          <a:lnRef idx="1">
+            <a:schemeClr val="accent1"/>
+          </a:lnRef>
+          <a:fillRef idx="0">
+            <a:schemeClr val="accent1"/>
+          </a:fillRef>
+          <a:effectRef idx="0">
+            <a:schemeClr val="accent1"/>
+          </a:effectRef>
+          <a:fontRef idx="minor">
+            <a:schemeClr val="tx1"/>
+          </a:fontRef>
+        </p:style>
+      </p:cxnSp>
+      <p:cxnSp>
+        <p:nvCxnSpPr>
+          <p:cNvPr id="100" name="연결선: 꺾임 99">
+            <a:extLst>
+              <a:ext uri="{FF2B5EF4-FFF2-40B4-BE49-F238E27FC236}">
+                <a16:creationId xmlns:a16="http://schemas.microsoft.com/office/drawing/2014/main" id="{8C53BF6D-7462-1B3B-9488-44644F17FB9D}"/>
+              </a:ext>
+            </a:extLst>
+          </p:cNvPr>
+          <p:cNvCxnSpPr>
+            <a:cxnSpLocks/>
+            <a:stCxn id="84" idx="3"/>
+            <a:endCxn id="66" idx="1"/>
+          </p:cNvCxnSpPr>
+          <p:nvPr/>
+        </p:nvCxnSpPr>
+        <p:spPr>
+          <a:xfrm>
+            <a:off x="6290410" y="5022347"/>
+            <a:ext cx="684006" cy="306876"/>
+          </a:xfrm>
+          <a:prstGeom prst="bentConnector3">
+            <a:avLst>
+              <a:gd name="adj1" fmla="val 50000"/>
+            </a:avLst>
+          </a:prstGeom>
+          <a:ln w="12700">
+            <a:solidFill>
+              <a:srgbClr val="E8E8E8"/>
+            </a:solidFill>
+            <a:tailEnd type="triangle"/>
+          </a:ln>
+        </p:spPr>
+        <p:style>
+          <a:lnRef idx="1">
+            <a:schemeClr val="accent1"/>
+          </a:lnRef>
+          <a:fillRef idx="0">
+            <a:schemeClr val="accent1"/>
+          </a:fillRef>
+          <a:effectRef idx="0">
+            <a:schemeClr val="accent1"/>
+          </a:effectRef>
+          <a:fontRef idx="minor">
+            <a:schemeClr val="tx1"/>
+          </a:fontRef>
+        </p:style>
+      </p:cxnSp>
+      <p:cxnSp>
+        <p:nvCxnSpPr>
+          <p:cNvPr id="103" name="연결선: 꺾임 102">
+            <a:extLst>
+              <a:ext uri="{FF2B5EF4-FFF2-40B4-BE49-F238E27FC236}">
+                <a16:creationId xmlns:a16="http://schemas.microsoft.com/office/drawing/2014/main" id="{9AC85651-2B2F-BB03-977B-AA8C0C6E9B04}"/>
+              </a:ext>
+            </a:extLst>
+          </p:cNvPr>
+          <p:cNvCxnSpPr>
+            <a:cxnSpLocks/>
+            <a:stCxn id="91" idx="3"/>
+            <a:endCxn id="66" idx="1"/>
+          </p:cNvCxnSpPr>
+          <p:nvPr/>
+        </p:nvCxnSpPr>
+        <p:spPr>
+          <a:xfrm flipV="1">
+            <a:off x="6290410" y="5329223"/>
+            <a:ext cx="684006" cy="342281"/>
+          </a:xfrm>
+          <a:prstGeom prst="bentConnector3">
+            <a:avLst>
+              <a:gd name="adj1" fmla="val 50000"/>
+            </a:avLst>
+          </a:prstGeom>
+          <a:ln w="12700">
+            <a:solidFill>
+              <a:srgbClr val="E8E8E8"/>
+            </a:solidFill>
+            <a:tailEnd type="triangle"/>
+          </a:ln>
+        </p:spPr>
+        <p:style>
+          <a:lnRef idx="1">
+            <a:schemeClr val="accent1"/>
+          </a:lnRef>
+          <a:fillRef idx="0">
+            <a:schemeClr val="accent1"/>
+          </a:fillRef>
+          <a:effectRef idx="0">
+            <a:schemeClr val="accent1"/>
+          </a:effectRef>
+          <a:fontRef idx="minor">
+            <a:schemeClr val="tx1"/>
+          </a:fontRef>
+        </p:style>
+      </p:cxnSp>
+    </p:spTree>
+    <p:extLst>
+      <p:ext uri="{BB962C8B-B14F-4D97-AF65-F5344CB8AC3E}">
+        <p14:creationId xmlns:p14="http://schemas.microsoft.com/office/powerpoint/2010/main" val="1164277965"/>
+      </p:ext>
+    </p:extLst>
+  </p:cSld>
+  <p:clrMapOvr>
+    <a:masterClrMapping/>
+  </p:clrMapOvr>
+</p:sld>
+</file>
+
+<file path=ppt/slides/slide8.xml><?xml version="1.0" encoding="utf-8"?>
 <p:sld xmlns:a="http://schemas.openxmlformats.org/drawingml/2006/main" xmlns:r="http://schemas.openxmlformats.org/officeDocument/2006/relationships" xmlns:p="http://schemas.openxmlformats.org/presentationml/2006/main">
   <p:cSld>
     <p:bg>
@@ -13424,7 +16545,7 @@
 </p:sld>
 </file>
 
-<file path=ppt/slides/slide7.xml><?xml version="1.0" encoding="utf-8"?>
+<file path=ppt/slides/slide9.xml><?xml version="1.0" encoding="utf-8"?>
 <p:sld xmlns:a="http://schemas.openxmlformats.org/drawingml/2006/main" xmlns:r="http://schemas.openxmlformats.org/officeDocument/2006/relationships" xmlns:p="http://schemas.openxmlformats.org/presentationml/2006/main">
   <p:cSld>
     <p:bg>
@@ -14390,1130 +17511,6 @@
     <p:extLst>
       <p:ext uri="{BB962C8B-B14F-4D97-AF65-F5344CB8AC3E}">
         <p14:creationId xmlns:p14="http://schemas.microsoft.com/office/powerpoint/2010/main" val="3792264328"/>
-      </p:ext>
-    </p:extLst>
-  </p:cSld>
-  <p:clrMapOvr>
-    <a:masterClrMapping/>
-  </p:clrMapOvr>
-</p:sld>
-</file>
-
-<file path=ppt/slides/slide8.xml><?xml version="1.0" encoding="utf-8"?>
-<p:sld xmlns:a="http://schemas.openxmlformats.org/drawingml/2006/main" xmlns:r="http://schemas.openxmlformats.org/officeDocument/2006/relationships" xmlns:p="http://schemas.openxmlformats.org/presentationml/2006/main">
-  <p:cSld>
-    <p:bg>
-      <p:bgPr>
-        <a:solidFill>
-          <a:srgbClr val="4286F5"/>
-        </a:solidFill>
-        <a:effectLst/>
-      </p:bgPr>
-    </p:bg>
-    <p:spTree>
-      <p:nvGrpSpPr>
-        <p:cNvPr id="1" name=""/>
-        <p:cNvGrpSpPr/>
-        <p:nvPr/>
-      </p:nvGrpSpPr>
-      <p:grpSpPr>
-        <a:xfrm>
-          <a:off x="0" y="0"/>
-          <a:ext cx="0" cy="0"/>
-          <a:chOff x="0" y="0"/>
-          <a:chExt cx="0" cy="0"/>
-        </a:xfrm>
-      </p:grpSpPr>
-      <p:sp>
-        <p:nvSpPr>
-          <p:cNvPr id="15" name="TextBox 14">
-            <a:extLst>
-              <a:ext uri="{FF2B5EF4-FFF2-40B4-BE49-F238E27FC236}">
-                <a16:creationId xmlns:a16="http://schemas.microsoft.com/office/drawing/2014/main" id="{BA04418A-3697-DF14-5B90-D9AC7CE43E2B}"/>
-              </a:ext>
-            </a:extLst>
-          </p:cNvPr>
-          <p:cNvSpPr txBox="1"/>
-          <p:nvPr/>
-        </p:nvSpPr>
-        <p:spPr>
-          <a:xfrm>
-            <a:off x="1680310" y="1155929"/>
-            <a:ext cx="3733800" cy="584775"/>
-          </a:xfrm>
-          <a:prstGeom prst="rect">
-            <a:avLst/>
-          </a:prstGeom>
-          <a:noFill/>
-        </p:spPr>
-        <p:txBody>
-          <a:bodyPr wrap="square" rtlCol="0">
-            <a:spAutoFit/>
-          </a:bodyPr>
-          <a:lstStyle/>
-          <a:p>
-            <a:r>
-              <a:rPr lang="ko-KR" altLang="en-US" sz="3200" dirty="0">
-                <a:solidFill>
-                  <a:schemeClr val="bg1"/>
-                </a:solidFill>
-                <a:latin typeface="넥슨Lv2고딕 Bold" panose="00000800000000000000" pitchFamily="2" charset="-127"/>
-                <a:ea typeface="넥슨Lv2고딕 Bold" panose="00000800000000000000" pitchFamily="2" charset="-127"/>
-              </a:rPr>
-              <a:t>상점</a:t>
-            </a:r>
-            <a:endParaRPr lang="en-US" altLang="ko-KR" sz="3200" dirty="0">
-              <a:solidFill>
-                <a:schemeClr val="bg1"/>
-              </a:solidFill>
-              <a:latin typeface="넥슨Lv2고딕 Bold" panose="00000800000000000000" pitchFamily="2" charset="-127"/>
-              <a:ea typeface="넥슨Lv2고딕 Bold" panose="00000800000000000000" pitchFamily="2" charset="-127"/>
-            </a:endParaRPr>
-          </a:p>
-        </p:txBody>
-      </p:sp>
-      <p:sp>
-        <p:nvSpPr>
-          <p:cNvPr id="16" name="직사각형 15">
-            <a:extLst>
-              <a:ext uri="{FF2B5EF4-FFF2-40B4-BE49-F238E27FC236}">
-                <a16:creationId xmlns:a16="http://schemas.microsoft.com/office/drawing/2014/main" id="{06D4D73C-002A-B871-4E9F-3C2F2EFA95F6}"/>
-              </a:ext>
-            </a:extLst>
-          </p:cNvPr>
-          <p:cNvSpPr/>
-          <p:nvPr/>
-        </p:nvSpPr>
-        <p:spPr>
-          <a:xfrm>
-            <a:off x="1660524" y="1262063"/>
-            <a:ext cx="45719" cy="366711"/>
-          </a:xfrm>
-          <a:prstGeom prst="rect">
-            <a:avLst/>
-          </a:prstGeom>
-          <a:solidFill>
-            <a:schemeClr val="bg1"/>
-          </a:solidFill>
-          <a:ln>
-            <a:noFill/>
-          </a:ln>
-        </p:spPr>
-        <p:style>
-          <a:lnRef idx="2">
-            <a:schemeClr val="accent1">
-              <a:shade val="50000"/>
-            </a:schemeClr>
-          </a:lnRef>
-          <a:fillRef idx="1">
-            <a:schemeClr val="accent1"/>
-          </a:fillRef>
-          <a:effectRef idx="0">
-            <a:schemeClr val="accent1"/>
-          </a:effectRef>
-          <a:fontRef idx="minor">
-            <a:schemeClr val="lt1"/>
-          </a:fontRef>
-        </p:style>
-        <p:txBody>
-          <a:bodyPr rtlCol="0" anchor="ctr"/>
-          <a:lstStyle/>
-          <a:p>
-            <a:pPr algn="ctr"/>
-            <a:endParaRPr lang="ko-KR" altLang="en-US"/>
-          </a:p>
-        </p:txBody>
-      </p:sp>
-      <p:sp>
-        <p:nvSpPr>
-          <p:cNvPr id="6" name="사각형: 둥근 모서리 5">
-            <a:extLst>
-              <a:ext uri="{FF2B5EF4-FFF2-40B4-BE49-F238E27FC236}">
-                <a16:creationId xmlns:a16="http://schemas.microsoft.com/office/drawing/2014/main" id="{7B010C73-03E3-3017-7D44-D2B03005B5D3}"/>
-              </a:ext>
-            </a:extLst>
-          </p:cNvPr>
-          <p:cNvSpPr/>
-          <p:nvPr/>
-        </p:nvSpPr>
-        <p:spPr>
-          <a:xfrm>
-            <a:off x="7835901" y="580606"/>
-            <a:ext cx="2581274" cy="5191125"/>
-          </a:xfrm>
-          <a:prstGeom prst="roundRect">
-            <a:avLst>
-              <a:gd name="adj" fmla="val 5142"/>
-            </a:avLst>
-          </a:prstGeom>
-          <a:blipFill dpi="0" rotWithShape="1">
-            <a:blip r:embed="rId2"/>
-            <a:srcRect/>
-            <a:stretch>
-              <a:fillRect l="-277" r="-277"/>
-            </a:stretch>
-          </a:blipFill>
-          <a:ln>
-            <a:noFill/>
-          </a:ln>
-        </p:spPr>
-        <p:style>
-          <a:lnRef idx="2">
-            <a:schemeClr val="accent1">
-              <a:shade val="50000"/>
-            </a:schemeClr>
-          </a:lnRef>
-          <a:fillRef idx="1">
-            <a:schemeClr val="accent1"/>
-          </a:fillRef>
-          <a:effectRef idx="0">
-            <a:schemeClr val="accent1"/>
-          </a:effectRef>
-          <a:fontRef idx="minor">
-            <a:schemeClr val="lt1"/>
-          </a:fontRef>
-        </p:style>
-        <p:txBody>
-          <a:bodyPr rtlCol="0" anchor="ctr"/>
-          <a:lstStyle/>
-          <a:p>
-            <a:pPr algn="ctr"/>
-            <a:endParaRPr lang="ko-KR" altLang="en-US"/>
-          </a:p>
-        </p:txBody>
-      </p:sp>
-      <p:sp>
-        <p:nvSpPr>
-          <p:cNvPr id="20" name="사각형: 둥근 모서리 19">
-            <a:extLst>
-              <a:ext uri="{FF2B5EF4-FFF2-40B4-BE49-F238E27FC236}">
-                <a16:creationId xmlns:a16="http://schemas.microsoft.com/office/drawing/2014/main" id="{3BAA03E1-06EA-66EC-8AC8-20C3BC7198EF}"/>
-              </a:ext>
-            </a:extLst>
-          </p:cNvPr>
-          <p:cNvSpPr/>
-          <p:nvPr/>
-        </p:nvSpPr>
-        <p:spPr>
-          <a:xfrm>
-            <a:off x="4800600" y="3429000"/>
-            <a:ext cx="1295400" cy="1592580"/>
-          </a:xfrm>
-          <a:prstGeom prst="roundRect">
-            <a:avLst>
-              <a:gd name="adj" fmla="val 13999"/>
-            </a:avLst>
-          </a:prstGeom>
-          <a:blipFill dpi="0" rotWithShape="1">
-            <a:blip r:embed="rId2"/>
-            <a:srcRect/>
-            <a:stretch>
-              <a:fillRect l="-135968" t="-204589" r="-31727" b="-130887"/>
-            </a:stretch>
-          </a:blipFill>
-          <a:ln>
-            <a:noFill/>
-          </a:ln>
-          <a:effectLst>
-            <a:outerShdw blurRad="50800" dist="38100" dir="5400000" algn="t" rotWithShape="0">
-              <a:prstClr val="black">
-                <a:alpha val="40000"/>
-              </a:prstClr>
-            </a:outerShdw>
-          </a:effectLst>
-        </p:spPr>
-        <p:style>
-          <a:lnRef idx="2">
-            <a:schemeClr val="accent1">
-              <a:shade val="50000"/>
-            </a:schemeClr>
-          </a:lnRef>
-          <a:fillRef idx="1">
-            <a:schemeClr val="accent1"/>
-          </a:fillRef>
-          <a:effectRef idx="0">
-            <a:schemeClr val="accent1"/>
-          </a:effectRef>
-          <a:fontRef idx="minor">
-            <a:schemeClr val="lt1"/>
-          </a:fontRef>
-        </p:style>
-        <p:txBody>
-          <a:bodyPr rtlCol="0" anchor="ctr"/>
-          <a:lstStyle/>
-          <a:p>
-            <a:pPr algn="ctr"/>
-            <a:endParaRPr lang="ko-KR" altLang="en-US"/>
-          </a:p>
-        </p:txBody>
-      </p:sp>
-      <p:grpSp>
-        <p:nvGrpSpPr>
-          <p:cNvPr id="21" name="그룹 20">
-            <a:extLst>
-              <a:ext uri="{FF2B5EF4-FFF2-40B4-BE49-F238E27FC236}">
-                <a16:creationId xmlns:a16="http://schemas.microsoft.com/office/drawing/2014/main" id="{F068CBFA-D385-373D-11DE-AF6FD0AE4425}"/>
-              </a:ext>
-            </a:extLst>
-          </p:cNvPr>
-          <p:cNvGrpSpPr/>
-          <p:nvPr/>
-        </p:nvGrpSpPr>
-        <p:grpSpPr>
-          <a:xfrm>
-            <a:off x="4922521" y="3503618"/>
-            <a:ext cx="1832196" cy="855022"/>
-            <a:chOff x="2200696" y="4375677"/>
-            <a:chExt cx="764757" cy="356885"/>
-          </a:xfrm>
-        </p:grpSpPr>
-        <p:sp>
-          <p:nvSpPr>
-            <p:cNvPr id="22" name="직사각형 21">
-              <a:extLst>
-                <a:ext uri="{FF2B5EF4-FFF2-40B4-BE49-F238E27FC236}">
-                  <a16:creationId xmlns:a16="http://schemas.microsoft.com/office/drawing/2014/main" id="{6B452411-D1DD-6AB2-6640-56A37F8D377A}"/>
-                </a:ext>
-              </a:extLst>
-            </p:cNvPr>
-            <p:cNvSpPr/>
-            <p:nvPr/>
-          </p:nvSpPr>
-          <p:spPr>
-            <a:xfrm>
-              <a:off x="2609050" y="4375677"/>
-              <a:ext cx="356400" cy="356885"/>
-            </a:xfrm>
-            <a:prstGeom prst="rect">
-              <a:avLst/>
-            </a:prstGeom>
-            <a:solidFill>
-              <a:srgbClr val="EA473B"/>
-            </a:solidFill>
-            <a:ln>
-              <a:noFill/>
-            </a:ln>
-          </p:spPr>
-          <p:style>
-            <a:lnRef idx="2">
-              <a:schemeClr val="accent1">
-                <a:shade val="50000"/>
-              </a:schemeClr>
-            </a:lnRef>
-            <a:fillRef idx="1">
-              <a:schemeClr val="accent1"/>
-            </a:fillRef>
-            <a:effectRef idx="0">
-              <a:schemeClr val="accent1"/>
-            </a:effectRef>
-            <a:fontRef idx="minor">
-              <a:schemeClr val="lt1"/>
-            </a:fontRef>
-          </p:style>
-          <p:txBody>
-            <a:bodyPr rtlCol="0" anchor="ctr"/>
-            <a:lstStyle/>
-            <a:p>
-              <a:pPr algn="ctr"/>
-              <a:r>
-                <a:rPr lang="en-US" altLang="ko-KR" sz="3200" dirty="0">
-                  <a:latin typeface="이사만루체 Bold" panose="00000800000000000000" pitchFamily="2" charset="-127"/>
-                  <a:ea typeface="이사만루체 Bold" panose="00000800000000000000" pitchFamily="2" charset="-127"/>
-                </a:rPr>
-                <a:t>1</a:t>
-              </a:r>
-              <a:endParaRPr lang="ko-KR" altLang="en-US" sz="3200" dirty="0">
-                <a:latin typeface="이사만루체 Bold" panose="00000800000000000000" pitchFamily="2" charset="-127"/>
-                <a:ea typeface="이사만루체 Bold" panose="00000800000000000000" pitchFamily="2" charset="-127"/>
-              </a:endParaRPr>
-            </a:p>
-          </p:txBody>
-        </p:sp>
-        <p:sp>
-          <p:nvSpPr>
-            <p:cNvPr id="26" name="직사각형 25">
-              <a:extLst>
-                <a:ext uri="{FF2B5EF4-FFF2-40B4-BE49-F238E27FC236}">
-                  <a16:creationId xmlns:a16="http://schemas.microsoft.com/office/drawing/2014/main" id="{1A2223AA-260B-91C5-F215-2C4DFF00276B}"/>
-                </a:ext>
-              </a:extLst>
-            </p:cNvPr>
-            <p:cNvSpPr/>
-            <p:nvPr/>
-          </p:nvSpPr>
-          <p:spPr>
-            <a:xfrm>
-              <a:off x="2200696" y="4375677"/>
-              <a:ext cx="764757" cy="356885"/>
-            </a:xfrm>
-            <a:prstGeom prst="rect">
-              <a:avLst/>
-            </a:prstGeom>
-            <a:noFill/>
-            <a:ln>
-              <a:solidFill>
-                <a:srgbClr val="EA473B"/>
-              </a:solidFill>
-            </a:ln>
-          </p:spPr>
-          <p:style>
-            <a:lnRef idx="2">
-              <a:schemeClr val="accent1">
-                <a:shade val="50000"/>
-              </a:schemeClr>
-            </a:lnRef>
-            <a:fillRef idx="1">
-              <a:schemeClr val="accent1"/>
-            </a:fillRef>
-            <a:effectRef idx="0">
-              <a:schemeClr val="accent1"/>
-            </a:effectRef>
-            <a:fontRef idx="minor">
-              <a:schemeClr val="lt1"/>
-            </a:fontRef>
-          </p:style>
-          <p:txBody>
-            <a:bodyPr rtlCol="0" anchor="ctr"/>
-            <a:lstStyle/>
-            <a:p>
-              <a:pPr algn="ctr"/>
-              <a:endParaRPr lang="ko-KR" altLang="en-US" dirty="0"/>
-            </a:p>
-          </p:txBody>
-        </p:sp>
-      </p:grpSp>
-      <p:sp>
-        <p:nvSpPr>
-          <p:cNvPr id="31" name="TextBox 30">
-            <a:extLst>
-              <a:ext uri="{FF2B5EF4-FFF2-40B4-BE49-F238E27FC236}">
-                <a16:creationId xmlns:a16="http://schemas.microsoft.com/office/drawing/2014/main" id="{161B6032-3040-5C51-4CA5-0020789C12C7}"/>
-              </a:ext>
-            </a:extLst>
-          </p:cNvPr>
-          <p:cNvSpPr txBox="1"/>
-          <p:nvPr/>
-        </p:nvSpPr>
-        <p:spPr>
-          <a:xfrm>
-            <a:off x="1680310" y="4636584"/>
-            <a:ext cx="4415690" cy="1542282"/>
-          </a:xfrm>
-          <a:prstGeom prst="rect">
-            <a:avLst/>
-          </a:prstGeom>
-          <a:noFill/>
-        </p:spPr>
-        <p:txBody>
-          <a:bodyPr wrap="square" rtlCol="0">
-            <a:spAutoFit/>
-          </a:bodyPr>
-          <a:lstStyle/>
-          <a:p>
-            <a:pPr>
-              <a:lnSpc>
-                <a:spcPct val="150000"/>
-              </a:lnSpc>
-            </a:pPr>
-            <a:r>
-              <a:rPr lang="en-US" altLang="ko-KR" dirty="0">
-                <a:solidFill>
-                  <a:schemeClr val="bg1"/>
-                </a:solidFill>
-                <a:latin typeface="넥슨Lv2고딕 Medium" panose="00000600000000000000" pitchFamily="2" charset="-127"/>
-                <a:ea typeface="넥슨Lv2고딕 Medium" panose="00000600000000000000" pitchFamily="2" charset="-127"/>
-              </a:rPr>
-              <a:t>2. </a:t>
-            </a:r>
-            <a:r>
-              <a:rPr lang="ko-KR" altLang="en-US" dirty="0">
-                <a:solidFill>
-                  <a:schemeClr val="bg1"/>
-                </a:solidFill>
-                <a:latin typeface="넥슨Lv2고딕 Medium" panose="00000600000000000000" pitchFamily="2" charset="-127"/>
-                <a:ea typeface="넥슨Lv2고딕 Medium" panose="00000600000000000000" pitchFamily="2" charset="-127"/>
-              </a:rPr>
-              <a:t>구매 버튼</a:t>
-            </a:r>
-            <a:endParaRPr lang="en-US" altLang="ko-KR" dirty="0">
-              <a:solidFill>
-                <a:schemeClr val="bg1"/>
-              </a:solidFill>
-              <a:latin typeface="넥슨Lv2고딕 Medium" panose="00000600000000000000" pitchFamily="2" charset="-127"/>
-              <a:ea typeface="넥슨Lv2고딕 Medium" panose="00000600000000000000" pitchFamily="2" charset="-127"/>
-            </a:endParaRPr>
-          </a:p>
-          <a:p>
-            <a:pPr>
-              <a:lnSpc>
-                <a:spcPct val="150000"/>
-              </a:lnSpc>
-            </a:pPr>
-            <a:r>
-              <a:rPr lang="ko-KR" altLang="en-US" sz="1600" dirty="0">
-                <a:solidFill>
-                  <a:schemeClr val="bg1"/>
-                </a:solidFill>
-                <a:latin typeface="넥슨Lv2고딕 Light" panose="00000300000000000000" pitchFamily="2" charset="-127"/>
-                <a:ea typeface="넥슨Lv2고딕 Light" panose="00000300000000000000" pitchFamily="2" charset="-127"/>
-              </a:rPr>
-              <a:t>터치 시 비용지불 하며 보상을 받는다</a:t>
-            </a:r>
-            <a:endParaRPr lang="en-US" altLang="ko-KR" sz="1600" dirty="0">
-              <a:solidFill>
-                <a:schemeClr val="bg1"/>
-              </a:solidFill>
-              <a:latin typeface="넥슨Lv2고딕 Light" panose="00000300000000000000" pitchFamily="2" charset="-127"/>
-              <a:ea typeface="넥슨Lv2고딕 Light" panose="00000300000000000000" pitchFamily="2" charset="-127"/>
-            </a:endParaRPr>
-          </a:p>
-          <a:p>
-            <a:pPr>
-              <a:lnSpc>
-                <a:spcPct val="150000"/>
-              </a:lnSpc>
-            </a:pPr>
-            <a:endParaRPr lang="en-US" altLang="ko-KR" sz="1600" dirty="0">
-              <a:solidFill>
-                <a:schemeClr val="bg1"/>
-              </a:solidFill>
-              <a:latin typeface="넥슨Lv2고딕 Light" panose="00000300000000000000" pitchFamily="2" charset="-127"/>
-              <a:ea typeface="넥슨Lv2고딕 Light" panose="00000300000000000000" pitchFamily="2" charset="-127"/>
-            </a:endParaRPr>
-          </a:p>
-          <a:p>
-            <a:pPr algn="r">
-              <a:lnSpc>
-                <a:spcPct val="150000"/>
-              </a:lnSpc>
-            </a:pPr>
-            <a:r>
-              <a:rPr lang="ko-KR" altLang="en-US" sz="1200" dirty="0">
-                <a:solidFill>
-                  <a:srgbClr val="E8E8E8"/>
-                </a:solidFill>
-                <a:latin typeface="넥슨Lv2고딕 Light" panose="00000300000000000000" pitchFamily="2" charset="-127"/>
-                <a:ea typeface="넥슨Lv2고딕 Light" panose="00000300000000000000" pitchFamily="2" charset="-127"/>
-              </a:rPr>
-              <a:t>비용지불</a:t>
-            </a:r>
-            <a:r>
-              <a:rPr lang="en-US" altLang="ko-KR" sz="1200" dirty="0">
-                <a:solidFill>
-                  <a:srgbClr val="E8E8E8"/>
-                </a:solidFill>
-                <a:latin typeface="넥슨Lv2고딕 Light" panose="00000300000000000000" pitchFamily="2" charset="-127"/>
-                <a:ea typeface="넥슨Lv2고딕 Light" panose="00000300000000000000" pitchFamily="2" charset="-127"/>
-              </a:rPr>
-              <a:t> (ex: </a:t>
-            </a:r>
-            <a:r>
-              <a:rPr lang="ko-KR" altLang="en-US" sz="1200" dirty="0">
-                <a:solidFill>
-                  <a:srgbClr val="E8E8E8"/>
-                </a:solidFill>
-                <a:latin typeface="넥슨Lv2고딕 Light" panose="00000300000000000000" pitchFamily="2" charset="-127"/>
-                <a:ea typeface="넥슨Lv2고딕 Light" panose="00000300000000000000" pitchFamily="2" charset="-127"/>
-              </a:rPr>
-              <a:t>광고</a:t>
-            </a:r>
-            <a:r>
-              <a:rPr lang="en-US" altLang="ko-KR" sz="1200" dirty="0">
-                <a:solidFill>
-                  <a:srgbClr val="E8E8E8"/>
-                </a:solidFill>
-                <a:latin typeface="넥슨Lv2고딕 Light" panose="00000300000000000000" pitchFamily="2" charset="-127"/>
-                <a:ea typeface="넥슨Lv2고딕 Light" panose="00000300000000000000" pitchFamily="2" charset="-127"/>
-              </a:rPr>
-              <a:t>, </a:t>
-            </a:r>
-            <a:r>
-              <a:rPr lang="ko-KR" altLang="en-US" sz="1200" dirty="0">
-                <a:solidFill>
-                  <a:srgbClr val="E8E8E8"/>
-                </a:solidFill>
-                <a:latin typeface="넥슨Lv2고딕 Light" panose="00000300000000000000" pitchFamily="2" charset="-127"/>
-                <a:ea typeface="넥슨Lv2고딕 Light" panose="00000300000000000000" pitchFamily="2" charset="-127"/>
-              </a:rPr>
-              <a:t>결제</a:t>
-            </a:r>
-            <a:r>
-              <a:rPr lang="en-US" altLang="ko-KR" sz="1200" dirty="0">
-                <a:solidFill>
-                  <a:srgbClr val="E8E8E8"/>
-                </a:solidFill>
-                <a:latin typeface="넥슨Lv2고딕 Light" panose="00000300000000000000" pitchFamily="2" charset="-127"/>
-                <a:ea typeface="넥슨Lv2고딕 Light" panose="00000300000000000000" pitchFamily="2" charset="-127"/>
-              </a:rPr>
-              <a:t>)</a:t>
-            </a:r>
-          </a:p>
-        </p:txBody>
-      </p:sp>
-      <p:sp>
-        <p:nvSpPr>
-          <p:cNvPr id="19" name="TextBox 18">
-            <a:extLst>
-              <a:ext uri="{FF2B5EF4-FFF2-40B4-BE49-F238E27FC236}">
-                <a16:creationId xmlns:a16="http://schemas.microsoft.com/office/drawing/2014/main" id="{5316A27D-F818-472F-350E-CD328A0375DC}"/>
-              </a:ext>
-            </a:extLst>
-          </p:cNvPr>
-          <p:cNvSpPr txBox="1"/>
-          <p:nvPr/>
-        </p:nvSpPr>
-        <p:spPr>
-          <a:xfrm>
-            <a:off x="1680310" y="2074745"/>
-            <a:ext cx="4415690" cy="799706"/>
-          </a:xfrm>
-          <a:prstGeom prst="rect">
-            <a:avLst/>
-          </a:prstGeom>
-          <a:noFill/>
-        </p:spPr>
-        <p:txBody>
-          <a:bodyPr wrap="square" rtlCol="0">
-            <a:spAutoFit/>
-          </a:bodyPr>
-          <a:lstStyle/>
-          <a:p>
-            <a:pPr>
-              <a:lnSpc>
-                <a:spcPct val="150000"/>
-              </a:lnSpc>
-            </a:pPr>
-            <a:r>
-              <a:rPr lang="ko-KR" altLang="en-US" sz="1600" dirty="0">
-                <a:solidFill>
-                  <a:schemeClr val="bg1"/>
-                </a:solidFill>
-                <a:latin typeface="넥슨Lv2고딕 Light" panose="00000300000000000000" pitchFamily="2" charset="-127"/>
-                <a:ea typeface="넥슨Lv2고딕 Light" panose="00000300000000000000" pitchFamily="2" charset="-127"/>
-              </a:rPr>
-              <a:t>보상형 광고를 통해 재화를</a:t>
-            </a:r>
-            <a:endParaRPr lang="en-US" altLang="ko-KR" sz="1600" dirty="0">
-              <a:solidFill>
-                <a:schemeClr val="bg1"/>
-              </a:solidFill>
-              <a:latin typeface="넥슨Lv2고딕 Light" panose="00000300000000000000" pitchFamily="2" charset="-127"/>
-              <a:ea typeface="넥슨Lv2고딕 Light" panose="00000300000000000000" pitchFamily="2" charset="-127"/>
-            </a:endParaRPr>
-          </a:p>
-          <a:p>
-            <a:pPr>
-              <a:lnSpc>
-                <a:spcPct val="150000"/>
-              </a:lnSpc>
-            </a:pPr>
-            <a:r>
-              <a:rPr lang="ko-KR" altLang="en-US" sz="1600" dirty="0">
-                <a:solidFill>
-                  <a:schemeClr val="bg1"/>
-                </a:solidFill>
-                <a:latin typeface="넥슨Lv2고딕 Light" panose="00000300000000000000" pitchFamily="2" charset="-127"/>
-                <a:ea typeface="넥슨Lv2고딕 Light" panose="00000300000000000000" pitchFamily="2" charset="-127"/>
-              </a:rPr>
-              <a:t>수급할 수 있는</a:t>
-            </a:r>
-            <a:r>
-              <a:rPr lang="en-US" altLang="ko-KR" sz="1600" dirty="0">
-                <a:solidFill>
-                  <a:schemeClr val="bg1"/>
-                </a:solidFill>
-                <a:latin typeface="넥슨Lv2고딕 Light" panose="00000300000000000000" pitchFamily="2" charset="-127"/>
-                <a:ea typeface="넥슨Lv2고딕 Light" panose="00000300000000000000" pitchFamily="2" charset="-127"/>
-              </a:rPr>
-              <a:t> </a:t>
-            </a:r>
-            <a:r>
-              <a:rPr lang="ko-KR" altLang="en-US" sz="1600" dirty="0">
-                <a:solidFill>
-                  <a:schemeClr val="bg1"/>
-                </a:solidFill>
-                <a:latin typeface="넥슨Lv2고딕 Light" panose="00000300000000000000" pitchFamily="2" charset="-127"/>
-                <a:ea typeface="넥슨Lv2고딕 Light" panose="00000300000000000000" pitchFamily="2" charset="-127"/>
-              </a:rPr>
-              <a:t>상점입니다</a:t>
-            </a:r>
-            <a:r>
-              <a:rPr lang="en-US" altLang="ko-KR" sz="1600" dirty="0">
-                <a:solidFill>
-                  <a:schemeClr val="bg1"/>
-                </a:solidFill>
-                <a:latin typeface="넥슨Lv2고딕 Light" panose="00000300000000000000" pitchFamily="2" charset="-127"/>
-                <a:ea typeface="넥슨Lv2고딕 Light" panose="00000300000000000000" pitchFamily="2" charset="-127"/>
-              </a:rPr>
-              <a:t>.</a:t>
-            </a:r>
-            <a:endParaRPr lang="ko-KR" altLang="en-US" sz="1600" dirty="0">
-              <a:solidFill>
-                <a:schemeClr val="bg1"/>
-              </a:solidFill>
-              <a:latin typeface="넥슨Lv2고딕 Light" panose="00000300000000000000" pitchFamily="2" charset="-127"/>
-              <a:ea typeface="넥슨Lv2고딕 Light" panose="00000300000000000000" pitchFamily="2" charset="-127"/>
-            </a:endParaRPr>
-          </a:p>
-        </p:txBody>
-      </p:sp>
-      <p:sp>
-        <p:nvSpPr>
-          <p:cNvPr id="18" name="TextBox 17">
-            <a:extLst>
-              <a:ext uri="{FF2B5EF4-FFF2-40B4-BE49-F238E27FC236}">
-                <a16:creationId xmlns:a16="http://schemas.microsoft.com/office/drawing/2014/main" id="{CAA65224-9A99-13A9-B5C7-C87E06652DA5}"/>
-              </a:ext>
-            </a:extLst>
-          </p:cNvPr>
-          <p:cNvSpPr txBox="1"/>
-          <p:nvPr/>
-        </p:nvSpPr>
-        <p:spPr>
-          <a:xfrm>
-            <a:off x="1680310" y="3429000"/>
-            <a:ext cx="4415690" cy="1215204"/>
-          </a:xfrm>
-          <a:prstGeom prst="rect">
-            <a:avLst/>
-          </a:prstGeom>
-          <a:noFill/>
-        </p:spPr>
-        <p:txBody>
-          <a:bodyPr wrap="square" rtlCol="0">
-            <a:spAutoFit/>
-          </a:bodyPr>
-          <a:lstStyle/>
-          <a:p>
-            <a:pPr>
-              <a:lnSpc>
-                <a:spcPct val="150000"/>
-              </a:lnSpc>
-            </a:pPr>
-            <a:r>
-              <a:rPr lang="en-US" altLang="ko-KR" dirty="0">
-                <a:solidFill>
-                  <a:schemeClr val="bg1"/>
-                </a:solidFill>
-                <a:latin typeface="넥슨Lv2고딕 Medium" panose="00000600000000000000" pitchFamily="2" charset="-127"/>
-                <a:ea typeface="넥슨Lv2고딕 Medium" panose="00000600000000000000" pitchFamily="2" charset="-127"/>
-              </a:rPr>
-              <a:t>1. </a:t>
-            </a:r>
-            <a:r>
-              <a:rPr lang="ko-KR" altLang="en-US" dirty="0">
-                <a:solidFill>
-                  <a:schemeClr val="bg1"/>
-                </a:solidFill>
-                <a:latin typeface="넥슨Lv2고딕 Medium" panose="00000600000000000000" pitchFamily="2" charset="-127"/>
-                <a:ea typeface="넥슨Lv2고딕 Medium" panose="00000600000000000000" pitchFamily="2" charset="-127"/>
-              </a:rPr>
-              <a:t>상품 정보</a:t>
-            </a:r>
-            <a:endParaRPr lang="en-US" altLang="ko-KR" dirty="0">
-              <a:solidFill>
-                <a:schemeClr val="bg1"/>
-              </a:solidFill>
-              <a:latin typeface="넥슨Lv2고딕 Medium" panose="00000600000000000000" pitchFamily="2" charset="-127"/>
-              <a:ea typeface="넥슨Lv2고딕 Medium" panose="00000600000000000000" pitchFamily="2" charset="-127"/>
-            </a:endParaRPr>
-          </a:p>
-          <a:p>
-            <a:pPr>
-              <a:lnSpc>
-                <a:spcPct val="150000"/>
-              </a:lnSpc>
-            </a:pPr>
-            <a:r>
-              <a:rPr lang="ko-KR" altLang="en-US" sz="1600" dirty="0">
-                <a:solidFill>
-                  <a:schemeClr val="bg1"/>
-                </a:solidFill>
-                <a:latin typeface="넥슨Lv2고딕 Light" panose="00000300000000000000" pitchFamily="2" charset="-127"/>
-                <a:ea typeface="넥슨Lv2고딕 Light" panose="00000300000000000000" pitchFamily="2" charset="-127"/>
-              </a:rPr>
-              <a:t>상품의 이름과 이미지를</a:t>
-            </a:r>
-            <a:endParaRPr lang="en-US" altLang="ko-KR" sz="1600" dirty="0">
-              <a:solidFill>
-                <a:schemeClr val="bg1"/>
-              </a:solidFill>
-              <a:latin typeface="넥슨Lv2고딕 Light" panose="00000300000000000000" pitchFamily="2" charset="-127"/>
-              <a:ea typeface="넥슨Lv2고딕 Light" panose="00000300000000000000" pitchFamily="2" charset="-127"/>
-            </a:endParaRPr>
-          </a:p>
-          <a:p>
-            <a:pPr>
-              <a:lnSpc>
-                <a:spcPct val="150000"/>
-              </a:lnSpc>
-            </a:pPr>
-            <a:r>
-              <a:rPr lang="ko-KR" altLang="en-US" sz="1600" dirty="0">
-                <a:solidFill>
-                  <a:schemeClr val="bg1"/>
-                </a:solidFill>
-                <a:latin typeface="넥슨Lv2고딕 Light" panose="00000300000000000000" pitchFamily="2" charset="-127"/>
-                <a:ea typeface="넥슨Lv2고딕 Light" panose="00000300000000000000" pitchFamily="2" charset="-127"/>
-              </a:rPr>
-              <a:t>출력한다</a:t>
-            </a:r>
-            <a:endParaRPr lang="en-US" altLang="ko-KR" sz="1600" dirty="0">
-              <a:solidFill>
-                <a:schemeClr val="bg1"/>
-              </a:solidFill>
-              <a:latin typeface="넥슨Lv2고딕 Light" panose="00000300000000000000" pitchFamily="2" charset="-127"/>
-              <a:ea typeface="넥슨Lv2고딕 Light" panose="00000300000000000000" pitchFamily="2" charset="-127"/>
-            </a:endParaRPr>
-          </a:p>
-        </p:txBody>
-      </p:sp>
-      <p:grpSp>
-        <p:nvGrpSpPr>
-          <p:cNvPr id="35" name="그룹 34">
-            <a:extLst>
-              <a:ext uri="{FF2B5EF4-FFF2-40B4-BE49-F238E27FC236}">
-                <a16:creationId xmlns:a16="http://schemas.microsoft.com/office/drawing/2014/main" id="{E61D5C79-CDDF-8376-6DCF-F1B7A42F93A9}"/>
-              </a:ext>
-            </a:extLst>
-          </p:cNvPr>
-          <p:cNvGrpSpPr/>
-          <p:nvPr/>
-        </p:nvGrpSpPr>
-        <p:grpSpPr>
-          <a:xfrm>
-            <a:off x="4922521" y="4399258"/>
-            <a:ext cx="1516379" cy="501394"/>
-            <a:chOff x="1886115" y="4375677"/>
-            <a:chExt cx="1079338" cy="356885"/>
-          </a:xfrm>
-        </p:grpSpPr>
-        <p:sp>
-          <p:nvSpPr>
-            <p:cNvPr id="36" name="직사각형 35">
-              <a:extLst>
-                <a:ext uri="{FF2B5EF4-FFF2-40B4-BE49-F238E27FC236}">
-                  <a16:creationId xmlns:a16="http://schemas.microsoft.com/office/drawing/2014/main" id="{9E2C2D94-89F1-DF7D-1F08-BE077CC992F5}"/>
-                </a:ext>
-              </a:extLst>
-            </p:cNvPr>
-            <p:cNvSpPr/>
-            <p:nvPr/>
-          </p:nvSpPr>
-          <p:spPr>
-            <a:xfrm>
-              <a:off x="2609050" y="4375677"/>
-              <a:ext cx="356400" cy="356885"/>
-            </a:xfrm>
-            <a:prstGeom prst="rect">
-              <a:avLst/>
-            </a:prstGeom>
-            <a:solidFill>
-              <a:srgbClr val="EA473B"/>
-            </a:solidFill>
-            <a:ln>
-              <a:noFill/>
-            </a:ln>
-          </p:spPr>
-          <p:style>
-            <a:lnRef idx="2">
-              <a:schemeClr val="accent1">
-                <a:shade val="50000"/>
-              </a:schemeClr>
-            </a:lnRef>
-            <a:fillRef idx="1">
-              <a:schemeClr val="accent1"/>
-            </a:fillRef>
-            <a:effectRef idx="0">
-              <a:schemeClr val="accent1"/>
-            </a:effectRef>
-            <a:fontRef idx="minor">
-              <a:schemeClr val="lt1"/>
-            </a:fontRef>
-          </p:style>
-          <p:txBody>
-            <a:bodyPr rtlCol="0" anchor="ctr"/>
-            <a:lstStyle/>
-            <a:p>
-              <a:pPr algn="ctr"/>
-              <a:r>
-                <a:rPr lang="en-US" altLang="ko-KR" sz="3200" dirty="0">
-                  <a:latin typeface="이사만루체 Bold" panose="00000800000000000000" pitchFamily="2" charset="-127"/>
-                  <a:ea typeface="이사만루체 Bold" panose="00000800000000000000" pitchFamily="2" charset="-127"/>
-                </a:rPr>
-                <a:t>2</a:t>
-              </a:r>
-              <a:endParaRPr lang="ko-KR" altLang="en-US" sz="3200" dirty="0">
-                <a:latin typeface="이사만루체 Bold" panose="00000800000000000000" pitchFamily="2" charset="-127"/>
-                <a:ea typeface="이사만루체 Bold" panose="00000800000000000000" pitchFamily="2" charset="-127"/>
-              </a:endParaRPr>
-            </a:p>
-          </p:txBody>
-        </p:sp>
-        <p:sp>
-          <p:nvSpPr>
-            <p:cNvPr id="37" name="직사각형 36">
-              <a:extLst>
-                <a:ext uri="{FF2B5EF4-FFF2-40B4-BE49-F238E27FC236}">
-                  <a16:creationId xmlns:a16="http://schemas.microsoft.com/office/drawing/2014/main" id="{DA7E28F4-02F9-4F93-0272-81918E4EC33D}"/>
-                </a:ext>
-              </a:extLst>
-            </p:cNvPr>
-            <p:cNvSpPr/>
-            <p:nvPr/>
-          </p:nvSpPr>
-          <p:spPr>
-            <a:xfrm>
-              <a:off x="1886115" y="4375677"/>
-              <a:ext cx="1079338" cy="356885"/>
-            </a:xfrm>
-            <a:prstGeom prst="rect">
-              <a:avLst/>
-            </a:prstGeom>
-            <a:noFill/>
-            <a:ln>
-              <a:solidFill>
-                <a:srgbClr val="EA473B"/>
-              </a:solidFill>
-            </a:ln>
-          </p:spPr>
-          <p:style>
-            <a:lnRef idx="2">
-              <a:schemeClr val="accent1">
-                <a:shade val="50000"/>
-              </a:schemeClr>
-            </a:lnRef>
-            <a:fillRef idx="1">
-              <a:schemeClr val="accent1"/>
-            </a:fillRef>
-            <a:effectRef idx="0">
-              <a:schemeClr val="accent1"/>
-            </a:effectRef>
-            <a:fontRef idx="minor">
-              <a:schemeClr val="lt1"/>
-            </a:fontRef>
-          </p:style>
-          <p:txBody>
-            <a:bodyPr rtlCol="0" anchor="ctr"/>
-            <a:lstStyle/>
-            <a:p>
-              <a:pPr algn="ctr"/>
-              <a:endParaRPr lang="ko-KR" altLang="en-US" dirty="0"/>
-            </a:p>
-          </p:txBody>
-        </p:sp>
-      </p:grpSp>
-    </p:spTree>
-    <p:extLst>
-      <p:ext uri="{BB962C8B-B14F-4D97-AF65-F5344CB8AC3E}">
-        <p14:creationId xmlns:p14="http://schemas.microsoft.com/office/powerpoint/2010/main" val="2635600111"/>
-      </p:ext>
-    </p:extLst>
-  </p:cSld>
-  <p:clrMapOvr>
-    <a:masterClrMapping/>
-  </p:clrMapOvr>
-</p:sld>
-</file>
-
-<file path=ppt/slides/slide9.xml><?xml version="1.0" encoding="utf-8"?>
-<p:sld xmlns:a="http://schemas.openxmlformats.org/drawingml/2006/main" xmlns:r="http://schemas.openxmlformats.org/officeDocument/2006/relationships" xmlns:p="http://schemas.openxmlformats.org/presentationml/2006/main">
-  <p:cSld>
-    <p:bg>
-      <p:bgPr>
-        <a:solidFill>
-          <a:srgbClr val="4286F5"/>
-        </a:solidFill>
-        <a:effectLst/>
-      </p:bgPr>
-    </p:bg>
-    <p:spTree>
-      <p:nvGrpSpPr>
-        <p:cNvPr id="1" name=""/>
-        <p:cNvGrpSpPr/>
-        <p:nvPr/>
-      </p:nvGrpSpPr>
-      <p:grpSpPr>
-        <a:xfrm>
-          <a:off x="0" y="0"/>
-          <a:ext cx="0" cy="0"/>
-          <a:chOff x="0" y="0"/>
-          <a:chExt cx="0" cy="0"/>
-        </a:xfrm>
-      </p:grpSpPr>
-      <p:sp>
-        <p:nvSpPr>
-          <p:cNvPr id="15" name="TextBox 14">
-            <a:extLst>
-              <a:ext uri="{FF2B5EF4-FFF2-40B4-BE49-F238E27FC236}">
-                <a16:creationId xmlns:a16="http://schemas.microsoft.com/office/drawing/2014/main" id="{BA04418A-3697-DF14-5B90-D9AC7CE43E2B}"/>
-              </a:ext>
-            </a:extLst>
-          </p:cNvPr>
-          <p:cNvSpPr txBox="1"/>
-          <p:nvPr/>
-        </p:nvSpPr>
-        <p:spPr>
-          <a:xfrm>
-            <a:off x="1680310" y="1469196"/>
-            <a:ext cx="6650890" cy="1200329"/>
-          </a:xfrm>
-          <a:prstGeom prst="rect">
-            <a:avLst/>
-          </a:prstGeom>
-          <a:noFill/>
-        </p:spPr>
-        <p:txBody>
-          <a:bodyPr wrap="square" rtlCol="0">
-            <a:spAutoFit/>
-          </a:bodyPr>
-          <a:lstStyle/>
-          <a:p>
-            <a:r>
-              <a:rPr lang="ko-KR" altLang="en-US" sz="7200" dirty="0">
-                <a:solidFill>
-                  <a:schemeClr val="bg1"/>
-                </a:solidFill>
-                <a:latin typeface="넥슨Lv2고딕 Bold" panose="00000800000000000000" pitchFamily="2" charset="-127"/>
-                <a:ea typeface="넥슨Lv2고딕 Bold" panose="00000800000000000000" pitchFamily="2" charset="-127"/>
-              </a:rPr>
-              <a:t>일정</a:t>
-            </a:r>
-            <a:r>
-              <a:rPr lang="en-US" altLang="ko-KR" sz="7200" dirty="0">
-                <a:solidFill>
-                  <a:schemeClr val="bg1"/>
-                </a:solidFill>
-                <a:latin typeface="넥슨Lv2고딕 Bold" panose="00000800000000000000" pitchFamily="2" charset="-127"/>
-                <a:ea typeface="넥슨Lv2고딕 Bold" panose="00000800000000000000" pitchFamily="2" charset="-127"/>
-              </a:rPr>
-              <a:t>/</a:t>
-            </a:r>
-            <a:r>
-              <a:rPr lang="ko-KR" altLang="en-US" sz="7200" dirty="0">
-                <a:solidFill>
-                  <a:schemeClr val="bg1"/>
-                </a:solidFill>
-                <a:latin typeface="넥슨Lv2고딕 Bold" panose="00000800000000000000" pitchFamily="2" charset="-127"/>
-                <a:ea typeface="넥슨Lv2고딕 Bold" panose="00000800000000000000" pitchFamily="2" charset="-127"/>
-              </a:rPr>
-              <a:t>데이터 관리</a:t>
-            </a:r>
-            <a:endParaRPr lang="en-US" altLang="ko-KR" sz="7200" dirty="0">
-              <a:solidFill>
-                <a:schemeClr val="bg1"/>
-              </a:solidFill>
-              <a:latin typeface="넥슨Lv2고딕 Bold" panose="00000800000000000000" pitchFamily="2" charset="-127"/>
-              <a:ea typeface="넥슨Lv2고딕 Bold" panose="00000800000000000000" pitchFamily="2" charset="-127"/>
-            </a:endParaRPr>
-          </a:p>
-        </p:txBody>
-      </p:sp>
-      <p:sp>
-        <p:nvSpPr>
-          <p:cNvPr id="11" name="TextBox 10">
-            <a:extLst>
-              <a:ext uri="{FF2B5EF4-FFF2-40B4-BE49-F238E27FC236}">
-                <a16:creationId xmlns:a16="http://schemas.microsoft.com/office/drawing/2014/main" id="{E10A1302-F34C-6112-2BB3-EF054A096FF3}"/>
-              </a:ext>
-            </a:extLst>
-          </p:cNvPr>
-          <p:cNvSpPr txBox="1"/>
-          <p:nvPr/>
-        </p:nvSpPr>
-        <p:spPr>
-          <a:xfrm>
-            <a:off x="1657349" y="3143250"/>
-            <a:ext cx="4321175" cy="2245679"/>
-          </a:xfrm>
-          <a:prstGeom prst="rect">
-            <a:avLst/>
-          </a:prstGeom>
-          <a:noFill/>
-        </p:spPr>
-        <p:txBody>
-          <a:bodyPr wrap="square" rtlCol="0">
-            <a:spAutoFit/>
-          </a:bodyPr>
-          <a:lstStyle/>
-          <a:p>
-            <a:pPr>
-              <a:lnSpc>
-                <a:spcPct val="150000"/>
-              </a:lnSpc>
-            </a:pPr>
-            <a:r>
-              <a:rPr lang="ko-KR" altLang="en-US" sz="3200" dirty="0">
-                <a:solidFill>
-                  <a:schemeClr val="bg1"/>
-                </a:solidFill>
-                <a:latin typeface="넥슨Lv2고딕 Light" panose="00000300000000000000" pitchFamily="2" charset="-127"/>
-                <a:ea typeface="넥슨Lv2고딕 Light" panose="00000300000000000000" pitchFamily="2" charset="-127"/>
-              </a:rPr>
-              <a:t>진행 일정</a:t>
-            </a:r>
-            <a:endParaRPr lang="en-US" altLang="ko-KR" sz="3200" dirty="0">
-              <a:solidFill>
-                <a:schemeClr val="bg1"/>
-              </a:solidFill>
-              <a:latin typeface="넥슨Lv2고딕 Light" panose="00000300000000000000" pitchFamily="2" charset="-127"/>
-              <a:ea typeface="넥슨Lv2고딕 Light" panose="00000300000000000000" pitchFamily="2" charset="-127"/>
-            </a:endParaRPr>
-          </a:p>
-          <a:p>
-            <a:pPr>
-              <a:lnSpc>
-                <a:spcPct val="150000"/>
-              </a:lnSpc>
-            </a:pPr>
-            <a:r>
-              <a:rPr lang="ko-KR" altLang="en-US" sz="3200" dirty="0">
-                <a:solidFill>
-                  <a:schemeClr val="bg1"/>
-                </a:solidFill>
-                <a:latin typeface="넥슨Lv2고딕 Light" panose="00000300000000000000" pitchFamily="2" charset="-127"/>
-                <a:ea typeface="넥슨Lv2고딕 Light" panose="00000300000000000000" pitchFamily="2" charset="-127"/>
-              </a:rPr>
-              <a:t>테이블</a:t>
-            </a:r>
-            <a:endParaRPr lang="en-US" altLang="ko-KR" sz="3200" dirty="0">
-              <a:solidFill>
-                <a:schemeClr val="bg1"/>
-              </a:solidFill>
-              <a:latin typeface="넥슨Lv2고딕 Light" panose="00000300000000000000" pitchFamily="2" charset="-127"/>
-              <a:ea typeface="넥슨Lv2고딕 Light" panose="00000300000000000000" pitchFamily="2" charset="-127"/>
-            </a:endParaRPr>
-          </a:p>
-          <a:p>
-            <a:pPr>
-              <a:lnSpc>
-                <a:spcPct val="150000"/>
-              </a:lnSpc>
-            </a:pPr>
-            <a:r>
-              <a:rPr lang="ko-KR" altLang="en-US" sz="3200" dirty="0">
-                <a:solidFill>
-                  <a:schemeClr val="bg1"/>
-                </a:solidFill>
-                <a:latin typeface="넥슨Lv2고딕 Light" panose="00000300000000000000" pitchFamily="2" charset="-127"/>
-                <a:ea typeface="넥슨Lv2고딕 Light" panose="00000300000000000000" pitchFamily="2" charset="-127"/>
-              </a:rPr>
-              <a:t>자동화</a:t>
-            </a:r>
-            <a:endParaRPr lang="en-US" altLang="ko-KR" sz="3200" dirty="0">
-              <a:solidFill>
-                <a:schemeClr val="bg1"/>
-              </a:solidFill>
-              <a:latin typeface="넥슨Lv2고딕 Light" panose="00000300000000000000" pitchFamily="2" charset="-127"/>
-              <a:ea typeface="넥슨Lv2고딕 Light" panose="00000300000000000000" pitchFamily="2" charset="-127"/>
-            </a:endParaRPr>
-          </a:p>
-        </p:txBody>
-      </p:sp>
-    </p:spTree>
-    <p:extLst>
-      <p:ext uri="{BB962C8B-B14F-4D97-AF65-F5344CB8AC3E}">
-        <p14:creationId xmlns:p14="http://schemas.microsoft.com/office/powerpoint/2010/main" val="629749907"/>
       </p:ext>
     </p:extLst>
   </p:cSld>
@@ -15808,7 +17805,49 @@
       </a:bgFillStyleLst>
     </a:fmtScheme>
   </a:themeElements>
-  <a:objectDefaults/>
+  <a:objectDefaults>
+    <a:spDef>
+      <a:spPr>
+        <a:solidFill>
+          <a:srgbClr val="E8E8E8"/>
+        </a:solidFill>
+        <a:ln>
+          <a:noFill/>
+        </a:ln>
+      </a:spPr>
+      <a:bodyPr rtlCol="0" anchor="ctr"/>
+      <a:lstStyle>
+        <a:defPPr algn="ctr">
+          <a:defRPr sz="1200" dirty="0" smtClean="0">
+            <a:solidFill>
+              <a:schemeClr val="tx1">
+                <a:lumMod val="95000"/>
+                <a:lumOff val="5000"/>
+              </a:schemeClr>
+            </a:solidFill>
+            <a:latin typeface="넥슨Lv2고딕 Medium" panose="00000600000000000000" pitchFamily="2" charset="-127"/>
+            <a:ea typeface="넥슨Lv2고딕 Medium" panose="00000600000000000000" pitchFamily="2" charset="-127"/>
+          </a:defRPr>
+        </a:defPPr>
+      </a:lstStyle>
+      <a:style>
+        <a:lnRef idx="2">
+          <a:schemeClr val="accent1">
+            <a:shade val="50000"/>
+          </a:schemeClr>
+        </a:lnRef>
+        <a:fillRef idx="1">
+          <a:schemeClr val="accent1"/>
+        </a:fillRef>
+        <a:effectRef idx="0">
+          <a:schemeClr val="accent1"/>
+        </a:effectRef>
+        <a:fontRef idx="minor">
+          <a:schemeClr val="lt1"/>
+        </a:fontRef>
+      </a:style>
+    </a:spDef>
+  </a:objectDefaults>
   <a:extraClrSchemeLst/>
   <a:extLst>
     <a:ext uri="{05A4C25C-085E-4340-85A3-A5531E510DB2}">

--- a/Documents/TabHero.pptx
+++ b/Documents/TabHero.pptx
@@ -16,24 +16,25 @@
     <p:sldId id="262" r:id="rId10"/>
     <p:sldId id="263" r:id="rId11"/>
     <p:sldId id="264" r:id="rId12"/>
-    <p:sldId id="265" r:id="rId13"/>
-    <p:sldId id="266" r:id="rId14"/>
-    <p:sldId id="267" r:id="rId15"/>
-    <p:sldId id="268" r:id="rId16"/>
-    <p:sldId id="269" r:id="rId17"/>
-    <p:sldId id="282" r:id="rId18"/>
-    <p:sldId id="270" r:id="rId19"/>
-    <p:sldId id="271" r:id="rId20"/>
-    <p:sldId id="272" r:id="rId21"/>
-    <p:sldId id="273" r:id="rId22"/>
-    <p:sldId id="281" r:id="rId23"/>
-    <p:sldId id="274" r:id="rId24"/>
-    <p:sldId id="278" r:id="rId25"/>
-    <p:sldId id="276" r:id="rId26"/>
-    <p:sldId id="277" r:id="rId27"/>
-    <p:sldId id="275" r:id="rId28"/>
-    <p:sldId id="279" r:id="rId29"/>
-    <p:sldId id="280" r:id="rId30"/>
+    <p:sldId id="285" r:id="rId13"/>
+    <p:sldId id="265" r:id="rId14"/>
+    <p:sldId id="266" r:id="rId15"/>
+    <p:sldId id="267" r:id="rId16"/>
+    <p:sldId id="268" r:id="rId17"/>
+    <p:sldId id="269" r:id="rId18"/>
+    <p:sldId id="282" r:id="rId19"/>
+    <p:sldId id="270" r:id="rId20"/>
+    <p:sldId id="271" r:id="rId21"/>
+    <p:sldId id="272" r:id="rId22"/>
+    <p:sldId id="273" r:id="rId23"/>
+    <p:sldId id="281" r:id="rId24"/>
+    <p:sldId id="274" r:id="rId25"/>
+    <p:sldId id="278" r:id="rId26"/>
+    <p:sldId id="276" r:id="rId27"/>
+    <p:sldId id="277" r:id="rId28"/>
+    <p:sldId id="275" r:id="rId29"/>
+    <p:sldId id="279" r:id="rId30"/>
+    <p:sldId id="280" r:id="rId31"/>
   </p:sldIdLst>
   <p:sldSz cx="12192000" cy="6858000"/>
   <p:notesSz cx="6858000" cy="9144000"/>
@@ -778,7 +779,7 @@
           <a:p>
             <a:fld id="{02C1E7B6-AAC5-4D87-B0BB-B467B133FA42}" type="datetimeFigureOut">
               <a:rPr lang="ko-KR" altLang="en-US" smtClean="0"/>
-              <a:t>2022-07-01</a:t>
+              <a:t>2022-07-02</a:t>
             </a:fld>
             <a:endParaRPr lang="ko-KR" altLang="en-US"/>
           </a:p>
@@ -976,7 +977,7 @@
           <a:p>
             <a:fld id="{02C1E7B6-AAC5-4D87-B0BB-B467B133FA42}" type="datetimeFigureOut">
               <a:rPr lang="ko-KR" altLang="en-US" smtClean="0"/>
-              <a:t>2022-07-01</a:t>
+              <a:t>2022-07-02</a:t>
             </a:fld>
             <a:endParaRPr lang="ko-KR" altLang="en-US"/>
           </a:p>
@@ -1184,7 +1185,7 @@
           <a:p>
             <a:fld id="{02C1E7B6-AAC5-4D87-B0BB-B467B133FA42}" type="datetimeFigureOut">
               <a:rPr lang="ko-KR" altLang="en-US" smtClean="0"/>
-              <a:t>2022-07-01</a:t>
+              <a:t>2022-07-02</a:t>
             </a:fld>
             <a:endParaRPr lang="ko-KR" altLang="en-US"/>
           </a:p>
@@ -1382,7 +1383,7 @@
           <a:p>
             <a:fld id="{02C1E7B6-AAC5-4D87-B0BB-B467B133FA42}" type="datetimeFigureOut">
               <a:rPr lang="ko-KR" altLang="en-US" smtClean="0"/>
-              <a:t>2022-07-01</a:t>
+              <a:t>2022-07-02</a:t>
             </a:fld>
             <a:endParaRPr lang="ko-KR" altLang="en-US"/>
           </a:p>
@@ -1657,7 +1658,7 @@
           <a:p>
             <a:fld id="{02C1E7B6-AAC5-4D87-B0BB-B467B133FA42}" type="datetimeFigureOut">
               <a:rPr lang="ko-KR" altLang="en-US" smtClean="0"/>
-              <a:t>2022-07-01</a:t>
+              <a:t>2022-07-02</a:t>
             </a:fld>
             <a:endParaRPr lang="ko-KR" altLang="en-US"/>
           </a:p>
@@ -1922,7 +1923,7 @@
           <a:p>
             <a:fld id="{02C1E7B6-AAC5-4D87-B0BB-B467B133FA42}" type="datetimeFigureOut">
               <a:rPr lang="ko-KR" altLang="en-US" smtClean="0"/>
-              <a:t>2022-07-01</a:t>
+              <a:t>2022-07-02</a:t>
             </a:fld>
             <a:endParaRPr lang="ko-KR" altLang="en-US"/>
           </a:p>
@@ -2334,7 +2335,7 @@
           <a:p>
             <a:fld id="{02C1E7B6-AAC5-4D87-B0BB-B467B133FA42}" type="datetimeFigureOut">
               <a:rPr lang="ko-KR" altLang="en-US" smtClean="0"/>
-              <a:t>2022-07-01</a:t>
+              <a:t>2022-07-02</a:t>
             </a:fld>
             <a:endParaRPr lang="ko-KR" altLang="en-US"/>
           </a:p>
@@ -2475,7 +2476,7 @@
           <a:p>
             <a:fld id="{02C1E7B6-AAC5-4D87-B0BB-B467B133FA42}" type="datetimeFigureOut">
               <a:rPr lang="ko-KR" altLang="en-US" smtClean="0"/>
-              <a:t>2022-07-01</a:t>
+              <a:t>2022-07-02</a:t>
             </a:fld>
             <a:endParaRPr lang="ko-KR" altLang="en-US"/>
           </a:p>
@@ -2588,7 +2589,7 @@
           <a:p>
             <a:fld id="{02C1E7B6-AAC5-4D87-B0BB-B467B133FA42}" type="datetimeFigureOut">
               <a:rPr lang="ko-KR" altLang="en-US" smtClean="0"/>
-              <a:t>2022-07-01</a:t>
+              <a:t>2022-07-02</a:t>
             </a:fld>
             <a:endParaRPr lang="ko-KR" altLang="en-US"/>
           </a:p>
@@ -2899,7 +2900,7 @@
           <a:p>
             <a:fld id="{02C1E7B6-AAC5-4D87-B0BB-B467B133FA42}" type="datetimeFigureOut">
               <a:rPr lang="ko-KR" altLang="en-US" smtClean="0"/>
-              <a:t>2022-07-01</a:t>
+              <a:t>2022-07-02</a:t>
             </a:fld>
             <a:endParaRPr lang="ko-KR" altLang="en-US"/>
           </a:p>
@@ -3187,7 +3188,7 @@
           <a:p>
             <a:fld id="{02C1E7B6-AAC5-4D87-B0BB-B467B133FA42}" type="datetimeFigureOut">
               <a:rPr lang="ko-KR" altLang="en-US" smtClean="0"/>
-              <a:t>2022-07-01</a:t>
+              <a:t>2022-07-02</a:t>
             </a:fld>
             <a:endParaRPr lang="ko-KR" altLang="en-US"/>
           </a:p>
@@ -3428,7 +3429,7 @@
           <a:p>
             <a:fld id="{02C1E7B6-AAC5-4D87-B0BB-B467B133FA42}" type="datetimeFigureOut">
               <a:rPr lang="ko-KR" altLang="en-US" smtClean="0"/>
-              <a:t>2022-07-01</a:t>
+              <a:t>2022-07-02</a:t>
             </a:fld>
             <a:endParaRPr lang="ko-KR" altLang="en-US"/>
           </a:p>
@@ -3982,6 +3983,119 @@
           </a:prstGeom>
         </p:spPr>
       </p:pic>
+      <p:sp>
+        <p:nvSpPr>
+          <p:cNvPr id="5" name="직사각형 4">
+            <a:extLst>
+              <a:ext uri="{FF2B5EF4-FFF2-40B4-BE49-F238E27FC236}">
+                <a16:creationId xmlns:a16="http://schemas.microsoft.com/office/drawing/2014/main" id="{9EC24415-34FE-3060-C2AE-9A60834E5F09}"/>
+              </a:ext>
+            </a:extLst>
+          </p:cNvPr>
+          <p:cNvSpPr/>
+          <p:nvPr/>
+        </p:nvSpPr>
+        <p:spPr>
+          <a:xfrm>
+            <a:off x="1774825" y="2549451"/>
+            <a:ext cx="2403443" cy="215900"/>
+          </a:xfrm>
+          <a:prstGeom prst="rect">
+            <a:avLst/>
+          </a:prstGeom>
+          <a:solidFill>
+            <a:srgbClr val="E8E8E8"/>
+          </a:solidFill>
+          <a:ln>
+            <a:noFill/>
+          </a:ln>
+        </p:spPr>
+        <p:style>
+          <a:lnRef idx="2">
+            <a:schemeClr val="accent1">
+              <a:shade val="50000"/>
+            </a:schemeClr>
+          </a:lnRef>
+          <a:fillRef idx="1">
+            <a:schemeClr val="accent1"/>
+          </a:fillRef>
+          <a:effectRef idx="0">
+            <a:schemeClr val="accent1"/>
+          </a:effectRef>
+          <a:fontRef idx="minor">
+            <a:schemeClr val="lt1"/>
+          </a:fontRef>
+        </p:style>
+        <p:txBody>
+          <a:bodyPr rtlCol="0" anchor="ctr"/>
+          <a:lstStyle/>
+          <a:p>
+            <a:pPr algn="ctr"/>
+            <a:r>
+              <a:rPr lang="ko-KR" altLang="en-US" sz="1200" dirty="0">
+                <a:solidFill>
+                  <a:schemeClr val="tx1">
+                    <a:lumMod val="95000"/>
+                    <a:lumOff val="5000"/>
+                  </a:schemeClr>
+                </a:solidFill>
+                <a:latin typeface="넥슨Lv2고딕 Medium" panose="00000600000000000000" pitchFamily="2" charset="-127"/>
+                <a:ea typeface="넥슨Lv2고딕 Medium" panose="00000600000000000000" pitchFamily="2" charset="-127"/>
+              </a:rPr>
+              <a:t>플레이 영상 </a:t>
+            </a:r>
+            <a:r>
+              <a:rPr lang="en-US" altLang="ko-KR" sz="1200" dirty="0">
+                <a:solidFill>
+                  <a:schemeClr val="tx1">
+                    <a:lumMod val="95000"/>
+                    <a:lumOff val="5000"/>
+                  </a:schemeClr>
+                </a:solidFill>
+                <a:latin typeface="넥슨Lv2고딕 Medium" panose="00000600000000000000" pitchFamily="2" charset="-127"/>
+                <a:ea typeface="넥슨Lv2고딕 Medium" panose="00000600000000000000" pitchFamily="2" charset="-127"/>
+              </a:rPr>
+              <a:t>(</a:t>
+            </a:r>
+            <a:r>
+              <a:rPr lang="ko-KR" altLang="en-US" sz="1200" dirty="0">
+                <a:solidFill>
+                  <a:schemeClr val="tx1">
+                    <a:lumMod val="95000"/>
+                    <a:lumOff val="5000"/>
+                  </a:schemeClr>
+                </a:solidFill>
+                <a:latin typeface="넥슨Lv2고딕 Medium" panose="00000600000000000000" pitchFamily="2" charset="-127"/>
+                <a:ea typeface="넥슨Lv2고딕 Medium" panose="00000600000000000000" pitchFamily="2" charset="-127"/>
+              </a:rPr>
+              <a:t>클릭 시 링크 이동</a:t>
+            </a:r>
+            <a:r>
+              <a:rPr lang="en-US" altLang="ko-KR" sz="1200" dirty="0">
+                <a:solidFill>
+                  <a:schemeClr val="tx1">
+                    <a:lumMod val="95000"/>
+                    <a:lumOff val="5000"/>
+                  </a:schemeClr>
+                </a:solidFill>
+                <a:latin typeface="넥슨Lv2고딕 Medium" panose="00000600000000000000" pitchFamily="2" charset="-127"/>
+                <a:ea typeface="넥슨Lv2고딕 Medium" panose="00000600000000000000" pitchFamily="2" charset="-127"/>
+              </a:rPr>
+              <a:t>)</a:t>
+            </a:r>
+            <a:endParaRPr lang="ko-KR" altLang="en-US" sz="1200" dirty="0">
+              <a:solidFill>
+                <a:schemeClr val="tx1">
+                  <a:lumMod val="95000"/>
+                  <a:lumOff val="5000"/>
+                </a:schemeClr>
+              </a:solidFill>
+              <a:latin typeface="넥슨Lv2고딕 Medium" panose="00000600000000000000" pitchFamily="2" charset="-127"/>
+              <a:ea typeface="넥슨Lv2고딕 Medium" panose="00000600000000000000" pitchFamily="2" charset="-127"/>
+            </a:endParaRPr>
+          </a:p>
+        </p:txBody>
+      </p:sp>
     </p:spTree>
     <p:extLst>
       <p:ext uri="{BB962C8B-B14F-4D97-AF65-F5344CB8AC3E}">
@@ -5246,6 +5360,351 @@
       </p:sp>
       <p:sp>
         <p:nvSpPr>
+          <p:cNvPr id="6" name="TextBox 5">
+            <a:extLst>
+              <a:ext uri="{FF2B5EF4-FFF2-40B4-BE49-F238E27FC236}">
+                <a16:creationId xmlns:a16="http://schemas.microsoft.com/office/drawing/2014/main" id="{407C6548-9E18-0CD8-1215-4C722DADA3F9}"/>
+              </a:ext>
+            </a:extLst>
+          </p:cNvPr>
+          <p:cNvSpPr txBox="1"/>
+          <p:nvPr/>
+        </p:nvSpPr>
+        <p:spPr>
+          <a:xfrm>
+            <a:off x="1680309" y="2074745"/>
+            <a:ext cx="8736865" cy="2692532"/>
+          </a:xfrm>
+          <a:prstGeom prst="rect">
+            <a:avLst/>
+          </a:prstGeom>
+          <a:noFill/>
+        </p:spPr>
+        <p:txBody>
+          <a:bodyPr wrap="square" rtlCol="0">
+            <a:spAutoFit/>
+          </a:bodyPr>
+          <a:lstStyle/>
+          <a:p>
+            <a:pPr>
+              <a:lnSpc>
+                <a:spcPct val="150000"/>
+              </a:lnSpc>
+            </a:pPr>
+            <a:r>
+              <a:rPr lang="ko-KR" altLang="en-US" dirty="0">
+                <a:solidFill>
+                  <a:schemeClr val="bg1"/>
+                </a:solidFill>
+                <a:latin typeface="넥슨Lv2고딕 Medium" panose="00000600000000000000" pitchFamily="2" charset="-127"/>
+                <a:ea typeface="넥슨Lv2고딕 Medium" panose="00000600000000000000" pitchFamily="2" charset="-127"/>
+              </a:rPr>
+              <a:t>관리이유</a:t>
+            </a:r>
+            <a:endParaRPr lang="en-US" altLang="ko-KR" sz="1600" dirty="0">
+              <a:solidFill>
+                <a:schemeClr val="bg1"/>
+              </a:solidFill>
+              <a:latin typeface="넥슨Lv2고딕 Light" panose="00000300000000000000" pitchFamily="2" charset="-127"/>
+              <a:ea typeface="넥슨Lv2고딕 Light" panose="00000300000000000000" pitchFamily="2" charset="-127"/>
+            </a:endParaRPr>
+          </a:p>
+          <a:p>
+            <a:pPr>
+              <a:lnSpc>
+                <a:spcPct val="150000"/>
+              </a:lnSpc>
+            </a:pPr>
+            <a:r>
+              <a:rPr lang="ko-KR" altLang="en-US" sz="1600" dirty="0">
+                <a:solidFill>
+                  <a:schemeClr val="bg1"/>
+                </a:solidFill>
+                <a:latin typeface="넥슨Lv2고딕 Light" panose="00000300000000000000" pitchFamily="2" charset="-127"/>
+                <a:ea typeface="넥슨Lv2고딕 Light" panose="00000300000000000000" pitchFamily="2" charset="-127"/>
+              </a:rPr>
+              <a:t>팀프로젝트 팀장 경험을</a:t>
+            </a:r>
+            <a:r>
+              <a:rPr lang="en-US" altLang="ko-KR" sz="1600" dirty="0">
+                <a:solidFill>
+                  <a:schemeClr val="bg1"/>
+                </a:solidFill>
+                <a:latin typeface="넥슨Lv2고딕 Light" panose="00000300000000000000" pitchFamily="2" charset="-127"/>
+                <a:ea typeface="넥슨Lv2고딕 Light" panose="00000300000000000000" pitchFamily="2" charset="-127"/>
+              </a:rPr>
+              <a:t> </a:t>
+            </a:r>
+            <a:r>
+              <a:rPr lang="ko-KR" altLang="en-US" sz="1600" dirty="0">
+                <a:solidFill>
+                  <a:schemeClr val="bg1"/>
+                </a:solidFill>
+                <a:latin typeface="넥슨Lv2고딕 Light" panose="00000300000000000000" pitchFamily="2" charset="-127"/>
+                <a:ea typeface="넥슨Lv2고딕 Light" panose="00000300000000000000" pitchFamily="2" charset="-127"/>
+              </a:rPr>
+              <a:t>해보며</a:t>
+            </a:r>
+            <a:endParaRPr lang="en-US" altLang="ko-KR" sz="1600" dirty="0">
+              <a:solidFill>
+                <a:schemeClr val="bg1"/>
+              </a:solidFill>
+              <a:latin typeface="넥슨Lv2고딕 Light" panose="00000300000000000000" pitchFamily="2" charset="-127"/>
+              <a:ea typeface="넥슨Lv2고딕 Light" panose="00000300000000000000" pitchFamily="2" charset="-127"/>
+            </a:endParaRPr>
+          </a:p>
+          <a:p>
+            <a:pPr>
+              <a:lnSpc>
+                <a:spcPct val="150000"/>
+              </a:lnSpc>
+            </a:pPr>
+            <a:r>
+              <a:rPr lang="ko-KR" altLang="en-US" sz="1600" dirty="0">
+                <a:solidFill>
+                  <a:schemeClr val="bg1"/>
+                </a:solidFill>
+                <a:latin typeface="넥슨Lv2고딕 Light" panose="00000300000000000000" pitchFamily="2" charset="-127"/>
+                <a:ea typeface="넥슨Lv2고딕 Light" panose="00000300000000000000" pitchFamily="2" charset="-127"/>
+              </a:rPr>
+              <a:t>마감일이 있을 때와 없을 때의</a:t>
+            </a:r>
+            <a:endParaRPr lang="en-US" altLang="ko-KR" sz="1600" dirty="0">
+              <a:solidFill>
+                <a:schemeClr val="bg1"/>
+              </a:solidFill>
+              <a:latin typeface="넥슨Lv2고딕 Light" panose="00000300000000000000" pitchFamily="2" charset="-127"/>
+              <a:ea typeface="넥슨Lv2고딕 Light" panose="00000300000000000000" pitchFamily="2" charset="-127"/>
+            </a:endParaRPr>
+          </a:p>
+          <a:p>
+            <a:pPr>
+              <a:lnSpc>
+                <a:spcPct val="150000"/>
+              </a:lnSpc>
+            </a:pPr>
+            <a:r>
+              <a:rPr lang="ko-KR" altLang="en-US" sz="1600" dirty="0">
+                <a:solidFill>
+                  <a:schemeClr val="bg1"/>
+                </a:solidFill>
+                <a:latin typeface="넥슨Lv2고딕 Light" panose="00000300000000000000" pitchFamily="2" charset="-127"/>
+                <a:ea typeface="넥슨Lv2고딕 Light" panose="00000300000000000000" pitchFamily="2" charset="-127"/>
+              </a:rPr>
+              <a:t>차이를 알게 되었고 </a:t>
+            </a:r>
+            <a:endParaRPr lang="en-US" altLang="ko-KR" sz="1600" dirty="0">
+              <a:solidFill>
+                <a:schemeClr val="bg1"/>
+              </a:solidFill>
+              <a:latin typeface="넥슨Lv2고딕 Light" panose="00000300000000000000" pitchFamily="2" charset="-127"/>
+              <a:ea typeface="넥슨Lv2고딕 Light" panose="00000300000000000000" pitchFamily="2" charset="-127"/>
+            </a:endParaRPr>
+          </a:p>
+          <a:p>
+            <a:pPr>
+              <a:lnSpc>
+                <a:spcPct val="150000"/>
+              </a:lnSpc>
+            </a:pPr>
+            <a:endParaRPr lang="en-US" altLang="ko-KR" sz="1600" dirty="0">
+              <a:solidFill>
+                <a:schemeClr val="bg1"/>
+              </a:solidFill>
+              <a:latin typeface="넥슨Lv2고딕 Light" panose="00000300000000000000" pitchFamily="2" charset="-127"/>
+              <a:ea typeface="넥슨Lv2고딕 Light" panose="00000300000000000000" pitchFamily="2" charset="-127"/>
+            </a:endParaRPr>
+          </a:p>
+          <a:p>
+            <a:pPr>
+              <a:lnSpc>
+                <a:spcPct val="150000"/>
+              </a:lnSpc>
+            </a:pPr>
+            <a:r>
+              <a:rPr lang="ko-KR" altLang="en-US" sz="1600" dirty="0">
+                <a:solidFill>
+                  <a:schemeClr val="bg1"/>
+                </a:solidFill>
+                <a:latin typeface="넥슨Lv2고딕 Light" panose="00000300000000000000" pitchFamily="2" charset="-127"/>
+                <a:ea typeface="넥슨Lv2고딕 Light" panose="00000300000000000000" pitchFamily="2" charset="-127"/>
+              </a:rPr>
+              <a:t>마감일 까지 완료 하기 위해</a:t>
+            </a:r>
+            <a:endParaRPr lang="en-US" altLang="ko-KR" sz="1600" dirty="0">
+              <a:solidFill>
+                <a:schemeClr val="bg1"/>
+              </a:solidFill>
+              <a:latin typeface="넥슨Lv2고딕 Light" panose="00000300000000000000" pitchFamily="2" charset="-127"/>
+              <a:ea typeface="넥슨Lv2고딕 Light" panose="00000300000000000000" pitchFamily="2" charset="-127"/>
+            </a:endParaRPr>
+          </a:p>
+          <a:p>
+            <a:pPr>
+              <a:lnSpc>
+                <a:spcPct val="150000"/>
+              </a:lnSpc>
+            </a:pPr>
+            <a:r>
+              <a:rPr lang="ko-KR" altLang="en-US" sz="1600" dirty="0">
+                <a:solidFill>
+                  <a:schemeClr val="bg1"/>
+                </a:solidFill>
+                <a:latin typeface="넥슨Lv2고딕 Light" panose="00000300000000000000" pitchFamily="2" charset="-127"/>
+                <a:ea typeface="넥슨Lv2고딕 Light" panose="00000300000000000000" pitchFamily="2" charset="-127"/>
+              </a:rPr>
+              <a:t>관리를 시작하게 되었습니다</a:t>
+            </a:r>
+            <a:endParaRPr lang="en-US" altLang="ko-KR" sz="1600" dirty="0">
+              <a:solidFill>
+                <a:schemeClr val="bg1"/>
+              </a:solidFill>
+              <a:latin typeface="넥슨Lv2고딕 Light" panose="00000300000000000000" pitchFamily="2" charset="-127"/>
+              <a:ea typeface="넥슨Lv2고딕 Light" panose="00000300000000000000" pitchFamily="2" charset="-127"/>
+            </a:endParaRPr>
+          </a:p>
+        </p:txBody>
+      </p:sp>
+    </p:spTree>
+    <p:extLst>
+      <p:ext uri="{BB962C8B-B14F-4D97-AF65-F5344CB8AC3E}">
+        <p14:creationId xmlns:p14="http://schemas.microsoft.com/office/powerpoint/2010/main" val="994831674"/>
+      </p:ext>
+    </p:extLst>
+  </p:cSld>
+  <p:clrMapOvr>
+    <a:masterClrMapping/>
+  </p:clrMapOvr>
+</p:sld>
+</file>
+
+<file path=ppt/slides/slide13.xml><?xml version="1.0" encoding="utf-8"?>
+<p:sld xmlns:a="http://schemas.openxmlformats.org/drawingml/2006/main" xmlns:r="http://schemas.openxmlformats.org/officeDocument/2006/relationships" xmlns:p="http://schemas.openxmlformats.org/presentationml/2006/main">
+  <p:cSld>
+    <p:bg>
+      <p:bgPr>
+        <a:solidFill>
+          <a:srgbClr val="4286F5"/>
+        </a:solidFill>
+        <a:effectLst/>
+      </p:bgPr>
+    </p:bg>
+    <p:spTree>
+      <p:nvGrpSpPr>
+        <p:cNvPr id="1" name=""/>
+        <p:cNvGrpSpPr/>
+        <p:nvPr/>
+      </p:nvGrpSpPr>
+      <p:grpSpPr>
+        <a:xfrm>
+          <a:off x="0" y="0"/>
+          <a:ext cx="0" cy="0"/>
+          <a:chOff x="0" y="0"/>
+          <a:chExt cx="0" cy="0"/>
+        </a:xfrm>
+      </p:grpSpPr>
+      <p:sp>
+        <p:nvSpPr>
+          <p:cNvPr id="15" name="TextBox 14">
+            <a:extLst>
+              <a:ext uri="{FF2B5EF4-FFF2-40B4-BE49-F238E27FC236}">
+                <a16:creationId xmlns:a16="http://schemas.microsoft.com/office/drawing/2014/main" id="{BA04418A-3697-DF14-5B90-D9AC7CE43E2B}"/>
+              </a:ext>
+            </a:extLst>
+          </p:cNvPr>
+          <p:cNvSpPr txBox="1"/>
+          <p:nvPr/>
+        </p:nvSpPr>
+        <p:spPr>
+          <a:xfrm>
+            <a:off x="1680310" y="1155929"/>
+            <a:ext cx="3733800" cy="584775"/>
+          </a:xfrm>
+          <a:prstGeom prst="rect">
+            <a:avLst/>
+          </a:prstGeom>
+          <a:noFill/>
+        </p:spPr>
+        <p:txBody>
+          <a:bodyPr wrap="square" rtlCol="0">
+            <a:spAutoFit/>
+          </a:bodyPr>
+          <a:lstStyle/>
+          <a:p>
+            <a:r>
+              <a:rPr lang="ko-KR" altLang="en-US" sz="3200" dirty="0">
+                <a:solidFill>
+                  <a:schemeClr val="bg1"/>
+                </a:solidFill>
+                <a:latin typeface="넥슨Lv2고딕 Bold" panose="00000800000000000000" pitchFamily="2" charset="-127"/>
+                <a:ea typeface="넥슨Lv2고딕 Bold" panose="00000800000000000000" pitchFamily="2" charset="-127"/>
+              </a:rPr>
+              <a:t>진행 일정</a:t>
+            </a:r>
+            <a:endParaRPr lang="en-US" altLang="ko-KR" sz="3200" dirty="0">
+              <a:solidFill>
+                <a:schemeClr val="bg1"/>
+              </a:solidFill>
+              <a:latin typeface="넥슨Lv2고딕 Bold" panose="00000800000000000000" pitchFamily="2" charset="-127"/>
+              <a:ea typeface="넥슨Lv2고딕 Bold" panose="00000800000000000000" pitchFamily="2" charset="-127"/>
+            </a:endParaRPr>
+          </a:p>
+        </p:txBody>
+      </p:sp>
+      <p:sp>
+        <p:nvSpPr>
+          <p:cNvPr id="16" name="직사각형 15">
+            <a:extLst>
+              <a:ext uri="{FF2B5EF4-FFF2-40B4-BE49-F238E27FC236}">
+                <a16:creationId xmlns:a16="http://schemas.microsoft.com/office/drawing/2014/main" id="{06D4D73C-002A-B871-4E9F-3C2F2EFA95F6}"/>
+              </a:ext>
+            </a:extLst>
+          </p:cNvPr>
+          <p:cNvSpPr/>
+          <p:nvPr/>
+        </p:nvSpPr>
+        <p:spPr>
+          <a:xfrm>
+            <a:off x="1660524" y="1262063"/>
+            <a:ext cx="45719" cy="366711"/>
+          </a:xfrm>
+          <a:prstGeom prst="rect">
+            <a:avLst/>
+          </a:prstGeom>
+          <a:solidFill>
+            <a:schemeClr val="bg1"/>
+          </a:solidFill>
+          <a:ln>
+            <a:noFill/>
+          </a:ln>
+        </p:spPr>
+        <p:style>
+          <a:lnRef idx="2">
+            <a:schemeClr val="accent1">
+              <a:shade val="50000"/>
+            </a:schemeClr>
+          </a:lnRef>
+          <a:fillRef idx="1">
+            <a:schemeClr val="accent1"/>
+          </a:fillRef>
+          <a:effectRef idx="0">
+            <a:schemeClr val="accent1"/>
+          </a:effectRef>
+          <a:fontRef idx="minor">
+            <a:schemeClr val="lt1"/>
+          </a:fontRef>
+        </p:style>
+        <p:txBody>
+          <a:bodyPr rtlCol="0" anchor="ctr"/>
+          <a:lstStyle/>
+          <a:p>
+            <a:pPr algn="ctr"/>
+            <a:endParaRPr lang="ko-KR" altLang="en-US"/>
+          </a:p>
+        </p:txBody>
+      </p:sp>
+      <p:sp>
+        <p:nvSpPr>
           <p:cNvPr id="19" name="TextBox 18">
             <a:extLst>
               <a:ext uri="{FF2B5EF4-FFF2-40B4-BE49-F238E27FC236}">
@@ -5408,7 +5867,7 @@
 </p:sld>
 </file>
 
-<file path=ppt/slides/slide13.xml><?xml version="1.0" encoding="utf-8"?>
+<file path=ppt/slides/slide14.xml><?xml version="1.0" encoding="utf-8"?>
 <p:sld xmlns:a="http://schemas.openxmlformats.org/drawingml/2006/main" xmlns:r="http://schemas.openxmlformats.org/officeDocument/2006/relationships" xmlns:p="http://schemas.openxmlformats.org/presentationml/2006/main">
   <p:cSld>
     <p:bg>
@@ -5737,333 +6196,6 @@
     <p:extLst>
       <p:ext uri="{BB962C8B-B14F-4D97-AF65-F5344CB8AC3E}">
         <p14:creationId xmlns:p14="http://schemas.microsoft.com/office/powerpoint/2010/main" val="925798817"/>
-      </p:ext>
-    </p:extLst>
-  </p:cSld>
-  <p:clrMapOvr>
-    <a:masterClrMapping/>
-  </p:clrMapOvr>
-</p:sld>
-</file>
-
-<file path=ppt/slides/slide14.xml><?xml version="1.0" encoding="utf-8"?>
-<p:sld xmlns:a="http://schemas.openxmlformats.org/drawingml/2006/main" xmlns:r="http://schemas.openxmlformats.org/officeDocument/2006/relationships" xmlns:p="http://schemas.openxmlformats.org/presentationml/2006/main">
-  <p:cSld>
-    <p:bg>
-      <p:bgPr>
-        <a:solidFill>
-          <a:srgbClr val="4286F5"/>
-        </a:solidFill>
-        <a:effectLst/>
-      </p:bgPr>
-    </p:bg>
-    <p:spTree>
-      <p:nvGrpSpPr>
-        <p:cNvPr id="1" name=""/>
-        <p:cNvGrpSpPr/>
-        <p:nvPr/>
-      </p:nvGrpSpPr>
-      <p:grpSpPr>
-        <a:xfrm>
-          <a:off x="0" y="0"/>
-          <a:ext cx="0" cy="0"/>
-          <a:chOff x="0" y="0"/>
-          <a:chExt cx="0" cy="0"/>
-        </a:xfrm>
-      </p:grpSpPr>
-      <p:sp>
-        <p:nvSpPr>
-          <p:cNvPr id="15" name="TextBox 14">
-            <a:extLst>
-              <a:ext uri="{FF2B5EF4-FFF2-40B4-BE49-F238E27FC236}">
-                <a16:creationId xmlns:a16="http://schemas.microsoft.com/office/drawing/2014/main" id="{BA04418A-3697-DF14-5B90-D9AC7CE43E2B}"/>
-              </a:ext>
-            </a:extLst>
-          </p:cNvPr>
-          <p:cNvSpPr txBox="1"/>
-          <p:nvPr/>
-        </p:nvSpPr>
-        <p:spPr>
-          <a:xfrm>
-            <a:off x="1680310" y="1155929"/>
-            <a:ext cx="3733800" cy="584775"/>
-          </a:xfrm>
-          <a:prstGeom prst="rect">
-            <a:avLst/>
-          </a:prstGeom>
-          <a:noFill/>
-        </p:spPr>
-        <p:txBody>
-          <a:bodyPr wrap="square" rtlCol="0">
-            <a:spAutoFit/>
-          </a:bodyPr>
-          <a:lstStyle/>
-          <a:p>
-            <a:r>
-              <a:rPr lang="ko-KR" altLang="en-US" sz="3200" dirty="0">
-                <a:solidFill>
-                  <a:schemeClr val="bg1"/>
-                </a:solidFill>
-                <a:latin typeface="넥슨Lv2고딕 Bold" panose="00000800000000000000" pitchFamily="2" charset="-127"/>
-                <a:ea typeface="넥슨Lv2고딕 Bold" panose="00000800000000000000" pitchFamily="2" charset="-127"/>
-              </a:rPr>
-              <a:t>자동화</a:t>
-            </a:r>
-            <a:endParaRPr lang="en-US" altLang="ko-KR" sz="3200" dirty="0">
-              <a:solidFill>
-                <a:schemeClr val="bg1"/>
-              </a:solidFill>
-              <a:latin typeface="넥슨Lv2고딕 Bold" panose="00000800000000000000" pitchFamily="2" charset="-127"/>
-              <a:ea typeface="넥슨Lv2고딕 Bold" panose="00000800000000000000" pitchFamily="2" charset="-127"/>
-            </a:endParaRPr>
-          </a:p>
-        </p:txBody>
-      </p:sp>
-      <p:sp>
-        <p:nvSpPr>
-          <p:cNvPr id="16" name="직사각형 15">
-            <a:extLst>
-              <a:ext uri="{FF2B5EF4-FFF2-40B4-BE49-F238E27FC236}">
-                <a16:creationId xmlns:a16="http://schemas.microsoft.com/office/drawing/2014/main" id="{06D4D73C-002A-B871-4E9F-3C2F2EFA95F6}"/>
-              </a:ext>
-            </a:extLst>
-          </p:cNvPr>
-          <p:cNvSpPr/>
-          <p:nvPr/>
-        </p:nvSpPr>
-        <p:spPr>
-          <a:xfrm>
-            <a:off x="1660524" y="1262063"/>
-            <a:ext cx="45719" cy="366711"/>
-          </a:xfrm>
-          <a:prstGeom prst="rect">
-            <a:avLst/>
-          </a:prstGeom>
-          <a:solidFill>
-            <a:schemeClr val="bg1"/>
-          </a:solidFill>
-          <a:ln>
-            <a:noFill/>
-          </a:ln>
-        </p:spPr>
-        <p:style>
-          <a:lnRef idx="2">
-            <a:schemeClr val="accent1">
-              <a:shade val="50000"/>
-            </a:schemeClr>
-          </a:lnRef>
-          <a:fillRef idx="1">
-            <a:schemeClr val="accent1"/>
-          </a:fillRef>
-          <a:effectRef idx="0">
-            <a:schemeClr val="accent1"/>
-          </a:effectRef>
-          <a:fontRef idx="minor">
-            <a:schemeClr val="lt1"/>
-          </a:fontRef>
-        </p:style>
-        <p:txBody>
-          <a:bodyPr rtlCol="0" anchor="ctr"/>
-          <a:lstStyle/>
-          <a:p>
-            <a:pPr algn="ctr"/>
-            <a:endParaRPr lang="ko-KR" altLang="en-US"/>
-          </a:p>
-        </p:txBody>
-      </p:sp>
-      <p:sp>
-        <p:nvSpPr>
-          <p:cNvPr id="19" name="TextBox 18">
-            <a:extLst>
-              <a:ext uri="{FF2B5EF4-FFF2-40B4-BE49-F238E27FC236}">
-                <a16:creationId xmlns:a16="http://schemas.microsoft.com/office/drawing/2014/main" id="{5316A27D-F818-472F-350E-CD328A0375DC}"/>
-              </a:ext>
-            </a:extLst>
-          </p:cNvPr>
-          <p:cNvSpPr txBox="1"/>
-          <p:nvPr/>
-        </p:nvSpPr>
-        <p:spPr>
-          <a:xfrm>
-            <a:off x="1680309" y="2074745"/>
-            <a:ext cx="8736865" cy="1953868"/>
-          </a:xfrm>
-          <a:prstGeom prst="rect">
-            <a:avLst/>
-          </a:prstGeom>
-          <a:noFill/>
-        </p:spPr>
-        <p:txBody>
-          <a:bodyPr wrap="square" rtlCol="0">
-            <a:spAutoFit/>
-          </a:bodyPr>
-          <a:lstStyle/>
-          <a:p>
-            <a:pPr>
-              <a:lnSpc>
-                <a:spcPct val="150000"/>
-              </a:lnSpc>
-            </a:pPr>
-            <a:r>
-              <a:rPr lang="ko-KR" altLang="en-US" dirty="0">
-                <a:solidFill>
-                  <a:schemeClr val="bg1"/>
-                </a:solidFill>
-                <a:latin typeface="넥슨Lv2고딕 Medium" panose="00000600000000000000" pitchFamily="2" charset="-127"/>
-                <a:ea typeface="넥슨Lv2고딕 Medium" panose="00000600000000000000" pitchFamily="2" charset="-127"/>
-              </a:rPr>
-              <a:t>자동화 하게 된 이유</a:t>
-            </a:r>
-            <a:endParaRPr lang="en-US" altLang="ko-KR" dirty="0">
-              <a:solidFill>
-                <a:schemeClr val="bg1"/>
-              </a:solidFill>
-              <a:latin typeface="넥슨Lv2고딕 Light" panose="00000300000000000000" pitchFamily="2" charset="-127"/>
-              <a:ea typeface="넥슨Lv2고딕 Light" panose="00000300000000000000" pitchFamily="2" charset="-127"/>
-            </a:endParaRPr>
-          </a:p>
-          <a:p>
-            <a:pPr>
-              <a:lnSpc>
-                <a:spcPct val="150000"/>
-              </a:lnSpc>
-            </a:pPr>
-            <a:r>
-              <a:rPr lang="ko-KR" altLang="en-US" sz="1600" dirty="0">
-                <a:solidFill>
-                  <a:schemeClr val="bg1"/>
-                </a:solidFill>
-                <a:latin typeface="넥슨Lv2고딕 Light" panose="00000300000000000000" pitchFamily="2" charset="-127"/>
-                <a:ea typeface="넥슨Lv2고딕 Light" panose="00000300000000000000" pitchFamily="2" charset="-127"/>
-              </a:rPr>
-              <a:t>개발을 하다 보니 엑셀에 수정사항이 생길 때가 많은데</a:t>
-            </a:r>
-            <a:endParaRPr lang="en-US" altLang="ko-KR" sz="1600" dirty="0">
-              <a:solidFill>
-                <a:schemeClr val="bg1"/>
-              </a:solidFill>
-              <a:latin typeface="넥슨Lv2고딕 Light" panose="00000300000000000000" pitchFamily="2" charset="-127"/>
-              <a:ea typeface="넥슨Lv2고딕 Light" panose="00000300000000000000" pitchFamily="2" charset="-127"/>
-            </a:endParaRPr>
-          </a:p>
-          <a:p>
-            <a:pPr>
-              <a:lnSpc>
-                <a:spcPct val="150000"/>
-              </a:lnSpc>
-            </a:pPr>
-            <a:r>
-              <a:rPr lang="ko-KR" altLang="en-US" sz="1600" dirty="0">
-                <a:solidFill>
-                  <a:schemeClr val="bg1"/>
-                </a:solidFill>
-                <a:latin typeface="넥슨Lv2고딕 Light" panose="00000300000000000000" pitchFamily="2" charset="-127"/>
-                <a:ea typeface="넥슨Lv2고딕 Light" panose="00000300000000000000" pitchFamily="2" charset="-127"/>
-              </a:rPr>
-              <a:t>그때 마다 </a:t>
-            </a:r>
-            <a:r>
-              <a:rPr lang="en-US" altLang="ko-KR" sz="1600" dirty="0">
-                <a:solidFill>
-                  <a:schemeClr val="bg1"/>
-                </a:solidFill>
-                <a:latin typeface="넥슨Lv2고딕 Light" panose="00000300000000000000" pitchFamily="2" charset="-127"/>
-                <a:ea typeface="넥슨Lv2고딕 Light" panose="00000300000000000000" pitchFamily="2" charset="-127"/>
-              </a:rPr>
-              <a:t>csv</a:t>
-            </a:r>
-            <a:r>
-              <a:rPr lang="ko-KR" altLang="en-US" sz="1600" dirty="0">
-                <a:solidFill>
-                  <a:schemeClr val="bg1"/>
-                </a:solidFill>
-                <a:latin typeface="넥슨Lv2고딕 Light" panose="00000300000000000000" pitchFamily="2" charset="-127"/>
-                <a:ea typeface="넥슨Lv2고딕 Light" panose="00000300000000000000" pitchFamily="2" charset="-127"/>
-              </a:rPr>
-              <a:t>파일로 변경 하다 보니</a:t>
-            </a:r>
-            <a:endParaRPr lang="en-US" altLang="ko-KR" sz="1600" dirty="0">
-              <a:solidFill>
-                <a:schemeClr val="bg1"/>
-              </a:solidFill>
-              <a:latin typeface="넥슨Lv2고딕 Light" panose="00000300000000000000" pitchFamily="2" charset="-127"/>
-              <a:ea typeface="넥슨Lv2고딕 Light" panose="00000300000000000000" pitchFamily="2" charset="-127"/>
-            </a:endParaRPr>
-          </a:p>
-          <a:p>
-            <a:pPr>
-              <a:lnSpc>
-                <a:spcPct val="150000"/>
-              </a:lnSpc>
-            </a:pPr>
-            <a:r>
-              <a:rPr lang="ko-KR" altLang="en-US" sz="1600" dirty="0">
-                <a:solidFill>
-                  <a:schemeClr val="bg1"/>
-                </a:solidFill>
-                <a:latin typeface="넥슨Lv2고딕 Light" panose="00000300000000000000" pitchFamily="2" charset="-127"/>
-                <a:ea typeface="넥슨Lv2고딕 Light" panose="00000300000000000000" pitchFamily="2" charset="-127"/>
-              </a:rPr>
-              <a:t>시간이 오래 걸리게 되어 작업을 효율적으로 하기위해</a:t>
-            </a:r>
-            <a:endParaRPr lang="en-US" altLang="ko-KR" sz="1600" dirty="0">
-              <a:solidFill>
-                <a:schemeClr val="bg1"/>
-              </a:solidFill>
-              <a:latin typeface="넥슨Lv2고딕 Light" panose="00000300000000000000" pitchFamily="2" charset="-127"/>
-              <a:ea typeface="넥슨Lv2고딕 Light" panose="00000300000000000000" pitchFamily="2" charset="-127"/>
-            </a:endParaRPr>
-          </a:p>
-          <a:p>
-            <a:pPr>
-              <a:lnSpc>
-                <a:spcPct val="150000"/>
-              </a:lnSpc>
-            </a:pPr>
-            <a:r>
-              <a:rPr lang="ko-KR" altLang="en-US" sz="1600" dirty="0">
-                <a:solidFill>
-                  <a:schemeClr val="bg1"/>
-                </a:solidFill>
-                <a:latin typeface="넥슨Lv2고딕 Light" panose="00000300000000000000" pitchFamily="2" charset="-127"/>
-                <a:ea typeface="넥슨Lv2고딕 Light" panose="00000300000000000000" pitchFamily="2" charset="-127"/>
-              </a:rPr>
-              <a:t>엑셀을 </a:t>
-            </a:r>
-            <a:r>
-              <a:rPr lang="en-US" altLang="ko-KR" sz="1600" dirty="0">
-                <a:solidFill>
-                  <a:schemeClr val="bg1"/>
-                </a:solidFill>
-                <a:latin typeface="넥슨Lv2고딕 Light" panose="00000300000000000000" pitchFamily="2" charset="-127"/>
-                <a:ea typeface="넥슨Lv2고딕 Light" panose="00000300000000000000" pitchFamily="2" charset="-127"/>
-              </a:rPr>
-              <a:t>csv </a:t>
-            </a:r>
-            <a:r>
-              <a:rPr lang="ko-KR" altLang="en-US" sz="1600" dirty="0">
-                <a:solidFill>
-                  <a:schemeClr val="bg1"/>
-                </a:solidFill>
-                <a:latin typeface="넥슨Lv2고딕 Light" panose="00000300000000000000" pitchFamily="2" charset="-127"/>
-                <a:ea typeface="넥슨Lv2고딕 Light" panose="00000300000000000000" pitchFamily="2" charset="-127"/>
-              </a:rPr>
-              <a:t>파일로 저장하는 작업을 자동화 하기로 결정했습니다</a:t>
-            </a:r>
-            <a:endParaRPr lang="en-US" altLang="ko-KR" sz="1600" dirty="0">
-              <a:solidFill>
-                <a:schemeClr val="bg1"/>
-              </a:solidFill>
-              <a:latin typeface="넥슨Lv2고딕 Light" panose="00000300000000000000" pitchFamily="2" charset="-127"/>
-              <a:ea typeface="넥슨Lv2고딕 Light" panose="00000300000000000000" pitchFamily="2" charset="-127"/>
-            </a:endParaRPr>
-          </a:p>
-        </p:txBody>
-      </p:sp>
-    </p:spTree>
-    <p:extLst>
-      <p:ext uri="{BB962C8B-B14F-4D97-AF65-F5344CB8AC3E}">
-        <p14:creationId xmlns:p14="http://schemas.microsoft.com/office/powerpoint/2010/main" val="3488813721"/>
       </p:ext>
     </p:extLst>
   </p:cSld>
@@ -6213,6 +6345,333 @@
         <p:spPr>
           <a:xfrm>
             <a:off x="1680309" y="2074745"/>
+            <a:ext cx="8736865" cy="1953868"/>
+          </a:xfrm>
+          <a:prstGeom prst="rect">
+            <a:avLst/>
+          </a:prstGeom>
+          <a:noFill/>
+        </p:spPr>
+        <p:txBody>
+          <a:bodyPr wrap="square" rtlCol="0">
+            <a:spAutoFit/>
+          </a:bodyPr>
+          <a:lstStyle/>
+          <a:p>
+            <a:pPr>
+              <a:lnSpc>
+                <a:spcPct val="150000"/>
+              </a:lnSpc>
+            </a:pPr>
+            <a:r>
+              <a:rPr lang="ko-KR" altLang="en-US" dirty="0">
+                <a:solidFill>
+                  <a:schemeClr val="bg1"/>
+                </a:solidFill>
+                <a:latin typeface="넥슨Lv2고딕 Medium" panose="00000600000000000000" pitchFamily="2" charset="-127"/>
+                <a:ea typeface="넥슨Lv2고딕 Medium" panose="00000600000000000000" pitchFamily="2" charset="-127"/>
+              </a:rPr>
+              <a:t>자동화 하게 된 이유</a:t>
+            </a:r>
+            <a:endParaRPr lang="en-US" altLang="ko-KR" dirty="0">
+              <a:solidFill>
+                <a:schemeClr val="bg1"/>
+              </a:solidFill>
+              <a:latin typeface="넥슨Lv2고딕 Light" panose="00000300000000000000" pitchFamily="2" charset="-127"/>
+              <a:ea typeface="넥슨Lv2고딕 Light" panose="00000300000000000000" pitchFamily="2" charset="-127"/>
+            </a:endParaRPr>
+          </a:p>
+          <a:p>
+            <a:pPr>
+              <a:lnSpc>
+                <a:spcPct val="150000"/>
+              </a:lnSpc>
+            </a:pPr>
+            <a:r>
+              <a:rPr lang="ko-KR" altLang="en-US" sz="1600" dirty="0">
+                <a:solidFill>
+                  <a:schemeClr val="bg1"/>
+                </a:solidFill>
+                <a:latin typeface="넥슨Lv2고딕 Light" panose="00000300000000000000" pitchFamily="2" charset="-127"/>
+                <a:ea typeface="넥슨Lv2고딕 Light" panose="00000300000000000000" pitchFamily="2" charset="-127"/>
+              </a:rPr>
+              <a:t>개발을 하다 보니 엑셀에 수정사항이 생길 때가 많은데</a:t>
+            </a:r>
+            <a:endParaRPr lang="en-US" altLang="ko-KR" sz="1600" dirty="0">
+              <a:solidFill>
+                <a:schemeClr val="bg1"/>
+              </a:solidFill>
+              <a:latin typeface="넥슨Lv2고딕 Light" panose="00000300000000000000" pitchFamily="2" charset="-127"/>
+              <a:ea typeface="넥슨Lv2고딕 Light" panose="00000300000000000000" pitchFamily="2" charset="-127"/>
+            </a:endParaRPr>
+          </a:p>
+          <a:p>
+            <a:pPr>
+              <a:lnSpc>
+                <a:spcPct val="150000"/>
+              </a:lnSpc>
+            </a:pPr>
+            <a:r>
+              <a:rPr lang="ko-KR" altLang="en-US" sz="1600" dirty="0">
+                <a:solidFill>
+                  <a:schemeClr val="bg1"/>
+                </a:solidFill>
+                <a:latin typeface="넥슨Lv2고딕 Light" panose="00000300000000000000" pitchFamily="2" charset="-127"/>
+                <a:ea typeface="넥슨Lv2고딕 Light" panose="00000300000000000000" pitchFamily="2" charset="-127"/>
+              </a:rPr>
+              <a:t>그때 마다 </a:t>
+            </a:r>
+            <a:r>
+              <a:rPr lang="en-US" altLang="ko-KR" sz="1600" dirty="0">
+                <a:solidFill>
+                  <a:schemeClr val="bg1"/>
+                </a:solidFill>
+                <a:latin typeface="넥슨Lv2고딕 Light" panose="00000300000000000000" pitchFamily="2" charset="-127"/>
+                <a:ea typeface="넥슨Lv2고딕 Light" panose="00000300000000000000" pitchFamily="2" charset="-127"/>
+              </a:rPr>
+              <a:t>csv</a:t>
+            </a:r>
+            <a:r>
+              <a:rPr lang="ko-KR" altLang="en-US" sz="1600" dirty="0">
+                <a:solidFill>
+                  <a:schemeClr val="bg1"/>
+                </a:solidFill>
+                <a:latin typeface="넥슨Lv2고딕 Light" panose="00000300000000000000" pitchFamily="2" charset="-127"/>
+                <a:ea typeface="넥슨Lv2고딕 Light" panose="00000300000000000000" pitchFamily="2" charset="-127"/>
+              </a:rPr>
+              <a:t>파일로 변경 하다 보니</a:t>
+            </a:r>
+            <a:endParaRPr lang="en-US" altLang="ko-KR" sz="1600" dirty="0">
+              <a:solidFill>
+                <a:schemeClr val="bg1"/>
+              </a:solidFill>
+              <a:latin typeface="넥슨Lv2고딕 Light" panose="00000300000000000000" pitchFamily="2" charset="-127"/>
+              <a:ea typeface="넥슨Lv2고딕 Light" panose="00000300000000000000" pitchFamily="2" charset="-127"/>
+            </a:endParaRPr>
+          </a:p>
+          <a:p>
+            <a:pPr>
+              <a:lnSpc>
+                <a:spcPct val="150000"/>
+              </a:lnSpc>
+            </a:pPr>
+            <a:r>
+              <a:rPr lang="ko-KR" altLang="en-US" sz="1600" dirty="0">
+                <a:solidFill>
+                  <a:schemeClr val="bg1"/>
+                </a:solidFill>
+                <a:latin typeface="넥슨Lv2고딕 Light" panose="00000300000000000000" pitchFamily="2" charset="-127"/>
+                <a:ea typeface="넥슨Lv2고딕 Light" panose="00000300000000000000" pitchFamily="2" charset="-127"/>
+              </a:rPr>
+              <a:t>시간이 오래 걸리게 되어 작업을 효율적으로 하기위해</a:t>
+            </a:r>
+            <a:endParaRPr lang="en-US" altLang="ko-KR" sz="1600" dirty="0">
+              <a:solidFill>
+                <a:schemeClr val="bg1"/>
+              </a:solidFill>
+              <a:latin typeface="넥슨Lv2고딕 Light" panose="00000300000000000000" pitchFamily="2" charset="-127"/>
+              <a:ea typeface="넥슨Lv2고딕 Light" panose="00000300000000000000" pitchFamily="2" charset="-127"/>
+            </a:endParaRPr>
+          </a:p>
+          <a:p>
+            <a:pPr>
+              <a:lnSpc>
+                <a:spcPct val="150000"/>
+              </a:lnSpc>
+            </a:pPr>
+            <a:r>
+              <a:rPr lang="ko-KR" altLang="en-US" sz="1600" dirty="0">
+                <a:solidFill>
+                  <a:schemeClr val="bg1"/>
+                </a:solidFill>
+                <a:latin typeface="넥슨Lv2고딕 Light" panose="00000300000000000000" pitchFamily="2" charset="-127"/>
+                <a:ea typeface="넥슨Lv2고딕 Light" panose="00000300000000000000" pitchFamily="2" charset="-127"/>
+              </a:rPr>
+              <a:t>엑셀을 </a:t>
+            </a:r>
+            <a:r>
+              <a:rPr lang="en-US" altLang="ko-KR" sz="1600" dirty="0">
+                <a:solidFill>
+                  <a:schemeClr val="bg1"/>
+                </a:solidFill>
+                <a:latin typeface="넥슨Lv2고딕 Light" panose="00000300000000000000" pitchFamily="2" charset="-127"/>
+                <a:ea typeface="넥슨Lv2고딕 Light" panose="00000300000000000000" pitchFamily="2" charset="-127"/>
+              </a:rPr>
+              <a:t>csv </a:t>
+            </a:r>
+            <a:r>
+              <a:rPr lang="ko-KR" altLang="en-US" sz="1600" dirty="0">
+                <a:solidFill>
+                  <a:schemeClr val="bg1"/>
+                </a:solidFill>
+                <a:latin typeface="넥슨Lv2고딕 Light" panose="00000300000000000000" pitchFamily="2" charset="-127"/>
+                <a:ea typeface="넥슨Lv2고딕 Light" panose="00000300000000000000" pitchFamily="2" charset="-127"/>
+              </a:rPr>
+              <a:t>파일로 저장하는 작업을 자동화 하기로 결정했습니다</a:t>
+            </a:r>
+            <a:endParaRPr lang="en-US" altLang="ko-KR" sz="1600" dirty="0">
+              <a:solidFill>
+                <a:schemeClr val="bg1"/>
+              </a:solidFill>
+              <a:latin typeface="넥슨Lv2고딕 Light" panose="00000300000000000000" pitchFamily="2" charset="-127"/>
+              <a:ea typeface="넥슨Lv2고딕 Light" panose="00000300000000000000" pitchFamily="2" charset="-127"/>
+            </a:endParaRPr>
+          </a:p>
+        </p:txBody>
+      </p:sp>
+    </p:spTree>
+    <p:extLst>
+      <p:ext uri="{BB962C8B-B14F-4D97-AF65-F5344CB8AC3E}">
+        <p14:creationId xmlns:p14="http://schemas.microsoft.com/office/powerpoint/2010/main" val="3488813721"/>
+      </p:ext>
+    </p:extLst>
+  </p:cSld>
+  <p:clrMapOvr>
+    <a:masterClrMapping/>
+  </p:clrMapOvr>
+</p:sld>
+</file>
+
+<file path=ppt/slides/slide16.xml><?xml version="1.0" encoding="utf-8"?>
+<p:sld xmlns:a="http://schemas.openxmlformats.org/drawingml/2006/main" xmlns:r="http://schemas.openxmlformats.org/officeDocument/2006/relationships" xmlns:p="http://schemas.openxmlformats.org/presentationml/2006/main">
+  <p:cSld>
+    <p:bg>
+      <p:bgPr>
+        <a:solidFill>
+          <a:srgbClr val="4286F5"/>
+        </a:solidFill>
+        <a:effectLst/>
+      </p:bgPr>
+    </p:bg>
+    <p:spTree>
+      <p:nvGrpSpPr>
+        <p:cNvPr id="1" name=""/>
+        <p:cNvGrpSpPr/>
+        <p:nvPr/>
+      </p:nvGrpSpPr>
+      <p:grpSpPr>
+        <a:xfrm>
+          <a:off x="0" y="0"/>
+          <a:ext cx="0" cy="0"/>
+          <a:chOff x="0" y="0"/>
+          <a:chExt cx="0" cy="0"/>
+        </a:xfrm>
+      </p:grpSpPr>
+      <p:sp>
+        <p:nvSpPr>
+          <p:cNvPr id="15" name="TextBox 14">
+            <a:extLst>
+              <a:ext uri="{FF2B5EF4-FFF2-40B4-BE49-F238E27FC236}">
+                <a16:creationId xmlns:a16="http://schemas.microsoft.com/office/drawing/2014/main" id="{BA04418A-3697-DF14-5B90-D9AC7CE43E2B}"/>
+              </a:ext>
+            </a:extLst>
+          </p:cNvPr>
+          <p:cNvSpPr txBox="1"/>
+          <p:nvPr/>
+        </p:nvSpPr>
+        <p:spPr>
+          <a:xfrm>
+            <a:off x="1680310" y="1155929"/>
+            <a:ext cx="3733800" cy="584775"/>
+          </a:xfrm>
+          <a:prstGeom prst="rect">
+            <a:avLst/>
+          </a:prstGeom>
+          <a:noFill/>
+        </p:spPr>
+        <p:txBody>
+          <a:bodyPr wrap="square" rtlCol="0">
+            <a:spAutoFit/>
+          </a:bodyPr>
+          <a:lstStyle/>
+          <a:p>
+            <a:r>
+              <a:rPr lang="ko-KR" altLang="en-US" sz="3200" dirty="0">
+                <a:solidFill>
+                  <a:schemeClr val="bg1"/>
+                </a:solidFill>
+                <a:latin typeface="넥슨Lv2고딕 Bold" panose="00000800000000000000" pitchFamily="2" charset="-127"/>
+                <a:ea typeface="넥슨Lv2고딕 Bold" panose="00000800000000000000" pitchFamily="2" charset="-127"/>
+              </a:rPr>
+              <a:t>자동화</a:t>
+            </a:r>
+            <a:endParaRPr lang="en-US" altLang="ko-KR" sz="3200" dirty="0">
+              <a:solidFill>
+                <a:schemeClr val="bg1"/>
+              </a:solidFill>
+              <a:latin typeface="넥슨Lv2고딕 Bold" panose="00000800000000000000" pitchFamily="2" charset="-127"/>
+              <a:ea typeface="넥슨Lv2고딕 Bold" panose="00000800000000000000" pitchFamily="2" charset="-127"/>
+            </a:endParaRPr>
+          </a:p>
+        </p:txBody>
+      </p:sp>
+      <p:sp>
+        <p:nvSpPr>
+          <p:cNvPr id="16" name="직사각형 15">
+            <a:extLst>
+              <a:ext uri="{FF2B5EF4-FFF2-40B4-BE49-F238E27FC236}">
+                <a16:creationId xmlns:a16="http://schemas.microsoft.com/office/drawing/2014/main" id="{06D4D73C-002A-B871-4E9F-3C2F2EFA95F6}"/>
+              </a:ext>
+            </a:extLst>
+          </p:cNvPr>
+          <p:cNvSpPr/>
+          <p:nvPr/>
+        </p:nvSpPr>
+        <p:spPr>
+          <a:xfrm>
+            <a:off x="1660524" y="1262063"/>
+            <a:ext cx="45719" cy="366711"/>
+          </a:xfrm>
+          <a:prstGeom prst="rect">
+            <a:avLst/>
+          </a:prstGeom>
+          <a:solidFill>
+            <a:schemeClr val="bg1"/>
+          </a:solidFill>
+          <a:ln>
+            <a:noFill/>
+          </a:ln>
+        </p:spPr>
+        <p:style>
+          <a:lnRef idx="2">
+            <a:schemeClr val="accent1">
+              <a:shade val="50000"/>
+            </a:schemeClr>
+          </a:lnRef>
+          <a:fillRef idx="1">
+            <a:schemeClr val="accent1"/>
+          </a:fillRef>
+          <a:effectRef idx="0">
+            <a:schemeClr val="accent1"/>
+          </a:effectRef>
+          <a:fontRef idx="minor">
+            <a:schemeClr val="lt1"/>
+          </a:fontRef>
+        </p:style>
+        <p:txBody>
+          <a:bodyPr rtlCol="0" anchor="ctr"/>
+          <a:lstStyle/>
+          <a:p>
+            <a:pPr algn="ctr"/>
+            <a:endParaRPr lang="ko-KR" altLang="en-US"/>
+          </a:p>
+        </p:txBody>
+      </p:sp>
+      <p:sp>
+        <p:nvSpPr>
+          <p:cNvPr id="19" name="TextBox 18">
+            <a:extLst>
+              <a:ext uri="{FF2B5EF4-FFF2-40B4-BE49-F238E27FC236}">
+                <a16:creationId xmlns:a16="http://schemas.microsoft.com/office/drawing/2014/main" id="{5316A27D-F818-472F-350E-CD328A0375DC}"/>
+              </a:ext>
+            </a:extLst>
+          </p:cNvPr>
+          <p:cNvSpPr txBox="1"/>
+          <p:nvPr/>
+        </p:nvSpPr>
+        <p:spPr>
+          <a:xfrm>
+            <a:off x="1680309" y="2074745"/>
             <a:ext cx="4415691" cy="1626727"/>
           </a:xfrm>
           <a:prstGeom prst="rect">
@@ -6455,7 +6914,7 @@
 </p:sld>
 </file>
 
-<file path=ppt/slides/slide16.xml><?xml version="1.0" encoding="utf-8"?>
+<file path=ppt/slides/slide17.xml><?xml version="1.0" encoding="utf-8"?>
 <p:sld xmlns:a="http://schemas.openxmlformats.org/drawingml/2006/main" xmlns:r="http://schemas.openxmlformats.org/officeDocument/2006/relationships" xmlns:p="http://schemas.openxmlformats.org/presentationml/2006/main">
   <p:cSld>
     <p:bg>
@@ -6819,7 +7278,7 @@
 </p:sld>
 </file>
 
-<file path=ppt/slides/slide17.xml><?xml version="1.0" encoding="utf-8"?>
+<file path=ppt/slides/slide18.xml><?xml version="1.0" encoding="utf-8"?>
 <p:sld xmlns:a="http://schemas.openxmlformats.org/drawingml/2006/main" xmlns:r="http://schemas.openxmlformats.org/officeDocument/2006/relationships" xmlns:p="http://schemas.openxmlformats.org/presentationml/2006/main">
   <p:cSld>
     <p:bg>
@@ -7175,223 +7634,6 @@
 </p:sld>
 </file>
 
-<file path=ppt/slides/slide18.xml><?xml version="1.0" encoding="utf-8"?>
-<p:sld xmlns:a="http://schemas.openxmlformats.org/drawingml/2006/main" xmlns:r="http://schemas.openxmlformats.org/officeDocument/2006/relationships" xmlns:p="http://schemas.openxmlformats.org/presentationml/2006/main">
-  <p:cSld>
-    <p:bg>
-      <p:bgPr>
-        <a:solidFill>
-          <a:srgbClr val="4286F5"/>
-        </a:solidFill>
-        <a:effectLst/>
-      </p:bgPr>
-    </p:bg>
-    <p:spTree>
-      <p:nvGrpSpPr>
-        <p:cNvPr id="1" name=""/>
-        <p:cNvGrpSpPr/>
-        <p:nvPr/>
-      </p:nvGrpSpPr>
-      <p:grpSpPr>
-        <a:xfrm>
-          <a:off x="0" y="0"/>
-          <a:ext cx="0" cy="0"/>
-          <a:chOff x="0" y="0"/>
-          <a:chExt cx="0" cy="0"/>
-        </a:xfrm>
-      </p:grpSpPr>
-      <p:sp>
-        <p:nvSpPr>
-          <p:cNvPr id="15" name="TextBox 14">
-            <a:extLst>
-              <a:ext uri="{FF2B5EF4-FFF2-40B4-BE49-F238E27FC236}">
-                <a16:creationId xmlns:a16="http://schemas.microsoft.com/office/drawing/2014/main" id="{BA04418A-3697-DF14-5B90-D9AC7CE43E2B}"/>
-              </a:ext>
-            </a:extLst>
-          </p:cNvPr>
-          <p:cNvSpPr txBox="1"/>
-          <p:nvPr/>
-        </p:nvSpPr>
-        <p:spPr>
-          <a:xfrm>
-            <a:off x="1680310" y="1469196"/>
-            <a:ext cx="6650890" cy="1200329"/>
-          </a:xfrm>
-          <a:prstGeom prst="rect">
-            <a:avLst/>
-          </a:prstGeom>
-          <a:noFill/>
-        </p:spPr>
-        <p:txBody>
-          <a:bodyPr wrap="square" rtlCol="0">
-            <a:spAutoFit/>
-          </a:bodyPr>
-          <a:lstStyle/>
-          <a:p>
-            <a:r>
-              <a:rPr lang="ko-KR" altLang="en-US" sz="7200" dirty="0">
-                <a:solidFill>
-                  <a:schemeClr val="bg1"/>
-                </a:solidFill>
-                <a:latin typeface="넥슨Lv2고딕 Bold" panose="00000800000000000000" pitchFamily="2" charset="-127"/>
-                <a:ea typeface="넥슨Lv2고딕 Bold" panose="00000800000000000000" pitchFamily="2" charset="-127"/>
-              </a:rPr>
-              <a:t>스크립트</a:t>
-            </a:r>
-            <a:endParaRPr lang="en-US" altLang="ko-KR" sz="7200" dirty="0">
-              <a:solidFill>
-                <a:schemeClr val="bg1"/>
-              </a:solidFill>
-              <a:latin typeface="넥슨Lv2고딕 Bold" panose="00000800000000000000" pitchFamily="2" charset="-127"/>
-              <a:ea typeface="넥슨Lv2고딕 Bold" panose="00000800000000000000" pitchFamily="2" charset="-127"/>
-            </a:endParaRPr>
-          </a:p>
-        </p:txBody>
-      </p:sp>
-      <p:sp>
-        <p:nvSpPr>
-          <p:cNvPr id="11" name="TextBox 10">
-            <a:extLst>
-              <a:ext uri="{FF2B5EF4-FFF2-40B4-BE49-F238E27FC236}">
-                <a16:creationId xmlns:a16="http://schemas.microsoft.com/office/drawing/2014/main" id="{E10A1302-F34C-6112-2BB3-EF054A096FF3}"/>
-              </a:ext>
-            </a:extLst>
-          </p:cNvPr>
-          <p:cNvSpPr txBox="1"/>
-          <p:nvPr/>
-        </p:nvSpPr>
-        <p:spPr>
-          <a:xfrm>
-            <a:off x="1657349" y="3143250"/>
-            <a:ext cx="4321175" cy="2984343"/>
-          </a:xfrm>
-          <a:prstGeom prst="rect">
-            <a:avLst/>
-          </a:prstGeom>
-          <a:noFill/>
-        </p:spPr>
-        <p:txBody>
-          <a:bodyPr wrap="square" rtlCol="0">
-            <a:spAutoFit/>
-          </a:bodyPr>
-          <a:lstStyle/>
-          <a:p>
-            <a:pPr>
-              <a:lnSpc>
-                <a:spcPct val="150000"/>
-              </a:lnSpc>
-            </a:pPr>
-            <a:r>
-              <a:rPr lang="ko-KR" altLang="en-US" sz="3200" dirty="0">
-                <a:solidFill>
-                  <a:schemeClr val="bg1"/>
-                </a:solidFill>
-                <a:latin typeface="넥슨Lv2고딕 Light" panose="00000300000000000000" pitchFamily="2" charset="-127"/>
-                <a:ea typeface="넥슨Lv2고딕 Light" panose="00000300000000000000" pitchFamily="2" charset="-127"/>
-              </a:rPr>
-              <a:t>플레이어</a:t>
-            </a:r>
-          </a:p>
-          <a:p>
-            <a:pPr>
-              <a:lnSpc>
-                <a:spcPct val="150000"/>
-              </a:lnSpc>
-            </a:pPr>
-            <a:r>
-              <a:rPr lang="ko-KR" altLang="en-US" sz="3200" dirty="0">
-                <a:solidFill>
-                  <a:schemeClr val="bg1"/>
-                </a:solidFill>
-                <a:latin typeface="넥슨Lv2고딕 Light" panose="00000300000000000000" pitchFamily="2" charset="-127"/>
-                <a:ea typeface="넥슨Lv2고딕 Light" panose="00000300000000000000" pitchFamily="2" charset="-127"/>
-              </a:rPr>
-              <a:t>전투</a:t>
-            </a:r>
-            <a:endParaRPr lang="en-US" altLang="ko-KR" sz="3200" dirty="0">
-              <a:solidFill>
-                <a:schemeClr val="bg1"/>
-              </a:solidFill>
-              <a:latin typeface="넥슨Lv2고딕 Light" panose="00000300000000000000" pitchFamily="2" charset="-127"/>
-              <a:ea typeface="넥슨Lv2고딕 Light" panose="00000300000000000000" pitchFamily="2" charset="-127"/>
-            </a:endParaRPr>
-          </a:p>
-          <a:p>
-            <a:pPr>
-              <a:lnSpc>
-                <a:spcPct val="150000"/>
-              </a:lnSpc>
-            </a:pPr>
-            <a:r>
-              <a:rPr lang="ko-KR" altLang="en-US" sz="3200" dirty="0">
-                <a:solidFill>
-                  <a:schemeClr val="bg1"/>
-                </a:solidFill>
-                <a:latin typeface="넥슨Lv2고딕 Light" panose="00000300000000000000" pitchFamily="2" charset="-127"/>
-                <a:ea typeface="넥슨Lv2고딕 Light" panose="00000300000000000000" pitchFamily="2" charset="-127"/>
-              </a:rPr>
-              <a:t>세이브</a:t>
-            </a:r>
-            <a:r>
-              <a:rPr lang="en-US" altLang="ko-KR" sz="3200" dirty="0">
-                <a:solidFill>
-                  <a:schemeClr val="bg1"/>
-                </a:solidFill>
-                <a:latin typeface="넥슨Lv2고딕 Light" panose="00000300000000000000" pitchFamily="2" charset="-127"/>
-                <a:ea typeface="넥슨Lv2고딕 Light" panose="00000300000000000000" pitchFamily="2" charset="-127"/>
-              </a:rPr>
-              <a:t>/</a:t>
-            </a:r>
-            <a:r>
-              <a:rPr lang="ko-KR" altLang="en-US" sz="3200" dirty="0">
-                <a:solidFill>
-                  <a:schemeClr val="bg1"/>
-                </a:solidFill>
-                <a:latin typeface="넥슨Lv2고딕 Light" panose="00000300000000000000" pitchFamily="2" charset="-127"/>
-                <a:ea typeface="넥슨Lv2고딕 Light" panose="00000300000000000000" pitchFamily="2" charset="-127"/>
-              </a:rPr>
-              <a:t>로드</a:t>
-            </a:r>
-            <a:endParaRPr lang="en-US" altLang="ko-KR" sz="3200" dirty="0">
-              <a:solidFill>
-                <a:schemeClr val="bg1"/>
-              </a:solidFill>
-              <a:latin typeface="넥슨Lv2고딕 Light" panose="00000300000000000000" pitchFamily="2" charset="-127"/>
-              <a:ea typeface="넥슨Lv2고딕 Light" panose="00000300000000000000" pitchFamily="2" charset="-127"/>
-            </a:endParaRPr>
-          </a:p>
-          <a:p>
-            <a:pPr>
-              <a:lnSpc>
-                <a:spcPct val="150000"/>
-              </a:lnSpc>
-            </a:pPr>
-            <a:r>
-              <a:rPr lang="ko-KR" altLang="en-US" sz="3200" dirty="0">
-                <a:solidFill>
-                  <a:schemeClr val="bg1"/>
-                </a:solidFill>
-                <a:latin typeface="넥슨Lv2고딕 Light" panose="00000300000000000000" pitchFamily="2" charset="-127"/>
-                <a:ea typeface="넥슨Lv2고딕 Light" panose="00000300000000000000" pitchFamily="2" charset="-127"/>
-              </a:rPr>
-              <a:t>싱글 톤 사용 이유</a:t>
-            </a:r>
-          </a:p>
-        </p:txBody>
-      </p:sp>
-    </p:spTree>
-    <p:extLst>
-      <p:ext uri="{BB962C8B-B14F-4D97-AF65-F5344CB8AC3E}">
-        <p14:creationId xmlns:p14="http://schemas.microsoft.com/office/powerpoint/2010/main" val="2839138623"/>
-      </p:ext>
-    </p:extLst>
-  </p:cSld>
-  <p:clrMapOvr>
-    <a:masterClrMapping/>
-  </p:clrMapOvr>
-</p:sld>
-</file>
-
 <file path=ppt/slides/slide19.xml><?xml version="1.0" encoding="utf-8"?>
 <p:sld xmlns:a="http://schemas.openxmlformats.org/drawingml/2006/main" xmlns:r="http://schemas.openxmlformats.org/officeDocument/2006/relationships" xmlns:p="http://schemas.openxmlformats.org/presentationml/2006/main">
   <p:cSld>
@@ -7431,8 +7673,8 @@
         </p:nvSpPr>
         <p:spPr>
           <a:xfrm>
-            <a:off x="1680310" y="1155929"/>
-            <a:ext cx="3733800" cy="584775"/>
+            <a:off x="1680310" y="1469196"/>
+            <a:ext cx="6650890" cy="1200329"/>
           </a:xfrm>
           <a:prstGeom prst="rect">
             <a:avLst/>
@@ -7446,16 +7688,16 @@
           <a:lstStyle/>
           <a:p>
             <a:r>
-              <a:rPr lang="ko-KR" altLang="en-US" sz="3200" dirty="0">
+              <a:rPr lang="ko-KR" altLang="en-US" sz="7200" dirty="0">
                 <a:solidFill>
                   <a:schemeClr val="bg1"/>
                 </a:solidFill>
                 <a:latin typeface="넥슨Lv2고딕 Bold" panose="00000800000000000000" pitchFamily="2" charset="-127"/>
                 <a:ea typeface="넥슨Lv2고딕 Bold" panose="00000800000000000000" pitchFamily="2" charset="-127"/>
               </a:rPr>
-              <a:t>플레이어</a:t>
-            </a:r>
-            <a:endParaRPr lang="en-US" altLang="ko-KR" sz="3200" dirty="0">
+              <a:t>스크립트</a:t>
+            </a:r>
+            <a:endParaRPr lang="en-US" altLang="ko-KR" sz="7200" dirty="0">
               <a:solidFill>
                 <a:schemeClr val="bg1"/>
               </a:solidFill>
@@ -7467,72 +7709,20 @@
       </p:sp>
       <p:sp>
         <p:nvSpPr>
-          <p:cNvPr id="16" name="직사각형 15">
-            <a:extLst>
-              <a:ext uri="{FF2B5EF4-FFF2-40B4-BE49-F238E27FC236}">
-                <a16:creationId xmlns:a16="http://schemas.microsoft.com/office/drawing/2014/main" id="{06D4D73C-002A-B871-4E9F-3C2F2EFA95F6}"/>
-              </a:ext>
-            </a:extLst>
-          </p:cNvPr>
-          <p:cNvSpPr/>
+          <p:cNvPr id="11" name="TextBox 10">
+            <a:extLst>
+              <a:ext uri="{FF2B5EF4-FFF2-40B4-BE49-F238E27FC236}">
+                <a16:creationId xmlns:a16="http://schemas.microsoft.com/office/drawing/2014/main" id="{E10A1302-F34C-6112-2BB3-EF054A096FF3}"/>
+              </a:ext>
+            </a:extLst>
+          </p:cNvPr>
+          <p:cNvSpPr txBox="1"/>
           <p:nvPr/>
         </p:nvSpPr>
         <p:spPr>
           <a:xfrm>
-            <a:off x="1660524" y="1262063"/>
-            <a:ext cx="45719" cy="366711"/>
-          </a:xfrm>
-          <a:prstGeom prst="rect">
-            <a:avLst/>
-          </a:prstGeom>
-          <a:solidFill>
-            <a:schemeClr val="bg1"/>
-          </a:solidFill>
-          <a:ln>
-            <a:noFill/>
-          </a:ln>
-        </p:spPr>
-        <p:style>
-          <a:lnRef idx="2">
-            <a:schemeClr val="accent1">
-              <a:shade val="50000"/>
-            </a:schemeClr>
-          </a:lnRef>
-          <a:fillRef idx="1">
-            <a:schemeClr val="accent1"/>
-          </a:fillRef>
-          <a:effectRef idx="0">
-            <a:schemeClr val="accent1"/>
-          </a:effectRef>
-          <a:fontRef idx="minor">
-            <a:schemeClr val="lt1"/>
-          </a:fontRef>
-        </p:style>
-        <p:txBody>
-          <a:bodyPr rtlCol="0" anchor="ctr"/>
-          <a:lstStyle/>
-          <a:p>
-            <a:pPr algn="ctr"/>
-            <a:endParaRPr lang="ko-KR" altLang="en-US"/>
-          </a:p>
-        </p:txBody>
-      </p:sp>
-      <p:sp>
-        <p:nvSpPr>
-          <p:cNvPr id="19" name="TextBox 18">
-            <a:extLst>
-              <a:ext uri="{FF2B5EF4-FFF2-40B4-BE49-F238E27FC236}">
-                <a16:creationId xmlns:a16="http://schemas.microsoft.com/office/drawing/2014/main" id="{5316A27D-F818-472F-350E-CD328A0375DC}"/>
-              </a:ext>
-            </a:extLst>
-          </p:cNvPr>
-          <p:cNvSpPr txBox="1"/>
-          <p:nvPr/>
-        </p:nvSpPr>
-        <p:spPr>
-          <a:xfrm>
-            <a:off x="1680309" y="2074745"/>
-            <a:ext cx="8736865" cy="2277034"/>
+            <a:off x="1657349" y="3143250"/>
+            <a:ext cx="4321175" cy="2984343"/>
           </a:xfrm>
           <a:prstGeom prst="rect">
             <a:avLst/>
@@ -7551,16 +7741,33 @@
               </a:lnSpc>
             </a:pPr>
             <a:r>
-              <a:rPr lang="ko-KR" altLang="en-US" sz="1600" dirty="0">
-                <a:solidFill>
-                  <a:schemeClr val="bg1"/>
-                </a:solidFill>
-                <a:latin typeface="넥슨Lv2고딕 Light" panose="00000300000000000000" pitchFamily="2" charset="-127"/>
-                <a:ea typeface="넥슨Lv2고딕 Light" panose="00000300000000000000" pitchFamily="2" charset="-127"/>
-              </a:rPr>
-              <a:t>플레이어의 정보를 가지고 있으며</a:t>
-            </a:r>
-            <a:endParaRPr lang="en-US" altLang="ko-KR" sz="1600" dirty="0">
+              <a:rPr lang="ko-KR" altLang="en-US" sz="3200" dirty="0">
+                <a:solidFill>
+                  <a:schemeClr val="bg1"/>
+                </a:solidFill>
+                <a:latin typeface="넥슨Lv2고딕 Light" panose="00000300000000000000" pitchFamily="2" charset="-127"/>
+                <a:ea typeface="넥슨Lv2고딕 Light" panose="00000300000000000000" pitchFamily="2" charset="-127"/>
+              </a:rPr>
+              <a:t>플레이어</a:t>
+            </a:r>
+          </a:p>
+          <a:p>
+            <a:pPr>
+              <a:lnSpc>
+                <a:spcPct val="150000"/>
+              </a:lnSpc>
+            </a:pPr>
+            <a:r>
+              <a:rPr lang="ko-KR" altLang="en-US" sz="3200" dirty="0">
+                <a:solidFill>
+                  <a:schemeClr val="bg1"/>
+                </a:solidFill>
+                <a:latin typeface="넥슨Lv2고딕 Light" panose="00000300000000000000" pitchFamily="2" charset="-127"/>
+                <a:ea typeface="넥슨Lv2고딕 Light" panose="00000300000000000000" pitchFamily="2" charset="-127"/>
+              </a:rPr>
+              <a:t>전투</a:t>
+            </a:r>
+            <a:endParaRPr lang="en-US" altLang="ko-KR" sz="3200" dirty="0">
               <a:solidFill>
                 <a:schemeClr val="bg1"/>
               </a:solidFill>
@@ -7575,56 +7782,36 @@
               </a:lnSpc>
             </a:pPr>
             <a:r>
-              <a:rPr lang="ko-KR" altLang="en-US" sz="1600" dirty="0">
-                <a:solidFill>
-                  <a:schemeClr val="bg1"/>
-                </a:solidFill>
-                <a:latin typeface="넥슨Lv2고딕 Light" panose="00000300000000000000" pitchFamily="2" charset="-127"/>
-                <a:ea typeface="넥슨Lv2고딕 Light" panose="00000300000000000000" pitchFamily="2" charset="-127"/>
-              </a:rPr>
-              <a:t>변경에 따른</a:t>
-            </a:r>
-            <a:r>
-              <a:rPr lang="en-US" altLang="ko-KR" sz="1600" dirty="0">
-                <a:solidFill>
-                  <a:schemeClr val="bg1"/>
-                </a:solidFill>
-                <a:latin typeface="넥슨Lv2고딕 Light" panose="00000300000000000000" pitchFamily="2" charset="-127"/>
-                <a:ea typeface="넥슨Lv2고딕 Light" panose="00000300000000000000" pitchFamily="2" charset="-127"/>
-              </a:rPr>
-              <a:t> </a:t>
-            </a:r>
-            <a:r>
-              <a:rPr lang="ko-KR" altLang="en-US" sz="1600" dirty="0">
-                <a:solidFill>
-                  <a:schemeClr val="bg1"/>
-                </a:solidFill>
-                <a:latin typeface="넥슨Lv2고딕 Light" panose="00000300000000000000" pitchFamily="2" charset="-127"/>
-                <a:ea typeface="넥슨Lv2고딕 Light" panose="00000300000000000000" pitchFamily="2" charset="-127"/>
-              </a:rPr>
-              <a:t>이벤트를 발생시키는</a:t>
-            </a:r>
-            <a:r>
-              <a:rPr lang="en-US" altLang="ko-KR" sz="1600" dirty="0">
-                <a:solidFill>
-                  <a:schemeClr val="bg1"/>
-                </a:solidFill>
-                <a:latin typeface="넥슨Lv2고딕 Light" panose="00000300000000000000" pitchFamily="2" charset="-127"/>
-                <a:ea typeface="넥슨Lv2고딕 Light" panose="00000300000000000000" pitchFamily="2" charset="-127"/>
-              </a:rPr>
-              <a:t> </a:t>
-            </a:r>
-            <a:r>
-              <a:rPr lang="ko-KR" altLang="en-US" sz="1600" dirty="0">
-                <a:solidFill>
-                  <a:schemeClr val="bg1"/>
-                </a:solidFill>
-                <a:latin typeface="넥슨Lv2고딕 Light" panose="00000300000000000000" pitchFamily="2" charset="-127"/>
-                <a:ea typeface="넥슨Lv2고딕 Light" panose="00000300000000000000" pitchFamily="2" charset="-127"/>
-              </a:rPr>
-              <a:t>클래스</a:t>
-            </a:r>
-            <a:endParaRPr lang="en-US" altLang="ko-KR" sz="1600" dirty="0">
+              <a:rPr lang="ko-KR" altLang="en-US" sz="3200" dirty="0">
+                <a:solidFill>
+                  <a:schemeClr val="bg1"/>
+                </a:solidFill>
+                <a:latin typeface="넥슨Lv2고딕 Light" panose="00000300000000000000" pitchFamily="2" charset="-127"/>
+                <a:ea typeface="넥슨Lv2고딕 Light" panose="00000300000000000000" pitchFamily="2" charset="-127"/>
+              </a:rPr>
+              <a:t>세이브</a:t>
+            </a:r>
+            <a:r>
+              <a:rPr lang="en-US" altLang="ko-KR" sz="3200" dirty="0">
+                <a:solidFill>
+                  <a:schemeClr val="bg1"/>
+                </a:solidFill>
+                <a:latin typeface="넥슨Lv2고딕 Light" panose="00000300000000000000" pitchFamily="2" charset="-127"/>
+                <a:ea typeface="넥슨Lv2고딕 Light" panose="00000300000000000000" pitchFamily="2" charset="-127"/>
+              </a:rPr>
+              <a:t>/</a:t>
+            </a:r>
+            <a:r>
+              <a:rPr lang="ko-KR" altLang="en-US" sz="3200" dirty="0">
+                <a:solidFill>
+                  <a:schemeClr val="bg1"/>
+                </a:solidFill>
+                <a:latin typeface="넥슨Lv2고딕 Light" panose="00000300000000000000" pitchFamily="2" charset="-127"/>
+                <a:ea typeface="넥슨Lv2고딕 Light" panose="00000300000000000000" pitchFamily="2" charset="-127"/>
+              </a:rPr>
+              <a:t>로드</a:t>
+            </a:r>
+            <a:endParaRPr lang="en-US" altLang="ko-KR" sz="3200" dirty="0">
               <a:solidFill>
                 <a:schemeClr val="bg1"/>
               </a:solidFill>
@@ -7638,204 +7825,23 @@
                 <a:spcPct val="150000"/>
               </a:lnSpc>
             </a:pPr>
-            <a:endParaRPr lang="en-US" altLang="ko-KR" sz="1600" dirty="0">
-              <a:solidFill>
-                <a:schemeClr val="bg1"/>
-              </a:solidFill>
-              <a:latin typeface="넥슨Lv2고딕 Light" panose="00000300000000000000" pitchFamily="2" charset="-127"/>
-              <a:ea typeface="넥슨Lv2고딕 Light" panose="00000300000000000000" pitchFamily="2" charset="-127"/>
-            </a:endParaRPr>
-          </a:p>
-          <a:p>
-            <a:pPr>
-              <a:lnSpc>
-                <a:spcPct val="150000"/>
-              </a:lnSpc>
-            </a:pPr>
-            <a:r>
-              <a:rPr lang="ko-KR" altLang="en-US" sz="1600" dirty="0">
-                <a:solidFill>
-                  <a:schemeClr val="bg1"/>
-                </a:solidFill>
-                <a:latin typeface="넥슨Lv2고딕 Light" panose="00000300000000000000" pitchFamily="2" charset="-127"/>
-                <a:ea typeface="넥슨Lv2고딕 Light" panose="00000300000000000000" pitchFamily="2" charset="-127"/>
-              </a:rPr>
-              <a:t>코인의 값이 </a:t>
-            </a:r>
-            <a:r>
-              <a:rPr lang="en-US" altLang="ko-KR" sz="1600" dirty="0">
-                <a:solidFill>
-                  <a:schemeClr val="bg1"/>
-                </a:solidFill>
-                <a:latin typeface="넥슨Lv2고딕 Light" panose="00000300000000000000" pitchFamily="2" charset="-127"/>
-                <a:ea typeface="넥슨Lv2고딕 Light" panose="00000300000000000000" pitchFamily="2" charset="-127"/>
-              </a:rPr>
-              <a:t>0 </a:t>
-            </a:r>
-            <a:r>
-              <a:rPr lang="ko-KR" altLang="en-US" sz="1600" dirty="0">
-                <a:solidFill>
-                  <a:schemeClr val="bg1"/>
-                </a:solidFill>
-                <a:latin typeface="넥슨Lv2고딕 Light" panose="00000300000000000000" pitchFamily="2" charset="-127"/>
-                <a:ea typeface="넥슨Lv2고딕 Light" panose="00000300000000000000" pitchFamily="2" charset="-127"/>
-              </a:rPr>
-              <a:t>밑으로 내려가지 않도록</a:t>
-            </a:r>
-            <a:endParaRPr lang="en-US" altLang="ko-KR" sz="1600" dirty="0">
-              <a:solidFill>
-                <a:schemeClr val="bg1"/>
-              </a:solidFill>
-              <a:latin typeface="넥슨Lv2고딕 Light" panose="00000300000000000000" pitchFamily="2" charset="-127"/>
-              <a:ea typeface="넥슨Lv2고딕 Light" panose="00000300000000000000" pitchFamily="2" charset="-127"/>
-            </a:endParaRPr>
-          </a:p>
-          <a:p>
-            <a:pPr>
-              <a:lnSpc>
-                <a:spcPct val="150000"/>
-              </a:lnSpc>
-            </a:pPr>
-            <a:r>
-              <a:rPr lang="en-US" altLang="ko-KR" sz="1600" dirty="0">
-                <a:solidFill>
-                  <a:schemeClr val="bg1"/>
-                </a:solidFill>
-                <a:latin typeface="넥슨Lv2고딕 Light" panose="00000300000000000000" pitchFamily="2" charset="-127"/>
-                <a:ea typeface="넥슨Lv2고딕 Light" panose="00000300000000000000" pitchFamily="2" charset="-127"/>
-              </a:rPr>
-              <a:t>Max </a:t>
-            </a:r>
-            <a:r>
-              <a:rPr lang="ko-KR" altLang="en-US" sz="1600" dirty="0">
-                <a:solidFill>
-                  <a:schemeClr val="bg1"/>
-                </a:solidFill>
-                <a:latin typeface="넥슨Lv2고딕 Light" panose="00000300000000000000" pitchFamily="2" charset="-127"/>
-                <a:ea typeface="넥슨Lv2고딕 Light" panose="00000300000000000000" pitchFamily="2" charset="-127"/>
-              </a:rPr>
-              <a:t>함수를 이용해 처리하며</a:t>
-            </a:r>
-            <a:endParaRPr lang="en-US" altLang="ko-KR" sz="1600" dirty="0">
-              <a:solidFill>
-                <a:schemeClr val="bg1"/>
-              </a:solidFill>
-              <a:latin typeface="넥슨Lv2고딕 Light" panose="00000300000000000000" pitchFamily="2" charset="-127"/>
-              <a:ea typeface="넥슨Lv2고딕 Light" panose="00000300000000000000" pitchFamily="2" charset="-127"/>
-            </a:endParaRPr>
-          </a:p>
-          <a:p>
-            <a:pPr>
-              <a:lnSpc>
-                <a:spcPct val="150000"/>
-              </a:lnSpc>
-            </a:pPr>
-            <a:r>
-              <a:rPr lang="ko-KR" altLang="en-US" sz="1600" dirty="0">
-                <a:solidFill>
-                  <a:schemeClr val="bg1"/>
-                </a:solidFill>
-                <a:latin typeface="넥슨Lv2고딕 Light" panose="00000300000000000000" pitchFamily="2" charset="-127"/>
-                <a:ea typeface="넥슨Lv2고딕 Light" panose="00000300000000000000" pitchFamily="2" charset="-127"/>
-              </a:rPr>
-              <a:t>이후 이벤트를 발생시킨다</a:t>
-            </a:r>
-            <a:endParaRPr lang="en-US" altLang="ko-KR" sz="1600" dirty="0">
-              <a:solidFill>
-                <a:schemeClr val="bg1"/>
-              </a:solidFill>
-              <a:latin typeface="넥슨Lv2고딕 Light" panose="00000300000000000000" pitchFamily="2" charset="-127"/>
-              <a:ea typeface="넥슨Lv2고딕 Light" panose="00000300000000000000" pitchFamily="2" charset="-127"/>
-            </a:endParaRPr>
-          </a:p>
-        </p:txBody>
-      </p:sp>
-      <p:pic>
-        <p:nvPicPr>
-          <p:cNvPr id="7" name="그림 6">
-            <a:extLst>
-              <a:ext uri="{FF2B5EF4-FFF2-40B4-BE49-F238E27FC236}">
-                <a16:creationId xmlns:a16="http://schemas.microsoft.com/office/drawing/2014/main" id="{DC5CEB0A-B6C1-C993-2921-E0F6BDB78D49}"/>
-              </a:ext>
-            </a:extLst>
-          </p:cNvPr>
-          <p:cNvPicPr>
-            <a:picLocks noChangeAspect="1"/>
-          </p:cNvPicPr>
-          <p:nvPr/>
-        </p:nvPicPr>
-        <p:blipFill>
-          <a:blip r:embed="rId2"/>
-          <a:stretch>
-            <a:fillRect/>
-          </a:stretch>
-        </p:blipFill>
-        <p:spPr>
-          <a:xfrm>
-            <a:off x="6678201" y="1628774"/>
-            <a:ext cx="3738973" cy="4508089"/>
-          </a:xfrm>
-          <a:prstGeom prst="rect">
-            <a:avLst/>
-          </a:prstGeom>
-        </p:spPr>
-      </p:pic>
-      <p:sp>
-        <p:nvSpPr>
-          <p:cNvPr id="8" name="직사각형 7">
-            <a:extLst>
-              <a:ext uri="{FF2B5EF4-FFF2-40B4-BE49-F238E27FC236}">
-                <a16:creationId xmlns:a16="http://schemas.microsoft.com/office/drawing/2014/main" id="{E6A5C31E-73AD-B758-FB1B-EEA83E88CFF8}"/>
-              </a:ext>
-            </a:extLst>
-          </p:cNvPr>
-          <p:cNvSpPr/>
-          <p:nvPr/>
-        </p:nvSpPr>
-        <p:spPr>
-          <a:xfrm>
-            <a:off x="7378700" y="4133850"/>
-            <a:ext cx="2927350" cy="523875"/>
-          </a:xfrm>
-          <a:prstGeom prst="rect">
-            <a:avLst/>
-          </a:prstGeom>
-          <a:noFill/>
-          <a:ln>
-            <a:solidFill>
-              <a:srgbClr val="EA473B"/>
-            </a:solidFill>
-          </a:ln>
-        </p:spPr>
-        <p:style>
-          <a:lnRef idx="2">
-            <a:schemeClr val="accent1">
-              <a:shade val="50000"/>
-            </a:schemeClr>
-          </a:lnRef>
-          <a:fillRef idx="1">
-            <a:schemeClr val="accent1"/>
-          </a:fillRef>
-          <a:effectRef idx="0">
-            <a:schemeClr val="accent1"/>
-          </a:effectRef>
-          <a:fontRef idx="minor">
-            <a:schemeClr val="lt1"/>
-          </a:fontRef>
-        </p:style>
-        <p:txBody>
-          <a:bodyPr rtlCol="0" anchor="ctr"/>
-          <a:lstStyle/>
-          <a:p>
-            <a:pPr algn="ctr"/>
-            <a:endParaRPr lang="ko-KR" altLang="en-US"/>
+            <a:r>
+              <a:rPr lang="ko-KR" altLang="en-US" sz="3200" dirty="0">
+                <a:solidFill>
+                  <a:schemeClr val="bg1"/>
+                </a:solidFill>
+                <a:latin typeface="넥슨Lv2고딕 Light" panose="00000300000000000000" pitchFamily="2" charset="-127"/>
+                <a:ea typeface="넥슨Lv2고딕 Light" panose="00000300000000000000" pitchFamily="2" charset="-127"/>
+              </a:rPr>
+              <a:t>싱글 톤 사용 이유</a:t>
+            </a:r>
           </a:p>
         </p:txBody>
       </p:sp>
     </p:spTree>
     <p:extLst>
       <p:ext uri="{BB962C8B-B14F-4D97-AF65-F5344CB8AC3E}">
-        <p14:creationId xmlns:p14="http://schemas.microsoft.com/office/powerpoint/2010/main" val="1560351109"/>
+        <p14:creationId xmlns:p14="http://schemas.microsoft.com/office/powerpoint/2010/main" val="2839138623"/>
       </p:ext>
     </p:extLst>
   </p:cSld>
@@ -8277,36 +8283,6 @@
           <a:chExt cx="0" cy="0"/>
         </a:xfrm>
       </p:grpSpPr>
-      <p:pic>
-        <p:nvPicPr>
-          <p:cNvPr id="3" name="그림 2">
-            <a:extLst>
-              <a:ext uri="{FF2B5EF4-FFF2-40B4-BE49-F238E27FC236}">
-                <a16:creationId xmlns:a16="http://schemas.microsoft.com/office/drawing/2014/main" id="{52FBCEAC-FCFE-5140-5A8E-0EB02D1023C1}"/>
-              </a:ext>
-            </a:extLst>
-          </p:cNvPr>
-          <p:cNvPicPr>
-            <a:picLocks noChangeAspect="1"/>
-          </p:cNvPicPr>
-          <p:nvPr/>
-        </p:nvPicPr>
-        <p:blipFill>
-          <a:blip r:embed="rId2"/>
-          <a:stretch>
-            <a:fillRect/>
-          </a:stretch>
-        </p:blipFill>
-        <p:spPr>
-          <a:xfrm>
-            <a:off x="7473692" y="1628775"/>
-            <a:ext cx="2934109" cy="3200847"/>
-          </a:xfrm>
-          <a:prstGeom prst="rect">
-            <a:avLst/>
-          </a:prstGeom>
-        </p:spPr>
-      </p:pic>
       <p:sp>
         <p:nvSpPr>
           <p:cNvPr id="15" name="TextBox 14">
@@ -8343,7 +8319,7 @@
                 <a:latin typeface="넥슨Lv2고딕 Bold" panose="00000800000000000000" pitchFamily="2" charset="-127"/>
                 <a:ea typeface="넥슨Lv2고딕 Bold" panose="00000800000000000000" pitchFamily="2" charset="-127"/>
               </a:rPr>
-              <a:t>전투</a:t>
+              <a:t>플레이어</a:t>
             </a:r>
             <a:endParaRPr lang="en-US" altLang="ko-KR" sz="3200" dirty="0">
               <a:solidFill>
@@ -8422,7 +8398,7 @@
         <p:spPr>
           <a:xfrm>
             <a:off x="1680309" y="2074745"/>
-            <a:ext cx="8736865" cy="1538370"/>
+            <a:ext cx="8736865" cy="2277034"/>
           </a:xfrm>
           <a:prstGeom prst="rect">
             <a:avLst/>
@@ -8448,7 +8424,7 @@
                 <a:latin typeface="넥슨Lv2고딕 Light" panose="00000300000000000000" pitchFamily="2" charset="-127"/>
                 <a:ea typeface="넥슨Lv2고딕 Light" panose="00000300000000000000" pitchFamily="2" charset="-127"/>
               </a:rPr>
-              <a:t>공격이 끝난 이후 턴종료를 알리기 위해</a:t>
+              <a:t>플레이어의 정보를 가지고 있으며</a:t>
             </a:r>
             <a:endParaRPr lang="en-US" altLang="ko-KR" sz="1600" dirty="0">
               <a:solidFill>
@@ -8465,14 +8441,14 @@
               </a:lnSpc>
             </a:pPr>
             <a:r>
-              <a:rPr lang="en-US" altLang="ko-KR" sz="1600" dirty="0" err="1">
-                <a:solidFill>
-                  <a:schemeClr val="bg1"/>
-                </a:solidFill>
-                <a:latin typeface="넥슨Lv2고딕 Light" panose="00000300000000000000" pitchFamily="2" charset="-127"/>
-                <a:ea typeface="넥슨Lv2고딕 Light" panose="00000300000000000000" pitchFamily="2" charset="-127"/>
-              </a:rPr>
-              <a:t>TurnEnd</a:t>
+              <a:rPr lang="ko-KR" altLang="en-US" sz="1600" dirty="0">
+                <a:solidFill>
+                  <a:schemeClr val="bg1"/>
+                </a:solidFill>
+                <a:latin typeface="넥슨Lv2고딕 Light" panose="00000300000000000000" pitchFamily="2" charset="-127"/>
+                <a:ea typeface="넥슨Lv2고딕 Light" panose="00000300000000000000" pitchFamily="2" charset="-127"/>
+              </a:rPr>
+              <a:t>변경에 따른</a:t>
             </a:r>
             <a:r>
               <a:rPr lang="en-US" altLang="ko-KR" sz="1600" dirty="0">
@@ -8492,15 +8468,18 @@
                 <a:latin typeface="넥슨Lv2고딕 Light" panose="00000300000000000000" pitchFamily="2" charset="-127"/>
                 <a:ea typeface="넥슨Lv2고딕 Light" panose="00000300000000000000" pitchFamily="2" charset="-127"/>
               </a:rPr>
-              <a:t>함수를 콜 백 하도록 만들었으며</a:t>
-            </a:r>
-          </a:p>
-          <a:p>
-            <a:pPr>
-              <a:lnSpc>
-                <a:spcPct val="150000"/>
-              </a:lnSpc>
-            </a:pPr>
+              <a:t>이벤트를 발생시키는</a:t>
+            </a:r>
+            <a:r>
+              <a:rPr lang="en-US" altLang="ko-KR" sz="1600" dirty="0">
+                <a:solidFill>
+                  <a:schemeClr val="bg1"/>
+                </a:solidFill>
+                <a:latin typeface="넥슨Lv2고딕 Light" panose="00000300000000000000" pitchFamily="2" charset="-127"/>
+                <a:ea typeface="넥슨Lv2고딕 Light" panose="00000300000000000000" pitchFamily="2" charset="-127"/>
+              </a:rPr>
+              <a:t> </a:t>
+            </a:r>
             <a:r>
               <a:rPr lang="ko-KR" altLang="en-US" sz="1600" dirty="0">
                 <a:solidFill>
@@ -8509,7 +8488,7 @@
                 <a:latin typeface="넥슨Lv2고딕 Light" panose="00000300000000000000" pitchFamily="2" charset="-127"/>
                 <a:ea typeface="넥슨Lv2고딕 Light" panose="00000300000000000000" pitchFamily="2" charset="-127"/>
               </a:rPr>
-              <a:t>플레이어 또는 적이 죽을 때까지</a:t>
+              <a:t>클래스</a:t>
             </a:r>
             <a:endParaRPr lang="en-US" altLang="ko-KR" sz="1600" dirty="0">
               <a:solidFill>
@@ -8525,16 +8504,6 @@
                 <a:spcPct val="150000"/>
               </a:lnSpc>
             </a:pPr>
-            <a:r>
-              <a:rPr lang="ko-KR" altLang="en-US" sz="1600" dirty="0">
-                <a:solidFill>
-                  <a:schemeClr val="bg1"/>
-                </a:solidFill>
-                <a:latin typeface="넥슨Lv2고딕 Light" panose="00000300000000000000" pitchFamily="2" charset="-127"/>
-                <a:ea typeface="넥슨Lv2고딕 Light" panose="00000300000000000000" pitchFamily="2" charset="-127"/>
-              </a:rPr>
-              <a:t>재귀적으로 번갈아 가며 호출하며 작동한다</a:t>
-            </a:r>
             <a:endParaRPr lang="en-US" altLang="ko-KR" sz="1600" dirty="0">
               <a:solidFill>
                 <a:schemeClr val="bg1"/>
@@ -8543,8 +8512,140 @@
               <a:ea typeface="넥슨Lv2고딕 Light" panose="00000300000000000000" pitchFamily="2" charset="-127"/>
             </a:endParaRPr>
           </a:p>
-        </p:txBody>
-      </p:sp>
+          <a:p>
+            <a:pPr>
+              <a:lnSpc>
+                <a:spcPct val="150000"/>
+              </a:lnSpc>
+            </a:pPr>
+            <a:r>
+              <a:rPr lang="ko-KR" altLang="en-US" sz="1600" dirty="0">
+                <a:solidFill>
+                  <a:schemeClr val="bg1"/>
+                </a:solidFill>
+                <a:latin typeface="넥슨Lv2고딕 Light" panose="00000300000000000000" pitchFamily="2" charset="-127"/>
+                <a:ea typeface="넥슨Lv2고딕 Light" panose="00000300000000000000" pitchFamily="2" charset="-127"/>
+              </a:rPr>
+              <a:t>코인의 값이 </a:t>
+            </a:r>
+            <a:r>
+              <a:rPr lang="en-US" altLang="ko-KR" sz="1600" dirty="0">
+                <a:solidFill>
+                  <a:schemeClr val="bg1"/>
+                </a:solidFill>
+                <a:latin typeface="넥슨Lv2고딕 Light" panose="00000300000000000000" pitchFamily="2" charset="-127"/>
+                <a:ea typeface="넥슨Lv2고딕 Light" panose="00000300000000000000" pitchFamily="2" charset="-127"/>
+              </a:rPr>
+              <a:t>0 </a:t>
+            </a:r>
+            <a:r>
+              <a:rPr lang="ko-KR" altLang="en-US" sz="1600" dirty="0">
+                <a:solidFill>
+                  <a:schemeClr val="bg1"/>
+                </a:solidFill>
+                <a:latin typeface="넥슨Lv2고딕 Light" panose="00000300000000000000" pitchFamily="2" charset="-127"/>
+                <a:ea typeface="넥슨Lv2고딕 Light" panose="00000300000000000000" pitchFamily="2" charset="-127"/>
+              </a:rPr>
+              <a:t>밑으로 내려가지 않도록</a:t>
+            </a:r>
+            <a:endParaRPr lang="en-US" altLang="ko-KR" sz="1600" dirty="0">
+              <a:solidFill>
+                <a:schemeClr val="bg1"/>
+              </a:solidFill>
+              <a:latin typeface="넥슨Lv2고딕 Light" panose="00000300000000000000" pitchFamily="2" charset="-127"/>
+              <a:ea typeface="넥슨Lv2고딕 Light" panose="00000300000000000000" pitchFamily="2" charset="-127"/>
+            </a:endParaRPr>
+          </a:p>
+          <a:p>
+            <a:pPr>
+              <a:lnSpc>
+                <a:spcPct val="150000"/>
+              </a:lnSpc>
+            </a:pPr>
+            <a:r>
+              <a:rPr lang="en-US" altLang="ko-KR" sz="1600" dirty="0">
+                <a:solidFill>
+                  <a:schemeClr val="bg1"/>
+                </a:solidFill>
+                <a:latin typeface="넥슨Lv2고딕 Light" panose="00000300000000000000" pitchFamily="2" charset="-127"/>
+                <a:ea typeface="넥슨Lv2고딕 Light" panose="00000300000000000000" pitchFamily="2" charset="-127"/>
+              </a:rPr>
+              <a:t>Max </a:t>
+            </a:r>
+            <a:r>
+              <a:rPr lang="ko-KR" altLang="en-US" sz="1600" dirty="0">
+                <a:solidFill>
+                  <a:schemeClr val="bg1"/>
+                </a:solidFill>
+                <a:latin typeface="넥슨Lv2고딕 Light" panose="00000300000000000000" pitchFamily="2" charset="-127"/>
+                <a:ea typeface="넥슨Lv2고딕 Light" panose="00000300000000000000" pitchFamily="2" charset="-127"/>
+              </a:rPr>
+              <a:t>함수를 이용해 처리하며</a:t>
+            </a:r>
+            <a:endParaRPr lang="en-US" altLang="ko-KR" sz="1600" dirty="0">
+              <a:solidFill>
+                <a:schemeClr val="bg1"/>
+              </a:solidFill>
+              <a:latin typeface="넥슨Lv2고딕 Light" panose="00000300000000000000" pitchFamily="2" charset="-127"/>
+              <a:ea typeface="넥슨Lv2고딕 Light" panose="00000300000000000000" pitchFamily="2" charset="-127"/>
+            </a:endParaRPr>
+          </a:p>
+          <a:p>
+            <a:pPr>
+              <a:lnSpc>
+                <a:spcPct val="150000"/>
+              </a:lnSpc>
+            </a:pPr>
+            <a:r>
+              <a:rPr lang="ko-KR" altLang="en-US" sz="1600" dirty="0">
+                <a:solidFill>
+                  <a:schemeClr val="bg1"/>
+                </a:solidFill>
+                <a:latin typeface="넥슨Lv2고딕 Light" panose="00000300000000000000" pitchFamily="2" charset="-127"/>
+                <a:ea typeface="넥슨Lv2고딕 Light" panose="00000300000000000000" pitchFamily="2" charset="-127"/>
+              </a:rPr>
+              <a:t>이후 이벤트를 발생시킨다</a:t>
+            </a:r>
+            <a:endParaRPr lang="en-US" altLang="ko-KR" sz="1600" dirty="0">
+              <a:solidFill>
+                <a:schemeClr val="bg1"/>
+              </a:solidFill>
+              <a:latin typeface="넥슨Lv2고딕 Light" panose="00000300000000000000" pitchFamily="2" charset="-127"/>
+              <a:ea typeface="넥슨Lv2고딕 Light" panose="00000300000000000000" pitchFamily="2" charset="-127"/>
+            </a:endParaRPr>
+          </a:p>
+        </p:txBody>
+      </p:sp>
+      <p:pic>
+        <p:nvPicPr>
+          <p:cNvPr id="7" name="그림 6">
+            <a:extLst>
+              <a:ext uri="{FF2B5EF4-FFF2-40B4-BE49-F238E27FC236}">
+                <a16:creationId xmlns:a16="http://schemas.microsoft.com/office/drawing/2014/main" id="{DC5CEB0A-B6C1-C993-2921-E0F6BDB78D49}"/>
+              </a:ext>
+            </a:extLst>
+          </p:cNvPr>
+          <p:cNvPicPr>
+            <a:picLocks noChangeAspect="1"/>
+          </p:cNvPicPr>
+          <p:nvPr/>
+        </p:nvPicPr>
+        <p:blipFill>
+          <a:blip r:embed="rId2"/>
+          <a:stretch>
+            <a:fillRect/>
+          </a:stretch>
+        </p:blipFill>
+        <p:spPr>
+          <a:xfrm>
+            <a:off x="6678201" y="1628774"/>
+            <a:ext cx="3738973" cy="4508089"/>
+          </a:xfrm>
+          <a:prstGeom prst="rect">
+            <a:avLst/>
+          </a:prstGeom>
+        </p:spPr>
+      </p:pic>
       <p:sp>
         <p:nvSpPr>
           <p:cNvPr id="8" name="직사각형 7">
@@ -8559,8 +8660,8 @@
         </p:nvSpPr>
         <p:spPr>
           <a:xfrm>
-            <a:off x="8083550" y="2457450"/>
-            <a:ext cx="1929130" cy="523875"/>
+            <a:off x="7378700" y="4133850"/>
+            <a:ext cx="2927350" cy="523875"/>
           </a:xfrm>
           <a:prstGeom prst="rect">
             <a:avLst/>
@@ -8600,7 +8701,7 @@
     </p:spTree>
     <p:extLst>
       <p:ext uri="{BB962C8B-B14F-4D97-AF65-F5344CB8AC3E}">
-        <p14:creationId xmlns:p14="http://schemas.microsoft.com/office/powerpoint/2010/main" val="3082058199"/>
+        <p14:creationId xmlns:p14="http://schemas.microsoft.com/office/powerpoint/2010/main" val="1560351109"/>
       </p:ext>
     </p:extLst>
   </p:cSld>
@@ -8635,6 +8736,364 @@
           <a:chExt cx="0" cy="0"/>
         </a:xfrm>
       </p:grpSpPr>
+      <p:pic>
+        <p:nvPicPr>
+          <p:cNvPr id="3" name="그림 2">
+            <a:extLst>
+              <a:ext uri="{FF2B5EF4-FFF2-40B4-BE49-F238E27FC236}">
+                <a16:creationId xmlns:a16="http://schemas.microsoft.com/office/drawing/2014/main" id="{52FBCEAC-FCFE-5140-5A8E-0EB02D1023C1}"/>
+              </a:ext>
+            </a:extLst>
+          </p:cNvPr>
+          <p:cNvPicPr>
+            <a:picLocks noChangeAspect="1"/>
+          </p:cNvPicPr>
+          <p:nvPr/>
+        </p:nvPicPr>
+        <p:blipFill>
+          <a:blip r:embed="rId2"/>
+          <a:stretch>
+            <a:fillRect/>
+          </a:stretch>
+        </p:blipFill>
+        <p:spPr>
+          <a:xfrm>
+            <a:off x="7473692" y="1628775"/>
+            <a:ext cx="2934109" cy="3200847"/>
+          </a:xfrm>
+          <a:prstGeom prst="rect">
+            <a:avLst/>
+          </a:prstGeom>
+        </p:spPr>
+      </p:pic>
+      <p:sp>
+        <p:nvSpPr>
+          <p:cNvPr id="15" name="TextBox 14">
+            <a:extLst>
+              <a:ext uri="{FF2B5EF4-FFF2-40B4-BE49-F238E27FC236}">
+                <a16:creationId xmlns:a16="http://schemas.microsoft.com/office/drawing/2014/main" id="{BA04418A-3697-DF14-5B90-D9AC7CE43E2B}"/>
+              </a:ext>
+            </a:extLst>
+          </p:cNvPr>
+          <p:cNvSpPr txBox="1"/>
+          <p:nvPr/>
+        </p:nvSpPr>
+        <p:spPr>
+          <a:xfrm>
+            <a:off x="1680310" y="1155929"/>
+            <a:ext cx="3733800" cy="584775"/>
+          </a:xfrm>
+          <a:prstGeom prst="rect">
+            <a:avLst/>
+          </a:prstGeom>
+          <a:noFill/>
+        </p:spPr>
+        <p:txBody>
+          <a:bodyPr wrap="square" rtlCol="0">
+            <a:spAutoFit/>
+          </a:bodyPr>
+          <a:lstStyle/>
+          <a:p>
+            <a:r>
+              <a:rPr lang="ko-KR" altLang="en-US" sz="3200" dirty="0">
+                <a:solidFill>
+                  <a:schemeClr val="bg1"/>
+                </a:solidFill>
+                <a:latin typeface="넥슨Lv2고딕 Bold" panose="00000800000000000000" pitchFamily="2" charset="-127"/>
+                <a:ea typeface="넥슨Lv2고딕 Bold" panose="00000800000000000000" pitchFamily="2" charset="-127"/>
+              </a:rPr>
+              <a:t>전투</a:t>
+            </a:r>
+            <a:endParaRPr lang="en-US" altLang="ko-KR" sz="3200" dirty="0">
+              <a:solidFill>
+                <a:schemeClr val="bg1"/>
+              </a:solidFill>
+              <a:latin typeface="넥슨Lv2고딕 Bold" panose="00000800000000000000" pitchFamily="2" charset="-127"/>
+              <a:ea typeface="넥슨Lv2고딕 Bold" panose="00000800000000000000" pitchFamily="2" charset="-127"/>
+            </a:endParaRPr>
+          </a:p>
+        </p:txBody>
+      </p:sp>
+      <p:sp>
+        <p:nvSpPr>
+          <p:cNvPr id="16" name="직사각형 15">
+            <a:extLst>
+              <a:ext uri="{FF2B5EF4-FFF2-40B4-BE49-F238E27FC236}">
+                <a16:creationId xmlns:a16="http://schemas.microsoft.com/office/drawing/2014/main" id="{06D4D73C-002A-B871-4E9F-3C2F2EFA95F6}"/>
+              </a:ext>
+            </a:extLst>
+          </p:cNvPr>
+          <p:cNvSpPr/>
+          <p:nvPr/>
+        </p:nvSpPr>
+        <p:spPr>
+          <a:xfrm>
+            <a:off x="1660524" y="1262063"/>
+            <a:ext cx="45719" cy="366711"/>
+          </a:xfrm>
+          <a:prstGeom prst="rect">
+            <a:avLst/>
+          </a:prstGeom>
+          <a:solidFill>
+            <a:schemeClr val="bg1"/>
+          </a:solidFill>
+          <a:ln>
+            <a:noFill/>
+          </a:ln>
+        </p:spPr>
+        <p:style>
+          <a:lnRef idx="2">
+            <a:schemeClr val="accent1">
+              <a:shade val="50000"/>
+            </a:schemeClr>
+          </a:lnRef>
+          <a:fillRef idx="1">
+            <a:schemeClr val="accent1"/>
+          </a:fillRef>
+          <a:effectRef idx="0">
+            <a:schemeClr val="accent1"/>
+          </a:effectRef>
+          <a:fontRef idx="minor">
+            <a:schemeClr val="lt1"/>
+          </a:fontRef>
+        </p:style>
+        <p:txBody>
+          <a:bodyPr rtlCol="0" anchor="ctr"/>
+          <a:lstStyle/>
+          <a:p>
+            <a:pPr algn="ctr"/>
+            <a:endParaRPr lang="ko-KR" altLang="en-US"/>
+          </a:p>
+        </p:txBody>
+      </p:sp>
+      <p:sp>
+        <p:nvSpPr>
+          <p:cNvPr id="19" name="TextBox 18">
+            <a:extLst>
+              <a:ext uri="{FF2B5EF4-FFF2-40B4-BE49-F238E27FC236}">
+                <a16:creationId xmlns:a16="http://schemas.microsoft.com/office/drawing/2014/main" id="{5316A27D-F818-472F-350E-CD328A0375DC}"/>
+              </a:ext>
+            </a:extLst>
+          </p:cNvPr>
+          <p:cNvSpPr txBox="1"/>
+          <p:nvPr/>
+        </p:nvSpPr>
+        <p:spPr>
+          <a:xfrm>
+            <a:off x="1680309" y="2074745"/>
+            <a:ext cx="8736865" cy="1538370"/>
+          </a:xfrm>
+          <a:prstGeom prst="rect">
+            <a:avLst/>
+          </a:prstGeom>
+          <a:noFill/>
+        </p:spPr>
+        <p:txBody>
+          <a:bodyPr wrap="square" rtlCol="0">
+            <a:spAutoFit/>
+          </a:bodyPr>
+          <a:lstStyle/>
+          <a:p>
+            <a:pPr>
+              <a:lnSpc>
+                <a:spcPct val="150000"/>
+              </a:lnSpc>
+            </a:pPr>
+            <a:r>
+              <a:rPr lang="ko-KR" altLang="en-US" sz="1600" dirty="0">
+                <a:solidFill>
+                  <a:schemeClr val="bg1"/>
+                </a:solidFill>
+                <a:latin typeface="넥슨Lv2고딕 Light" panose="00000300000000000000" pitchFamily="2" charset="-127"/>
+                <a:ea typeface="넥슨Lv2고딕 Light" panose="00000300000000000000" pitchFamily="2" charset="-127"/>
+              </a:rPr>
+              <a:t>공격이 끝난 이후 턴종료를 알리기 위해</a:t>
+            </a:r>
+            <a:endParaRPr lang="en-US" altLang="ko-KR" sz="1600" dirty="0">
+              <a:solidFill>
+                <a:schemeClr val="bg1"/>
+              </a:solidFill>
+              <a:latin typeface="넥슨Lv2고딕 Light" panose="00000300000000000000" pitchFamily="2" charset="-127"/>
+              <a:ea typeface="넥슨Lv2고딕 Light" panose="00000300000000000000" pitchFamily="2" charset="-127"/>
+            </a:endParaRPr>
+          </a:p>
+          <a:p>
+            <a:pPr>
+              <a:lnSpc>
+                <a:spcPct val="150000"/>
+              </a:lnSpc>
+            </a:pPr>
+            <a:r>
+              <a:rPr lang="en-US" altLang="ko-KR" sz="1600" dirty="0" err="1">
+                <a:solidFill>
+                  <a:schemeClr val="bg1"/>
+                </a:solidFill>
+                <a:latin typeface="넥슨Lv2고딕 Light" panose="00000300000000000000" pitchFamily="2" charset="-127"/>
+                <a:ea typeface="넥슨Lv2고딕 Light" panose="00000300000000000000" pitchFamily="2" charset="-127"/>
+              </a:rPr>
+              <a:t>TurnEnd</a:t>
+            </a:r>
+            <a:r>
+              <a:rPr lang="en-US" altLang="ko-KR" sz="1600" dirty="0">
+                <a:solidFill>
+                  <a:schemeClr val="bg1"/>
+                </a:solidFill>
+                <a:latin typeface="넥슨Lv2고딕 Light" panose="00000300000000000000" pitchFamily="2" charset="-127"/>
+                <a:ea typeface="넥슨Lv2고딕 Light" panose="00000300000000000000" pitchFamily="2" charset="-127"/>
+              </a:rPr>
+              <a:t> </a:t>
+            </a:r>
+            <a:r>
+              <a:rPr lang="ko-KR" altLang="en-US" sz="1600" dirty="0">
+                <a:solidFill>
+                  <a:schemeClr val="bg1"/>
+                </a:solidFill>
+                <a:latin typeface="넥슨Lv2고딕 Light" panose="00000300000000000000" pitchFamily="2" charset="-127"/>
+                <a:ea typeface="넥슨Lv2고딕 Light" panose="00000300000000000000" pitchFamily="2" charset="-127"/>
+              </a:rPr>
+              <a:t>함수를 콜 백 하도록 만들었으며</a:t>
+            </a:r>
+          </a:p>
+          <a:p>
+            <a:pPr>
+              <a:lnSpc>
+                <a:spcPct val="150000"/>
+              </a:lnSpc>
+            </a:pPr>
+            <a:r>
+              <a:rPr lang="ko-KR" altLang="en-US" sz="1600" dirty="0">
+                <a:solidFill>
+                  <a:schemeClr val="bg1"/>
+                </a:solidFill>
+                <a:latin typeface="넥슨Lv2고딕 Light" panose="00000300000000000000" pitchFamily="2" charset="-127"/>
+                <a:ea typeface="넥슨Lv2고딕 Light" panose="00000300000000000000" pitchFamily="2" charset="-127"/>
+              </a:rPr>
+              <a:t>플레이어 또는 적이 죽을 때까지</a:t>
+            </a:r>
+            <a:endParaRPr lang="en-US" altLang="ko-KR" sz="1600" dirty="0">
+              <a:solidFill>
+                <a:schemeClr val="bg1"/>
+              </a:solidFill>
+              <a:latin typeface="넥슨Lv2고딕 Light" panose="00000300000000000000" pitchFamily="2" charset="-127"/>
+              <a:ea typeface="넥슨Lv2고딕 Light" panose="00000300000000000000" pitchFamily="2" charset="-127"/>
+            </a:endParaRPr>
+          </a:p>
+          <a:p>
+            <a:pPr>
+              <a:lnSpc>
+                <a:spcPct val="150000"/>
+              </a:lnSpc>
+            </a:pPr>
+            <a:r>
+              <a:rPr lang="ko-KR" altLang="en-US" sz="1600" dirty="0">
+                <a:solidFill>
+                  <a:schemeClr val="bg1"/>
+                </a:solidFill>
+                <a:latin typeface="넥슨Lv2고딕 Light" panose="00000300000000000000" pitchFamily="2" charset="-127"/>
+                <a:ea typeface="넥슨Lv2고딕 Light" panose="00000300000000000000" pitchFamily="2" charset="-127"/>
+              </a:rPr>
+              <a:t>재귀적으로 번갈아 가며 호출하며 작동한다</a:t>
+            </a:r>
+            <a:endParaRPr lang="en-US" altLang="ko-KR" sz="1600" dirty="0">
+              <a:solidFill>
+                <a:schemeClr val="bg1"/>
+              </a:solidFill>
+              <a:latin typeface="넥슨Lv2고딕 Light" panose="00000300000000000000" pitchFamily="2" charset="-127"/>
+              <a:ea typeface="넥슨Lv2고딕 Light" panose="00000300000000000000" pitchFamily="2" charset="-127"/>
+            </a:endParaRPr>
+          </a:p>
+        </p:txBody>
+      </p:sp>
+      <p:sp>
+        <p:nvSpPr>
+          <p:cNvPr id="8" name="직사각형 7">
+            <a:extLst>
+              <a:ext uri="{FF2B5EF4-FFF2-40B4-BE49-F238E27FC236}">
+                <a16:creationId xmlns:a16="http://schemas.microsoft.com/office/drawing/2014/main" id="{E6A5C31E-73AD-B758-FB1B-EEA83E88CFF8}"/>
+              </a:ext>
+            </a:extLst>
+          </p:cNvPr>
+          <p:cNvSpPr/>
+          <p:nvPr/>
+        </p:nvSpPr>
+        <p:spPr>
+          <a:xfrm>
+            <a:off x="8083550" y="2457450"/>
+            <a:ext cx="1929130" cy="523875"/>
+          </a:xfrm>
+          <a:prstGeom prst="rect">
+            <a:avLst/>
+          </a:prstGeom>
+          <a:noFill/>
+          <a:ln>
+            <a:solidFill>
+              <a:srgbClr val="EA473B"/>
+            </a:solidFill>
+          </a:ln>
+        </p:spPr>
+        <p:style>
+          <a:lnRef idx="2">
+            <a:schemeClr val="accent1">
+              <a:shade val="50000"/>
+            </a:schemeClr>
+          </a:lnRef>
+          <a:fillRef idx="1">
+            <a:schemeClr val="accent1"/>
+          </a:fillRef>
+          <a:effectRef idx="0">
+            <a:schemeClr val="accent1"/>
+          </a:effectRef>
+          <a:fontRef idx="minor">
+            <a:schemeClr val="lt1"/>
+          </a:fontRef>
+        </p:style>
+        <p:txBody>
+          <a:bodyPr rtlCol="0" anchor="ctr"/>
+          <a:lstStyle/>
+          <a:p>
+            <a:pPr algn="ctr"/>
+            <a:endParaRPr lang="ko-KR" altLang="en-US"/>
+          </a:p>
+        </p:txBody>
+      </p:sp>
+    </p:spTree>
+    <p:extLst>
+      <p:ext uri="{BB962C8B-B14F-4D97-AF65-F5344CB8AC3E}">
+        <p14:creationId xmlns:p14="http://schemas.microsoft.com/office/powerpoint/2010/main" val="3082058199"/>
+      </p:ext>
+    </p:extLst>
+  </p:cSld>
+  <p:clrMapOvr>
+    <a:masterClrMapping/>
+  </p:clrMapOvr>
+</p:sld>
+</file>
+
+<file path=ppt/slides/slide22.xml><?xml version="1.0" encoding="utf-8"?>
+<p:sld xmlns:a="http://schemas.openxmlformats.org/drawingml/2006/main" xmlns:r="http://schemas.openxmlformats.org/officeDocument/2006/relationships" xmlns:p="http://schemas.openxmlformats.org/presentationml/2006/main">
+  <p:cSld>
+    <p:bg>
+      <p:bgPr>
+        <a:solidFill>
+          <a:srgbClr val="4286F5"/>
+        </a:solidFill>
+        <a:effectLst/>
+      </p:bgPr>
+    </p:bg>
+    <p:spTree>
+      <p:nvGrpSpPr>
+        <p:cNvPr id="1" name=""/>
+        <p:cNvGrpSpPr/>
+        <p:nvPr/>
+      </p:nvGrpSpPr>
+      <p:grpSpPr>
+        <a:xfrm>
+          <a:off x="0" y="0"/>
+          <a:ext cx="0" cy="0"/>
+          <a:chOff x="0" y="0"/>
+          <a:chExt cx="0" cy="0"/>
+        </a:xfrm>
+      </p:grpSpPr>
       <p:sp>
         <p:nvSpPr>
           <p:cNvPr id="15" name="TextBox 14">
@@ -9092,7 +9551,7 @@
 </p:sld>
 </file>
 
-<file path=ppt/slides/slide22.xml><?xml version="1.0" encoding="utf-8"?>
+<file path=ppt/slides/slide23.xml><?xml version="1.0" encoding="utf-8"?>
 <p:sld xmlns:a="http://schemas.openxmlformats.org/drawingml/2006/main" xmlns:r="http://schemas.openxmlformats.org/officeDocument/2006/relationships" xmlns:p="http://schemas.openxmlformats.org/presentationml/2006/main">
   <p:cSld>
     <p:bg>
@@ -9529,7 +9988,7 @@
 </p:sld>
 </file>
 
-<file path=ppt/slides/slide23.xml><?xml version="1.0" encoding="utf-8"?>
+<file path=ppt/slides/slide24.xml><?xml version="1.0" encoding="utf-8"?>
 <p:sld xmlns:a="http://schemas.openxmlformats.org/drawingml/2006/main" xmlns:r="http://schemas.openxmlformats.org/officeDocument/2006/relationships" xmlns:p="http://schemas.openxmlformats.org/presentationml/2006/main">
   <p:cSld>
     <p:bg>
@@ -9903,179 +10362,6 @@
 </p:sld>
 </file>
 
-<file path=ppt/slides/slide24.xml><?xml version="1.0" encoding="utf-8"?>
-<p:sld xmlns:a="http://schemas.openxmlformats.org/drawingml/2006/main" xmlns:r="http://schemas.openxmlformats.org/officeDocument/2006/relationships" xmlns:p="http://schemas.openxmlformats.org/presentationml/2006/main">
-  <p:cSld>
-    <p:bg>
-      <p:bgPr>
-        <a:solidFill>
-          <a:srgbClr val="4286F5"/>
-        </a:solidFill>
-        <a:effectLst/>
-      </p:bgPr>
-    </p:bg>
-    <p:spTree>
-      <p:nvGrpSpPr>
-        <p:cNvPr id="1" name=""/>
-        <p:cNvGrpSpPr/>
-        <p:nvPr/>
-      </p:nvGrpSpPr>
-      <p:grpSpPr>
-        <a:xfrm>
-          <a:off x="0" y="0"/>
-          <a:ext cx="0" cy="0"/>
-          <a:chOff x="0" y="0"/>
-          <a:chExt cx="0" cy="0"/>
-        </a:xfrm>
-      </p:grpSpPr>
-      <p:sp>
-        <p:nvSpPr>
-          <p:cNvPr id="15" name="TextBox 14">
-            <a:extLst>
-              <a:ext uri="{FF2B5EF4-FFF2-40B4-BE49-F238E27FC236}">
-                <a16:creationId xmlns:a16="http://schemas.microsoft.com/office/drawing/2014/main" id="{BA04418A-3697-DF14-5B90-D9AC7CE43E2B}"/>
-              </a:ext>
-            </a:extLst>
-          </p:cNvPr>
-          <p:cNvSpPr txBox="1"/>
-          <p:nvPr/>
-        </p:nvSpPr>
-        <p:spPr>
-          <a:xfrm>
-            <a:off x="1680310" y="1469196"/>
-            <a:ext cx="6650890" cy="1200329"/>
-          </a:xfrm>
-          <a:prstGeom prst="rect">
-            <a:avLst/>
-          </a:prstGeom>
-          <a:noFill/>
-        </p:spPr>
-        <p:txBody>
-          <a:bodyPr wrap="square" rtlCol="0">
-            <a:spAutoFit/>
-          </a:bodyPr>
-          <a:lstStyle/>
-          <a:p>
-            <a:r>
-              <a:rPr lang="ko-KR" altLang="en-US" sz="7200" dirty="0">
-                <a:solidFill>
-                  <a:schemeClr val="bg1"/>
-                </a:solidFill>
-                <a:latin typeface="넥슨Lv2고딕 Bold" panose="00000800000000000000" pitchFamily="2" charset="-127"/>
-                <a:ea typeface="넥슨Lv2고딕 Bold" panose="00000800000000000000" pitchFamily="2" charset="-127"/>
-              </a:rPr>
-              <a:t>최적화</a:t>
-            </a:r>
-            <a:endParaRPr lang="en-US" altLang="ko-KR" sz="7200" dirty="0">
-              <a:solidFill>
-                <a:schemeClr val="bg1"/>
-              </a:solidFill>
-              <a:latin typeface="넥슨Lv2고딕 Bold" panose="00000800000000000000" pitchFamily="2" charset="-127"/>
-              <a:ea typeface="넥슨Lv2고딕 Bold" panose="00000800000000000000" pitchFamily="2" charset="-127"/>
-            </a:endParaRPr>
-          </a:p>
-        </p:txBody>
-      </p:sp>
-      <p:sp>
-        <p:nvSpPr>
-          <p:cNvPr id="11" name="TextBox 10">
-            <a:extLst>
-              <a:ext uri="{FF2B5EF4-FFF2-40B4-BE49-F238E27FC236}">
-                <a16:creationId xmlns:a16="http://schemas.microsoft.com/office/drawing/2014/main" id="{E10A1302-F34C-6112-2BB3-EF054A096FF3}"/>
-              </a:ext>
-            </a:extLst>
-          </p:cNvPr>
-          <p:cNvSpPr txBox="1"/>
-          <p:nvPr/>
-        </p:nvSpPr>
-        <p:spPr>
-          <a:xfrm>
-            <a:off x="1657349" y="3143250"/>
-            <a:ext cx="4321175" cy="1507016"/>
-          </a:xfrm>
-          <a:prstGeom prst="rect">
-            <a:avLst/>
-          </a:prstGeom>
-          <a:noFill/>
-        </p:spPr>
-        <p:txBody>
-          <a:bodyPr wrap="square" rtlCol="0">
-            <a:spAutoFit/>
-          </a:bodyPr>
-          <a:lstStyle/>
-          <a:p>
-            <a:pPr>
-              <a:lnSpc>
-                <a:spcPct val="150000"/>
-              </a:lnSpc>
-            </a:pPr>
-            <a:r>
-              <a:rPr lang="ko-KR" altLang="en-US" sz="3200" dirty="0">
-                <a:solidFill>
-                  <a:schemeClr val="bg1"/>
-                </a:solidFill>
-                <a:latin typeface="넥슨Lv2고딕 Light" panose="00000300000000000000" pitchFamily="2" charset="-127"/>
-                <a:ea typeface="넥슨Lv2고딕 Light" panose="00000300000000000000" pitchFamily="2" charset="-127"/>
-              </a:rPr>
-              <a:t>캔버스</a:t>
-            </a:r>
-            <a:endParaRPr lang="en-US" altLang="ko-KR" sz="3200" dirty="0">
-              <a:solidFill>
-                <a:schemeClr val="bg1"/>
-              </a:solidFill>
-              <a:latin typeface="넥슨Lv2고딕 Light" panose="00000300000000000000" pitchFamily="2" charset="-127"/>
-              <a:ea typeface="넥슨Lv2고딕 Light" panose="00000300000000000000" pitchFamily="2" charset="-127"/>
-            </a:endParaRPr>
-          </a:p>
-          <a:p>
-            <a:pPr>
-              <a:lnSpc>
-                <a:spcPct val="150000"/>
-              </a:lnSpc>
-            </a:pPr>
-            <a:r>
-              <a:rPr lang="en-US" altLang="ko-KR" sz="3200" dirty="0">
-                <a:solidFill>
-                  <a:schemeClr val="bg1"/>
-                </a:solidFill>
-                <a:latin typeface="넥슨Lv2고딕 Light" panose="00000300000000000000" pitchFamily="2" charset="-127"/>
-                <a:ea typeface="넥슨Lv2고딕 Light" panose="00000300000000000000" pitchFamily="2" charset="-127"/>
-              </a:rPr>
-              <a:t>UI </a:t>
-            </a:r>
-            <a:r>
-              <a:rPr lang="ko-KR" altLang="en-US" sz="3200" dirty="0">
-                <a:solidFill>
-                  <a:schemeClr val="bg1"/>
-                </a:solidFill>
-                <a:latin typeface="넥슨Lv2고딕 Light" panose="00000300000000000000" pitchFamily="2" charset="-127"/>
-                <a:ea typeface="넥슨Lv2고딕 Light" panose="00000300000000000000" pitchFamily="2" charset="-127"/>
-              </a:rPr>
-              <a:t>요소</a:t>
-            </a:r>
-            <a:endParaRPr lang="en-US" altLang="ko-KR" sz="3200" dirty="0">
-              <a:solidFill>
-                <a:schemeClr val="bg1"/>
-              </a:solidFill>
-              <a:latin typeface="넥슨Lv2고딕 Light" panose="00000300000000000000" pitchFamily="2" charset="-127"/>
-              <a:ea typeface="넥슨Lv2고딕 Light" panose="00000300000000000000" pitchFamily="2" charset="-127"/>
-            </a:endParaRPr>
-          </a:p>
-        </p:txBody>
-      </p:sp>
-    </p:spTree>
-    <p:extLst>
-      <p:ext uri="{BB962C8B-B14F-4D97-AF65-F5344CB8AC3E}">
-        <p14:creationId xmlns:p14="http://schemas.microsoft.com/office/powerpoint/2010/main" val="1808681697"/>
-      </p:ext>
-    </p:extLst>
-  </p:cSld>
-  <p:clrMapOvr>
-    <a:masterClrMapping/>
-  </p:clrMapOvr>
-</p:sld>
-</file>
-
 <file path=ppt/slides/slide25.xml><?xml version="1.0" encoding="utf-8"?>
 <p:sld xmlns:a="http://schemas.openxmlformats.org/drawingml/2006/main" xmlns:r="http://schemas.openxmlformats.org/officeDocument/2006/relationships" xmlns:p="http://schemas.openxmlformats.org/presentationml/2006/main">
   <p:cSld>
@@ -10115,8 +10401,8 @@
         </p:nvSpPr>
         <p:spPr>
           <a:xfrm>
-            <a:off x="1680310" y="1155929"/>
-            <a:ext cx="3733800" cy="584775"/>
+            <a:off x="1680310" y="1469196"/>
+            <a:ext cx="6650890" cy="1200329"/>
           </a:xfrm>
           <a:prstGeom prst="rect">
             <a:avLst/>
@@ -10130,86 +10416,41 @@
           <a:lstStyle/>
           <a:p>
             <a:r>
-              <a:rPr lang="ko-KR" altLang="en-US" sz="3200" dirty="0">
+              <a:rPr lang="ko-KR" altLang="en-US" sz="7200" dirty="0">
                 <a:solidFill>
                   <a:schemeClr val="bg1"/>
                 </a:solidFill>
                 <a:latin typeface="넥슨Lv2고딕 Bold" panose="00000800000000000000" pitchFamily="2" charset="-127"/>
                 <a:ea typeface="넥슨Lv2고딕 Bold" panose="00000800000000000000" pitchFamily="2" charset="-127"/>
               </a:rPr>
-              <a:t>캔버스</a:t>
-            </a:r>
-          </a:p>
-        </p:txBody>
-      </p:sp>
-      <p:sp>
-        <p:nvSpPr>
-          <p:cNvPr id="16" name="직사각형 15">
-            <a:extLst>
-              <a:ext uri="{FF2B5EF4-FFF2-40B4-BE49-F238E27FC236}">
-                <a16:creationId xmlns:a16="http://schemas.microsoft.com/office/drawing/2014/main" id="{06D4D73C-002A-B871-4E9F-3C2F2EFA95F6}"/>
-              </a:ext>
-            </a:extLst>
-          </p:cNvPr>
-          <p:cNvSpPr/>
+              <a:t>최적화</a:t>
+            </a:r>
+            <a:endParaRPr lang="en-US" altLang="ko-KR" sz="7200" dirty="0">
+              <a:solidFill>
+                <a:schemeClr val="bg1"/>
+              </a:solidFill>
+              <a:latin typeface="넥슨Lv2고딕 Bold" panose="00000800000000000000" pitchFamily="2" charset="-127"/>
+              <a:ea typeface="넥슨Lv2고딕 Bold" panose="00000800000000000000" pitchFamily="2" charset="-127"/>
+            </a:endParaRPr>
+          </a:p>
+        </p:txBody>
+      </p:sp>
+      <p:sp>
+        <p:nvSpPr>
+          <p:cNvPr id="11" name="TextBox 10">
+            <a:extLst>
+              <a:ext uri="{FF2B5EF4-FFF2-40B4-BE49-F238E27FC236}">
+                <a16:creationId xmlns:a16="http://schemas.microsoft.com/office/drawing/2014/main" id="{E10A1302-F34C-6112-2BB3-EF054A096FF3}"/>
+              </a:ext>
+            </a:extLst>
+          </p:cNvPr>
+          <p:cNvSpPr txBox="1"/>
           <p:nvPr/>
         </p:nvSpPr>
         <p:spPr>
           <a:xfrm>
-            <a:off x="1660524" y="1262063"/>
-            <a:ext cx="45719" cy="366711"/>
-          </a:xfrm>
-          <a:prstGeom prst="rect">
-            <a:avLst/>
-          </a:prstGeom>
-          <a:solidFill>
-            <a:schemeClr val="bg1"/>
-          </a:solidFill>
-          <a:ln>
-            <a:noFill/>
-          </a:ln>
-        </p:spPr>
-        <p:style>
-          <a:lnRef idx="2">
-            <a:schemeClr val="accent1">
-              <a:shade val="50000"/>
-            </a:schemeClr>
-          </a:lnRef>
-          <a:fillRef idx="1">
-            <a:schemeClr val="accent1"/>
-          </a:fillRef>
-          <a:effectRef idx="0">
-            <a:schemeClr val="accent1"/>
-          </a:effectRef>
-          <a:fontRef idx="minor">
-            <a:schemeClr val="lt1"/>
-          </a:fontRef>
-        </p:style>
-        <p:txBody>
-          <a:bodyPr rtlCol="0" anchor="ctr"/>
-          <a:lstStyle/>
-          <a:p>
-            <a:pPr algn="ctr"/>
-            <a:endParaRPr lang="ko-KR" altLang="en-US"/>
-          </a:p>
-        </p:txBody>
-      </p:sp>
-      <p:sp>
-        <p:nvSpPr>
-          <p:cNvPr id="6" name="TextBox 5">
-            <a:extLst>
-              <a:ext uri="{FF2B5EF4-FFF2-40B4-BE49-F238E27FC236}">
-                <a16:creationId xmlns:a16="http://schemas.microsoft.com/office/drawing/2014/main" id="{63BC716B-EEC4-0292-2A32-8BA3449ACD32}"/>
-              </a:ext>
-            </a:extLst>
-          </p:cNvPr>
-          <p:cNvSpPr txBox="1"/>
-          <p:nvPr/>
-        </p:nvSpPr>
-        <p:spPr>
-          <a:xfrm>
-            <a:off x="1680309" y="2074745"/>
-            <a:ext cx="8736865" cy="3477362"/>
+            <a:off x="1657349" y="3143250"/>
+            <a:ext cx="4321175" cy="1507016"/>
           </a:xfrm>
           <a:prstGeom prst="rect">
             <a:avLst/>
@@ -10228,40 +10469,16 @@
               </a:lnSpc>
             </a:pPr>
             <a:r>
-              <a:rPr lang="ko-KR" altLang="en-US" dirty="0">
-                <a:solidFill>
-                  <a:schemeClr val="bg1"/>
-                </a:solidFill>
-                <a:latin typeface="넥슨Lv2고딕 Medium" panose="00000600000000000000" pitchFamily="2" charset="-127"/>
-                <a:ea typeface="넥슨Lv2고딕 Medium" panose="00000600000000000000" pitchFamily="2" charset="-127"/>
-              </a:rPr>
-              <a:t>캔버스 나누기</a:t>
-            </a:r>
-            <a:endParaRPr lang="en-US" altLang="ko-KR" dirty="0">
-              <a:solidFill>
-                <a:schemeClr val="bg1"/>
-              </a:solidFill>
-              <a:latin typeface="넥슨Lv2고딕 Medium" panose="00000600000000000000" pitchFamily="2" charset="-127"/>
-              <a:ea typeface="넥슨Lv2고딕 Medium" panose="00000600000000000000" pitchFamily="2" charset="-127"/>
-            </a:endParaRPr>
-          </a:p>
-          <a:p>
-            <a:pPr>
-              <a:lnSpc>
-                <a:spcPct val="150000"/>
-              </a:lnSpc>
-            </a:pPr>
-            <a:r>
-              <a:rPr lang="ko-KR" altLang="en-US" sz="1600" dirty="0">
-                <a:solidFill>
-                  <a:schemeClr val="bg1"/>
-                </a:solidFill>
-                <a:latin typeface="넥슨Lv2고딕 Light" panose="00000300000000000000" pitchFamily="2" charset="-127"/>
-                <a:ea typeface="넥슨Lv2고딕 Light" panose="00000300000000000000" pitchFamily="2" charset="-127"/>
-              </a:rPr>
-              <a:t>처음 개발을 할 때 하나의 캔버스로 작업을 하였는데</a:t>
-            </a:r>
-            <a:endParaRPr lang="en-US" altLang="ko-KR" sz="1600" dirty="0">
+              <a:rPr lang="ko-KR" altLang="en-US" sz="3200" dirty="0">
+                <a:solidFill>
+                  <a:schemeClr val="bg1"/>
+                </a:solidFill>
+                <a:latin typeface="넥슨Lv2고딕 Light" panose="00000300000000000000" pitchFamily="2" charset="-127"/>
+                <a:ea typeface="넥슨Lv2고딕 Light" panose="00000300000000000000" pitchFamily="2" charset="-127"/>
+              </a:rPr>
+              <a:t>캔버스</a:t>
+            </a:r>
+            <a:endParaRPr lang="en-US" altLang="ko-KR" sz="3200" dirty="0">
               <a:solidFill>
                 <a:schemeClr val="bg1"/>
               </a:solidFill>
@@ -10276,16 +10493,26 @@
               </a:lnSpc>
             </a:pPr>
             <a:r>
-              <a:rPr lang="ko-KR" altLang="en-US" sz="1600" dirty="0">
-                <a:solidFill>
-                  <a:schemeClr val="bg1"/>
-                </a:solidFill>
-                <a:latin typeface="넥슨Lv2고딕 Light" panose="00000300000000000000" pitchFamily="2" charset="-127"/>
-                <a:ea typeface="넥슨Lv2고딕 Light" panose="00000300000000000000" pitchFamily="2" charset="-127"/>
-              </a:rPr>
-              <a:t>오브젝트가 하나 움직일 때 마다 스파이크가 생기는 것을 확인하였고</a:t>
-            </a:r>
-            <a:endParaRPr lang="en-US" altLang="ko-KR" sz="1600" dirty="0">
+              <a:rPr lang="en-US" altLang="ko-KR" sz="3200" dirty="0">
+                <a:solidFill>
+                  <a:schemeClr val="bg1"/>
+                </a:solidFill>
+                <a:latin typeface="넥슨Lv2고딕 Light" panose="00000300000000000000" pitchFamily="2" charset="-127"/>
+                <a:ea typeface="넥슨Lv2고딕 Light" panose="00000300000000000000" pitchFamily="2" charset="-127"/>
+              </a:rPr>
+              <a:t>UI </a:t>
+            </a:r>
+            <a:r>
+              <a:rPr lang="ko-KR" altLang="en-US" sz="3200" dirty="0">
+                <a:solidFill>
+                  <a:schemeClr val="bg1"/>
+                </a:solidFill>
+                <a:latin typeface="넥슨Lv2고딕 Light" panose="00000300000000000000" pitchFamily="2" charset="-127"/>
+                <a:ea typeface="넥슨Lv2고딕 Light" panose="00000300000000000000" pitchFamily="2" charset="-127"/>
+              </a:rPr>
+              <a:t>요소</a:t>
+            </a:r>
+            <a:endParaRPr lang="en-US" altLang="ko-KR" sz="3200" dirty="0">
               <a:solidFill>
                 <a:schemeClr val="bg1"/>
               </a:solidFill>
@@ -10293,216 +10520,12 @@
               <a:ea typeface="넥슨Lv2고딕 Light" panose="00000300000000000000" pitchFamily="2" charset="-127"/>
             </a:endParaRPr>
           </a:p>
-          <a:p>
-            <a:pPr>
-              <a:lnSpc>
-                <a:spcPct val="150000"/>
-              </a:lnSpc>
-            </a:pPr>
-            <a:r>
-              <a:rPr lang="ko-KR" altLang="en-US" sz="1600" dirty="0">
-                <a:solidFill>
-                  <a:schemeClr val="bg1"/>
-                </a:solidFill>
-                <a:latin typeface="넥슨Lv2고딕 Light" panose="00000300000000000000" pitchFamily="2" charset="-127"/>
-                <a:ea typeface="넥슨Lv2고딕 Light" panose="00000300000000000000" pitchFamily="2" charset="-127"/>
-              </a:rPr>
-              <a:t>이후 동적 </a:t>
-            </a:r>
-            <a:r>
-              <a:rPr lang="en-US" altLang="ko-KR" sz="1600" dirty="0">
-                <a:solidFill>
-                  <a:schemeClr val="bg1"/>
-                </a:solidFill>
-                <a:latin typeface="넥슨Lv2고딕 Light" panose="00000300000000000000" pitchFamily="2" charset="-127"/>
-                <a:ea typeface="넥슨Lv2고딕 Light" panose="00000300000000000000" pitchFamily="2" charset="-127"/>
-              </a:rPr>
-              <a:t>UI</a:t>
-            </a:r>
-            <a:r>
-              <a:rPr lang="ko-KR" altLang="en-US" sz="1600" dirty="0">
-                <a:solidFill>
-                  <a:schemeClr val="bg1"/>
-                </a:solidFill>
-                <a:latin typeface="넥슨Lv2고딕 Light" panose="00000300000000000000" pitchFamily="2" charset="-127"/>
-                <a:ea typeface="넥슨Lv2고딕 Light" panose="00000300000000000000" pitchFamily="2" charset="-127"/>
-              </a:rPr>
-              <a:t>는 캔버스를 나누는 형태를 사용하며 최적화를 했습니다</a:t>
-            </a:r>
-            <a:endParaRPr lang="en-US" altLang="ko-KR" sz="1600" dirty="0">
-              <a:solidFill>
-                <a:schemeClr val="bg1"/>
-              </a:solidFill>
-              <a:latin typeface="넥슨Lv2고딕 Light" panose="00000300000000000000" pitchFamily="2" charset="-127"/>
-              <a:ea typeface="넥슨Lv2고딕 Light" panose="00000300000000000000" pitchFamily="2" charset="-127"/>
-            </a:endParaRPr>
-          </a:p>
-          <a:p>
-            <a:pPr>
-              <a:lnSpc>
-                <a:spcPct val="150000"/>
-              </a:lnSpc>
-            </a:pPr>
-            <a:endParaRPr lang="en-US" altLang="ko-KR" sz="1600" dirty="0">
-              <a:solidFill>
-                <a:schemeClr val="bg1"/>
-              </a:solidFill>
-              <a:latin typeface="넥슨Lv2고딕 Light" panose="00000300000000000000" pitchFamily="2" charset="-127"/>
-              <a:ea typeface="넥슨Lv2고딕 Light" panose="00000300000000000000" pitchFamily="2" charset="-127"/>
-            </a:endParaRPr>
-          </a:p>
-          <a:p>
-            <a:pPr>
-              <a:lnSpc>
-                <a:spcPct val="150000"/>
-              </a:lnSpc>
-            </a:pPr>
-            <a:r>
-              <a:rPr lang="en-US" altLang="ko-KR" dirty="0">
-                <a:solidFill>
-                  <a:schemeClr val="bg1"/>
-                </a:solidFill>
-                <a:latin typeface="넥슨Lv2고딕 Medium" panose="00000600000000000000" pitchFamily="2" charset="-127"/>
-                <a:ea typeface="넥슨Lv2고딕 Medium" panose="00000600000000000000" pitchFamily="2" charset="-127"/>
-              </a:rPr>
-              <a:t>UI</a:t>
-            </a:r>
-            <a:r>
-              <a:rPr lang="ko-KR" altLang="en-US" dirty="0">
-                <a:solidFill>
-                  <a:schemeClr val="bg1"/>
-                </a:solidFill>
-                <a:latin typeface="넥슨Lv2고딕 Medium" panose="00000600000000000000" pitchFamily="2" charset="-127"/>
-                <a:ea typeface="넥슨Lv2고딕 Medium" panose="00000600000000000000" pitchFamily="2" charset="-127"/>
-              </a:rPr>
-              <a:t> 숨기기</a:t>
-            </a:r>
-            <a:endParaRPr lang="en-US" altLang="ko-KR" dirty="0">
-              <a:solidFill>
-                <a:schemeClr val="bg1"/>
-              </a:solidFill>
-              <a:latin typeface="넥슨Lv2고딕 Medium" panose="00000600000000000000" pitchFamily="2" charset="-127"/>
-              <a:ea typeface="넥슨Lv2고딕 Medium" panose="00000600000000000000" pitchFamily="2" charset="-127"/>
-            </a:endParaRPr>
-          </a:p>
-          <a:p>
-            <a:pPr>
-              <a:lnSpc>
-                <a:spcPct val="150000"/>
-              </a:lnSpc>
-            </a:pPr>
-            <a:r>
-              <a:rPr lang="ko-KR" altLang="en-US" sz="1600" dirty="0">
-                <a:solidFill>
-                  <a:schemeClr val="bg1"/>
-                </a:solidFill>
-                <a:latin typeface="넥슨Lv2고딕 Light" panose="00000300000000000000" pitchFamily="2" charset="-127"/>
-                <a:ea typeface="넥슨Lv2고딕 Light" panose="00000300000000000000" pitchFamily="2" charset="-127"/>
-              </a:rPr>
-              <a:t>게임 오브젝트를 비활성화 하는 대신</a:t>
-            </a:r>
-            <a:endParaRPr lang="en-US" altLang="ko-KR" sz="1600" dirty="0">
-              <a:solidFill>
-                <a:schemeClr val="bg1"/>
-              </a:solidFill>
-              <a:latin typeface="넥슨Lv2고딕 Light" panose="00000300000000000000" pitchFamily="2" charset="-127"/>
-              <a:ea typeface="넥슨Lv2고딕 Light" panose="00000300000000000000" pitchFamily="2" charset="-127"/>
-            </a:endParaRPr>
-          </a:p>
-          <a:p>
-            <a:pPr>
-              <a:lnSpc>
-                <a:spcPct val="150000"/>
-              </a:lnSpc>
-            </a:pPr>
-            <a:r>
-              <a:rPr lang="ko-KR" altLang="en-US" sz="1600" dirty="0">
-                <a:solidFill>
-                  <a:schemeClr val="bg1"/>
-                </a:solidFill>
-                <a:latin typeface="넥슨Lv2고딕 Light" panose="00000300000000000000" pitchFamily="2" charset="-127"/>
-                <a:ea typeface="넥슨Lv2고딕 Light" panose="00000300000000000000" pitchFamily="2" charset="-127"/>
-              </a:rPr>
-              <a:t>캔버스 컴포넌트만</a:t>
-            </a:r>
-            <a:r>
-              <a:rPr lang="en-US" altLang="ko-KR" sz="1600" dirty="0">
-                <a:solidFill>
-                  <a:schemeClr val="bg1"/>
-                </a:solidFill>
-                <a:latin typeface="넥슨Lv2고딕 Light" panose="00000300000000000000" pitchFamily="2" charset="-127"/>
-                <a:ea typeface="넥슨Lv2고딕 Light" panose="00000300000000000000" pitchFamily="2" charset="-127"/>
-              </a:rPr>
-              <a:t> </a:t>
-            </a:r>
-            <a:r>
-              <a:rPr lang="ko-KR" altLang="en-US" sz="1600" dirty="0">
-                <a:solidFill>
-                  <a:schemeClr val="bg1"/>
-                </a:solidFill>
-                <a:latin typeface="넥슨Lv2고딕 Light" panose="00000300000000000000" pitchFamily="2" charset="-127"/>
-                <a:ea typeface="넥슨Lv2고딕 Light" panose="00000300000000000000" pitchFamily="2" charset="-127"/>
-              </a:rPr>
-              <a:t>비활성화 하여 숨겼습니다</a:t>
-            </a:r>
-            <a:endParaRPr lang="en-US" altLang="ko-KR" sz="1600" dirty="0">
-              <a:solidFill>
-                <a:schemeClr val="bg1"/>
-              </a:solidFill>
-              <a:latin typeface="넥슨Lv2고딕 Light" panose="00000300000000000000" pitchFamily="2" charset="-127"/>
-              <a:ea typeface="넥슨Lv2고딕 Light" panose="00000300000000000000" pitchFamily="2" charset="-127"/>
-            </a:endParaRPr>
-          </a:p>
-          <a:p>
-            <a:pPr>
-              <a:lnSpc>
-                <a:spcPct val="150000"/>
-              </a:lnSpc>
-            </a:pPr>
-            <a:r>
-              <a:rPr lang="ko-KR" altLang="en-US" sz="1600" dirty="0">
-                <a:solidFill>
-                  <a:schemeClr val="bg1"/>
-                </a:solidFill>
-                <a:latin typeface="넥슨Lv2고딕 Light" panose="00000300000000000000" pitchFamily="2" charset="-127"/>
-                <a:ea typeface="넥슨Lv2고딕 Light" panose="00000300000000000000" pitchFamily="2" charset="-127"/>
-              </a:rPr>
-              <a:t>이로 인해 활성화 시 메시와 </a:t>
-            </a:r>
-            <a:r>
-              <a:rPr lang="ko-KR" altLang="en-US" sz="1600" dirty="0" err="1">
-                <a:solidFill>
-                  <a:schemeClr val="bg1"/>
-                </a:solidFill>
-                <a:latin typeface="넥슨Lv2고딕 Light" panose="00000300000000000000" pitchFamily="2" charset="-127"/>
-                <a:ea typeface="넥슨Lv2고딕 Light" panose="00000300000000000000" pitchFamily="2" charset="-127"/>
-              </a:rPr>
-              <a:t>버텍스를</a:t>
-            </a:r>
-            <a:r>
-              <a:rPr lang="ko-KR" altLang="en-US" sz="1600" dirty="0">
-                <a:solidFill>
-                  <a:schemeClr val="bg1"/>
-                </a:solidFill>
-                <a:latin typeface="넥슨Lv2고딕 Light" panose="00000300000000000000" pitchFamily="2" charset="-127"/>
-                <a:ea typeface="넥슨Lv2고딕 Light" panose="00000300000000000000" pitchFamily="2" charset="-127"/>
-              </a:rPr>
-              <a:t> 재구성하지 않게 되었습니다</a:t>
-            </a:r>
-            <a:endParaRPr lang="en-US" altLang="ko-KR" sz="1600" dirty="0">
-              <a:solidFill>
-                <a:schemeClr val="bg1"/>
-              </a:solidFill>
-              <a:latin typeface="넥슨Lv2고딕 Light" panose="00000300000000000000" pitchFamily="2" charset="-127"/>
-              <a:ea typeface="넥슨Lv2고딕 Light" panose="00000300000000000000" pitchFamily="2" charset="-127"/>
-            </a:endParaRPr>
-          </a:p>
         </p:txBody>
       </p:sp>
     </p:spTree>
     <p:extLst>
       <p:ext uri="{BB962C8B-B14F-4D97-AF65-F5344CB8AC3E}">
-        <p14:creationId xmlns:p14="http://schemas.microsoft.com/office/powerpoint/2010/main" val="3122391892"/>
+        <p14:creationId xmlns:p14="http://schemas.microsoft.com/office/powerpoint/2010/main" val="1808681697"/>
       </p:ext>
     </p:extLst>
   </p:cSld>
@@ -10566,24 +10589,14 @@
           <a:lstStyle/>
           <a:p>
             <a:r>
-              <a:rPr lang="en-US" altLang="ko-KR" sz="3200" dirty="0">
+              <a:rPr lang="ko-KR" altLang="en-US" sz="3200" dirty="0">
                 <a:solidFill>
                   <a:schemeClr val="bg1"/>
                 </a:solidFill>
                 <a:latin typeface="넥슨Lv2고딕 Bold" panose="00000800000000000000" pitchFamily="2" charset="-127"/>
                 <a:ea typeface="넥슨Lv2고딕 Bold" panose="00000800000000000000" pitchFamily="2" charset="-127"/>
               </a:rPr>
-              <a:t>UI </a:t>
-            </a:r>
-            <a:r>
-              <a:rPr lang="ko-KR" altLang="en-US" sz="3200" dirty="0">
-                <a:solidFill>
-                  <a:schemeClr val="bg1"/>
-                </a:solidFill>
-                <a:latin typeface="넥슨Lv2고딕 Bold" panose="00000800000000000000" pitchFamily="2" charset="-127"/>
-                <a:ea typeface="넥슨Lv2고딕 Bold" panose="00000800000000000000" pitchFamily="2" charset="-127"/>
-              </a:rPr>
-              <a:t>요소</a:t>
+              <a:t>캔버스</a:t>
             </a:r>
           </a:p>
         </p:txBody>
@@ -10674,35 +10687,22 @@
               </a:lnSpc>
             </a:pPr>
             <a:r>
-              <a:rPr lang="en-US" altLang="ko-KR" dirty="0">
+              <a:rPr lang="ko-KR" altLang="en-US" dirty="0">
                 <a:solidFill>
                   <a:schemeClr val="bg1"/>
                 </a:solidFill>
                 <a:latin typeface="넥슨Lv2고딕 Medium" panose="00000600000000000000" pitchFamily="2" charset="-127"/>
                 <a:ea typeface="넥슨Lv2고딕 Medium" panose="00000600000000000000" pitchFamily="2" charset="-127"/>
               </a:rPr>
-              <a:t>Layout</a:t>
-            </a:r>
-            <a:r>
-              <a:rPr lang="ko-KR" altLang="en-US" dirty="0">
-                <a:solidFill>
-                  <a:schemeClr val="bg1"/>
-                </a:solidFill>
-                <a:latin typeface="넥슨Lv2고딕 Medium" panose="00000600000000000000" pitchFamily="2" charset="-127"/>
-                <a:ea typeface="넥슨Lv2고딕 Medium" panose="00000600000000000000" pitchFamily="2" charset="-127"/>
-              </a:rPr>
-              <a:t> </a:t>
-            </a:r>
-            <a:r>
-              <a:rPr lang="en-US" altLang="ko-KR" dirty="0">
-                <a:solidFill>
-                  <a:schemeClr val="bg1"/>
-                </a:solidFill>
-                <a:latin typeface="넥슨Lv2고딕 Medium" panose="00000600000000000000" pitchFamily="2" charset="-127"/>
-                <a:ea typeface="넥슨Lv2고딕 Medium" panose="00000600000000000000" pitchFamily="2" charset="-127"/>
-              </a:rPr>
-              <a:t>Group</a:t>
-            </a:r>
+              <a:t>캔버스 나누기</a:t>
+            </a:r>
+            <a:endParaRPr lang="en-US" altLang="ko-KR" dirty="0">
+              <a:solidFill>
+                <a:schemeClr val="bg1"/>
+              </a:solidFill>
+              <a:latin typeface="넥슨Lv2고딕 Medium" panose="00000600000000000000" pitchFamily="2" charset="-127"/>
+              <a:ea typeface="넥슨Lv2고딕 Medium" panose="00000600000000000000" pitchFamily="2" charset="-127"/>
+            </a:endParaRPr>
           </a:p>
           <a:p>
             <a:pPr>
@@ -10718,7 +10718,7 @@
                 <a:latin typeface="넥슨Lv2고딕 Light" panose="00000300000000000000" pitchFamily="2" charset="-127"/>
                 <a:ea typeface="넥슨Lv2고딕 Light" panose="00000300000000000000" pitchFamily="2" charset="-127"/>
               </a:rPr>
-              <a:t>레이아웃 그룹 사용 이후 컴포넌트를</a:t>
+              <a:t>처음 개발을 할 때 하나의 캔버스로 작업을 하였는데</a:t>
             </a:r>
             <a:endParaRPr lang="en-US" altLang="ko-KR" sz="1600" dirty="0">
               <a:solidFill>
@@ -10742,7 +10742,7 @@
                 <a:latin typeface="넥슨Lv2고딕 Light" panose="00000300000000000000" pitchFamily="2" charset="-127"/>
                 <a:ea typeface="넥슨Lv2고딕 Light" panose="00000300000000000000" pitchFamily="2" charset="-127"/>
               </a:rPr>
-              <a:t>비활성화하여 추가적인</a:t>
+              <a:t>오브젝트가 하나 움직일 때 마다 스파이크가 생기는 것을 확인하였고</a:t>
             </a:r>
             <a:endParaRPr lang="en-US" altLang="ko-KR" sz="1600" dirty="0">
               <a:solidFill>
@@ -10766,7 +10766,27 @@
                 <a:latin typeface="넥슨Lv2고딕 Light" panose="00000300000000000000" pitchFamily="2" charset="-127"/>
                 <a:ea typeface="넥슨Lv2고딕 Light" panose="00000300000000000000" pitchFamily="2" charset="-127"/>
               </a:rPr>
-              <a:t>성능 저하를 막았습니다</a:t>
+              <a:t>이후 동적 </a:t>
+            </a:r>
+            <a:r>
+              <a:rPr lang="en-US" altLang="ko-KR" sz="1600" dirty="0">
+                <a:solidFill>
+                  <a:schemeClr val="bg1"/>
+                </a:solidFill>
+                <a:latin typeface="넥슨Lv2고딕 Light" panose="00000300000000000000" pitchFamily="2" charset="-127"/>
+                <a:ea typeface="넥슨Lv2고딕 Light" panose="00000300000000000000" pitchFamily="2" charset="-127"/>
+              </a:rPr>
+              <a:t>UI</a:t>
+            </a:r>
+            <a:r>
+              <a:rPr lang="ko-KR" altLang="en-US" sz="1600" dirty="0">
+                <a:solidFill>
+                  <a:schemeClr val="bg1"/>
+                </a:solidFill>
+                <a:latin typeface="넥슨Lv2고딕 Light" panose="00000300000000000000" pitchFamily="2" charset="-127"/>
+                <a:ea typeface="넥슨Lv2고딕 Light" panose="00000300000000000000" pitchFamily="2" charset="-127"/>
+              </a:rPr>
+              <a:t>는 캔버스를 나누는 형태를 사용하며 최적화를 했습니다</a:t>
             </a:r>
             <a:endParaRPr lang="en-US" altLang="ko-KR" sz="1600" dirty="0">
               <a:solidFill>
@@ -10804,8 +10824,25 @@
                 <a:latin typeface="넥슨Lv2고딕 Medium" panose="00000600000000000000" pitchFamily="2" charset="-127"/>
                 <a:ea typeface="넥슨Lv2고딕 Medium" panose="00000600000000000000" pitchFamily="2" charset="-127"/>
               </a:rPr>
-              <a:t>Tween</a:t>
-            </a:r>
+              <a:t>UI</a:t>
+            </a:r>
+            <a:r>
+              <a:rPr lang="ko-KR" altLang="en-US" dirty="0">
+                <a:solidFill>
+                  <a:schemeClr val="bg1"/>
+                </a:solidFill>
+                <a:latin typeface="넥슨Lv2고딕 Medium" panose="00000600000000000000" pitchFamily="2" charset="-127"/>
+                <a:ea typeface="넥슨Lv2고딕 Medium" panose="00000600000000000000" pitchFamily="2" charset="-127"/>
+              </a:rPr>
+              <a:t> 숨기기</a:t>
+            </a:r>
+            <a:endParaRPr lang="en-US" altLang="ko-KR" dirty="0">
+              <a:solidFill>
+                <a:schemeClr val="bg1"/>
+              </a:solidFill>
+              <a:latin typeface="넥슨Lv2고딕 Medium" panose="00000600000000000000" pitchFamily="2" charset="-127"/>
+              <a:ea typeface="넥슨Lv2고딕 Medium" panose="00000600000000000000" pitchFamily="2" charset="-127"/>
+            </a:endParaRPr>
           </a:p>
           <a:p>
             <a:pPr>
@@ -10814,16 +10851,6 @@
               </a:lnSpc>
             </a:pPr>
             <a:r>
-              <a:rPr lang="ko-KR" altLang="en-US" sz="1600" dirty="0" err="1">
-                <a:solidFill>
-                  <a:schemeClr val="bg1"/>
-                </a:solidFill>
-                <a:latin typeface="넥슨Lv2고딕 Light" panose="00000300000000000000" pitchFamily="2" charset="-127"/>
-                <a:ea typeface="넥슨Lv2고딕 Light" panose="00000300000000000000" pitchFamily="2" charset="-127"/>
-              </a:rPr>
-              <a:t>애니메이터를</a:t>
-            </a:r>
-            <a:r>
               <a:rPr lang="ko-KR" altLang="en-US" sz="1600" dirty="0">
                 <a:solidFill>
                   <a:schemeClr val="bg1"/>
@@ -10831,27 +10858,7 @@
                 <a:latin typeface="넥슨Lv2고딕 Light" panose="00000300000000000000" pitchFamily="2" charset="-127"/>
                 <a:ea typeface="넥슨Lv2고딕 Light" panose="00000300000000000000" pitchFamily="2" charset="-127"/>
               </a:rPr>
-              <a:t> 사용할 경우</a:t>
-            </a:r>
-            <a:r>
-              <a:rPr lang="en-US" altLang="ko-KR" sz="1600" dirty="0">
-                <a:solidFill>
-                  <a:schemeClr val="bg1"/>
-                </a:solidFill>
-                <a:latin typeface="넥슨Lv2고딕 Light" panose="00000300000000000000" pitchFamily="2" charset="-127"/>
-                <a:ea typeface="넥슨Lv2고딕 Light" panose="00000300000000000000" pitchFamily="2" charset="-127"/>
-              </a:rPr>
-              <a:t> </a:t>
-            </a:r>
-            <a:r>
-              <a:rPr lang="ko-KR" altLang="en-US" sz="1600" dirty="0">
-                <a:solidFill>
-                  <a:schemeClr val="bg1"/>
-                </a:solidFill>
-                <a:latin typeface="넥슨Lv2고딕 Light" panose="00000300000000000000" pitchFamily="2" charset="-127"/>
-                <a:ea typeface="넥슨Lv2고딕 Light" panose="00000300000000000000" pitchFamily="2" charset="-127"/>
-              </a:rPr>
-              <a:t>애니메이션이 사용 중이 아니더라도</a:t>
+              <a:t>게임 오브젝트를 비활성화 하는 대신</a:t>
             </a:r>
             <a:endParaRPr lang="en-US" altLang="ko-KR" sz="1600" dirty="0">
               <a:solidFill>
@@ -10875,7 +10882,27 @@
                 <a:latin typeface="넥슨Lv2고딕 Light" panose="00000300000000000000" pitchFamily="2" charset="-127"/>
                 <a:ea typeface="넥슨Lv2고딕 Light" panose="00000300000000000000" pitchFamily="2" charset="-127"/>
               </a:rPr>
-              <a:t>다시 그리게 되는 문제를 해결하기위해</a:t>
+              <a:t>캔버스 컴포넌트만</a:t>
+            </a:r>
+            <a:r>
+              <a:rPr lang="en-US" altLang="ko-KR" sz="1600" dirty="0">
+                <a:solidFill>
+                  <a:schemeClr val="bg1"/>
+                </a:solidFill>
+                <a:latin typeface="넥슨Lv2고딕 Light" panose="00000300000000000000" pitchFamily="2" charset="-127"/>
+                <a:ea typeface="넥슨Lv2고딕 Light" panose="00000300000000000000" pitchFamily="2" charset="-127"/>
+              </a:rPr>
+              <a:t> </a:t>
+            </a:r>
+            <a:r>
+              <a:rPr lang="ko-KR" altLang="en-US" sz="1600" dirty="0">
+                <a:solidFill>
+                  <a:schemeClr val="bg1"/>
+                </a:solidFill>
+                <a:latin typeface="넥슨Lv2고딕 Light" panose="00000300000000000000" pitchFamily="2" charset="-127"/>
+                <a:ea typeface="넥슨Lv2고딕 Light" panose="00000300000000000000" pitchFamily="2" charset="-127"/>
+              </a:rPr>
+              <a:t>비활성화 하여 숨겼습니다</a:t>
             </a:r>
             <a:endParaRPr lang="en-US" altLang="ko-KR" sz="1600" dirty="0">
               <a:solidFill>
@@ -10892,16 +10919,6 @@
               </a:lnSpc>
             </a:pPr>
             <a:r>
-              <a:rPr lang="en-US" altLang="ko-KR" sz="1600" dirty="0">
-                <a:solidFill>
-                  <a:schemeClr val="bg1"/>
-                </a:solidFill>
-                <a:latin typeface="넥슨Lv2고딕 Light" panose="00000300000000000000" pitchFamily="2" charset="-127"/>
-                <a:ea typeface="넥슨Lv2고딕 Light" panose="00000300000000000000" pitchFamily="2" charset="-127"/>
-              </a:rPr>
-              <a:t>Tween </a:t>
-            </a:r>
-            <a:r>
               <a:rPr lang="ko-KR" altLang="en-US" sz="1600" dirty="0">
                 <a:solidFill>
                   <a:schemeClr val="bg1"/>
@@ -10909,17 +10926,17 @@
                 <a:latin typeface="넥슨Lv2고딕 Light" panose="00000300000000000000" pitchFamily="2" charset="-127"/>
                 <a:ea typeface="넥슨Lv2고딕 Light" panose="00000300000000000000" pitchFamily="2" charset="-127"/>
               </a:rPr>
-              <a:t>을 사용하여</a:t>
-            </a:r>
-            <a:r>
-              <a:rPr lang="en-US" altLang="ko-KR" sz="1600" dirty="0">
-                <a:solidFill>
-                  <a:schemeClr val="bg1"/>
-                </a:solidFill>
-                <a:latin typeface="넥슨Lv2고딕 Light" panose="00000300000000000000" pitchFamily="2" charset="-127"/>
-                <a:ea typeface="넥슨Lv2고딕 Light" panose="00000300000000000000" pitchFamily="2" charset="-127"/>
-              </a:rPr>
-              <a:t> </a:t>
+              <a:t>이로 인해 활성화 시 메시와 </a:t>
+            </a:r>
+            <a:r>
+              <a:rPr lang="ko-KR" altLang="en-US" sz="1600" dirty="0" err="1">
+                <a:solidFill>
+                  <a:schemeClr val="bg1"/>
+                </a:solidFill>
+                <a:latin typeface="넥슨Lv2고딕 Light" panose="00000300000000000000" pitchFamily="2" charset="-127"/>
+                <a:ea typeface="넥슨Lv2고딕 Light" panose="00000300000000000000" pitchFamily="2" charset="-127"/>
+              </a:rPr>
+              <a:t>버텍스를</a:t>
             </a:r>
             <a:r>
               <a:rPr lang="ko-KR" altLang="en-US" sz="1600" dirty="0">
@@ -10929,7 +10946,7 @@
                 <a:latin typeface="넥슨Lv2고딕 Light" panose="00000300000000000000" pitchFamily="2" charset="-127"/>
                 <a:ea typeface="넥슨Lv2고딕 Light" panose="00000300000000000000" pitchFamily="2" charset="-127"/>
               </a:rPr>
-              <a:t>간단한 애니메이션을 적용하였습니다</a:t>
+              <a:t> 재구성하지 않게 되었습니다</a:t>
             </a:r>
             <a:endParaRPr lang="en-US" altLang="ko-KR" sz="1600" dirty="0">
               <a:solidFill>
@@ -10944,7 +10961,7 @@
     </p:spTree>
     <p:extLst>
       <p:ext uri="{BB962C8B-B14F-4D97-AF65-F5344CB8AC3E}">
-        <p14:creationId xmlns:p14="http://schemas.microsoft.com/office/powerpoint/2010/main" val="3532308141"/>
+        <p14:creationId xmlns:p14="http://schemas.microsoft.com/office/powerpoint/2010/main" val="3122391892"/>
       </p:ext>
     </p:extLst>
   </p:cSld>
@@ -10993,8 +11010,8 @@
         </p:nvSpPr>
         <p:spPr>
           <a:xfrm>
-            <a:off x="1688777" y="1469196"/>
-            <a:ext cx="6650890" cy="1200329"/>
+            <a:off x="1680310" y="1155929"/>
+            <a:ext cx="3733800" cy="584775"/>
           </a:xfrm>
           <a:prstGeom prst="rect">
             <a:avLst/>
@@ -11008,65 +11025,385 @@
           <a:lstStyle/>
           <a:p>
             <a:r>
-              <a:rPr lang="ko-KR" altLang="en-US" sz="7200" dirty="0">
+              <a:rPr lang="en-US" altLang="ko-KR" sz="3200" dirty="0">
                 <a:solidFill>
                   <a:schemeClr val="bg1"/>
                 </a:solidFill>
                 <a:latin typeface="넥슨Lv2고딕 Bold" panose="00000800000000000000" pitchFamily="2" charset="-127"/>
                 <a:ea typeface="넥슨Lv2고딕 Bold" panose="00000800000000000000" pitchFamily="2" charset="-127"/>
               </a:rPr>
-              <a:t>마치며</a:t>
-            </a:r>
-            <a:endParaRPr lang="en-US" altLang="ko-KR" sz="7200" dirty="0">
-              <a:solidFill>
-                <a:schemeClr val="bg1"/>
-              </a:solidFill>
-              <a:latin typeface="넥슨Lv2고딕 Bold" panose="00000800000000000000" pitchFamily="2" charset="-127"/>
-              <a:ea typeface="넥슨Lv2고딕 Bold" panose="00000800000000000000" pitchFamily="2" charset="-127"/>
-            </a:endParaRPr>
-          </a:p>
-        </p:txBody>
-      </p:sp>
-      <p:pic>
-        <p:nvPicPr>
-          <p:cNvPr id="9" name="그림 8">
-            <a:extLst>
-              <a:ext uri="{FF2B5EF4-FFF2-40B4-BE49-F238E27FC236}">
-                <a16:creationId xmlns:a16="http://schemas.microsoft.com/office/drawing/2014/main" id="{B6FC7C27-A4D6-0A9C-F61B-6AA1144DE5B1}"/>
-              </a:ext>
-            </a:extLst>
-          </p:cNvPr>
-          <p:cNvPicPr>
-            <a:picLocks noChangeAspect="1"/>
-          </p:cNvPicPr>
+              <a:t>UI </a:t>
+            </a:r>
+            <a:r>
+              <a:rPr lang="ko-KR" altLang="en-US" sz="3200" dirty="0">
+                <a:solidFill>
+                  <a:schemeClr val="bg1"/>
+                </a:solidFill>
+                <a:latin typeface="넥슨Lv2고딕 Bold" panose="00000800000000000000" pitchFamily="2" charset="-127"/>
+                <a:ea typeface="넥슨Lv2고딕 Bold" panose="00000800000000000000" pitchFamily="2" charset="-127"/>
+              </a:rPr>
+              <a:t>요소</a:t>
+            </a:r>
+          </a:p>
+        </p:txBody>
+      </p:sp>
+      <p:sp>
+        <p:nvSpPr>
+          <p:cNvPr id="16" name="직사각형 15">
+            <a:extLst>
+              <a:ext uri="{FF2B5EF4-FFF2-40B4-BE49-F238E27FC236}">
+                <a16:creationId xmlns:a16="http://schemas.microsoft.com/office/drawing/2014/main" id="{06D4D73C-002A-B871-4E9F-3C2F2EFA95F6}"/>
+              </a:ext>
+            </a:extLst>
+          </p:cNvPr>
+          <p:cNvSpPr/>
           <p:nvPr/>
-        </p:nvPicPr>
-        <p:blipFill>
-          <a:blip r:embed="rId2">
-            <a:extLst>
-              <a:ext uri="{28A0092B-C50C-407E-A947-70E740481C1C}">
-                <a14:useLocalDpi xmlns:a14="http://schemas.microsoft.com/office/drawing/2010/main" val="0"/>
-              </a:ext>
-            </a:extLst>
-          </a:blip>
-          <a:stretch>
-            <a:fillRect/>
-          </a:stretch>
-        </p:blipFill>
+        </p:nvSpPr>
         <p:spPr>
-          <a:xfrm flipH="1">
-            <a:off x="6682163" y="1628775"/>
-            <a:ext cx="3735012" cy="4514850"/>
+          <a:xfrm>
+            <a:off x="1660524" y="1262063"/>
+            <a:ext cx="45719" cy="366711"/>
           </a:xfrm>
           <a:prstGeom prst="rect">
             <a:avLst/>
           </a:prstGeom>
+          <a:solidFill>
+            <a:schemeClr val="bg1"/>
+          </a:solidFill>
+          <a:ln>
+            <a:noFill/>
+          </a:ln>
         </p:spPr>
-      </p:pic>
+        <p:style>
+          <a:lnRef idx="2">
+            <a:schemeClr val="accent1">
+              <a:shade val="50000"/>
+            </a:schemeClr>
+          </a:lnRef>
+          <a:fillRef idx="1">
+            <a:schemeClr val="accent1"/>
+          </a:fillRef>
+          <a:effectRef idx="0">
+            <a:schemeClr val="accent1"/>
+          </a:effectRef>
+          <a:fontRef idx="minor">
+            <a:schemeClr val="lt1"/>
+          </a:fontRef>
+        </p:style>
+        <p:txBody>
+          <a:bodyPr rtlCol="0" anchor="ctr"/>
+          <a:lstStyle/>
+          <a:p>
+            <a:pPr algn="ctr"/>
+            <a:endParaRPr lang="ko-KR" altLang="en-US"/>
+          </a:p>
+        </p:txBody>
+      </p:sp>
+      <p:sp>
+        <p:nvSpPr>
+          <p:cNvPr id="6" name="TextBox 5">
+            <a:extLst>
+              <a:ext uri="{FF2B5EF4-FFF2-40B4-BE49-F238E27FC236}">
+                <a16:creationId xmlns:a16="http://schemas.microsoft.com/office/drawing/2014/main" id="{63BC716B-EEC4-0292-2A32-8BA3449ACD32}"/>
+              </a:ext>
+            </a:extLst>
+          </p:cNvPr>
+          <p:cNvSpPr txBox="1"/>
+          <p:nvPr/>
+        </p:nvSpPr>
+        <p:spPr>
+          <a:xfrm>
+            <a:off x="1680309" y="2074745"/>
+            <a:ext cx="8736865" cy="3477362"/>
+          </a:xfrm>
+          <a:prstGeom prst="rect">
+            <a:avLst/>
+          </a:prstGeom>
+          <a:noFill/>
+        </p:spPr>
+        <p:txBody>
+          <a:bodyPr wrap="square" rtlCol="0">
+            <a:spAutoFit/>
+          </a:bodyPr>
+          <a:lstStyle/>
+          <a:p>
+            <a:pPr>
+              <a:lnSpc>
+                <a:spcPct val="150000"/>
+              </a:lnSpc>
+            </a:pPr>
+            <a:r>
+              <a:rPr lang="en-US" altLang="ko-KR" dirty="0">
+                <a:solidFill>
+                  <a:schemeClr val="bg1"/>
+                </a:solidFill>
+                <a:latin typeface="넥슨Lv2고딕 Medium" panose="00000600000000000000" pitchFamily="2" charset="-127"/>
+                <a:ea typeface="넥슨Lv2고딕 Medium" panose="00000600000000000000" pitchFamily="2" charset="-127"/>
+              </a:rPr>
+              <a:t>Layout</a:t>
+            </a:r>
+            <a:r>
+              <a:rPr lang="ko-KR" altLang="en-US" dirty="0">
+                <a:solidFill>
+                  <a:schemeClr val="bg1"/>
+                </a:solidFill>
+                <a:latin typeface="넥슨Lv2고딕 Medium" panose="00000600000000000000" pitchFamily="2" charset="-127"/>
+                <a:ea typeface="넥슨Lv2고딕 Medium" panose="00000600000000000000" pitchFamily="2" charset="-127"/>
+              </a:rPr>
+              <a:t> </a:t>
+            </a:r>
+            <a:r>
+              <a:rPr lang="en-US" altLang="ko-KR" dirty="0">
+                <a:solidFill>
+                  <a:schemeClr val="bg1"/>
+                </a:solidFill>
+                <a:latin typeface="넥슨Lv2고딕 Medium" panose="00000600000000000000" pitchFamily="2" charset="-127"/>
+                <a:ea typeface="넥슨Lv2고딕 Medium" panose="00000600000000000000" pitchFamily="2" charset="-127"/>
+              </a:rPr>
+              <a:t>Group</a:t>
+            </a:r>
+          </a:p>
+          <a:p>
+            <a:pPr>
+              <a:lnSpc>
+                <a:spcPct val="150000"/>
+              </a:lnSpc>
+            </a:pPr>
+            <a:r>
+              <a:rPr lang="ko-KR" altLang="en-US" sz="1600" dirty="0">
+                <a:solidFill>
+                  <a:schemeClr val="bg1"/>
+                </a:solidFill>
+                <a:latin typeface="넥슨Lv2고딕 Light" panose="00000300000000000000" pitchFamily="2" charset="-127"/>
+                <a:ea typeface="넥슨Lv2고딕 Light" panose="00000300000000000000" pitchFamily="2" charset="-127"/>
+              </a:rPr>
+              <a:t>레이아웃 그룹 사용 이후 컴포넌트를</a:t>
+            </a:r>
+            <a:endParaRPr lang="en-US" altLang="ko-KR" sz="1600" dirty="0">
+              <a:solidFill>
+                <a:schemeClr val="bg1"/>
+              </a:solidFill>
+              <a:latin typeface="넥슨Lv2고딕 Light" panose="00000300000000000000" pitchFamily="2" charset="-127"/>
+              <a:ea typeface="넥슨Lv2고딕 Light" panose="00000300000000000000" pitchFamily="2" charset="-127"/>
+            </a:endParaRPr>
+          </a:p>
+          <a:p>
+            <a:pPr>
+              <a:lnSpc>
+                <a:spcPct val="150000"/>
+              </a:lnSpc>
+            </a:pPr>
+            <a:r>
+              <a:rPr lang="ko-KR" altLang="en-US" sz="1600" dirty="0">
+                <a:solidFill>
+                  <a:schemeClr val="bg1"/>
+                </a:solidFill>
+                <a:latin typeface="넥슨Lv2고딕 Light" panose="00000300000000000000" pitchFamily="2" charset="-127"/>
+                <a:ea typeface="넥슨Lv2고딕 Light" panose="00000300000000000000" pitchFamily="2" charset="-127"/>
+              </a:rPr>
+              <a:t>비활성화하여 추가적인</a:t>
+            </a:r>
+            <a:endParaRPr lang="en-US" altLang="ko-KR" sz="1600" dirty="0">
+              <a:solidFill>
+                <a:schemeClr val="bg1"/>
+              </a:solidFill>
+              <a:latin typeface="넥슨Lv2고딕 Light" panose="00000300000000000000" pitchFamily="2" charset="-127"/>
+              <a:ea typeface="넥슨Lv2고딕 Light" panose="00000300000000000000" pitchFamily="2" charset="-127"/>
+            </a:endParaRPr>
+          </a:p>
+          <a:p>
+            <a:pPr>
+              <a:lnSpc>
+                <a:spcPct val="150000"/>
+              </a:lnSpc>
+            </a:pPr>
+            <a:r>
+              <a:rPr lang="ko-KR" altLang="en-US" sz="1600" dirty="0">
+                <a:solidFill>
+                  <a:schemeClr val="bg1"/>
+                </a:solidFill>
+                <a:latin typeface="넥슨Lv2고딕 Light" panose="00000300000000000000" pitchFamily="2" charset="-127"/>
+                <a:ea typeface="넥슨Lv2고딕 Light" panose="00000300000000000000" pitchFamily="2" charset="-127"/>
+              </a:rPr>
+              <a:t>성능 저하를 막았습니다</a:t>
+            </a:r>
+            <a:endParaRPr lang="en-US" altLang="ko-KR" sz="1600" dirty="0">
+              <a:solidFill>
+                <a:schemeClr val="bg1"/>
+              </a:solidFill>
+              <a:latin typeface="넥슨Lv2고딕 Light" panose="00000300000000000000" pitchFamily="2" charset="-127"/>
+              <a:ea typeface="넥슨Lv2고딕 Light" panose="00000300000000000000" pitchFamily="2" charset="-127"/>
+            </a:endParaRPr>
+          </a:p>
+          <a:p>
+            <a:pPr>
+              <a:lnSpc>
+                <a:spcPct val="150000"/>
+              </a:lnSpc>
+            </a:pPr>
+            <a:endParaRPr lang="en-US" altLang="ko-KR" sz="1600" dirty="0">
+              <a:solidFill>
+                <a:schemeClr val="bg1"/>
+              </a:solidFill>
+              <a:latin typeface="넥슨Lv2고딕 Light" panose="00000300000000000000" pitchFamily="2" charset="-127"/>
+              <a:ea typeface="넥슨Lv2고딕 Light" panose="00000300000000000000" pitchFamily="2" charset="-127"/>
+            </a:endParaRPr>
+          </a:p>
+          <a:p>
+            <a:pPr>
+              <a:lnSpc>
+                <a:spcPct val="150000"/>
+              </a:lnSpc>
+            </a:pPr>
+            <a:r>
+              <a:rPr lang="en-US" altLang="ko-KR" dirty="0">
+                <a:solidFill>
+                  <a:schemeClr val="bg1"/>
+                </a:solidFill>
+                <a:latin typeface="넥슨Lv2고딕 Medium" panose="00000600000000000000" pitchFamily="2" charset="-127"/>
+                <a:ea typeface="넥슨Lv2고딕 Medium" panose="00000600000000000000" pitchFamily="2" charset="-127"/>
+              </a:rPr>
+              <a:t>Tween</a:t>
+            </a:r>
+          </a:p>
+          <a:p>
+            <a:pPr>
+              <a:lnSpc>
+                <a:spcPct val="150000"/>
+              </a:lnSpc>
+            </a:pPr>
+            <a:r>
+              <a:rPr lang="ko-KR" altLang="en-US" sz="1600" dirty="0" err="1">
+                <a:solidFill>
+                  <a:schemeClr val="bg1"/>
+                </a:solidFill>
+                <a:latin typeface="넥슨Lv2고딕 Light" panose="00000300000000000000" pitchFamily="2" charset="-127"/>
+                <a:ea typeface="넥슨Lv2고딕 Light" panose="00000300000000000000" pitchFamily="2" charset="-127"/>
+              </a:rPr>
+              <a:t>애니메이터를</a:t>
+            </a:r>
+            <a:r>
+              <a:rPr lang="ko-KR" altLang="en-US" sz="1600" dirty="0">
+                <a:solidFill>
+                  <a:schemeClr val="bg1"/>
+                </a:solidFill>
+                <a:latin typeface="넥슨Lv2고딕 Light" panose="00000300000000000000" pitchFamily="2" charset="-127"/>
+                <a:ea typeface="넥슨Lv2고딕 Light" panose="00000300000000000000" pitchFamily="2" charset="-127"/>
+              </a:rPr>
+              <a:t> 사용할 경우</a:t>
+            </a:r>
+            <a:r>
+              <a:rPr lang="en-US" altLang="ko-KR" sz="1600" dirty="0">
+                <a:solidFill>
+                  <a:schemeClr val="bg1"/>
+                </a:solidFill>
+                <a:latin typeface="넥슨Lv2고딕 Light" panose="00000300000000000000" pitchFamily="2" charset="-127"/>
+                <a:ea typeface="넥슨Lv2고딕 Light" panose="00000300000000000000" pitchFamily="2" charset="-127"/>
+              </a:rPr>
+              <a:t> </a:t>
+            </a:r>
+            <a:r>
+              <a:rPr lang="ko-KR" altLang="en-US" sz="1600" dirty="0">
+                <a:solidFill>
+                  <a:schemeClr val="bg1"/>
+                </a:solidFill>
+                <a:latin typeface="넥슨Lv2고딕 Light" panose="00000300000000000000" pitchFamily="2" charset="-127"/>
+                <a:ea typeface="넥슨Lv2고딕 Light" panose="00000300000000000000" pitchFamily="2" charset="-127"/>
+              </a:rPr>
+              <a:t>애니메이션이 사용 중이 아니더라도</a:t>
+            </a:r>
+            <a:endParaRPr lang="en-US" altLang="ko-KR" sz="1600" dirty="0">
+              <a:solidFill>
+                <a:schemeClr val="bg1"/>
+              </a:solidFill>
+              <a:latin typeface="넥슨Lv2고딕 Light" panose="00000300000000000000" pitchFamily="2" charset="-127"/>
+              <a:ea typeface="넥슨Lv2고딕 Light" panose="00000300000000000000" pitchFamily="2" charset="-127"/>
+            </a:endParaRPr>
+          </a:p>
+          <a:p>
+            <a:pPr>
+              <a:lnSpc>
+                <a:spcPct val="150000"/>
+              </a:lnSpc>
+            </a:pPr>
+            <a:r>
+              <a:rPr lang="ko-KR" altLang="en-US" sz="1600" dirty="0">
+                <a:solidFill>
+                  <a:schemeClr val="bg1"/>
+                </a:solidFill>
+                <a:latin typeface="넥슨Lv2고딕 Light" panose="00000300000000000000" pitchFamily="2" charset="-127"/>
+                <a:ea typeface="넥슨Lv2고딕 Light" panose="00000300000000000000" pitchFamily="2" charset="-127"/>
+              </a:rPr>
+              <a:t>다시 그리게 되는 문제를 해결하기위해</a:t>
+            </a:r>
+            <a:endParaRPr lang="en-US" altLang="ko-KR" sz="1600" dirty="0">
+              <a:solidFill>
+                <a:schemeClr val="bg1"/>
+              </a:solidFill>
+              <a:latin typeface="넥슨Lv2고딕 Light" panose="00000300000000000000" pitchFamily="2" charset="-127"/>
+              <a:ea typeface="넥슨Lv2고딕 Light" panose="00000300000000000000" pitchFamily="2" charset="-127"/>
+            </a:endParaRPr>
+          </a:p>
+          <a:p>
+            <a:pPr>
+              <a:lnSpc>
+                <a:spcPct val="150000"/>
+              </a:lnSpc>
+            </a:pPr>
+            <a:r>
+              <a:rPr lang="en-US" altLang="ko-KR" sz="1600" dirty="0">
+                <a:solidFill>
+                  <a:schemeClr val="bg1"/>
+                </a:solidFill>
+                <a:latin typeface="넥슨Lv2고딕 Light" panose="00000300000000000000" pitchFamily="2" charset="-127"/>
+                <a:ea typeface="넥슨Lv2고딕 Light" panose="00000300000000000000" pitchFamily="2" charset="-127"/>
+              </a:rPr>
+              <a:t>Tween </a:t>
+            </a:r>
+            <a:r>
+              <a:rPr lang="ko-KR" altLang="en-US" sz="1600" dirty="0">
+                <a:solidFill>
+                  <a:schemeClr val="bg1"/>
+                </a:solidFill>
+                <a:latin typeface="넥슨Lv2고딕 Light" panose="00000300000000000000" pitchFamily="2" charset="-127"/>
+                <a:ea typeface="넥슨Lv2고딕 Light" panose="00000300000000000000" pitchFamily="2" charset="-127"/>
+              </a:rPr>
+              <a:t>을 사용하여</a:t>
+            </a:r>
+            <a:r>
+              <a:rPr lang="en-US" altLang="ko-KR" sz="1600" dirty="0">
+                <a:solidFill>
+                  <a:schemeClr val="bg1"/>
+                </a:solidFill>
+                <a:latin typeface="넥슨Lv2고딕 Light" panose="00000300000000000000" pitchFamily="2" charset="-127"/>
+                <a:ea typeface="넥슨Lv2고딕 Light" panose="00000300000000000000" pitchFamily="2" charset="-127"/>
+              </a:rPr>
+              <a:t> </a:t>
+            </a:r>
+            <a:r>
+              <a:rPr lang="ko-KR" altLang="en-US" sz="1600" dirty="0">
+                <a:solidFill>
+                  <a:schemeClr val="bg1"/>
+                </a:solidFill>
+                <a:latin typeface="넥슨Lv2고딕 Light" panose="00000300000000000000" pitchFamily="2" charset="-127"/>
+                <a:ea typeface="넥슨Lv2고딕 Light" panose="00000300000000000000" pitchFamily="2" charset="-127"/>
+              </a:rPr>
+              <a:t>간단한 애니메이션을 적용하였습니다</a:t>
+            </a:r>
+            <a:endParaRPr lang="en-US" altLang="ko-KR" sz="1600" dirty="0">
+              <a:solidFill>
+                <a:schemeClr val="bg1"/>
+              </a:solidFill>
+              <a:latin typeface="넥슨Lv2고딕 Light" panose="00000300000000000000" pitchFamily="2" charset="-127"/>
+              <a:ea typeface="넥슨Lv2고딕 Light" panose="00000300000000000000" pitchFamily="2" charset="-127"/>
+            </a:endParaRPr>
+          </a:p>
+        </p:txBody>
+      </p:sp>
     </p:spTree>
     <p:extLst>
       <p:ext uri="{BB962C8B-B14F-4D97-AF65-F5344CB8AC3E}">
-        <p14:creationId xmlns:p14="http://schemas.microsoft.com/office/powerpoint/2010/main" val="1804371286"/>
+        <p14:creationId xmlns:p14="http://schemas.microsoft.com/office/powerpoint/2010/main" val="3532308141"/>
       </p:ext>
     </p:extLst>
   </p:cSld>
@@ -11103,74 +11440,20 @@
       </p:grpSpPr>
       <p:sp>
         <p:nvSpPr>
-          <p:cNvPr id="11" name="사각형: 둥근 모서리 10">
-            <a:extLst>
-              <a:ext uri="{FF2B5EF4-FFF2-40B4-BE49-F238E27FC236}">
-                <a16:creationId xmlns:a16="http://schemas.microsoft.com/office/drawing/2014/main" id="{B48A8572-A022-8604-EB47-900C9790D061}"/>
-              </a:ext>
-            </a:extLst>
-          </p:cNvPr>
-          <p:cNvSpPr/>
+          <p:cNvPr id="15" name="TextBox 14">
+            <a:extLst>
+              <a:ext uri="{FF2B5EF4-FFF2-40B4-BE49-F238E27FC236}">
+                <a16:creationId xmlns:a16="http://schemas.microsoft.com/office/drawing/2014/main" id="{BA04418A-3697-DF14-5B90-D9AC7CE43E2B}"/>
+              </a:ext>
+            </a:extLst>
+          </p:cNvPr>
+          <p:cNvSpPr txBox="1"/>
           <p:nvPr/>
         </p:nvSpPr>
         <p:spPr>
           <a:xfrm>
-            <a:off x="6095999" y="1628774"/>
-            <a:ext cx="4321175" cy="4581526"/>
-          </a:xfrm>
-          <a:prstGeom prst="roundRect">
-            <a:avLst>
-              <a:gd name="adj" fmla="val 4323"/>
-            </a:avLst>
-          </a:prstGeom>
-          <a:solidFill>
-            <a:srgbClr val="6397F1"/>
-          </a:solidFill>
-          <a:ln>
-            <a:noFill/>
-          </a:ln>
-        </p:spPr>
-        <p:style>
-          <a:lnRef idx="2">
-            <a:schemeClr val="accent1">
-              <a:shade val="50000"/>
-            </a:schemeClr>
-          </a:lnRef>
-          <a:fillRef idx="1">
-            <a:schemeClr val="accent1"/>
-          </a:fillRef>
-          <a:effectRef idx="0">
-            <a:schemeClr val="accent1"/>
-          </a:effectRef>
-          <a:fontRef idx="minor">
-            <a:schemeClr val="lt1"/>
-          </a:fontRef>
-        </p:style>
-        <p:txBody>
-          <a:bodyPr rtlCol="0" anchor="ctr"/>
-          <a:lstStyle/>
-          <a:p>
-            <a:pPr algn="ctr"/>
-            <a:endParaRPr lang="ko-KR" altLang="en-US"/>
-          </a:p>
-        </p:txBody>
-      </p:sp>
-      <p:sp>
-        <p:nvSpPr>
-          <p:cNvPr id="6" name="TextBox 5">
-            <a:extLst>
-              <a:ext uri="{FF2B5EF4-FFF2-40B4-BE49-F238E27FC236}">
-                <a16:creationId xmlns:a16="http://schemas.microsoft.com/office/drawing/2014/main" id="{A1A729CA-938F-1B19-4148-3D25572B502C}"/>
-              </a:ext>
-            </a:extLst>
-          </p:cNvPr>
-          <p:cNvSpPr txBox="1"/>
-          <p:nvPr/>
-        </p:nvSpPr>
-        <p:spPr>
-          <a:xfrm>
-            <a:off x="1680310" y="1155929"/>
-            <a:ext cx="3733800" cy="584775"/>
+            <a:off x="1688777" y="1469196"/>
+            <a:ext cx="6650890" cy="1200329"/>
           </a:xfrm>
           <a:prstGeom prst="rect">
             <a:avLst/>
@@ -11184,76 +11467,31 @@
           <a:lstStyle/>
           <a:p>
             <a:r>
-              <a:rPr lang="ko-KR" altLang="en-US" sz="3200" dirty="0">
+              <a:rPr lang="ko-KR" altLang="en-US" sz="7200" dirty="0">
                 <a:solidFill>
                   <a:schemeClr val="bg1"/>
                 </a:solidFill>
                 <a:latin typeface="넥슨Lv2고딕 Bold" panose="00000800000000000000" pitchFamily="2" charset="-127"/>
                 <a:ea typeface="넥슨Lv2고딕 Bold" panose="00000800000000000000" pitchFamily="2" charset="-127"/>
               </a:rPr>
-              <a:t>아쉬운 점</a:t>
-            </a:r>
-          </a:p>
-        </p:txBody>
-      </p:sp>
-      <p:sp>
-        <p:nvSpPr>
-          <p:cNvPr id="7" name="직사각형 6">
-            <a:extLst>
-              <a:ext uri="{FF2B5EF4-FFF2-40B4-BE49-F238E27FC236}">
-                <a16:creationId xmlns:a16="http://schemas.microsoft.com/office/drawing/2014/main" id="{EE422A0C-AD0C-D44C-27C3-48DBF1982000}"/>
-              </a:ext>
-            </a:extLst>
-          </p:cNvPr>
-          <p:cNvSpPr/>
-          <p:nvPr/>
-        </p:nvSpPr>
-        <p:spPr>
-          <a:xfrm>
-            <a:off x="1660524" y="1262063"/>
-            <a:ext cx="45719" cy="366711"/>
-          </a:xfrm>
-          <a:prstGeom prst="rect">
-            <a:avLst/>
-          </a:prstGeom>
-          <a:solidFill>
-            <a:schemeClr val="bg1"/>
-          </a:solidFill>
-          <a:ln>
-            <a:noFill/>
-          </a:ln>
-        </p:spPr>
-        <p:style>
-          <a:lnRef idx="2">
-            <a:schemeClr val="accent1">
-              <a:shade val="50000"/>
-            </a:schemeClr>
-          </a:lnRef>
-          <a:fillRef idx="1">
-            <a:schemeClr val="accent1"/>
-          </a:fillRef>
-          <a:effectRef idx="0">
-            <a:schemeClr val="accent1"/>
-          </a:effectRef>
-          <a:fontRef idx="minor">
-            <a:schemeClr val="lt1"/>
-          </a:fontRef>
-        </p:style>
-        <p:txBody>
-          <a:bodyPr rtlCol="0" anchor="ctr"/>
-          <a:lstStyle/>
-          <a:p>
-            <a:pPr algn="ctr"/>
-            <a:endParaRPr lang="ko-KR" altLang="en-US"/>
+              <a:t>마치며</a:t>
+            </a:r>
+            <a:endParaRPr lang="en-US" altLang="ko-KR" sz="7200" dirty="0">
+              <a:solidFill>
+                <a:schemeClr val="bg1"/>
+              </a:solidFill>
+              <a:latin typeface="넥슨Lv2고딕 Bold" panose="00000800000000000000" pitchFamily="2" charset="-127"/>
+              <a:ea typeface="넥슨Lv2고딕 Bold" panose="00000800000000000000" pitchFamily="2" charset="-127"/>
+            </a:endParaRPr>
           </a:p>
         </p:txBody>
       </p:sp>
       <p:pic>
         <p:nvPicPr>
-          <p:cNvPr id="9" name="그래픽 8">
-            <a:extLst>
-              <a:ext uri="{FF2B5EF4-FFF2-40B4-BE49-F238E27FC236}">
-                <a16:creationId xmlns:a16="http://schemas.microsoft.com/office/drawing/2014/main" id="{B952CFDB-8BB3-2429-7671-6DE83F7AC321}"/>
+          <p:cNvPr id="9" name="그림 8">
+            <a:extLst>
+              <a:ext uri="{FF2B5EF4-FFF2-40B4-BE49-F238E27FC236}">
+                <a16:creationId xmlns:a16="http://schemas.microsoft.com/office/drawing/2014/main" id="{B6FC7C27-A4D6-0A9C-F61B-6AA1144DE5B1}"/>
               </a:ext>
             </a:extLst>
           </p:cNvPr>
@@ -11268,9 +11506,6 @@
               <a:ext uri="{28A0092B-C50C-407E-A947-70E740481C1C}">
                 <a14:useLocalDpi xmlns:a14="http://schemas.microsoft.com/office/drawing/2010/main" val="0"/>
               </a:ext>
-              <a:ext uri="{96DAC541-7B7A-43D3-8B79-37D633B846F1}">
-                <asvg:svgBlip xmlns:asvg="http://schemas.microsoft.com/office/drawing/2016/SVG/main" r:embed="rId3"/>
-              </a:ext>
             </a:extLst>
           </a:blip>
           <a:stretch>
@@ -11278,238 +11513,19 @@
           </a:stretch>
         </p:blipFill>
         <p:spPr>
-          <a:xfrm>
-            <a:off x="6200776" y="1841425"/>
-            <a:ext cx="4111624" cy="3952498"/>
+          <a:xfrm flipH="1">
+            <a:off x="6682163" y="1628775"/>
+            <a:ext cx="3735012" cy="4514850"/>
           </a:xfrm>
           <a:prstGeom prst="rect">
             <a:avLst/>
           </a:prstGeom>
         </p:spPr>
       </p:pic>
-      <p:sp>
-        <p:nvSpPr>
-          <p:cNvPr id="10" name="TextBox 9">
-            <a:extLst>
-              <a:ext uri="{FF2B5EF4-FFF2-40B4-BE49-F238E27FC236}">
-                <a16:creationId xmlns:a16="http://schemas.microsoft.com/office/drawing/2014/main" id="{3DCDC810-10FA-861E-33DE-CA666F3543F7}"/>
-              </a:ext>
-            </a:extLst>
-          </p:cNvPr>
-          <p:cNvSpPr txBox="1"/>
-          <p:nvPr/>
-        </p:nvSpPr>
-        <p:spPr>
-          <a:xfrm>
-            <a:off x="1680309" y="2074745"/>
-            <a:ext cx="8736865" cy="1953868"/>
-          </a:xfrm>
-          <a:prstGeom prst="rect">
-            <a:avLst/>
-          </a:prstGeom>
-          <a:noFill/>
-        </p:spPr>
-        <p:txBody>
-          <a:bodyPr wrap="square" rtlCol="0">
-            <a:spAutoFit/>
-          </a:bodyPr>
-          <a:lstStyle/>
-          <a:p>
-            <a:pPr>
-              <a:lnSpc>
-                <a:spcPct val="150000"/>
-              </a:lnSpc>
-            </a:pPr>
-            <a:r>
-              <a:rPr lang="en-US" altLang="ko-KR" dirty="0">
-                <a:solidFill>
-                  <a:schemeClr val="bg1"/>
-                </a:solidFill>
-                <a:latin typeface="넥슨Lv2고딕 Medium" panose="00000600000000000000" pitchFamily="2" charset="-127"/>
-                <a:ea typeface="넥슨Lv2고딕 Medium" panose="00000600000000000000" pitchFamily="2" charset="-127"/>
-              </a:rPr>
-              <a:t>UML </a:t>
-            </a:r>
-            <a:r>
-              <a:rPr lang="ko-KR" altLang="en-US" dirty="0">
-                <a:solidFill>
-                  <a:schemeClr val="bg1"/>
-                </a:solidFill>
-                <a:latin typeface="넥슨Lv2고딕 Medium" panose="00000600000000000000" pitchFamily="2" charset="-127"/>
-                <a:ea typeface="넥슨Lv2고딕 Medium" panose="00000600000000000000" pitchFamily="2" charset="-127"/>
-              </a:rPr>
-              <a:t>활용</a:t>
-            </a:r>
-            <a:endParaRPr lang="en-US" altLang="ko-KR" dirty="0">
-              <a:solidFill>
-                <a:schemeClr val="bg1"/>
-              </a:solidFill>
-              <a:latin typeface="넥슨Lv2고딕 Medium" panose="00000600000000000000" pitchFamily="2" charset="-127"/>
-              <a:ea typeface="넥슨Lv2고딕 Medium" panose="00000600000000000000" pitchFamily="2" charset="-127"/>
-            </a:endParaRPr>
-          </a:p>
-          <a:p>
-            <a:pPr>
-              <a:lnSpc>
-                <a:spcPct val="150000"/>
-              </a:lnSpc>
-            </a:pPr>
-            <a:r>
-              <a:rPr lang="ko-KR" altLang="en-US" sz="1600" dirty="0">
-                <a:solidFill>
-                  <a:schemeClr val="bg1"/>
-                </a:solidFill>
-                <a:latin typeface="넥슨Lv2고딕 Light" panose="00000300000000000000" pitchFamily="2" charset="-127"/>
-                <a:ea typeface="넥슨Lv2고딕 Light" panose="00000300000000000000" pitchFamily="2" charset="-127"/>
-              </a:rPr>
-              <a:t>계속해서 좋은 구조를 찾아보며 작업하다 보니</a:t>
-            </a:r>
-            <a:endParaRPr lang="en-US" altLang="ko-KR" sz="1600" dirty="0">
-              <a:solidFill>
-                <a:schemeClr val="bg1"/>
-              </a:solidFill>
-              <a:latin typeface="넥슨Lv2고딕 Light" panose="00000300000000000000" pitchFamily="2" charset="-127"/>
-              <a:ea typeface="넥슨Lv2고딕 Light" panose="00000300000000000000" pitchFamily="2" charset="-127"/>
-            </a:endParaRPr>
-          </a:p>
-          <a:p>
-            <a:pPr>
-              <a:lnSpc>
-                <a:spcPct val="150000"/>
-              </a:lnSpc>
-            </a:pPr>
-            <a:r>
-              <a:rPr lang="ko-KR" altLang="en-US" sz="1600" dirty="0">
-                <a:solidFill>
-                  <a:schemeClr val="bg1"/>
-                </a:solidFill>
-                <a:latin typeface="넥슨Lv2고딕 Light" panose="00000300000000000000" pitchFamily="2" charset="-127"/>
-                <a:ea typeface="넥슨Lv2고딕 Light" panose="00000300000000000000" pitchFamily="2" charset="-127"/>
-              </a:rPr>
-              <a:t>처음 </a:t>
-            </a:r>
-            <a:r>
-              <a:rPr lang="en-US" altLang="ko-KR" sz="1600" dirty="0">
-                <a:solidFill>
-                  <a:schemeClr val="bg1"/>
-                </a:solidFill>
-                <a:latin typeface="넥슨Lv2고딕 Light" panose="00000300000000000000" pitchFamily="2" charset="-127"/>
-                <a:ea typeface="넥슨Lv2고딕 Light" panose="00000300000000000000" pitchFamily="2" charset="-127"/>
-              </a:rPr>
-              <a:t>UML</a:t>
-            </a:r>
-            <a:r>
-              <a:rPr lang="ko-KR" altLang="en-US" sz="1600" dirty="0">
-                <a:solidFill>
-                  <a:schemeClr val="bg1"/>
-                </a:solidFill>
-                <a:latin typeface="넥슨Lv2고딕 Light" panose="00000300000000000000" pitchFamily="2" charset="-127"/>
-                <a:ea typeface="넥슨Lv2고딕 Light" panose="00000300000000000000" pitchFamily="2" charset="-127"/>
-              </a:rPr>
-              <a:t>로 만들어 둔 구조에서</a:t>
-            </a:r>
-            <a:endParaRPr lang="en-US" altLang="ko-KR" sz="1600" dirty="0">
-              <a:solidFill>
-                <a:schemeClr val="bg1"/>
-              </a:solidFill>
-              <a:latin typeface="넥슨Lv2고딕 Light" panose="00000300000000000000" pitchFamily="2" charset="-127"/>
-              <a:ea typeface="넥슨Lv2고딕 Light" panose="00000300000000000000" pitchFamily="2" charset="-127"/>
-            </a:endParaRPr>
-          </a:p>
-          <a:p>
-            <a:pPr>
-              <a:lnSpc>
-                <a:spcPct val="150000"/>
-              </a:lnSpc>
-            </a:pPr>
-            <a:r>
-              <a:rPr lang="ko-KR" altLang="en-US" sz="1600" dirty="0">
-                <a:solidFill>
-                  <a:schemeClr val="bg1"/>
-                </a:solidFill>
-                <a:latin typeface="넥슨Lv2고딕 Light" panose="00000300000000000000" pitchFamily="2" charset="-127"/>
-                <a:ea typeface="넥슨Lv2고딕 Light" panose="00000300000000000000" pitchFamily="2" charset="-127"/>
-              </a:rPr>
-              <a:t>변형된 것이</a:t>
-            </a:r>
-            <a:r>
-              <a:rPr lang="en-US" altLang="ko-KR" sz="1600" dirty="0">
-                <a:solidFill>
-                  <a:schemeClr val="bg1"/>
-                </a:solidFill>
-                <a:latin typeface="넥슨Lv2고딕 Light" panose="00000300000000000000" pitchFamily="2" charset="-127"/>
-                <a:ea typeface="넥슨Lv2고딕 Light" panose="00000300000000000000" pitchFamily="2" charset="-127"/>
-              </a:rPr>
-              <a:t> </a:t>
-            </a:r>
-            <a:r>
-              <a:rPr lang="ko-KR" altLang="en-US" sz="1600" dirty="0">
-                <a:solidFill>
-                  <a:schemeClr val="bg1"/>
-                </a:solidFill>
-                <a:latin typeface="넥슨Lv2고딕 Light" panose="00000300000000000000" pitchFamily="2" charset="-127"/>
-                <a:ea typeface="넥슨Lv2고딕 Light" panose="00000300000000000000" pitchFamily="2" charset="-127"/>
-              </a:rPr>
-              <a:t>있어서 앞으로 구조에 대해</a:t>
-            </a:r>
-            <a:endParaRPr lang="en-US" altLang="ko-KR" sz="1600" dirty="0">
-              <a:solidFill>
-                <a:schemeClr val="bg1"/>
-              </a:solidFill>
-              <a:latin typeface="넥슨Lv2고딕 Light" panose="00000300000000000000" pitchFamily="2" charset="-127"/>
-              <a:ea typeface="넥슨Lv2고딕 Light" panose="00000300000000000000" pitchFamily="2" charset="-127"/>
-            </a:endParaRPr>
-          </a:p>
-          <a:p>
-            <a:pPr>
-              <a:lnSpc>
-                <a:spcPct val="150000"/>
-              </a:lnSpc>
-            </a:pPr>
-            <a:r>
-              <a:rPr lang="ko-KR" altLang="en-US" sz="1600" dirty="0">
-                <a:solidFill>
-                  <a:schemeClr val="bg1"/>
-                </a:solidFill>
-                <a:latin typeface="넥슨Lv2고딕 Light" panose="00000300000000000000" pitchFamily="2" charset="-127"/>
-                <a:ea typeface="넥슨Lv2고딕 Light" panose="00000300000000000000" pitchFamily="2" charset="-127"/>
-              </a:rPr>
-              <a:t>더욱 신경 쓰면</a:t>
-            </a:r>
-            <a:r>
-              <a:rPr lang="en-US" altLang="ko-KR" sz="1600" dirty="0">
-                <a:solidFill>
-                  <a:schemeClr val="bg1"/>
-                </a:solidFill>
-                <a:latin typeface="넥슨Lv2고딕 Light" panose="00000300000000000000" pitchFamily="2" charset="-127"/>
-                <a:ea typeface="넥슨Lv2고딕 Light" panose="00000300000000000000" pitchFamily="2" charset="-127"/>
-              </a:rPr>
-              <a:t> </a:t>
-            </a:r>
-            <a:r>
-              <a:rPr lang="ko-KR" altLang="en-US" sz="1600" dirty="0">
-                <a:solidFill>
-                  <a:schemeClr val="bg1"/>
-                </a:solidFill>
-                <a:latin typeface="넥슨Lv2고딕 Light" panose="00000300000000000000" pitchFamily="2" charset="-127"/>
-                <a:ea typeface="넥슨Lv2고딕 Light" panose="00000300000000000000" pitchFamily="2" charset="-127"/>
-              </a:rPr>
-              <a:t>좋을 것 같습니다</a:t>
-            </a:r>
-            <a:endParaRPr lang="en-US" altLang="ko-KR" sz="1600" dirty="0">
-              <a:solidFill>
-                <a:schemeClr val="bg1"/>
-              </a:solidFill>
-              <a:latin typeface="넥슨Lv2고딕 Light" panose="00000300000000000000" pitchFamily="2" charset="-127"/>
-              <a:ea typeface="넥슨Lv2고딕 Light" panose="00000300000000000000" pitchFamily="2" charset="-127"/>
-            </a:endParaRPr>
-          </a:p>
-        </p:txBody>
-      </p:sp>
     </p:spTree>
     <p:extLst>
       <p:ext uri="{BB962C8B-B14F-4D97-AF65-F5344CB8AC3E}">
-        <p14:creationId xmlns:p14="http://schemas.microsoft.com/office/powerpoint/2010/main" val="3462649052"/>
+        <p14:creationId xmlns:p14="http://schemas.microsoft.com/office/powerpoint/2010/main" val="1804371286"/>
       </p:ext>
     </p:extLst>
   </p:cSld>
@@ -11546,73 +11562,24 @@
       </p:grpSpPr>
       <p:sp>
         <p:nvSpPr>
-          <p:cNvPr id="15" name="TextBox 14">
-            <a:extLst>
-              <a:ext uri="{FF2B5EF4-FFF2-40B4-BE49-F238E27FC236}">
-                <a16:creationId xmlns:a16="http://schemas.microsoft.com/office/drawing/2014/main" id="{BA04418A-3697-DF14-5B90-D9AC7CE43E2B}"/>
-              </a:ext>
-            </a:extLst>
-          </p:cNvPr>
-          <p:cNvSpPr txBox="1"/>
+          <p:cNvPr id="11" name="사각형: 둥근 모서리 10">
+            <a:extLst>
+              <a:ext uri="{FF2B5EF4-FFF2-40B4-BE49-F238E27FC236}">
+                <a16:creationId xmlns:a16="http://schemas.microsoft.com/office/drawing/2014/main" id="{B48A8572-A022-8604-EB47-900C9790D061}"/>
+              </a:ext>
+            </a:extLst>
+          </p:cNvPr>
+          <p:cNvSpPr/>
           <p:nvPr/>
         </p:nvSpPr>
         <p:spPr>
           <a:xfrm>
-            <a:off x="0" y="1484436"/>
-            <a:ext cx="12191999" cy="1200329"/>
-          </a:xfrm>
-          <a:prstGeom prst="rect">
-            <a:avLst/>
-          </a:prstGeom>
-          <a:noFill/>
-        </p:spPr>
-        <p:txBody>
-          <a:bodyPr wrap="square" rtlCol="0">
-            <a:spAutoFit/>
-          </a:bodyPr>
-          <a:lstStyle/>
-          <a:p>
-            <a:pPr algn="ctr"/>
-            <a:r>
-              <a:rPr lang="ko-KR" altLang="en-US" sz="7200" dirty="0">
-                <a:solidFill>
-                  <a:schemeClr val="bg1"/>
-                </a:solidFill>
-                <a:latin typeface="넥슨Lv2고딕 Bold" panose="00000800000000000000" pitchFamily="2" charset="-127"/>
-                <a:ea typeface="넥슨Lv2고딕 Bold" panose="00000800000000000000" pitchFamily="2" charset="-127"/>
-              </a:rPr>
-              <a:t>감사합니다</a:t>
-            </a:r>
-            <a:endParaRPr lang="en-US" altLang="ko-KR" sz="7200" dirty="0">
-              <a:solidFill>
-                <a:schemeClr val="bg1"/>
-              </a:solidFill>
-              <a:latin typeface="넥슨Lv2고딕 Bold" panose="00000800000000000000" pitchFamily="2" charset="-127"/>
-              <a:ea typeface="넥슨Lv2고딕 Bold" panose="00000800000000000000" pitchFamily="2" charset="-127"/>
-            </a:endParaRPr>
-          </a:p>
-        </p:txBody>
-      </p:sp>
-      <p:sp>
-        <p:nvSpPr>
-          <p:cNvPr id="8" name="사각형: 둥근 모서리 7">
-            <a:extLst>
-              <a:ext uri="{FF2B5EF4-FFF2-40B4-BE49-F238E27FC236}">
-                <a16:creationId xmlns:a16="http://schemas.microsoft.com/office/drawing/2014/main" id="{DD9CAF46-D785-4087-6AB7-ECE2B34C1006}"/>
-              </a:ext>
-            </a:extLst>
-          </p:cNvPr>
-          <p:cNvSpPr/>
-          <p:nvPr/>
-        </p:nvSpPr>
-        <p:spPr>
-          <a:xfrm>
-            <a:off x="8256588" y="5139267"/>
-            <a:ext cx="2160587" cy="960966"/>
+            <a:off x="6095999" y="1628774"/>
+            <a:ext cx="4321175" cy="4581526"/>
           </a:xfrm>
           <a:prstGeom prst="roundRect">
             <a:avLst>
-              <a:gd name="adj" fmla="val 50000"/>
+              <a:gd name="adj" fmla="val 4323"/>
             </a:avLst>
           </a:prstGeom>
           <a:solidFill>
@@ -11647,13 +11614,105 @@
           </a:p>
         </p:txBody>
       </p:sp>
+      <p:sp>
+        <p:nvSpPr>
+          <p:cNvPr id="6" name="TextBox 5">
+            <a:extLst>
+              <a:ext uri="{FF2B5EF4-FFF2-40B4-BE49-F238E27FC236}">
+                <a16:creationId xmlns:a16="http://schemas.microsoft.com/office/drawing/2014/main" id="{A1A729CA-938F-1B19-4148-3D25572B502C}"/>
+              </a:ext>
+            </a:extLst>
+          </p:cNvPr>
+          <p:cNvSpPr txBox="1"/>
+          <p:nvPr/>
+        </p:nvSpPr>
+        <p:spPr>
+          <a:xfrm>
+            <a:off x="1680310" y="1155929"/>
+            <a:ext cx="3733800" cy="584775"/>
+          </a:xfrm>
+          <a:prstGeom prst="rect">
+            <a:avLst/>
+          </a:prstGeom>
+          <a:noFill/>
+        </p:spPr>
+        <p:txBody>
+          <a:bodyPr wrap="square" rtlCol="0">
+            <a:spAutoFit/>
+          </a:bodyPr>
+          <a:lstStyle/>
+          <a:p>
+            <a:r>
+              <a:rPr lang="ko-KR" altLang="en-US" sz="3200" dirty="0">
+                <a:solidFill>
+                  <a:schemeClr val="bg1"/>
+                </a:solidFill>
+                <a:latin typeface="넥슨Lv2고딕 Bold" panose="00000800000000000000" pitchFamily="2" charset="-127"/>
+                <a:ea typeface="넥슨Lv2고딕 Bold" panose="00000800000000000000" pitchFamily="2" charset="-127"/>
+              </a:rPr>
+              <a:t>아쉬운 점</a:t>
+            </a:r>
+          </a:p>
+        </p:txBody>
+      </p:sp>
+      <p:sp>
+        <p:nvSpPr>
+          <p:cNvPr id="7" name="직사각형 6">
+            <a:extLst>
+              <a:ext uri="{FF2B5EF4-FFF2-40B4-BE49-F238E27FC236}">
+                <a16:creationId xmlns:a16="http://schemas.microsoft.com/office/drawing/2014/main" id="{EE422A0C-AD0C-D44C-27C3-48DBF1982000}"/>
+              </a:ext>
+            </a:extLst>
+          </p:cNvPr>
+          <p:cNvSpPr/>
+          <p:nvPr/>
+        </p:nvSpPr>
+        <p:spPr>
+          <a:xfrm>
+            <a:off x="1660524" y="1262063"/>
+            <a:ext cx="45719" cy="366711"/>
+          </a:xfrm>
+          <a:prstGeom prst="rect">
+            <a:avLst/>
+          </a:prstGeom>
+          <a:solidFill>
+            <a:schemeClr val="bg1"/>
+          </a:solidFill>
+          <a:ln>
+            <a:noFill/>
+          </a:ln>
+        </p:spPr>
+        <p:style>
+          <a:lnRef idx="2">
+            <a:schemeClr val="accent1">
+              <a:shade val="50000"/>
+            </a:schemeClr>
+          </a:lnRef>
+          <a:fillRef idx="1">
+            <a:schemeClr val="accent1"/>
+          </a:fillRef>
+          <a:effectRef idx="0">
+            <a:schemeClr val="accent1"/>
+          </a:effectRef>
+          <a:fontRef idx="minor">
+            <a:schemeClr val="lt1"/>
+          </a:fontRef>
+        </p:style>
+        <p:txBody>
+          <a:bodyPr rtlCol="0" anchor="ctr"/>
+          <a:lstStyle/>
+          <a:p>
+            <a:pPr algn="ctr"/>
+            <a:endParaRPr lang="ko-KR" altLang="en-US"/>
+          </a:p>
+        </p:txBody>
+      </p:sp>
       <p:pic>
         <p:nvPicPr>
-          <p:cNvPr id="4" name="그림 3">
-            <a:hlinkClick r:id="rId2"/>
-            <a:extLst>
-              <a:ext uri="{FF2B5EF4-FFF2-40B4-BE49-F238E27FC236}">
-                <a16:creationId xmlns:a16="http://schemas.microsoft.com/office/drawing/2014/main" id="{097F3146-8181-046A-D341-87687997E6CA}"/>
+          <p:cNvPr id="9" name="그래픽 8">
+            <a:extLst>
+              <a:ext uri="{FF2B5EF4-FFF2-40B4-BE49-F238E27FC236}">
+                <a16:creationId xmlns:a16="http://schemas.microsoft.com/office/drawing/2014/main" id="{B952CFDB-8BB3-2429-7671-6DE83F7AC321}"/>
               </a:ext>
             </a:extLst>
           </p:cNvPr>
@@ -11663,10 +11722,13 @@
           <p:nvPr/>
         </p:nvPicPr>
         <p:blipFill>
-          <a:blip r:embed="rId3">
+          <a:blip r:embed="rId2">
             <a:extLst>
               <a:ext uri="{28A0092B-C50C-407E-A947-70E740481C1C}">
                 <a14:useLocalDpi xmlns:a14="http://schemas.microsoft.com/office/drawing/2010/main" val="0"/>
+              </a:ext>
+              <a:ext uri="{96DAC541-7B7A-43D3-8B79-37D633B846F1}">
+                <asvg:svgBlip xmlns:asvg="http://schemas.microsoft.com/office/drawing/2016/SVG/main" r:embed="rId3"/>
               </a:ext>
             </a:extLst>
           </a:blip>
@@ -11676,55 +11738,237 @@
         </p:blipFill>
         <p:spPr>
           <a:xfrm>
-            <a:off x="9550819" y="5293541"/>
-            <a:ext cx="652417" cy="652417"/>
+            <a:off x="6200776" y="1841425"/>
+            <a:ext cx="4111624" cy="3952498"/>
           </a:xfrm>
           <a:prstGeom prst="rect">
             <a:avLst/>
           </a:prstGeom>
         </p:spPr>
       </p:pic>
-      <p:pic>
-        <p:nvPicPr>
-          <p:cNvPr id="12" name="그림 11">
-            <a:hlinkClick r:id="rId4"/>
-            <a:extLst>
-              <a:ext uri="{FF2B5EF4-FFF2-40B4-BE49-F238E27FC236}">
-                <a16:creationId xmlns:a16="http://schemas.microsoft.com/office/drawing/2014/main" id="{C5D3A7D1-47CB-23AC-4DAB-7E03E9365FC5}"/>
-              </a:ext>
-            </a:extLst>
-          </p:cNvPr>
-          <p:cNvPicPr>
-            <a:picLocks noChangeAspect="1"/>
-          </p:cNvPicPr>
+      <p:sp>
+        <p:nvSpPr>
+          <p:cNvPr id="10" name="TextBox 9">
+            <a:extLst>
+              <a:ext uri="{FF2B5EF4-FFF2-40B4-BE49-F238E27FC236}">
+                <a16:creationId xmlns:a16="http://schemas.microsoft.com/office/drawing/2014/main" id="{3DCDC810-10FA-861E-33DE-CA666F3543F7}"/>
+              </a:ext>
+            </a:extLst>
+          </p:cNvPr>
+          <p:cNvSpPr txBox="1"/>
           <p:nvPr/>
-        </p:nvPicPr>
-        <p:blipFill>
-          <a:blip r:embed="rId5">
-            <a:extLst>
-              <a:ext uri="{28A0092B-C50C-407E-A947-70E740481C1C}">
-                <a14:useLocalDpi xmlns:a14="http://schemas.microsoft.com/office/drawing/2010/main" val="0"/>
-              </a:ext>
-            </a:extLst>
-          </a:blip>
-          <a:stretch>
-            <a:fillRect/>
-          </a:stretch>
-        </p:blipFill>
+        </p:nvSpPr>
         <p:spPr>
           <a:xfrm>
-            <a:off x="8554718" y="5306970"/>
-            <a:ext cx="697972" cy="625558"/>
+            <a:off x="1680309" y="2074745"/>
+            <a:ext cx="8736865" cy="1953868"/>
           </a:xfrm>
           <a:prstGeom prst="rect">
             <a:avLst/>
           </a:prstGeom>
+          <a:noFill/>
         </p:spPr>
-      </p:pic>
+        <p:txBody>
+          <a:bodyPr wrap="square" rtlCol="0">
+            <a:spAutoFit/>
+          </a:bodyPr>
+          <a:lstStyle/>
+          <a:p>
+            <a:pPr>
+              <a:lnSpc>
+                <a:spcPct val="150000"/>
+              </a:lnSpc>
+            </a:pPr>
+            <a:r>
+              <a:rPr lang="en-US" altLang="ko-KR" dirty="0">
+                <a:solidFill>
+                  <a:schemeClr val="bg1"/>
+                </a:solidFill>
+                <a:latin typeface="넥슨Lv2고딕 Medium" panose="00000600000000000000" pitchFamily="2" charset="-127"/>
+                <a:ea typeface="넥슨Lv2고딕 Medium" panose="00000600000000000000" pitchFamily="2" charset="-127"/>
+              </a:rPr>
+              <a:t>UML </a:t>
+            </a:r>
+            <a:r>
+              <a:rPr lang="ko-KR" altLang="en-US" dirty="0">
+                <a:solidFill>
+                  <a:schemeClr val="bg1"/>
+                </a:solidFill>
+                <a:latin typeface="넥슨Lv2고딕 Medium" panose="00000600000000000000" pitchFamily="2" charset="-127"/>
+                <a:ea typeface="넥슨Lv2고딕 Medium" panose="00000600000000000000" pitchFamily="2" charset="-127"/>
+              </a:rPr>
+              <a:t>활용</a:t>
+            </a:r>
+            <a:endParaRPr lang="en-US" altLang="ko-KR" dirty="0">
+              <a:solidFill>
+                <a:schemeClr val="bg1"/>
+              </a:solidFill>
+              <a:latin typeface="넥슨Lv2고딕 Medium" panose="00000600000000000000" pitchFamily="2" charset="-127"/>
+              <a:ea typeface="넥슨Lv2고딕 Medium" panose="00000600000000000000" pitchFamily="2" charset="-127"/>
+            </a:endParaRPr>
+          </a:p>
+          <a:p>
+            <a:pPr>
+              <a:lnSpc>
+                <a:spcPct val="150000"/>
+              </a:lnSpc>
+            </a:pPr>
+            <a:r>
+              <a:rPr lang="ko-KR" altLang="en-US" sz="1600" dirty="0">
+                <a:solidFill>
+                  <a:schemeClr val="bg1"/>
+                </a:solidFill>
+                <a:latin typeface="넥슨Lv2고딕 Light" panose="00000300000000000000" pitchFamily="2" charset="-127"/>
+                <a:ea typeface="넥슨Lv2고딕 Light" panose="00000300000000000000" pitchFamily="2" charset="-127"/>
+              </a:rPr>
+              <a:t>계속해서 좋은 구조를 찾아보며 작업하다 보니</a:t>
+            </a:r>
+            <a:endParaRPr lang="en-US" altLang="ko-KR" sz="1600" dirty="0">
+              <a:solidFill>
+                <a:schemeClr val="bg1"/>
+              </a:solidFill>
+              <a:latin typeface="넥슨Lv2고딕 Light" panose="00000300000000000000" pitchFamily="2" charset="-127"/>
+              <a:ea typeface="넥슨Lv2고딕 Light" panose="00000300000000000000" pitchFamily="2" charset="-127"/>
+            </a:endParaRPr>
+          </a:p>
+          <a:p>
+            <a:pPr>
+              <a:lnSpc>
+                <a:spcPct val="150000"/>
+              </a:lnSpc>
+            </a:pPr>
+            <a:r>
+              <a:rPr lang="ko-KR" altLang="en-US" sz="1600" dirty="0">
+                <a:solidFill>
+                  <a:schemeClr val="bg1"/>
+                </a:solidFill>
+                <a:latin typeface="넥슨Lv2고딕 Light" panose="00000300000000000000" pitchFamily="2" charset="-127"/>
+                <a:ea typeface="넥슨Lv2고딕 Light" panose="00000300000000000000" pitchFamily="2" charset="-127"/>
+              </a:rPr>
+              <a:t>처음 </a:t>
+            </a:r>
+            <a:r>
+              <a:rPr lang="en-US" altLang="ko-KR" sz="1600" dirty="0">
+                <a:solidFill>
+                  <a:schemeClr val="bg1"/>
+                </a:solidFill>
+                <a:latin typeface="넥슨Lv2고딕 Light" panose="00000300000000000000" pitchFamily="2" charset="-127"/>
+                <a:ea typeface="넥슨Lv2고딕 Light" panose="00000300000000000000" pitchFamily="2" charset="-127"/>
+              </a:rPr>
+              <a:t>UML</a:t>
+            </a:r>
+            <a:r>
+              <a:rPr lang="ko-KR" altLang="en-US" sz="1600" dirty="0">
+                <a:solidFill>
+                  <a:schemeClr val="bg1"/>
+                </a:solidFill>
+                <a:latin typeface="넥슨Lv2고딕 Light" panose="00000300000000000000" pitchFamily="2" charset="-127"/>
+                <a:ea typeface="넥슨Lv2고딕 Light" panose="00000300000000000000" pitchFamily="2" charset="-127"/>
+              </a:rPr>
+              <a:t>로 만들어 둔 구조에서</a:t>
+            </a:r>
+            <a:endParaRPr lang="en-US" altLang="ko-KR" sz="1600" dirty="0">
+              <a:solidFill>
+                <a:schemeClr val="bg1"/>
+              </a:solidFill>
+              <a:latin typeface="넥슨Lv2고딕 Light" panose="00000300000000000000" pitchFamily="2" charset="-127"/>
+              <a:ea typeface="넥슨Lv2고딕 Light" panose="00000300000000000000" pitchFamily="2" charset="-127"/>
+            </a:endParaRPr>
+          </a:p>
+          <a:p>
+            <a:pPr>
+              <a:lnSpc>
+                <a:spcPct val="150000"/>
+              </a:lnSpc>
+            </a:pPr>
+            <a:r>
+              <a:rPr lang="ko-KR" altLang="en-US" sz="1600" dirty="0">
+                <a:solidFill>
+                  <a:schemeClr val="bg1"/>
+                </a:solidFill>
+                <a:latin typeface="넥슨Lv2고딕 Light" panose="00000300000000000000" pitchFamily="2" charset="-127"/>
+                <a:ea typeface="넥슨Lv2고딕 Light" panose="00000300000000000000" pitchFamily="2" charset="-127"/>
+              </a:rPr>
+              <a:t>변형된 것이</a:t>
+            </a:r>
+            <a:r>
+              <a:rPr lang="en-US" altLang="ko-KR" sz="1600" dirty="0">
+                <a:solidFill>
+                  <a:schemeClr val="bg1"/>
+                </a:solidFill>
+                <a:latin typeface="넥슨Lv2고딕 Light" panose="00000300000000000000" pitchFamily="2" charset="-127"/>
+                <a:ea typeface="넥슨Lv2고딕 Light" panose="00000300000000000000" pitchFamily="2" charset="-127"/>
+              </a:rPr>
+              <a:t> </a:t>
+            </a:r>
+            <a:r>
+              <a:rPr lang="ko-KR" altLang="en-US" sz="1600" dirty="0">
+                <a:solidFill>
+                  <a:schemeClr val="bg1"/>
+                </a:solidFill>
+                <a:latin typeface="넥슨Lv2고딕 Light" panose="00000300000000000000" pitchFamily="2" charset="-127"/>
+                <a:ea typeface="넥슨Lv2고딕 Light" panose="00000300000000000000" pitchFamily="2" charset="-127"/>
+              </a:rPr>
+              <a:t>있어서 앞으로 구조에 대해</a:t>
+            </a:r>
+            <a:endParaRPr lang="en-US" altLang="ko-KR" sz="1600" dirty="0">
+              <a:solidFill>
+                <a:schemeClr val="bg1"/>
+              </a:solidFill>
+              <a:latin typeface="넥슨Lv2고딕 Light" panose="00000300000000000000" pitchFamily="2" charset="-127"/>
+              <a:ea typeface="넥슨Lv2고딕 Light" panose="00000300000000000000" pitchFamily="2" charset="-127"/>
+            </a:endParaRPr>
+          </a:p>
+          <a:p>
+            <a:pPr>
+              <a:lnSpc>
+                <a:spcPct val="150000"/>
+              </a:lnSpc>
+            </a:pPr>
+            <a:r>
+              <a:rPr lang="ko-KR" altLang="en-US" sz="1600" dirty="0">
+                <a:solidFill>
+                  <a:schemeClr val="bg1"/>
+                </a:solidFill>
+                <a:latin typeface="넥슨Lv2고딕 Light" panose="00000300000000000000" pitchFamily="2" charset="-127"/>
+                <a:ea typeface="넥슨Lv2고딕 Light" panose="00000300000000000000" pitchFamily="2" charset="-127"/>
+              </a:rPr>
+              <a:t>더욱 신경 쓰면</a:t>
+            </a:r>
+            <a:r>
+              <a:rPr lang="en-US" altLang="ko-KR" sz="1600" dirty="0">
+                <a:solidFill>
+                  <a:schemeClr val="bg1"/>
+                </a:solidFill>
+                <a:latin typeface="넥슨Lv2고딕 Light" panose="00000300000000000000" pitchFamily="2" charset="-127"/>
+                <a:ea typeface="넥슨Lv2고딕 Light" panose="00000300000000000000" pitchFamily="2" charset="-127"/>
+              </a:rPr>
+              <a:t> </a:t>
+            </a:r>
+            <a:r>
+              <a:rPr lang="ko-KR" altLang="en-US" sz="1600" dirty="0">
+                <a:solidFill>
+                  <a:schemeClr val="bg1"/>
+                </a:solidFill>
+                <a:latin typeface="넥슨Lv2고딕 Light" panose="00000300000000000000" pitchFamily="2" charset="-127"/>
+                <a:ea typeface="넥슨Lv2고딕 Light" panose="00000300000000000000" pitchFamily="2" charset="-127"/>
+              </a:rPr>
+              <a:t>좋을 것 같습니다</a:t>
+            </a:r>
+            <a:endParaRPr lang="en-US" altLang="ko-KR" sz="1600" dirty="0">
+              <a:solidFill>
+                <a:schemeClr val="bg1"/>
+              </a:solidFill>
+              <a:latin typeface="넥슨Lv2고딕 Light" panose="00000300000000000000" pitchFamily="2" charset="-127"/>
+              <a:ea typeface="넥슨Lv2고딕 Light" panose="00000300000000000000" pitchFamily="2" charset="-127"/>
+            </a:endParaRPr>
+          </a:p>
+        </p:txBody>
+      </p:sp>
     </p:spTree>
     <p:extLst>
       <p:ext uri="{BB962C8B-B14F-4D97-AF65-F5344CB8AC3E}">
-        <p14:creationId xmlns:p14="http://schemas.microsoft.com/office/powerpoint/2010/main" val="2197835301"/>
+        <p14:creationId xmlns:p14="http://schemas.microsoft.com/office/powerpoint/2010/main" val="3462649052"/>
       </p:ext>
     </p:extLst>
   </p:cSld>
@@ -12181,6 +12425,221 @@
     <p:extLst>
       <p:ext uri="{BB962C8B-B14F-4D97-AF65-F5344CB8AC3E}">
         <p14:creationId xmlns:p14="http://schemas.microsoft.com/office/powerpoint/2010/main" val="1087468237"/>
+      </p:ext>
+    </p:extLst>
+  </p:cSld>
+  <p:clrMapOvr>
+    <a:masterClrMapping/>
+  </p:clrMapOvr>
+</p:sld>
+</file>
+
+<file path=ppt/slides/slide30.xml><?xml version="1.0" encoding="utf-8"?>
+<p:sld xmlns:a="http://schemas.openxmlformats.org/drawingml/2006/main" xmlns:r="http://schemas.openxmlformats.org/officeDocument/2006/relationships" xmlns:p="http://schemas.openxmlformats.org/presentationml/2006/main">
+  <p:cSld>
+    <p:bg>
+      <p:bgPr>
+        <a:solidFill>
+          <a:srgbClr val="4286F5"/>
+        </a:solidFill>
+        <a:effectLst/>
+      </p:bgPr>
+    </p:bg>
+    <p:spTree>
+      <p:nvGrpSpPr>
+        <p:cNvPr id="1" name=""/>
+        <p:cNvGrpSpPr/>
+        <p:nvPr/>
+      </p:nvGrpSpPr>
+      <p:grpSpPr>
+        <a:xfrm>
+          <a:off x="0" y="0"/>
+          <a:ext cx="0" cy="0"/>
+          <a:chOff x="0" y="0"/>
+          <a:chExt cx="0" cy="0"/>
+        </a:xfrm>
+      </p:grpSpPr>
+      <p:sp>
+        <p:nvSpPr>
+          <p:cNvPr id="15" name="TextBox 14">
+            <a:extLst>
+              <a:ext uri="{FF2B5EF4-FFF2-40B4-BE49-F238E27FC236}">
+                <a16:creationId xmlns:a16="http://schemas.microsoft.com/office/drawing/2014/main" id="{BA04418A-3697-DF14-5B90-D9AC7CE43E2B}"/>
+              </a:ext>
+            </a:extLst>
+          </p:cNvPr>
+          <p:cNvSpPr txBox="1"/>
+          <p:nvPr/>
+        </p:nvSpPr>
+        <p:spPr>
+          <a:xfrm>
+            <a:off x="0" y="1484436"/>
+            <a:ext cx="12191999" cy="1200329"/>
+          </a:xfrm>
+          <a:prstGeom prst="rect">
+            <a:avLst/>
+          </a:prstGeom>
+          <a:noFill/>
+        </p:spPr>
+        <p:txBody>
+          <a:bodyPr wrap="square" rtlCol="0">
+            <a:spAutoFit/>
+          </a:bodyPr>
+          <a:lstStyle/>
+          <a:p>
+            <a:pPr algn="ctr"/>
+            <a:r>
+              <a:rPr lang="ko-KR" altLang="en-US" sz="7200" dirty="0">
+                <a:solidFill>
+                  <a:schemeClr val="bg1"/>
+                </a:solidFill>
+                <a:latin typeface="넥슨Lv2고딕 Bold" panose="00000800000000000000" pitchFamily="2" charset="-127"/>
+                <a:ea typeface="넥슨Lv2고딕 Bold" panose="00000800000000000000" pitchFamily="2" charset="-127"/>
+              </a:rPr>
+              <a:t>감사합니다</a:t>
+            </a:r>
+            <a:endParaRPr lang="en-US" altLang="ko-KR" sz="7200" dirty="0">
+              <a:solidFill>
+                <a:schemeClr val="bg1"/>
+              </a:solidFill>
+              <a:latin typeface="넥슨Lv2고딕 Bold" panose="00000800000000000000" pitchFamily="2" charset="-127"/>
+              <a:ea typeface="넥슨Lv2고딕 Bold" panose="00000800000000000000" pitchFamily="2" charset="-127"/>
+            </a:endParaRPr>
+          </a:p>
+        </p:txBody>
+      </p:sp>
+      <p:sp>
+        <p:nvSpPr>
+          <p:cNvPr id="8" name="사각형: 둥근 모서리 7">
+            <a:extLst>
+              <a:ext uri="{FF2B5EF4-FFF2-40B4-BE49-F238E27FC236}">
+                <a16:creationId xmlns:a16="http://schemas.microsoft.com/office/drawing/2014/main" id="{DD9CAF46-D785-4087-6AB7-ECE2B34C1006}"/>
+              </a:ext>
+            </a:extLst>
+          </p:cNvPr>
+          <p:cNvSpPr/>
+          <p:nvPr/>
+        </p:nvSpPr>
+        <p:spPr>
+          <a:xfrm>
+            <a:off x="8256588" y="5139267"/>
+            <a:ext cx="2160587" cy="960966"/>
+          </a:xfrm>
+          <a:prstGeom prst="roundRect">
+            <a:avLst>
+              <a:gd name="adj" fmla="val 50000"/>
+            </a:avLst>
+          </a:prstGeom>
+          <a:solidFill>
+            <a:srgbClr val="6397F1"/>
+          </a:solidFill>
+          <a:ln>
+            <a:noFill/>
+          </a:ln>
+        </p:spPr>
+        <p:style>
+          <a:lnRef idx="2">
+            <a:schemeClr val="accent1">
+              <a:shade val="50000"/>
+            </a:schemeClr>
+          </a:lnRef>
+          <a:fillRef idx="1">
+            <a:schemeClr val="accent1"/>
+          </a:fillRef>
+          <a:effectRef idx="0">
+            <a:schemeClr val="accent1"/>
+          </a:effectRef>
+          <a:fontRef idx="minor">
+            <a:schemeClr val="lt1"/>
+          </a:fontRef>
+        </p:style>
+        <p:txBody>
+          <a:bodyPr rtlCol="0" anchor="ctr"/>
+          <a:lstStyle/>
+          <a:p>
+            <a:pPr algn="ctr"/>
+            <a:endParaRPr lang="ko-KR" altLang="en-US"/>
+          </a:p>
+        </p:txBody>
+      </p:sp>
+      <p:pic>
+        <p:nvPicPr>
+          <p:cNvPr id="4" name="그림 3">
+            <a:hlinkClick r:id="rId2"/>
+            <a:extLst>
+              <a:ext uri="{FF2B5EF4-FFF2-40B4-BE49-F238E27FC236}">
+                <a16:creationId xmlns:a16="http://schemas.microsoft.com/office/drawing/2014/main" id="{097F3146-8181-046A-D341-87687997E6CA}"/>
+              </a:ext>
+            </a:extLst>
+          </p:cNvPr>
+          <p:cNvPicPr>
+            <a:picLocks noChangeAspect="1"/>
+          </p:cNvPicPr>
+          <p:nvPr/>
+        </p:nvPicPr>
+        <p:blipFill>
+          <a:blip r:embed="rId3">
+            <a:extLst>
+              <a:ext uri="{28A0092B-C50C-407E-A947-70E740481C1C}">
+                <a14:useLocalDpi xmlns:a14="http://schemas.microsoft.com/office/drawing/2010/main" val="0"/>
+              </a:ext>
+            </a:extLst>
+          </a:blip>
+          <a:stretch>
+            <a:fillRect/>
+          </a:stretch>
+        </p:blipFill>
+        <p:spPr>
+          <a:xfrm>
+            <a:off x="9550819" y="5293541"/>
+            <a:ext cx="652417" cy="652417"/>
+          </a:xfrm>
+          <a:prstGeom prst="rect">
+            <a:avLst/>
+          </a:prstGeom>
+        </p:spPr>
+      </p:pic>
+      <p:pic>
+        <p:nvPicPr>
+          <p:cNvPr id="12" name="그림 11">
+            <a:hlinkClick r:id="rId4"/>
+            <a:extLst>
+              <a:ext uri="{FF2B5EF4-FFF2-40B4-BE49-F238E27FC236}">
+                <a16:creationId xmlns:a16="http://schemas.microsoft.com/office/drawing/2014/main" id="{C5D3A7D1-47CB-23AC-4DAB-7E03E9365FC5}"/>
+              </a:ext>
+            </a:extLst>
+          </p:cNvPr>
+          <p:cNvPicPr>
+            <a:picLocks noChangeAspect="1"/>
+          </p:cNvPicPr>
+          <p:nvPr/>
+        </p:nvPicPr>
+        <p:blipFill>
+          <a:blip r:embed="rId5">
+            <a:extLst>
+              <a:ext uri="{28A0092B-C50C-407E-A947-70E740481C1C}">
+                <a14:useLocalDpi xmlns:a14="http://schemas.microsoft.com/office/drawing/2010/main" val="0"/>
+              </a:ext>
+            </a:extLst>
+          </a:blip>
+          <a:stretch>
+            <a:fillRect/>
+          </a:stretch>
+        </p:blipFill>
+        <p:spPr>
+          <a:xfrm>
+            <a:off x="8554718" y="5306970"/>
+            <a:ext cx="697972" cy="625558"/>
+          </a:xfrm>
+          <a:prstGeom prst="rect">
+            <a:avLst/>
+          </a:prstGeom>
+        </p:spPr>
+      </p:pic>
+    </p:spTree>
+    <p:extLst>
+      <p:ext uri="{BB962C8B-B14F-4D97-AF65-F5344CB8AC3E}">
+        <p14:creationId xmlns:p14="http://schemas.microsoft.com/office/powerpoint/2010/main" val="2197835301"/>
       </p:ext>
     </p:extLst>
   </p:cSld>
@@ -14301,7 +14760,7 @@
         </p:nvSpPr>
         <p:spPr>
           <a:xfrm>
-            <a:off x="6974416" y="1628775"/>
+            <a:off x="7680325" y="1933575"/>
             <a:ext cx="1787937" cy="445971"/>
           </a:xfrm>
           <a:prstGeom prst="flowChartTerminator">
@@ -14365,7 +14824,7 @@
         </p:nvSpPr>
         <p:spPr>
           <a:xfrm>
-            <a:off x="6496785" y="2260274"/>
+            <a:off x="7202694" y="2565074"/>
             <a:ext cx="2743200" cy="709974"/>
           </a:xfrm>
           <a:prstGeom prst="flowChartDecision">
@@ -14494,7 +14953,7 @@
         </p:nvSpPr>
         <p:spPr>
           <a:xfrm>
-            <a:off x="6496785" y="3106146"/>
+            <a:off x="7202694" y="3410946"/>
             <a:ext cx="2743200" cy="709974"/>
           </a:xfrm>
           <a:prstGeom prst="flowChartDecision">
@@ -14623,7 +15082,7 @@
         </p:nvSpPr>
         <p:spPr>
           <a:xfrm>
-            <a:off x="6496785" y="3952018"/>
+            <a:off x="7202694" y="4256818"/>
             <a:ext cx="2743200" cy="384641"/>
           </a:xfrm>
           <a:prstGeom prst="flowChartProcess">
@@ -14733,7 +15192,7 @@
                 <a:latin typeface="넥슨Lv2고딕 Medium" panose="00000600000000000000" pitchFamily="2" charset="-127"/>
                 <a:ea typeface="넥슨Lv2고딕 Medium" panose="00000600000000000000" pitchFamily="2" charset="-127"/>
               </a:rPr>
-              <a:t>값을 감소시킨 후 </a:t>
+              <a:t>값을 감소시킨 값 만큼 </a:t>
             </a:r>
             <a:r>
               <a:rPr lang="en-US" altLang="ko-KR" sz="1200" dirty="0">
@@ -14778,7 +15237,7 @@
         </p:nvSpPr>
         <p:spPr>
           <a:xfrm>
-            <a:off x="6496785" y="4472557"/>
+            <a:off x="7202694" y="4777357"/>
             <a:ext cx="2743200" cy="238591"/>
           </a:xfrm>
           <a:prstGeom prst="flowChartProcess">
@@ -14907,7 +15366,7 @@
         </p:nvCxnSpPr>
         <p:spPr>
           <a:xfrm>
-            <a:off x="7868385" y="2970248"/>
+            <a:off x="8574294" y="3275048"/>
             <a:ext cx="0" cy="135898"/>
           </a:xfrm>
           <a:prstGeom prst="straightConnector1">
@@ -14953,7 +15412,7 @@
         </p:nvCxnSpPr>
         <p:spPr>
           <a:xfrm>
-            <a:off x="7868385" y="3816120"/>
+            <a:off x="8574294" y="4120920"/>
             <a:ext cx="0" cy="135898"/>
           </a:xfrm>
           <a:prstGeom prst="straightConnector1">
@@ -14999,7 +15458,7 @@
         </p:nvCxnSpPr>
         <p:spPr>
           <a:xfrm>
-            <a:off x="7868385" y="4336659"/>
+            <a:off x="8574294" y="4641459"/>
             <a:ext cx="0" cy="135898"/>
           </a:xfrm>
           <a:prstGeom prst="straightConnector1">
@@ -15045,7 +15504,7 @@
         </p:nvCxnSpPr>
         <p:spPr>
           <a:xfrm>
-            <a:off x="7868385" y="2074746"/>
+            <a:off x="8574294" y="2379546"/>
             <a:ext cx="0" cy="185528"/>
           </a:xfrm>
           <a:prstGeom prst="straightConnector1">
@@ -15091,7 +15550,7 @@
         </p:nvCxnSpPr>
         <p:spPr>
           <a:xfrm flipV="1">
-            <a:off x="9239985" y="3461133"/>
+            <a:off x="9945894" y="3765933"/>
             <a:ext cx="12700" cy="1130720"/>
           </a:xfrm>
           <a:prstGeom prst="bentConnector3">
@@ -15135,7 +15594,7 @@
         </p:nvSpPr>
         <p:spPr>
           <a:xfrm>
-            <a:off x="6974416" y="5106237"/>
+            <a:off x="7680325" y="5411037"/>
             <a:ext cx="1787937" cy="445971"/>
           </a:xfrm>
           <a:prstGeom prst="flowChartTerminator">
@@ -15213,7 +15672,7 @@
         </p:nvCxnSpPr>
         <p:spPr>
           <a:xfrm rot="10800000" flipV="1">
-            <a:off x="4918811" y="3461133"/>
+            <a:off x="5624720" y="3765933"/>
             <a:ext cx="1577975" cy="135898"/>
           </a:xfrm>
           <a:prstGeom prst="bentConnector2">
@@ -15255,7 +15714,7 @@
         </p:nvSpPr>
         <p:spPr>
           <a:xfrm>
-            <a:off x="3547210" y="3597031"/>
+            <a:off x="4253119" y="3901831"/>
             <a:ext cx="2743200" cy="709974"/>
           </a:xfrm>
           <a:prstGeom prst="flowChartDecision">
@@ -15345,7 +15804,7 @@
         </p:nvSpPr>
         <p:spPr>
           <a:xfrm>
-            <a:off x="3547210" y="4903051"/>
+            <a:off x="4253119" y="5207851"/>
             <a:ext cx="2743200" cy="238591"/>
           </a:xfrm>
           <a:prstGeom prst="flowChartProcess">
@@ -15452,7 +15911,7 @@
         </p:nvCxnSpPr>
         <p:spPr>
           <a:xfrm>
-            <a:off x="4918810" y="4307005"/>
+            <a:off x="5624719" y="4611805"/>
             <a:ext cx="0" cy="596046"/>
           </a:xfrm>
           <a:prstGeom prst="straightConnector1">
@@ -15494,7 +15953,7 @@
         </p:nvSpPr>
         <p:spPr>
           <a:xfrm>
-            <a:off x="3547210" y="5552208"/>
+            <a:off x="4253119" y="5857008"/>
             <a:ext cx="2743200" cy="238591"/>
           </a:xfrm>
           <a:prstGeom prst="flowChartProcess">
@@ -15562,7 +16021,7 @@
         </p:nvCxnSpPr>
         <p:spPr>
           <a:xfrm rot="10800000" flipV="1">
-            <a:off x="3547210" y="3952018"/>
+            <a:off x="4253119" y="4256818"/>
             <a:ext cx="12700" cy="1719486"/>
           </a:xfrm>
           <a:prstGeom prst="bentConnector3">
@@ -15610,7 +16069,7 @@
         </p:nvCxnSpPr>
         <p:spPr>
           <a:xfrm>
-            <a:off x="6290410" y="5022347"/>
+            <a:off x="6996319" y="5327147"/>
             <a:ext cx="684006" cy="306876"/>
           </a:xfrm>
           <a:prstGeom prst="bentConnector3">
@@ -15658,7 +16117,7 @@
         </p:nvCxnSpPr>
         <p:spPr>
           <a:xfrm flipV="1">
-            <a:off x="6290410" y="5329223"/>
+            <a:off x="6996319" y="5634023"/>
             <a:ext cx="684006" cy="342281"/>
           </a:xfrm>
           <a:prstGeom prst="bentConnector3">
@@ -15688,6 +16147,293 @@
           </a:fontRef>
         </p:style>
       </p:cxnSp>
+      <p:sp>
+        <p:nvSpPr>
+          <p:cNvPr id="23" name="TextBox 22">
+            <a:extLst>
+              <a:ext uri="{FF2B5EF4-FFF2-40B4-BE49-F238E27FC236}">
+                <a16:creationId xmlns:a16="http://schemas.microsoft.com/office/drawing/2014/main" id="{8B793D16-D94B-D5E4-D385-51364172B74C}"/>
+              </a:ext>
+            </a:extLst>
+          </p:cNvPr>
+          <p:cNvSpPr txBox="1"/>
+          <p:nvPr/>
+        </p:nvSpPr>
+        <p:spPr>
+          <a:xfrm>
+            <a:off x="1680309" y="2074745"/>
+            <a:ext cx="4415691" cy="1215204"/>
+          </a:xfrm>
+          <a:prstGeom prst="rect">
+            <a:avLst/>
+          </a:prstGeom>
+          <a:noFill/>
+        </p:spPr>
+        <p:txBody>
+          <a:bodyPr wrap="square" rtlCol="0">
+            <a:spAutoFit/>
+          </a:bodyPr>
+          <a:lstStyle/>
+          <a:p>
+            <a:pPr>
+              <a:lnSpc>
+                <a:spcPct val="150000"/>
+              </a:lnSpc>
+            </a:pPr>
+            <a:r>
+              <a:rPr lang="ko-KR" altLang="en-US" dirty="0">
+                <a:solidFill>
+                  <a:schemeClr val="bg1"/>
+                </a:solidFill>
+                <a:latin typeface="넥슨Lv2고딕 Medium" panose="00000600000000000000" pitchFamily="2" charset="-127"/>
+                <a:ea typeface="넥슨Lv2고딕 Medium" panose="00000600000000000000" pitchFamily="2" charset="-127"/>
+              </a:rPr>
+              <a:t>로직</a:t>
+            </a:r>
+          </a:p>
+          <a:p>
+            <a:pPr>
+              <a:lnSpc>
+                <a:spcPct val="150000"/>
+              </a:lnSpc>
+            </a:pPr>
+            <a:r>
+              <a:rPr lang="ko-KR" altLang="en-US" sz="1600" dirty="0" err="1">
+                <a:solidFill>
+                  <a:schemeClr val="bg1"/>
+                </a:solidFill>
+                <a:latin typeface="넥슨Lv2고딕 Light" panose="00000300000000000000" pitchFamily="2" charset="-127"/>
+                <a:ea typeface="넥슨Lv2고딕 Light" panose="00000300000000000000" pitchFamily="2" charset="-127"/>
+              </a:rPr>
+              <a:t>클리커</a:t>
+            </a:r>
+            <a:r>
+              <a:rPr lang="ko-KR" altLang="en-US" sz="1600" dirty="0">
+                <a:solidFill>
+                  <a:schemeClr val="bg1"/>
+                </a:solidFill>
+                <a:latin typeface="넥슨Lv2고딕 Light" panose="00000300000000000000" pitchFamily="2" charset="-127"/>
+                <a:ea typeface="넥슨Lv2고딕 Light" panose="00000300000000000000" pitchFamily="2" charset="-127"/>
+              </a:rPr>
+              <a:t> 게임에 대한 공부를 해보기 위해</a:t>
+            </a:r>
+            <a:endParaRPr lang="en-US" altLang="ko-KR" sz="1600" dirty="0">
+              <a:solidFill>
+                <a:schemeClr val="bg1"/>
+              </a:solidFill>
+              <a:latin typeface="넥슨Lv2고딕 Light" panose="00000300000000000000" pitchFamily="2" charset="-127"/>
+              <a:ea typeface="넥슨Lv2고딕 Light" panose="00000300000000000000" pitchFamily="2" charset="-127"/>
+            </a:endParaRPr>
+          </a:p>
+          <a:p>
+            <a:pPr>
+              <a:lnSpc>
+                <a:spcPct val="150000"/>
+              </a:lnSpc>
+            </a:pPr>
+            <a:r>
+              <a:rPr lang="ko-KR" altLang="en-US" sz="1600" dirty="0">
+                <a:solidFill>
+                  <a:schemeClr val="bg1"/>
+                </a:solidFill>
+                <a:latin typeface="넥슨Lv2고딕 Light" panose="00000300000000000000" pitchFamily="2" charset="-127"/>
+                <a:ea typeface="넥슨Lv2고딕 Light" panose="00000300000000000000" pitchFamily="2" charset="-127"/>
+              </a:rPr>
+              <a:t>제작되어 간단한 로직으로 작성되었습니다</a:t>
+            </a:r>
+            <a:endParaRPr lang="en-US" altLang="ko-KR" sz="1600" dirty="0">
+              <a:solidFill>
+                <a:schemeClr val="bg1"/>
+              </a:solidFill>
+              <a:latin typeface="넥슨Lv2고딕 Light" panose="00000300000000000000" pitchFamily="2" charset="-127"/>
+              <a:ea typeface="넥슨Lv2고딕 Light" panose="00000300000000000000" pitchFamily="2" charset="-127"/>
+            </a:endParaRPr>
+          </a:p>
+        </p:txBody>
+      </p:sp>
+      <p:cxnSp>
+        <p:nvCxnSpPr>
+          <p:cNvPr id="24" name="연결선: 꺾임 23">
+            <a:extLst>
+              <a:ext uri="{FF2B5EF4-FFF2-40B4-BE49-F238E27FC236}">
+                <a16:creationId xmlns:a16="http://schemas.microsoft.com/office/drawing/2014/main" id="{95CABF97-E570-9B64-A198-56CB24C980D4}"/>
+              </a:ext>
+            </a:extLst>
+          </p:cNvPr>
+          <p:cNvCxnSpPr>
+            <a:cxnSpLocks/>
+            <a:stCxn id="5" idx="3"/>
+            <a:endCxn id="66" idx="3"/>
+          </p:cNvCxnSpPr>
+          <p:nvPr/>
+        </p:nvCxnSpPr>
+        <p:spPr>
+          <a:xfrm flipH="1">
+            <a:off x="9468262" y="2920061"/>
+            <a:ext cx="477632" cy="2713962"/>
+          </a:xfrm>
+          <a:prstGeom prst="bentConnector3">
+            <a:avLst>
+              <a:gd name="adj1" fmla="val -94127"/>
+            </a:avLst>
+          </a:prstGeom>
+          <a:ln w="12700">
+            <a:solidFill>
+              <a:srgbClr val="E8E8E8"/>
+            </a:solidFill>
+            <a:tailEnd type="triangle"/>
+          </a:ln>
+        </p:spPr>
+        <p:style>
+          <a:lnRef idx="1">
+            <a:schemeClr val="accent1"/>
+          </a:lnRef>
+          <a:fillRef idx="0">
+            <a:schemeClr val="accent1"/>
+          </a:fillRef>
+          <a:effectRef idx="0">
+            <a:schemeClr val="accent1"/>
+          </a:effectRef>
+          <a:fontRef idx="minor">
+            <a:schemeClr val="tx1"/>
+          </a:fontRef>
+        </p:style>
+      </p:cxnSp>
+      <p:sp>
+        <p:nvSpPr>
+          <p:cNvPr id="7" name="TextBox 6">
+            <a:extLst>
+              <a:ext uri="{FF2B5EF4-FFF2-40B4-BE49-F238E27FC236}">
+                <a16:creationId xmlns:a16="http://schemas.microsoft.com/office/drawing/2014/main" id="{8D0DA8FC-D612-E4D1-6903-42DAB2B5FA34}"/>
+              </a:ext>
+            </a:extLst>
+          </p:cNvPr>
+          <p:cNvSpPr txBox="1"/>
+          <p:nvPr/>
+        </p:nvSpPr>
+        <p:spPr>
+          <a:xfrm>
+            <a:off x="9939542" y="2673576"/>
+            <a:ext cx="477629" cy="307777"/>
+          </a:xfrm>
+          <a:prstGeom prst="rect">
+            <a:avLst/>
+          </a:prstGeom>
+          <a:noFill/>
+        </p:spPr>
+        <p:txBody>
+          <a:bodyPr wrap="square" rtlCol="0">
+            <a:spAutoFit/>
+          </a:bodyPr>
+          <a:lstStyle/>
+          <a:p>
+            <a:r>
+              <a:rPr lang="en-US" altLang="ko-KR" sz="1400" dirty="0">
+                <a:solidFill>
+                  <a:schemeClr val="tx1">
+                    <a:lumMod val="95000"/>
+                    <a:lumOff val="5000"/>
+                  </a:schemeClr>
+                </a:solidFill>
+                <a:latin typeface="넥슨Lv2고딕 Medium" panose="00000600000000000000" pitchFamily="2" charset="-127"/>
+                <a:ea typeface="넥슨Lv2고딕 Medium" panose="00000600000000000000" pitchFamily="2" charset="-127"/>
+              </a:rPr>
+              <a:t>NO</a:t>
+            </a:r>
+            <a:endParaRPr lang="ko-KR" altLang="en-US" sz="1400" dirty="0"/>
+          </a:p>
+        </p:txBody>
+      </p:sp>
+      <p:sp>
+        <p:nvSpPr>
+          <p:cNvPr id="29" name="TextBox 28">
+            <a:extLst>
+              <a:ext uri="{FF2B5EF4-FFF2-40B4-BE49-F238E27FC236}">
+                <a16:creationId xmlns:a16="http://schemas.microsoft.com/office/drawing/2014/main" id="{CD0D44D9-991C-AF8C-E7CD-F6470A19E01A}"/>
+              </a:ext>
+            </a:extLst>
+          </p:cNvPr>
+          <p:cNvSpPr txBox="1"/>
+          <p:nvPr/>
+        </p:nvSpPr>
+        <p:spPr>
+          <a:xfrm>
+            <a:off x="6807722" y="3511776"/>
+            <a:ext cx="477629" cy="307777"/>
+          </a:xfrm>
+          <a:prstGeom prst="rect">
+            <a:avLst/>
+          </a:prstGeom>
+          <a:noFill/>
+        </p:spPr>
+        <p:txBody>
+          <a:bodyPr wrap="square" rtlCol="0">
+            <a:spAutoFit/>
+          </a:bodyPr>
+          <a:lstStyle/>
+          <a:p>
+            <a:r>
+              <a:rPr lang="en-US" altLang="ko-KR" sz="1400" dirty="0">
+                <a:solidFill>
+                  <a:schemeClr val="tx1">
+                    <a:lumMod val="95000"/>
+                    <a:lumOff val="5000"/>
+                  </a:schemeClr>
+                </a:solidFill>
+                <a:latin typeface="넥슨Lv2고딕 Medium" panose="00000600000000000000" pitchFamily="2" charset="-127"/>
+                <a:ea typeface="넥슨Lv2고딕 Medium" panose="00000600000000000000" pitchFamily="2" charset="-127"/>
+              </a:rPr>
+              <a:t>NO</a:t>
+            </a:r>
+            <a:endParaRPr lang="ko-KR" altLang="en-US" sz="1400" dirty="0"/>
+          </a:p>
+        </p:txBody>
+      </p:sp>
+      <p:sp>
+        <p:nvSpPr>
+          <p:cNvPr id="30" name="TextBox 29">
+            <a:extLst>
+              <a:ext uri="{FF2B5EF4-FFF2-40B4-BE49-F238E27FC236}">
+                <a16:creationId xmlns:a16="http://schemas.microsoft.com/office/drawing/2014/main" id="{6D376441-3E8B-BD25-7293-24283EF8A0EE}"/>
+              </a:ext>
+            </a:extLst>
+          </p:cNvPr>
+          <p:cNvSpPr txBox="1"/>
+          <p:nvPr/>
+        </p:nvSpPr>
+        <p:spPr>
+          <a:xfrm>
+            <a:off x="3936303" y="4007076"/>
+            <a:ext cx="477629" cy="307777"/>
+          </a:xfrm>
+          <a:prstGeom prst="rect">
+            <a:avLst/>
+          </a:prstGeom>
+          <a:noFill/>
+        </p:spPr>
+        <p:txBody>
+          <a:bodyPr wrap="square" rtlCol="0">
+            <a:spAutoFit/>
+          </a:bodyPr>
+          <a:lstStyle/>
+          <a:p>
+            <a:r>
+              <a:rPr lang="en-US" altLang="ko-KR" sz="1400" dirty="0">
+                <a:solidFill>
+                  <a:schemeClr val="tx1">
+                    <a:lumMod val="95000"/>
+                    <a:lumOff val="5000"/>
+                  </a:schemeClr>
+                </a:solidFill>
+                <a:latin typeface="넥슨Lv2고딕 Medium" panose="00000600000000000000" pitchFamily="2" charset="-127"/>
+                <a:ea typeface="넥슨Lv2고딕 Medium" panose="00000600000000000000" pitchFamily="2" charset="-127"/>
+              </a:rPr>
+              <a:t>NO</a:t>
+            </a:r>
+            <a:endParaRPr lang="ko-KR" altLang="en-US" sz="1400" dirty="0"/>
+          </a:p>
+        </p:txBody>
+      </p:sp>
     </p:spTree>
     <p:extLst>
       <p:ext uri="{BB962C8B-B14F-4D97-AF65-F5344CB8AC3E}">
